--- a/GEA3 Python.pptx
+++ b/GEA3 Python.pptx
@@ -5,18 +5,13 @@
     <p:sldMasterId id="2147483672" r:id="rId4"/>
   </p:sldMasterIdLst>
   <p:notesMasterIdLst>
-    <p:notesMasterId r:id="rId14"/>
+    <p:notesMasterId r:id="rId9"/>
   </p:notesMasterIdLst>
   <p:sldIdLst>
     <p:sldId id="256" r:id="rId5"/>
-    <p:sldId id="273" r:id="rId6"/>
-    <p:sldId id="290" r:id="rId7"/>
-    <p:sldId id="282" r:id="rId8"/>
-    <p:sldId id="288" r:id="rId9"/>
-    <p:sldId id="289" r:id="rId10"/>
-    <p:sldId id="287" r:id="rId11"/>
-    <p:sldId id="262" r:id="rId12"/>
-    <p:sldId id="263" r:id="rId13"/>
+    <p:sldId id="257" r:id="rId6"/>
+    <p:sldId id="259" r:id="rId7"/>
+    <p:sldId id="258" r:id="rId8"/>
   </p:sldIdLst>
   <p:sldSz cx="12192000" cy="6858000"/>
   <p:notesSz cx="6858000" cy="9144000"/>
@@ -560,90 +555,6 @@
     <p:extLst>
       <p:ext uri="{BB962C8B-B14F-4D97-AF65-F5344CB8AC3E}">
         <p14:creationId xmlns:p14="http://schemas.microsoft.com/office/powerpoint/2010/main" val="425579198"/>
-      </p:ext>
-    </p:extLst>
-  </p:cSld>
-  <p:clrMapOvr>
-    <a:masterClrMapping/>
-  </p:clrMapOvr>
-</p:notes>
-</file>
-
-<file path=ppt/notesSlides/notesSlide2.xml><?xml version="1.0" encoding="utf-8"?>
-<p:notes xmlns:a="http://schemas.openxmlformats.org/drawingml/2006/main" xmlns:r="http://schemas.openxmlformats.org/officeDocument/2006/relationships" xmlns:p="http://schemas.openxmlformats.org/presentationml/2006/main">
-  <p:cSld>
-    <p:spTree>
-      <p:nvGrpSpPr>
-        <p:cNvPr id="1" name=""/>
-        <p:cNvGrpSpPr/>
-        <p:nvPr/>
-      </p:nvGrpSpPr>
-      <p:grpSpPr>
-        <a:xfrm>
-          <a:off x="0" y="0"/>
-          <a:ext cx="0" cy="0"/>
-          <a:chOff x="0" y="0"/>
-          <a:chExt cx="0" cy="0"/>
-        </a:xfrm>
-      </p:grpSpPr>
-      <p:sp>
-        <p:nvSpPr>
-          <p:cNvPr id="2" name="Slide Image Placeholder 1"/>
-          <p:cNvSpPr>
-            <a:spLocks noGrp="1" noRot="1" noChangeAspect="1"/>
-          </p:cNvSpPr>
-          <p:nvPr>
-            <p:ph type="sldImg"/>
-          </p:nvPr>
-        </p:nvSpPr>
-        <p:spPr/>
-      </p:sp>
-      <p:sp>
-        <p:nvSpPr>
-          <p:cNvPr id="3" name="Notes Placeholder 2"/>
-          <p:cNvSpPr>
-            <a:spLocks noGrp="1"/>
-          </p:cNvSpPr>
-          <p:nvPr>
-            <p:ph type="body" idx="1"/>
-          </p:nvPr>
-        </p:nvSpPr>
-        <p:spPr/>
-        <p:txBody>
-          <a:bodyPr/>
-          <a:lstStyle/>
-          <a:p>
-            <a:endParaRPr lang="es-MX" dirty="0"/>
-          </a:p>
-        </p:txBody>
-      </p:sp>
-      <p:sp>
-        <p:nvSpPr>
-          <p:cNvPr id="4" name="Slide Number Placeholder 3"/>
-          <p:cNvSpPr>
-            <a:spLocks noGrp="1"/>
-          </p:cNvSpPr>
-          <p:nvPr>
-            <p:ph type="sldNum" sz="quarter" idx="10"/>
-          </p:nvPr>
-        </p:nvSpPr>
-        <p:spPr/>
-        <p:txBody>
-          <a:bodyPr/>
-          <a:lstStyle/>
-          <a:p>
-            <a:fld id="{35A37C7E-A82A-41C9-ADD4-82116A06CC8F}" type="slidenum">
-              <a:rPr lang="es-MX" smtClean="0"/>
-              <a:t>9</a:t>
-            </a:fld>
-            <a:endParaRPr lang="es-MX"/>
-          </a:p>
-        </p:txBody>
-      </p:sp>
-    </p:spTree>
-    <p:extLst>
-      <p:ext uri="{BB962C8B-B14F-4D97-AF65-F5344CB8AC3E}">
-        <p14:creationId xmlns:p14="http://schemas.microsoft.com/office/powerpoint/2010/main" val="4169964094"/>
       </p:ext>
     </p:extLst>
   </p:cSld>
@@ -1784,7 +1695,14 @@
           <a:p>
             <a:r>
               <a:rPr lang="es-MX" dirty="0"/>
-              <a:t>Diseño de Multitasking usando Máquinas de Estado</a:t>
+              <a:t>PROTOCOLO GEA3</a:t>
+            </a:r>
+            <a:br>
+              <a:rPr lang="es-MX" dirty="0"/>
+            </a:br>
+            <a:r>
+              <a:rPr lang="es-MX" dirty="0"/>
+              <a:t>CON PYTHON</a:t>
             </a:r>
           </a:p>
         </p:txBody>
@@ -1821,10 +1739,10 @@
       </p:grpSpPr>
       <p:sp>
         <p:nvSpPr>
-          <p:cNvPr id="5" name="TextBox 4">
+          <p:cNvPr id="2" name="TextBox 1">
             <a:extLst>
               <a:ext uri="{FF2B5EF4-FFF2-40B4-BE49-F238E27FC236}">
-                <a16:creationId xmlns:a16="http://schemas.microsoft.com/office/drawing/2014/main" id="{B3BB8261-0BBA-4ED2-9F37-0E33BC0ED093}"/>
+                <a16:creationId xmlns:a16="http://schemas.microsoft.com/office/drawing/2014/main" id="{1D40658E-ED32-46F1-80E9-5E15CF089B31}"/>
               </a:ext>
             </a:extLst>
           </p:cNvPr>
@@ -1833,8 +1751,8 @@
         </p:nvSpPr>
         <p:spPr>
           <a:xfrm>
-            <a:off x="408357" y="460958"/>
-            <a:ext cx="1414170" cy="615553"/>
+            <a:off x="573740" y="466164"/>
+            <a:ext cx="4401671" cy="707886"/>
           </a:xfrm>
           <a:prstGeom prst="rect">
             <a:avLst/>
@@ -1842,37 +1760,28 @@
           <a:noFill/>
         </p:spPr>
         <p:txBody>
-          <a:bodyPr wrap="none" lIns="0" tIns="0" rIns="0" bIns="0" rtlCol="0">
+          <a:bodyPr wrap="square" rtlCol="0">
             <a:spAutoFit/>
           </a:bodyPr>
           <a:lstStyle/>
           <a:p>
             <a:r>
-              <a:rPr lang="es-ES_tradnl" sz="4000" b="1" dirty="0">
+              <a:rPr lang="es-MX" sz="4000" b="1" dirty="0">
                 <a:solidFill>
                   <a:schemeClr val="bg1"/>
                 </a:solidFill>
-                <a:effectLst>
-                  <a:outerShdw blurRad="38100" dist="38100" dir="2700000" algn="tl">
-                    <a:srgbClr val="000000">
-                      <a:alpha val="43137"/>
-                    </a:srgbClr>
-                  </a:outerShdw>
-                </a:effectLst>
-                <a:latin typeface="Arial" panose="020B0604020202020204" pitchFamily="34" charset="0"/>
-                <a:cs typeface="Arial" panose="020B0604020202020204" pitchFamily="34" charset="0"/>
               </a:rPr>
-              <a:t>RTOS</a:t>
+              <a:t>FRAMES</a:t>
             </a:r>
           </a:p>
         </p:txBody>
       </p:sp>
       <p:sp>
         <p:nvSpPr>
-          <p:cNvPr id="7" name="TextBox 5">
+          <p:cNvPr id="3" name="TextBox 2">
             <a:extLst>
               <a:ext uri="{FF2B5EF4-FFF2-40B4-BE49-F238E27FC236}">
-                <a16:creationId xmlns:a16="http://schemas.microsoft.com/office/drawing/2014/main" id="{19F5C600-EF15-8F43-9B32-7456E4213218}"/>
+                <a16:creationId xmlns:a16="http://schemas.microsoft.com/office/drawing/2014/main" id="{58E78B63-4ED8-476C-A2C0-6D6E8C771291}"/>
               </a:ext>
             </a:extLst>
           </p:cNvPr>
@@ -1881,8 +1790,8 @@
         </p:nvSpPr>
         <p:spPr>
           <a:xfrm>
-            <a:off x="408357" y="1463621"/>
-            <a:ext cx="11392649" cy="4431983"/>
+            <a:off x="385482" y="1524000"/>
+            <a:ext cx="11187953" cy="967957"/>
           </a:xfrm>
           <a:prstGeom prst="rect">
             <a:avLst/>
@@ -1890,202 +1799,2317 @@
           <a:noFill/>
         </p:spPr>
         <p:txBody>
-          <a:bodyPr wrap="square" lIns="0" tIns="0" rIns="0" bIns="0" rtlCol="0">
+          <a:bodyPr wrap="square" rtlCol="0">
+            <a:spAutoFit/>
+          </a:bodyPr>
+          <a:lstStyle/>
+          <a:p>
+            <a:pPr algn="just">
+              <a:lnSpc>
+                <a:spcPct val="150000"/>
+              </a:lnSpc>
+            </a:pPr>
+            <a:r>
+              <a:rPr lang="es-MX" sz="2000" dirty="0"/>
+              <a:t>A continuación se muestran las tramas de lectura, escritura y envío de mensajes para el protocolo GEA3, donde se observa la composición de las estructuras para el envío y la recepción.</a:t>
+            </a:r>
+          </a:p>
+        </p:txBody>
+      </p:sp>
+      <p:sp>
+        <p:nvSpPr>
+          <p:cNvPr id="4" name="TextBox 3">
+            <a:extLst>
+              <a:ext uri="{FF2B5EF4-FFF2-40B4-BE49-F238E27FC236}">
+                <a16:creationId xmlns:a16="http://schemas.microsoft.com/office/drawing/2014/main" id="{6C855E64-F00B-4E9D-82D2-21F8F6AE636D}"/>
+              </a:ext>
+            </a:extLst>
+          </p:cNvPr>
+          <p:cNvSpPr txBox="1"/>
+          <p:nvPr/>
+        </p:nvSpPr>
+        <p:spPr>
+          <a:xfrm>
+            <a:off x="385482" y="2725271"/>
+            <a:ext cx="3101789" cy="369332"/>
+          </a:xfrm>
+          <a:prstGeom prst="rect">
+            <a:avLst/>
+          </a:prstGeom>
+          <a:noFill/>
+        </p:spPr>
+        <p:txBody>
+          <a:bodyPr wrap="square" rtlCol="0">
             <a:spAutoFit/>
           </a:bodyPr>
           <a:lstStyle/>
           <a:p>
             <a:r>
-              <a:rPr lang="es-ES_tradnl" b="1" dirty="0">
-                <a:latin typeface="Arial" panose="020B0604020202020204" pitchFamily="34" charset="0"/>
-                <a:cs typeface="Arial" panose="020B0604020202020204" pitchFamily="34" charset="0"/>
-              </a:rPr>
-              <a:t>Sistemas Operativos en Tiempo Real (RTOS)</a:t>
+              <a:rPr lang="es-MX" b="1" dirty="0"/>
+              <a:t>LECUTURA:</a:t>
             </a:r>
           </a:p>
+        </p:txBody>
+      </p:sp>
+      <p:graphicFrame>
+        <p:nvGraphicFramePr>
+          <p:cNvPr id="8" name="Table 7">
+            <a:extLst>
+              <a:ext uri="{FF2B5EF4-FFF2-40B4-BE49-F238E27FC236}">
+                <a16:creationId xmlns:a16="http://schemas.microsoft.com/office/drawing/2014/main" id="{841297EA-0734-49BA-BA5F-5EEF1193A3D6}"/>
+              </a:ext>
+            </a:extLst>
+          </p:cNvPr>
+          <p:cNvGraphicFramePr>
+            <a:graphicFrameLocks noGrp="1"/>
+          </p:cNvGraphicFramePr>
+          <p:nvPr>
+            <p:extLst>
+              <p:ext uri="{D42A27DB-BD31-4B8C-83A1-F6EECF244321}">
+                <p14:modId xmlns:p14="http://schemas.microsoft.com/office/powerpoint/2010/main" val="1818230784"/>
+              </p:ext>
+            </p:extLst>
+          </p:nvPr>
+        </p:nvGraphicFramePr>
+        <p:xfrm>
+          <a:off x="2788023" y="4845891"/>
+          <a:ext cx="6615954" cy="1211400"/>
+        </p:xfrm>
+        <a:graphic>
+          <a:graphicData uri="http://schemas.openxmlformats.org/drawingml/2006/table">
+            <a:tbl>
+              <a:tblPr/>
+              <a:tblGrid>
+                <a:gridCol w="815840">
+                  <a:extLst>
+                    <a:ext uri="{9D8B030D-6E8A-4147-A177-3AD203B41FA5}">
+                      <a16:colId xmlns:a16="http://schemas.microsoft.com/office/drawing/2014/main" val="1758621903"/>
+                    </a:ext>
+                  </a:extLst>
+                </a:gridCol>
+                <a:gridCol w="815840">
+                  <a:extLst>
+                    <a:ext uri="{9D8B030D-6E8A-4147-A177-3AD203B41FA5}">
+                      <a16:colId xmlns:a16="http://schemas.microsoft.com/office/drawing/2014/main" val="1406242350"/>
+                    </a:ext>
+                  </a:extLst>
+                </a:gridCol>
+                <a:gridCol w="905074">
+                  <a:extLst>
+                    <a:ext uri="{9D8B030D-6E8A-4147-A177-3AD203B41FA5}">
+                      <a16:colId xmlns:a16="http://schemas.microsoft.com/office/drawing/2014/main" val="1969619528"/>
+                    </a:ext>
+                  </a:extLst>
+                </a:gridCol>
+                <a:gridCol w="815840">
+                  <a:extLst>
+                    <a:ext uri="{9D8B030D-6E8A-4147-A177-3AD203B41FA5}">
+                      <a16:colId xmlns:a16="http://schemas.microsoft.com/office/drawing/2014/main" val="2732893733"/>
+                    </a:ext>
+                  </a:extLst>
+                </a:gridCol>
+                <a:gridCol w="815840">
+                  <a:extLst>
+                    <a:ext uri="{9D8B030D-6E8A-4147-A177-3AD203B41FA5}">
+                      <a16:colId xmlns:a16="http://schemas.microsoft.com/office/drawing/2014/main" val="559763962"/>
+                    </a:ext>
+                  </a:extLst>
+                </a:gridCol>
+                <a:gridCol w="815840">
+                  <a:extLst>
+                    <a:ext uri="{9D8B030D-6E8A-4147-A177-3AD203B41FA5}">
+                      <a16:colId xmlns:a16="http://schemas.microsoft.com/office/drawing/2014/main" val="2190904192"/>
+                    </a:ext>
+                  </a:extLst>
+                </a:gridCol>
+                <a:gridCol w="815840">
+                  <a:extLst>
+                    <a:ext uri="{9D8B030D-6E8A-4147-A177-3AD203B41FA5}">
+                      <a16:colId xmlns:a16="http://schemas.microsoft.com/office/drawing/2014/main" val="3630138783"/>
+                    </a:ext>
+                  </a:extLst>
+                </a:gridCol>
+                <a:gridCol w="815840">
+                  <a:extLst>
+                    <a:ext uri="{9D8B030D-6E8A-4147-A177-3AD203B41FA5}">
+                      <a16:colId xmlns:a16="http://schemas.microsoft.com/office/drawing/2014/main" val="643141066"/>
+                    </a:ext>
+                  </a:extLst>
+                </a:gridCol>
+              </a:tblGrid>
+              <a:tr h="340984">
+                <a:tc gridSpan="8">
+                  <a:txBody>
+                    <a:bodyPr/>
+                    <a:lstStyle>
+                      <a:lvl1pPr marL="0" algn="l" defTabSz="914400" rtl="0" eaLnBrk="1" latinLnBrk="0" hangingPunct="1">
+                        <a:defRPr sz="1800" kern="1200">
+                          <a:solidFill>
+                            <a:schemeClr val="tx1"/>
+                          </a:solidFill>
+                          <a:latin typeface="Calibri" panose="020F0502020204030204"/>
+                        </a:defRPr>
+                      </a:lvl1pPr>
+                      <a:lvl2pPr marL="457200" algn="l" defTabSz="914400" rtl="0" eaLnBrk="1" latinLnBrk="0" hangingPunct="1">
+                        <a:defRPr sz="1800" kern="1200">
+                          <a:solidFill>
+                            <a:schemeClr val="tx1"/>
+                          </a:solidFill>
+                          <a:latin typeface="Calibri" panose="020F0502020204030204"/>
+                        </a:defRPr>
+                      </a:lvl2pPr>
+                      <a:lvl3pPr marL="914400" algn="l" defTabSz="914400" rtl="0" eaLnBrk="1" latinLnBrk="0" hangingPunct="1">
+                        <a:defRPr sz="1800" kern="1200">
+                          <a:solidFill>
+                            <a:schemeClr val="tx1"/>
+                          </a:solidFill>
+                          <a:latin typeface="Calibri" panose="020F0502020204030204"/>
+                        </a:defRPr>
+                      </a:lvl3pPr>
+                      <a:lvl4pPr marL="1371600" algn="l" defTabSz="914400" rtl="0" eaLnBrk="1" latinLnBrk="0" hangingPunct="1">
+                        <a:defRPr sz="1800" kern="1200">
+                          <a:solidFill>
+                            <a:schemeClr val="tx1"/>
+                          </a:solidFill>
+                          <a:latin typeface="Calibri" panose="020F0502020204030204"/>
+                        </a:defRPr>
+                      </a:lvl4pPr>
+                      <a:lvl5pPr marL="1828800" algn="l" defTabSz="914400" rtl="0" eaLnBrk="1" latinLnBrk="0" hangingPunct="1">
+                        <a:defRPr sz="1800" kern="1200">
+                          <a:solidFill>
+                            <a:schemeClr val="tx1"/>
+                          </a:solidFill>
+                          <a:latin typeface="Calibri" panose="020F0502020204030204"/>
+                        </a:defRPr>
+                      </a:lvl5pPr>
+                      <a:lvl6pPr marL="2286000" algn="l" defTabSz="914400" rtl="0" eaLnBrk="1" latinLnBrk="0" hangingPunct="1">
+                        <a:defRPr sz="1800" kern="1200">
+                          <a:solidFill>
+                            <a:schemeClr val="tx1"/>
+                          </a:solidFill>
+                          <a:latin typeface="Calibri" panose="020F0502020204030204"/>
+                        </a:defRPr>
+                      </a:lvl6pPr>
+                      <a:lvl7pPr marL="2743200" algn="l" defTabSz="914400" rtl="0" eaLnBrk="1" latinLnBrk="0" hangingPunct="1">
+                        <a:defRPr sz="1800" kern="1200">
+                          <a:solidFill>
+                            <a:schemeClr val="tx1"/>
+                          </a:solidFill>
+                          <a:latin typeface="Calibri" panose="020F0502020204030204"/>
+                        </a:defRPr>
+                      </a:lvl7pPr>
+                      <a:lvl8pPr marL="3200400" algn="l" defTabSz="914400" rtl="0" eaLnBrk="1" latinLnBrk="0" hangingPunct="1">
+                        <a:defRPr sz="1800" kern="1200">
+                          <a:solidFill>
+                            <a:schemeClr val="tx1"/>
+                          </a:solidFill>
+                          <a:latin typeface="Calibri" panose="020F0502020204030204"/>
+                        </a:defRPr>
+                      </a:lvl8pPr>
+                      <a:lvl9pPr marL="3657600" algn="l" defTabSz="914400" rtl="0" eaLnBrk="1" latinLnBrk="0" hangingPunct="1">
+                        <a:defRPr sz="1800" kern="1200">
+                          <a:solidFill>
+                            <a:schemeClr val="tx1"/>
+                          </a:solidFill>
+                          <a:latin typeface="Calibri" panose="020F0502020204030204"/>
+                        </a:defRPr>
+                      </a:lvl9pPr>
+                    </a:lstStyle>
+                    <a:p>
+                      <a:pPr algn="ctr" fontAlgn="b"/>
+                      <a:r>
+                        <a:rPr lang="es-MX" sz="1600" b="1" u="none" strike="noStrike" dirty="0" err="1">
+                          <a:effectLst/>
+                        </a:rPr>
+                        <a:t>Request</a:t>
+                      </a:r>
+                      <a:r>
+                        <a:rPr lang="es-MX" sz="1600" b="1" u="none" strike="noStrike" dirty="0">
+                          <a:effectLst/>
+                        </a:rPr>
+                        <a:t> Lectura</a:t>
+                      </a:r>
+                      <a:endParaRPr lang="es-MX" sz="1600" b="1" i="0" u="none" strike="noStrike" dirty="0">
+                        <a:solidFill>
+                          <a:srgbClr val="000000"/>
+                        </a:solidFill>
+                        <a:effectLst/>
+                        <a:latin typeface="Calibri" panose="020F0502020204030204" pitchFamily="34" charset="0"/>
+                      </a:endParaRPr>
+                    </a:p>
+                  </a:txBody>
+                  <a:tcPr marL="9525" marR="9525" marT="9525" marB="0" anchor="ctr">
+                    <a:lnL>
+                      <a:noFill/>
+                    </a:lnL>
+                    <a:lnR>
+                      <a:noFill/>
+                    </a:lnR>
+                    <a:lnT w="12700" cmpd="sng">
+                      <a:solidFill>
+                        <a:srgbClr val="4472C4"/>
+                      </a:solidFill>
+                    </a:lnT>
+                    <a:lnB>
+                      <a:noFill/>
+                    </a:lnB>
+                    <a:lnTlToBr w="12700" cmpd="sng">
+                      <a:noFill/>
+                      <a:prstDash val="solid"/>
+                    </a:lnTlToBr>
+                    <a:lnBlToTr w="12700" cmpd="sng">
+                      <a:noFill/>
+                      <a:prstDash val="solid"/>
+                    </a:lnBlToTr>
+                    <a:noFill/>
+                  </a:tcPr>
+                </a:tc>
+                <a:tc hMerge="1">
+                  <a:txBody>
+                    <a:bodyPr/>
+                    <a:lstStyle/>
+                    <a:p>
+                      <a:endParaRPr lang="es-MX"/>
+                    </a:p>
+                  </a:txBody>
+                  <a:tcPr/>
+                </a:tc>
+                <a:tc hMerge="1">
+                  <a:txBody>
+                    <a:bodyPr/>
+                    <a:lstStyle/>
+                    <a:p>
+                      <a:endParaRPr lang="es-MX"/>
+                    </a:p>
+                  </a:txBody>
+                  <a:tcPr/>
+                </a:tc>
+                <a:tc hMerge="1">
+                  <a:txBody>
+                    <a:bodyPr/>
+                    <a:lstStyle/>
+                    <a:p>
+                      <a:endParaRPr lang="es-MX"/>
+                    </a:p>
+                  </a:txBody>
+                  <a:tcPr/>
+                </a:tc>
+                <a:tc hMerge="1">
+                  <a:txBody>
+                    <a:bodyPr/>
+                    <a:lstStyle/>
+                    <a:p>
+                      <a:endParaRPr lang="es-MX"/>
+                    </a:p>
+                  </a:txBody>
+                  <a:tcPr/>
+                </a:tc>
+                <a:tc hMerge="1">
+                  <a:txBody>
+                    <a:bodyPr/>
+                    <a:lstStyle/>
+                    <a:p>
+                      <a:endParaRPr lang="es-MX"/>
+                    </a:p>
+                  </a:txBody>
+                  <a:tcPr/>
+                </a:tc>
+                <a:tc hMerge="1">
+                  <a:txBody>
+                    <a:bodyPr/>
+                    <a:lstStyle/>
+                    <a:p>
+                      <a:endParaRPr lang="es-MX"/>
+                    </a:p>
+                  </a:txBody>
+                  <a:tcPr/>
+                </a:tc>
+                <a:tc hMerge="1">
+                  <a:txBody>
+                    <a:bodyPr/>
+                    <a:lstStyle/>
+                    <a:p>
+                      <a:endParaRPr lang="es-MX"/>
+                    </a:p>
+                  </a:txBody>
+                  <a:tcPr/>
+                </a:tc>
+                <a:extLst>
+                  <a:ext uri="{0D108BD9-81ED-4DB2-BD59-A6C34878D82A}">
+                    <a16:rowId xmlns:a16="http://schemas.microsoft.com/office/drawing/2014/main" val="1797099684"/>
+                  </a:ext>
+                </a:extLst>
+              </a:tr>
+              <a:tr h="435208">
+                <a:tc>
+                  <a:txBody>
+                    <a:bodyPr/>
+                    <a:lstStyle>
+                      <a:lvl1pPr marL="0" algn="l" defTabSz="914400" rtl="0" eaLnBrk="1" latinLnBrk="0" hangingPunct="1">
+                        <a:defRPr sz="1800" kern="1200">
+                          <a:solidFill>
+                            <a:schemeClr val="tx1"/>
+                          </a:solidFill>
+                          <a:latin typeface="Calibri" panose="020F0502020204030204"/>
+                        </a:defRPr>
+                      </a:lvl1pPr>
+                      <a:lvl2pPr marL="457200" algn="l" defTabSz="914400" rtl="0" eaLnBrk="1" latinLnBrk="0" hangingPunct="1">
+                        <a:defRPr sz="1800" kern="1200">
+                          <a:solidFill>
+                            <a:schemeClr val="tx1"/>
+                          </a:solidFill>
+                          <a:latin typeface="Calibri" panose="020F0502020204030204"/>
+                        </a:defRPr>
+                      </a:lvl2pPr>
+                      <a:lvl3pPr marL="914400" algn="l" defTabSz="914400" rtl="0" eaLnBrk="1" latinLnBrk="0" hangingPunct="1">
+                        <a:defRPr sz="1800" kern="1200">
+                          <a:solidFill>
+                            <a:schemeClr val="tx1"/>
+                          </a:solidFill>
+                          <a:latin typeface="Calibri" panose="020F0502020204030204"/>
+                        </a:defRPr>
+                      </a:lvl3pPr>
+                      <a:lvl4pPr marL="1371600" algn="l" defTabSz="914400" rtl="0" eaLnBrk="1" latinLnBrk="0" hangingPunct="1">
+                        <a:defRPr sz="1800" kern="1200">
+                          <a:solidFill>
+                            <a:schemeClr val="tx1"/>
+                          </a:solidFill>
+                          <a:latin typeface="Calibri" panose="020F0502020204030204"/>
+                        </a:defRPr>
+                      </a:lvl4pPr>
+                      <a:lvl5pPr marL="1828800" algn="l" defTabSz="914400" rtl="0" eaLnBrk="1" latinLnBrk="0" hangingPunct="1">
+                        <a:defRPr sz="1800" kern="1200">
+                          <a:solidFill>
+                            <a:schemeClr val="tx1"/>
+                          </a:solidFill>
+                          <a:latin typeface="Calibri" panose="020F0502020204030204"/>
+                        </a:defRPr>
+                      </a:lvl5pPr>
+                      <a:lvl6pPr marL="2286000" algn="l" defTabSz="914400" rtl="0" eaLnBrk="1" latinLnBrk="0" hangingPunct="1">
+                        <a:defRPr sz="1800" kern="1200">
+                          <a:solidFill>
+                            <a:schemeClr val="tx1"/>
+                          </a:solidFill>
+                          <a:latin typeface="Calibri" panose="020F0502020204030204"/>
+                        </a:defRPr>
+                      </a:lvl6pPr>
+                      <a:lvl7pPr marL="2743200" algn="l" defTabSz="914400" rtl="0" eaLnBrk="1" latinLnBrk="0" hangingPunct="1">
+                        <a:defRPr sz="1800" kern="1200">
+                          <a:solidFill>
+                            <a:schemeClr val="tx1"/>
+                          </a:solidFill>
+                          <a:latin typeface="Calibri" panose="020F0502020204030204"/>
+                        </a:defRPr>
+                      </a:lvl7pPr>
+                      <a:lvl8pPr marL="3200400" algn="l" defTabSz="914400" rtl="0" eaLnBrk="1" latinLnBrk="0" hangingPunct="1">
+                        <a:defRPr sz="1800" kern="1200">
+                          <a:solidFill>
+                            <a:schemeClr val="tx1"/>
+                          </a:solidFill>
+                          <a:latin typeface="Calibri" panose="020F0502020204030204"/>
+                        </a:defRPr>
+                      </a:lvl8pPr>
+                      <a:lvl9pPr marL="3657600" algn="l" defTabSz="914400" rtl="0" eaLnBrk="1" latinLnBrk="0" hangingPunct="1">
+                        <a:defRPr sz="1800" kern="1200">
+                          <a:solidFill>
+                            <a:schemeClr val="tx1"/>
+                          </a:solidFill>
+                          <a:latin typeface="Calibri" panose="020F0502020204030204"/>
+                        </a:defRPr>
+                      </a:lvl9pPr>
+                    </a:lstStyle>
+                    <a:p>
+                      <a:pPr algn="ctr" fontAlgn="b"/>
+                      <a:r>
+                        <a:rPr lang="es-MX" sz="1400" b="1" u="none" strike="noStrike">
+                          <a:effectLst/>
+                        </a:rPr>
+                        <a:t>Bit Init</a:t>
+                      </a:r>
+                      <a:endParaRPr lang="es-MX" sz="1400" b="1" i="0" u="none" strike="noStrike">
+                        <a:solidFill>
+                          <a:srgbClr val="000000"/>
+                        </a:solidFill>
+                        <a:effectLst/>
+                        <a:latin typeface="Calibri" panose="020F0502020204030204" pitchFamily="34" charset="0"/>
+                      </a:endParaRPr>
+                    </a:p>
+                  </a:txBody>
+                  <a:tcPr marL="9525" marR="9525" marT="9525" marB="0" anchor="b">
+                    <a:lnL>
+                      <a:noFill/>
+                    </a:lnL>
+                    <a:lnR>
+                      <a:noFill/>
+                    </a:lnR>
+                    <a:lnT>
+                      <a:noFill/>
+                    </a:lnT>
+                    <a:lnB>
+                      <a:noFill/>
+                    </a:lnB>
+                    <a:lnTlToBr w="12700" cmpd="sng">
+                      <a:noFill/>
+                      <a:prstDash val="solid"/>
+                    </a:lnTlToBr>
+                    <a:lnBlToTr w="12700" cmpd="sng">
+                      <a:noFill/>
+                      <a:prstDash val="solid"/>
+                    </a:lnBlToTr>
+                    <a:noFill/>
+                  </a:tcPr>
+                </a:tc>
+                <a:tc>
+                  <a:txBody>
+                    <a:bodyPr/>
+                    <a:lstStyle>
+                      <a:lvl1pPr marL="0" algn="l" defTabSz="914400" rtl="0" eaLnBrk="1" latinLnBrk="0" hangingPunct="1">
+                        <a:defRPr sz="1800" kern="1200">
+                          <a:solidFill>
+                            <a:schemeClr val="tx1"/>
+                          </a:solidFill>
+                          <a:latin typeface="Calibri" panose="020F0502020204030204"/>
+                        </a:defRPr>
+                      </a:lvl1pPr>
+                      <a:lvl2pPr marL="457200" algn="l" defTabSz="914400" rtl="0" eaLnBrk="1" latinLnBrk="0" hangingPunct="1">
+                        <a:defRPr sz="1800" kern="1200">
+                          <a:solidFill>
+                            <a:schemeClr val="tx1"/>
+                          </a:solidFill>
+                          <a:latin typeface="Calibri" panose="020F0502020204030204"/>
+                        </a:defRPr>
+                      </a:lvl2pPr>
+                      <a:lvl3pPr marL="914400" algn="l" defTabSz="914400" rtl="0" eaLnBrk="1" latinLnBrk="0" hangingPunct="1">
+                        <a:defRPr sz="1800" kern="1200">
+                          <a:solidFill>
+                            <a:schemeClr val="tx1"/>
+                          </a:solidFill>
+                          <a:latin typeface="Calibri" panose="020F0502020204030204"/>
+                        </a:defRPr>
+                      </a:lvl3pPr>
+                      <a:lvl4pPr marL="1371600" algn="l" defTabSz="914400" rtl="0" eaLnBrk="1" latinLnBrk="0" hangingPunct="1">
+                        <a:defRPr sz="1800" kern="1200">
+                          <a:solidFill>
+                            <a:schemeClr val="tx1"/>
+                          </a:solidFill>
+                          <a:latin typeface="Calibri" panose="020F0502020204030204"/>
+                        </a:defRPr>
+                      </a:lvl4pPr>
+                      <a:lvl5pPr marL="1828800" algn="l" defTabSz="914400" rtl="0" eaLnBrk="1" latinLnBrk="0" hangingPunct="1">
+                        <a:defRPr sz="1800" kern="1200">
+                          <a:solidFill>
+                            <a:schemeClr val="tx1"/>
+                          </a:solidFill>
+                          <a:latin typeface="Calibri" panose="020F0502020204030204"/>
+                        </a:defRPr>
+                      </a:lvl5pPr>
+                      <a:lvl6pPr marL="2286000" algn="l" defTabSz="914400" rtl="0" eaLnBrk="1" latinLnBrk="0" hangingPunct="1">
+                        <a:defRPr sz="1800" kern="1200">
+                          <a:solidFill>
+                            <a:schemeClr val="tx1"/>
+                          </a:solidFill>
+                          <a:latin typeface="Calibri" panose="020F0502020204030204"/>
+                        </a:defRPr>
+                      </a:lvl6pPr>
+                      <a:lvl7pPr marL="2743200" algn="l" defTabSz="914400" rtl="0" eaLnBrk="1" latinLnBrk="0" hangingPunct="1">
+                        <a:defRPr sz="1800" kern="1200">
+                          <a:solidFill>
+                            <a:schemeClr val="tx1"/>
+                          </a:solidFill>
+                          <a:latin typeface="Calibri" panose="020F0502020204030204"/>
+                        </a:defRPr>
+                      </a:lvl7pPr>
+                      <a:lvl8pPr marL="3200400" algn="l" defTabSz="914400" rtl="0" eaLnBrk="1" latinLnBrk="0" hangingPunct="1">
+                        <a:defRPr sz="1800" kern="1200">
+                          <a:solidFill>
+                            <a:schemeClr val="tx1"/>
+                          </a:solidFill>
+                          <a:latin typeface="Calibri" panose="020F0502020204030204"/>
+                        </a:defRPr>
+                      </a:lvl8pPr>
+                      <a:lvl9pPr marL="3657600" algn="l" defTabSz="914400" rtl="0" eaLnBrk="1" latinLnBrk="0" hangingPunct="1">
+                        <a:defRPr sz="1800" kern="1200">
+                          <a:solidFill>
+                            <a:schemeClr val="tx1"/>
+                          </a:solidFill>
+                          <a:latin typeface="Calibri" panose="020F0502020204030204"/>
+                        </a:defRPr>
+                      </a:lvl9pPr>
+                    </a:lstStyle>
+                    <a:p>
+                      <a:pPr algn="ctr" fontAlgn="b"/>
+                      <a:r>
+                        <a:rPr lang="es-MX" sz="1400" b="1" u="none" strike="noStrike" dirty="0">
+                          <a:effectLst/>
+                        </a:rPr>
+                        <a:t>DST</a:t>
+                      </a:r>
+                      <a:endParaRPr lang="es-MX" sz="1400" b="1" i="0" u="none" strike="noStrike" dirty="0">
+                        <a:solidFill>
+                          <a:srgbClr val="000000"/>
+                        </a:solidFill>
+                        <a:effectLst/>
+                        <a:latin typeface="Calibri" panose="020F0502020204030204" pitchFamily="34" charset="0"/>
+                      </a:endParaRPr>
+                    </a:p>
+                  </a:txBody>
+                  <a:tcPr marL="9525" marR="9525" marT="9525" marB="0" anchor="b">
+                    <a:lnL>
+                      <a:noFill/>
+                    </a:lnL>
+                    <a:lnR>
+                      <a:noFill/>
+                    </a:lnR>
+                    <a:lnT>
+                      <a:noFill/>
+                    </a:lnT>
+                    <a:lnB>
+                      <a:noFill/>
+                    </a:lnB>
+                    <a:lnTlToBr w="12700" cmpd="sng">
+                      <a:noFill/>
+                      <a:prstDash val="solid"/>
+                    </a:lnTlToBr>
+                    <a:lnBlToTr w="12700" cmpd="sng">
+                      <a:noFill/>
+                      <a:prstDash val="solid"/>
+                    </a:lnBlToTr>
+                    <a:noFill/>
+                  </a:tcPr>
+                </a:tc>
+                <a:tc>
+                  <a:txBody>
+                    <a:bodyPr/>
+                    <a:lstStyle>
+                      <a:lvl1pPr marL="0" algn="l" defTabSz="914400" rtl="0" eaLnBrk="1" latinLnBrk="0" hangingPunct="1">
+                        <a:defRPr sz="1800" kern="1200">
+                          <a:solidFill>
+                            <a:schemeClr val="tx1"/>
+                          </a:solidFill>
+                          <a:latin typeface="Calibri" panose="020F0502020204030204"/>
+                        </a:defRPr>
+                      </a:lvl1pPr>
+                      <a:lvl2pPr marL="457200" algn="l" defTabSz="914400" rtl="0" eaLnBrk="1" latinLnBrk="0" hangingPunct="1">
+                        <a:defRPr sz="1800" kern="1200">
+                          <a:solidFill>
+                            <a:schemeClr val="tx1"/>
+                          </a:solidFill>
+                          <a:latin typeface="Calibri" panose="020F0502020204030204"/>
+                        </a:defRPr>
+                      </a:lvl2pPr>
+                      <a:lvl3pPr marL="914400" algn="l" defTabSz="914400" rtl="0" eaLnBrk="1" latinLnBrk="0" hangingPunct="1">
+                        <a:defRPr sz="1800" kern="1200">
+                          <a:solidFill>
+                            <a:schemeClr val="tx1"/>
+                          </a:solidFill>
+                          <a:latin typeface="Calibri" panose="020F0502020204030204"/>
+                        </a:defRPr>
+                      </a:lvl3pPr>
+                      <a:lvl4pPr marL="1371600" algn="l" defTabSz="914400" rtl="0" eaLnBrk="1" latinLnBrk="0" hangingPunct="1">
+                        <a:defRPr sz="1800" kern="1200">
+                          <a:solidFill>
+                            <a:schemeClr val="tx1"/>
+                          </a:solidFill>
+                          <a:latin typeface="Calibri" panose="020F0502020204030204"/>
+                        </a:defRPr>
+                      </a:lvl4pPr>
+                      <a:lvl5pPr marL="1828800" algn="l" defTabSz="914400" rtl="0" eaLnBrk="1" latinLnBrk="0" hangingPunct="1">
+                        <a:defRPr sz="1800" kern="1200">
+                          <a:solidFill>
+                            <a:schemeClr val="tx1"/>
+                          </a:solidFill>
+                          <a:latin typeface="Calibri" panose="020F0502020204030204"/>
+                        </a:defRPr>
+                      </a:lvl5pPr>
+                      <a:lvl6pPr marL="2286000" algn="l" defTabSz="914400" rtl="0" eaLnBrk="1" latinLnBrk="0" hangingPunct="1">
+                        <a:defRPr sz="1800" kern="1200">
+                          <a:solidFill>
+                            <a:schemeClr val="tx1"/>
+                          </a:solidFill>
+                          <a:latin typeface="Calibri" panose="020F0502020204030204"/>
+                        </a:defRPr>
+                      </a:lvl6pPr>
+                      <a:lvl7pPr marL="2743200" algn="l" defTabSz="914400" rtl="0" eaLnBrk="1" latinLnBrk="0" hangingPunct="1">
+                        <a:defRPr sz="1800" kern="1200">
+                          <a:solidFill>
+                            <a:schemeClr val="tx1"/>
+                          </a:solidFill>
+                          <a:latin typeface="Calibri" panose="020F0502020204030204"/>
+                        </a:defRPr>
+                      </a:lvl7pPr>
+                      <a:lvl8pPr marL="3200400" algn="l" defTabSz="914400" rtl="0" eaLnBrk="1" latinLnBrk="0" hangingPunct="1">
+                        <a:defRPr sz="1800" kern="1200">
+                          <a:solidFill>
+                            <a:schemeClr val="tx1"/>
+                          </a:solidFill>
+                          <a:latin typeface="Calibri" panose="020F0502020204030204"/>
+                        </a:defRPr>
+                      </a:lvl8pPr>
+                      <a:lvl9pPr marL="3657600" algn="l" defTabSz="914400" rtl="0" eaLnBrk="1" latinLnBrk="0" hangingPunct="1">
+                        <a:defRPr sz="1800" kern="1200">
+                          <a:solidFill>
+                            <a:schemeClr val="tx1"/>
+                          </a:solidFill>
+                          <a:latin typeface="Calibri" panose="020F0502020204030204"/>
+                        </a:defRPr>
+                      </a:lvl9pPr>
+                    </a:lstStyle>
+                    <a:p>
+                      <a:pPr algn="ctr" fontAlgn="b"/>
+                      <a:r>
+                        <a:rPr lang="es-MX" sz="1400" b="1" u="none" strike="noStrike" dirty="0">
+                          <a:effectLst/>
+                        </a:rPr>
+                        <a:t>LONGITUD</a:t>
+                      </a:r>
+                      <a:endParaRPr lang="es-MX" sz="1400" b="1" i="0" u="none" strike="noStrike" dirty="0">
+                        <a:solidFill>
+                          <a:srgbClr val="000000"/>
+                        </a:solidFill>
+                        <a:effectLst/>
+                        <a:latin typeface="Calibri" panose="020F0502020204030204" pitchFamily="34" charset="0"/>
+                      </a:endParaRPr>
+                    </a:p>
+                  </a:txBody>
+                  <a:tcPr marL="9525" marR="9525" marT="9525" marB="0" anchor="b">
+                    <a:lnL>
+                      <a:noFill/>
+                    </a:lnL>
+                    <a:lnR>
+                      <a:noFill/>
+                    </a:lnR>
+                    <a:lnT>
+                      <a:noFill/>
+                    </a:lnT>
+                    <a:lnB>
+                      <a:noFill/>
+                    </a:lnB>
+                    <a:lnTlToBr w="12700" cmpd="sng">
+                      <a:noFill/>
+                      <a:prstDash val="solid"/>
+                    </a:lnTlToBr>
+                    <a:lnBlToTr w="12700" cmpd="sng">
+                      <a:noFill/>
+                      <a:prstDash val="solid"/>
+                    </a:lnBlToTr>
+                    <a:noFill/>
+                  </a:tcPr>
+                </a:tc>
+                <a:tc>
+                  <a:txBody>
+                    <a:bodyPr/>
+                    <a:lstStyle>
+                      <a:lvl1pPr marL="0" algn="l" defTabSz="914400" rtl="0" eaLnBrk="1" latinLnBrk="0" hangingPunct="1">
+                        <a:defRPr sz="1800" kern="1200">
+                          <a:solidFill>
+                            <a:schemeClr val="tx1"/>
+                          </a:solidFill>
+                          <a:latin typeface="Calibri" panose="020F0502020204030204"/>
+                        </a:defRPr>
+                      </a:lvl1pPr>
+                      <a:lvl2pPr marL="457200" algn="l" defTabSz="914400" rtl="0" eaLnBrk="1" latinLnBrk="0" hangingPunct="1">
+                        <a:defRPr sz="1800" kern="1200">
+                          <a:solidFill>
+                            <a:schemeClr val="tx1"/>
+                          </a:solidFill>
+                          <a:latin typeface="Calibri" panose="020F0502020204030204"/>
+                        </a:defRPr>
+                      </a:lvl2pPr>
+                      <a:lvl3pPr marL="914400" algn="l" defTabSz="914400" rtl="0" eaLnBrk="1" latinLnBrk="0" hangingPunct="1">
+                        <a:defRPr sz="1800" kern="1200">
+                          <a:solidFill>
+                            <a:schemeClr val="tx1"/>
+                          </a:solidFill>
+                          <a:latin typeface="Calibri" panose="020F0502020204030204"/>
+                        </a:defRPr>
+                      </a:lvl3pPr>
+                      <a:lvl4pPr marL="1371600" algn="l" defTabSz="914400" rtl="0" eaLnBrk="1" latinLnBrk="0" hangingPunct="1">
+                        <a:defRPr sz="1800" kern="1200">
+                          <a:solidFill>
+                            <a:schemeClr val="tx1"/>
+                          </a:solidFill>
+                          <a:latin typeface="Calibri" panose="020F0502020204030204"/>
+                        </a:defRPr>
+                      </a:lvl4pPr>
+                      <a:lvl5pPr marL="1828800" algn="l" defTabSz="914400" rtl="0" eaLnBrk="1" latinLnBrk="0" hangingPunct="1">
+                        <a:defRPr sz="1800" kern="1200">
+                          <a:solidFill>
+                            <a:schemeClr val="tx1"/>
+                          </a:solidFill>
+                          <a:latin typeface="Calibri" panose="020F0502020204030204"/>
+                        </a:defRPr>
+                      </a:lvl5pPr>
+                      <a:lvl6pPr marL="2286000" algn="l" defTabSz="914400" rtl="0" eaLnBrk="1" latinLnBrk="0" hangingPunct="1">
+                        <a:defRPr sz="1800" kern="1200">
+                          <a:solidFill>
+                            <a:schemeClr val="tx1"/>
+                          </a:solidFill>
+                          <a:latin typeface="Calibri" panose="020F0502020204030204"/>
+                        </a:defRPr>
+                      </a:lvl6pPr>
+                      <a:lvl7pPr marL="2743200" algn="l" defTabSz="914400" rtl="0" eaLnBrk="1" latinLnBrk="0" hangingPunct="1">
+                        <a:defRPr sz="1800" kern="1200">
+                          <a:solidFill>
+                            <a:schemeClr val="tx1"/>
+                          </a:solidFill>
+                          <a:latin typeface="Calibri" panose="020F0502020204030204"/>
+                        </a:defRPr>
+                      </a:lvl7pPr>
+                      <a:lvl8pPr marL="3200400" algn="l" defTabSz="914400" rtl="0" eaLnBrk="1" latinLnBrk="0" hangingPunct="1">
+                        <a:defRPr sz="1800" kern="1200">
+                          <a:solidFill>
+                            <a:schemeClr val="tx1"/>
+                          </a:solidFill>
+                          <a:latin typeface="Calibri" panose="020F0502020204030204"/>
+                        </a:defRPr>
+                      </a:lvl8pPr>
+                      <a:lvl9pPr marL="3657600" algn="l" defTabSz="914400" rtl="0" eaLnBrk="1" latinLnBrk="0" hangingPunct="1">
+                        <a:defRPr sz="1800" kern="1200">
+                          <a:solidFill>
+                            <a:schemeClr val="tx1"/>
+                          </a:solidFill>
+                          <a:latin typeface="Calibri" panose="020F0502020204030204"/>
+                        </a:defRPr>
+                      </a:lvl9pPr>
+                    </a:lstStyle>
+                    <a:p>
+                      <a:pPr algn="ctr" fontAlgn="b"/>
+                      <a:r>
+                        <a:rPr lang="es-MX" sz="1400" b="1" u="none" strike="noStrike" dirty="0">
+                          <a:effectLst/>
+                        </a:rPr>
+                        <a:t>SRC</a:t>
+                      </a:r>
+                      <a:endParaRPr lang="es-MX" sz="1400" b="1" i="0" u="none" strike="noStrike" dirty="0">
+                        <a:solidFill>
+                          <a:srgbClr val="000000"/>
+                        </a:solidFill>
+                        <a:effectLst/>
+                        <a:latin typeface="Calibri" panose="020F0502020204030204" pitchFamily="34" charset="0"/>
+                      </a:endParaRPr>
+                    </a:p>
+                  </a:txBody>
+                  <a:tcPr marL="9525" marR="9525" marT="9525" marB="0" anchor="b">
+                    <a:lnL>
+                      <a:noFill/>
+                    </a:lnL>
+                    <a:lnR>
+                      <a:noFill/>
+                    </a:lnR>
+                    <a:lnT>
+                      <a:noFill/>
+                    </a:lnT>
+                    <a:lnB>
+                      <a:noFill/>
+                    </a:lnB>
+                    <a:lnTlToBr w="12700" cmpd="sng">
+                      <a:noFill/>
+                      <a:prstDash val="solid"/>
+                    </a:lnTlToBr>
+                    <a:lnBlToTr w="12700" cmpd="sng">
+                      <a:noFill/>
+                      <a:prstDash val="solid"/>
+                    </a:lnBlToTr>
+                    <a:noFill/>
+                  </a:tcPr>
+                </a:tc>
+                <a:tc>
+                  <a:txBody>
+                    <a:bodyPr/>
+                    <a:lstStyle>
+                      <a:lvl1pPr marL="0" algn="l" defTabSz="914400" rtl="0" eaLnBrk="1" latinLnBrk="0" hangingPunct="1">
+                        <a:defRPr sz="1800" kern="1200">
+                          <a:solidFill>
+                            <a:schemeClr val="tx1"/>
+                          </a:solidFill>
+                          <a:latin typeface="Calibri" panose="020F0502020204030204"/>
+                        </a:defRPr>
+                      </a:lvl1pPr>
+                      <a:lvl2pPr marL="457200" algn="l" defTabSz="914400" rtl="0" eaLnBrk="1" latinLnBrk="0" hangingPunct="1">
+                        <a:defRPr sz="1800" kern="1200">
+                          <a:solidFill>
+                            <a:schemeClr val="tx1"/>
+                          </a:solidFill>
+                          <a:latin typeface="Calibri" panose="020F0502020204030204"/>
+                        </a:defRPr>
+                      </a:lvl2pPr>
+                      <a:lvl3pPr marL="914400" algn="l" defTabSz="914400" rtl="0" eaLnBrk="1" latinLnBrk="0" hangingPunct="1">
+                        <a:defRPr sz="1800" kern="1200">
+                          <a:solidFill>
+                            <a:schemeClr val="tx1"/>
+                          </a:solidFill>
+                          <a:latin typeface="Calibri" panose="020F0502020204030204"/>
+                        </a:defRPr>
+                      </a:lvl3pPr>
+                      <a:lvl4pPr marL="1371600" algn="l" defTabSz="914400" rtl="0" eaLnBrk="1" latinLnBrk="0" hangingPunct="1">
+                        <a:defRPr sz="1800" kern="1200">
+                          <a:solidFill>
+                            <a:schemeClr val="tx1"/>
+                          </a:solidFill>
+                          <a:latin typeface="Calibri" panose="020F0502020204030204"/>
+                        </a:defRPr>
+                      </a:lvl4pPr>
+                      <a:lvl5pPr marL="1828800" algn="l" defTabSz="914400" rtl="0" eaLnBrk="1" latinLnBrk="0" hangingPunct="1">
+                        <a:defRPr sz="1800" kern="1200">
+                          <a:solidFill>
+                            <a:schemeClr val="tx1"/>
+                          </a:solidFill>
+                          <a:latin typeface="Calibri" panose="020F0502020204030204"/>
+                        </a:defRPr>
+                      </a:lvl5pPr>
+                      <a:lvl6pPr marL="2286000" algn="l" defTabSz="914400" rtl="0" eaLnBrk="1" latinLnBrk="0" hangingPunct="1">
+                        <a:defRPr sz="1800" kern="1200">
+                          <a:solidFill>
+                            <a:schemeClr val="tx1"/>
+                          </a:solidFill>
+                          <a:latin typeface="Calibri" panose="020F0502020204030204"/>
+                        </a:defRPr>
+                      </a:lvl6pPr>
+                      <a:lvl7pPr marL="2743200" algn="l" defTabSz="914400" rtl="0" eaLnBrk="1" latinLnBrk="0" hangingPunct="1">
+                        <a:defRPr sz="1800" kern="1200">
+                          <a:solidFill>
+                            <a:schemeClr val="tx1"/>
+                          </a:solidFill>
+                          <a:latin typeface="Calibri" panose="020F0502020204030204"/>
+                        </a:defRPr>
+                      </a:lvl7pPr>
+                      <a:lvl8pPr marL="3200400" algn="l" defTabSz="914400" rtl="0" eaLnBrk="1" latinLnBrk="0" hangingPunct="1">
+                        <a:defRPr sz="1800" kern="1200">
+                          <a:solidFill>
+                            <a:schemeClr val="tx1"/>
+                          </a:solidFill>
+                          <a:latin typeface="Calibri" panose="020F0502020204030204"/>
+                        </a:defRPr>
+                      </a:lvl8pPr>
+                      <a:lvl9pPr marL="3657600" algn="l" defTabSz="914400" rtl="0" eaLnBrk="1" latinLnBrk="0" hangingPunct="1">
+                        <a:defRPr sz="1800" kern="1200">
+                          <a:solidFill>
+                            <a:schemeClr val="tx1"/>
+                          </a:solidFill>
+                          <a:latin typeface="Calibri" panose="020F0502020204030204"/>
+                        </a:defRPr>
+                      </a:lvl9pPr>
+                    </a:lstStyle>
+                    <a:p>
+                      <a:pPr algn="ctr" fontAlgn="b"/>
+                      <a:r>
+                        <a:rPr lang="es-MX" sz="1400" b="1" u="none" strike="noStrike" dirty="0">
+                          <a:effectLst/>
+                        </a:rPr>
+                        <a:t>CMD</a:t>
+                      </a:r>
+                      <a:endParaRPr lang="es-MX" sz="1400" b="1" i="0" u="none" strike="noStrike" dirty="0">
+                        <a:solidFill>
+                          <a:srgbClr val="000000"/>
+                        </a:solidFill>
+                        <a:effectLst/>
+                        <a:latin typeface="Calibri" panose="020F0502020204030204" pitchFamily="34" charset="0"/>
+                      </a:endParaRPr>
+                    </a:p>
+                  </a:txBody>
+                  <a:tcPr marL="9525" marR="9525" marT="9525" marB="0" anchor="b">
+                    <a:lnL>
+                      <a:noFill/>
+                    </a:lnL>
+                    <a:lnR>
+                      <a:noFill/>
+                    </a:lnR>
+                    <a:lnT>
+                      <a:noFill/>
+                    </a:lnT>
+                    <a:lnB>
+                      <a:noFill/>
+                    </a:lnB>
+                    <a:lnTlToBr w="12700" cmpd="sng">
+                      <a:noFill/>
+                      <a:prstDash val="solid"/>
+                    </a:lnTlToBr>
+                    <a:lnBlToTr w="12700" cmpd="sng">
+                      <a:noFill/>
+                      <a:prstDash val="solid"/>
+                    </a:lnBlToTr>
+                    <a:noFill/>
+                  </a:tcPr>
+                </a:tc>
+                <a:tc>
+                  <a:txBody>
+                    <a:bodyPr/>
+                    <a:lstStyle>
+                      <a:lvl1pPr marL="0" algn="l" defTabSz="914400" rtl="0" eaLnBrk="1" latinLnBrk="0" hangingPunct="1">
+                        <a:defRPr sz="1800" kern="1200">
+                          <a:solidFill>
+                            <a:schemeClr val="tx1"/>
+                          </a:solidFill>
+                          <a:latin typeface="Calibri" panose="020F0502020204030204"/>
+                        </a:defRPr>
+                      </a:lvl1pPr>
+                      <a:lvl2pPr marL="457200" algn="l" defTabSz="914400" rtl="0" eaLnBrk="1" latinLnBrk="0" hangingPunct="1">
+                        <a:defRPr sz="1800" kern="1200">
+                          <a:solidFill>
+                            <a:schemeClr val="tx1"/>
+                          </a:solidFill>
+                          <a:latin typeface="Calibri" panose="020F0502020204030204"/>
+                        </a:defRPr>
+                      </a:lvl2pPr>
+                      <a:lvl3pPr marL="914400" algn="l" defTabSz="914400" rtl="0" eaLnBrk="1" latinLnBrk="0" hangingPunct="1">
+                        <a:defRPr sz="1800" kern="1200">
+                          <a:solidFill>
+                            <a:schemeClr val="tx1"/>
+                          </a:solidFill>
+                          <a:latin typeface="Calibri" panose="020F0502020204030204"/>
+                        </a:defRPr>
+                      </a:lvl3pPr>
+                      <a:lvl4pPr marL="1371600" algn="l" defTabSz="914400" rtl="0" eaLnBrk="1" latinLnBrk="0" hangingPunct="1">
+                        <a:defRPr sz="1800" kern="1200">
+                          <a:solidFill>
+                            <a:schemeClr val="tx1"/>
+                          </a:solidFill>
+                          <a:latin typeface="Calibri" panose="020F0502020204030204"/>
+                        </a:defRPr>
+                      </a:lvl4pPr>
+                      <a:lvl5pPr marL="1828800" algn="l" defTabSz="914400" rtl="0" eaLnBrk="1" latinLnBrk="0" hangingPunct="1">
+                        <a:defRPr sz="1800" kern="1200">
+                          <a:solidFill>
+                            <a:schemeClr val="tx1"/>
+                          </a:solidFill>
+                          <a:latin typeface="Calibri" panose="020F0502020204030204"/>
+                        </a:defRPr>
+                      </a:lvl5pPr>
+                      <a:lvl6pPr marL="2286000" algn="l" defTabSz="914400" rtl="0" eaLnBrk="1" latinLnBrk="0" hangingPunct="1">
+                        <a:defRPr sz="1800" kern="1200">
+                          <a:solidFill>
+                            <a:schemeClr val="tx1"/>
+                          </a:solidFill>
+                          <a:latin typeface="Calibri" panose="020F0502020204030204"/>
+                        </a:defRPr>
+                      </a:lvl6pPr>
+                      <a:lvl7pPr marL="2743200" algn="l" defTabSz="914400" rtl="0" eaLnBrk="1" latinLnBrk="0" hangingPunct="1">
+                        <a:defRPr sz="1800" kern="1200">
+                          <a:solidFill>
+                            <a:schemeClr val="tx1"/>
+                          </a:solidFill>
+                          <a:latin typeface="Calibri" panose="020F0502020204030204"/>
+                        </a:defRPr>
+                      </a:lvl7pPr>
+                      <a:lvl8pPr marL="3200400" algn="l" defTabSz="914400" rtl="0" eaLnBrk="1" latinLnBrk="0" hangingPunct="1">
+                        <a:defRPr sz="1800" kern="1200">
+                          <a:solidFill>
+                            <a:schemeClr val="tx1"/>
+                          </a:solidFill>
+                          <a:latin typeface="Calibri" panose="020F0502020204030204"/>
+                        </a:defRPr>
+                      </a:lvl8pPr>
+                      <a:lvl9pPr marL="3657600" algn="l" defTabSz="914400" rtl="0" eaLnBrk="1" latinLnBrk="0" hangingPunct="1">
+                        <a:defRPr sz="1800" kern="1200">
+                          <a:solidFill>
+                            <a:schemeClr val="tx1"/>
+                          </a:solidFill>
+                          <a:latin typeface="Calibri" panose="020F0502020204030204"/>
+                        </a:defRPr>
+                      </a:lvl9pPr>
+                    </a:lstStyle>
+                    <a:p>
+                      <a:pPr algn="ctr" fontAlgn="b"/>
+                      <a:r>
+                        <a:rPr lang="es-MX" sz="1400" b="1" u="none" strike="noStrike">
+                          <a:effectLst/>
+                        </a:rPr>
+                        <a:t>ERD</a:t>
+                      </a:r>
+                      <a:endParaRPr lang="es-MX" sz="1400" b="1" i="0" u="none" strike="noStrike">
+                        <a:solidFill>
+                          <a:srgbClr val="000000"/>
+                        </a:solidFill>
+                        <a:effectLst/>
+                        <a:latin typeface="Calibri" panose="020F0502020204030204" pitchFamily="34" charset="0"/>
+                      </a:endParaRPr>
+                    </a:p>
+                  </a:txBody>
+                  <a:tcPr marL="9525" marR="9525" marT="9525" marB="0" anchor="b">
+                    <a:lnL>
+                      <a:noFill/>
+                    </a:lnL>
+                    <a:lnR>
+                      <a:noFill/>
+                    </a:lnR>
+                    <a:lnT>
+                      <a:noFill/>
+                    </a:lnT>
+                    <a:lnB>
+                      <a:noFill/>
+                    </a:lnB>
+                    <a:lnTlToBr w="12700" cmpd="sng">
+                      <a:noFill/>
+                      <a:prstDash val="solid"/>
+                    </a:lnTlToBr>
+                    <a:lnBlToTr w="12700" cmpd="sng">
+                      <a:noFill/>
+                      <a:prstDash val="solid"/>
+                    </a:lnBlToTr>
+                    <a:noFill/>
+                  </a:tcPr>
+                </a:tc>
+                <a:tc>
+                  <a:txBody>
+                    <a:bodyPr/>
+                    <a:lstStyle>
+                      <a:lvl1pPr marL="0" algn="l" defTabSz="914400" rtl="0" eaLnBrk="1" latinLnBrk="0" hangingPunct="1">
+                        <a:defRPr sz="1800" kern="1200">
+                          <a:solidFill>
+                            <a:schemeClr val="tx1"/>
+                          </a:solidFill>
+                          <a:latin typeface="Calibri" panose="020F0502020204030204"/>
+                        </a:defRPr>
+                      </a:lvl1pPr>
+                      <a:lvl2pPr marL="457200" algn="l" defTabSz="914400" rtl="0" eaLnBrk="1" latinLnBrk="0" hangingPunct="1">
+                        <a:defRPr sz="1800" kern="1200">
+                          <a:solidFill>
+                            <a:schemeClr val="tx1"/>
+                          </a:solidFill>
+                          <a:latin typeface="Calibri" panose="020F0502020204030204"/>
+                        </a:defRPr>
+                      </a:lvl2pPr>
+                      <a:lvl3pPr marL="914400" algn="l" defTabSz="914400" rtl="0" eaLnBrk="1" latinLnBrk="0" hangingPunct="1">
+                        <a:defRPr sz="1800" kern="1200">
+                          <a:solidFill>
+                            <a:schemeClr val="tx1"/>
+                          </a:solidFill>
+                          <a:latin typeface="Calibri" panose="020F0502020204030204"/>
+                        </a:defRPr>
+                      </a:lvl3pPr>
+                      <a:lvl4pPr marL="1371600" algn="l" defTabSz="914400" rtl="0" eaLnBrk="1" latinLnBrk="0" hangingPunct="1">
+                        <a:defRPr sz="1800" kern="1200">
+                          <a:solidFill>
+                            <a:schemeClr val="tx1"/>
+                          </a:solidFill>
+                          <a:latin typeface="Calibri" panose="020F0502020204030204"/>
+                        </a:defRPr>
+                      </a:lvl4pPr>
+                      <a:lvl5pPr marL="1828800" algn="l" defTabSz="914400" rtl="0" eaLnBrk="1" latinLnBrk="0" hangingPunct="1">
+                        <a:defRPr sz="1800" kern="1200">
+                          <a:solidFill>
+                            <a:schemeClr val="tx1"/>
+                          </a:solidFill>
+                          <a:latin typeface="Calibri" panose="020F0502020204030204"/>
+                        </a:defRPr>
+                      </a:lvl5pPr>
+                      <a:lvl6pPr marL="2286000" algn="l" defTabSz="914400" rtl="0" eaLnBrk="1" latinLnBrk="0" hangingPunct="1">
+                        <a:defRPr sz="1800" kern="1200">
+                          <a:solidFill>
+                            <a:schemeClr val="tx1"/>
+                          </a:solidFill>
+                          <a:latin typeface="Calibri" panose="020F0502020204030204"/>
+                        </a:defRPr>
+                      </a:lvl6pPr>
+                      <a:lvl7pPr marL="2743200" algn="l" defTabSz="914400" rtl="0" eaLnBrk="1" latinLnBrk="0" hangingPunct="1">
+                        <a:defRPr sz="1800" kern="1200">
+                          <a:solidFill>
+                            <a:schemeClr val="tx1"/>
+                          </a:solidFill>
+                          <a:latin typeface="Calibri" panose="020F0502020204030204"/>
+                        </a:defRPr>
+                      </a:lvl7pPr>
+                      <a:lvl8pPr marL="3200400" algn="l" defTabSz="914400" rtl="0" eaLnBrk="1" latinLnBrk="0" hangingPunct="1">
+                        <a:defRPr sz="1800" kern="1200">
+                          <a:solidFill>
+                            <a:schemeClr val="tx1"/>
+                          </a:solidFill>
+                          <a:latin typeface="Calibri" panose="020F0502020204030204"/>
+                        </a:defRPr>
+                      </a:lvl8pPr>
+                      <a:lvl9pPr marL="3657600" algn="l" defTabSz="914400" rtl="0" eaLnBrk="1" latinLnBrk="0" hangingPunct="1">
+                        <a:defRPr sz="1800" kern="1200">
+                          <a:solidFill>
+                            <a:schemeClr val="tx1"/>
+                          </a:solidFill>
+                          <a:latin typeface="Calibri" panose="020F0502020204030204"/>
+                        </a:defRPr>
+                      </a:lvl9pPr>
+                    </a:lstStyle>
+                    <a:p>
+                      <a:pPr algn="ctr" fontAlgn="b"/>
+                      <a:r>
+                        <a:rPr lang="es-MX" sz="1400" b="1" u="none" strike="noStrike">
+                          <a:effectLst/>
+                        </a:rPr>
+                        <a:t>CRC</a:t>
+                      </a:r>
+                      <a:endParaRPr lang="es-MX" sz="1400" b="1" i="0" u="none" strike="noStrike">
+                        <a:solidFill>
+                          <a:srgbClr val="000000"/>
+                        </a:solidFill>
+                        <a:effectLst/>
+                        <a:latin typeface="Calibri" panose="020F0502020204030204" pitchFamily="34" charset="0"/>
+                      </a:endParaRPr>
+                    </a:p>
+                  </a:txBody>
+                  <a:tcPr marL="9525" marR="9525" marT="9525" marB="0" anchor="b">
+                    <a:lnL>
+                      <a:noFill/>
+                    </a:lnL>
+                    <a:lnR>
+                      <a:noFill/>
+                    </a:lnR>
+                    <a:lnT>
+                      <a:noFill/>
+                    </a:lnT>
+                    <a:lnB>
+                      <a:noFill/>
+                    </a:lnB>
+                    <a:lnTlToBr w="12700" cmpd="sng">
+                      <a:noFill/>
+                      <a:prstDash val="solid"/>
+                    </a:lnTlToBr>
+                    <a:lnBlToTr w="12700" cmpd="sng">
+                      <a:noFill/>
+                      <a:prstDash val="solid"/>
+                    </a:lnBlToTr>
+                    <a:noFill/>
+                  </a:tcPr>
+                </a:tc>
+                <a:tc>
+                  <a:txBody>
+                    <a:bodyPr/>
+                    <a:lstStyle>
+                      <a:lvl1pPr marL="0" algn="l" defTabSz="914400" rtl="0" eaLnBrk="1" latinLnBrk="0" hangingPunct="1">
+                        <a:defRPr sz="1800" kern="1200">
+                          <a:solidFill>
+                            <a:schemeClr val="tx1"/>
+                          </a:solidFill>
+                          <a:latin typeface="Calibri" panose="020F0502020204030204"/>
+                        </a:defRPr>
+                      </a:lvl1pPr>
+                      <a:lvl2pPr marL="457200" algn="l" defTabSz="914400" rtl="0" eaLnBrk="1" latinLnBrk="0" hangingPunct="1">
+                        <a:defRPr sz="1800" kern="1200">
+                          <a:solidFill>
+                            <a:schemeClr val="tx1"/>
+                          </a:solidFill>
+                          <a:latin typeface="Calibri" panose="020F0502020204030204"/>
+                        </a:defRPr>
+                      </a:lvl2pPr>
+                      <a:lvl3pPr marL="914400" algn="l" defTabSz="914400" rtl="0" eaLnBrk="1" latinLnBrk="0" hangingPunct="1">
+                        <a:defRPr sz="1800" kern="1200">
+                          <a:solidFill>
+                            <a:schemeClr val="tx1"/>
+                          </a:solidFill>
+                          <a:latin typeface="Calibri" panose="020F0502020204030204"/>
+                        </a:defRPr>
+                      </a:lvl3pPr>
+                      <a:lvl4pPr marL="1371600" algn="l" defTabSz="914400" rtl="0" eaLnBrk="1" latinLnBrk="0" hangingPunct="1">
+                        <a:defRPr sz="1800" kern="1200">
+                          <a:solidFill>
+                            <a:schemeClr val="tx1"/>
+                          </a:solidFill>
+                          <a:latin typeface="Calibri" panose="020F0502020204030204"/>
+                        </a:defRPr>
+                      </a:lvl4pPr>
+                      <a:lvl5pPr marL="1828800" algn="l" defTabSz="914400" rtl="0" eaLnBrk="1" latinLnBrk="0" hangingPunct="1">
+                        <a:defRPr sz="1800" kern="1200">
+                          <a:solidFill>
+                            <a:schemeClr val="tx1"/>
+                          </a:solidFill>
+                          <a:latin typeface="Calibri" panose="020F0502020204030204"/>
+                        </a:defRPr>
+                      </a:lvl5pPr>
+                      <a:lvl6pPr marL="2286000" algn="l" defTabSz="914400" rtl="0" eaLnBrk="1" latinLnBrk="0" hangingPunct="1">
+                        <a:defRPr sz="1800" kern="1200">
+                          <a:solidFill>
+                            <a:schemeClr val="tx1"/>
+                          </a:solidFill>
+                          <a:latin typeface="Calibri" panose="020F0502020204030204"/>
+                        </a:defRPr>
+                      </a:lvl6pPr>
+                      <a:lvl7pPr marL="2743200" algn="l" defTabSz="914400" rtl="0" eaLnBrk="1" latinLnBrk="0" hangingPunct="1">
+                        <a:defRPr sz="1800" kern="1200">
+                          <a:solidFill>
+                            <a:schemeClr val="tx1"/>
+                          </a:solidFill>
+                          <a:latin typeface="Calibri" panose="020F0502020204030204"/>
+                        </a:defRPr>
+                      </a:lvl7pPr>
+                      <a:lvl8pPr marL="3200400" algn="l" defTabSz="914400" rtl="0" eaLnBrk="1" latinLnBrk="0" hangingPunct="1">
+                        <a:defRPr sz="1800" kern="1200">
+                          <a:solidFill>
+                            <a:schemeClr val="tx1"/>
+                          </a:solidFill>
+                          <a:latin typeface="Calibri" panose="020F0502020204030204"/>
+                        </a:defRPr>
+                      </a:lvl8pPr>
+                      <a:lvl9pPr marL="3657600" algn="l" defTabSz="914400" rtl="0" eaLnBrk="1" latinLnBrk="0" hangingPunct="1">
+                        <a:defRPr sz="1800" kern="1200">
+                          <a:solidFill>
+                            <a:schemeClr val="tx1"/>
+                          </a:solidFill>
+                          <a:latin typeface="Calibri" panose="020F0502020204030204"/>
+                        </a:defRPr>
+                      </a:lvl9pPr>
+                    </a:lstStyle>
+                    <a:p>
+                      <a:pPr algn="ctr" fontAlgn="b"/>
+                      <a:r>
+                        <a:rPr lang="es-MX" sz="1400" b="1" u="none" strike="noStrike">
+                          <a:effectLst/>
+                        </a:rPr>
+                        <a:t>BIT STOP</a:t>
+                      </a:r>
+                      <a:endParaRPr lang="es-MX" sz="1400" b="1" i="0" u="none" strike="noStrike">
+                        <a:solidFill>
+                          <a:srgbClr val="000000"/>
+                        </a:solidFill>
+                        <a:effectLst/>
+                        <a:latin typeface="Calibri" panose="020F0502020204030204" pitchFamily="34" charset="0"/>
+                      </a:endParaRPr>
+                    </a:p>
+                  </a:txBody>
+                  <a:tcPr marL="9525" marR="9525" marT="9525" marB="0" anchor="b">
+                    <a:lnL>
+                      <a:noFill/>
+                    </a:lnL>
+                    <a:lnR>
+                      <a:noFill/>
+                    </a:lnR>
+                    <a:lnT>
+                      <a:noFill/>
+                    </a:lnT>
+                    <a:lnB>
+                      <a:noFill/>
+                    </a:lnB>
+                    <a:lnTlToBr w="12700" cmpd="sng">
+                      <a:noFill/>
+                      <a:prstDash val="solid"/>
+                    </a:lnTlToBr>
+                    <a:lnBlToTr w="12700" cmpd="sng">
+                      <a:noFill/>
+                      <a:prstDash val="solid"/>
+                    </a:lnBlToTr>
+                    <a:noFill/>
+                  </a:tcPr>
+                </a:tc>
+                <a:extLst>
+                  <a:ext uri="{0D108BD9-81ED-4DB2-BD59-A6C34878D82A}">
+                    <a16:rowId xmlns:a16="http://schemas.microsoft.com/office/drawing/2014/main" val="2464524371"/>
+                  </a:ext>
+                </a:extLst>
+              </a:tr>
+              <a:tr h="435208">
+                <a:tc>
+                  <a:txBody>
+                    <a:bodyPr/>
+                    <a:lstStyle>
+                      <a:lvl1pPr marL="0" algn="l" defTabSz="914400" rtl="0" eaLnBrk="1" latinLnBrk="0" hangingPunct="1">
+                        <a:defRPr sz="1800" kern="1200">
+                          <a:solidFill>
+                            <a:schemeClr val="tx1"/>
+                          </a:solidFill>
+                          <a:latin typeface="Calibri" panose="020F0502020204030204"/>
+                        </a:defRPr>
+                      </a:lvl1pPr>
+                      <a:lvl2pPr marL="457200" algn="l" defTabSz="914400" rtl="0" eaLnBrk="1" latinLnBrk="0" hangingPunct="1">
+                        <a:defRPr sz="1800" kern="1200">
+                          <a:solidFill>
+                            <a:schemeClr val="tx1"/>
+                          </a:solidFill>
+                          <a:latin typeface="Calibri" panose="020F0502020204030204"/>
+                        </a:defRPr>
+                      </a:lvl2pPr>
+                      <a:lvl3pPr marL="914400" algn="l" defTabSz="914400" rtl="0" eaLnBrk="1" latinLnBrk="0" hangingPunct="1">
+                        <a:defRPr sz="1800" kern="1200">
+                          <a:solidFill>
+                            <a:schemeClr val="tx1"/>
+                          </a:solidFill>
+                          <a:latin typeface="Calibri" panose="020F0502020204030204"/>
+                        </a:defRPr>
+                      </a:lvl3pPr>
+                      <a:lvl4pPr marL="1371600" algn="l" defTabSz="914400" rtl="0" eaLnBrk="1" latinLnBrk="0" hangingPunct="1">
+                        <a:defRPr sz="1800" kern="1200">
+                          <a:solidFill>
+                            <a:schemeClr val="tx1"/>
+                          </a:solidFill>
+                          <a:latin typeface="Calibri" panose="020F0502020204030204"/>
+                        </a:defRPr>
+                      </a:lvl4pPr>
+                      <a:lvl5pPr marL="1828800" algn="l" defTabSz="914400" rtl="0" eaLnBrk="1" latinLnBrk="0" hangingPunct="1">
+                        <a:defRPr sz="1800" kern="1200">
+                          <a:solidFill>
+                            <a:schemeClr val="tx1"/>
+                          </a:solidFill>
+                          <a:latin typeface="Calibri" panose="020F0502020204030204"/>
+                        </a:defRPr>
+                      </a:lvl5pPr>
+                      <a:lvl6pPr marL="2286000" algn="l" defTabSz="914400" rtl="0" eaLnBrk="1" latinLnBrk="0" hangingPunct="1">
+                        <a:defRPr sz="1800" kern="1200">
+                          <a:solidFill>
+                            <a:schemeClr val="tx1"/>
+                          </a:solidFill>
+                          <a:latin typeface="Calibri" panose="020F0502020204030204"/>
+                        </a:defRPr>
+                      </a:lvl6pPr>
+                      <a:lvl7pPr marL="2743200" algn="l" defTabSz="914400" rtl="0" eaLnBrk="1" latinLnBrk="0" hangingPunct="1">
+                        <a:defRPr sz="1800" kern="1200">
+                          <a:solidFill>
+                            <a:schemeClr val="tx1"/>
+                          </a:solidFill>
+                          <a:latin typeface="Calibri" panose="020F0502020204030204"/>
+                        </a:defRPr>
+                      </a:lvl7pPr>
+                      <a:lvl8pPr marL="3200400" algn="l" defTabSz="914400" rtl="0" eaLnBrk="1" latinLnBrk="0" hangingPunct="1">
+                        <a:defRPr sz="1800" kern="1200">
+                          <a:solidFill>
+                            <a:schemeClr val="tx1"/>
+                          </a:solidFill>
+                          <a:latin typeface="Calibri" panose="020F0502020204030204"/>
+                        </a:defRPr>
+                      </a:lvl8pPr>
+                      <a:lvl9pPr marL="3657600" algn="l" defTabSz="914400" rtl="0" eaLnBrk="1" latinLnBrk="0" hangingPunct="1">
+                        <a:defRPr sz="1800" kern="1200">
+                          <a:solidFill>
+                            <a:schemeClr val="tx1"/>
+                          </a:solidFill>
+                          <a:latin typeface="Calibri" panose="020F0502020204030204"/>
+                        </a:defRPr>
+                      </a:lvl9pPr>
+                    </a:lstStyle>
+                    <a:p>
+                      <a:pPr algn="ctr" fontAlgn="ctr"/>
+                      <a:r>
+                        <a:rPr lang="es-MX" sz="1400" b="1" u="none" strike="noStrike">
+                          <a:effectLst/>
+                        </a:rPr>
+                        <a:t>E2</a:t>
+                      </a:r>
+                      <a:endParaRPr lang="es-MX" sz="1400" b="1" i="0" u="none" strike="noStrike">
+                        <a:solidFill>
+                          <a:srgbClr val="000000"/>
+                        </a:solidFill>
+                        <a:effectLst/>
+                        <a:latin typeface="Calibri" panose="020F0502020204030204" pitchFamily="34" charset="0"/>
+                      </a:endParaRPr>
+                    </a:p>
+                  </a:txBody>
+                  <a:tcPr marL="9525" marR="9525" marT="9525" marB="0" anchor="ctr">
+                    <a:lnL>
+                      <a:noFill/>
+                    </a:lnL>
+                    <a:lnR>
+                      <a:noFill/>
+                    </a:lnR>
+                    <a:lnT>
+                      <a:noFill/>
+                    </a:lnT>
+                    <a:lnB w="12700" cmpd="sng">
+                      <a:solidFill>
+                        <a:srgbClr val="4472C4"/>
+                      </a:solidFill>
+                    </a:lnB>
+                    <a:lnTlToBr w="12700" cmpd="sng">
+                      <a:noFill/>
+                      <a:prstDash val="solid"/>
+                    </a:lnTlToBr>
+                    <a:lnBlToTr w="12700" cmpd="sng">
+                      <a:noFill/>
+                      <a:prstDash val="solid"/>
+                    </a:lnBlToTr>
+                    <a:noFill/>
+                  </a:tcPr>
+                </a:tc>
+                <a:tc>
+                  <a:txBody>
+                    <a:bodyPr/>
+                    <a:lstStyle>
+                      <a:lvl1pPr marL="0" algn="l" defTabSz="914400" rtl="0" eaLnBrk="1" latinLnBrk="0" hangingPunct="1">
+                        <a:defRPr sz="1800" kern="1200">
+                          <a:solidFill>
+                            <a:schemeClr val="tx1"/>
+                          </a:solidFill>
+                          <a:latin typeface="Calibri" panose="020F0502020204030204"/>
+                        </a:defRPr>
+                      </a:lvl1pPr>
+                      <a:lvl2pPr marL="457200" algn="l" defTabSz="914400" rtl="0" eaLnBrk="1" latinLnBrk="0" hangingPunct="1">
+                        <a:defRPr sz="1800" kern="1200">
+                          <a:solidFill>
+                            <a:schemeClr val="tx1"/>
+                          </a:solidFill>
+                          <a:latin typeface="Calibri" panose="020F0502020204030204"/>
+                        </a:defRPr>
+                      </a:lvl2pPr>
+                      <a:lvl3pPr marL="914400" algn="l" defTabSz="914400" rtl="0" eaLnBrk="1" latinLnBrk="0" hangingPunct="1">
+                        <a:defRPr sz="1800" kern="1200">
+                          <a:solidFill>
+                            <a:schemeClr val="tx1"/>
+                          </a:solidFill>
+                          <a:latin typeface="Calibri" panose="020F0502020204030204"/>
+                        </a:defRPr>
+                      </a:lvl3pPr>
+                      <a:lvl4pPr marL="1371600" algn="l" defTabSz="914400" rtl="0" eaLnBrk="1" latinLnBrk="0" hangingPunct="1">
+                        <a:defRPr sz="1800" kern="1200">
+                          <a:solidFill>
+                            <a:schemeClr val="tx1"/>
+                          </a:solidFill>
+                          <a:latin typeface="Calibri" panose="020F0502020204030204"/>
+                        </a:defRPr>
+                      </a:lvl4pPr>
+                      <a:lvl5pPr marL="1828800" algn="l" defTabSz="914400" rtl="0" eaLnBrk="1" latinLnBrk="0" hangingPunct="1">
+                        <a:defRPr sz="1800" kern="1200">
+                          <a:solidFill>
+                            <a:schemeClr val="tx1"/>
+                          </a:solidFill>
+                          <a:latin typeface="Calibri" panose="020F0502020204030204"/>
+                        </a:defRPr>
+                      </a:lvl5pPr>
+                      <a:lvl6pPr marL="2286000" algn="l" defTabSz="914400" rtl="0" eaLnBrk="1" latinLnBrk="0" hangingPunct="1">
+                        <a:defRPr sz="1800" kern="1200">
+                          <a:solidFill>
+                            <a:schemeClr val="tx1"/>
+                          </a:solidFill>
+                          <a:latin typeface="Calibri" panose="020F0502020204030204"/>
+                        </a:defRPr>
+                      </a:lvl6pPr>
+                      <a:lvl7pPr marL="2743200" algn="l" defTabSz="914400" rtl="0" eaLnBrk="1" latinLnBrk="0" hangingPunct="1">
+                        <a:defRPr sz="1800" kern="1200">
+                          <a:solidFill>
+                            <a:schemeClr val="tx1"/>
+                          </a:solidFill>
+                          <a:latin typeface="Calibri" panose="020F0502020204030204"/>
+                        </a:defRPr>
+                      </a:lvl7pPr>
+                      <a:lvl8pPr marL="3200400" algn="l" defTabSz="914400" rtl="0" eaLnBrk="1" latinLnBrk="0" hangingPunct="1">
+                        <a:defRPr sz="1800" kern="1200">
+                          <a:solidFill>
+                            <a:schemeClr val="tx1"/>
+                          </a:solidFill>
+                          <a:latin typeface="Calibri" panose="020F0502020204030204"/>
+                        </a:defRPr>
+                      </a:lvl8pPr>
+                      <a:lvl9pPr marL="3657600" algn="l" defTabSz="914400" rtl="0" eaLnBrk="1" latinLnBrk="0" hangingPunct="1">
+                        <a:defRPr sz="1800" kern="1200">
+                          <a:solidFill>
+                            <a:schemeClr val="tx1"/>
+                          </a:solidFill>
+                          <a:latin typeface="Calibri" panose="020F0502020204030204"/>
+                        </a:defRPr>
+                      </a:lvl9pPr>
+                    </a:lstStyle>
+                    <a:p>
+                      <a:pPr algn="ctr" fontAlgn="ctr"/>
+                      <a:r>
+                        <a:rPr lang="es-MX" sz="1400" b="1" u="none" strike="noStrike">
+                          <a:effectLst/>
+                        </a:rPr>
+                        <a:t>XX</a:t>
+                      </a:r>
+                      <a:endParaRPr lang="es-MX" sz="1400" b="1" i="0" u="none" strike="noStrike">
+                        <a:solidFill>
+                          <a:srgbClr val="000000"/>
+                        </a:solidFill>
+                        <a:effectLst/>
+                        <a:latin typeface="Calibri" panose="020F0502020204030204" pitchFamily="34" charset="0"/>
+                      </a:endParaRPr>
+                    </a:p>
+                  </a:txBody>
+                  <a:tcPr marL="9525" marR="9525" marT="9525" marB="0" anchor="ctr">
+                    <a:lnL>
+                      <a:noFill/>
+                    </a:lnL>
+                    <a:lnR>
+                      <a:noFill/>
+                    </a:lnR>
+                    <a:lnT>
+                      <a:noFill/>
+                    </a:lnT>
+                    <a:lnB w="12700" cmpd="sng">
+                      <a:solidFill>
+                        <a:srgbClr val="4472C4"/>
+                      </a:solidFill>
+                    </a:lnB>
+                    <a:lnTlToBr w="12700" cmpd="sng">
+                      <a:noFill/>
+                      <a:prstDash val="solid"/>
+                    </a:lnTlToBr>
+                    <a:lnBlToTr w="12700" cmpd="sng">
+                      <a:noFill/>
+                      <a:prstDash val="solid"/>
+                    </a:lnBlToTr>
+                    <a:noFill/>
+                  </a:tcPr>
+                </a:tc>
+                <a:tc>
+                  <a:txBody>
+                    <a:bodyPr/>
+                    <a:lstStyle>
+                      <a:lvl1pPr marL="0" algn="l" defTabSz="914400" rtl="0" eaLnBrk="1" latinLnBrk="0" hangingPunct="1">
+                        <a:defRPr sz="1800" kern="1200">
+                          <a:solidFill>
+                            <a:schemeClr val="tx1"/>
+                          </a:solidFill>
+                          <a:latin typeface="Calibri" panose="020F0502020204030204"/>
+                        </a:defRPr>
+                      </a:lvl1pPr>
+                      <a:lvl2pPr marL="457200" algn="l" defTabSz="914400" rtl="0" eaLnBrk="1" latinLnBrk="0" hangingPunct="1">
+                        <a:defRPr sz="1800" kern="1200">
+                          <a:solidFill>
+                            <a:schemeClr val="tx1"/>
+                          </a:solidFill>
+                          <a:latin typeface="Calibri" panose="020F0502020204030204"/>
+                        </a:defRPr>
+                      </a:lvl2pPr>
+                      <a:lvl3pPr marL="914400" algn="l" defTabSz="914400" rtl="0" eaLnBrk="1" latinLnBrk="0" hangingPunct="1">
+                        <a:defRPr sz="1800" kern="1200">
+                          <a:solidFill>
+                            <a:schemeClr val="tx1"/>
+                          </a:solidFill>
+                          <a:latin typeface="Calibri" panose="020F0502020204030204"/>
+                        </a:defRPr>
+                      </a:lvl3pPr>
+                      <a:lvl4pPr marL="1371600" algn="l" defTabSz="914400" rtl="0" eaLnBrk="1" latinLnBrk="0" hangingPunct="1">
+                        <a:defRPr sz="1800" kern="1200">
+                          <a:solidFill>
+                            <a:schemeClr val="tx1"/>
+                          </a:solidFill>
+                          <a:latin typeface="Calibri" panose="020F0502020204030204"/>
+                        </a:defRPr>
+                      </a:lvl4pPr>
+                      <a:lvl5pPr marL="1828800" algn="l" defTabSz="914400" rtl="0" eaLnBrk="1" latinLnBrk="0" hangingPunct="1">
+                        <a:defRPr sz="1800" kern="1200">
+                          <a:solidFill>
+                            <a:schemeClr val="tx1"/>
+                          </a:solidFill>
+                          <a:latin typeface="Calibri" panose="020F0502020204030204"/>
+                        </a:defRPr>
+                      </a:lvl5pPr>
+                      <a:lvl6pPr marL="2286000" algn="l" defTabSz="914400" rtl="0" eaLnBrk="1" latinLnBrk="0" hangingPunct="1">
+                        <a:defRPr sz="1800" kern="1200">
+                          <a:solidFill>
+                            <a:schemeClr val="tx1"/>
+                          </a:solidFill>
+                          <a:latin typeface="Calibri" panose="020F0502020204030204"/>
+                        </a:defRPr>
+                      </a:lvl6pPr>
+                      <a:lvl7pPr marL="2743200" algn="l" defTabSz="914400" rtl="0" eaLnBrk="1" latinLnBrk="0" hangingPunct="1">
+                        <a:defRPr sz="1800" kern="1200">
+                          <a:solidFill>
+                            <a:schemeClr val="tx1"/>
+                          </a:solidFill>
+                          <a:latin typeface="Calibri" panose="020F0502020204030204"/>
+                        </a:defRPr>
+                      </a:lvl7pPr>
+                      <a:lvl8pPr marL="3200400" algn="l" defTabSz="914400" rtl="0" eaLnBrk="1" latinLnBrk="0" hangingPunct="1">
+                        <a:defRPr sz="1800" kern="1200">
+                          <a:solidFill>
+                            <a:schemeClr val="tx1"/>
+                          </a:solidFill>
+                          <a:latin typeface="Calibri" panose="020F0502020204030204"/>
+                        </a:defRPr>
+                      </a:lvl8pPr>
+                      <a:lvl9pPr marL="3657600" algn="l" defTabSz="914400" rtl="0" eaLnBrk="1" latinLnBrk="0" hangingPunct="1">
+                        <a:defRPr sz="1800" kern="1200">
+                          <a:solidFill>
+                            <a:schemeClr val="tx1"/>
+                          </a:solidFill>
+                          <a:latin typeface="Calibri" panose="020F0502020204030204"/>
+                        </a:defRPr>
+                      </a:lvl9pPr>
+                    </a:lstStyle>
+                    <a:p>
+                      <a:pPr algn="ctr" fontAlgn="ctr"/>
+                      <a:r>
+                        <a:rPr lang="es-MX" sz="1400" b="1" u="none" strike="noStrike" dirty="0">
+                          <a:effectLst/>
+                        </a:rPr>
+                        <a:t>XX</a:t>
+                      </a:r>
+                      <a:endParaRPr lang="es-MX" sz="1400" b="1" i="0" u="none" strike="noStrike" dirty="0">
+                        <a:solidFill>
+                          <a:srgbClr val="000000"/>
+                        </a:solidFill>
+                        <a:effectLst/>
+                        <a:latin typeface="Calibri" panose="020F0502020204030204" pitchFamily="34" charset="0"/>
+                      </a:endParaRPr>
+                    </a:p>
+                  </a:txBody>
+                  <a:tcPr marL="9525" marR="9525" marT="9525" marB="0" anchor="ctr">
+                    <a:lnL>
+                      <a:noFill/>
+                    </a:lnL>
+                    <a:lnR>
+                      <a:noFill/>
+                    </a:lnR>
+                    <a:lnT>
+                      <a:noFill/>
+                    </a:lnT>
+                    <a:lnB w="12700" cmpd="sng">
+                      <a:solidFill>
+                        <a:srgbClr val="4472C4"/>
+                      </a:solidFill>
+                    </a:lnB>
+                    <a:lnTlToBr w="12700" cmpd="sng">
+                      <a:noFill/>
+                      <a:prstDash val="solid"/>
+                    </a:lnTlToBr>
+                    <a:lnBlToTr w="12700" cmpd="sng">
+                      <a:noFill/>
+                      <a:prstDash val="solid"/>
+                    </a:lnBlToTr>
+                    <a:noFill/>
+                  </a:tcPr>
+                </a:tc>
+                <a:tc>
+                  <a:txBody>
+                    <a:bodyPr/>
+                    <a:lstStyle>
+                      <a:lvl1pPr marL="0" algn="l" defTabSz="914400" rtl="0" eaLnBrk="1" latinLnBrk="0" hangingPunct="1">
+                        <a:defRPr sz="1800" kern="1200">
+                          <a:solidFill>
+                            <a:schemeClr val="tx1"/>
+                          </a:solidFill>
+                          <a:latin typeface="Calibri" panose="020F0502020204030204"/>
+                        </a:defRPr>
+                      </a:lvl1pPr>
+                      <a:lvl2pPr marL="457200" algn="l" defTabSz="914400" rtl="0" eaLnBrk="1" latinLnBrk="0" hangingPunct="1">
+                        <a:defRPr sz="1800" kern="1200">
+                          <a:solidFill>
+                            <a:schemeClr val="tx1"/>
+                          </a:solidFill>
+                          <a:latin typeface="Calibri" panose="020F0502020204030204"/>
+                        </a:defRPr>
+                      </a:lvl2pPr>
+                      <a:lvl3pPr marL="914400" algn="l" defTabSz="914400" rtl="0" eaLnBrk="1" latinLnBrk="0" hangingPunct="1">
+                        <a:defRPr sz="1800" kern="1200">
+                          <a:solidFill>
+                            <a:schemeClr val="tx1"/>
+                          </a:solidFill>
+                          <a:latin typeface="Calibri" panose="020F0502020204030204"/>
+                        </a:defRPr>
+                      </a:lvl3pPr>
+                      <a:lvl4pPr marL="1371600" algn="l" defTabSz="914400" rtl="0" eaLnBrk="1" latinLnBrk="0" hangingPunct="1">
+                        <a:defRPr sz="1800" kern="1200">
+                          <a:solidFill>
+                            <a:schemeClr val="tx1"/>
+                          </a:solidFill>
+                          <a:latin typeface="Calibri" panose="020F0502020204030204"/>
+                        </a:defRPr>
+                      </a:lvl4pPr>
+                      <a:lvl5pPr marL="1828800" algn="l" defTabSz="914400" rtl="0" eaLnBrk="1" latinLnBrk="0" hangingPunct="1">
+                        <a:defRPr sz="1800" kern="1200">
+                          <a:solidFill>
+                            <a:schemeClr val="tx1"/>
+                          </a:solidFill>
+                          <a:latin typeface="Calibri" panose="020F0502020204030204"/>
+                        </a:defRPr>
+                      </a:lvl5pPr>
+                      <a:lvl6pPr marL="2286000" algn="l" defTabSz="914400" rtl="0" eaLnBrk="1" latinLnBrk="0" hangingPunct="1">
+                        <a:defRPr sz="1800" kern="1200">
+                          <a:solidFill>
+                            <a:schemeClr val="tx1"/>
+                          </a:solidFill>
+                          <a:latin typeface="Calibri" panose="020F0502020204030204"/>
+                        </a:defRPr>
+                      </a:lvl6pPr>
+                      <a:lvl7pPr marL="2743200" algn="l" defTabSz="914400" rtl="0" eaLnBrk="1" latinLnBrk="0" hangingPunct="1">
+                        <a:defRPr sz="1800" kern="1200">
+                          <a:solidFill>
+                            <a:schemeClr val="tx1"/>
+                          </a:solidFill>
+                          <a:latin typeface="Calibri" panose="020F0502020204030204"/>
+                        </a:defRPr>
+                      </a:lvl7pPr>
+                      <a:lvl8pPr marL="3200400" algn="l" defTabSz="914400" rtl="0" eaLnBrk="1" latinLnBrk="0" hangingPunct="1">
+                        <a:defRPr sz="1800" kern="1200">
+                          <a:solidFill>
+                            <a:schemeClr val="tx1"/>
+                          </a:solidFill>
+                          <a:latin typeface="Calibri" panose="020F0502020204030204"/>
+                        </a:defRPr>
+                      </a:lvl8pPr>
+                      <a:lvl9pPr marL="3657600" algn="l" defTabSz="914400" rtl="0" eaLnBrk="1" latinLnBrk="0" hangingPunct="1">
+                        <a:defRPr sz="1800" kern="1200">
+                          <a:solidFill>
+                            <a:schemeClr val="tx1"/>
+                          </a:solidFill>
+                          <a:latin typeface="Calibri" panose="020F0502020204030204"/>
+                        </a:defRPr>
+                      </a:lvl9pPr>
+                    </a:lstStyle>
+                    <a:p>
+                      <a:pPr algn="ctr" fontAlgn="ctr"/>
+                      <a:r>
+                        <a:rPr lang="es-MX" sz="1400" b="1" u="none" strike="noStrike">
+                          <a:effectLst/>
+                        </a:rPr>
+                        <a:t>E4</a:t>
+                      </a:r>
+                      <a:endParaRPr lang="es-MX" sz="1400" b="1" i="0" u="none" strike="noStrike">
+                        <a:solidFill>
+                          <a:srgbClr val="000000"/>
+                        </a:solidFill>
+                        <a:effectLst/>
+                        <a:latin typeface="Calibri" panose="020F0502020204030204" pitchFamily="34" charset="0"/>
+                      </a:endParaRPr>
+                    </a:p>
+                  </a:txBody>
+                  <a:tcPr marL="9525" marR="9525" marT="9525" marB="0" anchor="ctr">
+                    <a:lnL>
+                      <a:noFill/>
+                    </a:lnL>
+                    <a:lnR>
+                      <a:noFill/>
+                    </a:lnR>
+                    <a:lnT>
+                      <a:noFill/>
+                    </a:lnT>
+                    <a:lnB w="12700" cmpd="sng">
+                      <a:solidFill>
+                        <a:srgbClr val="4472C4"/>
+                      </a:solidFill>
+                    </a:lnB>
+                    <a:lnTlToBr w="12700" cmpd="sng">
+                      <a:noFill/>
+                      <a:prstDash val="solid"/>
+                    </a:lnTlToBr>
+                    <a:lnBlToTr w="12700" cmpd="sng">
+                      <a:noFill/>
+                      <a:prstDash val="solid"/>
+                    </a:lnBlToTr>
+                    <a:noFill/>
+                  </a:tcPr>
+                </a:tc>
+                <a:tc>
+                  <a:txBody>
+                    <a:bodyPr/>
+                    <a:lstStyle>
+                      <a:lvl1pPr marL="0" algn="l" defTabSz="914400" rtl="0" eaLnBrk="1" latinLnBrk="0" hangingPunct="1">
+                        <a:defRPr sz="1800" kern="1200">
+                          <a:solidFill>
+                            <a:schemeClr val="tx1"/>
+                          </a:solidFill>
+                          <a:latin typeface="Calibri" panose="020F0502020204030204"/>
+                        </a:defRPr>
+                      </a:lvl1pPr>
+                      <a:lvl2pPr marL="457200" algn="l" defTabSz="914400" rtl="0" eaLnBrk="1" latinLnBrk="0" hangingPunct="1">
+                        <a:defRPr sz="1800" kern="1200">
+                          <a:solidFill>
+                            <a:schemeClr val="tx1"/>
+                          </a:solidFill>
+                          <a:latin typeface="Calibri" panose="020F0502020204030204"/>
+                        </a:defRPr>
+                      </a:lvl2pPr>
+                      <a:lvl3pPr marL="914400" algn="l" defTabSz="914400" rtl="0" eaLnBrk="1" latinLnBrk="0" hangingPunct="1">
+                        <a:defRPr sz="1800" kern="1200">
+                          <a:solidFill>
+                            <a:schemeClr val="tx1"/>
+                          </a:solidFill>
+                          <a:latin typeface="Calibri" panose="020F0502020204030204"/>
+                        </a:defRPr>
+                      </a:lvl3pPr>
+                      <a:lvl4pPr marL="1371600" algn="l" defTabSz="914400" rtl="0" eaLnBrk="1" latinLnBrk="0" hangingPunct="1">
+                        <a:defRPr sz="1800" kern="1200">
+                          <a:solidFill>
+                            <a:schemeClr val="tx1"/>
+                          </a:solidFill>
+                          <a:latin typeface="Calibri" panose="020F0502020204030204"/>
+                        </a:defRPr>
+                      </a:lvl4pPr>
+                      <a:lvl5pPr marL="1828800" algn="l" defTabSz="914400" rtl="0" eaLnBrk="1" latinLnBrk="0" hangingPunct="1">
+                        <a:defRPr sz="1800" kern="1200">
+                          <a:solidFill>
+                            <a:schemeClr val="tx1"/>
+                          </a:solidFill>
+                          <a:latin typeface="Calibri" panose="020F0502020204030204"/>
+                        </a:defRPr>
+                      </a:lvl5pPr>
+                      <a:lvl6pPr marL="2286000" algn="l" defTabSz="914400" rtl="0" eaLnBrk="1" latinLnBrk="0" hangingPunct="1">
+                        <a:defRPr sz="1800" kern="1200">
+                          <a:solidFill>
+                            <a:schemeClr val="tx1"/>
+                          </a:solidFill>
+                          <a:latin typeface="Calibri" panose="020F0502020204030204"/>
+                        </a:defRPr>
+                      </a:lvl6pPr>
+                      <a:lvl7pPr marL="2743200" algn="l" defTabSz="914400" rtl="0" eaLnBrk="1" latinLnBrk="0" hangingPunct="1">
+                        <a:defRPr sz="1800" kern="1200">
+                          <a:solidFill>
+                            <a:schemeClr val="tx1"/>
+                          </a:solidFill>
+                          <a:latin typeface="Calibri" panose="020F0502020204030204"/>
+                        </a:defRPr>
+                      </a:lvl7pPr>
+                      <a:lvl8pPr marL="3200400" algn="l" defTabSz="914400" rtl="0" eaLnBrk="1" latinLnBrk="0" hangingPunct="1">
+                        <a:defRPr sz="1800" kern="1200">
+                          <a:solidFill>
+                            <a:schemeClr val="tx1"/>
+                          </a:solidFill>
+                          <a:latin typeface="Calibri" panose="020F0502020204030204"/>
+                        </a:defRPr>
+                      </a:lvl8pPr>
+                      <a:lvl9pPr marL="3657600" algn="l" defTabSz="914400" rtl="0" eaLnBrk="1" latinLnBrk="0" hangingPunct="1">
+                        <a:defRPr sz="1800" kern="1200">
+                          <a:solidFill>
+                            <a:schemeClr val="tx1"/>
+                          </a:solidFill>
+                          <a:latin typeface="Calibri" panose="020F0502020204030204"/>
+                        </a:defRPr>
+                      </a:lvl9pPr>
+                    </a:lstStyle>
+                    <a:p>
+                      <a:pPr algn="ctr" fontAlgn="ctr"/>
+                      <a:r>
+                        <a:rPr lang="es-MX" sz="1400" b="1" u="none" strike="noStrike" dirty="0">
+                          <a:effectLst/>
+                        </a:rPr>
+                        <a:t>A0 00</a:t>
+                      </a:r>
+                      <a:endParaRPr lang="es-MX" sz="1400" b="1" i="0" u="none" strike="noStrike" dirty="0">
+                        <a:solidFill>
+                          <a:srgbClr val="000000"/>
+                        </a:solidFill>
+                        <a:effectLst/>
+                        <a:latin typeface="Calibri" panose="020F0502020204030204" pitchFamily="34" charset="0"/>
+                      </a:endParaRPr>
+                    </a:p>
+                  </a:txBody>
+                  <a:tcPr marL="9525" marR="9525" marT="9525" marB="0" anchor="ctr">
+                    <a:lnL>
+                      <a:noFill/>
+                    </a:lnL>
+                    <a:lnR>
+                      <a:noFill/>
+                    </a:lnR>
+                    <a:lnT>
+                      <a:noFill/>
+                    </a:lnT>
+                    <a:lnB w="12700" cmpd="sng">
+                      <a:solidFill>
+                        <a:srgbClr val="4472C4"/>
+                      </a:solidFill>
+                    </a:lnB>
+                    <a:lnTlToBr w="12700" cmpd="sng">
+                      <a:noFill/>
+                      <a:prstDash val="solid"/>
+                    </a:lnTlToBr>
+                    <a:lnBlToTr w="12700" cmpd="sng">
+                      <a:noFill/>
+                      <a:prstDash val="solid"/>
+                    </a:lnBlToTr>
+                    <a:noFill/>
+                  </a:tcPr>
+                </a:tc>
+                <a:tc>
+                  <a:txBody>
+                    <a:bodyPr/>
+                    <a:lstStyle>
+                      <a:lvl1pPr marL="0" algn="l" defTabSz="914400" rtl="0" eaLnBrk="1" latinLnBrk="0" hangingPunct="1">
+                        <a:defRPr sz="1800" kern="1200">
+                          <a:solidFill>
+                            <a:schemeClr val="tx1"/>
+                          </a:solidFill>
+                          <a:latin typeface="Calibri" panose="020F0502020204030204"/>
+                        </a:defRPr>
+                      </a:lvl1pPr>
+                      <a:lvl2pPr marL="457200" algn="l" defTabSz="914400" rtl="0" eaLnBrk="1" latinLnBrk="0" hangingPunct="1">
+                        <a:defRPr sz="1800" kern="1200">
+                          <a:solidFill>
+                            <a:schemeClr val="tx1"/>
+                          </a:solidFill>
+                          <a:latin typeface="Calibri" panose="020F0502020204030204"/>
+                        </a:defRPr>
+                      </a:lvl2pPr>
+                      <a:lvl3pPr marL="914400" algn="l" defTabSz="914400" rtl="0" eaLnBrk="1" latinLnBrk="0" hangingPunct="1">
+                        <a:defRPr sz="1800" kern="1200">
+                          <a:solidFill>
+                            <a:schemeClr val="tx1"/>
+                          </a:solidFill>
+                          <a:latin typeface="Calibri" panose="020F0502020204030204"/>
+                        </a:defRPr>
+                      </a:lvl3pPr>
+                      <a:lvl4pPr marL="1371600" algn="l" defTabSz="914400" rtl="0" eaLnBrk="1" latinLnBrk="0" hangingPunct="1">
+                        <a:defRPr sz="1800" kern="1200">
+                          <a:solidFill>
+                            <a:schemeClr val="tx1"/>
+                          </a:solidFill>
+                          <a:latin typeface="Calibri" panose="020F0502020204030204"/>
+                        </a:defRPr>
+                      </a:lvl4pPr>
+                      <a:lvl5pPr marL="1828800" algn="l" defTabSz="914400" rtl="0" eaLnBrk="1" latinLnBrk="0" hangingPunct="1">
+                        <a:defRPr sz="1800" kern="1200">
+                          <a:solidFill>
+                            <a:schemeClr val="tx1"/>
+                          </a:solidFill>
+                          <a:latin typeface="Calibri" panose="020F0502020204030204"/>
+                        </a:defRPr>
+                      </a:lvl5pPr>
+                      <a:lvl6pPr marL="2286000" algn="l" defTabSz="914400" rtl="0" eaLnBrk="1" latinLnBrk="0" hangingPunct="1">
+                        <a:defRPr sz="1800" kern="1200">
+                          <a:solidFill>
+                            <a:schemeClr val="tx1"/>
+                          </a:solidFill>
+                          <a:latin typeface="Calibri" panose="020F0502020204030204"/>
+                        </a:defRPr>
+                      </a:lvl6pPr>
+                      <a:lvl7pPr marL="2743200" algn="l" defTabSz="914400" rtl="0" eaLnBrk="1" latinLnBrk="0" hangingPunct="1">
+                        <a:defRPr sz="1800" kern="1200">
+                          <a:solidFill>
+                            <a:schemeClr val="tx1"/>
+                          </a:solidFill>
+                          <a:latin typeface="Calibri" panose="020F0502020204030204"/>
+                        </a:defRPr>
+                      </a:lvl7pPr>
+                      <a:lvl8pPr marL="3200400" algn="l" defTabSz="914400" rtl="0" eaLnBrk="1" latinLnBrk="0" hangingPunct="1">
+                        <a:defRPr sz="1800" kern="1200">
+                          <a:solidFill>
+                            <a:schemeClr val="tx1"/>
+                          </a:solidFill>
+                          <a:latin typeface="Calibri" panose="020F0502020204030204"/>
+                        </a:defRPr>
+                      </a:lvl8pPr>
+                      <a:lvl9pPr marL="3657600" algn="l" defTabSz="914400" rtl="0" eaLnBrk="1" latinLnBrk="0" hangingPunct="1">
+                        <a:defRPr sz="1800" kern="1200">
+                          <a:solidFill>
+                            <a:schemeClr val="tx1"/>
+                          </a:solidFill>
+                          <a:latin typeface="Calibri" panose="020F0502020204030204"/>
+                        </a:defRPr>
+                      </a:lvl9pPr>
+                    </a:lstStyle>
+                    <a:p>
+                      <a:pPr algn="ctr" fontAlgn="ctr"/>
+                      <a:r>
+                        <a:rPr lang="es-MX" sz="1400" b="1" u="none" strike="noStrike" dirty="0">
+                          <a:effectLst/>
+                        </a:rPr>
+                        <a:t>XX </a:t>
+                      </a:r>
+                      <a:r>
+                        <a:rPr lang="es-MX" sz="1400" b="1" u="none" strike="noStrike" dirty="0" err="1">
+                          <a:effectLst/>
+                        </a:rPr>
+                        <a:t>XX</a:t>
+                      </a:r>
+                      <a:endParaRPr lang="es-MX" sz="1400" b="1" i="0" u="none" strike="noStrike" dirty="0">
+                        <a:solidFill>
+                          <a:srgbClr val="000000"/>
+                        </a:solidFill>
+                        <a:effectLst/>
+                        <a:latin typeface="Calibri" panose="020F0502020204030204" pitchFamily="34" charset="0"/>
+                      </a:endParaRPr>
+                    </a:p>
+                  </a:txBody>
+                  <a:tcPr marL="9525" marR="9525" marT="9525" marB="0" anchor="ctr">
+                    <a:lnL>
+                      <a:noFill/>
+                    </a:lnL>
+                    <a:lnR>
+                      <a:noFill/>
+                    </a:lnR>
+                    <a:lnT>
+                      <a:noFill/>
+                    </a:lnT>
+                    <a:lnB w="12700" cmpd="sng">
+                      <a:solidFill>
+                        <a:srgbClr val="4472C4"/>
+                      </a:solidFill>
+                    </a:lnB>
+                    <a:lnTlToBr w="12700" cmpd="sng">
+                      <a:noFill/>
+                      <a:prstDash val="solid"/>
+                    </a:lnTlToBr>
+                    <a:lnBlToTr w="12700" cmpd="sng">
+                      <a:noFill/>
+                      <a:prstDash val="solid"/>
+                    </a:lnBlToTr>
+                    <a:noFill/>
+                  </a:tcPr>
+                </a:tc>
+                <a:tc>
+                  <a:txBody>
+                    <a:bodyPr/>
+                    <a:lstStyle>
+                      <a:lvl1pPr marL="0" algn="l" defTabSz="914400" rtl="0" eaLnBrk="1" latinLnBrk="0" hangingPunct="1">
+                        <a:defRPr sz="1800" kern="1200">
+                          <a:solidFill>
+                            <a:schemeClr val="tx1"/>
+                          </a:solidFill>
+                          <a:latin typeface="Calibri" panose="020F0502020204030204"/>
+                        </a:defRPr>
+                      </a:lvl1pPr>
+                      <a:lvl2pPr marL="457200" algn="l" defTabSz="914400" rtl="0" eaLnBrk="1" latinLnBrk="0" hangingPunct="1">
+                        <a:defRPr sz="1800" kern="1200">
+                          <a:solidFill>
+                            <a:schemeClr val="tx1"/>
+                          </a:solidFill>
+                          <a:latin typeface="Calibri" panose="020F0502020204030204"/>
+                        </a:defRPr>
+                      </a:lvl2pPr>
+                      <a:lvl3pPr marL="914400" algn="l" defTabSz="914400" rtl="0" eaLnBrk="1" latinLnBrk="0" hangingPunct="1">
+                        <a:defRPr sz="1800" kern="1200">
+                          <a:solidFill>
+                            <a:schemeClr val="tx1"/>
+                          </a:solidFill>
+                          <a:latin typeface="Calibri" panose="020F0502020204030204"/>
+                        </a:defRPr>
+                      </a:lvl3pPr>
+                      <a:lvl4pPr marL="1371600" algn="l" defTabSz="914400" rtl="0" eaLnBrk="1" latinLnBrk="0" hangingPunct="1">
+                        <a:defRPr sz="1800" kern="1200">
+                          <a:solidFill>
+                            <a:schemeClr val="tx1"/>
+                          </a:solidFill>
+                          <a:latin typeface="Calibri" panose="020F0502020204030204"/>
+                        </a:defRPr>
+                      </a:lvl4pPr>
+                      <a:lvl5pPr marL="1828800" algn="l" defTabSz="914400" rtl="0" eaLnBrk="1" latinLnBrk="0" hangingPunct="1">
+                        <a:defRPr sz="1800" kern="1200">
+                          <a:solidFill>
+                            <a:schemeClr val="tx1"/>
+                          </a:solidFill>
+                          <a:latin typeface="Calibri" panose="020F0502020204030204"/>
+                        </a:defRPr>
+                      </a:lvl5pPr>
+                      <a:lvl6pPr marL="2286000" algn="l" defTabSz="914400" rtl="0" eaLnBrk="1" latinLnBrk="0" hangingPunct="1">
+                        <a:defRPr sz="1800" kern="1200">
+                          <a:solidFill>
+                            <a:schemeClr val="tx1"/>
+                          </a:solidFill>
+                          <a:latin typeface="Calibri" panose="020F0502020204030204"/>
+                        </a:defRPr>
+                      </a:lvl6pPr>
+                      <a:lvl7pPr marL="2743200" algn="l" defTabSz="914400" rtl="0" eaLnBrk="1" latinLnBrk="0" hangingPunct="1">
+                        <a:defRPr sz="1800" kern="1200">
+                          <a:solidFill>
+                            <a:schemeClr val="tx1"/>
+                          </a:solidFill>
+                          <a:latin typeface="Calibri" panose="020F0502020204030204"/>
+                        </a:defRPr>
+                      </a:lvl7pPr>
+                      <a:lvl8pPr marL="3200400" algn="l" defTabSz="914400" rtl="0" eaLnBrk="1" latinLnBrk="0" hangingPunct="1">
+                        <a:defRPr sz="1800" kern="1200">
+                          <a:solidFill>
+                            <a:schemeClr val="tx1"/>
+                          </a:solidFill>
+                          <a:latin typeface="Calibri" panose="020F0502020204030204"/>
+                        </a:defRPr>
+                      </a:lvl8pPr>
+                      <a:lvl9pPr marL="3657600" algn="l" defTabSz="914400" rtl="0" eaLnBrk="1" latinLnBrk="0" hangingPunct="1">
+                        <a:defRPr sz="1800" kern="1200">
+                          <a:solidFill>
+                            <a:schemeClr val="tx1"/>
+                          </a:solidFill>
+                          <a:latin typeface="Calibri" panose="020F0502020204030204"/>
+                        </a:defRPr>
+                      </a:lvl9pPr>
+                    </a:lstStyle>
+                    <a:p>
+                      <a:pPr algn="ctr" fontAlgn="ctr"/>
+                      <a:r>
+                        <a:rPr lang="es-MX" sz="1400" b="1" u="none" strike="noStrike" dirty="0">
+                          <a:effectLst/>
+                        </a:rPr>
+                        <a:t>XX </a:t>
+                      </a:r>
+                      <a:r>
+                        <a:rPr lang="es-MX" sz="1400" b="1" u="none" strike="noStrike" dirty="0" err="1">
+                          <a:effectLst/>
+                        </a:rPr>
+                        <a:t>XX</a:t>
+                      </a:r>
+                      <a:endParaRPr lang="es-MX" sz="1400" b="1" i="0" u="none" strike="noStrike" dirty="0">
+                        <a:solidFill>
+                          <a:srgbClr val="000000"/>
+                        </a:solidFill>
+                        <a:effectLst/>
+                        <a:latin typeface="Calibri" panose="020F0502020204030204" pitchFamily="34" charset="0"/>
+                      </a:endParaRPr>
+                    </a:p>
+                  </a:txBody>
+                  <a:tcPr marL="9525" marR="9525" marT="9525" marB="0" anchor="ctr">
+                    <a:lnL>
+                      <a:noFill/>
+                    </a:lnL>
+                    <a:lnR>
+                      <a:noFill/>
+                    </a:lnR>
+                    <a:lnT>
+                      <a:noFill/>
+                    </a:lnT>
+                    <a:lnB w="12700" cmpd="sng">
+                      <a:solidFill>
+                        <a:srgbClr val="4472C4"/>
+                      </a:solidFill>
+                    </a:lnB>
+                    <a:lnTlToBr w="12700" cmpd="sng">
+                      <a:noFill/>
+                      <a:prstDash val="solid"/>
+                    </a:lnTlToBr>
+                    <a:lnBlToTr w="12700" cmpd="sng">
+                      <a:noFill/>
+                      <a:prstDash val="solid"/>
+                    </a:lnBlToTr>
+                    <a:noFill/>
+                  </a:tcPr>
+                </a:tc>
+                <a:tc>
+                  <a:txBody>
+                    <a:bodyPr/>
+                    <a:lstStyle>
+                      <a:lvl1pPr marL="0" algn="l" defTabSz="914400" rtl="0" eaLnBrk="1" latinLnBrk="0" hangingPunct="1">
+                        <a:defRPr sz="1800" kern="1200">
+                          <a:solidFill>
+                            <a:schemeClr val="tx1"/>
+                          </a:solidFill>
+                          <a:latin typeface="Calibri" panose="020F0502020204030204"/>
+                        </a:defRPr>
+                      </a:lvl1pPr>
+                      <a:lvl2pPr marL="457200" algn="l" defTabSz="914400" rtl="0" eaLnBrk="1" latinLnBrk="0" hangingPunct="1">
+                        <a:defRPr sz="1800" kern="1200">
+                          <a:solidFill>
+                            <a:schemeClr val="tx1"/>
+                          </a:solidFill>
+                          <a:latin typeface="Calibri" panose="020F0502020204030204"/>
+                        </a:defRPr>
+                      </a:lvl2pPr>
+                      <a:lvl3pPr marL="914400" algn="l" defTabSz="914400" rtl="0" eaLnBrk="1" latinLnBrk="0" hangingPunct="1">
+                        <a:defRPr sz="1800" kern="1200">
+                          <a:solidFill>
+                            <a:schemeClr val="tx1"/>
+                          </a:solidFill>
+                          <a:latin typeface="Calibri" panose="020F0502020204030204"/>
+                        </a:defRPr>
+                      </a:lvl3pPr>
+                      <a:lvl4pPr marL="1371600" algn="l" defTabSz="914400" rtl="0" eaLnBrk="1" latinLnBrk="0" hangingPunct="1">
+                        <a:defRPr sz="1800" kern="1200">
+                          <a:solidFill>
+                            <a:schemeClr val="tx1"/>
+                          </a:solidFill>
+                          <a:latin typeface="Calibri" panose="020F0502020204030204"/>
+                        </a:defRPr>
+                      </a:lvl4pPr>
+                      <a:lvl5pPr marL="1828800" algn="l" defTabSz="914400" rtl="0" eaLnBrk="1" latinLnBrk="0" hangingPunct="1">
+                        <a:defRPr sz="1800" kern="1200">
+                          <a:solidFill>
+                            <a:schemeClr val="tx1"/>
+                          </a:solidFill>
+                          <a:latin typeface="Calibri" panose="020F0502020204030204"/>
+                        </a:defRPr>
+                      </a:lvl5pPr>
+                      <a:lvl6pPr marL="2286000" algn="l" defTabSz="914400" rtl="0" eaLnBrk="1" latinLnBrk="0" hangingPunct="1">
+                        <a:defRPr sz="1800" kern="1200">
+                          <a:solidFill>
+                            <a:schemeClr val="tx1"/>
+                          </a:solidFill>
+                          <a:latin typeface="Calibri" panose="020F0502020204030204"/>
+                        </a:defRPr>
+                      </a:lvl6pPr>
+                      <a:lvl7pPr marL="2743200" algn="l" defTabSz="914400" rtl="0" eaLnBrk="1" latinLnBrk="0" hangingPunct="1">
+                        <a:defRPr sz="1800" kern="1200">
+                          <a:solidFill>
+                            <a:schemeClr val="tx1"/>
+                          </a:solidFill>
+                          <a:latin typeface="Calibri" panose="020F0502020204030204"/>
+                        </a:defRPr>
+                      </a:lvl7pPr>
+                      <a:lvl8pPr marL="3200400" algn="l" defTabSz="914400" rtl="0" eaLnBrk="1" latinLnBrk="0" hangingPunct="1">
+                        <a:defRPr sz="1800" kern="1200">
+                          <a:solidFill>
+                            <a:schemeClr val="tx1"/>
+                          </a:solidFill>
+                          <a:latin typeface="Calibri" panose="020F0502020204030204"/>
+                        </a:defRPr>
+                      </a:lvl8pPr>
+                      <a:lvl9pPr marL="3657600" algn="l" defTabSz="914400" rtl="0" eaLnBrk="1" latinLnBrk="0" hangingPunct="1">
+                        <a:defRPr sz="1800" kern="1200">
+                          <a:solidFill>
+                            <a:schemeClr val="tx1"/>
+                          </a:solidFill>
+                          <a:latin typeface="Calibri" panose="020F0502020204030204"/>
+                        </a:defRPr>
+                      </a:lvl9pPr>
+                    </a:lstStyle>
+                    <a:p>
+                      <a:pPr algn="ctr" fontAlgn="ctr"/>
+                      <a:r>
+                        <a:rPr lang="es-MX" sz="1400" b="1" u="none" strike="noStrike" dirty="0">
+                          <a:effectLst/>
+                        </a:rPr>
+                        <a:t>E3</a:t>
+                      </a:r>
+                      <a:endParaRPr lang="es-MX" sz="1400" b="1" i="0" u="none" strike="noStrike" dirty="0">
+                        <a:solidFill>
+                          <a:srgbClr val="000000"/>
+                        </a:solidFill>
+                        <a:effectLst/>
+                        <a:latin typeface="Calibri" panose="020F0502020204030204" pitchFamily="34" charset="0"/>
+                      </a:endParaRPr>
+                    </a:p>
+                  </a:txBody>
+                  <a:tcPr marL="9525" marR="9525" marT="9525" marB="0" anchor="ctr">
+                    <a:lnL>
+                      <a:noFill/>
+                    </a:lnL>
+                    <a:lnR>
+                      <a:noFill/>
+                    </a:lnR>
+                    <a:lnT>
+                      <a:noFill/>
+                    </a:lnT>
+                    <a:lnB w="12700" cmpd="sng">
+                      <a:solidFill>
+                        <a:srgbClr val="4472C4"/>
+                      </a:solidFill>
+                    </a:lnB>
+                    <a:lnTlToBr w="12700" cmpd="sng">
+                      <a:noFill/>
+                      <a:prstDash val="solid"/>
+                    </a:lnTlToBr>
+                    <a:lnBlToTr w="12700" cmpd="sng">
+                      <a:noFill/>
+                      <a:prstDash val="solid"/>
+                    </a:lnBlToTr>
+                    <a:noFill/>
+                  </a:tcPr>
+                </a:tc>
+                <a:extLst>
+                  <a:ext uri="{0D108BD9-81ED-4DB2-BD59-A6C34878D82A}">
+                    <a16:rowId xmlns:a16="http://schemas.microsoft.com/office/drawing/2014/main" val="615689383"/>
+                  </a:ext>
+                </a:extLst>
+              </a:tr>
+            </a:tbl>
+          </a:graphicData>
+        </a:graphic>
+      </p:graphicFrame>
+      <p:sp>
+        <p:nvSpPr>
+          <p:cNvPr id="11" name="TextBox 10">
+            <a:extLst>
+              <a:ext uri="{FF2B5EF4-FFF2-40B4-BE49-F238E27FC236}">
+                <a16:creationId xmlns:a16="http://schemas.microsoft.com/office/drawing/2014/main" id="{F493796D-F380-484E-A564-BFE1058931AA}"/>
+              </a:ext>
+            </a:extLst>
+          </p:cNvPr>
+          <p:cNvSpPr txBox="1"/>
+          <p:nvPr/>
+        </p:nvSpPr>
+        <p:spPr>
+          <a:xfrm>
+            <a:off x="385482" y="3200400"/>
+            <a:ext cx="11187953" cy="1429622"/>
+          </a:xfrm>
+          <a:prstGeom prst="rect">
+            <a:avLst/>
+          </a:prstGeom>
+          <a:noFill/>
+        </p:spPr>
+        <p:txBody>
+          <a:bodyPr wrap="square" rtlCol="0">
+            <a:spAutoFit/>
+          </a:bodyPr>
+          <a:lstStyle/>
           <a:p>
-            <a:endParaRPr lang="es-ES_tradnl" dirty="0">
-              <a:latin typeface="Arial" panose="020B0604020202020204" pitchFamily="34" charset="0"/>
-              <a:cs typeface="Arial" panose="020B0604020202020204" pitchFamily="34" charset="0"/>
-            </a:endParaRPr>
-          </a:p>
-          <a:p>
-            <a:pPr algn="just"/>
-            <a:r>
-              <a:rPr lang="es-ES_tradnl" dirty="0">
-                <a:latin typeface="Arial" panose="020B0604020202020204" pitchFamily="34" charset="0"/>
-                <a:cs typeface="Arial" panose="020B0604020202020204" pitchFamily="34" charset="0"/>
-              </a:rPr>
-              <a:t>Son aquellos sistemas operativos que son capaces de responder a una solicitud de servicio cumpliendo con una restricción de tiempo. </a:t>
-            </a:r>
-            <a:r>
-              <a:rPr lang="es-ES_tradnl" sz="1800" dirty="0">
-                <a:latin typeface="Arial" panose="020B0604020202020204" pitchFamily="34" charset="0"/>
-                <a:cs typeface="Arial" panose="020B0604020202020204" pitchFamily="34" charset="0"/>
-              </a:rPr>
-              <a:t>La restricción de tiempo dependerá directamente de la aplicación. Por ejemplo, una restricción de tiempo de 1s puede ser aceptable para el encendido de las luces intermitentes en un automóvil, pero totalmente inaceptable para la activación de las bolsas de aire.</a:t>
-            </a:r>
-            <a:endParaRPr lang="es-ES_tradnl" dirty="0">
-              <a:latin typeface="Arial" panose="020B0604020202020204" pitchFamily="34" charset="0"/>
-              <a:cs typeface="Arial" panose="020B0604020202020204" pitchFamily="34" charset="0"/>
-            </a:endParaRPr>
-          </a:p>
-          <a:p>
-            <a:endParaRPr lang="es-ES_tradnl" dirty="0">
-              <a:latin typeface="Arial" panose="020B0604020202020204" pitchFamily="34" charset="0"/>
-              <a:cs typeface="Arial" panose="020B0604020202020204" pitchFamily="34" charset="0"/>
-            </a:endParaRPr>
-          </a:p>
-          <a:p>
-            <a:r>
-              <a:rPr lang="es-ES_tradnl" dirty="0">
-                <a:latin typeface="Arial" panose="020B0604020202020204" pitchFamily="34" charset="0"/>
-                <a:cs typeface="Arial" panose="020B0604020202020204" pitchFamily="34" charset="0"/>
-              </a:rPr>
-              <a:t>Los RTOS pueden clasificarse en:</a:t>
-            </a:r>
-          </a:p>
-          <a:p>
-            <a:endParaRPr lang="es-ES_tradnl" dirty="0">
-              <a:latin typeface="Arial" panose="020B0604020202020204" pitchFamily="34" charset="0"/>
-              <a:cs typeface="Arial" panose="020B0604020202020204" pitchFamily="34" charset="0"/>
-            </a:endParaRPr>
-          </a:p>
-          <a:p>
-            <a:pPr marL="342900" indent="-342900">
-              <a:buFont typeface="+mj-lt"/>
-              <a:buAutoNum type="arabicPeriod"/>
+            <a:pPr algn="just">
+              <a:lnSpc>
+                <a:spcPct val="150000"/>
+              </a:lnSpc>
             </a:pPr>
             <a:r>
-              <a:rPr lang="es-ES_tradnl" b="1" dirty="0" err="1">
-                <a:latin typeface="Arial" panose="020B0604020202020204" pitchFamily="34" charset="0"/>
-                <a:cs typeface="Arial" panose="020B0604020202020204" pitchFamily="34" charset="0"/>
-              </a:rPr>
-              <a:t>Preemptive</a:t>
-            </a:r>
-            <a:r>
-              <a:rPr lang="es-ES_tradnl" b="1" dirty="0">
-                <a:latin typeface="Arial" panose="020B0604020202020204" pitchFamily="34" charset="0"/>
-                <a:cs typeface="Arial" panose="020B0604020202020204" pitchFamily="34" charset="0"/>
-              </a:rPr>
-              <a:t> RTOS</a:t>
-            </a:r>
-          </a:p>
-          <a:p>
-            <a:pPr lvl="1"/>
-            <a:r>
-              <a:rPr lang="es-ES_tradnl" dirty="0">
-                <a:latin typeface="Arial" panose="020B0604020202020204" pitchFamily="34" charset="0"/>
-                <a:cs typeface="Arial" panose="020B0604020202020204" pitchFamily="34" charset="0"/>
-              </a:rPr>
-              <a:t>El tiempo es determinado por hardware, normalmente se usa la interrupción de un </a:t>
-            </a:r>
-            <a:r>
-              <a:rPr lang="es-ES_tradnl" dirty="0" err="1">
-                <a:latin typeface="Arial" panose="020B0604020202020204" pitchFamily="34" charset="0"/>
-                <a:cs typeface="Arial" panose="020B0604020202020204" pitchFamily="34" charset="0"/>
-              </a:rPr>
-              <a:t>timer</a:t>
-            </a:r>
-            <a:r>
-              <a:rPr lang="es-ES_tradnl" dirty="0">
-                <a:latin typeface="Arial" panose="020B0604020202020204" pitchFamily="34" charset="0"/>
-                <a:cs typeface="Arial" panose="020B0604020202020204" pitchFamily="34" charset="0"/>
-              </a:rPr>
-              <a:t> para llamar al </a:t>
-            </a:r>
-            <a:r>
-              <a:rPr lang="es-ES_tradnl" i="1" dirty="0" err="1">
-                <a:latin typeface="Arial" panose="020B0604020202020204" pitchFamily="34" charset="0"/>
-                <a:cs typeface="Arial" panose="020B0604020202020204" pitchFamily="34" charset="0"/>
-              </a:rPr>
-              <a:t>context</a:t>
-            </a:r>
-            <a:r>
-              <a:rPr lang="es-ES_tradnl" i="1" dirty="0">
-                <a:latin typeface="Arial" panose="020B0604020202020204" pitchFamily="34" charset="0"/>
-                <a:cs typeface="Arial" panose="020B0604020202020204" pitchFamily="34" charset="0"/>
-              </a:rPr>
-              <a:t> </a:t>
-            </a:r>
-            <a:r>
-              <a:rPr lang="es-ES_tradnl" i="1" dirty="0" err="1">
-                <a:latin typeface="Arial" panose="020B0604020202020204" pitchFamily="34" charset="0"/>
-                <a:cs typeface="Arial" panose="020B0604020202020204" pitchFamily="34" charset="0"/>
-              </a:rPr>
-              <a:t>switcher</a:t>
-            </a:r>
-            <a:r>
-              <a:rPr lang="es-ES_tradnl" i="1" dirty="0">
-                <a:latin typeface="Arial" panose="020B0604020202020204" pitchFamily="34" charset="0"/>
-                <a:cs typeface="Arial" panose="020B0604020202020204" pitchFamily="34" charset="0"/>
-              </a:rPr>
-              <a:t>.</a:t>
-            </a:r>
-          </a:p>
-          <a:p>
-            <a:pPr lvl="1"/>
-            <a:endParaRPr lang="es-ES_tradnl" dirty="0">
-              <a:latin typeface="Arial" panose="020B0604020202020204" pitchFamily="34" charset="0"/>
-              <a:cs typeface="Arial" panose="020B0604020202020204" pitchFamily="34" charset="0"/>
-            </a:endParaRPr>
-          </a:p>
-          <a:p>
-            <a:pPr marL="342900" indent="-342900">
-              <a:buFont typeface="+mj-lt"/>
-              <a:buAutoNum type="arabicPeriod"/>
-            </a:pPr>
-            <a:r>
-              <a:rPr lang="es-ES_tradnl" b="1" dirty="0" err="1">
-                <a:latin typeface="Arial" panose="020B0604020202020204" pitchFamily="34" charset="0"/>
-                <a:cs typeface="Arial" panose="020B0604020202020204" pitchFamily="34" charset="0"/>
-              </a:rPr>
-              <a:t>Cooperative</a:t>
-            </a:r>
-            <a:r>
-              <a:rPr lang="es-ES_tradnl" b="1" dirty="0">
-                <a:latin typeface="Arial" panose="020B0604020202020204" pitchFamily="34" charset="0"/>
-                <a:cs typeface="Arial" panose="020B0604020202020204" pitchFamily="34" charset="0"/>
-              </a:rPr>
-              <a:t> RTOS</a:t>
-            </a:r>
-          </a:p>
-          <a:p>
-            <a:pPr lvl="1"/>
-            <a:r>
-              <a:rPr lang="es-ES_tradnl" dirty="0">
-                <a:latin typeface="Arial" panose="020B0604020202020204" pitchFamily="34" charset="0"/>
-                <a:cs typeface="Arial" panose="020B0604020202020204" pitchFamily="34" charset="0"/>
-              </a:rPr>
-              <a:t>El tiempo es determinado por software, suele confiar en las invocaciones de las subrutinas para llamar periódicamente al </a:t>
-            </a:r>
-            <a:r>
-              <a:rPr lang="es-ES_tradnl" i="1" dirty="0" err="1">
-                <a:latin typeface="Arial" panose="020B0604020202020204" pitchFamily="34" charset="0"/>
-                <a:cs typeface="Arial" panose="020B0604020202020204" pitchFamily="34" charset="0"/>
-              </a:rPr>
-              <a:t>context</a:t>
-            </a:r>
-            <a:r>
-              <a:rPr lang="es-ES_tradnl" i="1" dirty="0">
-                <a:latin typeface="Arial" panose="020B0604020202020204" pitchFamily="34" charset="0"/>
-                <a:cs typeface="Arial" panose="020B0604020202020204" pitchFamily="34" charset="0"/>
-              </a:rPr>
-              <a:t> </a:t>
-            </a:r>
-            <a:r>
-              <a:rPr lang="es-ES_tradnl" i="1" dirty="0" err="1">
-                <a:latin typeface="Arial" panose="020B0604020202020204" pitchFamily="34" charset="0"/>
-                <a:cs typeface="Arial" panose="020B0604020202020204" pitchFamily="34" charset="0"/>
-              </a:rPr>
-              <a:t>switcher</a:t>
-            </a:r>
-            <a:r>
-              <a:rPr lang="es-ES_tradnl" dirty="0">
-                <a:latin typeface="Arial" panose="020B0604020202020204" pitchFamily="34" charset="0"/>
-                <a:cs typeface="Arial" panose="020B0604020202020204" pitchFamily="34" charset="0"/>
-              </a:rPr>
-              <a:t>.</a:t>
+              <a:rPr lang="es-MX" sz="2000" dirty="0"/>
+              <a:t>Para solicitar la lectura de algún ERD debe de ser completada correctamente la siguiente estructura de la trama de datos, la cual se debe de enviar cada uno de los valores, de lo contrario no podrá comunicarse correctamente con el dispositivo. </a:t>
             </a:r>
           </a:p>
         </p:txBody>
@@ -2093,7 +4117,7 @@
     </p:spTree>
     <p:extLst>
       <p:ext uri="{BB962C8B-B14F-4D97-AF65-F5344CB8AC3E}">
-        <p14:creationId xmlns:p14="http://schemas.microsoft.com/office/powerpoint/2010/main" val="3221229178"/>
+        <p14:creationId xmlns:p14="http://schemas.microsoft.com/office/powerpoint/2010/main" val="1935467868"/>
       </p:ext>
     </p:extLst>
   </p:cSld>
@@ -2122,10 +4146,10 @@
       </p:grpSpPr>
       <p:sp>
         <p:nvSpPr>
-          <p:cNvPr id="5" name="TextBox 4">
+          <p:cNvPr id="11" name="TextBox 10">
             <a:extLst>
               <a:ext uri="{FF2B5EF4-FFF2-40B4-BE49-F238E27FC236}">
-                <a16:creationId xmlns:a16="http://schemas.microsoft.com/office/drawing/2014/main" id="{B3BB8261-0BBA-4ED2-9F37-0E33BC0ED093}"/>
+                <a16:creationId xmlns:a16="http://schemas.microsoft.com/office/drawing/2014/main" id="{F493796D-F380-484E-A564-BFE1058931AA}"/>
               </a:ext>
             </a:extLst>
           </p:cNvPr>
@@ -2134,8 +4158,8 @@
         </p:nvSpPr>
         <p:spPr>
           <a:xfrm>
-            <a:off x="408357" y="460958"/>
-            <a:ext cx="4700005" cy="615553"/>
+            <a:off x="385482" y="1093697"/>
+            <a:ext cx="11187953" cy="967957"/>
           </a:xfrm>
           <a:prstGeom prst="rect">
             <a:avLst/>
@@ -2143,37 +4167,3515 @@
           <a:noFill/>
         </p:spPr>
         <p:txBody>
-          <a:bodyPr wrap="none" lIns="0" tIns="0" rIns="0" bIns="0" rtlCol="0">
+          <a:bodyPr wrap="square" rtlCol="0">
             <a:spAutoFit/>
           </a:bodyPr>
           <a:lstStyle/>
           <a:p>
+            <a:pPr algn="just">
+              <a:lnSpc>
+                <a:spcPct val="150000"/>
+              </a:lnSpc>
+            </a:pPr>
             <a:r>
-              <a:rPr lang="es-ES_tradnl" sz="4000" b="1" dirty="0">
-                <a:solidFill>
-                  <a:schemeClr val="bg1"/>
-                </a:solidFill>
-                <a:effectLst>
-                  <a:outerShdw blurRad="38100" dist="38100" dir="2700000" algn="tl">
-                    <a:srgbClr val="000000">
-                      <a:alpha val="43137"/>
-                    </a:srgbClr>
-                  </a:outerShdw>
-                </a:effectLst>
-                <a:latin typeface="Arial" panose="020B0604020202020204" pitchFamily="34" charset="0"/>
-                <a:cs typeface="Arial" panose="020B0604020202020204" pitchFamily="34" charset="0"/>
-              </a:rPr>
-              <a:t>Conceptos básicos</a:t>
+              <a:rPr lang="es-MX" sz="2000" dirty="0"/>
+              <a:t>Una vez enviada la trama del </a:t>
+            </a:r>
+            <a:r>
+              <a:rPr lang="es-MX" sz="2000" dirty="0" err="1"/>
+              <a:t>request</a:t>
+            </a:r>
+            <a:r>
+              <a:rPr lang="es-MX" sz="2000" dirty="0"/>
+              <a:t> de lectura, la tarjeta responderá una trama de datos de response lectura, la cuál está dada por la siguiente estructura. </a:t>
             </a:r>
           </a:p>
         </p:txBody>
       </p:sp>
+      <p:graphicFrame>
+        <p:nvGraphicFramePr>
+          <p:cNvPr id="12" name="Table 11">
+            <a:extLst>
+              <a:ext uri="{FF2B5EF4-FFF2-40B4-BE49-F238E27FC236}">
+                <a16:creationId xmlns:a16="http://schemas.microsoft.com/office/drawing/2014/main" id="{ADF61CC3-AC23-4302-85C5-D79506A63205}"/>
+              </a:ext>
+            </a:extLst>
+          </p:cNvPr>
+          <p:cNvGraphicFramePr>
+            <a:graphicFrameLocks noGrp="1"/>
+          </p:cNvGraphicFramePr>
+          <p:nvPr>
+            <p:extLst>
+              <p:ext uri="{D42A27DB-BD31-4B8C-83A1-F6EECF244321}">
+                <p14:modId xmlns:p14="http://schemas.microsoft.com/office/powerpoint/2010/main" val="731555132"/>
+              </p:ext>
+            </p:extLst>
+          </p:nvPr>
+        </p:nvGraphicFramePr>
+        <p:xfrm>
+          <a:off x="1729157" y="2587543"/>
+          <a:ext cx="8500600" cy="884134"/>
+        </p:xfrm>
+        <a:graphic>
+          <a:graphicData uri="http://schemas.openxmlformats.org/drawingml/2006/table">
+            <a:tbl>
+              <a:tblPr/>
+              <a:tblGrid>
+                <a:gridCol w="653794">
+                  <a:extLst>
+                    <a:ext uri="{9D8B030D-6E8A-4147-A177-3AD203B41FA5}">
+                      <a16:colId xmlns:a16="http://schemas.microsoft.com/office/drawing/2014/main" val="1311991151"/>
+                    </a:ext>
+                  </a:extLst>
+                </a:gridCol>
+                <a:gridCol w="653794">
+                  <a:extLst>
+                    <a:ext uri="{9D8B030D-6E8A-4147-A177-3AD203B41FA5}">
+                      <a16:colId xmlns:a16="http://schemas.microsoft.com/office/drawing/2014/main" val="1956047832"/>
+                    </a:ext>
+                  </a:extLst>
+                </a:gridCol>
+                <a:gridCol w="872894">
+                  <a:extLst>
+                    <a:ext uri="{9D8B030D-6E8A-4147-A177-3AD203B41FA5}">
+                      <a16:colId xmlns:a16="http://schemas.microsoft.com/office/drawing/2014/main" val="1635027782"/>
+                    </a:ext>
+                  </a:extLst>
+                </a:gridCol>
+                <a:gridCol w="506202">
+                  <a:extLst>
+                    <a:ext uri="{9D8B030D-6E8A-4147-A177-3AD203B41FA5}">
+                      <a16:colId xmlns:a16="http://schemas.microsoft.com/office/drawing/2014/main" val="2149031242"/>
+                    </a:ext>
+                  </a:extLst>
+                </a:gridCol>
+                <a:gridCol w="653794">
+                  <a:extLst>
+                    <a:ext uri="{9D8B030D-6E8A-4147-A177-3AD203B41FA5}">
+                      <a16:colId xmlns:a16="http://schemas.microsoft.com/office/drawing/2014/main" val="2755989405"/>
+                    </a:ext>
+                  </a:extLst>
+                </a:gridCol>
+                <a:gridCol w="653794">
+                  <a:extLst>
+                    <a:ext uri="{9D8B030D-6E8A-4147-A177-3AD203B41FA5}">
+                      <a16:colId xmlns:a16="http://schemas.microsoft.com/office/drawing/2014/main" val="987542115"/>
+                    </a:ext>
+                  </a:extLst>
+                </a:gridCol>
+                <a:gridCol w="848728">
+                  <a:extLst>
+                    <a:ext uri="{9D8B030D-6E8A-4147-A177-3AD203B41FA5}">
+                      <a16:colId xmlns:a16="http://schemas.microsoft.com/office/drawing/2014/main" val="918201285"/>
+                    </a:ext>
+                  </a:extLst>
+                </a:gridCol>
+                <a:gridCol w="1281953">
+                  <a:extLst>
+                    <a:ext uri="{9D8B030D-6E8A-4147-A177-3AD203B41FA5}">
+                      <a16:colId xmlns:a16="http://schemas.microsoft.com/office/drawing/2014/main" val="3078728663"/>
+                    </a:ext>
+                  </a:extLst>
+                </a:gridCol>
+                <a:gridCol w="708212">
+                  <a:extLst>
+                    <a:ext uri="{9D8B030D-6E8A-4147-A177-3AD203B41FA5}">
+                      <a16:colId xmlns:a16="http://schemas.microsoft.com/office/drawing/2014/main" val="2567977759"/>
+                    </a:ext>
+                  </a:extLst>
+                </a:gridCol>
+                <a:gridCol w="717176">
+                  <a:extLst>
+                    <a:ext uri="{9D8B030D-6E8A-4147-A177-3AD203B41FA5}">
+                      <a16:colId xmlns:a16="http://schemas.microsoft.com/office/drawing/2014/main" val="1455160472"/>
+                    </a:ext>
+                  </a:extLst>
+                </a:gridCol>
+                <a:gridCol w="950259">
+                  <a:extLst>
+                    <a:ext uri="{9D8B030D-6E8A-4147-A177-3AD203B41FA5}">
+                      <a16:colId xmlns:a16="http://schemas.microsoft.com/office/drawing/2014/main" val="3057598941"/>
+                    </a:ext>
+                  </a:extLst>
+                </a:gridCol>
+              </a:tblGrid>
+              <a:tr h="326320">
+                <a:tc gridSpan="11">
+                  <a:txBody>
+                    <a:bodyPr/>
+                    <a:lstStyle>
+                      <a:lvl1pPr marL="0" algn="l" defTabSz="914400" rtl="0" eaLnBrk="1" latinLnBrk="0" hangingPunct="1">
+                        <a:defRPr sz="1800" kern="1200">
+                          <a:solidFill>
+                            <a:schemeClr val="tx1"/>
+                          </a:solidFill>
+                          <a:latin typeface="Calibri" panose="020F0502020204030204"/>
+                        </a:defRPr>
+                      </a:lvl1pPr>
+                      <a:lvl2pPr marL="457200" algn="l" defTabSz="914400" rtl="0" eaLnBrk="1" latinLnBrk="0" hangingPunct="1">
+                        <a:defRPr sz="1800" kern="1200">
+                          <a:solidFill>
+                            <a:schemeClr val="tx1"/>
+                          </a:solidFill>
+                          <a:latin typeface="Calibri" panose="020F0502020204030204"/>
+                        </a:defRPr>
+                      </a:lvl2pPr>
+                      <a:lvl3pPr marL="914400" algn="l" defTabSz="914400" rtl="0" eaLnBrk="1" latinLnBrk="0" hangingPunct="1">
+                        <a:defRPr sz="1800" kern="1200">
+                          <a:solidFill>
+                            <a:schemeClr val="tx1"/>
+                          </a:solidFill>
+                          <a:latin typeface="Calibri" panose="020F0502020204030204"/>
+                        </a:defRPr>
+                      </a:lvl3pPr>
+                      <a:lvl4pPr marL="1371600" algn="l" defTabSz="914400" rtl="0" eaLnBrk="1" latinLnBrk="0" hangingPunct="1">
+                        <a:defRPr sz="1800" kern="1200">
+                          <a:solidFill>
+                            <a:schemeClr val="tx1"/>
+                          </a:solidFill>
+                          <a:latin typeface="Calibri" panose="020F0502020204030204"/>
+                        </a:defRPr>
+                      </a:lvl4pPr>
+                      <a:lvl5pPr marL="1828800" algn="l" defTabSz="914400" rtl="0" eaLnBrk="1" latinLnBrk="0" hangingPunct="1">
+                        <a:defRPr sz="1800" kern="1200">
+                          <a:solidFill>
+                            <a:schemeClr val="tx1"/>
+                          </a:solidFill>
+                          <a:latin typeface="Calibri" panose="020F0502020204030204"/>
+                        </a:defRPr>
+                      </a:lvl5pPr>
+                      <a:lvl6pPr marL="2286000" algn="l" defTabSz="914400" rtl="0" eaLnBrk="1" latinLnBrk="0" hangingPunct="1">
+                        <a:defRPr sz="1800" kern="1200">
+                          <a:solidFill>
+                            <a:schemeClr val="tx1"/>
+                          </a:solidFill>
+                          <a:latin typeface="Calibri" panose="020F0502020204030204"/>
+                        </a:defRPr>
+                      </a:lvl6pPr>
+                      <a:lvl7pPr marL="2743200" algn="l" defTabSz="914400" rtl="0" eaLnBrk="1" latinLnBrk="0" hangingPunct="1">
+                        <a:defRPr sz="1800" kern="1200">
+                          <a:solidFill>
+                            <a:schemeClr val="tx1"/>
+                          </a:solidFill>
+                          <a:latin typeface="Calibri" panose="020F0502020204030204"/>
+                        </a:defRPr>
+                      </a:lvl7pPr>
+                      <a:lvl8pPr marL="3200400" algn="l" defTabSz="914400" rtl="0" eaLnBrk="1" latinLnBrk="0" hangingPunct="1">
+                        <a:defRPr sz="1800" kern="1200">
+                          <a:solidFill>
+                            <a:schemeClr val="tx1"/>
+                          </a:solidFill>
+                          <a:latin typeface="Calibri" panose="020F0502020204030204"/>
+                        </a:defRPr>
+                      </a:lvl8pPr>
+                      <a:lvl9pPr marL="3657600" algn="l" defTabSz="914400" rtl="0" eaLnBrk="1" latinLnBrk="0" hangingPunct="1">
+                        <a:defRPr sz="1800" kern="1200">
+                          <a:solidFill>
+                            <a:schemeClr val="tx1"/>
+                          </a:solidFill>
+                          <a:latin typeface="Calibri" panose="020F0502020204030204"/>
+                        </a:defRPr>
+                      </a:lvl9pPr>
+                    </a:lstStyle>
+                    <a:p>
+                      <a:pPr algn="ctr" fontAlgn="b"/>
+                      <a:r>
+                        <a:rPr lang="es-MX" sz="1600" b="1" u="none" strike="noStrike" dirty="0">
+                          <a:effectLst/>
+                        </a:rPr>
+                        <a:t>Response Lectura</a:t>
+                      </a:r>
+                      <a:endParaRPr lang="es-MX" sz="1600" b="1" i="0" u="none" strike="noStrike" dirty="0">
+                        <a:solidFill>
+                          <a:srgbClr val="000000"/>
+                        </a:solidFill>
+                        <a:effectLst/>
+                        <a:latin typeface="Calibri" panose="020F0502020204030204" pitchFamily="34" charset="0"/>
+                      </a:endParaRPr>
+                    </a:p>
+                  </a:txBody>
+                  <a:tcPr marL="9525" marR="9525" marT="9525" marB="0" anchor="ctr">
+                    <a:lnL>
+                      <a:noFill/>
+                    </a:lnL>
+                    <a:lnR>
+                      <a:noFill/>
+                    </a:lnR>
+                    <a:lnT w="12700" cmpd="sng">
+                      <a:solidFill>
+                        <a:srgbClr val="4472C4"/>
+                      </a:solidFill>
+                    </a:lnT>
+                    <a:lnB>
+                      <a:noFill/>
+                    </a:lnB>
+                    <a:lnTlToBr w="12700" cmpd="sng">
+                      <a:noFill/>
+                      <a:prstDash val="solid"/>
+                    </a:lnTlToBr>
+                    <a:lnBlToTr w="12700" cmpd="sng">
+                      <a:noFill/>
+                      <a:prstDash val="solid"/>
+                    </a:lnBlToTr>
+                    <a:noFill/>
+                  </a:tcPr>
+                </a:tc>
+                <a:tc hMerge="1">
+                  <a:txBody>
+                    <a:bodyPr/>
+                    <a:lstStyle/>
+                    <a:p>
+                      <a:endParaRPr lang="es-MX"/>
+                    </a:p>
+                  </a:txBody>
+                  <a:tcPr/>
+                </a:tc>
+                <a:tc hMerge="1">
+                  <a:txBody>
+                    <a:bodyPr/>
+                    <a:lstStyle/>
+                    <a:p>
+                      <a:endParaRPr lang="es-MX"/>
+                    </a:p>
+                  </a:txBody>
+                  <a:tcPr/>
+                </a:tc>
+                <a:tc hMerge="1">
+                  <a:txBody>
+                    <a:bodyPr/>
+                    <a:lstStyle/>
+                    <a:p>
+                      <a:endParaRPr lang="es-MX"/>
+                    </a:p>
+                  </a:txBody>
+                  <a:tcPr/>
+                </a:tc>
+                <a:tc hMerge="1">
+                  <a:txBody>
+                    <a:bodyPr/>
+                    <a:lstStyle/>
+                    <a:p>
+                      <a:endParaRPr lang="es-MX"/>
+                    </a:p>
+                  </a:txBody>
+                  <a:tcPr/>
+                </a:tc>
+                <a:tc hMerge="1">
+                  <a:txBody>
+                    <a:bodyPr/>
+                    <a:lstStyle/>
+                    <a:p>
+                      <a:endParaRPr lang="es-MX"/>
+                    </a:p>
+                  </a:txBody>
+                  <a:tcPr/>
+                </a:tc>
+                <a:tc hMerge="1">
+                  <a:txBody>
+                    <a:bodyPr/>
+                    <a:lstStyle/>
+                    <a:p>
+                      <a:endParaRPr lang="es-MX"/>
+                    </a:p>
+                  </a:txBody>
+                  <a:tcPr/>
+                </a:tc>
+                <a:tc hMerge="1">
+                  <a:txBody>
+                    <a:bodyPr/>
+                    <a:lstStyle/>
+                    <a:p>
+                      <a:endParaRPr lang="es-MX"/>
+                    </a:p>
+                  </a:txBody>
+                  <a:tcPr/>
+                </a:tc>
+                <a:tc hMerge="1">
+                  <a:txBody>
+                    <a:bodyPr/>
+                    <a:lstStyle/>
+                    <a:p>
+                      <a:endParaRPr lang="es-MX"/>
+                    </a:p>
+                  </a:txBody>
+                  <a:tcPr/>
+                </a:tc>
+                <a:tc hMerge="1">
+                  <a:txBody>
+                    <a:bodyPr/>
+                    <a:lstStyle/>
+                    <a:p>
+                      <a:endParaRPr lang="es-MX"/>
+                    </a:p>
+                  </a:txBody>
+                  <a:tcPr/>
+                </a:tc>
+                <a:tc hMerge="1">
+                  <a:txBody>
+                    <a:bodyPr/>
+                    <a:lstStyle/>
+                    <a:p>
+                      <a:endParaRPr lang="es-MX"/>
+                    </a:p>
+                  </a:txBody>
+                  <a:tcPr/>
+                </a:tc>
+                <a:extLst>
+                  <a:ext uri="{0D108BD9-81ED-4DB2-BD59-A6C34878D82A}">
+                    <a16:rowId xmlns:a16="http://schemas.microsoft.com/office/drawing/2014/main" val="3130349040"/>
+                  </a:ext>
+                </a:extLst>
+              </a:tr>
+              <a:tr h="278907">
+                <a:tc>
+                  <a:txBody>
+                    <a:bodyPr/>
+                    <a:lstStyle>
+                      <a:lvl1pPr marL="0" algn="l" defTabSz="914400" rtl="0" eaLnBrk="1" latinLnBrk="0" hangingPunct="1">
+                        <a:defRPr sz="1800" kern="1200">
+                          <a:solidFill>
+                            <a:schemeClr val="tx1"/>
+                          </a:solidFill>
+                          <a:latin typeface="Calibri" panose="020F0502020204030204"/>
+                        </a:defRPr>
+                      </a:lvl1pPr>
+                      <a:lvl2pPr marL="457200" algn="l" defTabSz="914400" rtl="0" eaLnBrk="1" latinLnBrk="0" hangingPunct="1">
+                        <a:defRPr sz="1800" kern="1200">
+                          <a:solidFill>
+                            <a:schemeClr val="tx1"/>
+                          </a:solidFill>
+                          <a:latin typeface="Calibri" panose="020F0502020204030204"/>
+                        </a:defRPr>
+                      </a:lvl2pPr>
+                      <a:lvl3pPr marL="914400" algn="l" defTabSz="914400" rtl="0" eaLnBrk="1" latinLnBrk="0" hangingPunct="1">
+                        <a:defRPr sz="1800" kern="1200">
+                          <a:solidFill>
+                            <a:schemeClr val="tx1"/>
+                          </a:solidFill>
+                          <a:latin typeface="Calibri" panose="020F0502020204030204"/>
+                        </a:defRPr>
+                      </a:lvl3pPr>
+                      <a:lvl4pPr marL="1371600" algn="l" defTabSz="914400" rtl="0" eaLnBrk="1" latinLnBrk="0" hangingPunct="1">
+                        <a:defRPr sz="1800" kern="1200">
+                          <a:solidFill>
+                            <a:schemeClr val="tx1"/>
+                          </a:solidFill>
+                          <a:latin typeface="Calibri" panose="020F0502020204030204"/>
+                        </a:defRPr>
+                      </a:lvl4pPr>
+                      <a:lvl5pPr marL="1828800" algn="l" defTabSz="914400" rtl="0" eaLnBrk="1" latinLnBrk="0" hangingPunct="1">
+                        <a:defRPr sz="1800" kern="1200">
+                          <a:solidFill>
+                            <a:schemeClr val="tx1"/>
+                          </a:solidFill>
+                          <a:latin typeface="Calibri" panose="020F0502020204030204"/>
+                        </a:defRPr>
+                      </a:lvl5pPr>
+                      <a:lvl6pPr marL="2286000" algn="l" defTabSz="914400" rtl="0" eaLnBrk="1" latinLnBrk="0" hangingPunct="1">
+                        <a:defRPr sz="1800" kern="1200">
+                          <a:solidFill>
+                            <a:schemeClr val="tx1"/>
+                          </a:solidFill>
+                          <a:latin typeface="Calibri" panose="020F0502020204030204"/>
+                        </a:defRPr>
+                      </a:lvl6pPr>
+                      <a:lvl7pPr marL="2743200" algn="l" defTabSz="914400" rtl="0" eaLnBrk="1" latinLnBrk="0" hangingPunct="1">
+                        <a:defRPr sz="1800" kern="1200">
+                          <a:solidFill>
+                            <a:schemeClr val="tx1"/>
+                          </a:solidFill>
+                          <a:latin typeface="Calibri" panose="020F0502020204030204"/>
+                        </a:defRPr>
+                      </a:lvl7pPr>
+                      <a:lvl8pPr marL="3200400" algn="l" defTabSz="914400" rtl="0" eaLnBrk="1" latinLnBrk="0" hangingPunct="1">
+                        <a:defRPr sz="1800" kern="1200">
+                          <a:solidFill>
+                            <a:schemeClr val="tx1"/>
+                          </a:solidFill>
+                          <a:latin typeface="Calibri" panose="020F0502020204030204"/>
+                        </a:defRPr>
+                      </a:lvl8pPr>
+                      <a:lvl9pPr marL="3657600" algn="l" defTabSz="914400" rtl="0" eaLnBrk="1" latinLnBrk="0" hangingPunct="1">
+                        <a:defRPr sz="1800" kern="1200">
+                          <a:solidFill>
+                            <a:schemeClr val="tx1"/>
+                          </a:solidFill>
+                          <a:latin typeface="Calibri" panose="020F0502020204030204"/>
+                        </a:defRPr>
+                      </a:lvl9pPr>
+                    </a:lstStyle>
+                    <a:p>
+                      <a:pPr algn="ctr" fontAlgn="b"/>
+                      <a:r>
+                        <a:rPr lang="es-MX" sz="1400" b="1" u="none" strike="noStrike">
+                          <a:effectLst/>
+                        </a:rPr>
+                        <a:t>Bit Init</a:t>
+                      </a:r>
+                      <a:endParaRPr lang="es-MX" sz="1400" b="1" i="0" u="none" strike="noStrike">
+                        <a:solidFill>
+                          <a:srgbClr val="000000"/>
+                        </a:solidFill>
+                        <a:effectLst/>
+                        <a:latin typeface="Calibri" panose="020F0502020204030204" pitchFamily="34" charset="0"/>
+                      </a:endParaRPr>
+                    </a:p>
+                  </a:txBody>
+                  <a:tcPr marL="9525" marR="9525" marT="9525" marB="0" anchor="ctr">
+                    <a:lnL>
+                      <a:noFill/>
+                    </a:lnL>
+                    <a:lnR>
+                      <a:noFill/>
+                    </a:lnR>
+                    <a:lnT>
+                      <a:noFill/>
+                    </a:lnT>
+                    <a:lnB>
+                      <a:noFill/>
+                    </a:lnB>
+                    <a:lnTlToBr w="12700" cmpd="sng">
+                      <a:noFill/>
+                      <a:prstDash val="solid"/>
+                    </a:lnTlToBr>
+                    <a:lnBlToTr w="12700" cmpd="sng">
+                      <a:noFill/>
+                      <a:prstDash val="solid"/>
+                    </a:lnBlToTr>
+                    <a:noFill/>
+                  </a:tcPr>
+                </a:tc>
+                <a:tc>
+                  <a:txBody>
+                    <a:bodyPr/>
+                    <a:lstStyle>
+                      <a:lvl1pPr marL="0" algn="l" defTabSz="914400" rtl="0" eaLnBrk="1" latinLnBrk="0" hangingPunct="1">
+                        <a:defRPr sz="1800" kern="1200">
+                          <a:solidFill>
+                            <a:schemeClr val="tx1"/>
+                          </a:solidFill>
+                          <a:latin typeface="Calibri" panose="020F0502020204030204"/>
+                        </a:defRPr>
+                      </a:lvl1pPr>
+                      <a:lvl2pPr marL="457200" algn="l" defTabSz="914400" rtl="0" eaLnBrk="1" latinLnBrk="0" hangingPunct="1">
+                        <a:defRPr sz="1800" kern="1200">
+                          <a:solidFill>
+                            <a:schemeClr val="tx1"/>
+                          </a:solidFill>
+                          <a:latin typeface="Calibri" panose="020F0502020204030204"/>
+                        </a:defRPr>
+                      </a:lvl2pPr>
+                      <a:lvl3pPr marL="914400" algn="l" defTabSz="914400" rtl="0" eaLnBrk="1" latinLnBrk="0" hangingPunct="1">
+                        <a:defRPr sz="1800" kern="1200">
+                          <a:solidFill>
+                            <a:schemeClr val="tx1"/>
+                          </a:solidFill>
+                          <a:latin typeface="Calibri" panose="020F0502020204030204"/>
+                        </a:defRPr>
+                      </a:lvl3pPr>
+                      <a:lvl4pPr marL="1371600" algn="l" defTabSz="914400" rtl="0" eaLnBrk="1" latinLnBrk="0" hangingPunct="1">
+                        <a:defRPr sz="1800" kern="1200">
+                          <a:solidFill>
+                            <a:schemeClr val="tx1"/>
+                          </a:solidFill>
+                          <a:latin typeface="Calibri" panose="020F0502020204030204"/>
+                        </a:defRPr>
+                      </a:lvl4pPr>
+                      <a:lvl5pPr marL="1828800" algn="l" defTabSz="914400" rtl="0" eaLnBrk="1" latinLnBrk="0" hangingPunct="1">
+                        <a:defRPr sz="1800" kern="1200">
+                          <a:solidFill>
+                            <a:schemeClr val="tx1"/>
+                          </a:solidFill>
+                          <a:latin typeface="Calibri" panose="020F0502020204030204"/>
+                        </a:defRPr>
+                      </a:lvl5pPr>
+                      <a:lvl6pPr marL="2286000" algn="l" defTabSz="914400" rtl="0" eaLnBrk="1" latinLnBrk="0" hangingPunct="1">
+                        <a:defRPr sz="1800" kern="1200">
+                          <a:solidFill>
+                            <a:schemeClr val="tx1"/>
+                          </a:solidFill>
+                          <a:latin typeface="Calibri" panose="020F0502020204030204"/>
+                        </a:defRPr>
+                      </a:lvl6pPr>
+                      <a:lvl7pPr marL="2743200" algn="l" defTabSz="914400" rtl="0" eaLnBrk="1" latinLnBrk="0" hangingPunct="1">
+                        <a:defRPr sz="1800" kern="1200">
+                          <a:solidFill>
+                            <a:schemeClr val="tx1"/>
+                          </a:solidFill>
+                          <a:latin typeface="Calibri" panose="020F0502020204030204"/>
+                        </a:defRPr>
+                      </a:lvl7pPr>
+                      <a:lvl8pPr marL="3200400" algn="l" defTabSz="914400" rtl="0" eaLnBrk="1" latinLnBrk="0" hangingPunct="1">
+                        <a:defRPr sz="1800" kern="1200">
+                          <a:solidFill>
+                            <a:schemeClr val="tx1"/>
+                          </a:solidFill>
+                          <a:latin typeface="Calibri" panose="020F0502020204030204"/>
+                        </a:defRPr>
+                      </a:lvl8pPr>
+                      <a:lvl9pPr marL="3657600" algn="l" defTabSz="914400" rtl="0" eaLnBrk="1" latinLnBrk="0" hangingPunct="1">
+                        <a:defRPr sz="1800" kern="1200">
+                          <a:solidFill>
+                            <a:schemeClr val="tx1"/>
+                          </a:solidFill>
+                          <a:latin typeface="Calibri" panose="020F0502020204030204"/>
+                        </a:defRPr>
+                      </a:lvl9pPr>
+                    </a:lstStyle>
+                    <a:p>
+                      <a:pPr algn="ctr" fontAlgn="b"/>
+                      <a:r>
+                        <a:rPr lang="es-MX" sz="1400" b="1" u="none" strike="noStrike">
+                          <a:effectLst/>
+                        </a:rPr>
+                        <a:t>DST</a:t>
+                      </a:r>
+                      <a:endParaRPr lang="es-MX" sz="1400" b="1" i="0" u="none" strike="noStrike">
+                        <a:solidFill>
+                          <a:srgbClr val="000000"/>
+                        </a:solidFill>
+                        <a:effectLst/>
+                        <a:latin typeface="Calibri" panose="020F0502020204030204" pitchFamily="34" charset="0"/>
+                      </a:endParaRPr>
+                    </a:p>
+                  </a:txBody>
+                  <a:tcPr marL="9525" marR="9525" marT="9525" marB="0" anchor="ctr">
+                    <a:lnL>
+                      <a:noFill/>
+                    </a:lnL>
+                    <a:lnR>
+                      <a:noFill/>
+                    </a:lnR>
+                    <a:lnT>
+                      <a:noFill/>
+                    </a:lnT>
+                    <a:lnB>
+                      <a:noFill/>
+                    </a:lnB>
+                    <a:lnTlToBr w="12700" cmpd="sng">
+                      <a:noFill/>
+                      <a:prstDash val="solid"/>
+                    </a:lnTlToBr>
+                    <a:lnBlToTr w="12700" cmpd="sng">
+                      <a:noFill/>
+                      <a:prstDash val="solid"/>
+                    </a:lnBlToTr>
+                    <a:noFill/>
+                  </a:tcPr>
+                </a:tc>
+                <a:tc>
+                  <a:txBody>
+                    <a:bodyPr/>
+                    <a:lstStyle>
+                      <a:lvl1pPr marL="0" algn="l" defTabSz="914400" rtl="0" eaLnBrk="1" latinLnBrk="0" hangingPunct="1">
+                        <a:defRPr sz="1800" kern="1200">
+                          <a:solidFill>
+                            <a:schemeClr val="tx1"/>
+                          </a:solidFill>
+                          <a:latin typeface="Calibri" panose="020F0502020204030204"/>
+                        </a:defRPr>
+                      </a:lvl1pPr>
+                      <a:lvl2pPr marL="457200" algn="l" defTabSz="914400" rtl="0" eaLnBrk="1" latinLnBrk="0" hangingPunct="1">
+                        <a:defRPr sz="1800" kern="1200">
+                          <a:solidFill>
+                            <a:schemeClr val="tx1"/>
+                          </a:solidFill>
+                          <a:latin typeface="Calibri" panose="020F0502020204030204"/>
+                        </a:defRPr>
+                      </a:lvl2pPr>
+                      <a:lvl3pPr marL="914400" algn="l" defTabSz="914400" rtl="0" eaLnBrk="1" latinLnBrk="0" hangingPunct="1">
+                        <a:defRPr sz="1800" kern="1200">
+                          <a:solidFill>
+                            <a:schemeClr val="tx1"/>
+                          </a:solidFill>
+                          <a:latin typeface="Calibri" panose="020F0502020204030204"/>
+                        </a:defRPr>
+                      </a:lvl3pPr>
+                      <a:lvl4pPr marL="1371600" algn="l" defTabSz="914400" rtl="0" eaLnBrk="1" latinLnBrk="0" hangingPunct="1">
+                        <a:defRPr sz="1800" kern="1200">
+                          <a:solidFill>
+                            <a:schemeClr val="tx1"/>
+                          </a:solidFill>
+                          <a:latin typeface="Calibri" panose="020F0502020204030204"/>
+                        </a:defRPr>
+                      </a:lvl4pPr>
+                      <a:lvl5pPr marL="1828800" algn="l" defTabSz="914400" rtl="0" eaLnBrk="1" latinLnBrk="0" hangingPunct="1">
+                        <a:defRPr sz="1800" kern="1200">
+                          <a:solidFill>
+                            <a:schemeClr val="tx1"/>
+                          </a:solidFill>
+                          <a:latin typeface="Calibri" panose="020F0502020204030204"/>
+                        </a:defRPr>
+                      </a:lvl5pPr>
+                      <a:lvl6pPr marL="2286000" algn="l" defTabSz="914400" rtl="0" eaLnBrk="1" latinLnBrk="0" hangingPunct="1">
+                        <a:defRPr sz="1800" kern="1200">
+                          <a:solidFill>
+                            <a:schemeClr val="tx1"/>
+                          </a:solidFill>
+                          <a:latin typeface="Calibri" panose="020F0502020204030204"/>
+                        </a:defRPr>
+                      </a:lvl6pPr>
+                      <a:lvl7pPr marL="2743200" algn="l" defTabSz="914400" rtl="0" eaLnBrk="1" latinLnBrk="0" hangingPunct="1">
+                        <a:defRPr sz="1800" kern="1200">
+                          <a:solidFill>
+                            <a:schemeClr val="tx1"/>
+                          </a:solidFill>
+                          <a:latin typeface="Calibri" panose="020F0502020204030204"/>
+                        </a:defRPr>
+                      </a:lvl7pPr>
+                      <a:lvl8pPr marL="3200400" algn="l" defTabSz="914400" rtl="0" eaLnBrk="1" latinLnBrk="0" hangingPunct="1">
+                        <a:defRPr sz="1800" kern="1200">
+                          <a:solidFill>
+                            <a:schemeClr val="tx1"/>
+                          </a:solidFill>
+                          <a:latin typeface="Calibri" panose="020F0502020204030204"/>
+                        </a:defRPr>
+                      </a:lvl8pPr>
+                      <a:lvl9pPr marL="3657600" algn="l" defTabSz="914400" rtl="0" eaLnBrk="1" latinLnBrk="0" hangingPunct="1">
+                        <a:defRPr sz="1800" kern="1200">
+                          <a:solidFill>
+                            <a:schemeClr val="tx1"/>
+                          </a:solidFill>
+                          <a:latin typeface="Calibri" panose="020F0502020204030204"/>
+                        </a:defRPr>
+                      </a:lvl9pPr>
+                    </a:lstStyle>
+                    <a:p>
+                      <a:pPr algn="ctr" fontAlgn="b"/>
+                      <a:r>
+                        <a:rPr lang="es-MX" sz="1400" b="1" u="none" strike="noStrike">
+                          <a:effectLst/>
+                        </a:rPr>
+                        <a:t>LONGITUD</a:t>
+                      </a:r>
+                      <a:endParaRPr lang="es-MX" sz="1400" b="1" i="0" u="none" strike="noStrike">
+                        <a:solidFill>
+                          <a:srgbClr val="000000"/>
+                        </a:solidFill>
+                        <a:effectLst/>
+                        <a:latin typeface="Calibri" panose="020F0502020204030204" pitchFamily="34" charset="0"/>
+                      </a:endParaRPr>
+                    </a:p>
+                  </a:txBody>
+                  <a:tcPr marL="9525" marR="9525" marT="9525" marB="0" anchor="ctr">
+                    <a:lnL>
+                      <a:noFill/>
+                    </a:lnL>
+                    <a:lnR>
+                      <a:noFill/>
+                    </a:lnR>
+                    <a:lnT>
+                      <a:noFill/>
+                    </a:lnT>
+                    <a:lnB>
+                      <a:noFill/>
+                    </a:lnB>
+                    <a:lnTlToBr w="12700" cmpd="sng">
+                      <a:noFill/>
+                      <a:prstDash val="solid"/>
+                    </a:lnTlToBr>
+                    <a:lnBlToTr w="12700" cmpd="sng">
+                      <a:noFill/>
+                      <a:prstDash val="solid"/>
+                    </a:lnBlToTr>
+                    <a:noFill/>
+                  </a:tcPr>
+                </a:tc>
+                <a:tc>
+                  <a:txBody>
+                    <a:bodyPr/>
+                    <a:lstStyle>
+                      <a:lvl1pPr marL="0" algn="l" defTabSz="914400" rtl="0" eaLnBrk="1" latinLnBrk="0" hangingPunct="1">
+                        <a:defRPr sz="1800" kern="1200">
+                          <a:solidFill>
+                            <a:schemeClr val="tx1"/>
+                          </a:solidFill>
+                          <a:latin typeface="Calibri" panose="020F0502020204030204"/>
+                        </a:defRPr>
+                      </a:lvl1pPr>
+                      <a:lvl2pPr marL="457200" algn="l" defTabSz="914400" rtl="0" eaLnBrk="1" latinLnBrk="0" hangingPunct="1">
+                        <a:defRPr sz="1800" kern="1200">
+                          <a:solidFill>
+                            <a:schemeClr val="tx1"/>
+                          </a:solidFill>
+                          <a:latin typeface="Calibri" panose="020F0502020204030204"/>
+                        </a:defRPr>
+                      </a:lvl2pPr>
+                      <a:lvl3pPr marL="914400" algn="l" defTabSz="914400" rtl="0" eaLnBrk="1" latinLnBrk="0" hangingPunct="1">
+                        <a:defRPr sz="1800" kern="1200">
+                          <a:solidFill>
+                            <a:schemeClr val="tx1"/>
+                          </a:solidFill>
+                          <a:latin typeface="Calibri" panose="020F0502020204030204"/>
+                        </a:defRPr>
+                      </a:lvl3pPr>
+                      <a:lvl4pPr marL="1371600" algn="l" defTabSz="914400" rtl="0" eaLnBrk="1" latinLnBrk="0" hangingPunct="1">
+                        <a:defRPr sz="1800" kern="1200">
+                          <a:solidFill>
+                            <a:schemeClr val="tx1"/>
+                          </a:solidFill>
+                          <a:latin typeface="Calibri" panose="020F0502020204030204"/>
+                        </a:defRPr>
+                      </a:lvl4pPr>
+                      <a:lvl5pPr marL="1828800" algn="l" defTabSz="914400" rtl="0" eaLnBrk="1" latinLnBrk="0" hangingPunct="1">
+                        <a:defRPr sz="1800" kern="1200">
+                          <a:solidFill>
+                            <a:schemeClr val="tx1"/>
+                          </a:solidFill>
+                          <a:latin typeface="Calibri" panose="020F0502020204030204"/>
+                        </a:defRPr>
+                      </a:lvl5pPr>
+                      <a:lvl6pPr marL="2286000" algn="l" defTabSz="914400" rtl="0" eaLnBrk="1" latinLnBrk="0" hangingPunct="1">
+                        <a:defRPr sz="1800" kern="1200">
+                          <a:solidFill>
+                            <a:schemeClr val="tx1"/>
+                          </a:solidFill>
+                          <a:latin typeface="Calibri" panose="020F0502020204030204"/>
+                        </a:defRPr>
+                      </a:lvl6pPr>
+                      <a:lvl7pPr marL="2743200" algn="l" defTabSz="914400" rtl="0" eaLnBrk="1" latinLnBrk="0" hangingPunct="1">
+                        <a:defRPr sz="1800" kern="1200">
+                          <a:solidFill>
+                            <a:schemeClr val="tx1"/>
+                          </a:solidFill>
+                          <a:latin typeface="Calibri" panose="020F0502020204030204"/>
+                        </a:defRPr>
+                      </a:lvl7pPr>
+                      <a:lvl8pPr marL="3200400" algn="l" defTabSz="914400" rtl="0" eaLnBrk="1" latinLnBrk="0" hangingPunct="1">
+                        <a:defRPr sz="1800" kern="1200">
+                          <a:solidFill>
+                            <a:schemeClr val="tx1"/>
+                          </a:solidFill>
+                          <a:latin typeface="Calibri" panose="020F0502020204030204"/>
+                        </a:defRPr>
+                      </a:lvl8pPr>
+                      <a:lvl9pPr marL="3657600" algn="l" defTabSz="914400" rtl="0" eaLnBrk="1" latinLnBrk="0" hangingPunct="1">
+                        <a:defRPr sz="1800" kern="1200">
+                          <a:solidFill>
+                            <a:schemeClr val="tx1"/>
+                          </a:solidFill>
+                          <a:latin typeface="Calibri" panose="020F0502020204030204"/>
+                        </a:defRPr>
+                      </a:lvl9pPr>
+                    </a:lstStyle>
+                    <a:p>
+                      <a:pPr algn="ctr" fontAlgn="b"/>
+                      <a:r>
+                        <a:rPr lang="es-MX" sz="1400" b="1" u="none" strike="noStrike">
+                          <a:effectLst/>
+                        </a:rPr>
+                        <a:t>SRC</a:t>
+                      </a:r>
+                      <a:endParaRPr lang="es-MX" sz="1400" b="1" i="0" u="none" strike="noStrike">
+                        <a:solidFill>
+                          <a:srgbClr val="000000"/>
+                        </a:solidFill>
+                        <a:effectLst/>
+                        <a:latin typeface="Calibri" panose="020F0502020204030204" pitchFamily="34" charset="0"/>
+                      </a:endParaRPr>
+                    </a:p>
+                  </a:txBody>
+                  <a:tcPr marL="9525" marR="9525" marT="9525" marB="0" anchor="ctr">
+                    <a:lnL>
+                      <a:noFill/>
+                    </a:lnL>
+                    <a:lnR>
+                      <a:noFill/>
+                    </a:lnR>
+                    <a:lnT>
+                      <a:noFill/>
+                    </a:lnT>
+                    <a:lnB>
+                      <a:noFill/>
+                    </a:lnB>
+                    <a:lnTlToBr w="12700" cmpd="sng">
+                      <a:noFill/>
+                      <a:prstDash val="solid"/>
+                    </a:lnTlToBr>
+                    <a:lnBlToTr w="12700" cmpd="sng">
+                      <a:noFill/>
+                      <a:prstDash val="solid"/>
+                    </a:lnBlToTr>
+                    <a:noFill/>
+                  </a:tcPr>
+                </a:tc>
+                <a:tc>
+                  <a:txBody>
+                    <a:bodyPr/>
+                    <a:lstStyle>
+                      <a:lvl1pPr marL="0" algn="l" defTabSz="914400" rtl="0" eaLnBrk="1" latinLnBrk="0" hangingPunct="1">
+                        <a:defRPr sz="1800" kern="1200">
+                          <a:solidFill>
+                            <a:schemeClr val="tx1"/>
+                          </a:solidFill>
+                          <a:latin typeface="Calibri" panose="020F0502020204030204"/>
+                        </a:defRPr>
+                      </a:lvl1pPr>
+                      <a:lvl2pPr marL="457200" algn="l" defTabSz="914400" rtl="0" eaLnBrk="1" latinLnBrk="0" hangingPunct="1">
+                        <a:defRPr sz="1800" kern="1200">
+                          <a:solidFill>
+                            <a:schemeClr val="tx1"/>
+                          </a:solidFill>
+                          <a:latin typeface="Calibri" panose="020F0502020204030204"/>
+                        </a:defRPr>
+                      </a:lvl2pPr>
+                      <a:lvl3pPr marL="914400" algn="l" defTabSz="914400" rtl="0" eaLnBrk="1" latinLnBrk="0" hangingPunct="1">
+                        <a:defRPr sz="1800" kern="1200">
+                          <a:solidFill>
+                            <a:schemeClr val="tx1"/>
+                          </a:solidFill>
+                          <a:latin typeface="Calibri" panose="020F0502020204030204"/>
+                        </a:defRPr>
+                      </a:lvl3pPr>
+                      <a:lvl4pPr marL="1371600" algn="l" defTabSz="914400" rtl="0" eaLnBrk="1" latinLnBrk="0" hangingPunct="1">
+                        <a:defRPr sz="1800" kern="1200">
+                          <a:solidFill>
+                            <a:schemeClr val="tx1"/>
+                          </a:solidFill>
+                          <a:latin typeface="Calibri" panose="020F0502020204030204"/>
+                        </a:defRPr>
+                      </a:lvl4pPr>
+                      <a:lvl5pPr marL="1828800" algn="l" defTabSz="914400" rtl="0" eaLnBrk="1" latinLnBrk="0" hangingPunct="1">
+                        <a:defRPr sz="1800" kern="1200">
+                          <a:solidFill>
+                            <a:schemeClr val="tx1"/>
+                          </a:solidFill>
+                          <a:latin typeface="Calibri" panose="020F0502020204030204"/>
+                        </a:defRPr>
+                      </a:lvl5pPr>
+                      <a:lvl6pPr marL="2286000" algn="l" defTabSz="914400" rtl="0" eaLnBrk="1" latinLnBrk="0" hangingPunct="1">
+                        <a:defRPr sz="1800" kern="1200">
+                          <a:solidFill>
+                            <a:schemeClr val="tx1"/>
+                          </a:solidFill>
+                          <a:latin typeface="Calibri" panose="020F0502020204030204"/>
+                        </a:defRPr>
+                      </a:lvl6pPr>
+                      <a:lvl7pPr marL="2743200" algn="l" defTabSz="914400" rtl="0" eaLnBrk="1" latinLnBrk="0" hangingPunct="1">
+                        <a:defRPr sz="1800" kern="1200">
+                          <a:solidFill>
+                            <a:schemeClr val="tx1"/>
+                          </a:solidFill>
+                          <a:latin typeface="Calibri" panose="020F0502020204030204"/>
+                        </a:defRPr>
+                      </a:lvl7pPr>
+                      <a:lvl8pPr marL="3200400" algn="l" defTabSz="914400" rtl="0" eaLnBrk="1" latinLnBrk="0" hangingPunct="1">
+                        <a:defRPr sz="1800" kern="1200">
+                          <a:solidFill>
+                            <a:schemeClr val="tx1"/>
+                          </a:solidFill>
+                          <a:latin typeface="Calibri" panose="020F0502020204030204"/>
+                        </a:defRPr>
+                      </a:lvl8pPr>
+                      <a:lvl9pPr marL="3657600" algn="l" defTabSz="914400" rtl="0" eaLnBrk="1" latinLnBrk="0" hangingPunct="1">
+                        <a:defRPr sz="1800" kern="1200">
+                          <a:solidFill>
+                            <a:schemeClr val="tx1"/>
+                          </a:solidFill>
+                          <a:latin typeface="Calibri" panose="020F0502020204030204"/>
+                        </a:defRPr>
+                      </a:lvl9pPr>
+                    </a:lstStyle>
+                    <a:p>
+                      <a:pPr algn="ctr" fontAlgn="b"/>
+                      <a:r>
+                        <a:rPr lang="es-MX" sz="1400" b="1" u="none" strike="noStrike" dirty="0">
+                          <a:effectLst/>
+                        </a:rPr>
+                        <a:t>CMD</a:t>
+                      </a:r>
+                      <a:endParaRPr lang="es-MX" sz="1400" b="1" i="0" u="none" strike="noStrike" dirty="0">
+                        <a:solidFill>
+                          <a:srgbClr val="000000"/>
+                        </a:solidFill>
+                        <a:effectLst/>
+                        <a:latin typeface="Calibri" panose="020F0502020204030204" pitchFamily="34" charset="0"/>
+                      </a:endParaRPr>
+                    </a:p>
+                  </a:txBody>
+                  <a:tcPr marL="9525" marR="9525" marT="9525" marB="0" anchor="ctr">
+                    <a:lnL>
+                      <a:noFill/>
+                    </a:lnL>
+                    <a:lnR>
+                      <a:noFill/>
+                    </a:lnR>
+                    <a:lnT>
+                      <a:noFill/>
+                    </a:lnT>
+                    <a:lnB>
+                      <a:noFill/>
+                    </a:lnB>
+                    <a:lnTlToBr w="12700" cmpd="sng">
+                      <a:noFill/>
+                      <a:prstDash val="solid"/>
+                    </a:lnTlToBr>
+                    <a:lnBlToTr w="12700" cmpd="sng">
+                      <a:noFill/>
+                      <a:prstDash val="solid"/>
+                    </a:lnBlToTr>
+                    <a:noFill/>
+                  </a:tcPr>
+                </a:tc>
+                <a:tc>
+                  <a:txBody>
+                    <a:bodyPr/>
+                    <a:lstStyle>
+                      <a:lvl1pPr marL="0" algn="l" defTabSz="914400" rtl="0" eaLnBrk="1" latinLnBrk="0" hangingPunct="1">
+                        <a:defRPr sz="1800" kern="1200">
+                          <a:solidFill>
+                            <a:schemeClr val="tx1"/>
+                          </a:solidFill>
+                          <a:latin typeface="Calibri" panose="020F0502020204030204"/>
+                        </a:defRPr>
+                      </a:lvl1pPr>
+                      <a:lvl2pPr marL="457200" algn="l" defTabSz="914400" rtl="0" eaLnBrk="1" latinLnBrk="0" hangingPunct="1">
+                        <a:defRPr sz="1800" kern="1200">
+                          <a:solidFill>
+                            <a:schemeClr val="tx1"/>
+                          </a:solidFill>
+                          <a:latin typeface="Calibri" panose="020F0502020204030204"/>
+                        </a:defRPr>
+                      </a:lvl2pPr>
+                      <a:lvl3pPr marL="914400" algn="l" defTabSz="914400" rtl="0" eaLnBrk="1" latinLnBrk="0" hangingPunct="1">
+                        <a:defRPr sz="1800" kern="1200">
+                          <a:solidFill>
+                            <a:schemeClr val="tx1"/>
+                          </a:solidFill>
+                          <a:latin typeface="Calibri" panose="020F0502020204030204"/>
+                        </a:defRPr>
+                      </a:lvl3pPr>
+                      <a:lvl4pPr marL="1371600" algn="l" defTabSz="914400" rtl="0" eaLnBrk="1" latinLnBrk="0" hangingPunct="1">
+                        <a:defRPr sz="1800" kern="1200">
+                          <a:solidFill>
+                            <a:schemeClr val="tx1"/>
+                          </a:solidFill>
+                          <a:latin typeface="Calibri" panose="020F0502020204030204"/>
+                        </a:defRPr>
+                      </a:lvl4pPr>
+                      <a:lvl5pPr marL="1828800" algn="l" defTabSz="914400" rtl="0" eaLnBrk="1" latinLnBrk="0" hangingPunct="1">
+                        <a:defRPr sz="1800" kern="1200">
+                          <a:solidFill>
+                            <a:schemeClr val="tx1"/>
+                          </a:solidFill>
+                          <a:latin typeface="Calibri" panose="020F0502020204030204"/>
+                        </a:defRPr>
+                      </a:lvl5pPr>
+                      <a:lvl6pPr marL="2286000" algn="l" defTabSz="914400" rtl="0" eaLnBrk="1" latinLnBrk="0" hangingPunct="1">
+                        <a:defRPr sz="1800" kern="1200">
+                          <a:solidFill>
+                            <a:schemeClr val="tx1"/>
+                          </a:solidFill>
+                          <a:latin typeface="Calibri" panose="020F0502020204030204"/>
+                        </a:defRPr>
+                      </a:lvl6pPr>
+                      <a:lvl7pPr marL="2743200" algn="l" defTabSz="914400" rtl="0" eaLnBrk="1" latinLnBrk="0" hangingPunct="1">
+                        <a:defRPr sz="1800" kern="1200">
+                          <a:solidFill>
+                            <a:schemeClr val="tx1"/>
+                          </a:solidFill>
+                          <a:latin typeface="Calibri" panose="020F0502020204030204"/>
+                        </a:defRPr>
+                      </a:lvl7pPr>
+                      <a:lvl8pPr marL="3200400" algn="l" defTabSz="914400" rtl="0" eaLnBrk="1" latinLnBrk="0" hangingPunct="1">
+                        <a:defRPr sz="1800" kern="1200">
+                          <a:solidFill>
+                            <a:schemeClr val="tx1"/>
+                          </a:solidFill>
+                          <a:latin typeface="Calibri" panose="020F0502020204030204"/>
+                        </a:defRPr>
+                      </a:lvl8pPr>
+                      <a:lvl9pPr marL="3657600" algn="l" defTabSz="914400" rtl="0" eaLnBrk="1" latinLnBrk="0" hangingPunct="1">
+                        <a:defRPr sz="1800" kern="1200">
+                          <a:solidFill>
+                            <a:schemeClr val="tx1"/>
+                          </a:solidFill>
+                          <a:latin typeface="Calibri" panose="020F0502020204030204"/>
+                        </a:defRPr>
+                      </a:lvl9pPr>
+                    </a:lstStyle>
+                    <a:p>
+                      <a:pPr algn="ctr" fontAlgn="b"/>
+                      <a:r>
+                        <a:rPr lang="es-MX" sz="1400" b="1" u="none" strike="noStrike" dirty="0">
+                          <a:effectLst/>
+                        </a:rPr>
+                        <a:t>RESULT</a:t>
+                      </a:r>
+                      <a:endParaRPr lang="es-MX" sz="1400" b="1" i="0" u="none" strike="noStrike" dirty="0">
+                        <a:solidFill>
+                          <a:srgbClr val="000000"/>
+                        </a:solidFill>
+                        <a:effectLst/>
+                        <a:latin typeface="Calibri" panose="020F0502020204030204" pitchFamily="34" charset="0"/>
+                      </a:endParaRPr>
+                    </a:p>
+                  </a:txBody>
+                  <a:tcPr marL="9525" marR="9525" marT="9525" marB="0" anchor="ctr">
+                    <a:lnL>
+                      <a:noFill/>
+                    </a:lnL>
+                    <a:lnR>
+                      <a:noFill/>
+                    </a:lnR>
+                    <a:lnT>
+                      <a:noFill/>
+                    </a:lnT>
+                    <a:lnB>
+                      <a:noFill/>
+                    </a:lnB>
+                    <a:lnTlToBr w="12700" cmpd="sng">
+                      <a:noFill/>
+                      <a:prstDash val="solid"/>
+                    </a:lnTlToBr>
+                    <a:lnBlToTr w="12700" cmpd="sng">
+                      <a:noFill/>
+                      <a:prstDash val="solid"/>
+                    </a:lnBlToTr>
+                    <a:noFill/>
+                  </a:tcPr>
+                </a:tc>
+                <a:tc>
+                  <a:txBody>
+                    <a:bodyPr/>
+                    <a:lstStyle>
+                      <a:lvl1pPr marL="0" algn="l" defTabSz="914400" rtl="0" eaLnBrk="1" latinLnBrk="0" hangingPunct="1">
+                        <a:defRPr sz="1800" kern="1200">
+                          <a:solidFill>
+                            <a:schemeClr val="tx1"/>
+                          </a:solidFill>
+                          <a:latin typeface="Calibri" panose="020F0502020204030204"/>
+                        </a:defRPr>
+                      </a:lvl1pPr>
+                      <a:lvl2pPr marL="457200" algn="l" defTabSz="914400" rtl="0" eaLnBrk="1" latinLnBrk="0" hangingPunct="1">
+                        <a:defRPr sz="1800" kern="1200">
+                          <a:solidFill>
+                            <a:schemeClr val="tx1"/>
+                          </a:solidFill>
+                          <a:latin typeface="Calibri" panose="020F0502020204030204"/>
+                        </a:defRPr>
+                      </a:lvl2pPr>
+                      <a:lvl3pPr marL="914400" algn="l" defTabSz="914400" rtl="0" eaLnBrk="1" latinLnBrk="0" hangingPunct="1">
+                        <a:defRPr sz="1800" kern="1200">
+                          <a:solidFill>
+                            <a:schemeClr val="tx1"/>
+                          </a:solidFill>
+                          <a:latin typeface="Calibri" panose="020F0502020204030204"/>
+                        </a:defRPr>
+                      </a:lvl3pPr>
+                      <a:lvl4pPr marL="1371600" algn="l" defTabSz="914400" rtl="0" eaLnBrk="1" latinLnBrk="0" hangingPunct="1">
+                        <a:defRPr sz="1800" kern="1200">
+                          <a:solidFill>
+                            <a:schemeClr val="tx1"/>
+                          </a:solidFill>
+                          <a:latin typeface="Calibri" panose="020F0502020204030204"/>
+                        </a:defRPr>
+                      </a:lvl4pPr>
+                      <a:lvl5pPr marL="1828800" algn="l" defTabSz="914400" rtl="0" eaLnBrk="1" latinLnBrk="0" hangingPunct="1">
+                        <a:defRPr sz="1800" kern="1200">
+                          <a:solidFill>
+                            <a:schemeClr val="tx1"/>
+                          </a:solidFill>
+                          <a:latin typeface="Calibri" panose="020F0502020204030204"/>
+                        </a:defRPr>
+                      </a:lvl5pPr>
+                      <a:lvl6pPr marL="2286000" algn="l" defTabSz="914400" rtl="0" eaLnBrk="1" latinLnBrk="0" hangingPunct="1">
+                        <a:defRPr sz="1800" kern="1200">
+                          <a:solidFill>
+                            <a:schemeClr val="tx1"/>
+                          </a:solidFill>
+                          <a:latin typeface="Calibri" panose="020F0502020204030204"/>
+                        </a:defRPr>
+                      </a:lvl6pPr>
+                      <a:lvl7pPr marL="2743200" algn="l" defTabSz="914400" rtl="0" eaLnBrk="1" latinLnBrk="0" hangingPunct="1">
+                        <a:defRPr sz="1800" kern="1200">
+                          <a:solidFill>
+                            <a:schemeClr val="tx1"/>
+                          </a:solidFill>
+                          <a:latin typeface="Calibri" panose="020F0502020204030204"/>
+                        </a:defRPr>
+                      </a:lvl7pPr>
+                      <a:lvl8pPr marL="3200400" algn="l" defTabSz="914400" rtl="0" eaLnBrk="1" latinLnBrk="0" hangingPunct="1">
+                        <a:defRPr sz="1800" kern="1200">
+                          <a:solidFill>
+                            <a:schemeClr val="tx1"/>
+                          </a:solidFill>
+                          <a:latin typeface="Calibri" panose="020F0502020204030204"/>
+                        </a:defRPr>
+                      </a:lvl8pPr>
+                      <a:lvl9pPr marL="3657600" algn="l" defTabSz="914400" rtl="0" eaLnBrk="1" latinLnBrk="0" hangingPunct="1">
+                        <a:defRPr sz="1800" kern="1200">
+                          <a:solidFill>
+                            <a:schemeClr val="tx1"/>
+                          </a:solidFill>
+                          <a:latin typeface="Calibri" panose="020F0502020204030204"/>
+                        </a:defRPr>
+                      </a:lvl9pPr>
+                    </a:lstStyle>
+                    <a:p>
+                      <a:pPr algn="ctr" fontAlgn="b"/>
+                      <a:r>
+                        <a:rPr lang="es-MX" sz="1400" b="1" u="none" strike="noStrike" dirty="0">
+                          <a:effectLst/>
+                        </a:rPr>
+                        <a:t>ERD</a:t>
+                      </a:r>
+                      <a:endParaRPr lang="es-MX" sz="1400" b="1" i="0" u="none" strike="noStrike" dirty="0">
+                        <a:solidFill>
+                          <a:srgbClr val="000000"/>
+                        </a:solidFill>
+                        <a:effectLst/>
+                        <a:latin typeface="Calibri" panose="020F0502020204030204" pitchFamily="34" charset="0"/>
+                      </a:endParaRPr>
+                    </a:p>
+                  </a:txBody>
+                  <a:tcPr marL="9525" marR="9525" marT="9525" marB="0" anchor="ctr">
+                    <a:lnL>
+                      <a:noFill/>
+                    </a:lnL>
+                    <a:lnR>
+                      <a:noFill/>
+                    </a:lnR>
+                    <a:lnT>
+                      <a:noFill/>
+                    </a:lnT>
+                    <a:lnB>
+                      <a:noFill/>
+                    </a:lnB>
+                    <a:lnTlToBr w="12700" cmpd="sng">
+                      <a:noFill/>
+                      <a:prstDash val="solid"/>
+                    </a:lnTlToBr>
+                    <a:lnBlToTr w="12700" cmpd="sng">
+                      <a:noFill/>
+                      <a:prstDash val="solid"/>
+                    </a:lnBlToTr>
+                    <a:noFill/>
+                  </a:tcPr>
+                </a:tc>
+                <a:tc>
+                  <a:txBody>
+                    <a:bodyPr/>
+                    <a:lstStyle>
+                      <a:lvl1pPr marL="0" algn="l" defTabSz="914400" rtl="0" eaLnBrk="1" latinLnBrk="0" hangingPunct="1">
+                        <a:defRPr sz="1800" kern="1200">
+                          <a:solidFill>
+                            <a:schemeClr val="tx1"/>
+                          </a:solidFill>
+                          <a:latin typeface="Calibri" panose="020F0502020204030204"/>
+                        </a:defRPr>
+                      </a:lvl1pPr>
+                      <a:lvl2pPr marL="457200" algn="l" defTabSz="914400" rtl="0" eaLnBrk="1" latinLnBrk="0" hangingPunct="1">
+                        <a:defRPr sz="1800" kern="1200">
+                          <a:solidFill>
+                            <a:schemeClr val="tx1"/>
+                          </a:solidFill>
+                          <a:latin typeface="Calibri" panose="020F0502020204030204"/>
+                        </a:defRPr>
+                      </a:lvl2pPr>
+                      <a:lvl3pPr marL="914400" algn="l" defTabSz="914400" rtl="0" eaLnBrk="1" latinLnBrk="0" hangingPunct="1">
+                        <a:defRPr sz="1800" kern="1200">
+                          <a:solidFill>
+                            <a:schemeClr val="tx1"/>
+                          </a:solidFill>
+                          <a:latin typeface="Calibri" panose="020F0502020204030204"/>
+                        </a:defRPr>
+                      </a:lvl3pPr>
+                      <a:lvl4pPr marL="1371600" algn="l" defTabSz="914400" rtl="0" eaLnBrk="1" latinLnBrk="0" hangingPunct="1">
+                        <a:defRPr sz="1800" kern="1200">
+                          <a:solidFill>
+                            <a:schemeClr val="tx1"/>
+                          </a:solidFill>
+                          <a:latin typeface="Calibri" panose="020F0502020204030204"/>
+                        </a:defRPr>
+                      </a:lvl4pPr>
+                      <a:lvl5pPr marL="1828800" algn="l" defTabSz="914400" rtl="0" eaLnBrk="1" latinLnBrk="0" hangingPunct="1">
+                        <a:defRPr sz="1800" kern="1200">
+                          <a:solidFill>
+                            <a:schemeClr val="tx1"/>
+                          </a:solidFill>
+                          <a:latin typeface="Calibri" panose="020F0502020204030204"/>
+                        </a:defRPr>
+                      </a:lvl5pPr>
+                      <a:lvl6pPr marL="2286000" algn="l" defTabSz="914400" rtl="0" eaLnBrk="1" latinLnBrk="0" hangingPunct="1">
+                        <a:defRPr sz="1800" kern="1200">
+                          <a:solidFill>
+                            <a:schemeClr val="tx1"/>
+                          </a:solidFill>
+                          <a:latin typeface="Calibri" panose="020F0502020204030204"/>
+                        </a:defRPr>
+                      </a:lvl6pPr>
+                      <a:lvl7pPr marL="2743200" algn="l" defTabSz="914400" rtl="0" eaLnBrk="1" latinLnBrk="0" hangingPunct="1">
+                        <a:defRPr sz="1800" kern="1200">
+                          <a:solidFill>
+                            <a:schemeClr val="tx1"/>
+                          </a:solidFill>
+                          <a:latin typeface="Calibri" panose="020F0502020204030204"/>
+                        </a:defRPr>
+                      </a:lvl7pPr>
+                      <a:lvl8pPr marL="3200400" algn="l" defTabSz="914400" rtl="0" eaLnBrk="1" latinLnBrk="0" hangingPunct="1">
+                        <a:defRPr sz="1800" kern="1200">
+                          <a:solidFill>
+                            <a:schemeClr val="tx1"/>
+                          </a:solidFill>
+                          <a:latin typeface="Calibri" panose="020F0502020204030204"/>
+                        </a:defRPr>
+                      </a:lvl8pPr>
+                      <a:lvl9pPr marL="3657600" algn="l" defTabSz="914400" rtl="0" eaLnBrk="1" latinLnBrk="0" hangingPunct="1">
+                        <a:defRPr sz="1800" kern="1200">
+                          <a:solidFill>
+                            <a:schemeClr val="tx1"/>
+                          </a:solidFill>
+                          <a:latin typeface="Calibri" panose="020F0502020204030204"/>
+                        </a:defRPr>
+                      </a:lvl9pPr>
+                    </a:lstStyle>
+                    <a:p>
+                      <a:pPr algn="ctr" fontAlgn="b"/>
+                      <a:r>
+                        <a:rPr lang="es-MX" sz="1400" b="1" u="none" strike="noStrike" dirty="0">
+                          <a:effectLst/>
+                        </a:rPr>
+                        <a:t>ERD DATA SIZE</a:t>
+                      </a:r>
+                      <a:endParaRPr lang="es-MX" sz="1400" b="1" i="0" u="none" strike="noStrike" dirty="0">
+                        <a:solidFill>
+                          <a:srgbClr val="000000"/>
+                        </a:solidFill>
+                        <a:effectLst/>
+                        <a:latin typeface="Calibri" panose="020F0502020204030204" pitchFamily="34" charset="0"/>
+                      </a:endParaRPr>
+                    </a:p>
+                  </a:txBody>
+                  <a:tcPr marL="9525" marR="9525" marT="9525" marB="0" anchor="ctr">
+                    <a:lnL>
+                      <a:noFill/>
+                    </a:lnL>
+                    <a:lnR>
+                      <a:noFill/>
+                    </a:lnR>
+                    <a:lnT>
+                      <a:noFill/>
+                    </a:lnT>
+                    <a:lnB>
+                      <a:noFill/>
+                    </a:lnB>
+                    <a:lnTlToBr w="12700" cmpd="sng">
+                      <a:noFill/>
+                      <a:prstDash val="solid"/>
+                    </a:lnTlToBr>
+                    <a:lnBlToTr w="12700" cmpd="sng">
+                      <a:noFill/>
+                      <a:prstDash val="solid"/>
+                    </a:lnBlToTr>
+                    <a:noFill/>
+                  </a:tcPr>
+                </a:tc>
+                <a:tc>
+                  <a:txBody>
+                    <a:bodyPr/>
+                    <a:lstStyle>
+                      <a:lvl1pPr marL="0" algn="l" defTabSz="914400" rtl="0" eaLnBrk="1" latinLnBrk="0" hangingPunct="1">
+                        <a:defRPr sz="1800" kern="1200">
+                          <a:solidFill>
+                            <a:schemeClr val="tx1"/>
+                          </a:solidFill>
+                          <a:latin typeface="Calibri" panose="020F0502020204030204"/>
+                        </a:defRPr>
+                      </a:lvl1pPr>
+                      <a:lvl2pPr marL="457200" algn="l" defTabSz="914400" rtl="0" eaLnBrk="1" latinLnBrk="0" hangingPunct="1">
+                        <a:defRPr sz="1800" kern="1200">
+                          <a:solidFill>
+                            <a:schemeClr val="tx1"/>
+                          </a:solidFill>
+                          <a:latin typeface="Calibri" panose="020F0502020204030204"/>
+                        </a:defRPr>
+                      </a:lvl2pPr>
+                      <a:lvl3pPr marL="914400" algn="l" defTabSz="914400" rtl="0" eaLnBrk="1" latinLnBrk="0" hangingPunct="1">
+                        <a:defRPr sz="1800" kern="1200">
+                          <a:solidFill>
+                            <a:schemeClr val="tx1"/>
+                          </a:solidFill>
+                          <a:latin typeface="Calibri" panose="020F0502020204030204"/>
+                        </a:defRPr>
+                      </a:lvl3pPr>
+                      <a:lvl4pPr marL="1371600" algn="l" defTabSz="914400" rtl="0" eaLnBrk="1" latinLnBrk="0" hangingPunct="1">
+                        <a:defRPr sz="1800" kern="1200">
+                          <a:solidFill>
+                            <a:schemeClr val="tx1"/>
+                          </a:solidFill>
+                          <a:latin typeface="Calibri" panose="020F0502020204030204"/>
+                        </a:defRPr>
+                      </a:lvl4pPr>
+                      <a:lvl5pPr marL="1828800" algn="l" defTabSz="914400" rtl="0" eaLnBrk="1" latinLnBrk="0" hangingPunct="1">
+                        <a:defRPr sz="1800" kern="1200">
+                          <a:solidFill>
+                            <a:schemeClr val="tx1"/>
+                          </a:solidFill>
+                          <a:latin typeface="Calibri" panose="020F0502020204030204"/>
+                        </a:defRPr>
+                      </a:lvl5pPr>
+                      <a:lvl6pPr marL="2286000" algn="l" defTabSz="914400" rtl="0" eaLnBrk="1" latinLnBrk="0" hangingPunct="1">
+                        <a:defRPr sz="1800" kern="1200">
+                          <a:solidFill>
+                            <a:schemeClr val="tx1"/>
+                          </a:solidFill>
+                          <a:latin typeface="Calibri" panose="020F0502020204030204"/>
+                        </a:defRPr>
+                      </a:lvl6pPr>
+                      <a:lvl7pPr marL="2743200" algn="l" defTabSz="914400" rtl="0" eaLnBrk="1" latinLnBrk="0" hangingPunct="1">
+                        <a:defRPr sz="1800" kern="1200">
+                          <a:solidFill>
+                            <a:schemeClr val="tx1"/>
+                          </a:solidFill>
+                          <a:latin typeface="Calibri" panose="020F0502020204030204"/>
+                        </a:defRPr>
+                      </a:lvl7pPr>
+                      <a:lvl8pPr marL="3200400" algn="l" defTabSz="914400" rtl="0" eaLnBrk="1" latinLnBrk="0" hangingPunct="1">
+                        <a:defRPr sz="1800" kern="1200">
+                          <a:solidFill>
+                            <a:schemeClr val="tx1"/>
+                          </a:solidFill>
+                          <a:latin typeface="Calibri" panose="020F0502020204030204"/>
+                        </a:defRPr>
+                      </a:lvl8pPr>
+                      <a:lvl9pPr marL="3657600" algn="l" defTabSz="914400" rtl="0" eaLnBrk="1" latinLnBrk="0" hangingPunct="1">
+                        <a:defRPr sz="1800" kern="1200">
+                          <a:solidFill>
+                            <a:schemeClr val="tx1"/>
+                          </a:solidFill>
+                          <a:latin typeface="Calibri" panose="020F0502020204030204"/>
+                        </a:defRPr>
+                      </a:lvl9pPr>
+                    </a:lstStyle>
+                    <a:p>
+                      <a:pPr algn="ctr" fontAlgn="b"/>
+                      <a:r>
+                        <a:rPr lang="es-MX" sz="1400" b="1" u="none" strike="noStrike" dirty="0">
+                          <a:effectLst/>
+                        </a:rPr>
+                        <a:t>DATA</a:t>
+                      </a:r>
+                      <a:endParaRPr lang="es-MX" sz="1400" b="1" i="0" u="none" strike="noStrike" dirty="0">
+                        <a:solidFill>
+                          <a:srgbClr val="000000"/>
+                        </a:solidFill>
+                        <a:effectLst/>
+                        <a:latin typeface="Calibri" panose="020F0502020204030204" pitchFamily="34" charset="0"/>
+                      </a:endParaRPr>
+                    </a:p>
+                  </a:txBody>
+                  <a:tcPr marL="9525" marR="9525" marT="9525" marB="0" anchor="ctr">
+                    <a:lnL>
+                      <a:noFill/>
+                    </a:lnL>
+                    <a:lnR>
+                      <a:noFill/>
+                    </a:lnR>
+                    <a:lnT>
+                      <a:noFill/>
+                    </a:lnT>
+                    <a:lnB>
+                      <a:noFill/>
+                    </a:lnB>
+                    <a:lnTlToBr w="12700" cmpd="sng">
+                      <a:noFill/>
+                      <a:prstDash val="solid"/>
+                    </a:lnTlToBr>
+                    <a:lnBlToTr w="12700" cmpd="sng">
+                      <a:noFill/>
+                      <a:prstDash val="solid"/>
+                    </a:lnBlToTr>
+                    <a:noFill/>
+                  </a:tcPr>
+                </a:tc>
+                <a:tc>
+                  <a:txBody>
+                    <a:bodyPr/>
+                    <a:lstStyle>
+                      <a:lvl1pPr marL="0" algn="l" defTabSz="914400" rtl="0" eaLnBrk="1" latinLnBrk="0" hangingPunct="1">
+                        <a:defRPr sz="1800" kern="1200">
+                          <a:solidFill>
+                            <a:schemeClr val="tx1"/>
+                          </a:solidFill>
+                          <a:latin typeface="Calibri" panose="020F0502020204030204"/>
+                        </a:defRPr>
+                      </a:lvl1pPr>
+                      <a:lvl2pPr marL="457200" algn="l" defTabSz="914400" rtl="0" eaLnBrk="1" latinLnBrk="0" hangingPunct="1">
+                        <a:defRPr sz="1800" kern="1200">
+                          <a:solidFill>
+                            <a:schemeClr val="tx1"/>
+                          </a:solidFill>
+                          <a:latin typeface="Calibri" panose="020F0502020204030204"/>
+                        </a:defRPr>
+                      </a:lvl2pPr>
+                      <a:lvl3pPr marL="914400" algn="l" defTabSz="914400" rtl="0" eaLnBrk="1" latinLnBrk="0" hangingPunct="1">
+                        <a:defRPr sz="1800" kern="1200">
+                          <a:solidFill>
+                            <a:schemeClr val="tx1"/>
+                          </a:solidFill>
+                          <a:latin typeface="Calibri" panose="020F0502020204030204"/>
+                        </a:defRPr>
+                      </a:lvl3pPr>
+                      <a:lvl4pPr marL="1371600" algn="l" defTabSz="914400" rtl="0" eaLnBrk="1" latinLnBrk="0" hangingPunct="1">
+                        <a:defRPr sz="1800" kern="1200">
+                          <a:solidFill>
+                            <a:schemeClr val="tx1"/>
+                          </a:solidFill>
+                          <a:latin typeface="Calibri" panose="020F0502020204030204"/>
+                        </a:defRPr>
+                      </a:lvl4pPr>
+                      <a:lvl5pPr marL="1828800" algn="l" defTabSz="914400" rtl="0" eaLnBrk="1" latinLnBrk="0" hangingPunct="1">
+                        <a:defRPr sz="1800" kern="1200">
+                          <a:solidFill>
+                            <a:schemeClr val="tx1"/>
+                          </a:solidFill>
+                          <a:latin typeface="Calibri" panose="020F0502020204030204"/>
+                        </a:defRPr>
+                      </a:lvl5pPr>
+                      <a:lvl6pPr marL="2286000" algn="l" defTabSz="914400" rtl="0" eaLnBrk="1" latinLnBrk="0" hangingPunct="1">
+                        <a:defRPr sz="1800" kern="1200">
+                          <a:solidFill>
+                            <a:schemeClr val="tx1"/>
+                          </a:solidFill>
+                          <a:latin typeface="Calibri" panose="020F0502020204030204"/>
+                        </a:defRPr>
+                      </a:lvl6pPr>
+                      <a:lvl7pPr marL="2743200" algn="l" defTabSz="914400" rtl="0" eaLnBrk="1" latinLnBrk="0" hangingPunct="1">
+                        <a:defRPr sz="1800" kern="1200">
+                          <a:solidFill>
+                            <a:schemeClr val="tx1"/>
+                          </a:solidFill>
+                          <a:latin typeface="Calibri" panose="020F0502020204030204"/>
+                        </a:defRPr>
+                      </a:lvl7pPr>
+                      <a:lvl8pPr marL="3200400" algn="l" defTabSz="914400" rtl="0" eaLnBrk="1" latinLnBrk="0" hangingPunct="1">
+                        <a:defRPr sz="1800" kern="1200">
+                          <a:solidFill>
+                            <a:schemeClr val="tx1"/>
+                          </a:solidFill>
+                          <a:latin typeface="Calibri" panose="020F0502020204030204"/>
+                        </a:defRPr>
+                      </a:lvl8pPr>
+                      <a:lvl9pPr marL="3657600" algn="l" defTabSz="914400" rtl="0" eaLnBrk="1" latinLnBrk="0" hangingPunct="1">
+                        <a:defRPr sz="1800" kern="1200">
+                          <a:solidFill>
+                            <a:schemeClr val="tx1"/>
+                          </a:solidFill>
+                          <a:latin typeface="Calibri" panose="020F0502020204030204"/>
+                        </a:defRPr>
+                      </a:lvl9pPr>
+                    </a:lstStyle>
+                    <a:p>
+                      <a:pPr algn="ctr" fontAlgn="b"/>
+                      <a:r>
+                        <a:rPr lang="es-MX" sz="1400" b="1" u="none" strike="noStrike" dirty="0">
+                          <a:effectLst/>
+                        </a:rPr>
+                        <a:t>CRC</a:t>
+                      </a:r>
+                      <a:endParaRPr lang="es-MX" sz="1400" b="1" i="0" u="none" strike="noStrike" dirty="0">
+                        <a:solidFill>
+                          <a:srgbClr val="000000"/>
+                        </a:solidFill>
+                        <a:effectLst/>
+                        <a:latin typeface="Calibri" panose="020F0502020204030204" pitchFamily="34" charset="0"/>
+                      </a:endParaRPr>
+                    </a:p>
+                  </a:txBody>
+                  <a:tcPr marL="9525" marR="9525" marT="9525" marB="0" anchor="ctr">
+                    <a:lnL>
+                      <a:noFill/>
+                    </a:lnL>
+                    <a:lnR>
+                      <a:noFill/>
+                    </a:lnR>
+                    <a:lnT>
+                      <a:noFill/>
+                    </a:lnT>
+                    <a:lnB>
+                      <a:noFill/>
+                    </a:lnB>
+                    <a:lnTlToBr w="12700" cmpd="sng">
+                      <a:noFill/>
+                      <a:prstDash val="solid"/>
+                    </a:lnTlToBr>
+                    <a:lnBlToTr w="12700" cmpd="sng">
+                      <a:noFill/>
+                      <a:prstDash val="solid"/>
+                    </a:lnBlToTr>
+                    <a:noFill/>
+                  </a:tcPr>
+                </a:tc>
+                <a:tc>
+                  <a:txBody>
+                    <a:bodyPr/>
+                    <a:lstStyle>
+                      <a:lvl1pPr marL="0" algn="l" defTabSz="914400" rtl="0" eaLnBrk="1" latinLnBrk="0" hangingPunct="1">
+                        <a:defRPr sz="1800" kern="1200">
+                          <a:solidFill>
+                            <a:schemeClr val="tx1"/>
+                          </a:solidFill>
+                          <a:latin typeface="Calibri" panose="020F0502020204030204"/>
+                        </a:defRPr>
+                      </a:lvl1pPr>
+                      <a:lvl2pPr marL="457200" algn="l" defTabSz="914400" rtl="0" eaLnBrk="1" latinLnBrk="0" hangingPunct="1">
+                        <a:defRPr sz="1800" kern="1200">
+                          <a:solidFill>
+                            <a:schemeClr val="tx1"/>
+                          </a:solidFill>
+                          <a:latin typeface="Calibri" panose="020F0502020204030204"/>
+                        </a:defRPr>
+                      </a:lvl2pPr>
+                      <a:lvl3pPr marL="914400" algn="l" defTabSz="914400" rtl="0" eaLnBrk="1" latinLnBrk="0" hangingPunct="1">
+                        <a:defRPr sz="1800" kern="1200">
+                          <a:solidFill>
+                            <a:schemeClr val="tx1"/>
+                          </a:solidFill>
+                          <a:latin typeface="Calibri" panose="020F0502020204030204"/>
+                        </a:defRPr>
+                      </a:lvl3pPr>
+                      <a:lvl4pPr marL="1371600" algn="l" defTabSz="914400" rtl="0" eaLnBrk="1" latinLnBrk="0" hangingPunct="1">
+                        <a:defRPr sz="1800" kern="1200">
+                          <a:solidFill>
+                            <a:schemeClr val="tx1"/>
+                          </a:solidFill>
+                          <a:latin typeface="Calibri" panose="020F0502020204030204"/>
+                        </a:defRPr>
+                      </a:lvl4pPr>
+                      <a:lvl5pPr marL="1828800" algn="l" defTabSz="914400" rtl="0" eaLnBrk="1" latinLnBrk="0" hangingPunct="1">
+                        <a:defRPr sz="1800" kern="1200">
+                          <a:solidFill>
+                            <a:schemeClr val="tx1"/>
+                          </a:solidFill>
+                          <a:latin typeface="Calibri" panose="020F0502020204030204"/>
+                        </a:defRPr>
+                      </a:lvl5pPr>
+                      <a:lvl6pPr marL="2286000" algn="l" defTabSz="914400" rtl="0" eaLnBrk="1" latinLnBrk="0" hangingPunct="1">
+                        <a:defRPr sz="1800" kern="1200">
+                          <a:solidFill>
+                            <a:schemeClr val="tx1"/>
+                          </a:solidFill>
+                          <a:latin typeface="Calibri" panose="020F0502020204030204"/>
+                        </a:defRPr>
+                      </a:lvl6pPr>
+                      <a:lvl7pPr marL="2743200" algn="l" defTabSz="914400" rtl="0" eaLnBrk="1" latinLnBrk="0" hangingPunct="1">
+                        <a:defRPr sz="1800" kern="1200">
+                          <a:solidFill>
+                            <a:schemeClr val="tx1"/>
+                          </a:solidFill>
+                          <a:latin typeface="Calibri" panose="020F0502020204030204"/>
+                        </a:defRPr>
+                      </a:lvl7pPr>
+                      <a:lvl8pPr marL="3200400" algn="l" defTabSz="914400" rtl="0" eaLnBrk="1" latinLnBrk="0" hangingPunct="1">
+                        <a:defRPr sz="1800" kern="1200">
+                          <a:solidFill>
+                            <a:schemeClr val="tx1"/>
+                          </a:solidFill>
+                          <a:latin typeface="Calibri" panose="020F0502020204030204"/>
+                        </a:defRPr>
+                      </a:lvl8pPr>
+                      <a:lvl9pPr marL="3657600" algn="l" defTabSz="914400" rtl="0" eaLnBrk="1" latinLnBrk="0" hangingPunct="1">
+                        <a:defRPr sz="1800" kern="1200">
+                          <a:solidFill>
+                            <a:schemeClr val="tx1"/>
+                          </a:solidFill>
+                          <a:latin typeface="Calibri" panose="020F0502020204030204"/>
+                        </a:defRPr>
+                      </a:lvl9pPr>
+                    </a:lstStyle>
+                    <a:p>
+                      <a:pPr algn="ctr" fontAlgn="b"/>
+                      <a:r>
+                        <a:rPr lang="es-MX" sz="1400" b="1" u="none" strike="noStrike" dirty="0">
+                          <a:effectLst/>
+                        </a:rPr>
+                        <a:t>BIT STOP</a:t>
+                      </a:r>
+                      <a:endParaRPr lang="es-MX" sz="1400" b="1" i="0" u="none" strike="noStrike" dirty="0">
+                        <a:solidFill>
+                          <a:srgbClr val="000000"/>
+                        </a:solidFill>
+                        <a:effectLst/>
+                        <a:latin typeface="Calibri" panose="020F0502020204030204" pitchFamily="34" charset="0"/>
+                      </a:endParaRPr>
+                    </a:p>
+                  </a:txBody>
+                  <a:tcPr marL="9525" marR="9525" marT="9525" marB="0" anchor="ctr">
+                    <a:lnL>
+                      <a:noFill/>
+                    </a:lnL>
+                    <a:lnR>
+                      <a:noFill/>
+                    </a:lnR>
+                    <a:lnT>
+                      <a:noFill/>
+                    </a:lnT>
+                    <a:lnB>
+                      <a:noFill/>
+                    </a:lnB>
+                    <a:lnTlToBr w="12700" cmpd="sng">
+                      <a:noFill/>
+                      <a:prstDash val="solid"/>
+                    </a:lnTlToBr>
+                    <a:lnBlToTr w="12700" cmpd="sng">
+                      <a:noFill/>
+                      <a:prstDash val="solid"/>
+                    </a:lnBlToTr>
+                    <a:noFill/>
+                  </a:tcPr>
+                </a:tc>
+                <a:extLst>
+                  <a:ext uri="{0D108BD9-81ED-4DB2-BD59-A6C34878D82A}">
+                    <a16:rowId xmlns:a16="http://schemas.microsoft.com/office/drawing/2014/main" val="2647983377"/>
+                  </a:ext>
+                </a:extLst>
+              </a:tr>
+              <a:tr h="278907">
+                <a:tc>
+                  <a:txBody>
+                    <a:bodyPr/>
+                    <a:lstStyle>
+                      <a:lvl1pPr marL="0" algn="l" defTabSz="914400" rtl="0" eaLnBrk="1" latinLnBrk="0" hangingPunct="1">
+                        <a:defRPr sz="1800" kern="1200">
+                          <a:solidFill>
+                            <a:schemeClr val="tx1"/>
+                          </a:solidFill>
+                          <a:latin typeface="Calibri" panose="020F0502020204030204"/>
+                        </a:defRPr>
+                      </a:lvl1pPr>
+                      <a:lvl2pPr marL="457200" algn="l" defTabSz="914400" rtl="0" eaLnBrk="1" latinLnBrk="0" hangingPunct="1">
+                        <a:defRPr sz="1800" kern="1200">
+                          <a:solidFill>
+                            <a:schemeClr val="tx1"/>
+                          </a:solidFill>
+                          <a:latin typeface="Calibri" panose="020F0502020204030204"/>
+                        </a:defRPr>
+                      </a:lvl2pPr>
+                      <a:lvl3pPr marL="914400" algn="l" defTabSz="914400" rtl="0" eaLnBrk="1" latinLnBrk="0" hangingPunct="1">
+                        <a:defRPr sz="1800" kern="1200">
+                          <a:solidFill>
+                            <a:schemeClr val="tx1"/>
+                          </a:solidFill>
+                          <a:latin typeface="Calibri" panose="020F0502020204030204"/>
+                        </a:defRPr>
+                      </a:lvl3pPr>
+                      <a:lvl4pPr marL="1371600" algn="l" defTabSz="914400" rtl="0" eaLnBrk="1" latinLnBrk="0" hangingPunct="1">
+                        <a:defRPr sz="1800" kern="1200">
+                          <a:solidFill>
+                            <a:schemeClr val="tx1"/>
+                          </a:solidFill>
+                          <a:latin typeface="Calibri" panose="020F0502020204030204"/>
+                        </a:defRPr>
+                      </a:lvl4pPr>
+                      <a:lvl5pPr marL="1828800" algn="l" defTabSz="914400" rtl="0" eaLnBrk="1" latinLnBrk="0" hangingPunct="1">
+                        <a:defRPr sz="1800" kern="1200">
+                          <a:solidFill>
+                            <a:schemeClr val="tx1"/>
+                          </a:solidFill>
+                          <a:latin typeface="Calibri" panose="020F0502020204030204"/>
+                        </a:defRPr>
+                      </a:lvl5pPr>
+                      <a:lvl6pPr marL="2286000" algn="l" defTabSz="914400" rtl="0" eaLnBrk="1" latinLnBrk="0" hangingPunct="1">
+                        <a:defRPr sz="1800" kern="1200">
+                          <a:solidFill>
+                            <a:schemeClr val="tx1"/>
+                          </a:solidFill>
+                          <a:latin typeface="Calibri" panose="020F0502020204030204"/>
+                        </a:defRPr>
+                      </a:lvl6pPr>
+                      <a:lvl7pPr marL="2743200" algn="l" defTabSz="914400" rtl="0" eaLnBrk="1" latinLnBrk="0" hangingPunct="1">
+                        <a:defRPr sz="1800" kern="1200">
+                          <a:solidFill>
+                            <a:schemeClr val="tx1"/>
+                          </a:solidFill>
+                          <a:latin typeface="Calibri" panose="020F0502020204030204"/>
+                        </a:defRPr>
+                      </a:lvl7pPr>
+                      <a:lvl8pPr marL="3200400" algn="l" defTabSz="914400" rtl="0" eaLnBrk="1" latinLnBrk="0" hangingPunct="1">
+                        <a:defRPr sz="1800" kern="1200">
+                          <a:solidFill>
+                            <a:schemeClr val="tx1"/>
+                          </a:solidFill>
+                          <a:latin typeface="Calibri" panose="020F0502020204030204"/>
+                        </a:defRPr>
+                      </a:lvl8pPr>
+                      <a:lvl9pPr marL="3657600" algn="l" defTabSz="914400" rtl="0" eaLnBrk="1" latinLnBrk="0" hangingPunct="1">
+                        <a:defRPr sz="1800" kern="1200">
+                          <a:solidFill>
+                            <a:schemeClr val="tx1"/>
+                          </a:solidFill>
+                          <a:latin typeface="Calibri" panose="020F0502020204030204"/>
+                        </a:defRPr>
+                      </a:lvl9pPr>
+                    </a:lstStyle>
+                    <a:p>
+                      <a:pPr algn="ctr" fontAlgn="b"/>
+                      <a:r>
+                        <a:rPr lang="es-MX" sz="1400" b="1" u="none" strike="noStrike">
+                          <a:effectLst/>
+                        </a:rPr>
+                        <a:t>E2</a:t>
+                      </a:r>
+                      <a:endParaRPr lang="es-MX" sz="1400" b="1" i="0" u="none" strike="noStrike">
+                        <a:solidFill>
+                          <a:srgbClr val="000000"/>
+                        </a:solidFill>
+                        <a:effectLst/>
+                        <a:latin typeface="Calibri" panose="020F0502020204030204" pitchFamily="34" charset="0"/>
+                      </a:endParaRPr>
+                    </a:p>
+                  </a:txBody>
+                  <a:tcPr marL="9525" marR="9525" marT="9525" marB="0" anchor="ctr">
+                    <a:lnL>
+                      <a:noFill/>
+                    </a:lnL>
+                    <a:lnR>
+                      <a:noFill/>
+                    </a:lnR>
+                    <a:lnT>
+                      <a:noFill/>
+                    </a:lnT>
+                    <a:lnB w="12700" cmpd="sng">
+                      <a:solidFill>
+                        <a:srgbClr val="4472C4"/>
+                      </a:solidFill>
+                    </a:lnB>
+                    <a:lnTlToBr w="12700" cmpd="sng">
+                      <a:noFill/>
+                      <a:prstDash val="solid"/>
+                    </a:lnTlToBr>
+                    <a:lnBlToTr w="12700" cmpd="sng">
+                      <a:noFill/>
+                      <a:prstDash val="solid"/>
+                    </a:lnBlToTr>
+                    <a:noFill/>
+                  </a:tcPr>
+                </a:tc>
+                <a:tc>
+                  <a:txBody>
+                    <a:bodyPr/>
+                    <a:lstStyle>
+                      <a:lvl1pPr marL="0" algn="l" defTabSz="914400" rtl="0" eaLnBrk="1" latinLnBrk="0" hangingPunct="1">
+                        <a:defRPr sz="1800" kern="1200">
+                          <a:solidFill>
+                            <a:schemeClr val="tx1"/>
+                          </a:solidFill>
+                          <a:latin typeface="Calibri" panose="020F0502020204030204"/>
+                        </a:defRPr>
+                      </a:lvl1pPr>
+                      <a:lvl2pPr marL="457200" algn="l" defTabSz="914400" rtl="0" eaLnBrk="1" latinLnBrk="0" hangingPunct="1">
+                        <a:defRPr sz="1800" kern="1200">
+                          <a:solidFill>
+                            <a:schemeClr val="tx1"/>
+                          </a:solidFill>
+                          <a:latin typeface="Calibri" panose="020F0502020204030204"/>
+                        </a:defRPr>
+                      </a:lvl2pPr>
+                      <a:lvl3pPr marL="914400" algn="l" defTabSz="914400" rtl="0" eaLnBrk="1" latinLnBrk="0" hangingPunct="1">
+                        <a:defRPr sz="1800" kern="1200">
+                          <a:solidFill>
+                            <a:schemeClr val="tx1"/>
+                          </a:solidFill>
+                          <a:latin typeface="Calibri" panose="020F0502020204030204"/>
+                        </a:defRPr>
+                      </a:lvl3pPr>
+                      <a:lvl4pPr marL="1371600" algn="l" defTabSz="914400" rtl="0" eaLnBrk="1" latinLnBrk="0" hangingPunct="1">
+                        <a:defRPr sz="1800" kern="1200">
+                          <a:solidFill>
+                            <a:schemeClr val="tx1"/>
+                          </a:solidFill>
+                          <a:latin typeface="Calibri" panose="020F0502020204030204"/>
+                        </a:defRPr>
+                      </a:lvl4pPr>
+                      <a:lvl5pPr marL="1828800" algn="l" defTabSz="914400" rtl="0" eaLnBrk="1" latinLnBrk="0" hangingPunct="1">
+                        <a:defRPr sz="1800" kern="1200">
+                          <a:solidFill>
+                            <a:schemeClr val="tx1"/>
+                          </a:solidFill>
+                          <a:latin typeface="Calibri" panose="020F0502020204030204"/>
+                        </a:defRPr>
+                      </a:lvl5pPr>
+                      <a:lvl6pPr marL="2286000" algn="l" defTabSz="914400" rtl="0" eaLnBrk="1" latinLnBrk="0" hangingPunct="1">
+                        <a:defRPr sz="1800" kern="1200">
+                          <a:solidFill>
+                            <a:schemeClr val="tx1"/>
+                          </a:solidFill>
+                          <a:latin typeface="Calibri" panose="020F0502020204030204"/>
+                        </a:defRPr>
+                      </a:lvl6pPr>
+                      <a:lvl7pPr marL="2743200" algn="l" defTabSz="914400" rtl="0" eaLnBrk="1" latinLnBrk="0" hangingPunct="1">
+                        <a:defRPr sz="1800" kern="1200">
+                          <a:solidFill>
+                            <a:schemeClr val="tx1"/>
+                          </a:solidFill>
+                          <a:latin typeface="Calibri" panose="020F0502020204030204"/>
+                        </a:defRPr>
+                      </a:lvl7pPr>
+                      <a:lvl8pPr marL="3200400" algn="l" defTabSz="914400" rtl="0" eaLnBrk="1" latinLnBrk="0" hangingPunct="1">
+                        <a:defRPr sz="1800" kern="1200">
+                          <a:solidFill>
+                            <a:schemeClr val="tx1"/>
+                          </a:solidFill>
+                          <a:latin typeface="Calibri" panose="020F0502020204030204"/>
+                        </a:defRPr>
+                      </a:lvl8pPr>
+                      <a:lvl9pPr marL="3657600" algn="l" defTabSz="914400" rtl="0" eaLnBrk="1" latinLnBrk="0" hangingPunct="1">
+                        <a:defRPr sz="1800" kern="1200">
+                          <a:solidFill>
+                            <a:schemeClr val="tx1"/>
+                          </a:solidFill>
+                          <a:latin typeface="Calibri" panose="020F0502020204030204"/>
+                        </a:defRPr>
+                      </a:lvl9pPr>
+                    </a:lstStyle>
+                    <a:p>
+                      <a:pPr algn="ctr" fontAlgn="b"/>
+                      <a:r>
+                        <a:rPr lang="es-MX" sz="1400" b="1" u="none" strike="noStrike">
+                          <a:effectLst/>
+                        </a:rPr>
+                        <a:t>E4</a:t>
+                      </a:r>
+                      <a:endParaRPr lang="es-MX" sz="1400" b="1" i="0" u="none" strike="noStrike">
+                        <a:solidFill>
+                          <a:srgbClr val="000000"/>
+                        </a:solidFill>
+                        <a:effectLst/>
+                        <a:latin typeface="Calibri" panose="020F0502020204030204" pitchFamily="34" charset="0"/>
+                      </a:endParaRPr>
+                    </a:p>
+                  </a:txBody>
+                  <a:tcPr marL="9525" marR="9525" marT="9525" marB="0" anchor="ctr">
+                    <a:lnL>
+                      <a:noFill/>
+                    </a:lnL>
+                    <a:lnR>
+                      <a:noFill/>
+                    </a:lnR>
+                    <a:lnT>
+                      <a:noFill/>
+                    </a:lnT>
+                    <a:lnB w="12700" cmpd="sng">
+                      <a:solidFill>
+                        <a:srgbClr val="4472C4"/>
+                      </a:solidFill>
+                    </a:lnB>
+                    <a:lnTlToBr w="12700" cmpd="sng">
+                      <a:noFill/>
+                      <a:prstDash val="solid"/>
+                    </a:lnTlToBr>
+                    <a:lnBlToTr w="12700" cmpd="sng">
+                      <a:noFill/>
+                      <a:prstDash val="solid"/>
+                    </a:lnBlToTr>
+                    <a:noFill/>
+                  </a:tcPr>
+                </a:tc>
+                <a:tc>
+                  <a:txBody>
+                    <a:bodyPr/>
+                    <a:lstStyle>
+                      <a:lvl1pPr marL="0" algn="l" defTabSz="914400" rtl="0" eaLnBrk="1" latinLnBrk="0" hangingPunct="1">
+                        <a:defRPr sz="1800" kern="1200">
+                          <a:solidFill>
+                            <a:schemeClr val="tx1"/>
+                          </a:solidFill>
+                          <a:latin typeface="Calibri" panose="020F0502020204030204"/>
+                        </a:defRPr>
+                      </a:lvl1pPr>
+                      <a:lvl2pPr marL="457200" algn="l" defTabSz="914400" rtl="0" eaLnBrk="1" latinLnBrk="0" hangingPunct="1">
+                        <a:defRPr sz="1800" kern="1200">
+                          <a:solidFill>
+                            <a:schemeClr val="tx1"/>
+                          </a:solidFill>
+                          <a:latin typeface="Calibri" panose="020F0502020204030204"/>
+                        </a:defRPr>
+                      </a:lvl2pPr>
+                      <a:lvl3pPr marL="914400" algn="l" defTabSz="914400" rtl="0" eaLnBrk="1" latinLnBrk="0" hangingPunct="1">
+                        <a:defRPr sz="1800" kern="1200">
+                          <a:solidFill>
+                            <a:schemeClr val="tx1"/>
+                          </a:solidFill>
+                          <a:latin typeface="Calibri" panose="020F0502020204030204"/>
+                        </a:defRPr>
+                      </a:lvl3pPr>
+                      <a:lvl4pPr marL="1371600" algn="l" defTabSz="914400" rtl="0" eaLnBrk="1" latinLnBrk="0" hangingPunct="1">
+                        <a:defRPr sz="1800" kern="1200">
+                          <a:solidFill>
+                            <a:schemeClr val="tx1"/>
+                          </a:solidFill>
+                          <a:latin typeface="Calibri" panose="020F0502020204030204"/>
+                        </a:defRPr>
+                      </a:lvl4pPr>
+                      <a:lvl5pPr marL="1828800" algn="l" defTabSz="914400" rtl="0" eaLnBrk="1" latinLnBrk="0" hangingPunct="1">
+                        <a:defRPr sz="1800" kern="1200">
+                          <a:solidFill>
+                            <a:schemeClr val="tx1"/>
+                          </a:solidFill>
+                          <a:latin typeface="Calibri" panose="020F0502020204030204"/>
+                        </a:defRPr>
+                      </a:lvl5pPr>
+                      <a:lvl6pPr marL="2286000" algn="l" defTabSz="914400" rtl="0" eaLnBrk="1" latinLnBrk="0" hangingPunct="1">
+                        <a:defRPr sz="1800" kern="1200">
+                          <a:solidFill>
+                            <a:schemeClr val="tx1"/>
+                          </a:solidFill>
+                          <a:latin typeface="Calibri" panose="020F0502020204030204"/>
+                        </a:defRPr>
+                      </a:lvl6pPr>
+                      <a:lvl7pPr marL="2743200" algn="l" defTabSz="914400" rtl="0" eaLnBrk="1" latinLnBrk="0" hangingPunct="1">
+                        <a:defRPr sz="1800" kern="1200">
+                          <a:solidFill>
+                            <a:schemeClr val="tx1"/>
+                          </a:solidFill>
+                          <a:latin typeface="Calibri" panose="020F0502020204030204"/>
+                        </a:defRPr>
+                      </a:lvl7pPr>
+                      <a:lvl8pPr marL="3200400" algn="l" defTabSz="914400" rtl="0" eaLnBrk="1" latinLnBrk="0" hangingPunct="1">
+                        <a:defRPr sz="1800" kern="1200">
+                          <a:solidFill>
+                            <a:schemeClr val="tx1"/>
+                          </a:solidFill>
+                          <a:latin typeface="Calibri" panose="020F0502020204030204"/>
+                        </a:defRPr>
+                      </a:lvl8pPr>
+                      <a:lvl9pPr marL="3657600" algn="l" defTabSz="914400" rtl="0" eaLnBrk="1" latinLnBrk="0" hangingPunct="1">
+                        <a:defRPr sz="1800" kern="1200">
+                          <a:solidFill>
+                            <a:schemeClr val="tx1"/>
+                          </a:solidFill>
+                          <a:latin typeface="Calibri" panose="020F0502020204030204"/>
+                        </a:defRPr>
+                      </a:lvl9pPr>
+                    </a:lstStyle>
+                    <a:p>
+                      <a:pPr algn="ctr" fontAlgn="b"/>
+                      <a:r>
+                        <a:rPr lang="es-MX" sz="1400" b="1" u="none" strike="noStrike">
+                          <a:effectLst/>
+                        </a:rPr>
+                        <a:t>XX</a:t>
+                      </a:r>
+                      <a:endParaRPr lang="es-MX" sz="1400" b="1" i="0" u="none" strike="noStrike">
+                        <a:solidFill>
+                          <a:srgbClr val="000000"/>
+                        </a:solidFill>
+                        <a:effectLst/>
+                        <a:latin typeface="Calibri" panose="020F0502020204030204" pitchFamily="34" charset="0"/>
+                      </a:endParaRPr>
+                    </a:p>
+                  </a:txBody>
+                  <a:tcPr marL="9525" marR="9525" marT="9525" marB="0" anchor="ctr">
+                    <a:lnL>
+                      <a:noFill/>
+                    </a:lnL>
+                    <a:lnR>
+                      <a:noFill/>
+                    </a:lnR>
+                    <a:lnT>
+                      <a:noFill/>
+                    </a:lnT>
+                    <a:lnB w="12700" cmpd="sng">
+                      <a:solidFill>
+                        <a:srgbClr val="4472C4"/>
+                      </a:solidFill>
+                    </a:lnB>
+                    <a:lnTlToBr w="12700" cmpd="sng">
+                      <a:noFill/>
+                      <a:prstDash val="solid"/>
+                    </a:lnTlToBr>
+                    <a:lnBlToTr w="12700" cmpd="sng">
+                      <a:noFill/>
+                      <a:prstDash val="solid"/>
+                    </a:lnBlToTr>
+                    <a:noFill/>
+                  </a:tcPr>
+                </a:tc>
+                <a:tc>
+                  <a:txBody>
+                    <a:bodyPr/>
+                    <a:lstStyle>
+                      <a:lvl1pPr marL="0" algn="l" defTabSz="914400" rtl="0" eaLnBrk="1" latinLnBrk="0" hangingPunct="1">
+                        <a:defRPr sz="1800" kern="1200">
+                          <a:solidFill>
+                            <a:schemeClr val="tx1"/>
+                          </a:solidFill>
+                          <a:latin typeface="Calibri" panose="020F0502020204030204"/>
+                        </a:defRPr>
+                      </a:lvl1pPr>
+                      <a:lvl2pPr marL="457200" algn="l" defTabSz="914400" rtl="0" eaLnBrk="1" latinLnBrk="0" hangingPunct="1">
+                        <a:defRPr sz="1800" kern="1200">
+                          <a:solidFill>
+                            <a:schemeClr val="tx1"/>
+                          </a:solidFill>
+                          <a:latin typeface="Calibri" panose="020F0502020204030204"/>
+                        </a:defRPr>
+                      </a:lvl2pPr>
+                      <a:lvl3pPr marL="914400" algn="l" defTabSz="914400" rtl="0" eaLnBrk="1" latinLnBrk="0" hangingPunct="1">
+                        <a:defRPr sz="1800" kern="1200">
+                          <a:solidFill>
+                            <a:schemeClr val="tx1"/>
+                          </a:solidFill>
+                          <a:latin typeface="Calibri" panose="020F0502020204030204"/>
+                        </a:defRPr>
+                      </a:lvl3pPr>
+                      <a:lvl4pPr marL="1371600" algn="l" defTabSz="914400" rtl="0" eaLnBrk="1" latinLnBrk="0" hangingPunct="1">
+                        <a:defRPr sz="1800" kern="1200">
+                          <a:solidFill>
+                            <a:schemeClr val="tx1"/>
+                          </a:solidFill>
+                          <a:latin typeface="Calibri" panose="020F0502020204030204"/>
+                        </a:defRPr>
+                      </a:lvl4pPr>
+                      <a:lvl5pPr marL="1828800" algn="l" defTabSz="914400" rtl="0" eaLnBrk="1" latinLnBrk="0" hangingPunct="1">
+                        <a:defRPr sz="1800" kern="1200">
+                          <a:solidFill>
+                            <a:schemeClr val="tx1"/>
+                          </a:solidFill>
+                          <a:latin typeface="Calibri" panose="020F0502020204030204"/>
+                        </a:defRPr>
+                      </a:lvl5pPr>
+                      <a:lvl6pPr marL="2286000" algn="l" defTabSz="914400" rtl="0" eaLnBrk="1" latinLnBrk="0" hangingPunct="1">
+                        <a:defRPr sz="1800" kern="1200">
+                          <a:solidFill>
+                            <a:schemeClr val="tx1"/>
+                          </a:solidFill>
+                          <a:latin typeface="Calibri" panose="020F0502020204030204"/>
+                        </a:defRPr>
+                      </a:lvl6pPr>
+                      <a:lvl7pPr marL="2743200" algn="l" defTabSz="914400" rtl="0" eaLnBrk="1" latinLnBrk="0" hangingPunct="1">
+                        <a:defRPr sz="1800" kern="1200">
+                          <a:solidFill>
+                            <a:schemeClr val="tx1"/>
+                          </a:solidFill>
+                          <a:latin typeface="Calibri" panose="020F0502020204030204"/>
+                        </a:defRPr>
+                      </a:lvl7pPr>
+                      <a:lvl8pPr marL="3200400" algn="l" defTabSz="914400" rtl="0" eaLnBrk="1" latinLnBrk="0" hangingPunct="1">
+                        <a:defRPr sz="1800" kern="1200">
+                          <a:solidFill>
+                            <a:schemeClr val="tx1"/>
+                          </a:solidFill>
+                          <a:latin typeface="Calibri" panose="020F0502020204030204"/>
+                        </a:defRPr>
+                      </a:lvl8pPr>
+                      <a:lvl9pPr marL="3657600" algn="l" defTabSz="914400" rtl="0" eaLnBrk="1" latinLnBrk="0" hangingPunct="1">
+                        <a:defRPr sz="1800" kern="1200">
+                          <a:solidFill>
+                            <a:schemeClr val="tx1"/>
+                          </a:solidFill>
+                          <a:latin typeface="Calibri" panose="020F0502020204030204"/>
+                        </a:defRPr>
+                      </a:lvl9pPr>
+                    </a:lstStyle>
+                    <a:p>
+                      <a:pPr algn="ctr" fontAlgn="b"/>
+                      <a:r>
+                        <a:rPr lang="es-MX" sz="1400" b="1" u="none" strike="noStrike">
+                          <a:effectLst/>
+                        </a:rPr>
+                        <a:t>XX</a:t>
+                      </a:r>
+                      <a:endParaRPr lang="es-MX" sz="1400" b="1" i="0" u="none" strike="noStrike">
+                        <a:solidFill>
+                          <a:srgbClr val="000000"/>
+                        </a:solidFill>
+                        <a:effectLst/>
+                        <a:latin typeface="Calibri" panose="020F0502020204030204" pitchFamily="34" charset="0"/>
+                      </a:endParaRPr>
+                    </a:p>
+                  </a:txBody>
+                  <a:tcPr marL="9525" marR="9525" marT="9525" marB="0" anchor="ctr">
+                    <a:lnL>
+                      <a:noFill/>
+                    </a:lnL>
+                    <a:lnR>
+                      <a:noFill/>
+                    </a:lnR>
+                    <a:lnT>
+                      <a:noFill/>
+                    </a:lnT>
+                    <a:lnB w="12700" cmpd="sng">
+                      <a:solidFill>
+                        <a:srgbClr val="4472C4"/>
+                      </a:solidFill>
+                    </a:lnB>
+                    <a:lnTlToBr w="12700" cmpd="sng">
+                      <a:noFill/>
+                      <a:prstDash val="solid"/>
+                    </a:lnTlToBr>
+                    <a:lnBlToTr w="12700" cmpd="sng">
+                      <a:noFill/>
+                      <a:prstDash val="solid"/>
+                    </a:lnBlToTr>
+                    <a:noFill/>
+                  </a:tcPr>
+                </a:tc>
+                <a:tc>
+                  <a:txBody>
+                    <a:bodyPr/>
+                    <a:lstStyle>
+                      <a:lvl1pPr marL="0" algn="l" defTabSz="914400" rtl="0" eaLnBrk="1" latinLnBrk="0" hangingPunct="1">
+                        <a:defRPr sz="1800" kern="1200">
+                          <a:solidFill>
+                            <a:schemeClr val="tx1"/>
+                          </a:solidFill>
+                          <a:latin typeface="Calibri" panose="020F0502020204030204"/>
+                        </a:defRPr>
+                      </a:lvl1pPr>
+                      <a:lvl2pPr marL="457200" algn="l" defTabSz="914400" rtl="0" eaLnBrk="1" latinLnBrk="0" hangingPunct="1">
+                        <a:defRPr sz="1800" kern="1200">
+                          <a:solidFill>
+                            <a:schemeClr val="tx1"/>
+                          </a:solidFill>
+                          <a:latin typeface="Calibri" panose="020F0502020204030204"/>
+                        </a:defRPr>
+                      </a:lvl2pPr>
+                      <a:lvl3pPr marL="914400" algn="l" defTabSz="914400" rtl="0" eaLnBrk="1" latinLnBrk="0" hangingPunct="1">
+                        <a:defRPr sz="1800" kern="1200">
+                          <a:solidFill>
+                            <a:schemeClr val="tx1"/>
+                          </a:solidFill>
+                          <a:latin typeface="Calibri" panose="020F0502020204030204"/>
+                        </a:defRPr>
+                      </a:lvl3pPr>
+                      <a:lvl4pPr marL="1371600" algn="l" defTabSz="914400" rtl="0" eaLnBrk="1" latinLnBrk="0" hangingPunct="1">
+                        <a:defRPr sz="1800" kern="1200">
+                          <a:solidFill>
+                            <a:schemeClr val="tx1"/>
+                          </a:solidFill>
+                          <a:latin typeface="Calibri" panose="020F0502020204030204"/>
+                        </a:defRPr>
+                      </a:lvl4pPr>
+                      <a:lvl5pPr marL="1828800" algn="l" defTabSz="914400" rtl="0" eaLnBrk="1" latinLnBrk="0" hangingPunct="1">
+                        <a:defRPr sz="1800" kern="1200">
+                          <a:solidFill>
+                            <a:schemeClr val="tx1"/>
+                          </a:solidFill>
+                          <a:latin typeface="Calibri" panose="020F0502020204030204"/>
+                        </a:defRPr>
+                      </a:lvl5pPr>
+                      <a:lvl6pPr marL="2286000" algn="l" defTabSz="914400" rtl="0" eaLnBrk="1" latinLnBrk="0" hangingPunct="1">
+                        <a:defRPr sz="1800" kern="1200">
+                          <a:solidFill>
+                            <a:schemeClr val="tx1"/>
+                          </a:solidFill>
+                          <a:latin typeface="Calibri" panose="020F0502020204030204"/>
+                        </a:defRPr>
+                      </a:lvl6pPr>
+                      <a:lvl7pPr marL="2743200" algn="l" defTabSz="914400" rtl="0" eaLnBrk="1" latinLnBrk="0" hangingPunct="1">
+                        <a:defRPr sz="1800" kern="1200">
+                          <a:solidFill>
+                            <a:schemeClr val="tx1"/>
+                          </a:solidFill>
+                          <a:latin typeface="Calibri" panose="020F0502020204030204"/>
+                        </a:defRPr>
+                      </a:lvl7pPr>
+                      <a:lvl8pPr marL="3200400" algn="l" defTabSz="914400" rtl="0" eaLnBrk="1" latinLnBrk="0" hangingPunct="1">
+                        <a:defRPr sz="1800" kern="1200">
+                          <a:solidFill>
+                            <a:schemeClr val="tx1"/>
+                          </a:solidFill>
+                          <a:latin typeface="Calibri" panose="020F0502020204030204"/>
+                        </a:defRPr>
+                      </a:lvl8pPr>
+                      <a:lvl9pPr marL="3657600" algn="l" defTabSz="914400" rtl="0" eaLnBrk="1" latinLnBrk="0" hangingPunct="1">
+                        <a:defRPr sz="1800" kern="1200">
+                          <a:solidFill>
+                            <a:schemeClr val="tx1"/>
+                          </a:solidFill>
+                          <a:latin typeface="Calibri" panose="020F0502020204030204"/>
+                        </a:defRPr>
+                      </a:lvl9pPr>
+                    </a:lstStyle>
+                    <a:p>
+                      <a:pPr algn="ctr" fontAlgn="b"/>
+                      <a:r>
+                        <a:rPr lang="es-MX" sz="1400" b="1" u="none" strike="noStrike">
+                          <a:effectLst/>
+                        </a:rPr>
+                        <a:t>A1 00</a:t>
+                      </a:r>
+                      <a:endParaRPr lang="es-MX" sz="1400" b="1" i="0" u="none" strike="noStrike">
+                        <a:solidFill>
+                          <a:srgbClr val="000000"/>
+                        </a:solidFill>
+                        <a:effectLst/>
+                        <a:latin typeface="Calibri" panose="020F0502020204030204" pitchFamily="34" charset="0"/>
+                      </a:endParaRPr>
+                    </a:p>
+                  </a:txBody>
+                  <a:tcPr marL="9525" marR="9525" marT="9525" marB="0" anchor="ctr">
+                    <a:lnL>
+                      <a:noFill/>
+                    </a:lnL>
+                    <a:lnR>
+                      <a:noFill/>
+                    </a:lnR>
+                    <a:lnT>
+                      <a:noFill/>
+                    </a:lnT>
+                    <a:lnB w="12700" cmpd="sng">
+                      <a:solidFill>
+                        <a:srgbClr val="4472C4"/>
+                      </a:solidFill>
+                    </a:lnB>
+                    <a:lnTlToBr w="12700" cmpd="sng">
+                      <a:noFill/>
+                      <a:prstDash val="solid"/>
+                    </a:lnTlToBr>
+                    <a:lnBlToTr w="12700" cmpd="sng">
+                      <a:noFill/>
+                      <a:prstDash val="solid"/>
+                    </a:lnBlToTr>
+                    <a:noFill/>
+                  </a:tcPr>
+                </a:tc>
+                <a:tc>
+                  <a:txBody>
+                    <a:bodyPr/>
+                    <a:lstStyle>
+                      <a:lvl1pPr marL="0" algn="l" defTabSz="914400" rtl="0" eaLnBrk="1" latinLnBrk="0" hangingPunct="1">
+                        <a:defRPr sz="1800" kern="1200">
+                          <a:solidFill>
+                            <a:schemeClr val="tx1"/>
+                          </a:solidFill>
+                          <a:latin typeface="Calibri" panose="020F0502020204030204"/>
+                        </a:defRPr>
+                      </a:lvl1pPr>
+                      <a:lvl2pPr marL="457200" algn="l" defTabSz="914400" rtl="0" eaLnBrk="1" latinLnBrk="0" hangingPunct="1">
+                        <a:defRPr sz="1800" kern="1200">
+                          <a:solidFill>
+                            <a:schemeClr val="tx1"/>
+                          </a:solidFill>
+                          <a:latin typeface="Calibri" panose="020F0502020204030204"/>
+                        </a:defRPr>
+                      </a:lvl2pPr>
+                      <a:lvl3pPr marL="914400" algn="l" defTabSz="914400" rtl="0" eaLnBrk="1" latinLnBrk="0" hangingPunct="1">
+                        <a:defRPr sz="1800" kern="1200">
+                          <a:solidFill>
+                            <a:schemeClr val="tx1"/>
+                          </a:solidFill>
+                          <a:latin typeface="Calibri" panose="020F0502020204030204"/>
+                        </a:defRPr>
+                      </a:lvl3pPr>
+                      <a:lvl4pPr marL="1371600" algn="l" defTabSz="914400" rtl="0" eaLnBrk="1" latinLnBrk="0" hangingPunct="1">
+                        <a:defRPr sz="1800" kern="1200">
+                          <a:solidFill>
+                            <a:schemeClr val="tx1"/>
+                          </a:solidFill>
+                          <a:latin typeface="Calibri" panose="020F0502020204030204"/>
+                        </a:defRPr>
+                      </a:lvl4pPr>
+                      <a:lvl5pPr marL="1828800" algn="l" defTabSz="914400" rtl="0" eaLnBrk="1" latinLnBrk="0" hangingPunct="1">
+                        <a:defRPr sz="1800" kern="1200">
+                          <a:solidFill>
+                            <a:schemeClr val="tx1"/>
+                          </a:solidFill>
+                          <a:latin typeface="Calibri" panose="020F0502020204030204"/>
+                        </a:defRPr>
+                      </a:lvl5pPr>
+                      <a:lvl6pPr marL="2286000" algn="l" defTabSz="914400" rtl="0" eaLnBrk="1" latinLnBrk="0" hangingPunct="1">
+                        <a:defRPr sz="1800" kern="1200">
+                          <a:solidFill>
+                            <a:schemeClr val="tx1"/>
+                          </a:solidFill>
+                          <a:latin typeface="Calibri" panose="020F0502020204030204"/>
+                        </a:defRPr>
+                      </a:lvl6pPr>
+                      <a:lvl7pPr marL="2743200" algn="l" defTabSz="914400" rtl="0" eaLnBrk="1" latinLnBrk="0" hangingPunct="1">
+                        <a:defRPr sz="1800" kern="1200">
+                          <a:solidFill>
+                            <a:schemeClr val="tx1"/>
+                          </a:solidFill>
+                          <a:latin typeface="Calibri" panose="020F0502020204030204"/>
+                        </a:defRPr>
+                      </a:lvl7pPr>
+                      <a:lvl8pPr marL="3200400" algn="l" defTabSz="914400" rtl="0" eaLnBrk="1" latinLnBrk="0" hangingPunct="1">
+                        <a:defRPr sz="1800" kern="1200">
+                          <a:solidFill>
+                            <a:schemeClr val="tx1"/>
+                          </a:solidFill>
+                          <a:latin typeface="Calibri" panose="020F0502020204030204"/>
+                        </a:defRPr>
+                      </a:lvl8pPr>
+                      <a:lvl9pPr marL="3657600" algn="l" defTabSz="914400" rtl="0" eaLnBrk="1" latinLnBrk="0" hangingPunct="1">
+                        <a:defRPr sz="1800" kern="1200">
+                          <a:solidFill>
+                            <a:schemeClr val="tx1"/>
+                          </a:solidFill>
+                          <a:latin typeface="Calibri" panose="020F0502020204030204"/>
+                        </a:defRPr>
+                      </a:lvl9pPr>
+                    </a:lstStyle>
+                    <a:p>
+                      <a:pPr algn="ctr" fontAlgn="b"/>
+                      <a:r>
+                        <a:rPr lang="es-MX" sz="1400" b="1" u="none" strike="noStrike">
+                          <a:effectLst/>
+                        </a:rPr>
+                        <a:t>XX</a:t>
+                      </a:r>
+                      <a:endParaRPr lang="es-MX" sz="1400" b="1" i="0" u="none" strike="noStrike">
+                        <a:solidFill>
+                          <a:srgbClr val="000000"/>
+                        </a:solidFill>
+                        <a:effectLst/>
+                        <a:latin typeface="Calibri" panose="020F0502020204030204" pitchFamily="34" charset="0"/>
+                      </a:endParaRPr>
+                    </a:p>
+                  </a:txBody>
+                  <a:tcPr marL="9525" marR="9525" marT="9525" marB="0" anchor="ctr">
+                    <a:lnL>
+                      <a:noFill/>
+                    </a:lnL>
+                    <a:lnR>
+                      <a:noFill/>
+                    </a:lnR>
+                    <a:lnT>
+                      <a:noFill/>
+                    </a:lnT>
+                    <a:lnB w="12700" cmpd="sng">
+                      <a:solidFill>
+                        <a:srgbClr val="4472C4"/>
+                      </a:solidFill>
+                    </a:lnB>
+                    <a:lnTlToBr w="12700" cmpd="sng">
+                      <a:noFill/>
+                      <a:prstDash val="solid"/>
+                    </a:lnTlToBr>
+                    <a:lnBlToTr w="12700" cmpd="sng">
+                      <a:noFill/>
+                      <a:prstDash val="solid"/>
+                    </a:lnBlToTr>
+                    <a:noFill/>
+                  </a:tcPr>
+                </a:tc>
+                <a:tc>
+                  <a:txBody>
+                    <a:bodyPr/>
+                    <a:lstStyle>
+                      <a:lvl1pPr marL="0" algn="l" defTabSz="914400" rtl="0" eaLnBrk="1" latinLnBrk="0" hangingPunct="1">
+                        <a:defRPr sz="1800" kern="1200">
+                          <a:solidFill>
+                            <a:schemeClr val="tx1"/>
+                          </a:solidFill>
+                          <a:latin typeface="Calibri" panose="020F0502020204030204"/>
+                        </a:defRPr>
+                      </a:lvl1pPr>
+                      <a:lvl2pPr marL="457200" algn="l" defTabSz="914400" rtl="0" eaLnBrk="1" latinLnBrk="0" hangingPunct="1">
+                        <a:defRPr sz="1800" kern="1200">
+                          <a:solidFill>
+                            <a:schemeClr val="tx1"/>
+                          </a:solidFill>
+                          <a:latin typeface="Calibri" panose="020F0502020204030204"/>
+                        </a:defRPr>
+                      </a:lvl2pPr>
+                      <a:lvl3pPr marL="914400" algn="l" defTabSz="914400" rtl="0" eaLnBrk="1" latinLnBrk="0" hangingPunct="1">
+                        <a:defRPr sz="1800" kern="1200">
+                          <a:solidFill>
+                            <a:schemeClr val="tx1"/>
+                          </a:solidFill>
+                          <a:latin typeface="Calibri" panose="020F0502020204030204"/>
+                        </a:defRPr>
+                      </a:lvl3pPr>
+                      <a:lvl4pPr marL="1371600" algn="l" defTabSz="914400" rtl="0" eaLnBrk="1" latinLnBrk="0" hangingPunct="1">
+                        <a:defRPr sz="1800" kern="1200">
+                          <a:solidFill>
+                            <a:schemeClr val="tx1"/>
+                          </a:solidFill>
+                          <a:latin typeface="Calibri" panose="020F0502020204030204"/>
+                        </a:defRPr>
+                      </a:lvl4pPr>
+                      <a:lvl5pPr marL="1828800" algn="l" defTabSz="914400" rtl="0" eaLnBrk="1" latinLnBrk="0" hangingPunct="1">
+                        <a:defRPr sz="1800" kern="1200">
+                          <a:solidFill>
+                            <a:schemeClr val="tx1"/>
+                          </a:solidFill>
+                          <a:latin typeface="Calibri" panose="020F0502020204030204"/>
+                        </a:defRPr>
+                      </a:lvl5pPr>
+                      <a:lvl6pPr marL="2286000" algn="l" defTabSz="914400" rtl="0" eaLnBrk="1" latinLnBrk="0" hangingPunct="1">
+                        <a:defRPr sz="1800" kern="1200">
+                          <a:solidFill>
+                            <a:schemeClr val="tx1"/>
+                          </a:solidFill>
+                          <a:latin typeface="Calibri" panose="020F0502020204030204"/>
+                        </a:defRPr>
+                      </a:lvl6pPr>
+                      <a:lvl7pPr marL="2743200" algn="l" defTabSz="914400" rtl="0" eaLnBrk="1" latinLnBrk="0" hangingPunct="1">
+                        <a:defRPr sz="1800" kern="1200">
+                          <a:solidFill>
+                            <a:schemeClr val="tx1"/>
+                          </a:solidFill>
+                          <a:latin typeface="Calibri" panose="020F0502020204030204"/>
+                        </a:defRPr>
+                      </a:lvl7pPr>
+                      <a:lvl8pPr marL="3200400" algn="l" defTabSz="914400" rtl="0" eaLnBrk="1" latinLnBrk="0" hangingPunct="1">
+                        <a:defRPr sz="1800" kern="1200">
+                          <a:solidFill>
+                            <a:schemeClr val="tx1"/>
+                          </a:solidFill>
+                          <a:latin typeface="Calibri" panose="020F0502020204030204"/>
+                        </a:defRPr>
+                      </a:lvl8pPr>
+                      <a:lvl9pPr marL="3657600" algn="l" defTabSz="914400" rtl="0" eaLnBrk="1" latinLnBrk="0" hangingPunct="1">
+                        <a:defRPr sz="1800" kern="1200">
+                          <a:solidFill>
+                            <a:schemeClr val="tx1"/>
+                          </a:solidFill>
+                          <a:latin typeface="Calibri" panose="020F0502020204030204"/>
+                        </a:defRPr>
+                      </a:lvl9pPr>
+                    </a:lstStyle>
+                    <a:p>
+                      <a:pPr algn="ctr" fontAlgn="b"/>
+                      <a:r>
+                        <a:rPr lang="es-MX" sz="1400" b="1" u="none" strike="noStrike">
+                          <a:effectLst/>
+                        </a:rPr>
+                        <a:t>XX XX</a:t>
+                      </a:r>
+                      <a:endParaRPr lang="es-MX" sz="1400" b="1" i="0" u="none" strike="noStrike">
+                        <a:solidFill>
+                          <a:srgbClr val="000000"/>
+                        </a:solidFill>
+                        <a:effectLst/>
+                        <a:latin typeface="Calibri" panose="020F0502020204030204" pitchFamily="34" charset="0"/>
+                      </a:endParaRPr>
+                    </a:p>
+                  </a:txBody>
+                  <a:tcPr marL="9525" marR="9525" marT="9525" marB="0" anchor="ctr">
+                    <a:lnL>
+                      <a:noFill/>
+                    </a:lnL>
+                    <a:lnR>
+                      <a:noFill/>
+                    </a:lnR>
+                    <a:lnT>
+                      <a:noFill/>
+                    </a:lnT>
+                    <a:lnB w="12700" cmpd="sng">
+                      <a:solidFill>
+                        <a:srgbClr val="4472C4"/>
+                      </a:solidFill>
+                    </a:lnB>
+                    <a:lnTlToBr w="12700" cmpd="sng">
+                      <a:noFill/>
+                      <a:prstDash val="solid"/>
+                    </a:lnTlToBr>
+                    <a:lnBlToTr w="12700" cmpd="sng">
+                      <a:noFill/>
+                      <a:prstDash val="solid"/>
+                    </a:lnBlToTr>
+                    <a:noFill/>
+                  </a:tcPr>
+                </a:tc>
+                <a:tc>
+                  <a:txBody>
+                    <a:bodyPr/>
+                    <a:lstStyle>
+                      <a:lvl1pPr marL="0" algn="l" defTabSz="914400" rtl="0" eaLnBrk="1" latinLnBrk="0" hangingPunct="1">
+                        <a:defRPr sz="1800" kern="1200">
+                          <a:solidFill>
+                            <a:schemeClr val="tx1"/>
+                          </a:solidFill>
+                          <a:latin typeface="Calibri" panose="020F0502020204030204"/>
+                        </a:defRPr>
+                      </a:lvl1pPr>
+                      <a:lvl2pPr marL="457200" algn="l" defTabSz="914400" rtl="0" eaLnBrk="1" latinLnBrk="0" hangingPunct="1">
+                        <a:defRPr sz="1800" kern="1200">
+                          <a:solidFill>
+                            <a:schemeClr val="tx1"/>
+                          </a:solidFill>
+                          <a:latin typeface="Calibri" panose="020F0502020204030204"/>
+                        </a:defRPr>
+                      </a:lvl2pPr>
+                      <a:lvl3pPr marL="914400" algn="l" defTabSz="914400" rtl="0" eaLnBrk="1" latinLnBrk="0" hangingPunct="1">
+                        <a:defRPr sz="1800" kern="1200">
+                          <a:solidFill>
+                            <a:schemeClr val="tx1"/>
+                          </a:solidFill>
+                          <a:latin typeface="Calibri" panose="020F0502020204030204"/>
+                        </a:defRPr>
+                      </a:lvl3pPr>
+                      <a:lvl4pPr marL="1371600" algn="l" defTabSz="914400" rtl="0" eaLnBrk="1" latinLnBrk="0" hangingPunct="1">
+                        <a:defRPr sz="1800" kern="1200">
+                          <a:solidFill>
+                            <a:schemeClr val="tx1"/>
+                          </a:solidFill>
+                          <a:latin typeface="Calibri" panose="020F0502020204030204"/>
+                        </a:defRPr>
+                      </a:lvl4pPr>
+                      <a:lvl5pPr marL="1828800" algn="l" defTabSz="914400" rtl="0" eaLnBrk="1" latinLnBrk="0" hangingPunct="1">
+                        <a:defRPr sz="1800" kern="1200">
+                          <a:solidFill>
+                            <a:schemeClr val="tx1"/>
+                          </a:solidFill>
+                          <a:latin typeface="Calibri" panose="020F0502020204030204"/>
+                        </a:defRPr>
+                      </a:lvl5pPr>
+                      <a:lvl6pPr marL="2286000" algn="l" defTabSz="914400" rtl="0" eaLnBrk="1" latinLnBrk="0" hangingPunct="1">
+                        <a:defRPr sz="1800" kern="1200">
+                          <a:solidFill>
+                            <a:schemeClr val="tx1"/>
+                          </a:solidFill>
+                          <a:latin typeface="Calibri" panose="020F0502020204030204"/>
+                        </a:defRPr>
+                      </a:lvl6pPr>
+                      <a:lvl7pPr marL="2743200" algn="l" defTabSz="914400" rtl="0" eaLnBrk="1" latinLnBrk="0" hangingPunct="1">
+                        <a:defRPr sz="1800" kern="1200">
+                          <a:solidFill>
+                            <a:schemeClr val="tx1"/>
+                          </a:solidFill>
+                          <a:latin typeface="Calibri" panose="020F0502020204030204"/>
+                        </a:defRPr>
+                      </a:lvl7pPr>
+                      <a:lvl8pPr marL="3200400" algn="l" defTabSz="914400" rtl="0" eaLnBrk="1" latinLnBrk="0" hangingPunct="1">
+                        <a:defRPr sz="1800" kern="1200">
+                          <a:solidFill>
+                            <a:schemeClr val="tx1"/>
+                          </a:solidFill>
+                          <a:latin typeface="Calibri" panose="020F0502020204030204"/>
+                        </a:defRPr>
+                      </a:lvl8pPr>
+                      <a:lvl9pPr marL="3657600" algn="l" defTabSz="914400" rtl="0" eaLnBrk="1" latinLnBrk="0" hangingPunct="1">
+                        <a:defRPr sz="1800" kern="1200">
+                          <a:solidFill>
+                            <a:schemeClr val="tx1"/>
+                          </a:solidFill>
+                          <a:latin typeface="Calibri" panose="020F0502020204030204"/>
+                        </a:defRPr>
+                      </a:lvl9pPr>
+                    </a:lstStyle>
+                    <a:p>
+                      <a:pPr algn="ctr" fontAlgn="b"/>
+                      <a:r>
+                        <a:rPr lang="es-MX" sz="1400" b="1" u="none" strike="noStrike">
+                          <a:effectLst/>
+                        </a:rPr>
+                        <a:t>XX</a:t>
+                      </a:r>
+                      <a:endParaRPr lang="es-MX" sz="1400" b="1" i="0" u="none" strike="noStrike">
+                        <a:solidFill>
+                          <a:srgbClr val="000000"/>
+                        </a:solidFill>
+                        <a:effectLst/>
+                        <a:latin typeface="Calibri" panose="020F0502020204030204" pitchFamily="34" charset="0"/>
+                      </a:endParaRPr>
+                    </a:p>
+                  </a:txBody>
+                  <a:tcPr marL="9525" marR="9525" marT="9525" marB="0" anchor="ctr">
+                    <a:lnL>
+                      <a:noFill/>
+                    </a:lnL>
+                    <a:lnR>
+                      <a:noFill/>
+                    </a:lnR>
+                    <a:lnT>
+                      <a:noFill/>
+                    </a:lnT>
+                    <a:lnB w="12700" cmpd="sng">
+                      <a:solidFill>
+                        <a:srgbClr val="4472C4"/>
+                      </a:solidFill>
+                    </a:lnB>
+                    <a:lnTlToBr w="12700" cmpd="sng">
+                      <a:noFill/>
+                      <a:prstDash val="solid"/>
+                    </a:lnTlToBr>
+                    <a:lnBlToTr w="12700" cmpd="sng">
+                      <a:noFill/>
+                      <a:prstDash val="solid"/>
+                    </a:lnBlToTr>
+                    <a:noFill/>
+                  </a:tcPr>
+                </a:tc>
+                <a:tc>
+                  <a:txBody>
+                    <a:bodyPr/>
+                    <a:lstStyle>
+                      <a:lvl1pPr marL="0" algn="l" defTabSz="914400" rtl="0" eaLnBrk="1" latinLnBrk="0" hangingPunct="1">
+                        <a:defRPr sz="1800" kern="1200">
+                          <a:solidFill>
+                            <a:schemeClr val="tx1"/>
+                          </a:solidFill>
+                          <a:latin typeface="Calibri" panose="020F0502020204030204"/>
+                        </a:defRPr>
+                      </a:lvl1pPr>
+                      <a:lvl2pPr marL="457200" algn="l" defTabSz="914400" rtl="0" eaLnBrk="1" latinLnBrk="0" hangingPunct="1">
+                        <a:defRPr sz="1800" kern="1200">
+                          <a:solidFill>
+                            <a:schemeClr val="tx1"/>
+                          </a:solidFill>
+                          <a:latin typeface="Calibri" panose="020F0502020204030204"/>
+                        </a:defRPr>
+                      </a:lvl2pPr>
+                      <a:lvl3pPr marL="914400" algn="l" defTabSz="914400" rtl="0" eaLnBrk="1" latinLnBrk="0" hangingPunct="1">
+                        <a:defRPr sz="1800" kern="1200">
+                          <a:solidFill>
+                            <a:schemeClr val="tx1"/>
+                          </a:solidFill>
+                          <a:latin typeface="Calibri" panose="020F0502020204030204"/>
+                        </a:defRPr>
+                      </a:lvl3pPr>
+                      <a:lvl4pPr marL="1371600" algn="l" defTabSz="914400" rtl="0" eaLnBrk="1" latinLnBrk="0" hangingPunct="1">
+                        <a:defRPr sz="1800" kern="1200">
+                          <a:solidFill>
+                            <a:schemeClr val="tx1"/>
+                          </a:solidFill>
+                          <a:latin typeface="Calibri" panose="020F0502020204030204"/>
+                        </a:defRPr>
+                      </a:lvl4pPr>
+                      <a:lvl5pPr marL="1828800" algn="l" defTabSz="914400" rtl="0" eaLnBrk="1" latinLnBrk="0" hangingPunct="1">
+                        <a:defRPr sz="1800" kern="1200">
+                          <a:solidFill>
+                            <a:schemeClr val="tx1"/>
+                          </a:solidFill>
+                          <a:latin typeface="Calibri" panose="020F0502020204030204"/>
+                        </a:defRPr>
+                      </a:lvl5pPr>
+                      <a:lvl6pPr marL="2286000" algn="l" defTabSz="914400" rtl="0" eaLnBrk="1" latinLnBrk="0" hangingPunct="1">
+                        <a:defRPr sz="1800" kern="1200">
+                          <a:solidFill>
+                            <a:schemeClr val="tx1"/>
+                          </a:solidFill>
+                          <a:latin typeface="Calibri" panose="020F0502020204030204"/>
+                        </a:defRPr>
+                      </a:lvl6pPr>
+                      <a:lvl7pPr marL="2743200" algn="l" defTabSz="914400" rtl="0" eaLnBrk="1" latinLnBrk="0" hangingPunct="1">
+                        <a:defRPr sz="1800" kern="1200">
+                          <a:solidFill>
+                            <a:schemeClr val="tx1"/>
+                          </a:solidFill>
+                          <a:latin typeface="Calibri" panose="020F0502020204030204"/>
+                        </a:defRPr>
+                      </a:lvl7pPr>
+                      <a:lvl8pPr marL="3200400" algn="l" defTabSz="914400" rtl="0" eaLnBrk="1" latinLnBrk="0" hangingPunct="1">
+                        <a:defRPr sz="1800" kern="1200">
+                          <a:solidFill>
+                            <a:schemeClr val="tx1"/>
+                          </a:solidFill>
+                          <a:latin typeface="Calibri" panose="020F0502020204030204"/>
+                        </a:defRPr>
+                      </a:lvl8pPr>
+                      <a:lvl9pPr marL="3657600" algn="l" defTabSz="914400" rtl="0" eaLnBrk="1" latinLnBrk="0" hangingPunct="1">
+                        <a:defRPr sz="1800" kern="1200">
+                          <a:solidFill>
+                            <a:schemeClr val="tx1"/>
+                          </a:solidFill>
+                          <a:latin typeface="Calibri" panose="020F0502020204030204"/>
+                        </a:defRPr>
+                      </a:lvl9pPr>
+                    </a:lstStyle>
+                    <a:p>
+                      <a:pPr algn="ctr" fontAlgn="b"/>
+                      <a:r>
+                        <a:rPr lang="es-MX" sz="1400" b="1" u="none" strike="noStrike">
+                          <a:effectLst/>
+                        </a:rPr>
+                        <a:t>N</a:t>
+                      </a:r>
+                      <a:endParaRPr lang="es-MX" sz="1400" b="1" i="0" u="none" strike="noStrike">
+                        <a:solidFill>
+                          <a:srgbClr val="000000"/>
+                        </a:solidFill>
+                        <a:effectLst/>
+                        <a:latin typeface="Calibri" panose="020F0502020204030204" pitchFamily="34" charset="0"/>
+                      </a:endParaRPr>
+                    </a:p>
+                  </a:txBody>
+                  <a:tcPr marL="9525" marR="9525" marT="9525" marB="0" anchor="ctr">
+                    <a:lnL>
+                      <a:noFill/>
+                    </a:lnL>
+                    <a:lnR>
+                      <a:noFill/>
+                    </a:lnR>
+                    <a:lnT>
+                      <a:noFill/>
+                    </a:lnT>
+                    <a:lnB w="12700" cmpd="sng">
+                      <a:solidFill>
+                        <a:srgbClr val="4472C4"/>
+                      </a:solidFill>
+                    </a:lnB>
+                    <a:lnTlToBr w="12700" cmpd="sng">
+                      <a:noFill/>
+                      <a:prstDash val="solid"/>
+                    </a:lnTlToBr>
+                    <a:lnBlToTr w="12700" cmpd="sng">
+                      <a:noFill/>
+                      <a:prstDash val="solid"/>
+                    </a:lnBlToTr>
+                    <a:noFill/>
+                  </a:tcPr>
+                </a:tc>
+                <a:tc>
+                  <a:txBody>
+                    <a:bodyPr/>
+                    <a:lstStyle>
+                      <a:lvl1pPr marL="0" algn="l" defTabSz="914400" rtl="0" eaLnBrk="1" latinLnBrk="0" hangingPunct="1">
+                        <a:defRPr sz="1800" kern="1200">
+                          <a:solidFill>
+                            <a:schemeClr val="tx1"/>
+                          </a:solidFill>
+                          <a:latin typeface="Calibri" panose="020F0502020204030204"/>
+                        </a:defRPr>
+                      </a:lvl1pPr>
+                      <a:lvl2pPr marL="457200" algn="l" defTabSz="914400" rtl="0" eaLnBrk="1" latinLnBrk="0" hangingPunct="1">
+                        <a:defRPr sz="1800" kern="1200">
+                          <a:solidFill>
+                            <a:schemeClr val="tx1"/>
+                          </a:solidFill>
+                          <a:latin typeface="Calibri" panose="020F0502020204030204"/>
+                        </a:defRPr>
+                      </a:lvl2pPr>
+                      <a:lvl3pPr marL="914400" algn="l" defTabSz="914400" rtl="0" eaLnBrk="1" latinLnBrk="0" hangingPunct="1">
+                        <a:defRPr sz="1800" kern="1200">
+                          <a:solidFill>
+                            <a:schemeClr val="tx1"/>
+                          </a:solidFill>
+                          <a:latin typeface="Calibri" panose="020F0502020204030204"/>
+                        </a:defRPr>
+                      </a:lvl3pPr>
+                      <a:lvl4pPr marL="1371600" algn="l" defTabSz="914400" rtl="0" eaLnBrk="1" latinLnBrk="0" hangingPunct="1">
+                        <a:defRPr sz="1800" kern="1200">
+                          <a:solidFill>
+                            <a:schemeClr val="tx1"/>
+                          </a:solidFill>
+                          <a:latin typeface="Calibri" panose="020F0502020204030204"/>
+                        </a:defRPr>
+                      </a:lvl4pPr>
+                      <a:lvl5pPr marL="1828800" algn="l" defTabSz="914400" rtl="0" eaLnBrk="1" latinLnBrk="0" hangingPunct="1">
+                        <a:defRPr sz="1800" kern="1200">
+                          <a:solidFill>
+                            <a:schemeClr val="tx1"/>
+                          </a:solidFill>
+                          <a:latin typeface="Calibri" panose="020F0502020204030204"/>
+                        </a:defRPr>
+                      </a:lvl5pPr>
+                      <a:lvl6pPr marL="2286000" algn="l" defTabSz="914400" rtl="0" eaLnBrk="1" latinLnBrk="0" hangingPunct="1">
+                        <a:defRPr sz="1800" kern="1200">
+                          <a:solidFill>
+                            <a:schemeClr val="tx1"/>
+                          </a:solidFill>
+                          <a:latin typeface="Calibri" panose="020F0502020204030204"/>
+                        </a:defRPr>
+                      </a:lvl6pPr>
+                      <a:lvl7pPr marL="2743200" algn="l" defTabSz="914400" rtl="0" eaLnBrk="1" latinLnBrk="0" hangingPunct="1">
+                        <a:defRPr sz="1800" kern="1200">
+                          <a:solidFill>
+                            <a:schemeClr val="tx1"/>
+                          </a:solidFill>
+                          <a:latin typeface="Calibri" panose="020F0502020204030204"/>
+                        </a:defRPr>
+                      </a:lvl7pPr>
+                      <a:lvl8pPr marL="3200400" algn="l" defTabSz="914400" rtl="0" eaLnBrk="1" latinLnBrk="0" hangingPunct="1">
+                        <a:defRPr sz="1800" kern="1200">
+                          <a:solidFill>
+                            <a:schemeClr val="tx1"/>
+                          </a:solidFill>
+                          <a:latin typeface="Calibri" panose="020F0502020204030204"/>
+                        </a:defRPr>
+                      </a:lvl8pPr>
+                      <a:lvl9pPr marL="3657600" algn="l" defTabSz="914400" rtl="0" eaLnBrk="1" latinLnBrk="0" hangingPunct="1">
+                        <a:defRPr sz="1800" kern="1200">
+                          <a:solidFill>
+                            <a:schemeClr val="tx1"/>
+                          </a:solidFill>
+                          <a:latin typeface="Calibri" panose="020F0502020204030204"/>
+                        </a:defRPr>
+                      </a:lvl9pPr>
+                    </a:lstStyle>
+                    <a:p>
+                      <a:pPr algn="ctr" fontAlgn="b"/>
+                      <a:r>
+                        <a:rPr lang="es-MX" sz="1400" b="1" u="none" strike="noStrike" dirty="0">
+                          <a:effectLst/>
+                        </a:rPr>
+                        <a:t>XX </a:t>
+                      </a:r>
+                      <a:r>
+                        <a:rPr lang="es-MX" sz="1400" b="1" u="none" strike="noStrike" dirty="0" err="1">
+                          <a:effectLst/>
+                        </a:rPr>
+                        <a:t>XX</a:t>
+                      </a:r>
+                      <a:endParaRPr lang="es-MX" sz="1400" b="1" i="0" u="none" strike="noStrike" dirty="0">
+                        <a:solidFill>
+                          <a:srgbClr val="000000"/>
+                        </a:solidFill>
+                        <a:effectLst/>
+                        <a:latin typeface="Calibri" panose="020F0502020204030204" pitchFamily="34" charset="0"/>
+                      </a:endParaRPr>
+                    </a:p>
+                  </a:txBody>
+                  <a:tcPr marL="9525" marR="9525" marT="9525" marB="0" anchor="ctr">
+                    <a:lnL>
+                      <a:noFill/>
+                    </a:lnL>
+                    <a:lnR>
+                      <a:noFill/>
+                    </a:lnR>
+                    <a:lnT>
+                      <a:noFill/>
+                    </a:lnT>
+                    <a:lnB w="12700" cmpd="sng">
+                      <a:solidFill>
+                        <a:srgbClr val="4472C4"/>
+                      </a:solidFill>
+                    </a:lnB>
+                    <a:lnTlToBr w="12700" cmpd="sng">
+                      <a:noFill/>
+                      <a:prstDash val="solid"/>
+                    </a:lnTlToBr>
+                    <a:lnBlToTr w="12700" cmpd="sng">
+                      <a:noFill/>
+                      <a:prstDash val="solid"/>
+                    </a:lnBlToTr>
+                    <a:noFill/>
+                  </a:tcPr>
+                </a:tc>
+                <a:tc>
+                  <a:txBody>
+                    <a:bodyPr/>
+                    <a:lstStyle>
+                      <a:lvl1pPr marL="0" algn="l" defTabSz="914400" rtl="0" eaLnBrk="1" latinLnBrk="0" hangingPunct="1">
+                        <a:defRPr sz="1800" kern="1200">
+                          <a:solidFill>
+                            <a:schemeClr val="tx1"/>
+                          </a:solidFill>
+                          <a:latin typeface="Calibri" panose="020F0502020204030204"/>
+                        </a:defRPr>
+                      </a:lvl1pPr>
+                      <a:lvl2pPr marL="457200" algn="l" defTabSz="914400" rtl="0" eaLnBrk="1" latinLnBrk="0" hangingPunct="1">
+                        <a:defRPr sz="1800" kern="1200">
+                          <a:solidFill>
+                            <a:schemeClr val="tx1"/>
+                          </a:solidFill>
+                          <a:latin typeface="Calibri" panose="020F0502020204030204"/>
+                        </a:defRPr>
+                      </a:lvl2pPr>
+                      <a:lvl3pPr marL="914400" algn="l" defTabSz="914400" rtl="0" eaLnBrk="1" latinLnBrk="0" hangingPunct="1">
+                        <a:defRPr sz="1800" kern="1200">
+                          <a:solidFill>
+                            <a:schemeClr val="tx1"/>
+                          </a:solidFill>
+                          <a:latin typeface="Calibri" panose="020F0502020204030204"/>
+                        </a:defRPr>
+                      </a:lvl3pPr>
+                      <a:lvl4pPr marL="1371600" algn="l" defTabSz="914400" rtl="0" eaLnBrk="1" latinLnBrk="0" hangingPunct="1">
+                        <a:defRPr sz="1800" kern="1200">
+                          <a:solidFill>
+                            <a:schemeClr val="tx1"/>
+                          </a:solidFill>
+                          <a:latin typeface="Calibri" panose="020F0502020204030204"/>
+                        </a:defRPr>
+                      </a:lvl4pPr>
+                      <a:lvl5pPr marL="1828800" algn="l" defTabSz="914400" rtl="0" eaLnBrk="1" latinLnBrk="0" hangingPunct="1">
+                        <a:defRPr sz="1800" kern="1200">
+                          <a:solidFill>
+                            <a:schemeClr val="tx1"/>
+                          </a:solidFill>
+                          <a:latin typeface="Calibri" panose="020F0502020204030204"/>
+                        </a:defRPr>
+                      </a:lvl5pPr>
+                      <a:lvl6pPr marL="2286000" algn="l" defTabSz="914400" rtl="0" eaLnBrk="1" latinLnBrk="0" hangingPunct="1">
+                        <a:defRPr sz="1800" kern="1200">
+                          <a:solidFill>
+                            <a:schemeClr val="tx1"/>
+                          </a:solidFill>
+                          <a:latin typeface="Calibri" panose="020F0502020204030204"/>
+                        </a:defRPr>
+                      </a:lvl6pPr>
+                      <a:lvl7pPr marL="2743200" algn="l" defTabSz="914400" rtl="0" eaLnBrk="1" latinLnBrk="0" hangingPunct="1">
+                        <a:defRPr sz="1800" kern="1200">
+                          <a:solidFill>
+                            <a:schemeClr val="tx1"/>
+                          </a:solidFill>
+                          <a:latin typeface="Calibri" panose="020F0502020204030204"/>
+                        </a:defRPr>
+                      </a:lvl7pPr>
+                      <a:lvl8pPr marL="3200400" algn="l" defTabSz="914400" rtl="0" eaLnBrk="1" latinLnBrk="0" hangingPunct="1">
+                        <a:defRPr sz="1800" kern="1200">
+                          <a:solidFill>
+                            <a:schemeClr val="tx1"/>
+                          </a:solidFill>
+                          <a:latin typeface="Calibri" panose="020F0502020204030204"/>
+                        </a:defRPr>
+                      </a:lvl8pPr>
+                      <a:lvl9pPr marL="3657600" algn="l" defTabSz="914400" rtl="0" eaLnBrk="1" latinLnBrk="0" hangingPunct="1">
+                        <a:defRPr sz="1800" kern="1200">
+                          <a:solidFill>
+                            <a:schemeClr val="tx1"/>
+                          </a:solidFill>
+                          <a:latin typeface="Calibri" panose="020F0502020204030204"/>
+                        </a:defRPr>
+                      </a:lvl9pPr>
+                    </a:lstStyle>
+                    <a:p>
+                      <a:pPr algn="ctr" fontAlgn="b"/>
+                      <a:r>
+                        <a:rPr lang="es-MX" sz="1400" b="1" u="none" strike="noStrike" dirty="0">
+                          <a:effectLst/>
+                        </a:rPr>
+                        <a:t>E3</a:t>
+                      </a:r>
+                      <a:endParaRPr lang="es-MX" sz="1400" b="1" i="0" u="none" strike="noStrike" dirty="0">
+                        <a:solidFill>
+                          <a:srgbClr val="000000"/>
+                        </a:solidFill>
+                        <a:effectLst/>
+                        <a:latin typeface="Calibri" panose="020F0502020204030204" pitchFamily="34" charset="0"/>
+                      </a:endParaRPr>
+                    </a:p>
+                  </a:txBody>
+                  <a:tcPr marL="9525" marR="9525" marT="9525" marB="0" anchor="ctr">
+                    <a:lnL>
+                      <a:noFill/>
+                    </a:lnL>
+                    <a:lnR>
+                      <a:noFill/>
+                    </a:lnR>
+                    <a:lnT>
+                      <a:noFill/>
+                    </a:lnT>
+                    <a:lnB w="12700" cmpd="sng">
+                      <a:solidFill>
+                        <a:srgbClr val="4472C4"/>
+                      </a:solidFill>
+                    </a:lnB>
+                    <a:lnTlToBr w="12700" cmpd="sng">
+                      <a:noFill/>
+                      <a:prstDash val="solid"/>
+                    </a:lnTlToBr>
+                    <a:lnBlToTr w="12700" cmpd="sng">
+                      <a:noFill/>
+                      <a:prstDash val="solid"/>
+                    </a:lnBlToTr>
+                    <a:noFill/>
+                  </a:tcPr>
+                </a:tc>
+                <a:extLst>
+                  <a:ext uri="{0D108BD9-81ED-4DB2-BD59-A6C34878D82A}">
+                    <a16:rowId xmlns:a16="http://schemas.microsoft.com/office/drawing/2014/main" val="817655231"/>
+                  </a:ext>
+                </a:extLst>
+              </a:tr>
+            </a:tbl>
+          </a:graphicData>
+        </a:graphic>
+      </p:graphicFrame>
+      <p:graphicFrame>
+        <p:nvGraphicFramePr>
+          <p:cNvPr id="6" name="Table 5">
+            <a:extLst>
+              <a:ext uri="{FF2B5EF4-FFF2-40B4-BE49-F238E27FC236}">
+                <a16:creationId xmlns:a16="http://schemas.microsoft.com/office/drawing/2014/main" id="{4FB6BC76-D31E-4AA9-B498-545534296D80}"/>
+              </a:ext>
+            </a:extLst>
+          </p:cNvPr>
+          <p:cNvGraphicFramePr>
+            <a:graphicFrameLocks noGrp="1"/>
+          </p:cNvGraphicFramePr>
+          <p:nvPr>
+            <p:extLst>
+              <p:ext uri="{D42A27DB-BD31-4B8C-83A1-F6EECF244321}">
+                <p14:modId xmlns:p14="http://schemas.microsoft.com/office/powerpoint/2010/main" val="3610943559"/>
+              </p:ext>
+            </p:extLst>
+          </p:nvPr>
+        </p:nvGraphicFramePr>
+        <p:xfrm>
+          <a:off x="4802932" y="5093332"/>
+          <a:ext cx="2353049" cy="891540"/>
+        </p:xfrm>
+        <a:graphic>
+          <a:graphicData uri="http://schemas.openxmlformats.org/drawingml/2006/table">
+            <a:tbl>
+              <a:tblPr/>
+              <a:tblGrid>
+                <a:gridCol w="749229">
+                  <a:extLst>
+                    <a:ext uri="{9D8B030D-6E8A-4147-A177-3AD203B41FA5}">
+                      <a16:colId xmlns:a16="http://schemas.microsoft.com/office/drawing/2014/main" val="2193336070"/>
+                    </a:ext>
+                  </a:extLst>
+                </a:gridCol>
+                <a:gridCol w="1603820">
+                  <a:extLst>
+                    <a:ext uri="{9D8B030D-6E8A-4147-A177-3AD203B41FA5}">
+                      <a16:colId xmlns:a16="http://schemas.microsoft.com/office/drawing/2014/main" val="3602694828"/>
+                    </a:ext>
+                  </a:extLst>
+                </a:gridCol>
+              </a:tblGrid>
+              <a:tr h="190500">
+                <a:tc gridSpan="2">
+                  <a:txBody>
+                    <a:bodyPr/>
+                    <a:lstStyle/>
+                    <a:p>
+                      <a:pPr algn="ctr" fontAlgn="b"/>
+                      <a:r>
+                        <a:rPr lang="es-MX" sz="1400" b="1" i="0" u="none" strike="noStrike" dirty="0">
+                          <a:solidFill>
+                            <a:schemeClr val="bg1"/>
+                          </a:solidFill>
+                          <a:effectLst/>
+                          <a:latin typeface="Calibri" panose="020F0502020204030204" pitchFamily="34" charset="0"/>
+                        </a:rPr>
+                        <a:t>RESULT</a:t>
+                      </a:r>
+                    </a:p>
+                  </a:txBody>
+                  <a:tcPr marL="9525" marR="9525" marT="9525" marB="0" anchor="ctr">
+                    <a:lnL w="6350" cap="flat" cmpd="sng" algn="ctr">
+                      <a:solidFill>
+                        <a:srgbClr val="000000"/>
+                      </a:solidFill>
+                      <a:prstDash val="solid"/>
+                      <a:round/>
+                      <a:headEnd type="none" w="med" len="med"/>
+                      <a:tailEnd type="none" w="med" len="med"/>
+                    </a:lnL>
+                    <a:lnR w="6350" cap="flat" cmpd="sng" algn="ctr">
+                      <a:solidFill>
+                        <a:srgbClr val="000000"/>
+                      </a:solidFill>
+                      <a:prstDash val="solid"/>
+                      <a:round/>
+                      <a:headEnd type="none" w="med" len="med"/>
+                      <a:tailEnd type="none" w="med" len="med"/>
+                    </a:lnR>
+                    <a:lnT w="6350" cap="flat" cmpd="sng" algn="ctr">
+                      <a:solidFill>
+                        <a:srgbClr val="000000"/>
+                      </a:solidFill>
+                      <a:prstDash val="solid"/>
+                      <a:round/>
+                      <a:headEnd type="none" w="med" len="med"/>
+                      <a:tailEnd type="none" w="med" len="med"/>
+                    </a:lnT>
+                    <a:lnB w="6350" cap="flat" cmpd="sng" algn="ctr">
+                      <a:solidFill>
+                        <a:srgbClr val="000000"/>
+                      </a:solidFill>
+                      <a:prstDash val="solid"/>
+                      <a:round/>
+                      <a:headEnd type="none" w="med" len="med"/>
+                      <a:tailEnd type="none" w="med" len="med"/>
+                    </a:lnB>
+                    <a:solidFill>
+                      <a:srgbClr val="00B0F0"/>
+                    </a:solidFill>
+                  </a:tcPr>
+                </a:tc>
+                <a:tc hMerge="1">
+                  <a:txBody>
+                    <a:bodyPr/>
+                    <a:lstStyle/>
+                    <a:p>
+                      <a:endParaRPr lang="es-MX"/>
+                    </a:p>
+                  </a:txBody>
+                  <a:tcPr/>
+                </a:tc>
+                <a:extLst>
+                  <a:ext uri="{0D108BD9-81ED-4DB2-BD59-A6C34878D82A}">
+                    <a16:rowId xmlns:a16="http://schemas.microsoft.com/office/drawing/2014/main" val="2311187"/>
+                  </a:ext>
+                </a:extLst>
+              </a:tr>
+              <a:tr h="190500">
+                <a:tc>
+                  <a:txBody>
+                    <a:bodyPr/>
+                    <a:lstStyle/>
+                    <a:p>
+                      <a:pPr algn="ctr" fontAlgn="ctr"/>
+                      <a:r>
+                        <a:rPr lang="es-MX" sz="1400" b="0" i="0" u="none" strike="noStrike">
+                          <a:solidFill>
+                            <a:srgbClr val="000000"/>
+                          </a:solidFill>
+                          <a:effectLst/>
+                          <a:latin typeface="Calibri" panose="020F0502020204030204" pitchFamily="34" charset="0"/>
+                        </a:rPr>
+                        <a:t>00</a:t>
+                      </a:r>
+                    </a:p>
+                  </a:txBody>
+                  <a:tcPr marL="9525" marR="9525" marT="9525" marB="0" anchor="ctr">
+                    <a:lnL w="6350" cap="flat" cmpd="sng" algn="ctr">
+                      <a:solidFill>
+                        <a:srgbClr val="000000"/>
+                      </a:solidFill>
+                      <a:prstDash val="solid"/>
+                      <a:round/>
+                      <a:headEnd type="none" w="med" len="med"/>
+                      <a:tailEnd type="none" w="med" len="med"/>
+                    </a:lnL>
+                    <a:lnR w="6350" cap="flat" cmpd="sng" algn="ctr">
+                      <a:solidFill>
+                        <a:srgbClr val="000000"/>
+                      </a:solidFill>
+                      <a:prstDash val="solid"/>
+                      <a:round/>
+                      <a:headEnd type="none" w="med" len="med"/>
+                      <a:tailEnd type="none" w="med" len="med"/>
+                    </a:lnR>
+                    <a:lnT w="6350" cap="flat" cmpd="sng" algn="ctr">
+                      <a:solidFill>
+                        <a:srgbClr val="000000"/>
+                      </a:solidFill>
+                      <a:prstDash val="solid"/>
+                      <a:round/>
+                      <a:headEnd type="none" w="med" len="med"/>
+                      <a:tailEnd type="none" w="med" len="med"/>
+                    </a:lnT>
+                    <a:lnB w="6350" cap="flat" cmpd="sng" algn="ctr">
+                      <a:solidFill>
+                        <a:srgbClr val="000000"/>
+                      </a:solidFill>
+                      <a:prstDash val="solid"/>
+                      <a:round/>
+                      <a:headEnd type="none" w="med" len="med"/>
+                      <a:tailEnd type="none" w="med" len="med"/>
+                    </a:lnB>
+                  </a:tcPr>
+                </a:tc>
+                <a:tc>
+                  <a:txBody>
+                    <a:bodyPr/>
+                    <a:lstStyle/>
+                    <a:p>
+                      <a:pPr algn="l" fontAlgn="b"/>
+                      <a:r>
+                        <a:rPr lang="es-MX" sz="1400" b="0" i="0" u="none" strike="noStrike" dirty="0" err="1">
+                          <a:solidFill>
+                            <a:srgbClr val="000000"/>
+                          </a:solidFill>
+                          <a:effectLst/>
+                          <a:latin typeface="Calibri" panose="020F0502020204030204" pitchFamily="34" charset="0"/>
+                        </a:rPr>
+                        <a:t>Success</a:t>
+                      </a:r>
+                      <a:endParaRPr lang="es-MX" sz="1400" b="0" i="0" u="none" strike="noStrike" dirty="0">
+                        <a:solidFill>
+                          <a:srgbClr val="000000"/>
+                        </a:solidFill>
+                        <a:effectLst/>
+                        <a:latin typeface="Calibri" panose="020F0502020204030204" pitchFamily="34" charset="0"/>
+                      </a:endParaRPr>
+                    </a:p>
+                  </a:txBody>
+                  <a:tcPr marL="9525" marR="9525" marT="9525" marB="0" anchor="ctr">
+                    <a:lnL w="6350" cap="flat" cmpd="sng" algn="ctr">
+                      <a:solidFill>
+                        <a:srgbClr val="000000"/>
+                      </a:solidFill>
+                      <a:prstDash val="solid"/>
+                      <a:round/>
+                      <a:headEnd type="none" w="med" len="med"/>
+                      <a:tailEnd type="none" w="med" len="med"/>
+                    </a:lnL>
+                    <a:lnR w="6350" cap="flat" cmpd="sng" algn="ctr">
+                      <a:solidFill>
+                        <a:srgbClr val="000000"/>
+                      </a:solidFill>
+                      <a:prstDash val="solid"/>
+                      <a:round/>
+                      <a:headEnd type="none" w="med" len="med"/>
+                      <a:tailEnd type="none" w="med" len="med"/>
+                    </a:lnR>
+                    <a:lnT w="6350" cap="flat" cmpd="sng" algn="ctr">
+                      <a:solidFill>
+                        <a:srgbClr val="000000"/>
+                      </a:solidFill>
+                      <a:prstDash val="solid"/>
+                      <a:round/>
+                      <a:headEnd type="none" w="med" len="med"/>
+                      <a:tailEnd type="none" w="med" len="med"/>
+                    </a:lnT>
+                    <a:lnB w="6350" cap="flat" cmpd="sng" algn="ctr">
+                      <a:solidFill>
+                        <a:srgbClr val="000000"/>
+                      </a:solidFill>
+                      <a:prstDash val="solid"/>
+                      <a:round/>
+                      <a:headEnd type="none" w="med" len="med"/>
+                      <a:tailEnd type="none" w="med" len="med"/>
+                    </a:lnB>
+                  </a:tcPr>
+                </a:tc>
+                <a:extLst>
+                  <a:ext uri="{0D108BD9-81ED-4DB2-BD59-A6C34878D82A}">
+                    <a16:rowId xmlns:a16="http://schemas.microsoft.com/office/drawing/2014/main" val="513253802"/>
+                  </a:ext>
+                </a:extLst>
+              </a:tr>
+              <a:tr h="190500">
+                <a:tc>
+                  <a:txBody>
+                    <a:bodyPr/>
+                    <a:lstStyle/>
+                    <a:p>
+                      <a:pPr algn="ctr" fontAlgn="ctr"/>
+                      <a:r>
+                        <a:rPr lang="es-MX" sz="1400" b="0" i="0" u="none" strike="noStrike">
+                          <a:solidFill>
+                            <a:srgbClr val="000000"/>
+                          </a:solidFill>
+                          <a:effectLst/>
+                          <a:latin typeface="Calibri" panose="020F0502020204030204" pitchFamily="34" charset="0"/>
+                        </a:rPr>
+                        <a:t>01</a:t>
+                      </a:r>
+                    </a:p>
+                  </a:txBody>
+                  <a:tcPr marL="9525" marR="9525" marT="9525" marB="0" anchor="ctr">
+                    <a:lnL w="6350" cap="flat" cmpd="sng" algn="ctr">
+                      <a:solidFill>
+                        <a:srgbClr val="000000"/>
+                      </a:solidFill>
+                      <a:prstDash val="solid"/>
+                      <a:round/>
+                      <a:headEnd type="none" w="med" len="med"/>
+                      <a:tailEnd type="none" w="med" len="med"/>
+                    </a:lnL>
+                    <a:lnR w="6350" cap="flat" cmpd="sng" algn="ctr">
+                      <a:solidFill>
+                        <a:srgbClr val="000000"/>
+                      </a:solidFill>
+                      <a:prstDash val="solid"/>
+                      <a:round/>
+                      <a:headEnd type="none" w="med" len="med"/>
+                      <a:tailEnd type="none" w="med" len="med"/>
+                    </a:lnR>
+                    <a:lnT w="6350" cap="flat" cmpd="sng" algn="ctr">
+                      <a:solidFill>
+                        <a:srgbClr val="000000"/>
+                      </a:solidFill>
+                      <a:prstDash val="solid"/>
+                      <a:round/>
+                      <a:headEnd type="none" w="med" len="med"/>
+                      <a:tailEnd type="none" w="med" len="med"/>
+                    </a:lnT>
+                    <a:lnB w="6350" cap="flat" cmpd="sng" algn="ctr">
+                      <a:solidFill>
+                        <a:srgbClr val="000000"/>
+                      </a:solidFill>
+                      <a:prstDash val="solid"/>
+                      <a:round/>
+                      <a:headEnd type="none" w="med" len="med"/>
+                      <a:tailEnd type="none" w="med" len="med"/>
+                    </a:lnB>
+                  </a:tcPr>
+                </a:tc>
+                <a:tc>
+                  <a:txBody>
+                    <a:bodyPr/>
+                    <a:lstStyle/>
+                    <a:p>
+                      <a:pPr algn="l" fontAlgn="b"/>
+                      <a:r>
+                        <a:rPr lang="es-MX" sz="1400" b="0" i="0" u="none" strike="noStrike">
+                          <a:solidFill>
+                            <a:srgbClr val="000000"/>
+                          </a:solidFill>
+                          <a:effectLst/>
+                          <a:latin typeface="Calibri" panose="020F0502020204030204" pitchFamily="34" charset="0"/>
+                        </a:rPr>
+                        <a:t>ERD is not supported</a:t>
+                      </a:r>
+                    </a:p>
+                  </a:txBody>
+                  <a:tcPr marL="9525" marR="9525" marT="9525" marB="0" anchor="ctr">
+                    <a:lnL w="6350" cap="flat" cmpd="sng" algn="ctr">
+                      <a:solidFill>
+                        <a:srgbClr val="000000"/>
+                      </a:solidFill>
+                      <a:prstDash val="solid"/>
+                      <a:round/>
+                      <a:headEnd type="none" w="med" len="med"/>
+                      <a:tailEnd type="none" w="med" len="med"/>
+                    </a:lnL>
+                    <a:lnR w="6350" cap="flat" cmpd="sng" algn="ctr">
+                      <a:solidFill>
+                        <a:srgbClr val="000000"/>
+                      </a:solidFill>
+                      <a:prstDash val="solid"/>
+                      <a:round/>
+                      <a:headEnd type="none" w="med" len="med"/>
+                      <a:tailEnd type="none" w="med" len="med"/>
+                    </a:lnR>
+                    <a:lnT w="6350" cap="flat" cmpd="sng" algn="ctr">
+                      <a:solidFill>
+                        <a:srgbClr val="000000"/>
+                      </a:solidFill>
+                      <a:prstDash val="solid"/>
+                      <a:round/>
+                      <a:headEnd type="none" w="med" len="med"/>
+                      <a:tailEnd type="none" w="med" len="med"/>
+                    </a:lnT>
+                    <a:lnB w="6350" cap="flat" cmpd="sng" algn="ctr">
+                      <a:solidFill>
+                        <a:srgbClr val="000000"/>
+                      </a:solidFill>
+                      <a:prstDash val="solid"/>
+                      <a:round/>
+                      <a:headEnd type="none" w="med" len="med"/>
+                      <a:tailEnd type="none" w="med" len="med"/>
+                    </a:lnB>
+                  </a:tcPr>
+                </a:tc>
+                <a:extLst>
+                  <a:ext uri="{0D108BD9-81ED-4DB2-BD59-A6C34878D82A}">
+                    <a16:rowId xmlns:a16="http://schemas.microsoft.com/office/drawing/2014/main" val="2715123164"/>
+                  </a:ext>
+                </a:extLst>
+              </a:tr>
+              <a:tr h="190500">
+                <a:tc>
+                  <a:txBody>
+                    <a:bodyPr/>
+                    <a:lstStyle/>
+                    <a:p>
+                      <a:pPr algn="ctr" fontAlgn="ctr"/>
+                      <a:r>
+                        <a:rPr lang="es-MX" sz="1400" b="0" i="0" u="none" strike="noStrike">
+                          <a:solidFill>
+                            <a:srgbClr val="000000"/>
+                          </a:solidFill>
+                          <a:effectLst/>
+                          <a:latin typeface="Calibri" panose="020F0502020204030204" pitchFamily="34" charset="0"/>
+                        </a:rPr>
+                        <a:t>02</a:t>
+                      </a:r>
+                    </a:p>
+                  </a:txBody>
+                  <a:tcPr marL="9525" marR="9525" marT="9525" marB="0" anchor="ctr">
+                    <a:lnL w="6350" cap="flat" cmpd="sng" algn="ctr">
+                      <a:solidFill>
+                        <a:srgbClr val="000000"/>
+                      </a:solidFill>
+                      <a:prstDash val="solid"/>
+                      <a:round/>
+                      <a:headEnd type="none" w="med" len="med"/>
+                      <a:tailEnd type="none" w="med" len="med"/>
+                    </a:lnL>
+                    <a:lnR w="6350" cap="flat" cmpd="sng" algn="ctr">
+                      <a:solidFill>
+                        <a:srgbClr val="000000"/>
+                      </a:solidFill>
+                      <a:prstDash val="solid"/>
+                      <a:round/>
+                      <a:headEnd type="none" w="med" len="med"/>
+                      <a:tailEnd type="none" w="med" len="med"/>
+                    </a:lnR>
+                    <a:lnT w="6350" cap="flat" cmpd="sng" algn="ctr">
+                      <a:solidFill>
+                        <a:srgbClr val="000000"/>
+                      </a:solidFill>
+                      <a:prstDash val="solid"/>
+                      <a:round/>
+                      <a:headEnd type="none" w="med" len="med"/>
+                      <a:tailEnd type="none" w="med" len="med"/>
+                    </a:lnT>
+                    <a:lnB w="6350" cap="flat" cmpd="sng" algn="ctr">
+                      <a:solidFill>
+                        <a:srgbClr val="000000"/>
+                      </a:solidFill>
+                      <a:prstDash val="solid"/>
+                      <a:round/>
+                      <a:headEnd type="none" w="med" len="med"/>
+                      <a:tailEnd type="none" w="med" len="med"/>
+                    </a:lnB>
+                  </a:tcPr>
+                </a:tc>
+                <a:tc>
+                  <a:txBody>
+                    <a:bodyPr/>
+                    <a:lstStyle/>
+                    <a:p>
+                      <a:pPr algn="l" fontAlgn="b"/>
+                      <a:r>
+                        <a:rPr lang="es-MX" sz="1400" b="0" i="0" u="none" strike="noStrike" dirty="0" err="1">
+                          <a:solidFill>
+                            <a:srgbClr val="000000"/>
+                          </a:solidFill>
+                          <a:effectLst/>
+                          <a:latin typeface="Calibri" panose="020F0502020204030204" pitchFamily="34" charset="0"/>
+                        </a:rPr>
+                        <a:t>Bussy</a:t>
+                      </a:r>
+                      <a:endParaRPr lang="es-MX" sz="1400" b="0" i="0" u="none" strike="noStrike" dirty="0">
+                        <a:solidFill>
+                          <a:srgbClr val="000000"/>
+                        </a:solidFill>
+                        <a:effectLst/>
+                        <a:latin typeface="Calibri" panose="020F0502020204030204" pitchFamily="34" charset="0"/>
+                      </a:endParaRPr>
+                    </a:p>
+                  </a:txBody>
+                  <a:tcPr marL="9525" marR="9525" marT="9525" marB="0" anchor="ctr">
+                    <a:lnL w="6350" cap="flat" cmpd="sng" algn="ctr">
+                      <a:solidFill>
+                        <a:srgbClr val="000000"/>
+                      </a:solidFill>
+                      <a:prstDash val="solid"/>
+                      <a:round/>
+                      <a:headEnd type="none" w="med" len="med"/>
+                      <a:tailEnd type="none" w="med" len="med"/>
+                    </a:lnL>
+                    <a:lnR w="6350" cap="flat" cmpd="sng" algn="ctr">
+                      <a:solidFill>
+                        <a:srgbClr val="000000"/>
+                      </a:solidFill>
+                      <a:prstDash val="solid"/>
+                      <a:round/>
+                      <a:headEnd type="none" w="med" len="med"/>
+                      <a:tailEnd type="none" w="med" len="med"/>
+                    </a:lnR>
+                    <a:lnT w="6350" cap="flat" cmpd="sng" algn="ctr">
+                      <a:solidFill>
+                        <a:srgbClr val="000000"/>
+                      </a:solidFill>
+                      <a:prstDash val="solid"/>
+                      <a:round/>
+                      <a:headEnd type="none" w="med" len="med"/>
+                      <a:tailEnd type="none" w="med" len="med"/>
+                    </a:lnT>
+                    <a:lnB w="6350" cap="flat" cmpd="sng" algn="ctr">
+                      <a:solidFill>
+                        <a:srgbClr val="000000"/>
+                      </a:solidFill>
+                      <a:prstDash val="solid"/>
+                      <a:round/>
+                      <a:headEnd type="none" w="med" len="med"/>
+                      <a:tailEnd type="none" w="med" len="med"/>
+                    </a:lnB>
+                  </a:tcPr>
+                </a:tc>
+                <a:extLst>
+                  <a:ext uri="{0D108BD9-81ED-4DB2-BD59-A6C34878D82A}">
+                    <a16:rowId xmlns:a16="http://schemas.microsoft.com/office/drawing/2014/main" val="3017727269"/>
+                  </a:ext>
+                </a:extLst>
+              </a:tr>
+            </a:tbl>
+          </a:graphicData>
+        </a:graphic>
+      </p:graphicFrame>
       <p:sp>
         <p:nvSpPr>
-          <p:cNvPr id="6" name="TextBox 5">
+          <p:cNvPr id="13" name="TextBox 12">
             <a:extLst>
               <a:ext uri="{FF2B5EF4-FFF2-40B4-BE49-F238E27FC236}">
-                <a16:creationId xmlns:a16="http://schemas.microsoft.com/office/drawing/2014/main" id="{DC96FE5B-A54F-42F4-A186-191941E28896}"/>
+                <a16:creationId xmlns:a16="http://schemas.microsoft.com/office/drawing/2014/main" id="{460B759A-7E4F-4E4E-ADB3-2625E933DDE5}"/>
               </a:ext>
             </a:extLst>
           </p:cNvPr>
@@ -2182,8 +7684,8 @@
         </p:nvSpPr>
         <p:spPr>
           <a:xfrm>
-            <a:off x="594139" y="1714335"/>
-            <a:ext cx="11003722" cy="1938992"/>
+            <a:off x="385481" y="3828390"/>
+            <a:ext cx="11187953" cy="967957"/>
           </a:xfrm>
           <a:prstGeom prst="rect">
             <a:avLst/>
@@ -2191,99 +7693,35 @@
           <a:noFill/>
         </p:spPr>
         <p:txBody>
-          <a:bodyPr wrap="square" lIns="0" tIns="0" rIns="0" bIns="0" rtlCol="0">
+          <a:bodyPr wrap="square" rtlCol="0">
             <a:spAutoFit/>
           </a:bodyPr>
           <a:lstStyle/>
           <a:p>
-            <a:pPr algn="just"/>
+            <a:pPr algn="just">
+              <a:lnSpc>
+                <a:spcPct val="150000"/>
+              </a:lnSpc>
+            </a:pPr>
             <a:r>
-              <a:rPr lang="es-ES_tradnl" dirty="0">
-                <a:latin typeface="Arial" panose="020B0604020202020204" pitchFamily="34" charset="0"/>
-                <a:cs typeface="Arial" panose="020B0604020202020204" pitchFamily="34" charset="0"/>
-              </a:rPr>
-              <a:t>Exceptuando los procesadores </a:t>
+              <a:rPr lang="es-MX" sz="2000" dirty="0"/>
+              <a:t>El valor del significado de </a:t>
             </a:r>
             <a:r>
-              <a:rPr lang="es-ES_tradnl" dirty="0" err="1">
-                <a:latin typeface="Arial" panose="020B0604020202020204" pitchFamily="34" charset="0"/>
-                <a:cs typeface="Arial" panose="020B0604020202020204" pitchFamily="34" charset="0"/>
-              </a:rPr>
-              <a:t>multinúcleo</a:t>
+              <a:rPr lang="es-MX" sz="2000" dirty="0" err="1"/>
+              <a:t>result</a:t>
             </a:r>
             <a:r>
-              <a:rPr lang="es-ES_tradnl" dirty="0">
-                <a:latin typeface="Arial" panose="020B0604020202020204" pitchFamily="34" charset="0"/>
-                <a:cs typeface="Arial" panose="020B0604020202020204" pitchFamily="34" charset="0"/>
-              </a:rPr>
-              <a:t>, no hay manera de que un procesador pueda ejecutar más de una tarea al mismo tiempo. No obstante, existe una manera de crear un sistema que aparente ejecutar múltiples tareas al mismo tiempo. El secreto está en dividir el tiempo del procesador para que pueda dedicar un segmento de tiempo a cada una de las tareas de forma regular.</a:t>
-            </a:r>
-          </a:p>
-          <a:p>
-            <a:pPr algn="just"/>
-            <a:endParaRPr lang="es-ES_tradnl" b="1" dirty="0">
-              <a:latin typeface="Arial" panose="020B0604020202020204" pitchFamily="34" charset="0"/>
-              <a:cs typeface="Arial" panose="020B0604020202020204" pitchFamily="34" charset="0"/>
-            </a:endParaRPr>
-          </a:p>
-          <a:p>
-            <a:pPr algn="just"/>
-            <a:r>
-              <a:rPr lang="es-ES_tradnl" b="1" i="1" dirty="0">
-                <a:latin typeface="Arial" panose="020B0604020202020204" pitchFamily="34" charset="0"/>
-                <a:cs typeface="Arial" panose="020B0604020202020204" pitchFamily="34" charset="0"/>
-              </a:rPr>
-              <a:t>Multitasking</a:t>
-            </a:r>
-            <a:r>
-              <a:rPr lang="es-ES_tradnl" i="1" dirty="0">
-                <a:latin typeface="Arial" panose="020B0604020202020204" pitchFamily="34" charset="0"/>
-                <a:cs typeface="Arial" panose="020B0604020202020204" pitchFamily="34" charset="0"/>
-              </a:rPr>
-              <a:t> es la habilidad de ejecutar múltiples tareas independientes de forma aparentemente simultánea.</a:t>
+              <a:rPr lang="es-MX" sz="2000" dirty="0"/>
+              <a:t> se puede observar en la siguiente tabla, mientras que ERD DATA SIZE, significa la cantidad de bytes que arroja DATA.</a:t>
             </a:r>
           </a:p>
         </p:txBody>
       </p:sp>
-      <p:pic>
-        <p:nvPicPr>
-          <p:cNvPr id="3" name="Imagen 2">
-            <a:extLst>
-              <a:ext uri="{FF2B5EF4-FFF2-40B4-BE49-F238E27FC236}">
-                <a16:creationId xmlns:a16="http://schemas.microsoft.com/office/drawing/2014/main" id="{DCC6ED35-0EF3-8E43-8355-BE9C7D313740}"/>
-              </a:ext>
-            </a:extLst>
-          </p:cNvPr>
-          <p:cNvPicPr>
-            <a:picLocks noChangeAspect="1"/>
-          </p:cNvPicPr>
-          <p:nvPr/>
-        </p:nvPicPr>
-        <p:blipFill rotWithShape="1">
-          <a:blip r:embed="rId2" cstate="email">
-            <a:extLst>
-              <a:ext uri="{28A0092B-C50C-407E-A947-70E740481C1C}">
-                <a14:useLocalDpi xmlns:a14="http://schemas.microsoft.com/office/drawing/2010/main"/>
-              </a:ext>
-            </a:extLst>
-          </a:blip>
-          <a:srcRect/>
-          <a:stretch/>
-        </p:blipFill>
-        <p:spPr>
-          <a:xfrm>
-            <a:off x="4302510" y="3653842"/>
-            <a:ext cx="3586980" cy="2743200"/>
-          </a:xfrm>
-          <a:prstGeom prst="rect">
-            <a:avLst/>
-          </a:prstGeom>
-        </p:spPr>
-      </p:pic>
     </p:spTree>
     <p:extLst>
       <p:ext uri="{BB962C8B-B14F-4D97-AF65-F5344CB8AC3E}">
-        <p14:creationId xmlns:p14="http://schemas.microsoft.com/office/powerpoint/2010/main" val="2664878881"/>
+        <p14:creationId xmlns:p14="http://schemas.microsoft.com/office/powerpoint/2010/main" val="3395422764"/>
       </p:ext>
     </p:extLst>
   </p:cSld>
@@ -2310,813 +7748,10 @@
           <a:chExt cx="0" cy="0"/>
         </a:xfrm>
       </p:grpSpPr>
-      <p:sp>
-        <p:nvSpPr>
-          <p:cNvPr id="4" name="TextBox 5">
-            <a:extLst>
-              <a:ext uri="{FF2B5EF4-FFF2-40B4-BE49-F238E27FC236}">
-                <a16:creationId xmlns:a16="http://schemas.microsoft.com/office/drawing/2014/main" id="{53064DBB-D0CB-744E-89AF-0CB766007D5A}"/>
-              </a:ext>
-            </a:extLst>
-          </p:cNvPr>
-          <p:cNvSpPr txBox="1"/>
-          <p:nvPr/>
-        </p:nvSpPr>
-        <p:spPr>
-          <a:xfrm>
-            <a:off x="594139" y="930046"/>
-            <a:ext cx="11003722" cy="5539978"/>
-          </a:xfrm>
-          <a:prstGeom prst="rect">
-            <a:avLst/>
-          </a:prstGeom>
-          <a:noFill/>
-        </p:spPr>
-        <p:txBody>
-          <a:bodyPr wrap="square" lIns="0" tIns="0" rIns="0" bIns="0" rtlCol="0">
-            <a:spAutoFit/>
-          </a:bodyPr>
-          <a:lstStyle/>
-          <a:p>
-            <a:pPr algn="just"/>
-            <a:r>
-              <a:rPr lang="es-ES_tradnl" dirty="0">
-                <a:latin typeface="Arial" panose="020B0604020202020204" pitchFamily="34" charset="0"/>
-                <a:cs typeface="Arial" panose="020B0604020202020204" pitchFamily="34" charset="0"/>
-              </a:rPr>
-              <a:t>Como una analogía, considere la cocina de un restaurante muy concurrido. El chef (procesador) es el que se encarga de coordinar las tareas para cada cocinero (periféricos), que a su vez se encargan de preparar los  platillos (tareas) que le correspondan según su área (contexto).</a:t>
-            </a:r>
-          </a:p>
-          <a:p>
-            <a:pPr algn="just"/>
-            <a:endParaRPr lang="es-ES_tradnl" dirty="0">
-              <a:latin typeface="Arial" panose="020B0604020202020204" pitchFamily="34" charset="0"/>
-              <a:cs typeface="Arial" panose="020B0604020202020204" pitchFamily="34" charset="0"/>
-            </a:endParaRPr>
-          </a:p>
-          <a:p>
-            <a:pPr algn="just"/>
-            <a:r>
-              <a:rPr lang="es-ES_tradnl" dirty="0">
-                <a:latin typeface="Arial" panose="020B0604020202020204" pitchFamily="34" charset="0"/>
-                <a:cs typeface="Arial" panose="020B0604020202020204" pitchFamily="34" charset="0"/>
-              </a:rPr>
-              <a:t>Debido a la afluencia del restaurante, si el chef decidiera concentrar toda su atención en el área de asados, dejaría descuidada las áreas de salsas, repostería, mariscos, etc. Lo que ocasionaría retrasos en las entregas y quejas de los comensales. Para evitarlo, el chef decide ir alternando su atención entre las distintas recetas que cada cocinero se encuentra preparando, para supervisar que cada una de ellas se realice correctamente.</a:t>
-            </a:r>
-          </a:p>
-          <a:p>
-            <a:pPr algn="just"/>
-            <a:endParaRPr lang="es-ES_tradnl" dirty="0">
-              <a:latin typeface="Arial" panose="020B0604020202020204" pitchFamily="34" charset="0"/>
-              <a:cs typeface="Arial" panose="020B0604020202020204" pitchFamily="34" charset="0"/>
-            </a:endParaRPr>
-          </a:p>
-          <a:p>
-            <a:pPr algn="just"/>
-            <a:endParaRPr lang="es-ES_tradnl" dirty="0">
-              <a:latin typeface="Arial" panose="020B0604020202020204" pitchFamily="34" charset="0"/>
-              <a:cs typeface="Arial" panose="020B0604020202020204" pitchFamily="34" charset="0"/>
-            </a:endParaRPr>
-          </a:p>
-          <a:p>
-            <a:pPr algn="just"/>
-            <a:endParaRPr lang="es-ES_tradnl" dirty="0">
-              <a:latin typeface="Arial" panose="020B0604020202020204" pitchFamily="34" charset="0"/>
-              <a:cs typeface="Arial" panose="020B0604020202020204" pitchFamily="34" charset="0"/>
-            </a:endParaRPr>
-          </a:p>
-          <a:p>
-            <a:pPr algn="just"/>
-            <a:endParaRPr lang="es-ES_tradnl" dirty="0">
-              <a:latin typeface="Arial" panose="020B0604020202020204" pitchFamily="34" charset="0"/>
-              <a:cs typeface="Arial" panose="020B0604020202020204" pitchFamily="34" charset="0"/>
-            </a:endParaRPr>
-          </a:p>
-          <a:p>
-            <a:pPr algn="just"/>
-            <a:endParaRPr lang="es-ES_tradnl" dirty="0">
-              <a:latin typeface="Arial" panose="020B0604020202020204" pitchFamily="34" charset="0"/>
-              <a:cs typeface="Arial" panose="020B0604020202020204" pitchFamily="34" charset="0"/>
-            </a:endParaRPr>
-          </a:p>
-          <a:p>
-            <a:pPr algn="just"/>
-            <a:endParaRPr lang="es-ES_tradnl" dirty="0">
-              <a:latin typeface="Arial" panose="020B0604020202020204" pitchFamily="34" charset="0"/>
-              <a:cs typeface="Arial" panose="020B0604020202020204" pitchFamily="34" charset="0"/>
-            </a:endParaRPr>
-          </a:p>
-          <a:p>
-            <a:pPr algn="just"/>
-            <a:endParaRPr lang="es-ES_tradnl" dirty="0">
-              <a:latin typeface="Arial" panose="020B0604020202020204" pitchFamily="34" charset="0"/>
-              <a:cs typeface="Arial" panose="020B0604020202020204" pitchFamily="34" charset="0"/>
-            </a:endParaRPr>
-          </a:p>
-          <a:p>
-            <a:pPr algn="just"/>
-            <a:endParaRPr lang="es-ES_tradnl" dirty="0">
-              <a:latin typeface="Arial" panose="020B0604020202020204" pitchFamily="34" charset="0"/>
-              <a:cs typeface="Arial" panose="020B0604020202020204" pitchFamily="34" charset="0"/>
-            </a:endParaRPr>
-          </a:p>
-          <a:p>
-            <a:pPr algn="just"/>
-            <a:endParaRPr lang="es-ES_tradnl" dirty="0">
-              <a:latin typeface="Arial" panose="020B0604020202020204" pitchFamily="34" charset="0"/>
-              <a:cs typeface="Arial" panose="020B0604020202020204" pitchFamily="34" charset="0"/>
-            </a:endParaRPr>
-          </a:p>
-          <a:p>
-            <a:pPr algn="just"/>
-            <a:endParaRPr lang="es-ES_tradnl" dirty="0">
-              <a:latin typeface="Arial" panose="020B0604020202020204" pitchFamily="34" charset="0"/>
-              <a:cs typeface="Arial" panose="020B0604020202020204" pitchFamily="34" charset="0"/>
-            </a:endParaRPr>
-          </a:p>
-          <a:p>
-            <a:pPr algn="just"/>
-            <a:endParaRPr lang="es-ES_tradnl" dirty="0">
-              <a:latin typeface="Arial" panose="020B0604020202020204" pitchFamily="34" charset="0"/>
-              <a:cs typeface="Arial" panose="020B0604020202020204" pitchFamily="34" charset="0"/>
-            </a:endParaRPr>
-          </a:p>
-        </p:txBody>
-      </p:sp>
-      <p:pic>
-        <p:nvPicPr>
-          <p:cNvPr id="2052" name="Picture 4">
-            <a:extLst>
-              <a:ext uri="{FF2B5EF4-FFF2-40B4-BE49-F238E27FC236}">
-                <a16:creationId xmlns:a16="http://schemas.microsoft.com/office/drawing/2014/main" id="{561488D4-7D34-B64C-867F-27E6B5F325DB}"/>
-              </a:ext>
-            </a:extLst>
-          </p:cNvPr>
-          <p:cNvPicPr>
-            <a:picLocks noChangeAspect="1" noChangeArrowheads="1"/>
-          </p:cNvPicPr>
-          <p:nvPr/>
-        </p:nvPicPr>
-        <p:blipFill>
-          <a:blip r:embed="rId2" cstate="email">
-            <a:extLst>
-              <a:ext uri="{28A0092B-C50C-407E-A947-70E740481C1C}">
-                <a14:useLocalDpi xmlns:a14="http://schemas.microsoft.com/office/drawing/2010/main"/>
-              </a:ext>
-            </a:extLst>
-          </a:blip>
-          <a:srcRect/>
-          <a:stretch>
-            <a:fillRect/>
-          </a:stretch>
-        </p:blipFill>
-        <p:spPr bwMode="auto">
-          <a:xfrm>
-            <a:off x="3663750" y="3429000"/>
-            <a:ext cx="4864500" cy="3240000"/>
-          </a:xfrm>
-          <a:prstGeom prst="rect">
-            <a:avLst/>
-          </a:prstGeom>
-          <a:noFill/>
-          <a:extLst>
-            <a:ext uri="{909E8E84-426E-40DD-AFC4-6F175D3DCCD1}">
-              <a14:hiddenFill xmlns:a14="http://schemas.microsoft.com/office/drawing/2010/main">
-                <a:solidFill>
-                  <a:srgbClr val="FFFFFF"/>
-                </a:solidFill>
-              </a14:hiddenFill>
-            </a:ext>
-          </a:extLst>
-        </p:spPr>
-      </p:pic>
     </p:spTree>
     <p:extLst>
       <p:ext uri="{BB962C8B-B14F-4D97-AF65-F5344CB8AC3E}">
-        <p14:creationId xmlns:p14="http://schemas.microsoft.com/office/powerpoint/2010/main" val="1713224193"/>
-      </p:ext>
-    </p:extLst>
-  </p:cSld>
-  <p:clrMapOvr>
-    <a:masterClrMapping/>
-  </p:clrMapOvr>
-</p:sld>
-</file>
-
-<file path=ppt/slides/slide5.xml><?xml version="1.0" encoding="utf-8"?>
-<p:sld xmlns:a="http://schemas.openxmlformats.org/drawingml/2006/main" xmlns:r="http://schemas.openxmlformats.org/officeDocument/2006/relationships" xmlns:p="http://schemas.openxmlformats.org/presentationml/2006/main">
-  <p:cSld>
-    <p:spTree>
-      <p:nvGrpSpPr>
-        <p:cNvPr id="1" name=""/>
-        <p:cNvGrpSpPr/>
-        <p:nvPr/>
-      </p:nvGrpSpPr>
-      <p:grpSpPr>
-        <a:xfrm>
-          <a:off x="0" y="0"/>
-          <a:ext cx="0" cy="0"/>
-          <a:chOff x="0" y="0"/>
-          <a:chExt cx="0" cy="0"/>
-        </a:xfrm>
-      </p:grpSpPr>
-      <p:sp>
-        <p:nvSpPr>
-          <p:cNvPr id="2" name="TextBox 5">
-            <a:extLst>
-              <a:ext uri="{FF2B5EF4-FFF2-40B4-BE49-F238E27FC236}">
-                <a16:creationId xmlns:a16="http://schemas.microsoft.com/office/drawing/2014/main" id="{4BFDFBD8-5D7F-B841-8FC2-9167EEAFDC2A}"/>
-              </a:ext>
-            </a:extLst>
-          </p:cNvPr>
-          <p:cNvSpPr txBox="1"/>
-          <p:nvPr/>
-        </p:nvSpPr>
-        <p:spPr>
-          <a:xfrm>
-            <a:off x="594138" y="903669"/>
-            <a:ext cx="11003722" cy="3877985"/>
-          </a:xfrm>
-          <a:prstGeom prst="rect">
-            <a:avLst/>
-          </a:prstGeom>
-          <a:noFill/>
-        </p:spPr>
-        <p:txBody>
-          <a:bodyPr wrap="square" lIns="0" tIns="0" rIns="0" bIns="0" rtlCol="0">
-            <a:spAutoFit/>
-          </a:bodyPr>
-          <a:lstStyle/>
-          <a:p>
-            <a:pPr algn="just"/>
-            <a:r>
-              <a:rPr lang="es-ES_tradnl" dirty="0">
-                <a:latin typeface="Arial" panose="020B0604020202020204" pitchFamily="34" charset="0"/>
-                <a:cs typeface="Arial" panose="020B0604020202020204" pitchFamily="34" charset="0"/>
-              </a:rPr>
-              <a:t>Cuando un procesador está ejecutando un programa, muchos registros contienen datos asociados a la ejecución. Para que el programa funcione correctamente, cada uno de éstos registros deben tener el dato correcto y cualquier cambio causado por la ejecución del programa debe de ser salvado.</a:t>
-            </a:r>
-            <a:br>
-              <a:rPr lang="es-ES_tradnl" dirty="0">
-                <a:latin typeface="Arial" panose="020B0604020202020204" pitchFamily="34" charset="0"/>
-                <a:cs typeface="Arial" panose="020B0604020202020204" pitchFamily="34" charset="0"/>
-              </a:rPr>
-            </a:br>
-            <a:br>
-              <a:rPr lang="es-ES_tradnl" dirty="0">
-                <a:latin typeface="Arial" panose="020B0604020202020204" pitchFamily="34" charset="0"/>
-                <a:cs typeface="Arial" panose="020B0604020202020204" pitchFamily="34" charset="0"/>
-              </a:rPr>
-            </a:br>
-            <a:r>
-              <a:rPr lang="es-ES_tradnl" dirty="0">
-                <a:latin typeface="Arial" panose="020B0604020202020204" pitchFamily="34" charset="0"/>
-                <a:cs typeface="Arial" panose="020B0604020202020204" pitchFamily="34" charset="0"/>
-              </a:rPr>
-              <a:t>Del mismo modo que el chef necesita alternar su atención entre cada cocinero, para saber en que estado se encuentran la preparación de cada platillo, cuando las tareas en un procesador son ejecutadas en modo multitasking, es necesario intercambiar toda esa información o contexto, cada que el programa cambia de una tarea a otra.</a:t>
-            </a:r>
-          </a:p>
-          <a:p>
-            <a:pPr algn="just"/>
-            <a:endParaRPr lang="es-ES_tradnl" dirty="0">
-              <a:latin typeface="Arial" panose="020B0604020202020204" pitchFamily="34" charset="0"/>
-              <a:cs typeface="Arial" panose="020B0604020202020204" pitchFamily="34" charset="0"/>
-            </a:endParaRPr>
-          </a:p>
-          <a:p>
-            <a:pPr algn="just"/>
-            <a:r>
-              <a:rPr lang="es-ES_tradnl" sz="1800" b="1" i="1" dirty="0">
-                <a:latin typeface="Arial" panose="020B0604020202020204" pitchFamily="34" charset="0"/>
-                <a:cs typeface="Arial" panose="020B0604020202020204" pitchFamily="34" charset="0"/>
-              </a:rPr>
-              <a:t>Contexto</a:t>
-            </a:r>
-            <a:r>
-              <a:rPr lang="es-ES_tradnl" sz="1800" i="1" dirty="0">
-                <a:latin typeface="Arial" panose="020B0604020202020204" pitchFamily="34" charset="0"/>
-                <a:cs typeface="Arial" panose="020B0604020202020204" pitchFamily="34" charset="0"/>
-              </a:rPr>
-              <a:t> es el conjunto de datos asociados a la ejecución de una tarea.</a:t>
-            </a:r>
-          </a:p>
-          <a:p>
-            <a:pPr algn="just"/>
-            <a:endParaRPr lang="es-ES_tradnl" i="1" dirty="0">
-              <a:latin typeface="Arial" panose="020B0604020202020204" pitchFamily="34" charset="0"/>
-              <a:cs typeface="Arial" panose="020B0604020202020204" pitchFamily="34" charset="0"/>
-            </a:endParaRPr>
-          </a:p>
-          <a:p>
-            <a:pPr algn="just"/>
-            <a:r>
-              <a:rPr lang="es-ES_tradnl" b="1" i="1" dirty="0" err="1">
-                <a:latin typeface="Arial" panose="020B0604020202020204" pitchFamily="34" charset="0"/>
-                <a:cs typeface="Arial" panose="020B0604020202020204" pitchFamily="34" charset="0"/>
-              </a:rPr>
-              <a:t>Context</a:t>
-            </a:r>
-            <a:r>
-              <a:rPr lang="es-ES_tradnl" b="1" i="1" dirty="0">
-                <a:latin typeface="Arial" panose="020B0604020202020204" pitchFamily="34" charset="0"/>
-                <a:cs typeface="Arial" panose="020B0604020202020204" pitchFamily="34" charset="0"/>
-              </a:rPr>
-              <a:t> </a:t>
-            </a:r>
-            <a:r>
-              <a:rPr lang="es-ES_tradnl" b="1" i="1" dirty="0" err="1">
-                <a:latin typeface="Arial" panose="020B0604020202020204" pitchFamily="34" charset="0"/>
-                <a:cs typeface="Arial" panose="020B0604020202020204" pitchFamily="34" charset="0"/>
-              </a:rPr>
-              <a:t>switcher</a:t>
-            </a:r>
-            <a:r>
-              <a:rPr lang="es-ES_tradnl" b="1" i="1" dirty="0">
-                <a:latin typeface="Arial" panose="020B0604020202020204" pitchFamily="34" charset="0"/>
-                <a:cs typeface="Arial" panose="020B0604020202020204" pitchFamily="34" charset="0"/>
-              </a:rPr>
-              <a:t> </a:t>
-            </a:r>
-            <a:r>
-              <a:rPr lang="es-ES_tradnl" i="1" dirty="0">
-                <a:latin typeface="Arial" panose="020B0604020202020204" pitchFamily="34" charset="0"/>
-                <a:cs typeface="Arial" panose="020B0604020202020204" pitchFamily="34" charset="0"/>
-              </a:rPr>
-              <a:t>es el componente de un sistema multitasking responsable de guardar el estado de la tarea actual y de restaurar el estado, previamente guardado, de la siguiente tarea.</a:t>
-            </a:r>
-            <a:endParaRPr lang="es-ES_tradnl" b="1" i="1" dirty="0">
-              <a:latin typeface="Arial" panose="020B0604020202020204" pitchFamily="34" charset="0"/>
-              <a:cs typeface="Arial" panose="020B0604020202020204" pitchFamily="34" charset="0"/>
-            </a:endParaRPr>
-          </a:p>
-          <a:p>
-            <a:pPr algn="just"/>
-            <a:endParaRPr lang="es-ES_tradnl" sz="1800" i="1" dirty="0">
-              <a:latin typeface="Arial" panose="020B0604020202020204" pitchFamily="34" charset="0"/>
-              <a:cs typeface="Arial" panose="020B0604020202020204" pitchFamily="34" charset="0"/>
-            </a:endParaRPr>
-          </a:p>
-        </p:txBody>
-      </p:sp>
-      <p:pic>
-        <p:nvPicPr>
-          <p:cNvPr id="1026" name="Picture 2">
-            <a:extLst>
-              <a:ext uri="{FF2B5EF4-FFF2-40B4-BE49-F238E27FC236}">
-                <a16:creationId xmlns:a16="http://schemas.microsoft.com/office/drawing/2014/main" id="{BAD78A7C-9A6A-E744-BA9D-B5B0E8673B50}"/>
-              </a:ext>
-            </a:extLst>
-          </p:cNvPr>
-          <p:cNvPicPr>
-            <a:picLocks noChangeAspect="1" noChangeArrowheads="1"/>
-          </p:cNvPicPr>
-          <p:nvPr/>
-        </p:nvPicPr>
-        <p:blipFill rotWithShape="1">
-          <a:blip r:embed="rId2" cstate="email">
-            <a:extLst>
-              <a:ext uri="{28A0092B-C50C-407E-A947-70E740481C1C}">
-                <a14:useLocalDpi xmlns:a14="http://schemas.microsoft.com/office/drawing/2010/main"/>
-              </a:ext>
-            </a:extLst>
-          </a:blip>
-          <a:srcRect/>
-          <a:stretch/>
-        </p:blipFill>
-        <p:spPr bwMode="auto">
-          <a:xfrm>
-            <a:off x="5085879" y="4781654"/>
-            <a:ext cx="2020240" cy="1800000"/>
-          </a:xfrm>
-          <a:prstGeom prst="rect">
-            <a:avLst/>
-          </a:prstGeom>
-          <a:noFill/>
-          <a:extLst>
-            <a:ext uri="{909E8E84-426E-40DD-AFC4-6F175D3DCCD1}">
-              <a14:hiddenFill xmlns:a14="http://schemas.microsoft.com/office/drawing/2010/main">
-                <a:solidFill>
-                  <a:srgbClr val="FFFFFF"/>
-                </a:solidFill>
-              </a14:hiddenFill>
-            </a:ext>
-          </a:extLst>
-        </p:spPr>
-      </p:pic>
-    </p:spTree>
-    <p:extLst>
-      <p:ext uri="{BB962C8B-B14F-4D97-AF65-F5344CB8AC3E}">
-        <p14:creationId xmlns:p14="http://schemas.microsoft.com/office/powerpoint/2010/main" val="225539685"/>
-      </p:ext>
-    </p:extLst>
-  </p:cSld>
-  <p:clrMapOvr>
-    <a:masterClrMapping/>
-  </p:clrMapOvr>
-</p:sld>
-</file>
-
-<file path=ppt/slides/slide6.xml><?xml version="1.0" encoding="utf-8"?>
-<p:sld xmlns:a="http://schemas.openxmlformats.org/drawingml/2006/main" xmlns:r="http://schemas.openxmlformats.org/officeDocument/2006/relationships" xmlns:p="http://schemas.openxmlformats.org/presentationml/2006/main">
-  <p:cSld>
-    <p:spTree>
-      <p:nvGrpSpPr>
-        <p:cNvPr id="1" name=""/>
-        <p:cNvGrpSpPr/>
-        <p:nvPr/>
-      </p:nvGrpSpPr>
-      <p:grpSpPr>
-        <a:xfrm>
-          <a:off x="0" y="0"/>
-          <a:ext cx="0" cy="0"/>
-          <a:chOff x="0" y="0"/>
-          <a:chExt cx="0" cy="0"/>
-        </a:xfrm>
-      </p:grpSpPr>
-      <p:sp>
-        <p:nvSpPr>
-          <p:cNvPr id="5" name="TextBox 5">
-            <a:extLst>
-              <a:ext uri="{FF2B5EF4-FFF2-40B4-BE49-F238E27FC236}">
-                <a16:creationId xmlns:a16="http://schemas.microsoft.com/office/drawing/2014/main" id="{6D94F040-E15B-2D46-B2C2-B5E165F80282}"/>
-              </a:ext>
-            </a:extLst>
-          </p:cNvPr>
-          <p:cNvSpPr txBox="1"/>
-          <p:nvPr/>
-        </p:nvSpPr>
-        <p:spPr>
-          <a:xfrm>
-            <a:off x="594138" y="921253"/>
-            <a:ext cx="11003722" cy="3323987"/>
-          </a:xfrm>
-          <a:prstGeom prst="rect">
-            <a:avLst/>
-          </a:prstGeom>
-          <a:noFill/>
-        </p:spPr>
-        <p:txBody>
-          <a:bodyPr wrap="square" lIns="0" tIns="0" rIns="0" bIns="0" rtlCol="0">
-            <a:spAutoFit/>
-          </a:bodyPr>
-          <a:lstStyle/>
-          <a:p>
-            <a:pPr algn="just"/>
-            <a:r>
-              <a:rPr lang="es-ES_tradnl" dirty="0">
-                <a:latin typeface="Arial" panose="020B0604020202020204" pitchFamily="34" charset="0"/>
-                <a:cs typeface="Arial" panose="020B0604020202020204" pitchFamily="34" charset="0"/>
-              </a:rPr>
-              <a:t>Otro requisito de un sistema multitarea es la capacidad de las distintas tareas del sistema para comunicarse entre sí de forma fiable. Retomando nuestra analogía del restaurante, considere que para la preparación de dos platillos se requiere el uso de un mismo horno, debido a esto, el chef debe priorizar un platillo sobre el otro (manejo de prioridades), ya que no es viable usar al mismo tiempo el mismo horno, para ello el chef debe dar indicaciones claras y precisas (comunicación inter-tareas) a sus cocineros para evitar contratiempos.</a:t>
-            </a:r>
-          </a:p>
-          <a:p>
-            <a:pPr algn="just"/>
-            <a:endParaRPr lang="es-ES_tradnl" b="1" dirty="0">
-              <a:latin typeface="Arial" panose="020B0604020202020204" pitchFamily="34" charset="0"/>
-              <a:cs typeface="Arial" panose="020B0604020202020204" pitchFamily="34" charset="0"/>
-            </a:endParaRPr>
-          </a:p>
-          <a:p>
-            <a:pPr algn="just"/>
-            <a:r>
-              <a:rPr lang="es-ES_tradnl" b="1" i="1" dirty="0">
-                <a:latin typeface="Arial" panose="020B0604020202020204" pitchFamily="34" charset="0"/>
-                <a:cs typeface="Arial" panose="020B0604020202020204" pitchFamily="34" charset="0"/>
-              </a:rPr>
-              <a:t>Manejo de prioridades </a:t>
-            </a:r>
-            <a:r>
-              <a:rPr lang="es-ES_tradnl" i="1" dirty="0">
-                <a:latin typeface="Arial" panose="020B0604020202020204" pitchFamily="34" charset="0"/>
-                <a:cs typeface="Arial" panose="020B0604020202020204" pitchFamily="34" charset="0"/>
-              </a:rPr>
-              <a:t>es la acción que determina cuál tarea deberá ser la siguiente en la fila para su ejecución.</a:t>
-            </a:r>
-          </a:p>
-          <a:p>
-            <a:pPr algn="just"/>
-            <a:endParaRPr lang="es-ES_tradnl" b="1" dirty="0">
-              <a:latin typeface="Arial" panose="020B0604020202020204" pitchFamily="34" charset="0"/>
-              <a:cs typeface="Arial" panose="020B0604020202020204" pitchFamily="34" charset="0"/>
-            </a:endParaRPr>
-          </a:p>
-          <a:p>
-            <a:pPr algn="just"/>
-            <a:r>
-              <a:rPr lang="es-ES_tradnl" b="1" i="1" dirty="0">
-                <a:latin typeface="Arial" panose="020B0604020202020204" pitchFamily="34" charset="0"/>
-                <a:cs typeface="Arial" panose="020B0604020202020204" pitchFamily="34" charset="0"/>
-              </a:rPr>
-              <a:t>Comunicación inter-tareas</a:t>
-            </a:r>
-            <a:r>
-              <a:rPr lang="es-ES_tradnl" i="1" dirty="0">
-                <a:latin typeface="Arial" panose="020B0604020202020204" pitchFamily="34" charset="0"/>
-                <a:cs typeface="Arial" panose="020B0604020202020204" pitchFamily="34" charset="0"/>
-              </a:rPr>
-              <a:t> es el mecanismo por el cuál las tareas intercambian información y coordinan sus actividades en un sistema multitasking.</a:t>
-            </a:r>
-          </a:p>
-        </p:txBody>
-      </p:sp>
-      <p:pic>
-        <p:nvPicPr>
-          <p:cNvPr id="3076" name="Picture 4">
-            <a:extLst>
-              <a:ext uri="{FF2B5EF4-FFF2-40B4-BE49-F238E27FC236}">
-                <a16:creationId xmlns:a16="http://schemas.microsoft.com/office/drawing/2014/main" id="{A299B97A-BF8B-1948-B213-529855A04CA1}"/>
-              </a:ext>
-            </a:extLst>
-          </p:cNvPr>
-          <p:cNvPicPr>
-            <a:picLocks noChangeAspect="1" noChangeArrowheads="1"/>
-          </p:cNvPicPr>
-          <p:nvPr/>
-        </p:nvPicPr>
-        <p:blipFill>
-          <a:blip r:embed="rId2" cstate="email">
-            <a:extLst>
-              <a:ext uri="{28A0092B-C50C-407E-A947-70E740481C1C}">
-                <a14:useLocalDpi xmlns:a14="http://schemas.microsoft.com/office/drawing/2010/main"/>
-              </a:ext>
-            </a:extLst>
-          </a:blip>
-          <a:srcRect/>
-          <a:stretch>
-            <a:fillRect/>
-          </a:stretch>
-        </p:blipFill>
-        <p:spPr bwMode="auto">
-          <a:xfrm>
-            <a:off x="4476250" y="4403502"/>
-            <a:ext cx="3239499" cy="2160000"/>
-          </a:xfrm>
-          <a:prstGeom prst="rect">
-            <a:avLst/>
-          </a:prstGeom>
-          <a:noFill/>
-          <a:extLst>
-            <a:ext uri="{909E8E84-426E-40DD-AFC4-6F175D3DCCD1}">
-              <a14:hiddenFill xmlns:a14="http://schemas.microsoft.com/office/drawing/2010/main">
-                <a:solidFill>
-                  <a:srgbClr val="FFFFFF"/>
-                </a:solidFill>
-              </a14:hiddenFill>
-            </a:ext>
-          </a:extLst>
-        </p:spPr>
-      </p:pic>
-    </p:spTree>
-    <p:extLst>
-      <p:ext uri="{BB962C8B-B14F-4D97-AF65-F5344CB8AC3E}">
-        <p14:creationId xmlns:p14="http://schemas.microsoft.com/office/powerpoint/2010/main" val="1580002274"/>
-      </p:ext>
-    </p:extLst>
-  </p:cSld>
-  <p:clrMapOvr>
-    <a:masterClrMapping/>
-  </p:clrMapOvr>
-</p:sld>
-</file>
-
-<file path=ppt/slides/slide7.xml><?xml version="1.0" encoding="utf-8"?>
-<p:sld xmlns:a="http://schemas.openxmlformats.org/drawingml/2006/main" xmlns:r="http://schemas.openxmlformats.org/officeDocument/2006/relationships" xmlns:p="http://schemas.openxmlformats.org/presentationml/2006/main">
-  <p:cSld>
-    <p:spTree>
-      <p:nvGrpSpPr>
-        <p:cNvPr id="1" name=""/>
-        <p:cNvGrpSpPr/>
-        <p:nvPr/>
-      </p:nvGrpSpPr>
-      <p:grpSpPr>
-        <a:xfrm>
-          <a:off x="0" y="0"/>
-          <a:ext cx="0" cy="0"/>
-          <a:chOff x="0" y="0"/>
-          <a:chExt cx="0" cy="0"/>
-        </a:xfrm>
-      </p:grpSpPr>
-      <p:sp>
-        <p:nvSpPr>
-          <p:cNvPr id="2" name="TextBox 5">
-            <a:extLst>
-              <a:ext uri="{FF2B5EF4-FFF2-40B4-BE49-F238E27FC236}">
-                <a16:creationId xmlns:a16="http://schemas.microsoft.com/office/drawing/2014/main" id="{A207642D-DF00-C54D-B20C-B4725A3D5C42}"/>
-              </a:ext>
-            </a:extLst>
-          </p:cNvPr>
-          <p:cNvSpPr txBox="1"/>
-          <p:nvPr/>
-        </p:nvSpPr>
-        <p:spPr>
-          <a:xfrm>
-            <a:off x="594139" y="1068139"/>
-            <a:ext cx="11003722" cy="3323987"/>
-          </a:xfrm>
-          <a:prstGeom prst="rect">
-            <a:avLst/>
-          </a:prstGeom>
-          <a:noFill/>
-        </p:spPr>
-        <p:txBody>
-          <a:bodyPr wrap="square" lIns="0" tIns="0" rIns="0" bIns="0" rtlCol="0">
-            <a:spAutoFit/>
-          </a:bodyPr>
-          <a:lstStyle/>
-          <a:p>
-            <a:pPr algn="just"/>
-            <a:endParaRPr lang="es-ES_tradnl" dirty="0">
-              <a:latin typeface="Arial" panose="020B0604020202020204" pitchFamily="34" charset="0"/>
-              <a:cs typeface="Arial" panose="020B0604020202020204" pitchFamily="34" charset="0"/>
-            </a:endParaRPr>
-          </a:p>
-          <a:p>
-            <a:pPr algn="just"/>
-            <a:endParaRPr lang="es-ES_tradnl" dirty="0">
-              <a:latin typeface="Arial" panose="020B0604020202020204" pitchFamily="34" charset="0"/>
-              <a:cs typeface="Arial" panose="020B0604020202020204" pitchFamily="34" charset="0"/>
-            </a:endParaRPr>
-          </a:p>
-          <a:p>
-            <a:pPr algn="just"/>
-            <a:endParaRPr lang="es-ES_tradnl" dirty="0">
-              <a:latin typeface="Arial" panose="020B0604020202020204" pitchFamily="34" charset="0"/>
-              <a:cs typeface="Arial" panose="020B0604020202020204" pitchFamily="34" charset="0"/>
-            </a:endParaRPr>
-          </a:p>
-          <a:p>
-            <a:pPr algn="just"/>
-            <a:endParaRPr lang="es-ES_tradnl" dirty="0">
-              <a:latin typeface="Arial" panose="020B0604020202020204" pitchFamily="34" charset="0"/>
-              <a:cs typeface="Arial" panose="020B0604020202020204" pitchFamily="34" charset="0"/>
-            </a:endParaRPr>
-          </a:p>
-          <a:p>
-            <a:pPr algn="just"/>
-            <a:endParaRPr lang="es-ES_tradnl" dirty="0">
-              <a:latin typeface="Arial" panose="020B0604020202020204" pitchFamily="34" charset="0"/>
-              <a:cs typeface="Arial" panose="020B0604020202020204" pitchFamily="34" charset="0"/>
-            </a:endParaRPr>
-          </a:p>
-          <a:p>
-            <a:pPr algn="just"/>
-            <a:endParaRPr lang="es-ES_tradnl" dirty="0">
-              <a:latin typeface="Arial" panose="020B0604020202020204" pitchFamily="34" charset="0"/>
-              <a:cs typeface="Arial" panose="020B0604020202020204" pitchFamily="34" charset="0"/>
-            </a:endParaRPr>
-          </a:p>
-          <a:p>
-            <a:pPr algn="just"/>
-            <a:endParaRPr lang="es-ES_tradnl" dirty="0">
-              <a:latin typeface="Arial" panose="020B0604020202020204" pitchFamily="34" charset="0"/>
-              <a:cs typeface="Arial" panose="020B0604020202020204" pitchFamily="34" charset="0"/>
-            </a:endParaRPr>
-          </a:p>
-          <a:p>
-            <a:pPr algn="just"/>
-            <a:endParaRPr lang="es-ES_tradnl" dirty="0">
-              <a:latin typeface="Arial" panose="020B0604020202020204" pitchFamily="34" charset="0"/>
-              <a:cs typeface="Arial" panose="020B0604020202020204" pitchFamily="34" charset="0"/>
-            </a:endParaRPr>
-          </a:p>
-          <a:p>
-            <a:pPr algn="just"/>
-            <a:endParaRPr lang="es-ES_tradnl" dirty="0">
-              <a:latin typeface="Arial" panose="020B0604020202020204" pitchFamily="34" charset="0"/>
-              <a:cs typeface="Arial" panose="020B0604020202020204" pitchFamily="34" charset="0"/>
-            </a:endParaRPr>
-          </a:p>
-          <a:p>
-            <a:pPr algn="just"/>
-            <a:endParaRPr lang="es-ES_tradnl" dirty="0">
-              <a:latin typeface="Arial" panose="020B0604020202020204" pitchFamily="34" charset="0"/>
-              <a:cs typeface="Arial" panose="020B0604020202020204" pitchFamily="34" charset="0"/>
-            </a:endParaRPr>
-          </a:p>
-          <a:p>
-            <a:pPr algn="just"/>
-            <a:endParaRPr lang="es-ES_tradnl" dirty="0">
-              <a:latin typeface="Arial" panose="020B0604020202020204" pitchFamily="34" charset="0"/>
-              <a:cs typeface="Arial" panose="020B0604020202020204" pitchFamily="34" charset="0"/>
-            </a:endParaRPr>
-          </a:p>
-          <a:p>
-            <a:pPr algn="just"/>
-            <a:endParaRPr lang="es-ES_tradnl" dirty="0">
-              <a:latin typeface="Arial" panose="020B0604020202020204" pitchFamily="34" charset="0"/>
-              <a:cs typeface="Arial" panose="020B0604020202020204" pitchFamily="34" charset="0"/>
-            </a:endParaRPr>
-          </a:p>
-        </p:txBody>
-      </p:sp>
-    </p:spTree>
-    <p:extLst>
-      <p:ext uri="{BB962C8B-B14F-4D97-AF65-F5344CB8AC3E}">
-        <p14:creationId xmlns:p14="http://schemas.microsoft.com/office/powerpoint/2010/main" val="1252557519"/>
-      </p:ext>
-    </p:extLst>
-  </p:cSld>
-  <p:clrMapOvr>
-    <a:masterClrMapping/>
-  </p:clrMapOvr>
-</p:sld>
-</file>
-
-<file path=ppt/slides/slide8.xml><?xml version="1.0" encoding="utf-8"?>
-<p:sld xmlns:a="http://schemas.openxmlformats.org/drawingml/2006/main" xmlns:r="http://schemas.openxmlformats.org/officeDocument/2006/relationships" xmlns:p="http://schemas.openxmlformats.org/presentationml/2006/main">
-  <p:cSld>
-    <p:spTree>
-      <p:nvGrpSpPr>
-        <p:cNvPr id="1" name=""/>
-        <p:cNvGrpSpPr/>
-        <p:nvPr/>
-      </p:nvGrpSpPr>
-      <p:grpSpPr>
-        <a:xfrm>
-          <a:off x="0" y="0"/>
-          <a:ext cx="0" cy="0"/>
-          <a:chOff x="0" y="0"/>
-          <a:chExt cx="0" cy="0"/>
-        </a:xfrm>
-      </p:grpSpPr>
-      <p:sp>
-        <p:nvSpPr>
-          <p:cNvPr id="2" name="TextBox 1">
-            <a:extLst>
-              <a:ext uri="{FF2B5EF4-FFF2-40B4-BE49-F238E27FC236}">
-                <a16:creationId xmlns:a16="http://schemas.microsoft.com/office/drawing/2014/main" id="{C0DFF62B-E529-44EE-999B-501E1D412C88}"/>
-              </a:ext>
-            </a:extLst>
-          </p:cNvPr>
-          <p:cNvSpPr txBox="1"/>
-          <p:nvPr/>
-        </p:nvSpPr>
-        <p:spPr>
-          <a:xfrm>
-            <a:off x="561745" y="1266459"/>
-            <a:ext cx="551498" cy="276999"/>
-          </a:xfrm>
-          <a:prstGeom prst="rect">
-            <a:avLst/>
-          </a:prstGeom>
-          <a:noFill/>
-        </p:spPr>
-        <p:txBody>
-          <a:bodyPr wrap="none" lIns="0" tIns="0" rIns="0" bIns="0" rtlCol="0">
-            <a:spAutoFit/>
-          </a:bodyPr>
-          <a:lstStyle/>
-          <a:p>
-            <a:r>
-              <a:rPr lang="es-ES_tradnl">
-                <a:solidFill>
-                  <a:schemeClr val="bg1">
-                    <a:lumMod val="50000"/>
-                  </a:schemeClr>
-                </a:solidFill>
-                <a:latin typeface="Arial" panose="020B0604020202020204" pitchFamily="34" charset="0"/>
-                <a:cs typeface="Arial" panose="020B0604020202020204" pitchFamily="34" charset="0"/>
-              </a:rPr>
-              <a:t>Texto</a:t>
-            </a:r>
-          </a:p>
-        </p:txBody>
-      </p:sp>
-    </p:spTree>
-    <p:extLst>
-      <p:ext uri="{BB962C8B-B14F-4D97-AF65-F5344CB8AC3E}">
-        <p14:creationId xmlns:p14="http://schemas.microsoft.com/office/powerpoint/2010/main" val="3517012902"/>
-      </p:ext>
-    </p:extLst>
-  </p:cSld>
-  <p:clrMapOvr>
-    <a:masterClrMapping/>
-  </p:clrMapOvr>
-</p:sld>
-</file>
-
-<file path=ppt/slides/slide9.xml><?xml version="1.0" encoding="utf-8"?>
-<p:sld xmlns:a="http://schemas.openxmlformats.org/drawingml/2006/main" xmlns:r="http://schemas.openxmlformats.org/officeDocument/2006/relationships" xmlns:p="http://schemas.openxmlformats.org/presentationml/2006/main">
-  <p:cSld>
-    <p:spTree>
-      <p:nvGrpSpPr>
-        <p:cNvPr id="1" name=""/>
-        <p:cNvGrpSpPr/>
-        <p:nvPr/>
-      </p:nvGrpSpPr>
-      <p:grpSpPr>
-        <a:xfrm>
-          <a:off x="0" y="0"/>
-          <a:ext cx="0" cy="0"/>
-          <a:chOff x="0" y="0"/>
-          <a:chExt cx="0" cy="0"/>
-        </a:xfrm>
-      </p:grpSpPr>
-    </p:spTree>
-    <p:extLst>
-      <p:ext uri="{BB962C8B-B14F-4D97-AF65-F5344CB8AC3E}">
-        <p14:creationId xmlns:p14="http://schemas.microsoft.com/office/powerpoint/2010/main" val="775816819"/>
+        <p14:creationId xmlns:p14="http://schemas.microsoft.com/office/powerpoint/2010/main" val="2335322067"/>
       </p:ext>
     </p:extLst>
   </p:cSld>
@@ -3682,12 +8317,6 @@
 </file>
 
 <file path=customXml/item2.xml><?xml version="1.0" encoding="utf-8"?>
-<p:properties xmlns:p="http://schemas.microsoft.com/office/2006/metadata/properties" xmlns:xsi="http://www.w3.org/2001/XMLSchema-instance" xmlns:pc="http://schemas.microsoft.com/office/infopath/2007/PartnerControls">
-  <documentManagement/>
-</p:properties>
-</file>
-
-<file path=customXml/item3.xml><?xml version="1.0" encoding="utf-8"?>
 <ct:contentTypeSchema xmlns:ct="http://schemas.microsoft.com/office/2006/metadata/contentType" xmlns:ma="http://schemas.microsoft.com/office/2006/metadata/properties/metaAttributes" ct:_="" ma:_="" ma:contentTypeName="Documento" ma:contentTypeID="0x010100980E67F9E161EA4FA57F1D7A7D4BC8AD" ma:contentTypeVersion="2" ma:contentTypeDescription="Crear nuevo documento." ma:contentTypeScope="" ma:versionID="e80381d13a1c7d17d0532dbd7387dd0d">
   <xsd:schema xmlns:xsd="http://www.w3.org/2001/XMLSchema" xmlns:xs="http://www.w3.org/2001/XMLSchema" xmlns:p="http://schemas.microsoft.com/office/2006/metadata/properties" xmlns:ns2="8accf49b-5917-40c4-beb3-28cc890efc32" targetNamespace="http://schemas.microsoft.com/office/2006/metadata/properties" ma:root="true" ma:fieldsID="6084333c95072d4d1435239dd1484cb9" ns2:_="">
     <xsd:import namespace="8accf49b-5917-40c4-beb3-28cc890efc32"/>
@@ -3835,6 +8464,12 @@
 </ct:contentTypeSchema>
 </file>
 
+<file path=customXml/item3.xml><?xml version="1.0" encoding="utf-8"?>
+<p:properties xmlns:p="http://schemas.microsoft.com/office/2006/metadata/properties" xmlns:xsi="http://www.w3.org/2001/XMLSchema-instance" xmlns:pc="http://schemas.microsoft.com/office/infopath/2007/PartnerControls">
+  <documentManagement/>
+</p:properties>
+</file>
+
 <file path=customXml/itemProps1.xml><?xml version="1.0" encoding="utf-8"?>
 <ds:datastoreItem xmlns:ds="http://schemas.openxmlformats.org/officeDocument/2006/customXml" ds:itemID="{90CC0492-A604-4894-A72D-AC335F342AFD}">
   <ds:schemaRefs>
@@ -3844,22 +8479,6 @@
 </file>
 
 <file path=customXml/itemProps2.xml><?xml version="1.0" encoding="utf-8"?>
-<ds:datastoreItem xmlns:ds="http://schemas.openxmlformats.org/officeDocument/2006/customXml" ds:itemID="{622119FC-E218-46EB-8A0F-D69935C8F995}">
-  <ds:schemaRefs>
-    <ds:schemaRef ds:uri="http://purl.org/dc/terms/"/>
-    <ds:schemaRef ds:uri="http://purl.org/dc/elements/1.1/"/>
-    <ds:schemaRef ds:uri="http://schemas.microsoft.com/office/2006/documentManagement/types"/>
-    <ds:schemaRef ds:uri="http://schemas.microsoft.com/office/2006/metadata/properties"/>
-    <ds:schemaRef ds:uri="http://schemas.microsoft.com/office/infopath/2007/PartnerControls"/>
-    <ds:schemaRef ds:uri="http://purl.org/dc/dcmitype/"/>
-    <ds:schemaRef ds:uri="http://schemas.openxmlformats.org/package/2006/metadata/core-properties"/>
-    <ds:schemaRef ds:uri="8accf49b-5917-40c4-beb3-28cc890efc32"/>
-    <ds:schemaRef ds:uri="http://www.w3.org/XML/1998/namespace"/>
-  </ds:schemaRefs>
-</ds:datastoreItem>
-</file>
-
-<file path=customXml/itemProps3.xml><?xml version="1.0" encoding="utf-8"?>
 <ds:datastoreItem xmlns:ds="http://schemas.openxmlformats.org/officeDocument/2006/customXml" ds:itemID="{681266F2-718F-4832-9B33-52318494A522}">
   <ds:schemaRefs>
     <ds:schemaRef ds:uri="http://schemas.microsoft.com/office/2006/metadata/contentType"/>
@@ -3875,4 +8494,20 @@
     <ds:schemaRef ds:uri="http://schemas.microsoft.com/internal/obd"/>
   </ds:schemaRefs>
 </ds:datastoreItem>
+</file>
+
+<file path=customXml/itemProps3.xml><?xml version="1.0" encoding="utf-8"?>
+<ds:datastoreItem xmlns:ds="http://schemas.openxmlformats.org/officeDocument/2006/customXml" ds:itemID="{622119FC-E218-46EB-8A0F-D69935C8F995}">
+  <ds:schemaRefs>
+    <ds:schemaRef ds:uri="http://purl.org/dc/terms/"/>
+    <ds:schemaRef ds:uri="http://purl.org/dc/elements/1.1/"/>
+    <ds:schemaRef ds:uri="http://schemas.microsoft.com/office/2006/documentManagement/types"/>
+    <ds:schemaRef ds:uri="http://schemas.microsoft.com/office/2006/metadata/properties"/>
+    <ds:schemaRef ds:uri="http://schemas.microsoft.com/office/infopath/2007/PartnerControls"/>
+    <ds:schemaRef ds:uri="http://purl.org/dc/dcmitype/"/>
+    <ds:schemaRef ds:uri="http://schemas.openxmlformats.org/package/2006/metadata/core-properties"/>
+    <ds:schemaRef ds:uri="8accf49b-5917-40c4-beb3-28cc890efc32"/>
+    <ds:schemaRef ds:uri="http://www.w3.org/XML/1998/namespace"/>
+  </ds:schemaRefs>
+</ds:datastoreItem>
 </file>
--- a/GEA3 Python.pptx
+++ b/GEA3 Python.pptx
@@ -5,13 +5,15 @@
     <p:sldMasterId id="2147483672" r:id="rId4"/>
   </p:sldMasterIdLst>
   <p:notesMasterIdLst>
-    <p:notesMasterId r:id="rId9"/>
+    <p:notesMasterId r:id="rId11"/>
   </p:notesMasterIdLst>
   <p:sldIdLst>
     <p:sldId id="256" r:id="rId5"/>
     <p:sldId id="257" r:id="rId6"/>
     <p:sldId id="259" r:id="rId7"/>
     <p:sldId id="258" r:id="rId8"/>
+    <p:sldId id="260" r:id="rId9"/>
+    <p:sldId id="261" r:id="rId10"/>
   </p:sldIdLst>
   <p:sldSz cx="12192000" cy="6858000"/>
   <p:notesSz cx="6858000" cy="9144000"/>
@@ -1846,7 +1848,7 @@
           <a:p>
             <a:r>
               <a:rPr lang="es-MX" b="1" dirty="0"/>
-              <a:t>LECUTURA:</a:t>
+              <a:t>LECTURA:</a:t>
             </a:r>
           </a:p>
         </p:txBody>
@@ -7482,15 +7484,72 @@
                     <a:p>
                       <a:pPr algn="l" fontAlgn="b"/>
                       <a:r>
-                        <a:rPr lang="es-MX" sz="1400" b="0" i="0" u="none" strike="noStrike">
+                        <a:rPr lang="es-MX" sz="1400" b="0" i="0" u="none" strike="noStrike" dirty="0">
                           <a:solidFill>
                             <a:srgbClr val="000000"/>
                           </a:solidFill>
                           <a:effectLst/>
                           <a:latin typeface="Calibri" panose="020F0502020204030204" pitchFamily="34" charset="0"/>
                         </a:rPr>
-                        <a:t>ERD is not supported</a:t>
+                        <a:t>ERD </a:t>
                       </a:r>
+                      <a:r>
+                        <a:rPr lang="es-MX" sz="1400" b="0" i="0" u="none" strike="noStrike" dirty="0" err="1">
+                          <a:solidFill>
+                            <a:srgbClr val="000000"/>
+                          </a:solidFill>
+                          <a:effectLst/>
+                          <a:latin typeface="Calibri" panose="020F0502020204030204" pitchFamily="34" charset="0"/>
+                        </a:rPr>
+                        <a:t>is</a:t>
+                      </a:r>
+                      <a:r>
+                        <a:rPr lang="es-MX" sz="1400" b="0" i="0" u="none" strike="noStrike" dirty="0">
+                          <a:solidFill>
+                            <a:srgbClr val="000000"/>
+                          </a:solidFill>
+                          <a:effectLst/>
+                          <a:latin typeface="Calibri" panose="020F0502020204030204" pitchFamily="34" charset="0"/>
+                        </a:rPr>
+                        <a:t> </a:t>
+                      </a:r>
+                      <a:r>
+                        <a:rPr lang="es-MX" sz="1400" b="0" i="0" u="none" strike="noStrike" dirty="0" err="1">
+                          <a:solidFill>
+                            <a:srgbClr val="000000"/>
+                          </a:solidFill>
+                          <a:effectLst/>
+                          <a:latin typeface="Calibri" panose="020F0502020204030204" pitchFamily="34" charset="0"/>
+                        </a:rPr>
+                        <a:t>not</a:t>
+                      </a:r>
+                      <a:r>
+                        <a:rPr lang="es-MX" sz="1400" b="0" i="0" u="none" strike="noStrike" dirty="0">
+                          <a:solidFill>
+                            <a:srgbClr val="000000"/>
+                          </a:solidFill>
+                          <a:effectLst/>
+                          <a:latin typeface="Calibri" panose="020F0502020204030204" pitchFamily="34" charset="0"/>
+                        </a:rPr>
+                        <a:t> </a:t>
+                      </a:r>
+                      <a:r>
+                        <a:rPr lang="es-MX" sz="1400" b="0" i="0" u="none" strike="noStrike" dirty="0" err="1">
+                          <a:solidFill>
+                            <a:srgbClr val="000000"/>
+                          </a:solidFill>
+                          <a:effectLst/>
+                          <a:latin typeface="Calibri" panose="020F0502020204030204" pitchFamily="34" charset="0"/>
+                        </a:rPr>
+                        <a:t>supported</a:t>
+                      </a:r>
+                      <a:endParaRPr lang="es-MX" sz="1400" b="0" i="0" u="none" strike="noStrike" dirty="0">
+                        <a:solidFill>
+                          <a:srgbClr val="000000"/>
+                        </a:solidFill>
+                        <a:effectLst/>
+                        <a:latin typeface="Calibri" panose="020F0502020204030204" pitchFamily="34" charset="0"/>
+                      </a:endParaRPr>
                     </a:p>
                   </a:txBody>
                   <a:tcPr marL="9525" marR="9525" marT="9525" marB="0" anchor="ctr">
@@ -7748,10 +7807,5885 @@
           <a:chExt cx="0" cy="0"/>
         </a:xfrm>
       </p:grpSpPr>
+      <p:sp>
+        <p:nvSpPr>
+          <p:cNvPr id="3" name="TextBox 2">
+            <a:extLst>
+              <a:ext uri="{FF2B5EF4-FFF2-40B4-BE49-F238E27FC236}">
+                <a16:creationId xmlns:a16="http://schemas.microsoft.com/office/drawing/2014/main" id="{C1CDB53B-7CC1-4D0D-90FC-96CEE741E98A}"/>
+              </a:ext>
+            </a:extLst>
+          </p:cNvPr>
+          <p:cNvSpPr txBox="1"/>
+          <p:nvPr/>
+        </p:nvSpPr>
+        <p:spPr>
+          <a:xfrm>
+            <a:off x="502023" y="1093697"/>
+            <a:ext cx="11187953" cy="506292"/>
+          </a:xfrm>
+          <a:prstGeom prst="rect">
+            <a:avLst/>
+          </a:prstGeom>
+          <a:noFill/>
+        </p:spPr>
+        <p:txBody>
+          <a:bodyPr wrap="square" rtlCol="0">
+            <a:spAutoFit/>
+          </a:bodyPr>
+          <a:lstStyle/>
+          <a:p>
+            <a:pPr algn="just">
+              <a:lnSpc>
+                <a:spcPct val="150000"/>
+              </a:lnSpc>
+            </a:pPr>
+            <a:r>
+              <a:rPr lang="es-MX" sz="2000" b="1" dirty="0"/>
+              <a:t>WRITE:</a:t>
+            </a:r>
+          </a:p>
+        </p:txBody>
+      </p:sp>
+      <p:sp>
+        <p:nvSpPr>
+          <p:cNvPr id="4" name="TextBox 3">
+            <a:extLst>
+              <a:ext uri="{FF2B5EF4-FFF2-40B4-BE49-F238E27FC236}">
+                <a16:creationId xmlns:a16="http://schemas.microsoft.com/office/drawing/2014/main" id="{A0059212-682A-4655-8DAD-545D8C4AD931}"/>
+              </a:ext>
+            </a:extLst>
+          </p:cNvPr>
+          <p:cNvSpPr txBox="1"/>
+          <p:nvPr/>
+        </p:nvSpPr>
+        <p:spPr>
+          <a:xfrm>
+            <a:off x="502023" y="1685365"/>
+            <a:ext cx="11187953" cy="1429622"/>
+          </a:xfrm>
+          <a:prstGeom prst="rect">
+            <a:avLst/>
+          </a:prstGeom>
+          <a:noFill/>
+        </p:spPr>
+        <p:txBody>
+          <a:bodyPr wrap="square" rtlCol="0">
+            <a:spAutoFit/>
+          </a:bodyPr>
+          <a:lstStyle/>
+          <a:p>
+            <a:pPr algn="just">
+              <a:lnSpc>
+                <a:spcPct val="150000"/>
+              </a:lnSpc>
+            </a:pPr>
+            <a:r>
+              <a:rPr lang="es-MX" sz="2000" dirty="0"/>
+              <a:t>Para solicitar la escritura de algún ERD debe de ser completada correctamente la siguiente estructura de la trama de datos, la cual se debe de enviar cada uno de los valores, de lo contrario no podrá comunicarse correctamente con el dispositivo. </a:t>
+            </a:r>
+          </a:p>
+        </p:txBody>
+      </p:sp>
+      <p:graphicFrame>
+        <p:nvGraphicFramePr>
+          <p:cNvPr id="7" name="Table 6">
+            <a:extLst>
+              <a:ext uri="{FF2B5EF4-FFF2-40B4-BE49-F238E27FC236}">
+                <a16:creationId xmlns:a16="http://schemas.microsoft.com/office/drawing/2014/main" id="{EF524025-EB35-4F93-B3CB-CE720D82CFF9}"/>
+              </a:ext>
+            </a:extLst>
+          </p:cNvPr>
+          <p:cNvGraphicFramePr>
+            <a:graphicFrameLocks noGrp="1"/>
+          </p:cNvGraphicFramePr>
+          <p:nvPr>
+            <p:extLst>
+              <p:ext uri="{D42A27DB-BD31-4B8C-83A1-F6EECF244321}">
+                <p14:modId xmlns:p14="http://schemas.microsoft.com/office/powerpoint/2010/main" val="1002597419"/>
+              </p:ext>
+            </p:extLst>
+          </p:nvPr>
+        </p:nvGraphicFramePr>
+        <p:xfrm>
+          <a:off x="2475859" y="3621173"/>
+          <a:ext cx="7240275" cy="699135"/>
+        </p:xfrm>
+        <a:graphic>
+          <a:graphicData uri="http://schemas.openxmlformats.org/drawingml/2006/table">
+            <a:tbl>
+              <a:tblPr/>
+              <a:tblGrid>
+                <a:gridCol w="610148">
+                  <a:extLst>
+                    <a:ext uri="{9D8B030D-6E8A-4147-A177-3AD203B41FA5}">
+                      <a16:colId xmlns:a16="http://schemas.microsoft.com/office/drawing/2014/main" val="3346621862"/>
+                    </a:ext>
+                  </a:extLst>
+                </a:gridCol>
+                <a:gridCol w="610148">
+                  <a:extLst>
+                    <a:ext uri="{9D8B030D-6E8A-4147-A177-3AD203B41FA5}">
+                      <a16:colId xmlns:a16="http://schemas.microsoft.com/office/drawing/2014/main" val="1884412267"/>
+                    </a:ext>
+                  </a:extLst>
+                </a:gridCol>
+                <a:gridCol w="847344">
+                  <a:extLst>
+                    <a:ext uri="{9D8B030D-6E8A-4147-A177-3AD203B41FA5}">
+                      <a16:colId xmlns:a16="http://schemas.microsoft.com/office/drawing/2014/main" val="4185290271"/>
+                    </a:ext>
+                  </a:extLst>
+                </a:gridCol>
+                <a:gridCol w="439687">
+                  <a:extLst>
+                    <a:ext uri="{9D8B030D-6E8A-4147-A177-3AD203B41FA5}">
+                      <a16:colId xmlns:a16="http://schemas.microsoft.com/office/drawing/2014/main" val="2911287570"/>
+                    </a:ext>
+                  </a:extLst>
+                </a:gridCol>
+                <a:gridCol w="745259">
+                  <a:extLst>
+                    <a:ext uri="{9D8B030D-6E8A-4147-A177-3AD203B41FA5}">
+                      <a16:colId xmlns:a16="http://schemas.microsoft.com/office/drawing/2014/main" val="658031814"/>
+                    </a:ext>
+                  </a:extLst>
+                </a:gridCol>
+                <a:gridCol w="475037">
+                  <a:extLst>
+                    <a:ext uri="{9D8B030D-6E8A-4147-A177-3AD203B41FA5}">
+                      <a16:colId xmlns:a16="http://schemas.microsoft.com/office/drawing/2014/main" val="1159592519"/>
+                    </a:ext>
+                  </a:extLst>
+                </a:gridCol>
+                <a:gridCol w="1389622">
+                  <a:extLst>
+                    <a:ext uri="{9D8B030D-6E8A-4147-A177-3AD203B41FA5}">
+                      <a16:colId xmlns:a16="http://schemas.microsoft.com/office/drawing/2014/main" val="3521182723"/>
+                    </a:ext>
+                  </a:extLst>
+                </a:gridCol>
+                <a:gridCol w="736361">
+                  <a:extLst>
+                    <a:ext uri="{9D8B030D-6E8A-4147-A177-3AD203B41FA5}">
+                      <a16:colId xmlns:a16="http://schemas.microsoft.com/office/drawing/2014/main" val="2830727315"/>
+                    </a:ext>
+                  </a:extLst>
+                </a:gridCol>
+                <a:gridCol w="610148">
+                  <a:extLst>
+                    <a:ext uri="{9D8B030D-6E8A-4147-A177-3AD203B41FA5}">
+                      <a16:colId xmlns:a16="http://schemas.microsoft.com/office/drawing/2014/main" val="3113031744"/>
+                    </a:ext>
+                  </a:extLst>
+                </a:gridCol>
+                <a:gridCol w="776521">
+                  <a:extLst>
+                    <a:ext uri="{9D8B030D-6E8A-4147-A177-3AD203B41FA5}">
+                      <a16:colId xmlns:a16="http://schemas.microsoft.com/office/drawing/2014/main" val="3060647502"/>
+                    </a:ext>
+                  </a:extLst>
+                </a:gridCol>
+              </a:tblGrid>
+              <a:tr h="190500">
+                <a:tc gridSpan="10">
+                  <a:txBody>
+                    <a:bodyPr/>
+                    <a:lstStyle>
+                      <a:lvl1pPr marL="0" algn="l" defTabSz="914400" rtl="0" eaLnBrk="1" latinLnBrk="0" hangingPunct="1">
+                        <a:defRPr sz="1800" kern="1200">
+                          <a:solidFill>
+                            <a:schemeClr val="tx1"/>
+                          </a:solidFill>
+                          <a:latin typeface="Calibri" panose="020F0502020204030204"/>
+                        </a:defRPr>
+                      </a:lvl1pPr>
+                      <a:lvl2pPr marL="457200" algn="l" defTabSz="914400" rtl="0" eaLnBrk="1" latinLnBrk="0" hangingPunct="1">
+                        <a:defRPr sz="1800" kern="1200">
+                          <a:solidFill>
+                            <a:schemeClr val="tx1"/>
+                          </a:solidFill>
+                          <a:latin typeface="Calibri" panose="020F0502020204030204"/>
+                        </a:defRPr>
+                      </a:lvl2pPr>
+                      <a:lvl3pPr marL="914400" algn="l" defTabSz="914400" rtl="0" eaLnBrk="1" latinLnBrk="0" hangingPunct="1">
+                        <a:defRPr sz="1800" kern="1200">
+                          <a:solidFill>
+                            <a:schemeClr val="tx1"/>
+                          </a:solidFill>
+                          <a:latin typeface="Calibri" panose="020F0502020204030204"/>
+                        </a:defRPr>
+                      </a:lvl3pPr>
+                      <a:lvl4pPr marL="1371600" algn="l" defTabSz="914400" rtl="0" eaLnBrk="1" latinLnBrk="0" hangingPunct="1">
+                        <a:defRPr sz="1800" kern="1200">
+                          <a:solidFill>
+                            <a:schemeClr val="tx1"/>
+                          </a:solidFill>
+                          <a:latin typeface="Calibri" panose="020F0502020204030204"/>
+                        </a:defRPr>
+                      </a:lvl4pPr>
+                      <a:lvl5pPr marL="1828800" algn="l" defTabSz="914400" rtl="0" eaLnBrk="1" latinLnBrk="0" hangingPunct="1">
+                        <a:defRPr sz="1800" kern="1200">
+                          <a:solidFill>
+                            <a:schemeClr val="tx1"/>
+                          </a:solidFill>
+                          <a:latin typeface="Calibri" panose="020F0502020204030204"/>
+                        </a:defRPr>
+                      </a:lvl5pPr>
+                      <a:lvl6pPr marL="2286000" algn="l" defTabSz="914400" rtl="0" eaLnBrk="1" latinLnBrk="0" hangingPunct="1">
+                        <a:defRPr sz="1800" kern="1200">
+                          <a:solidFill>
+                            <a:schemeClr val="tx1"/>
+                          </a:solidFill>
+                          <a:latin typeface="Calibri" panose="020F0502020204030204"/>
+                        </a:defRPr>
+                      </a:lvl6pPr>
+                      <a:lvl7pPr marL="2743200" algn="l" defTabSz="914400" rtl="0" eaLnBrk="1" latinLnBrk="0" hangingPunct="1">
+                        <a:defRPr sz="1800" kern="1200">
+                          <a:solidFill>
+                            <a:schemeClr val="tx1"/>
+                          </a:solidFill>
+                          <a:latin typeface="Calibri" panose="020F0502020204030204"/>
+                        </a:defRPr>
+                      </a:lvl7pPr>
+                      <a:lvl8pPr marL="3200400" algn="l" defTabSz="914400" rtl="0" eaLnBrk="1" latinLnBrk="0" hangingPunct="1">
+                        <a:defRPr sz="1800" kern="1200">
+                          <a:solidFill>
+                            <a:schemeClr val="tx1"/>
+                          </a:solidFill>
+                          <a:latin typeface="Calibri" panose="020F0502020204030204"/>
+                        </a:defRPr>
+                      </a:lvl8pPr>
+                      <a:lvl9pPr marL="3657600" algn="l" defTabSz="914400" rtl="0" eaLnBrk="1" latinLnBrk="0" hangingPunct="1">
+                        <a:defRPr sz="1800" kern="1200">
+                          <a:solidFill>
+                            <a:schemeClr val="tx1"/>
+                          </a:solidFill>
+                          <a:latin typeface="Calibri" panose="020F0502020204030204"/>
+                        </a:defRPr>
+                      </a:lvl9pPr>
+                    </a:lstStyle>
+                    <a:p>
+                      <a:pPr algn="ctr" fontAlgn="b"/>
+                      <a:r>
+                        <a:rPr lang="es-MX" sz="1600" b="1" u="none" strike="noStrike" dirty="0" err="1">
+                          <a:effectLst/>
+                        </a:rPr>
+                        <a:t>Request</a:t>
+                      </a:r>
+                      <a:r>
+                        <a:rPr lang="es-MX" sz="1600" b="1" u="none" strike="noStrike" dirty="0">
+                          <a:effectLst/>
+                        </a:rPr>
+                        <a:t> Escritura</a:t>
+                      </a:r>
+                      <a:endParaRPr lang="es-MX" sz="1600" b="1" i="0" u="none" strike="noStrike" dirty="0">
+                        <a:solidFill>
+                          <a:srgbClr val="000000"/>
+                        </a:solidFill>
+                        <a:effectLst/>
+                        <a:latin typeface="Calibri" panose="020F0502020204030204" pitchFamily="34" charset="0"/>
+                      </a:endParaRPr>
+                    </a:p>
+                  </a:txBody>
+                  <a:tcPr marL="9525" marR="9525" marT="9525" marB="0" anchor="b">
+                    <a:lnL>
+                      <a:noFill/>
+                    </a:lnL>
+                    <a:lnR>
+                      <a:noFill/>
+                    </a:lnR>
+                    <a:lnT w="12700" cmpd="sng">
+                      <a:solidFill>
+                        <a:srgbClr val="4472C4"/>
+                      </a:solidFill>
+                    </a:lnT>
+                    <a:lnB>
+                      <a:noFill/>
+                    </a:lnB>
+                    <a:lnTlToBr w="12700" cmpd="sng">
+                      <a:noFill/>
+                      <a:prstDash val="solid"/>
+                    </a:lnTlToBr>
+                    <a:lnBlToTr w="12700" cmpd="sng">
+                      <a:noFill/>
+                      <a:prstDash val="solid"/>
+                    </a:lnBlToTr>
+                    <a:noFill/>
+                  </a:tcPr>
+                </a:tc>
+                <a:tc hMerge="1">
+                  <a:txBody>
+                    <a:bodyPr/>
+                    <a:lstStyle/>
+                    <a:p>
+                      <a:endParaRPr lang="es-MX"/>
+                    </a:p>
+                  </a:txBody>
+                  <a:tcPr/>
+                </a:tc>
+                <a:tc hMerge="1">
+                  <a:txBody>
+                    <a:bodyPr/>
+                    <a:lstStyle/>
+                    <a:p>
+                      <a:endParaRPr lang="es-MX"/>
+                    </a:p>
+                  </a:txBody>
+                  <a:tcPr/>
+                </a:tc>
+                <a:tc hMerge="1">
+                  <a:txBody>
+                    <a:bodyPr/>
+                    <a:lstStyle/>
+                    <a:p>
+                      <a:endParaRPr lang="es-MX"/>
+                    </a:p>
+                  </a:txBody>
+                  <a:tcPr/>
+                </a:tc>
+                <a:tc hMerge="1">
+                  <a:txBody>
+                    <a:bodyPr/>
+                    <a:lstStyle/>
+                    <a:p>
+                      <a:endParaRPr lang="es-MX"/>
+                    </a:p>
+                  </a:txBody>
+                  <a:tcPr/>
+                </a:tc>
+                <a:tc hMerge="1">
+                  <a:txBody>
+                    <a:bodyPr/>
+                    <a:lstStyle/>
+                    <a:p>
+                      <a:endParaRPr lang="es-MX"/>
+                    </a:p>
+                  </a:txBody>
+                  <a:tcPr/>
+                </a:tc>
+                <a:tc hMerge="1">
+                  <a:txBody>
+                    <a:bodyPr/>
+                    <a:lstStyle/>
+                    <a:p>
+                      <a:endParaRPr lang="es-MX"/>
+                    </a:p>
+                  </a:txBody>
+                  <a:tcPr/>
+                </a:tc>
+                <a:tc hMerge="1">
+                  <a:txBody>
+                    <a:bodyPr/>
+                    <a:lstStyle/>
+                    <a:p>
+                      <a:endParaRPr lang="es-MX"/>
+                    </a:p>
+                  </a:txBody>
+                  <a:tcPr/>
+                </a:tc>
+                <a:tc hMerge="1">
+                  <a:txBody>
+                    <a:bodyPr/>
+                    <a:lstStyle/>
+                    <a:p>
+                      <a:endParaRPr lang="es-MX"/>
+                    </a:p>
+                  </a:txBody>
+                  <a:tcPr/>
+                </a:tc>
+                <a:tc hMerge="1">
+                  <a:txBody>
+                    <a:bodyPr/>
+                    <a:lstStyle/>
+                    <a:p>
+                      <a:endParaRPr lang="es-MX"/>
+                    </a:p>
+                  </a:txBody>
+                  <a:tcPr/>
+                </a:tc>
+                <a:extLst>
+                  <a:ext uri="{0D108BD9-81ED-4DB2-BD59-A6C34878D82A}">
+                    <a16:rowId xmlns:a16="http://schemas.microsoft.com/office/drawing/2014/main" val="1080595079"/>
+                  </a:ext>
+                </a:extLst>
+              </a:tr>
+              <a:tr h="190500">
+                <a:tc>
+                  <a:txBody>
+                    <a:bodyPr/>
+                    <a:lstStyle>
+                      <a:lvl1pPr marL="0" algn="l" defTabSz="914400" rtl="0" eaLnBrk="1" latinLnBrk="0" hangingPunct="1">
+                        <a:defRPr sz="1800" kern="1200">
+                          <a:solidFill>
+                            <a:schemeClr val="tx1"/>
+                          </a:solidFill>
+                          <a:latin typeface="Calibri" panose="020F0502020204030204"/>
+                        </a:defRPr>
+                      </a:lvl1pPr>
+                      <a:lvl2pPr marL="457200" algn="l" defTabSz="914400" rtl="0" eaLnBrk="1" latinLnBrk="0" hangingPunct="1">
+                        <a:defRPr sz="1800" kern="1200">
+                          <a:solidFill>
+                            <a:schemeClr val="tx1"/>
+                          </a:solidFill>
+                          <a:latin typeface="Calibri" panose="020F0502020204030204"/>
+                        </a:defRPr>
+                      </a:lvl2pPr>
+                      <a:lvl3pPr marL="914400" algn="l" defTabSz="914400" rtl="0" eaLnBrk="1" latinLnBrk="0" hangingPunct="1">
+                        <a:defRPr sz="1800" kern="1200">
+                          <a:solidFill>
+                            <a:schemeClr val="tx1"/>
+                          </a:solidFill>
+                          <a:latin typeface="Calibri" panose="020F0502020204030204"/>
+                        </a:defRPr>
+                      </a:lvl3pPr>
+                      <a:lvl4pPr marL="1371600" algn="l" defTabSz="914400" rtl="0" eaLnBrk="1" latinLnBrk="0" hangingPunct="1">
+                        <a:defRPr sz="1800" kern="1200">
+                          <a:solidFill>
+                            <a:schemeClr val="tx1"/>
+                          </a:solidFill>
+                          <a:latin typeface="Calibri" panose="020F0502020204030204"/>
+                        </a:defRPr>
+                      </a:lvl4pPr>
+                      <a:lvl5pPr marL="1828800" algn="l" defTabSz="914400" rtl="0" eaLnBrk="1" latinLnBrk="0" hangingPunct="1">
+                        <a:defRPr sz="1800" kern="1200">
+                          <a:solidFill>
+                            <a:schemeClr val="tx1"/>
+                          </a:solidFill>
+                          <a:latin typeface="Calibri" panose="020F0502020204030204"/>
+                        </a:defRPr>
+                      </a:lvl5pPr>
+                      <a:lvl6pPr marL="2286000" algn="l" defTabSz="914400" rtl="0" eaLnBrk="1" latinLnBrk="0" hangingPunct="1">
+                        <a:defRPr sz="1800" kern="1200">
+                          <a:solidFill>
+                            <a:schemeClr val="tx1"/>
+                          </a:solidFill>
+                          <a:latin typeface="Calibri" panose="020F0502020204030204"/>
+                        </a:defRPr>
+                      </a:lvl6pPr>
+                      <a:lvl7pPr marL="2743200" algn="l" defTabSz="914400" rtl="0" eaLnBrk="1" latinLnBrk="0" hangingPunct="1">
+                        <a:defRPr sz="1800" kern="1200">
+                          <a:solidFill>
+                            <a:schemeClr val="tx1"/>
+                          </a:solidFill>
+                          <a:latin typeface="Calibri" panose="020F0502020204030204"/>
+                        </a:defRPr>
+                      </a:lvl7pPr>
+                      <a:lvl8pPr marL="3200400" algn="l" defTabSz="914400" rtl="0" eaLnBrk="1" latinLnBrk="0" hangingPunct="1">
+                        <a:defRPr sz="1800" kern="1200">
+                          <a:solidFill>
+                            <a:schemeClr val="tx1"/>
+                          </a:solidFill>
+                          <a:latin typeface="Calibri" panose="020F0502020204030204"/>
+                        </a:defRPr>
+                      </a:lvl8pPr>
+                      <a:lvl9pPr marL="3657600" algn="l" defTabSz="914400" rtl="0" eaLnBrk="1" latinLnBrk="0" hangingPunct="1">
+                        <a:defRPr sz="1800" kern="1200">
+                          <a:solidFill>
+                            <a:schemeClr val="tx1"/>
+                          </a:solidFill>
+                          <a:latin typeface="Calibri" panose="020F0502020204030204"/>
+                        </a:defRPr>
+                      </a:lvl9pPr>
+                    </a:lstStyle>
+                    <a:p>
+                      <a:pPr algn="ctr" fontAlgn="ctr"/>
+                      <a:r>
+                        <a:rPr lang="es-MX" sz="1400" b="1" u="none" strike="noStrike">
+                          <a:effectLst/>
+                        </a:rPr>
+                        <a:t>BIT INIT</a:t>
+                      </a:r>
+                      <a:endParaRPr lang="es-MX" sz="1400" b="1" i="0" u="none" strike="noStrike">
+                        <a:solidFill>
+                          <a:srgbClr val="000000"/>
+                        </a:solidFill>
+                        <a:effectLst/>
+                        <a:latin typeface="Calibri" panose="020F0502020204030204" pitchFamily="34" charset="0"/>
+                      </a:endParaRPr>
+                    </a:p>
+                  </a:txBody>
+                  <a:tcPr marL="9525" marR="9525" marT="9525" marB="0" anchor="ctr">
+                    <a:lnL>
+                      <a:noFill/>
+                    </a:lnL>
+                    <a:lnR>
+                      <a:noFill/>
+                    </a:lnR>
+                    <a:lnT>
+                      <a:noFill/>
+                    </a:lnT>
+                    <a:lnB>
+                      <a:noFill/>
+                    </a:lnB>
+                    <a:lnTlToBr w="12700" cmpd="sng">
+                      <a:noFill/>
+                      <a:prstDash val="solid"/>
+                    </a:lnTlToBr>
+                    <a:lnBlToTr w="12700" cmpd="sng">
+                      <a:noFill/>
+                      <a:prstDash val="solid"/>
+                    </a:lnBlToTr>
+                    <a:noFill/>
+                  </a:tcPr>
+                </a:tc>
+                <a:tc>
+                  <a:txBody>
+                    <a:bodyPr/>
+                    <a:lstStyle>
+                      <a:lvl1pPr marL="0" algn="l" defTabSz="914400" rtl="0" eaLnBrk="1" latinLnBrk="0" hangingPunct="1">
+                        <a:defRPr sz="1800" kern="1200">
+                          <a:solidFill>
+                            <a:schemeClr val="tx1"/>
+                          </a:solidFill>
+                          <a:latin typeface="Calibri" panose="020F0502020204030204"/>
+                        </a:defRPr>
+                      </a:lvl1pPr>
+                      <a:lvl2pPr marL="457200" algn="l" defTabSz="914400" rtl="0" eaLnBrk="1" latinLnBrk="0" hangingPunct="1">
+                        <a:defRPr sz="1800" kern="1200">
+                          <a:solidFill>
+                            <a:schemeClr val="tx1"/>
+                          </a:solidFill>
+                          <a:latin typeface="Calibri" panose="020F0502020204030204"/>
+                        </a:defRPr>
+                      </a:lvl2pPr>
+                      <a:lvl3pPr marL="914400" algn="l" defTabSz="914400" rtl="0" eaLnBrk="1" latinLnBrk="0" hangingPunct="1">
+                        <a:defRPr sz="1800" kern="1200">
+                          <a:solidFill>
+                            <a:schemeClr val="tx1"/>
+                          </a:solidFill>
+                          <a:latin typeface="Calibri" panose="020F0502020204030204"/>
+                        </a:defRPr>
+                      </a:lvl3pPr>
+                      <a:lvl4pPr marL="1371600" algn="l" defTabSz="914400" rtl="0" eaLnBrk="1" latinLnBrk="0" hangingPunct="1">
+                        <a:defRPr sz="1800" kern="1200">
+                          <a:solidFill>
+                            <a:schemeClr val="tx1"/>
+                          </a:solidFill>
+                          <a:latin typeface="Calibri" panose="020F0502020204030204"/>
+                        </a:defRPr>
+                      </a:lvl4pPr>
+                      <a:lvl5pPr marL="1828800" algn="l" defTabSz="914400" rtl="0" eaLnBrk="1" latinLnBrk="0" hangingPunct="1">
+                        <a:defRPr sz="1800" kern="1200">
+                          <a:solidFill>
+                            <a:schemeClr val="tx1"/>
+                          </a:solidFill>
+                          <a:latin typeface="Calibri" panose="020F0502020204030204"/>
+                        </a:defRPr>
+                      </a:lvl5pPr>
+                      <a:lvl6pPr marL="2286000" algn="l" defTabSz="914400" rtl="0" eaLnBrk="1" latinLnBrk="0" hangingPunct="1">
+                        <a:defRPr sz="1800" kern="1200">
+                          <a:solidFill>
+                            <a:schemeClr val="tx1"/>
+                          </a:solidFill>
+                          <a:latin typeface="Calibri" panose="020F0502020204030204"/>
+                        </a:defRPr>
+                      </a:lvl6pPr>
+                      <a:lvl7pPr marL="2743200" algn="l" defTabSz="914400" rtl="0" eaLnBrk="1" latinLnBrk="0" hangingPunct="1">
+                        <a:defRPr sz="1800" kern="1200">
+                          <a:solidFill>
+                            <a:schemeClr val="tx1"/>
+                          </a:solidFill>
+                          <a:latin typeface="Calibri" panose="020F0502020204030204"/>
+                        </a:defRPr>
+                      </a:lvl7pPr>
+                      <a:lvl8pPr marL="3200400" algn="l" defTabSz="914400" rtl="0" eaLnBrk="1" latinLnBrk="0" hangingPunct="1">
+                        <a:defRPr sz="1800" kern="1200">
+                          <a:solidFill>
+                            <a:schemeClr val="tx1"/>
+                          </a:solidFill>
+                          <a:latin typeface="Calibri" panose="020F0502020204030204"/>
+                        </a:defRPr>
+                      </a:lvl8pPr>
+                      <a:lvl9pPr marL="3657600" algn="l" defTabSz="914400" rtl="0" eaLnBrk="1" latinLnBrk="0" hangingPunct="1">
+                        <a:defRPr sz="1800" kern="1200">
+                          <a:solidFill>
+                            <a:schemeClr val="tx1"/>
+                          </a:solidFill>
+                          <a:latin typeface="Calibri" panose="020F0502020204030204"/>
+                        </a:defRPr>
+                      </a:lvl9pPr>
+                    </a:lstStyle>
+                    <a:p>
+                      <a:pPr algn="ctr" fontAlgn="ctr"/>
+                      <a:r>
+                        <a:rPr lang="es-MX" sz="1400" b="1" u="none" strike="noStrike">
+                          <a:effectLst/>
+                        </a:rPr>
+                        <a:t>DST</a:t>
+                      </a:r>
+                      <a:endParaRPr lang="es-MX" sz="1400" b="1" i="0" u="none" strike="noStrike">
+                        <a:solidFill>
+                          <a:srgbClr val="000000"/>
+                        </a:solidFill>
+                        <a:effectLst/>
+                        <a:latin typeface="Calibri" panose="020F0502020204030204" pitchFamily="34" charset="0"/>
+                      </a:endParaRPr>
+                    </a:p>
+                  </a:txBody>
+                  <a:tcPr marL="9525" marR="9525" marT="9525" marB="0" anchor="ctr">
+                    <a:lnL>
+                      <a:noFill/>
+                    </a:lnL>
+                    <a:lnR>
+                      <a:noFill/>
+                    </a:lnR>
+                    <a:lnT>
+                      <a:noFill/>
+                    </a:lnT>
+                    <a:lnB>
+                      <a:noFill/>
+                    </a:lnB>
+                    <a:lnTlToBr w="12700" cmpd="sng">
+                      <a:noFill/>
+                      <a:prstDash val="solid"/>
+                    </a:lnTlToBr>
+                    <a:lnBlToTr w="12700" cmpd="sng">
+                      <a:noFill/>
+                      <a:prstDash val="solid"/>
+                    </a:lnBlToTr>
+                    <a:noFill/>
+                  </a:tcPr>
+                </a:tc>
+                <a:tc>
+                  <a:txBody>
+                    <a:bodyPr/>
+                    <a:lstStyle>
+                      <a:lvl1pPr marL="0" algn="l" defTabSz="914400" rtl="0" eaLnBrk="1" latinLnBrk="0" hangingPunct="1">
+                        <a:defRPr sz="1800" kern="1200">
+                          <a:solidFill>
+                            <a:schemeClr val="tx1"/>
+                          </a:solidFill>
+                          <a:latin typeface="Calibri" panose="020F0502020204030204"/>
+                        </a:defRPr>
+                      </a:lvl1pPr>
+                      <a:lvl2pPr marL="457200" algn="l" defTabSz="914400" rtl="0" eaLnBrk="1" latinLnBrk="0" hangingPunct="1">
+                        <a:defRPr sz="1800" kern="1200">
+                          <a:solidFill>
+                            <a:schemeClr val="tx1"/>
+                          </a:solidFill>
+                          <a:latin typeface="Calibri" panose="020F0502020204030204"/>
+                        </a:defRPr>
+                      </a:lvl2pPr>
+                      <a:lvl3pPr marL="914400" algn="l" defTabSz="914400" rtl="0" eaLnBrk="1" latinLnBrk="0" hangingPunct="1">
+                        <a:defRPr sz="1800" kern="1200">
+                          <a:solidFill>
+                            <a:schemeClr val="tx1"/>
+                          </a:solidFill>
+                          <a:latin typeface="Calibri" panose="020F0502020204030204"/>
+                        </a:defRPr>
+                      </a:lvl3pPr>
+                      <a:lvl4pPr marL="1371600" algn="l" defTabSz="914400" rtl="0" eaLnBrk="1" latinLnBrk="0" hangingPunct="1">
+                        <a:defRPr sz="1800" kern="1200">
+                          <a:solidFill>
+                            <a:schemeClr val="tx1"/>
+                          </a:solidFill>
+                          <a:latin typeface="Calibri" panose="020F0502020204030204"/>
+                        </a:defRPr>
+                      </a:lvl4pPr>
+                      <a:lvl5pPr marL="1828800" algn="l" defTabSz="914400" rtl="0" eaLnBrk="1" latinLnBrk="0" hangingPunct="1">
+                        <a:defRPr sz="1800" kern="1200">
+                          <a:solidFill>
+                            <a:schemeClr val="tx1"/>
+                          </a:solidFill>
+                          <a:latin typeface="Calibri" panose="020F0502020204030204"/>
+                        </a:defRPr>
+                      </a:lvl5pPr>
+                      <a:lvl6pPr marL="2286000" algn="l" defTabSz="914400" rtl="0" eaLnBrk="1" latinLnBrk="0" hangingPunct="1">
+                        <a:defRPr sz="1800" kern="1200">
+                          <a:solidFill>
+                            <a:schemeClr val="tx1"/>
+                          </a:solidFill>
+                          <a:latin typeface="Calibri" panose="020F0502020204030204"/>
+                        </a:defRPr>
+                      </a:lvl6pPr>
+                      <a:lvl7pPr marL="2743200" algn="l" defTabSz="914400" rtl="0" eaLnBrk="1" latinLnBrk="0" hangingPunct="1">
+                        <a:defRPr sz="1800" kern="1200">
+                          <a:solidFill>
+                            <a:schemeClr val="tx1"/>
+                          </a:solidFill>
+                          <a:latin typeface="Calibri" panose="020F0502020204030204"/>
+                        </a:defRPr>
+                      </a:lvl7pPr>
+                      <a:lvl8pPr marL="3200400" algn="l" defTabSz="914400" rtl="0" eaLnBrk="1" latinLnBrk="0" hangingPunct="1">
+                        <a:defRPr sz="1800" kern="1200">
+                          <a:solidFill>
+                            <a:schemeClr val="tx1"/>
+                          </a:solidFill>
+                          <a:latin typeface="Calibri" panose="020F0502020204030204"/>
+                        </a:defRPr>
+                      </a:lvl8pPr>
+                      <a:lvl9pPr marL="3657600" algn="l" defTabSz="914400" rtl="0" eaLnBrk="1" latinLnBrk="0" hangingPunct="1">
+                        <a:defRPr sz="1800" kern="1200">
+                          <a:solidFill>
+                            <a:schemeClr val="tx1"/>
+                          </a:solidFill>
+                          <a:latin typeface="Calibri" panose="020F0502020204030204"/>
+                        </a:defRPr>
+                      </a:lvl9pPr>
+                    </a:lstStyle>
+                    <a:p>
+                      <a:pPr algn="ctr" fontAlgn="ctr"/>
+                      <a:r>
+                        <a:rPr lang="es-MX" sz="1400" b="1" u="none" strike="noStrike">
+                          <a:effectLst/>
+                        </a:rPr>
+                        <a:t>LONGITUD</a:t>
+                      </a:r>
+                      <a:endParaRPr lang="es-MX" sz="1400" b="1" i="0" u="none" strike="noStrike">
+                        <a:solidFill>
+                          <a:srgbClr val="000000"/>
+                        </a:solidFill>
+                        <a:effectLst/>
+                        <a:latin typeface="Calibri" panose="020F0502020204030204" pitchFamily="34" charset="0"/>
+                      </a:endParaRPr>
+                    </a:p>
+                  </a:txBody>
+                  <a:tcPr marL="9525" marR="9525" marT="9525" marB="0" anchor="ctr">
+                    <a:lnL>
+                      <a:noFill/>
+                    </a:lnL>
+                    <a:lnR>
+                      <a:noFill/>
+                    </a:lnR>
+                    <a:lnT>
+                      <a:noFill/>
+                    </a:lnT>
+                    <a:lnB>
+                      <a:noFill/>
+                    </a:lnB>
+                    <a:lnTlToBr w="12700" cmpd="sng">
+                      <a:noFill/>
+                      <a:prstDash val="solid"/>
+                    </a:lnTlToBr>
+                    <a:lnBlToTr w="12700" cmpd="sng">
+                      <a:noFill/>
+                      <a:prstDash val="solid"/>
+                    </a:lnBlToTr>
+                    <a:noFill/>
+                  </a:tcPr>
+                </a:tc>
+                <a:tc>
+                  <a:txBody>
+                    <a:bodyPr/>
+                    <a:lstStyle>
+                      <a:lvl1pPr marL="0" algn="l" defTabSz="914400" rtl="0" eaLnBrk="1" latinLnBrk="0" hangingPunct="1">
+                        <a:defRPr sz="1800" kern="1200">
+                          <a:solidFill>
+                            <a:schemeClr val="tx1"/>
+                          </a:solidFill>
+                          <a:latin typeface="Calibri" panose="020F0502020204030204"/>
+                        </a:defRPr>
+                      </a:lvl1pPr>
+                      <a:lvl2pPr marL="457200" algn="l" defTabSz="914400" rtl="0" eaLnBrk="1" latinLnBrk="0" hangingPunct="1">
+                        <a:defRPr sz="1800" kern="1200">
+                          <a:solidFill>
+                            <a:schemeClr val="tx1"/>
+                          </a:solidFill>
+                          <a:latin typeface="Calibri" panose="020F0502020204030204"/>
+                        </a:defRPr>
+                      </a:lvl2pPr>
+                      <a:lvl3pPr marL="914400" algn="l" defTabSz="914400" rtl="0" eaLnBrk="1" latinLnBrk="0" hangingPunct="1">
+                        <a:defRPr sz="1800" kern="1200">
+                          <a:solidFill>
+                            <a:schemeClr val="tx1"/>
+                          </a:solidFill>
+                          <a:latin typeface="Calibri" panose="020F0502020204030204"/>
+                        </a:defRPr>
+                      </a:lvl3pPr>
+                      <a:lvl4pPr marL="1371600" algn="l" defTabSz="914400" rtl="0" eaLnBrk="1" latinLnBrk="0" hangingPunct="1">
+                        <a:defRPr sz="1800" kern="1200">
+                          <a:solidFill>
+                            <a:schemeClr val="tx1"/>
+                          </a:solidFill>
+                          <a:latin typeface="Calibri" panose="020F0502020204030204"/>
+                        </a:defRPr>
+                      </a:lvl4pPr>
+                      <a:lvl5pPr marL="1828800" algn="l" defTabSz="914400" rtl="0" eaLnBrk="1" latinLnBrk="0" hangingPunct="1">
+                        <a:defRPr sz="1800" kern="1200">
+                          <a:solidFill>
+                            <a:schemeClr val="tx1"/>
+                          </a:solidFill>
+                          <a:latin typeface="Calibri" panose="020F0502020204030204"/>
+                        </a:defRPr>
+                      </a:lvl5pPr>
+                      <a:lvl6pPr marL="2286000" algn="l" defTabSz="914400" rtl="0" eaLnBrk="1" latinLnBrk="0" hangingPunct="1">
+                        <a:defRPr sz="1800" kern="1200">
+                          <a:solidFill>
+                            <a:schemeClr val="tx1"/>
+                          </a:solidFill>
+                          <a:latin typeface="Calibri" panose="020F0502020204030204"/>
+                        </a:defRPr>
+                      </a:lvl6pPr>
+                      <a:lvl7pPr marL="2743200" algn="l" defTabSz="914400" rtl="0" eaLnBrk="1" latinLnBrk="0" hangingPunct="1">
+                        <a:defRPr sz="1800" kern="1200">
+                          <a:solidFill>
+                            <a:schemeClr val="tx1"/>
+                          </a:solidFill>
+                          <a:latin typeface="Calibri" panose="020F0502020204030204"/>
+                        </a:defRPr>
+                      </a:lvl7pPr>
+                      <a:lvl8pPr marL="3200400" algn="l" defTabSz="914400" rtl="0" eaLnBrk="1" latinLnBrk="0" hangingPunct="1">
+                        <a:defRPr sz="1800" kern="1200">
+                          <a:solidFill>
+                            <a:schemeClr val="tx1"/>
+                          </a:solidFill>
+                          <a:latin typeface="Calibri" panose="020F0502020204030204"/>
+                        </a:defRPr>
+                      </a:lvl8pPr>
+                      <a:lvl9pPr marL="3657600" algn="l" defTabSz="914400" rtl="0" eaLnBrk="1" latinLnBrk="0" hangingPunct="1">
+                        <a:defRPr sz="1800" kern="1200">
+                          <a:solidFill>
+                            <a:schemeClr val="tx1"/>
+                          </a:solidFill>
+                          <a:latin typeface="Calibri" panose="020F0502020204030204"/>
+                        </a:defRPr>
+                      </a:lvl9pPr>
+                    </a:lstStyle>
+                    <a:p>
+                      <a:pPr algn="ctr" fontAlgn="ctr"/>
+                      <a:r>
+                        <a:rPr lang="es-MX" sz="1400" b="1" u="none" strike="noStrike">
+                          <a:effectLst/>
+                        </a:rPr>
+                        <a:t>SRC</a:t>
+                      </a:r>
+                      <a:endParaRPr lang="es-MX" sz="1400" b="1" i="0" u="none" strike="noStrike">
+                        <a:solidFill>
+                          <a:srgbClr val="000000"/>
+                        </a:solidFill>
+                        <a:effectLst/>
+                        <a:latin typeface="Calibri" panose="020F0502020204030204" pitchFamily="34" charset="0"/>
+                      </a:endParaRPr>
+                    </a:p>
+                  </a:txBody>
+                  <a:tcPr marL="9525" marR="9525" marT="9525" marB="0" anchor="ctr">
+                    <a:lnL>
+                      <a:noFill/>
+                    </a:lnL>
+                    <a:lnR>
+                      <a:noFill/>
+                    </a:lnR>
+                    <a:lnT>
+                      <a:noFill/>
+                    </a:lnT>
+                    <a:lnB>
+                      <a:noFill/>
+                    </a:lnB>
+                    <a:lnTlToBr w="12700" cmpd="sng">
+                      <a:noFill/>
+                      <a:prstDash val="solid"/>
+                    </a:lnTlToBr>
+                    <a:lnBlToTr w="12700" cmpd="sng">
+                      <a:noFill/>
+                      <a:prstDash val="solid"/>
+                    </a:lnBlToTr>
+                    <a:noFill/>
+                  </a:tcPr>
+                </a:tc>
+                <a:tc>
+                  <a:txBody>
+                    <a:bodyPr/>
+                    <a:lstStyle>
+                      <a:lvl1pPr marL="0" algn="l" defTabSz="914400" rtl="0" eaLnBrk="1" latinLnBrk="0" hangingPunct="1">
+                        <a:defRPr sz="1800" kern="1200">
+                          <a:solidFill>
+                            <a:schemeClr val="tx1"/>
+                          </a:solidFill>
+                          <a:latin typeface="Calibri" panose="020F0502020204030204"/>
+                        </a:defRPr>
+                      </a:lvl1pPr>
+                      <a:lvl2pPr marL="457200" algn="l" defTabSz="914400" rtl="0" eaLnBrk="1" latinLnBrk="0" hangingPunct="1">
+                        <a:defRPr sz="1800" kern="1200">
+                          <a:solidFill>
+                            <a:schemeClr val="tx1"/>
+                          </a:solidFill>
+                          <a:latin typeface="Calibri" panose="020F0502020204030204"/>
+                        </a:defRPr>
+                      </a:lvl2pPr>
+                      <a:lvl3pPr marL="914400" algn="l" defTabSz="914400" rtl="0" eaLnBrk="1" latinLnBrk="0" hangingPunct="1">
+                        <a:defRPr sz="1800" kern="1200">
+                          <a:solidFill>
+                            <a:schemeClr val="tx1"/>
+                          </a:solidFill>
+                          <a:latin typeface="Calibri" panose="020F0502020204030204"/>
+                        </a:defRPr>
+                      </a:lvl3pPr>
+                      <a:lvl4pPr marL="1371600" algn="l" defTabSz="914400" rtl="0" eaLnBrk="1" latinLnBrk="0" hangingPunct="1">
+                        <a:defRPr sz="1800" kern="1200">
+                          <a:solidFill>
+                            <a:schemeClr val="tx1"/>
+                          </a:solidFill>
+                          <a:latin typeface="Calibri" panose="020F0502020204030204"/>
+                        </a:defRPr>
+                      </a:lvl4pPr>
+                      <a:lvl5pPr marL="1828800" algn="l" defTabSz="914400" rtl="0" eaLnBrk="1" latinLnBrk="0" hangingPunct="1">
+                        <a:defRPr sz="1800" kern="1200">
+                          <a:solidFill>
+                            <a:schemeClr val="tx1"/>
+                          </a:solidFill>
+                          <a:latin typeface="Calibri" panose="020F0502020204030204"/>
+                        </a:defRPr>
+                      </a:lvl5pPr>
+                      <a:lvl6pPr marL="2286000" algn="l" defTabSz="914400" rtl="0" eaLnBrk="1" latinLnBrk="0" hangingPunct="1">
+                        <a:defRPr sz="1800" kern="1200">
+                          <a:solidFill>
+                            <a:schemeClr val="tx1"/>
+                          </a:solidFill>
+                          <a:latin typeface="Calibri" panose="020F0502020204030204"/>
+                        </a:defRPr>
+                      </a:lvl6pPr>
+                      <a:lvl7pPr marL="2743200" algn="l" defTabSz="914400" rtl="0" eaLnBrk="1" latinLnBrk="0" hangingPunct="1">
+                        <a:defRPr sz="1800" kern="1200">
+                          <a:solidFill>
+                            <a:schemeClr val="tx1"/>
+                          </a:solidFill>
+                          <a:latin typeface="Calibri" panose="020F0502020204030204"/>
+                        </a:defRPr>
+                      </a:lvl7pPr>
+                      <a:lvl8pPr marL="3200400" algn="l" defTabSz="914400" rtl="0" eaLnBrk="1" latinLnBrk="0" hangingPunct="1">
+                        <a:defRPr sz="1800" kern="1200">
+                          <a:solidFill>
+                            <a:schemeClr val="tx1"/>
+                          </a:solidFill>
+                          <a:latin typeface="Calibri" panose="020F0502020204030204"/>
+                        </a:defRPr>
+                      </a:lvl8pPr>
+                      <a:lvl9pPr marL="3657600" algn="l" defTabSz="914400" rtl="0" eaLnBrk="1" latinLnBrk="0" hangingPunct="1">
+                        <a:defRPr sz="1800" kern="1200">
+                          <a:solidFill>
+                            <a:schemeClr val="tx1"/>
+                          </a:solidFill>
+                          <a:latin typeface="Calibri" panose="020F0502020204030204"/>
+                        </a:defRPr>
+                      </a:lvl9pPr>
+                    </a:lstStyle>
+                    <a:p>
+                      <a:pPr algn="ctr" fontAlgn="ctr"/>
+                      <a:r>
+                        <a:rPr lang="es-MX" sz="1400" b="1" u="none" strike="noStrike" dirty="0">
+                          <a:effectLst/>
+                        </a:rPr>
+                        <a:t>CMD</a:t>
+                      </a:r>
+                      <a:endParaRPr lang="es-MX" sz="1400" b="1" i="0" u="none" strike="noStrike" dirty="0">
+                        <a:solidFill>
+                          <a:srgbClr val="000000"/>
+                        </a:solidFill>
+                        <a:effectLst/>
+                        <a:latin typeface="Calibri" panose="020F0502020204030204" pitchFamily="34" charset="0"/>
+                      </a:endParaRPr>
+                    </a:p>
+                  </a:txBody>
+                  <a:tcPr marL="9525" marR="9525" marT="9525" marB="0" anchor="ctr">
+                    <a:lnL>
+                      <a:noFill/>
+                    </a:lnL>
+                    <a:lnR>
+                      <a:noFill/>
+                    </a:lnR>
+                    <a:lnT>
+                      <a:noFill/>
+                    </a:lnT>
+                    <a:lnB>
+                      <a:noFill/>
+                    </a:lnB>
+                    <a:lnTlToBr w="12700" cmpd="sng">
+                      <a:noFill/>
+                      <a:prstDash val="solid"/>
+                    </a:lnTlToBr>
+                    <a:lnBlToTr w="12700" cmpd="sng">
+                      <a:noFill/>
+                      <a:prstDash val="solid"/>
+                    </a:lnBlToTr>
+                    <a:noFill/>
+                  </a:tcPr>
+                </a:tc>
+                <a:tc>
+                  <a:txBody>
+                    <a:bodyPr/>
+                    <a:lstStyle>
+                      <a:lvl1pPr marL="0" algn="l" defTabSz="914400" rtl="0" eaLnBrk="1" latinLnBrk="0" hangingPunct="1">
+                        <a:defRPr sz="1800" kern="1200">
+                          <a:solidFill>
+                            <a:schemeClr val="tx1"/>
+                          </a:solidFill>
+                          <a:latin typeface="Calibri" panose="020F0502020204030204"/>
+                        </a:defRPr>
+                      </a:lvl1pPr>
+                      <a:lvl2pPr marL="457200" algn="l" defTabSz="914400" rtl="0" eaLnBrk="1" latinLnBrk="0" hangingPunct="1">
+                        <a:defRPr sz="1800" kern="1200">
+                          <a:solidFill>
+                            <a:schemeClr val="tx1"/>
+                          </a:solidFill>
+                          <a:latin typeface="Calibri" panose="020F0502020204030204"/>
+                        </a:defRPr>
+                      </a:lvl2pPr>
+                      <a:lvl3pPr marL="914400" algn="l" defTabSz="914400" rtl="0" eaLnBrk="1" latinLnBrk="0" hangingPunct="1">
+                        <a:defRPr sz="1800" kern="1200">
+                          <a:solidFill>
+                            <a:schemeClr val="tx1"/>
+                          </a:solidFill>
+                          <a:latin typeface="Calibri" panose="020F0502020204030204"/>
+                        </a:defRPr>
+                      </a:lvl3pPr>
+                      <a:lvl4pPr marL="1371600" algn="l" defTabSz="914400" rtl="0" eaLnBrk="1" latinLnBrk="0" hangingPunct="1">
+                        <a:defRPr sz="1800" kern="1200">
+                          <a:solidFill>
+                            <a:schemeClr val="tx1"/>
+                          </a:solidFill>
+                          <a:latin typeface="Calibri" panose="020F0502020204030204"/>
+                        </a:defRPr>
+                      </a:lvl4pPr>
+                      <a:lvl5pPr marL="1828800" algn="l" defTabSz="914400" rtl="0" eaLnBrk="1" latinLnBrk="0" hangingPunct="1">
+                        <a:defRPr sz="1800" kern="1200">
+                          <a:solidFill>
+                            <a:schemeClr val="tx1"/>
+                          </a:solidFill>
+                          <a:latin typeface="Calibri" panose="020F0502020204030204"/>
+                        </a:defRPr>
+                      </a:lvl5pPr>
+                      <a:lvl6pPr marL="2286000" algn="l" defTabSz="914400" rtl="0" eaLnBrk="1" latinLnBrk="0" hangingPunct="1">
+                        <a:defRPr sz="1800" kern="1200">
+                          <a:solidFill>
+                            <a:schemeClr val="tx1"/>
+                          </a:solidFill>
+                          <a:latin typeface="Calibri" panose="020F0502020204030204"/>
+                        </a:defRPr>
+                      </a:lvl6pPr>
+                      <a:lvl7pPr marL="2743200" algn="l" defTabSz="914400" rtl="0" eaLnBrk="1" latinLnBrk="0" hangingPunct="1">
+                        <a:defRPr sz="1800" kern="1200">
+                          <a:solidFill>
+                            <a:schemeClr val="tx1"/>
+                          </a:solidFill>
+                          <a:latin typeface="Calibri" panose="020F0502020204030204"/>
+                        </a:defRPr>
+                      </a:lvl7pPr>
+                      <a:lvl8pPr marL="3200400" algn="l" defTabSz="914400" rtl="0" eaLnBrk="1" latinLnBrk="0" hangingPunct="1">
+                        <a:defRPr sz="1800" kern="1200">
+                          <a:solidFill>
+                            <a:schemeClr val="tx1"/>
+                          </a:solidFill>
+                          <a:latin typeface="Calibri" panose="020F0502020204030204"/>
+                        </a:defRPr>
+                      </a:lvl8pPr>
+                      <a:lvl9pPr marL="3657600" algn="l" defTabSz="914400" rtl="0" eaLnBrk="1" latinLnBrk="0" hangingPunct="1">
+                        <a:defRPr sz="1800" kern="1200">
+                          <a:solidFill>
+                            <a:schemeClr val="tx1"/>
+                          </a:solidFill>
+                          <a:latin typeface="Calibri" panose="020F0502020204030204"/>
+                        </a:defRPr>
+                      </a:lvl9pPr>
+                    </a:lstStyle>
+                    <a:p>
+                      <a:pPr algn="ctr" fontAlgn="ctr"/>
+                      <a:r>
+                        <a:rPr lang="es-MX" sz="1400" b="1" u="none" strike="noStrike" dirty="0">
+                          <a:effectLst/>
+                        </a:rPr>
+                        <a:t>ERD</a:t>
+                      </a:r>
+                      <a:endParaRPr lang="es-MX" sz="1400" b="1" i="0" u="none" strike="noStrike" dirty="0">
+                        <a:solidFill>
+                          <a:srgbClr val="000000"/>
+                        </a:solidFill>
+                        <a:effectLst/>
+                        <a:latin typeface="Calibri" panose="020F0502020204030204" pitchFamily="34" charset="0"/>
+                      </a:endParaRPr>
+                    </a:p>
+                  </a:txBody>
+                  <a:tcPr marL="9525" marR="9525" marT="9525" marB="0" anchor="ctr">
+                    <a:lnL>
+                      <a:noFill/>
+                    </a:lnL>
+                    <a:lnR>
+                      <a:noFill/>
+                    </a:lnR>
+                    <a:lnT>
+                      <a:noFill/>
+                    </a:lnT>
+                    <a:lnB>
+                      <a:noFill/>
+                    </a:lnB>
+                    <a:lnTlToBr w="12700" cmpd="sng">
+                      <a:noFill/>
+                      <a:prstDash val="solid"/>
+                    </a:lnTlToBr>
+                    <a:lnBlToTr w="12700" cmpd="sng">
+                      <a:noFill/>
+                      <a:prstDash val="solid"/>
+                    </a:lnBlToTr>
+                    <a:noFill/>
+                  </a:tcPr>
+                </a:tc>
+                <a:tc>
+                  <a:txBody>
+                    <a:bodyPr/>
+                    <a:lstStyle>
+                      <a:lvl1pPr marL="0" algn="l" defTabSz="914400" rtl="0" eaLnBrk="1" latinLnBrk="0" hangingPunct="1">
+                        <a:defRPr sz="1800" kern="1200">
+                          <a:solidFill>
+                            <a:schemeClr val="tx1"/>
+                          </a:solidFill>
+                          <a:latin typeface="Calibri" panose="020F0502020204030204"/>
+                        </a:defRPr>
+                      </a:lvl1pPr>
+                      <a:lvl2pPr marL="457200" algn="l" defTabSz="914400" rtl="0" eaLnBrk="1" latinLnBrk="0" hangingPunct="1">
+                        <a:defRPr sz="1800" kern="1200">
+                          <a:solidFill>
+                            <a:schemeClr val="tx1"/>
+                          </a:solidFill>
+                          <a:latin typeface="Calibri" panose="020F0502020204030204"/>
+                        </a:defRPr>
+                      </a:lvl2pPr>
+                      <a:lvl3pPr marL="914400" algn="l" defTabSz="914400" rtl="0" eaLnBrk="1" latinLnBrk="0" hangingPunct="1">
+                        <a:defRPr sz="1800" kern="1200">
+                          <a:solidFill>
+                            <a:schemeClr val="tx1"/>
+                          </a:solidFill>
+                          <a:latin typeface="Calibri" panose="020F0502020204030204"/>
+                        </a:defRPr>
+                      </a:lvl3pPr>
+                      <a:lvl4pPr marL="1371600" algn="l" defTabSz="914400" rtl="0" eaLnBrk="1" latinLnBrk="0" hangingPunct="1">
+                        <a:defRPr sz="1800" kern="1200">
+                          <a:solidFill>
+                            <a:schemeClr val="tx1"/>
+                          </a:solidFill>
+                          <a:latin typeface="Calibri" panose="020F0502020204030204"/>
+                        </a:defRPr>
+                      </a:lvl4pPr>
+                      <a:lvl5pPr marL="1828800" algn="l" defTabSz="914400" rtl="0" eaLnBrk="1" latinLnBrk="0" hangingPunct="1">
+                        <a:defRPr sz="1800" kern="1200">
+                          <a:solidFill>
+                            <a:schemeClr val="tx1"/>
+                          </a:solidFill>
+                          <a:latin typeface="Calibri" panose="020F0502020204030204"/>
+                        </a:defRPr>
+                      </a:lvl5pPr>
+                      <a:lvl6pPr marL="2286000" algn="l" defTabSz="914400" rtl="0" eaLnBrk="1" latinLnBrk="0" hangingPunct="1">
+                        <a:defRPr sz="1800" kern="1200">
+                          <a:solidFill>
+                            <a:schemeClr val="tx1"/>
+                          </a:solidFill>
+                          <a:latin typeface="Calibri" panose="020F0502020204030204"/>
+                        </a:defRPr>
+                      </a:lvl6pPr>
+                      <a:lvl7pPr marL="2743200" algn="l" defTabSz="914400" rtl="0" eaLnBrk="1" latinLnBrk="0" hangingPunct="1">
+                        <a:defRPr sz="1800" kern="1200">
+                          <a:solidFill>
+                            <a:schemeClr val="tx1"/>
+                          </a:solidFill>
+                          <a:latin typeface="Calibri" panose="020F0502020204030204"/>
+                        </a:defRPr>
+                      </a:lvl7pPr>
+                      <a:lvl8pPr marL="3200400" algn="l" defTabSz="914400" rtl="0" eaLnBrk="1" latinLnBrk="0" hangingPunct="1">
+                        <a:defRPr sz="1800" kern="1200">
+                          <a:solidFill>
+                            <a:schemeClr val="tx1"/>
+                          </a:solidFill>
+                          <a:latin typeface="Calibri" panose="020F0502020204030204"/>
+                        </a:defRPr>
+                      </a:lvl8pPr>
+                      <a:lvl9pPr marL="3657600" algn="l" defTabSz="914400" rtl="0" eaLnBrk="1" latinLnBrk="0" hangingPunct="1">
+                        <a:defRPr sz="1800" kern="1200">
+                          <a:solidFill>
+                            <a:schemeClr val="tx1"/>
+                          </a:solidFill>
+                          <a:latin typeface="Calibri" panose="020F0502020204030204"/>
+                        </a:defRPr>
+                      </a:lvl9pPr>
+                    </a:lstStyle>
+                    <a:p>
+                      <a:pPr algn="ctr" fontAlgn="ctr"/>
+                      <a:r>
+                        <a:rPr lang="es-MX" sz="1400" b="1" u="none" strike="noStrike" dirty="0">
+                          <a:effectLst/>
+                        </a:rPr>
+                        <a:t>ERD DATA SIZE</a:t>
+                      </a:r>
+                      <a:endParaRPr lang="es-MX" sz="1400" b="1" i="0" u="none" strike="noStrike" dirty="0">
+                        <a:solidFill>
+                          <a:srgbClr val="000000"/>
+                        </a:solidFill>
+                        <a:effectLst/>
+                        <a:latin typeface="Calibri" panose="020F0502020204030204" pitchFamily="34" charset="0"/>
+                      </a:endParaRPr>
+                    </a:p>
+                  </a:txBody>
+                  <a:tcPr marL="9525" marR="9525" marT="9525" marB="0" anchor="ctr">
+                    <a:lnL>
+                      <a:noFill/>
+                    </a:lnL>
+                    <a:lnR>
+                      <a:noFill/>
+                    </a:lnR>
+                    <a:lnT>
+                      <a:noFill/>
+                    </a:lnT>
+                    <a:lnB>
+                      <a:noFill/>
+                    </a:lnB>
+                    <a:lnTlToBr w="12700" cmpd="sng">
+                      <a:noFill/>
+                      <a:prstDash val="solid"/>
+                    </a:lnTlToBr>
+                    <a:lnBlToTr w="12700" cmpd="sng">
+                      <a:noFill/>
+                      <a:prstDash val="solid"/>
+                    </a:lnBlToTr>
+                    <a:noFill/>
+                  </a:tcPr>
+                </a:tc>
+                <a:tc>
+                  <a:txBody>
+                    <a:bodyPr/>
+                    <a:lstStyle>
+                      <a:lvl1pPr marL="0" algn="l" defTabSz="914400" rtl="0" eaLnBrk="1" latinLnBrk="0" hangingPunct="1">
+                        <a:defRPr sz="1800" kern="1200">
+                          <a:solidFill>
+                            <a:schemeClr val="tx1"/>
+                          </a:solidFill>
+                          <a:latin typeface="Calibri" panose="020F0502020204030204"/>
+                        </a:defRPr>
+                      </a:lvl1pPr>
+                      <a:lvl2pPr marL="457200" algn="l" defTabSz="914400" rtl="0" eaLnBrk="1" latinLnBrk="0" hangingPunct="1">
+                        <a:defRPr sz="1800" kern="1200">
+                          <a:solidFill>
+                            <a:schemeClr val="tx1"/>
+                          </a:solidFill>
+                          <a:latin typeface="Calibri" panose="020F0502020204030204"/>
+                        </a:defRPr>
+                      </a:lvl2pPr>
+                      <a:lvl3pPr marL="914400" algn="l" defTabSz="914400" rtl="0" eaLnBrk="1" latinLnBrk="0" hangingPunct="1">
+                        <a:defRPr sz="1800" kern="1200">
+                          <a:solidFill>
+                            <a:schemeClr val="tx1"/>
+                          </a:solidFill>
+                          <a:latin typeface="Calibri" panose="020F0502020204030204"/>
+                        </a:defRPr>
+                      </a:lvl3pPr>
+                      <a:lvl4pPr marL="1371600" algn="l" defTabSz="914400" rtl="0" eaLnBrk="1" latinLnBrk="0" hangingPunct="1">
+                        <a:defRPr sz="1800" kern="1200">
+                          <a:solidFill>
+                            <a:schemeClr val="tx1"/>
+                          </a:solidFill>
+                          <a:latin typeface="Calibri" panose="020F0502020204030204"/>
+                        </a:defRPr>
+                      </a:lvl4pPr>
+                      <a:lvl5pPr marL="1828800" algn="l" defTabSz="914400" rtl="0" eaLnBrk="1" latinLnBrk="0" hangingPunct="1">
+                        <a:defRPr sz="1800" kern="1200">
+                          <a:solidFill>
+                            <a:schemeClr val="tx1"/>
+                          </a:solidFill>
+                          <a:latin typeface="Calibri" panose="020F0502020204030204"/>
+                        </a:defRPr>
+                      </a:lvl5pPr>
+                      <a:lvl6pPr marL="2286000" algn="l" defTabSz="914400" rtl="0" eaLnBrk="1" latinLnBrk="0" hangingPunct="1">
+                        <a:defRPr sz="1800" kern="1200">
+                          <a:solidFill>
+                            <a:schemeClr val="tx1"/>
+                          </a:solidFill>
+                          <a:latin typeface="Calibri" panose="020F0502020204030204"/>
+                        </a:defRPr>
+                      </a:lvl6pPr>
+                      <a:lvl7pPr marL="2743200" algn="l" defTabSz="914400" rtl="0" eaLnBrk="1" latinLnBrk="0" hangingPunct="1">
+                        <a:defRPr sz="1800" kern="1200">
+                          <a:solidFill>
+                            <a:schemeClr val="tx1"/>
+                          </a:solidFill>
+                          <a:latin typeface="Calibri" panose="020F0502020204030204"/>
+                        </a:defRPr>
+                      </a:lvl7pPr>
+                      <a:lvl8pPr marL="3200400" algn="l" defTabSz="914400" rtl="0" eaLnBrk="1" latinLnBrk="0" hangingPunct="1">
+                        <a:defRPr sz="1800" kern="1200">
+                          <a:solidFill>
+                            <a:schemeClr val="tx1"/>
+                          </a:solidFill>
+                          <a:latin typeface="Calibri" panose="020F0502020204030204"/>
+                        </a:defRPr>
+                      </a:lvl8pPr>
+                      <a:lvl9pPr marL="3657600" algn="l" defTabSz="914400" rtl="0" eaLnBrk="1" latinLnBrk="0" hangingPunct="1">
+                        <a:defRPr sz="1800" kern="1200">
+                          <a:solidFill>
+                            <a:schemeClr val="tx1"/>
+                          </a:solidFill>
+                          <a:latin typeface="Calibri" panose="020F0502020204030204"/>
+                        </a:defRPr>
+                      </a:lvl9pPr>
+                    </a:lstStyle>
+                    <a:p>
+                      <a:pPr algn="ctr" fontAlgn="ctr"/>
+                      <a:r>
+                        <a:rPr lang="es-MX" sz="1400" b="1" u="none" strike="noStrike" dirty="0">
+                          <a:effectLst/>
+                        </a:rPr>
+                        <a:t>DATO</a:t>
+                      </a:r>
+                      <a:endParaRPr lang="es-MX" sz="1400" b="1" i="0" u="none" strike="noStrike" dirty="0">
+                        <a:solidFill>
+                          <a:srgbClr val="000000"/>
+                        </a:solidFill>
+                        <a:effectLst/>
+                        <a:latin typeface="Calibri" panose="020F0502020204030204" pitchFamily="34" charset="0"/>
+                      </a:endParaRPr>
+                    </a:p>
+                  </a:txBody>
+                  <a:tcPr marL="9525" marR="9525" marT="9525" marB="0" anchor="ctr">
+                    <a:lnL>
+                      <a:noFill/>
+                    </a:lnL>
+                    <a:lnR>
+                      <a:noFill/>
+                    </a:lnR>
+                    <a:lnT>
+                      <a:noFill/>
+                    </a:lnT>
+                    <a:lnB>
+                      <a:noFill/>
+                    </a:lnB>
+                    <a:lnTlToBr w="12700" cmpd="sng">
+                      <a:noFill/>
+                      <a:prstDash val="solid"/>
+                    </a:lnTlToBr>
+                    <a:lnBlToTr w="12700" cmpd="sng">
+                      <a:noFill/>
+                      <a:prstDash val="solid"/>
+                    </a:lnBlToTr>
+                    <a:noFill/>
+                  </a:tcPr>
+                </a:tc>
+                <a:tc>
+                  <a:txBody>
+                    <a:bodyPr/>
+                    <a:lstStyle>
+                      <a:lvl1pPr marL="0" algn="l" defTabSz="914400" rtl="0" eaLnBrk="1" latinLnBrk="0" hangingPunct="1">
+                        <a:defRPr sz="1800" kern="1200">
+                          <a:solidFill>
+                            <a:schemeClr val="tx1"/>
+                          </a:solidFill>
+                          <a:latin typeface="Calibri" panose="020F0502020204030204"/>
+                        </a:defRPr>
+                      </a:lvl1pPr>
+                      <a:lvl2pPr marL="457200" algn="l" defTabSz="914400" rtl="0" eaLnBrk="1" latinLnBrk="0" hangingPunct="1">
+                        <a:defRPr sz="1800" kern="1200">
+                          <a:solidFill>
+                            <a:schemeClr val="tx1"/>
+                          </a:solidFill>
+                          <a:latin typeface="Calibri" panose="020F0502020204030204"/>
+                        </a:defRPr>
+                      </a:lvl2pPr>
+                      <a:lvl3pPr marL="914400" algn="l" defTabSz="914400" rtl="0" eaLnBrk="1" latinLnBrk="0" hangingPunct="1">
+                        <a:defRPr sz="1800" kern="1200">
+                          <a:solidFill>
+                            <a:schemeClr val="tx1"/>
+                          </a:solidFill>
+                          <a:latin typeface="Calibri" panose="020F0502020204030204"/>
+                        </a:defRPr>
+                      </a:lvl3pPr>
+                      <a:lvl4pPr marL="1371600" algn="l" defTabSz="914400" rtl="0" eaLnBrk="1" latinLnBrk="0" hangingPunct="1">
+                        <a:defRPr sz="1800" kern="1200">
+                          <a:solidFill>
+                            <a:schemeClr val="tx1"/>
+                          </a:solidFill>
+                          <a:latin typeface="Calibri" panose="020F0502020204030204"/>
+                        </a:defRPr>
+                      </a:lvl4pPr>
+                      <a:lvl5pPr marL="1828800" algn="l" defTabSz="914400" rtl="0" eaLnBrk="1" latinLnBrk="0" hangingPunct="1">
+                        <a:defRPr sz="1800" kern="1200">
+                          <a:solidFill>
+                            <a:schemeClr val="tx1"/>
+                          </a:solidFill>
+                          <a:latin typeface="Calibri" panose="020F0502020204030204"/>
+                        </a:defRPr>
+                      </a:lvl5pPr>
+                      <a:lvl6pPr marL="2286000" algn="l" defTabSz="914400" rtl="0" eaLnBrk="1" latinLnBrk="0" hangingPunct="1">
+                        <a:defRPr sz="1800" kern="1200">
+                          <a:solidFill>
+                            <a:schemeClr val="tx1"/>
+                          </a:solidFill>
+                          <a:latin typeface="Calibri" panose="020F0502020204030204"/>
+                        </a:defRPr>
+                      </a:lvl6pPr>
+                      <a:lvl7pPr marL="2743200" algn="l" defTabSz="914400" rtl="0" eaLnBrk="1" latinLnBrk="0" hangingPunct="1">
+                        <a:defRPr sz="1800" kern="1200">
+                          <a:solidFill>
+                            <a:schemeClr val="tx1"/>
+                          </a:solidFill>
+                          <a:latin typeface="Calibri" panose="020F0502020204030204"/>
+                        </a:defRPr>
+                      </a:lvl7pPr>
+                      <a:lvl8pPr marL="3200400" algn="l" defTabSz="914400" rtl="0" eaLnBrk="1" latinLnBrk="0" hangingPunct="1">
+                        <a:defRPr sz="1800" kern="1200">
+                          <a:solidFill>
+                            <a:schemeClr val="tx1"/>
+                          </a:solidFill>
+                          <a:latin typeface="Calibri" panose="020F0502020204030204"/>
+                        </a:defRPr>
+                      </a:lvl8pPr>
+                      <a:lvl9pPr marL="3657600" algn="l" defTabSz="914400" rtl="0" eaLnBrk="1" latinLnBrk="0" hangingPunct="1">
+                        <a:defRPr sz="1800" kern="1200">
+                          <a:solidFill>
+                            <a:schemeClr val="tx1"/>
+                          </a:solidFill>
+                          <a:latin typeface="Calibri" panose="020F0502020204030204"/>
+                        </a:defRPr>
+                      </a:lvl9pPr>
+                    </a:lstStyle>
+                    <a:p>
+                      <a:pPr algn="ctr" fontAlgn="ctr"/>
+                      <a:r>
+                        <a:rPr lang="es-MX" sz="1400" b="1" u="none" strike="noStrike">
+                          <a:effectLst/>
+                        </a:rPr>
+                        <a:t>CRC</a:t>
+                      </a:r>
+                      <a:endParaRPr lang="es-MX" sz="1400" b="1" i="0" u="none" strike="noStrike">
+                        <a:solidFill>
+                          <a:srgbClr val="000000"/>
+                        </a:solidFill>
+                        <a:effectLst/>
+                        <a:latin typeface="Calibri" panose="020F0502020204030204" pitchFamily="34" charset="0"/>
+                      </a:endParaRPr>
+                    </a:p>
+                  </a:txBody>
+                  <a:tcPr marL="9525" marR="9525" marT="9525" marB="0" anchor="ctr">
+                    <a:lnL>
+                      <a:noFill/>
+                    </a:lnL>
+                    <a:lnR>
+                      <a:noFill/>
+                    </a:lnR>
+                    <a:lnT>
+                      <a:noFill/>
+                    </a:lnT>
+                    <a:lnB>
+                      <a:noFill/>
+                    </a:lnB>
+                    <a:lnTlToBr w="12700" cmpd="sng">
+                      <a:noFill/>
+                      <a:prstDash val="solid"/>
+                    </a:lnTlToBr>
+                    <a:lnBlToTr w="12700" cmpd="sng">
+                      <a:noFill/>
+                      <a:prstDash val="solid"/>
+                    </a:lnBlToTr>
+                    <a:noFill/>
+                  </a:tcPr>
+                </a:tc>
+                <a:tc>
+                  <a:txBody>
+                    <a:bodyPr/>
+                    <a:lstStyle>
+                      <a:lvl1pPr marL="0" algn="l" defTabSz="914400" rtl="0" eaLnBrk="1" latinLnBrk="0" hangingPunct="1">
+                        <a:defRPr sz="1800" kern="1200">
+                          <a:solidFill>
+                            <a:schemeClr val="tx1"/>
+                          </a:solidFill>
+                          <a:latin typeface="Calibri" panose="020F0502020204030204"/>
+                        </a:defRPr>
+                      </a:lvl1pPr>
+                      <a:lvl2pPr marL="457200" algn="l" defTabSz="914400" rtl="0" eaLnBrk="1" latinLnBrk="0" hangingPunct="1">
+                        <a:defRPr sz="1800" kern="1200">
+                          <a:solidFill>
+                            <a:schemeClr val="tx1"/>
+                          </a:solidFill>
+                          <a:latin typeface="Calibri" panose="020F0502020204030204"/>
+                        </a:defRPr>
+                      </a:lvl2pPr>
+                      <a:lvl3pPr marL="914400" algn="l" defTabSz="914400" rtl="0" eaLnBrk="1" latinLnBrk="0" hangingPunct="1">
+                        <a:defRPr sz="1800" kern="1200">
+                          <a:solidFill>
+                            <a:schemeClr val="tx1"/>
+                          </a:solidFill>
+                          <a:latin typeface="Calibri" panose="020F0502020204030204"/>
+                        </a:defRPr>
+                      </a:lvl3pPr>
+                      <a:lvl4pPr marL="1371600" algn="l" defTabSz="914400" rtl="0" eaLnBrk="1" latinLnBrk="0" hangingPunct="1">
+                        <a:defRPr sz="1800" kern="1200">
+                          <a:solidFill>
+                            <a:schemeClr val="tx1"/>
+                          </a:solidFill>
+                          <a:latin typeface="Calibri" panose="020F0502020204030204"/>
+                        </a:defRPr>
+                      </a:lvl4pPr>
+                      <a:lvl5pPr marL="1828800" algn="l" defTabSz="914400" rtl="0" eaLnBrk="1" latinLnBrk="0" hangingPunct="1">
+                        <a:defRPr sz="1800" kern="1200">
+                          <a:solidFill>
+                            <a:schemeClr val="tx1"/>
+                          </a:solidFill>
+                          <a:latin typeface="Calibri" panose="020F0502020204030204"/>
+                        </a:defRPr>
+                      </a:lvl5pPr>
+                      <a:lvl6pPr marL="2286000" algn="l" defTabSz="914400" rtl="0" eaLnBrk="1" latinLnBrk="0" hangingPunct="1">
+                        <a:defRPr sz="1800" kern="1200">
+                          <a:solidFill>
+                            <a:schemeClr val="tx1"/>
+                          </a:solidFill>
+                          <a:latin typeface="Calibri" panose="020F0502020204030204"/>
+                        </a:defRPr>
+                      </a:lvl6pPr>
+                      <a:lvl7pPr marL="2743200" algn="l" defTabSz="914400" rtl="0" eaLnBrk="1" latinLnBrk="0" hangingPunct="1">
+                        <a:defRPr sz="1800" kern="1200">
+                          <a:solidFill>
+                            <a:schemeClr val="tx1"/>
+                          </a:solidFill>
+                          <a:latin typeface="Calibri" panose="020F0502020204030204"/>
+                        </a:defRPr>
+                      </a:lvl7pPr>
+                      <a:lvl8pPr marL="3200400" algn="l" defTabSz="914400" rtl="0" eaLnBrk="1" latinLnBrk="0" hangingPunct="1">
+                        <a:defRPr sz="1800" kern="1200">
+                          <a:solidFill>
+                            <a:schemeClr val="tx1"/>
+                          </a:solidFill>
+                          <a:latin typeface="Calibri" panose="020F0502020204030204"/>
+                        </a:defRPr>
+                      </a:lvl8pPr>
+                      <a:lvl9pPr marL="3657600" algn="l" defTabSz="914400" rtl="0" eaLnBrk="1" latinLnBrk="0" hangingPunct="1">
+                        <a:defRPr sz="1800" kern="1200">
+                          <a:solidFill>
+                            <a:schemeClr val="tx1"/>
+                          </a:solidFill>
+                          <a:latin typeface="Calibri" panose="020F0502020204030204"/>
+                        </a:defRPr>
+                      </a:lvl9pPr>
+                    </a:lstStyle>
+                    <a:p>
+                      <a:pPr algn="ctr" fontAlgn="ctr"/>
+                      <a:r>
+                        <a:rPr lang="es-MX" sz="1400" b="1" u="none" strike="noStrike">
+                          <a:effectLst/>
+                        </a:rPr>
+                        <a:t>BIT STOP</a:t>
+                      </a:r>
+                      <a:endParaRPr lang="es-MX" sz="1400" b="1" i="0" u="none" strike="noStrike">
+                        <a:solidFill>
+                          <a:srgbClr val="000000"/>
+                        </a:solidFill>
+                        <a:effectLst/>
+                        <a:latin typeface="Calibri" panose="020F0502020204030204" pitchFamily="34" charset="0"/>
+                      </a:endParaRPr>
+                    </a:p>
+                  </a:txBody>
+                  <a:tcPr marL="9525" marR="9525" marT="9525" marB="0" anchor="ctr">
+                    <a:lnL>
+                      <a:noFill/>
+                    </a:lnL>
+                    <a:lnR>
+                      <a:noFill/>
+                    </a:lnR>
+                    <a:lnT>
+                      <a:noFill/>
+                    </a:lnT>
+                    <a:lnB>
+                      <a:noFill/>
+                    </a:lnB>
+                    <a:lnTlToBr w="12700" cmpd="sng">
+                      <a:noFill/>
+                      <a:prstDash val="solid"/>
+                    </a:lnTlToBr>
+                    <a:lnBlToTr w="12700" cmpd="sng">
+                      <a:noFill/>
+                      <a:prstDash val="solid"/>
+                    </a:lnBlToTr>
+                    <a:noFill/>
+                  </a:tcPr>
+                </a:tc>
+                <a:extLst>
+                  <a:ext uri="{0D108BD9-81ED-4DB2-BD59-A6C34878D82A}">
+                    <a16:rowId xmlns:a16="http://schemas.microsoft.com/office/drawing/2014/main" val="221564681"/>
+                  </a:ext>
+                </a:extLst>
+              </a:tr>
+              <a:tr h="190500">
+                <a:tc>
+                  <a:txBody>
+                    <a:bodyPr/>
+                    <a:lstStyle>
+                      <a:lvl1pPr marL="0" algn="l" defTabSz="914400" rtl="0" eaLnBrk="1" latinLnBrk="0" hangingPunct="1">
+                        <a:defRPr sz="1800" kern="1200">
+                          <a:solidFill>
+                            <a:schemeClr val="tx1"/>
+                          </a:solidFill>
+                          <a:latin typeface="Calibri" panose="020F0502020204030204"/>
+                        </a:defRPr>
+                      </a:lvl1pPr>
+                      <a:lvl2pPr marL="457200" algn="l" defTabSz="914400" rtl="0" eaLnBrk="1" latinLnBrk="0" hangingPunct="1">
+                        <a:defRPr sz="1800" kern="1200">
+                          <a:solidFill>
+                            <a:schemeClr val="tx1"/>
+                          </a:solidFill>
+                          <a:latin typeface="Calibri" panose="020F0502020204030204"/>
+                        </a:defRPr>
+                      </a:lvl2pPr>
+                      <a:lvl3pPr marL="914400" algn="l" defTabSz="914400" rtl="0" eaLnBrk="1" latinLnBrk="0" hangingPunct="1">
+                        <a:defRPr sz="1800" kern="1200">
+                          <a:solidFill>
+                            <a:schemeClr val="tx1"/>
+                          </a:solidFill>
+                          <a:latin typeface="Calibri" panose="020F0502020204030204"/>
+                        </a:defRPr>
+                      </a:lvl3pPr>
+                      <a:lvl4pPr marL="1371600" algn="l" defTabSz="914400" rtl="0" eaLnBrk="1" latinLnBrk="0" hangingPunct="1">
+                        <a:defRPr sz="1800" kern="1200">
+                          <a:solidFill>
+                            <a:schemeClr val="tx1"/>
+                          </a:solidFill>
+                          <a:latin typeface="Calibri" panose="020F0502020204030204"/>
+                        </a:defRPr>
+                      </a:lvl4pPr>
+                      <a:lvl5pPr marL="1828800" algn="l" defTabSz="914400" rtl="0" eaLnBrk="1" latinLnBrk="0" hangingPunct="1">
+                        <a:defRPr sz="1800" kern="1200">
+                          <a:solidFill>
+                            <a:schemeClr val="tx1"/>
+                          </a:solidFill>
+                          <a:latin typeface="Calibri" panose="020F0502020204030204"/>
+                        </a:defRPr>
+                      </a:lvl5pPr>
+                      <a:lvl6pPr marL="2286000" algn="l" defTabSz="914400" rtl="0" eaLnBrk="1" latinLnBrk="0" hangingPunct="1">
+                        <a:defRPr sz="1800" kern="1200">
+                          <a:solidFill>
+                            <a:schemeClr val="tx1"/>
+                          </a:solidFill>
+                          <a:latin typeface="Calibri" panose="020F0502020204030204"/>
+                        </a:defRPr>
+                      </a:lvl6pPr>
+                      <a:lvl7pPr marL="2743200" algn="l" defTabSz="914400" rtl="0" eaLnBrk="1" latinLnBrk="0" hangingPunct="1">
+                        <a:defRPr sz="1800" kern="1200">
+                          <a:solidFill>
+                            <a:schemeClr val="tx1"/>
+                          </a:solidFill>
+                          <a:latin typeface="Calibri" panose="020F0502020204030204"/>
+                        </a:defRPr>
+                      </a:lvl7pPr>
+                      <a:lvl8pPr marL="3200400" algn="l" defTabSz="914400" rtl="0" eaLnBrk="1" latinLnBrk="0" hangingPunct="1">
+                        <a:defRPr sz="1800" kern="1200">
+                          <a:solidFill>
+                            <a:schemeClr val="tx1"/>
+                          </a:solidFill>
+                          <a:latin typeface="Calibri" panose="020F0502020204030204"/>
+                        </a:defRPr>
+                      </a:lvl8pPr>
+                      <a:lvl9pPr marL="3657600" algn="l" defTabSz="914400" rtl="0" eaLnBrk="1" latinLnBrk="0" hangingPunct="1">
+                        <a:defRPr sz="1800" kern="1200">
+                          <a:solidFill>
+                            <a:schemeClr val="tx1"/>
+                          </a:solidFill>
+                          <a:latin typeface="Calibri" panose="020F0502020204030204"/>
+                        </a:defRPr>
+                      </a:lvl9pPr>
+                    </a:lstStyle>
+                    <a:p>
+                      <a:pPr algn="ctr" fontAlgn="ctr"/>
+                      <a:r>
+                        <a:rPr lang="es-MX" sz="1400" b="1" u="none" strike="noStrike">
+                          <a:effectLst/>
+                        </a:rPr>
+                        <a:t>E2</a:t>
+                      </a:r>
+                      <a:endParaRPr lang="es-MX" sz="1400" b="1" i="0" u="none" strike="noStrike">
+                        <a:solidFill>
+                          <a:srgbClr val="000000"/>
+                        </a:solidFill>
+                        <a:effectLst/>
+                        <a:latin typeface="Calibri" panose="020F0502020204030204" pitchFamily="34" charset="0"/>
+                      </a:endParaRPr>
+                    </a:p>
+                  </a:txBody>
+                  <a:tcPr marL="9525" marR="9525" marT="9525" marB="0" anchor="ctr">
+                    <a:lnL>
+                      <a:noFill/>
+                    </a:lnL>
+                    <a:lnR>
+                      <a:noFill/>
+                    </a:lnR>
+                    <a:lnT>
+                      <a:noFill/>
+                    </a:lnT>
+                    <a:lnB w="12700" cmpd="sng">
+                      <a:solidFill>
+                        <a:srgbClr val="4472C4"/>
+                      </a:solidFill>
+                    </a:lnB>
+                    <a:lnTlToBr w="12700" cmpd="sng">
+                      <a:noFill/>
+                      <a:prstDash val="solid"/>
+                    </a:lnTlToBr>
+                    <a:lnBlToTr w="12700" cmpd="sng">
+                      <a:noFill/>
+                      <a:prstDash val="solid"/>
+                    </a:lnBlToTr>
+                    <a:noFill/>
+                  </a:tcPr>
+                </a:tc>
+                <a:tc>
+                  <a:txBody>
+                    <a:bodyPr/>
+                    <a:lstStyle>
+                      <a:lvl1pPr marL="0" algn="l" defTabSz="914400" rtl="0" eaLnBrk="1" latinLnBrk="0" hangingPunct="1">
+                        <a:defRPr sz="1800" kern="1200">
+                          <a:solidFill>
+                            <a:schemeClr val="tx1"/>
+                          </a:solidFill>
+                          <a:latin typeface="Calibri" panose="020F0502020204030204"/>
+                        </a:defRPr>
+                      </a:lvl1pPr>
+                      <a:lvl2pPr marL="457200" algn="l" defTabSz="914400" rtl="0" eaLnBrk="1" latinLnBrk="0" hangingPunct="1">
+                        <a:defRPr sz="1800" kern="1200">
+                          <a:solidFill>
+                            <a:schemeClr val="tx1"/>
+                          </a:solidFill>
+                          <a:latin typeface="Calibri" panose="020F0502020204030204"/>
+                        </a:defRPr>
+                      </a:lvl2pPr>
+                      <a:lvl3pPr marL="914400" algn="l" defTabSz="914400" rtl="0" eaLnBrk="1" latinLnBrk="0" hangingPunct="1">
+                        <a:defRPr sz="1800" kern="1200">
+                          <a:solidFill>
+                            <a:schemeClr val="tx1"/>
+                          </a:solidFill>
+                          <a:latin typeface="Calibri" panose="020F0502020204030204"/>
+                        </a:defRPr>
+                      </a:lvl3pPr>
+                      <a:lvl4pPr marL="1371600" algn="l" defTabSz="914400" rtl="0" eaLnBrk="1" latinLnBrk="0" hangingPunct="1">
+                        <a:defRPr sz="1800" kern="1200">
+                          <a:solidFill>
+                            <a:schemeClr val="tx1"/>
+                          </a:solidFill>
+                          <a:latin typeface="Calibri" panose="020F0502020204030204"/>
+                        </a:defRPr>
+                      </a:lvl4pPr>
+                      <a:lvl5pPr marL="1828800" algn="l" defTabSz="914400" rtl="0" eaLnBrk="1" latinLnBrk="0" hangingPunct="1">
+                        <a:defRPr sz="1800" kern="1200">
+                          <a:solidFill>
+                            <a:schemeClr val="tx1"/>
+                          </a:solidFill>
+                          <a:latin typeface="Calibri" panose="020F0502020204030204"/>
+                        </a:defRPr>
+                      </a:lvl5pPr>
+                      <a:lvl6pPr marL="2286000" algn="l" defTabSz="914400" rtl="0" eaLnBrk="1" latinLnBrk="0" hangingPunct="1">
+                        <a:defRPr sz="1800" kern="1200">
+                          <a:solidFill>
+                            <a:schemeClr val="tx1"/>
+                          </a:solidFill>
+                          <a:latin typeface="Calibri" panose="020F0502020204030204"/>
+                        </a:defRPr>
+                      </a:lvl6pPr>
+                      <a:lvl7pPr marL="2743200" algn="l" defTabSz="914400" rtl="0" eaLnBrk="1" latinLnBrk="0" hangingPunct="1">
+                        <a:defRPr sz="1800" kern="1200">
+                          <a:solidFill>
+                            <a:schemeClr val="tx1"/>
+                          </a:solidFill>
+                          <a:latin typeface="Calibri" panose="020F0502020204030204"/>
+                        </a:defRPr>
+                      </a:lvl7pPr>
+                      <a:lvl8pPr marL="3200400" algn="l" defTabSz="914400" rtl="0" eaLnBrk="1" latinLnBrk="0" hangingPunct="1">
+                        <a:defRPr sz="1800" kern="1200">
+                          <a:solidFill>
+                            <a:schemeClr val="tx1"/>
+                          </a:solidFill>
+                          <a:latin typeface="Calibri" panose="020F0502020204030204"/>
+                        </a:defRPr>
+                      </a:lvl8pPr>
+                      <a:lvl9pPr marL="3657600" algn="l" defTabSz="914400" rtl="0" eaLnBrk="1" latinLnBrk="0" hangingPunct="1">
+                        <a:defRPr sz="1800" kern="1200">
+                          <a:solidFill>
+                            <a:schemeClr val="tx1"/>
+                          </a:solidFill>
+                          <a:latin typeface="Calibri" panose="020F0502020204030204"/>
+                        </a:defRPr>
+                      </a:lvl9pPr>
+                    </a:lstStyle>
+                    <a:p>
+                      <a:pPr algn="ctr" fontAlgn="ctr"/>
+                      <a:r>
+                        <a:rPr lang="es-MX" sz="1400" b="1" u="none" strike="noStrike">
+                          <a:effectLst/>
+                        </a:rPr>
+                        <a:t>XX</a:t>
+                      </a:r>
+                      <a:endParaRPr lang="es-MX" sz="1400" b="1" i="0" u="none" strike="noStrike">
+                        <a:solidFill>
+                          <a:srgbClr val="000000"/>
+                        </a:solidFill>
+                        <a:effectLst/>
+                        <a:latin typeface="Calibri" panose="020F0502020204030204" pitchFamily="34" charset="0"/>
+                      </a:endParaRPr>
+                    </a:p>
+                  </a:txBody>
+                  <a:tcPr marL="9525" marR="9525" marT="9525" marB="0" anchor="ctr">
+                    <a:lnL>
+                      <a:noFill/>
+                    </a:lnL>
+                    <a:lnR>
+                      <a:noFill/>
+                    </a:lnR>
+                    <a:lnT>
+                      <a:noFill/>
+                    </a:lnT>
+                    <a:lnB w="12700" cmpd="sng">
+                      <a:solidFill>
+                        <a:srgbClr val="4472C4"/>
+                      </a:solidFill>
+                    </a:lnB>
+                    <a:lnTlToBr w="12700" cmpd="sng">
+                      <a:noFill/>
+                      <a:prstDash val="solid"/>
+                    </a:lnTlToBr>
+                    <a:lnBlToTr w="12700" cmpd="sng">
+                      <a:noFill/>
+                      <a:prstDash val="solid"/>
+                    </a:lnBlToTr>
+                    <a:noFill/>
+                  </a:tcPr>
+                </a:tc>
+                <a:tc>
+                  <a:txBody>
+                    <a:bodyPr/>
+                    <a:lstStyle>
+                      <a:lvl1pPr marL="0" algn="l" defTabSz="914400" rtl="0" eaLnBrk="1" latinLnBrk="0" hangingPunct="1">
+                        <a:defRPr sz="1800" kern="1200">
+                          <a:solidFill>
+                            <a:schemeClr val="tx1"/>
+                          </a:solidFill>
+                          <a:latin typeface="Calibri" panose="020F0502020204030204"/>
+                        </a:defRPr>
+                      </a:lvl1pPr>
+                      <a:lvl2pPr marL="457200" algn="l" defTabSz="914400" rtl="0" eaLnBrk="1" latinLnBrk="0" hangingPunct="1">
+                        <a:defRPr sz="1800" kern="1200">
+                          <a:solidFill>
+                            <a:schemeClr val="tx1"/>
+                          </a:solidFill>
+                          <a:latin typeface="Calibri" panose="020F0502020204030204"/>
+                        </a:defRPr>
+                      </a:lvl2pPr>
+                      <a:lvl3pPr marL="914400" algn="l" defTabSz="914400" rtl="0" eaLnBrk="1" latinLnBrk="0" hangingPunct="1">
+                        <a:defRPr sz="1800" kern="1200">
+                          <a:solidFill>
+                            <a:schemeClr val="tx1"/>
+                          </a:solidFill>
+                          <a:latin typeface="Calibri" panose="020F0502020204030204"/>
+                        </a:defRPr>
+                      </a:lvl3pPr>
+                      <a:lvl4pPr marL="1371600" algn="l" defTabSz="914400" rtl="0" eaLnBrk="1" latinLnBrk="0" hangingPunct="1">
+                        <a:defRPr sz="1800" kern="1200">
+                          <a:solidFill>
+                            <a:schemeClr val="tx1"/>
+                          </a:solidFill>
+                          <a:latin typeface="Calibri" panose="020F0502020204030204"/>
+                        </a:defRPr>
+                      </a:lvl4pPr>
+                      <a:lvl5pPr marL="1828800" algn="l" defTabSz="914400" rtl="0" eaLnBrk="1" latinLnBrk="0" hangingPunct="1">
+                        <a:defRPr sz="1800" kern="1200">
+                          <a:solidFill>
+                            <a:schemeClr val="tx1"/>
+                          </a:solidFill>
+                          <a:latin typeface="Calibri" panose="020F0502020204030204"/>
+                        </a:defRPr>
+                      </a:lvl5pPr>
+                      <a:lvl6pPr marL="2286000" algn="l" defTabSz="914400" rtl="0" eaLnBrk="1" latinLnBrk="0" hangingPunct="1">
+                        <a:defRPr sz="1800" kern="1200">
+                          <a:solidFill>
+                            <a:schemeClr val="tx1"/>
+                          </a:solidFill>
+                          <a:latin typeface="Calibri" panose="020F0502020204030204"/>
+                        </a:defRPr>
+                      </a:lvl6pPr>
+                      <a:lvl7pPr marL="2743200" algn="l" defTabSz="914400" rtl="0" eaLnBrk="1" latinLnBrk="0" hangingPunct="1">
+                        <a:defRPr sz="1800" kern="1200">
+                          <a:solidFill>
+                            <a:schemeClr val="tx1"/>
+                          </a:solidFill>
+                          <a:latin typeface="Calibri" panose="020F0502020204030204"/>
+                        </a:defRPr>
+                      </a:lvl7pPr>
+                      <a:lvl8pPr marL="3200400" algn="l" defTabSz="914400" rtl="0" eaLnBrk="1" latinLnBrk="0" hangingPunct="1">
+                        <a:defRPr sz="1800" kern="1200">
+                          <a:solidFill>
+                            <a:schemeClr val="tx1"/>
+                          </a:solidFill>
+                          <a:latin typeface="Calibri" panose="020F0502020204030204"/>
+                        </a:defRPr>
+                      </a:lvl8pPr>
+                      <a:lvl9pPr marL="3657600" algn="l" defTabSz="914400" rtl="0" eaLnBrk="1" latinLnBrk="0" hangingPunct="1">
+                        <a:defRPr sz="1800" kern="1200">
+                          <a:solidFill>
+                            <a:schemeClr val="tx1"/>
+                          </a:solidFill>
+                          <a:latin typeface="Calibri" panose="020F0502020204030204"/>
+                        </a:defRPr>
+                      </a:lvl9pPr>
+                    </a:lstStyle>
+                    <a:p>
+                      <a:pPr algn="ctr" fontAlgn="ctr"/>
+                      <a:r>
+                        <a:rPr lang="es-MX" sz="1400" b="1" u="none" strike="noStrike">
+                          <a:effectLst/>
+                        </a:rPr>
+                        <a:t>XX</a:t>
+                      </a:r>
+                      <a:endParaRPr lang="es-MX" sz="1400" b="1" i="0" u="none" strike="noStrike">
+                        <a:solidFill>
+                          <a:srgbClr val="000000"/>
+                        </a:solidFill>
+                        <a:effectLst/>
+                        <a:latin typeface="Calibri" panose="020F0502020204030204" pitchFamily="34" charset="0"/>
+                      </a:endParaRPr>
+                    </a:p>
+                  </a:txBody>
+                  <a:tcPr marL="9525" marR="9525" marT="9525" marB="0" anchor="ctr">
+                    <a:lnL>
+                      <a:noFill/>
+                    </a:lnL>
+                    <a:lnR>
+                      <a:noFill/>
+                    </a:lnR>
+                    <a:lnT>
+                      <a:noFill/>
+                    </a:lnT>
+                    <a:lnB w="12700" cmpd="sng">
+                      <a:solidFill>
+                        <a:srgbClr val="4472C4"/>
+                      </a:solidFill>
+                    </a:lnB>
+                    <a:lnTlToBr w="12700" cmpd="sng">
+                      <a:noFill/>
+                      <a:prstDash val="solid"/>
+                    </a:lnTlToBr>
+                    <a:lnBlToTr w="12700" cmpd="sng">
+                      <a:noFill/>
+                      <a:prstDash val="solid"/>
+                    </a:lnBlToTr>
+                    <a:noFill/>
+                  </a:tcPr>
+                </a:tc>
+                <a:tc>
+                  <a:txBody>
+                    <a:bodyPr/>
+                    <a:lstStyle>
+                      <a:lvl1pPr marL="0" algn="l" defTabSz="914400" rtl="0" eaLnBrk="1" latinLnBrk="0" hangingPunct="1">
+                        <a:defRPr sz="1800" kern="1200">
+                          <a:solidFill>
+                            <a:schemeClr val="tx1"/>
+                          </a:solidFill>
+                          <a:latin typeface="Calibri" panose="020F0502020204030204"/>
+                        </a:defRPr>
+                      </a:lvl1pPr>
+                      <a:lvl2pPr marL="457200" algn="l" defTabSz="914400" rtl="0" eaLnBrk="1" latinLnBrk="0" hangingPunct="1">
+                        <a:defRPr sz="1800" kern="1200">
+                          <a:solidFill>
+                            <a:schemeClr val="tx1"/>
+                          </a:solidFill>
+                          <a:latin typeface="Calibri" panose="020F0502020204030204"/>
+                        </a:defRPr>
+                      </a:lvl2pPr>
+                      <a:lvl3pPr marL="914400" algn="l" defTabSz="914400" rtl="0" eaLnBrk="1" latinLnBrk="0" hangingPunct="1">
+                        <a:defRPr sz="1800" kern="1200">
+                          <a:solidFill>
+                            <a:schemeClr val="tx1"/>
+                          </a:solidFill>
+                          <a:latin typeface="Calibri" panose="020F0502020204030204"/>
+                        </a:defRPr>
+                      </a:lvl3pPr>
+                      <a:lvl4pPr marL="1371600" algn="l" defTabSz="914400" rtl="0" eaLnBrk="1" latinLnBrk="0" hangingPunct="1">
+                        <a:defRPr sz="1800" kern="1200">
+                          <a:solidFill>
+                            <a:schemeClr val="tx1"/>
+                          </a:solidFill>
+                          <a:latin typeface="Calibri" panose="020F0502020204030204"/>
+                        </a:defRPr>
+                      </a:lvl4pPr>
+                      <a:lvl5pPr marL="1828800" algn="l" defTabSz="914400" rtl="0" eaLnBrk="1" latinLnBrk="0" hangingPunct="1">
+                        <a:defRPr sz="1800" kern="1200">
+                          <a:solidFill>
+                            <a:schemeClr val="tx1"/>
+                          </a:solidFill>
+                          <a:latin typeface="Calibri" panose="020F0502020204030204"/>
+                        </a:defRPr>
+                      </a:lvl5pPr>
+                      <a:lvl6pPr marL="2286000" algn="l" defTabSz="914400" rtl="0" eaLnBrk="1" latinLnBrk="0" hangingPunct="1">
+                        <a:defRPr sz="1800" kern="1200">
+                          <a:solidFill>
+                            <a:schemeClr val="tx1"/>
+                          </a:solidFill>
+                          <a:latin typeface="Calibri" panose="020F0502020204030204"/>
+                        </a:defRPr>
+                      </a:lvl6pPr>
+                      <a:lvl7pPr marL="2743200" algn="l" defTabSz="914400" rtl="0" eaLnBrk="1" latinLnBrk="0" hangingPunct="1">
+                        <a:defRPr sz="1800" kern="1200">
+                          <a:solidFill>
+                            <a:schemeClr val="tx1"/>
+                          </a:solidFill>
+                          <a:latin typeface="Calibri" panose="020F0502020204030204"/>
+                        </a:defRPr>
+                      </a:lvl7pPr>
+                      <a:lvl8pPr marL="3200400" algn="l" defTabSz="914400" rtl="0" eaLnBrk="1" latinLnBrk="0" hangingPunct="1">
+                        <a:defRPr sz="1800" kern="1200">
+                          <a:solidFill>
+                            <a:schemeClr val="tx1"/>
+                          </a:solidFill>
+                          <a:latin typeface="Calibri" panose="020F0502020204030204"/>
+                        </a:defRPr>
+                      </a:lvl8pPr>
+                      <a:lvl9pPr marL="3657600" algn="l" defTabSz="914400" rtl="0" eaLnBrk="1" latinLnBrk="0" hangingPunct="1">
+                        <a:defRPr sz="1800" kern="1200">
+                          <a:solidFill>
+                            <a:schemeClr val="tx1"/>
+                          </a:solidFill>
+                          <a:latin typeface="Calibri" panose="020F0502020204030204"/>
+                        </a:defRPr>
+                      </a:lvl9pPr>
+                    </a:lstStyle>
+                    <a:p>
+                      <a:pPr algn="ctr" fontAlgn="ctr"/>
+                      <a:r>
+                        <a:rPr lang="es-MX" sz="1400" b="1" u="none" strike="noStrike">
+                          <a:effectLst/>
+                        </a:rPr>
+                        <a:t>E4</a:t>
+                      </a:r>
+                      <a:endParaRPr lang="es-MX" sz="1400" b="1" i="0" u="none" strike="noStrike">
+                        <a:solidFill>
+                          <a:srgbClr val="000000"/>
+                        </a:solidFill>
+                        <a:effectLst/>
+                        <a:latin typeface="Calibri" panose="020F0502020204030204" pitchFamily="34" charset="0"/>
+                      </a:endParaRPr>
+                    </a:p>
+                  </a:txBody>
+                  <a:tcPr marL="9525" marR="9525" marT="9525" marB="0" anchor="ctr">
+                    <a:lnL>
+                      <a:noFill/>
+                    </a:lnL>
+                    <a:lnR>
+                      <a:noFill/>
+                    </a:lnR>
+                    <a:lnT>
+                      <a:noFill/>
+                    </a:lnT>
+                    <a:lnB w="12700" cmpd="sng">
+                      <a:solidFill>
+                        <a:srgbClr val="4472C4"/>
+                      </a:solidFill>
+                    </a:lnB>
+                    <a:lnTlToBr w="12700" cmpd="sng">
+                      <a:noFill/>
+                      <a:prstDash val="solid"/>
+                    </a:lnTlToBr>
+                    <a:lnBlToTr w="12700" cmpd="sng">
+                      <a:noFill/>
+                      <a:prstDash val="solid"/>
+                    </a:lnBlToTr>
+                    <a:noFill/>
+                  </a:tcPr>
+                </a:tc>
+                <a:tc>
+                  <a:txBody>
+                    <a:bodyPr/>
+                    <a:lstStyle>
+                      <a:lvl1pPr marL="0" algn="l" defTabSz="914400" rtl="0" eaLnBrk="1" latinLnBrk="0" hangingPunct="1">
+                        <a:defRPr sz="1800" kern="1200">
+                          <a:solidFill>
+                            <a:schemeClr val="tx1"/>
+                          </a:solidFill>
+                          <a:latin typeface="Calibri" panose="020F0502020204030204"/>
+                        </a:defRPr>
+                      </a:lvl1pPr>
+                      <a:lvl2pPr marL="457200" algn="l" defTabSz="914400" rtl="0" eaLnBrk="1" latinLnBrk="0" hangingPunct="1">
+                        <a:defRPr sz="1800" kern="1200">
+                          <a:solidFill>
+                            <a:schemeClr val="tx1"/>
+                          </a:solidFill>
+                          <a:latin typeface="Calibri" panose="020F0502020204030204"/>
+                        </a:defRPr>
+                      </a:lvl2pPr>
+                      <a:lvl3pPr marL="914400" algn="l" defTabSz="914400" rtl="0" eaLnBrk="1" latinLnBrk="0" hangingPunct="1">
+                        <a:defRPr sz="1800" kern="1200">
+                          <a:solidFill>
+                            <a:schemeClr val="tx1"/>
+                          </a:solidFill>
+                          <a:latin typeface="Calibri" panose="020F0502020204030204"/>
+                        </a:defRPr>
+                      </a:lvl3pPr>
+                      <a:lvl4pPr marL="1371600" algn="l" defTabSz="914400" rtl="0" eaLnBrk="1" latinLnBrk="0" hangingPunct="1">
+                        <a:defRPr sz="1800" kern="1200">
+                          <a:solidFill>
+                            <a:schemeClr val="tx1"/>
+                          </a:solidFill>
+                          <a:latin typeface="Calibri" panose="020F0502020204030204"/>
+                        </a:defRPr>
+                      </a:lvl4pPr>
+                      <a:lvl5pPr marL="1828800" algn="l" defTabSz="914400" rtl="0" eaLnBrk="1" latinLnBrk="0" hangingPunct="1">
+                        <a:defRPr sz="1800" kern="1200">
+                          <a:solidFill>
+                            <a:schemeClr val="tx1"/>
+                          </a:solidFill>
+                          <a:latin typeface="Calibri" panose="020F0502020204030204"/>
+                        </a:defRPr>
+                      </a:lvl5pPr>
+                      <a:lvl6pPr marL="2286000" algn="l" defTabSz="914400" rtl="0" eaLnBrk="1" latinLnBrk="0" hangingPunct="1">
+                        <a:defRPr sz="1800" kern="1200">
+                          <a:solidFill>
+                            <a:schemeClr val="tx1"/>
+                          </a:solidFill>
+                          <a:latin typeface="Calibri" panose="020F0502020204030204"/>
+                        </a:defRPr>
+                      </a:lvl6pPr>
+                      <a:lvl7pPr marL="2743200" algn="l" defTabSz="914400" rtl="0" eaLnBrk="1" latinLnBrk="0" hangingPunct="1">
+                        <a:defRPr sz="1800" kern="1200">
+                          <a:solidFill>
+                            <a:schemeClr val="tx1"/>
+                          </a:solidFill>
+                          <a:latin typeface="Calibri" panose="020F0502020204030204"/>
+                        </a:defRPr>
+                      </a:lvl7pPr>
+                      <a:lvl8pPr marL="3200400" algn="l" defTabSz="914400" rtl="0" eaLnBrk="1" latinLnBrk="0" hangingPunct="1">
+                        <a:defRPr sz="1800" kern="1200">
+                          <a:solidFill>
+                            <a:schemeClr val="tx1"/>
+                          </a:solidFill>
+                          <a:latin typeface="Calibri" panose="020F0502020204030204"/>
+                        </a:defRPr>
+                      </a:lvl8pPr>
+                      <a:lvl9pPr marL="3657600" algn="l" defTabSz="914400" rtl="0" eaLnBrk="1" latinLnBrk="0" hangingPunct="1">
+                        <a:defRPr sz="1800" kern="1200">
+                          <a:solidFill>
+                            <a:schemeClr val="tx1"/>
+                          </a:solidFill>
+                          <a:latin typeface="Calibri" panose="020F0502020204030204"/>
+                        </a:defRPr>
+                      </a:lvl9pPr>
+                    </a:lstStyle>
+                    <a:p>
+                      <a:pPr algn="ctr" fontAlgn="ctr"/>
+                      <a:r>
+                        <a:rPr lang="es-MX" sz="1400" b="1" u="none" strike="noStrike">
+                          <a:effectLst/>
+                        </a:rPr>
+                        <a:t>A2 00</a:t>
+                      </a:r>
+                      <a:endParaRPr lang="es-MX" sz="1400" b="1" i="0" u="none" strike="noStrike">
+                        <a:solidFill>
+                          <a:srgbClr val="000000"/>
+                        </a:solidFill>
+                        <a:effectLst/>
+                        <a:latin typeface="Calibri" panose="020F0502020204030204" pitchFamily="34" charset="0"/>
+                      </a:endParaRPr>
+                    </a:p>
+                  </a:txBody>
+                  <a:tcPr marL="9525" marR="9525" marT="9525" marB="0" anchor="ctr">
+                    <a:lnL>
+                      <a:noFill/>
+                    </a:lnL>
+                    <a:lnR>
+                      <a:noFill/>
+                    </a:lnR>
+                    <a:lnT>
+                      <a:noFill/>
+                    </a:lnT>
+                    <a:lnB w="12700" cmpd="sng">
+                      <a:solidFill>
+                        <a:srgbClr val="4472C4"/>
+                      </a:solidFill>
+                    </a:lnB>
+                    <a:lnTlToBr w="12700" cmpd="sng">
+                      <a:noFill/>
+                      <a:prstDash val="solid"/>
+                    </a:lnTlToBr>
+                    <a:lnBlToTr w="12700" cmpd="sng">
+                      <a:noFill/>
+                      <a:prstDash val="solid"/>
+                    </a:lnBlToTr>
+                    <a:noFill/>
+                  </a:tcPr>
+                </a:tc>
+                <a:tc>
+                  <a:txBody>
+                    <a:bodyPr/>
+                    <a:lstStyle>
+                      <a:lvl1pPr marL="0" algn="l" defTabSz="914400" rtl="0" eaLnBrk="1" latinLnBrk="0" hangingPunct="1">
+                        <a:defRPr sz="1800" kern="1200">
+                          <a:solidFill>
+                            <a:schemeClr val="tx1"/>
+                          </a:solidFill>
+                          <a:latin typeface="Calibri" panose="020F0502020204030204"/>
+                        </a:defRPr>
+                      </a:lvl1pPr>
+                      <a:lvl2pPr marL="457200" algn="l" defTabSz="914400" rtl="0" eaLnBrk="1" latinLnBrk="0" hangingPunct="1">
+                        <a:defRPr sz="1800" kern="1200">
+                          <a:solidFill>
+                            <a:schemeClr val="tx1"/>
+                          </a:solidFill>
+                          <a:latin typeface="Calibri" panose="020F0502020204030204"/>
+                        </a:defRPr>
+                      </a:lvl2pPr>
+                      <a:lvl3pPr marL="914400" algn="l" defTabSz="914400" rtl="0" eaLnBrk="1" latinLnBrk="0" hangingPunct="1">
+                        <a:defRPr sz="1800" kern="1200">
+                          <a:solidFill>
+                            <a:schemeClr val="tx1"/>
+                          </a:solidFill>
+                          <a:latin typeface="Calibri" panose="020F0502020204030204"/>
+                        </a:defRPr>
+                      </a:lvl3pPr>
+                      <a:lvl4pPr marL="1371600" algn="l" defTabSz="914400" rtl="0" eaLnBrk="1" latinLnBrk="0" hangingPunct="1">
+                        <a:defRPr sz="1800" kern="1200">
+                          <a:solidFill>
+                            <a:schemeClr val="tx1"/>
+                          </a:solidFill>
+                          <a:latin typeface="Calibri" panose="020F0502020204030204"/>
+                        </a:defRPr>
+                      </a:lvl4pPr>
+                      <a:lvl5pPr marL="1828800" algn="l" defTabSz="914400" rtl="0" eaLnBrk="1" latinLnBrk="0" hangingPunct="1">
+                        <a:defRPr sz="1800" kern="1200">
+                          <a:solidFill>
+                            <a:schemeClr val="tx1"/>
+                          </a:solidFill>
+                          <a:latin typeface="Calibri" panose="020F0502020204030204"/>
+                        </a:defRPr>
+                      </a:lvl5pPr>
+                      <a:lvl6pPr marL="2286000" algn="l" defTabSz="914400" rtl="0" eaLnBrk="1" latinLnBrk="0" hangingPunct="1">
+                        <a:defRPr sz="1800" kern="1200">
+                          <a:solidFill>
+                            <a:schemeClr val="tx1"/>
+                          </a:solidFill>
+                          <a:latin typeface="Calibri" panose="020F0502020204030204"/>
+                        </a:defRPr>
+                      </a:lvl6pPr>
+                      <a:lvl7pPr marL="2743200" algn="l" defTabSz="914400" rtl="0" eaLnBrk="1" latinLnBrk="0" hangingPunct="1">
+                        <a:defRPr sz="1800" kern="1200">
+                          <a:solidFill>
+                            <a:schemeClr val="tx1"/>
+                          </a:solidFill>
+                          <a:latin typeface="Calibri" panose="020F0502020204030204"/>
+                        </a:defRPr>
+                      </a:lvl7pPr>
+                      <a:lvl8pPr marL="3200400" algn="l" defTabSz="914400" rtl="0" eaLnBrk="1" latinLnBrk="0" hangingPunct="1">
+                        <a:defRPr sz="1800" kern="1200">
+                          <a:solidFill>
+                            <a:schemeClr val="tx1"/>
+                          </a:solidFill>
+                          <a:latin typeface="Calibri" panose="020F0502020204030204"/>
+                        </a:defRPr>
+                      </a:lvl8pPr>
+                      <a:lvl9pPr marL="3657600" algn="l" defTabSz="914400" rtl="0" eaLnBrk="1" latinLnBrk="0" hangingPunct="1">
+                        <a:defRPr sz="1800" kern="1200">
+                          <a:solidFill>
+                            <a:schemeClr val="tx1"/>
+                          </a:solidFill>
+                          <a:latin typeface="Calibri" panose="020F0502020204030204"/>
+                        </a:defRPr>
+                      </a:lvl9pPr>
+                    </a:lstStyle>
+                    <a:p>
+                      <a:pPr algn="ctr" fontAlgn="ctr"/>
+                      <a:r>
+                        <a:rPr lang="es-MX" sz="1400" b="1" u="none" strike="noStrike">
+                          <a:effectLst/>
+                        </a:rPr>
+                        <a:t>XX XX</a:t>
+                      </a:r>
+                      <a:endParaRPr lang="es-MX" sz="1400" b="1" i="0" u="none" strike="noStrike">
+                        <a:solidFill>
+                          <a:srgbClr val="000000"/>
+                        </a:solidFill>
+                        <a:effectLst/>
+                        <a:latin typeface="Calibri" panose="020F0502020204030204" pitchFamily="34" charset="0"/>
+                      </a:endParaRPr>
+                    </a:p>
+                  </a:txBody>
+                  <a:tcPr marL="9525" marR="9525" marT="9525" marB="0" anchor="ctr">
+                    <a:lnL>
+                      <a:noFill/>
+                    </a:lnL>
+                    <a:lnR>
+                      <a:noFill/>
+                    </a:lnR>
+                    <a:lnT>
+                      <a:noFill/>
+                    </a:lnT>
+                    <a:lnB w="12700" cmpd="sng">
+                      <a:solidFill>
+                        <a:srgbClr val="4472C4"/>
+                      </a:solidFill>
+                    </a:lnB>
+                    <a:lnTlToBr w="12700" cmpd="sng">
+                      <a:noFill/>
+                      <a:prstDash val="solid"/>
+                    </a:lnTlToBr>
+                    <a:lnBlToTr w="12700" cmpd="sng">
+                      <a:noFill/>
+                      <a:prstDash val="solid"/>
+                    </a:lnBlToTr>
+                    <a:noFill/>
+                  </a:tcPr>
+                </a:tc>
+                <a:tc>
+                  <a:txBody>
+                    <a:bodyPr/>
+                    <a:lstStyle>
+                      <a:lvl1pPr marL="0" algn="l" defTabSz="914400" rtl="0" eaLnBrk="1" latinLnBrk="0" hangingPunct="1">
+                        <a:defRPr sz="1800" kern="1200">
+                          <a:solidFill>
+                            <a:schemeClr val="tx1"/>
+                          </a:solidFill>
+                          <a:latin typeface="Calibri" panose="020F0502020204030204"/>
+                        </a:defRPr>
+                      </a:lvl1pPr>
+                      <a:lvl2pPr marL="457200" algn="l" defTabSz="914400" rtl="0" eaLnBrk="1" latinLnBrk="0" hangingPunct="1">
+                        <a:defRPr sz="1800" kern="1200">
+                          <a:solidFill>
+                            <a:schemeClr val="tx1"/>
+                          </a:solidFill>
+                          <a:latin typeface="Calibri" panose="020F0502020204030204"/>
+                        </a:defRPr>
+                      </a:lvl2pPr>
+                      <a:lvl3pPr marL="914400" algn="l" defTabSz="914400" rtl="0" eaLnBrk="1" latinLnBrk="0" hangingPunct="1">
+                        <a:defRPr sz="1800" kern="1200">
+                          <a:solidFill>
+                            <a:schemeClr val="tx1"/>
+                          </a:solidFill>
+                          <a:latin typeface="Calibri" panose="020F0502020204030204"/>
+                        </a:defRPr>
+                      </a:lvl3pPr>
+                      <a:lvl4pPr marL="1371600" algn="l" defTabSz="914400" rtl="0" eaLnBrk="1" latinLnBrk="0" hangingPunct="1">
+                        <a:defRPr sz="1800" kern="1200">
+                          <a:solidFill>
+                            <a:schemeClr val="tx1"/>
+                          </a:solidFill>
+                          <a:latin typeface="Calibri" panose="020F0502020204030204"/>
+                        </a:defRPr>
+                      </a:lvl4pPr>
+                      <a:lvl5pPr marL="1828800" algn="l" defTabSz="914400" rtl="0" eaLnBrk="1" latinLnBrk="0" hangingPunct="1">
+                        <a:defRPr sz="1800" kern="1200">
+                          <a:solidFill>
+                            <a:schemeClr val="tx1"/>
+                          </a:solidFill>
+                          <a:latin typeface="Calibri" panose="020F0502020204030204"/>
+                        </a:defRPr>
+                      </a:lvl5pPr>
+                      <a:lvl6pPr marL="2286000" algn="l" defTabSz="914400" rtl="0" eaLnBrk="1" latinLnBrk="0" hangingPunct="1">
+                        <a:defRPr sz="1800" kern="1200">
+                          <a:solidFill>
+                            <a:schemeClr val="tx1"/>
+                          </a:solidFill>
+                          <a:latin typeface="Calibri" panose="020F0502020204030204"/>
+                        </a:defRPr>
+                      </a:lvl6pPr>
+                      <a:lvl7pPr marL="2743200" algn="l" defTabSz="914400" rtl="0" eaLnBrk="1" latinLnBrk="0" hangingPunct="1">
+                        <a:defRPr sz="1800" kern="1200">
+                          <a:solidFill>
+                            <a:schemeClr val="tx1"/>
+                          </a:solidFill>
+                          <a:latin typeface="Calibri" panose="020F0502020204030204"/>
+                        </a:defRPr>
+                      </a:lvl7pPr>
+                      <a:lvl8pPr marL="3200400" algn="l" defTabSz="914400" rtl="0" eaLnBrk="1" latinLnBrk="0" hangingPunct="1">
+                        <a:defRPr sz="1800" kern="1200">
+                          <a:solidFill>
+                            <a:schemeClr val="tx1"/>
+                          </a:solidFill>
+                          <a:latin typeface="Calibri" panose="020F0502020204030204"/>
+                        </a:defRPr>
+                      </a:lvl8pPr>
+                      <a:lvl9pPr marL="3657600" algn="l" defTabSz="914400" rtl="0" eaLnBrk="1" latinLnBrk="0" hangingPunct="1">
+                        <a:defRPr sz="1800" kern="1200">
+                          <a:solidFill>
+                            <a:schemeClr val="tx1"/>
+                          </a:solidFill>
+                          <a:latin typeface="Calibri" panose="020F0502020204030204"/>
+                        </a:defRPr>
+                      </a:lvl9pPr>
+                    </a:lstStyle>
+                    <a:p>
+                      <a:pPr algn="ctr" fontAlgn="ctr"/>
+                      <a:r>
+                        <a:rPr lang="es-MX" sz="1400" b="1" u="none" strike="noStrike">
+                          <a:effectLst/>
+                        </a:rPr>
+                        <a:t>XX</a:t>
+                      </a:r>
+                      <a:endParaRPr lang="es-MX" sz="1400" b="1" i="0" u="none" strike="noStrike">
+                        <a:solidFill>
+                          <a:srgbClr val="000000"/>
+                        </a:solidFill>
+                        <a:effectLst/>
+                        <a:latin typeface="Calibri" panose="020F0502020204030204" pitchFamily="34" charset="0"/>
+                      </a:endParaRPr>
+                    </a:p>
+                  </a:txBody>
+                  <a:tcPr marL="9525" marR="9525" marT="9525" marB="0" anchor="ctr">
+                    <a:lnL>
+                      <a:noFill/>
+                    </a:lnL>
+                    <a:lnR>
+                      <a:noFill/>
+                    </a:lnR>
+                    <a:lnT>
+                      <a:noFill/>
+                    </a:lnT>
+                    <a:lnB w="12700" cmpd="sng">
+                      <a:solidFill>
+                        <a:srgbClr val="4472C4"/>
+                      </a:solidFill>
+                    </a:lnB>
+                    <a:lnTlToBr w="12700" cmpd="sng">
+                      <a:noFill/>
+                      <a:prstDash val="solid"/>
+                    </a:lnTlToBr>
+                    <a:lnBlToTr w="12700" cmpd="sng">
+                      <a:noFill/>
+                      <a:prstDash val="solid"/>
+                    </a:lnBlToTr>
+                    <a:noFill/>
+                  </a:tcPr>
+                </a:tc>
+                <a:tc>
+                  <a:txBody>
+                    <a:bodyPr/>
+                    <a:lstStyle>
+                      <a:lvl1pPr marL="0" algn="l" defTabSz="914400" rtl="0" eaLnBrk="1" latinLnBrk="0" hangingPunct="1">
+                        <a:defRPr sz="1800" kern="1200">
+                          <a:solidFill>
+                            <a:schemeClr val="tx1"/>
+                          </a:solidFill>
+                          <a:latin typeface="Calibri" panose="020F0502020204030204"/>
+                        </a:defRPr>
+                      </a:lvl1pPr>
+                      <a:lvl2pPr marL="457200" algn="l" defTabSz="914400" rtl="0" eaLnBrk="1" latinLnBrk="0" hangingPunct="1">
+                        <a:defRPr sz="1800" kern="1200">
+                          <a:solidFill>
+                            <a:schemeClr val="tx1"/>
+                          </a:solidFill>
+                          <a:latin typeface="Calibri" panose="020F0502020204030204"/>
+                        </a:defRPr>
+                      </a:lvl2pPr>
+                      <a:lvl3pPr marL="914400" algn="l" defTabSz="914400" rtl="0" eaLnBrk="1" latinLnBrk="0" hangingPunct="1">
+                        <a:defRPr sz="1800" kern="1200">
+                          <a:solidFill>
+                            <a:schemeClr val="tx1"/>
+                          </a:solidFill>
+                          <a:latin typeface="Calibri" panose="020F0502020204030204"/>
+                        </a:defRPr>
+                      </a:lvl3pPr>
+                      <a:lvl4pPr marL="1371600" algn="l" defTabSz="914400" rtl="0" eaLnBrk="1" latinLnBrk="0" hangingPunct="1">
+                        <a:defRPr sz="1800" kern="1200">
+                          <a:solidFill>
+                            <a:schemeClr val="tx1"/>
+                          </a:solidFill>
+                          <a:latin typeface="Calibri" panose="020F0502020204030204"/>
+                        </a:defRPr>
+                      </a:lvl4pPr>
+                      <a:lvl5pPr marL="1828800" algn="l" defTabSz="914400" rtl="0" eaLnBrk="1" latinLnBrk="0" hangingPunct="1">
+                        <a:defRPr sz="1800" kern="1200">
+                          <a:solidFill>
+                            <a:schemeClr val="tx1"/>
+                          </a:solidFill>
+                          <a:latin typeface="Calibri" panose="020F0502020204030204"/>
+                        </a:defRPr>
+                      </a:lvl5pPr>
+                      <a:lvl6pPr marL="2286000" algn="l" defTabSz="914400" rtl="0" eaLnBrk="1" latinLnBrk="0" hangingPunct="1">
+                        <a:defRPr sz="1800" kern="1200">
+                          <a:solidFill>
+                            <a:schemeClr val="tx1"/>
+                          </a:solidFill>
+                          <a:latin typeface="Calibri" panose="020F0502020204030204"/>
+                        </a:defRPr>
+                      </a:lvl6pPr>
+                      <a:lvl7pPr marL="2743200" algn="l" defTabSz="914400" rtl="0" eaLnBrk="1" latinLnBrk="0" hangingPunct="1">
+                        <a:defRPr sz="1800" kern="1200">
+                          <a:solidFill>
+                            <a:schemeClr val="tx1"/>
+                          </a:solidFill>
+                          <a:latin typeface="Calibri" panose="020F0502020204030204"/>
+                        </a:defRPr>
+                      </a:lvl7pPr>
+                      <a:lvl8pPr marL="3200400" algn="l" defTabSz="914400" rtl="0" eaLnBrk="1" latinLnBrk="0" hangingPunct="1">
+                        <a:defRPr sz="1800" kern="1200">
+                          <a:solidFill>
+                            <a:schemeClr val="tx1"/>
+                          </a:solidFill>
+                          <a:latin typeface="Calibri" panose="020F0502020204030204"/>
+                        </a:defRPr>
+                      </a:lvl8pPr>
+                      <a:lvl9pPr marL="3657600" algn="l" defTabSz="914400" rtl="0" eaLnBrk="1" latinLnBrk="0" hangingPunct="1">
+                        <a:defRPr sz="1800" kern="1200">
+                          <a:solidFill>
+                            <a:schemeClr val="tx1"/>
+                          </a:solidFill>
+                          <a:latin typeface="Calibri" panose="020F0502020204030204"/>
+                        </a:defRPr>
+                      </a:lvl9pPr>
+                    </a:lstStyle>
+                    <a:p>
+                      <a:pPr algn="ctr" fontAlgn="ctr"/>
+                      <a:r>
+                        <a:rPr lang="es-MX" sz="1400" b="1" u="none" strike="noStrike">
+                          <a:effectLst/>
+                        </a:rPr>
+                        <a:t>N</a:t>
+                      </a:r>
+                      <a:endParaRPr lang="es-MX" sz="1400" b="1" i="0" u="none" strike="noStrike">
+                        <a:solidFill>
+                          <a:srgbClr val="000000"/>
+                        </a:solidFill>
+                        <a:effectLst/>
+                        <a:latin typeface="Calibri" panose="020F0502020204030204" pitchFamily="34" charset="0"/>
+                      </a:endParaRPr>
+                    </a:p>
+                  </a:txBody>
+                  <a:tcPr marL="9525" marR="9525" marT="9525" marB="0" anchor="ctr">
+                    <a:lnL>
+                      <a:noFill/>
+                    </a:lnL>
+                    <a:lnR>
+                      <a:noFill/>
+                    </a:lnR>
+                    <a:lnT>
+                      <a:noFill/>
+                    </a:lnT>
+                    <a:lnB w="12700" cmpd="sng">
+                      <a:solidFill>
+                        <a:srgbClr val="4472C4"/>
+                      </a:solidFill>
+                    </a:lnB>
+                    <a:lnTlToBr w="12700" cmpd="sng">
+                      <a:noFill/>
+                      <a:prstDash val="solid"/>
+                    </a:lnTlToBr>
+                    <a:lnBlToTr w="12700" cmpd="sng">
+                      <a:noFill/>
+                      <a:prstDash val="solid"/>
+                    </a:lnBlToTr>
+                    <a:noFill/>
+                  </a:tcPr>
+                </a:tc>
+                <a:tc>
+                  <a:txBody>
+                    <a:bodyPr/>
+                    <a:lstStyle>
+                      <a:lvl1pPr marL="0" algn="l" defTabSz="914400" rtl="0" eaLnBrk="1" latinLnBrk="0" hangingPunct="1">
+                        <a:defRPr sz="1800" kern="1200">
+                          <a:solidFill>
+                            <a:schemeClr val="tx1"/>
+                          </a:solidFill>
+                          <a:latin typeface="Calibri" panose="020F0502020204030204"/>
+                        </a:defRPr>
+                      </a:lvl1pPr>
+                      <a:lvl2pPr marL="457200" algn="l" defTabSz="914400" rtl="0" eaLnBrk="1" latinLnBrk="0" hangingPunct="1">
+                        <a:defRPr sz="1800" kern="1200">
+                          <a:solidFill>
+                            <a:schemeClr val="tx1"/>
+                          </a:solidFill>
+                          <a:latin typeface="Calibri" panose="020F0502020204030204"/>
+                        </a:defRPr>
+                      </a:lvl2pPr>
+                      <a:lvl3pPr marL="914400" algn="l" defTabSz="914400" rtl="0" eaLnBrk="1" latinLnBrk="0" hangingPunct="1">
+                        <a:defRPr sz="1800" kern="1200">
+                          <a:solidFill>
+                            <a:schemeClr val="tx1"/>
+                          </a:solidFill>
+                          <a:latin typeface="Calibri" panose="020F0502020204030204"/>
+                        </a:defRPr>
+                      </a:lvl3pPr>
+                      <a:lvl4pPr marL="1371600" algn="l" defTabSz="914400" rtl="0" eaLnBrk="1" latinLnBrk="0" hangingPunct="1">
+                        <a:defRPr sz="1800" kern="1200">
+                          <a:solidFill>
+                            <a:schemeClr val="tx1"/>
+                          </a:solidFill>
+                          <a:latin typeface="Calibri" panose="020F0502020204030204"/>
+                        </a:defRPr>
+                      </a:lvl4pPr>
+                      <a:lvl5pPr marL="1828800" algn="l" defTabSz="914400" rtl="0" eaLnBrk="1" latinLnBrk="0" hangingPunct="1">
+                        <a:defRPr sz="1800" kern="1200">
+                          <a:solidFill>
+                            <a:schemeClr val="tx1"/>
+                          </a:solidFill>
+                          <a:latin typeface="Calibri" panose="020F0502020204030204"/>
+                        </a:defRPr>
+                      </a:lvl5pPr>
+                      <a:lvl6pPr marL="2286000" algn="l" defTabSz="914400" rtl="0" eaLnBrk="1" latinLnBrk="0" hangingPunct="1">
+                        <a:defRPr sz="1800" kern="1200">
+                          <a:solidFill>
+                            <a:schemeClr val="tx1"/>
+                          </a:solidFill>
+                          <a:latin typeface="Calibri" panose="020F0502020204030204"/>
+                        </a:defRPr>
+                      </a:lvl6pPr>
+                      <a:lvl7pPr marL="2743200" algn="l" defTabSz="914400" rtl="0" eaLnBrk="1" latinLnBrk="0" hangingPunct="1">
+                        <a:defRPr sz="1800" kern="1200">
+                          <a:solidFill>
+                            <a:schemeClr val="tx1"/>
+                          </a:solidFill>
+                          <a:latin typeface="Calibri" panose="020F0502020204030204"/>
+                        </a:defRPr>
+                      </a:lvl7pPr>
+                      <a:lvl8pPr marL="3200400" algn="l" defTabSz="914400" rtl="0" eaLnBrk="1" latinLnBrk="0" hangingPunct="1">
+                        <a:defRPr sz="1800" kern="1200">
+                          <a:solidFill>
+                            <a:schemeClr val="tx1"/>
+                          </a:solidFill>
+                          <a:latin typeface="Calibri" panose="020F0502020204030204"/>
+                        </a:defRPr>
+                      </a:lvl8pPr>
+                      <a:lvl9pPr marL="3657600" algn="l" defTabSz="914400" rtl="0" eaLnBrk="1" latinLnBrk="0" hangingPunct="1">
+                        <a:defRPr sz="1800" kern="1200">
+                          <a:solidFill>
+                            <a:schemeClr val="tx1"/>
+                          </a:solidFill>
+                          <a:latin typeface="Calibri" panose="020F0502020204030204"/>
+                        </a:defRPr>
+                      </a:lvl9pPr>
+                    </a:lstStyle>
+                    <a:p>
+                      <a:pPr algn="ctr" fontAlgn="ctr"/>
+                      <a:r>
+                        <a:rPr lang="es-MX" sz="1400" b="1" u="none" strike="noStrike">
+                          <a:effectLst/>
+                        </a:rPr>
+                        <a:t>XX XX</a:t>
+                      </a:r>
+                      <a:endParaRPr lang="es-MX" sz="1400" b="1" i="0" u="none" strike="noStrike">
+                        <a:solidFill>
+                          <a:srgbClr val="000000"/>
+                        </a:solidFill>
+                        <a:effectLst/>
+                        <a:latin typeface="Calibri" panose="020F0502020204030204" pitchFamily="34" charset="0"/>
+                      </a:endParaRPr>
+                    </a:p>
+                  </a:txBody>
+                  <a:tcPr marL="9525" marR="9525" marT="9525" marB="0" anchor="ctr">
+                    <a:lnL>
+                      <a:noFill/>
+                    </a:lnL>
+                    <a:lnR>
+                      <a:noFill/>
+                    </a:lnR>
+                    <a:lnT>
+                      <a:noFill/>
+                    </a:lnT>
+                    <a:lnB w="12700" cmpd="sng">
+                      <a:solidFill>
+                        <a:srgbClr val="4472C4"/>
+                      </a:solidFill>
+                    </a:lnB>
+                    <a:lnTlToBr w="12700" cmpd="sng">
+                      <a:noFill/>
+                      <a:prstDash val="solid"/>
+                    </a:lnTlToBr>
+                    <a:lnBlToTr w="12700" cmpd="sng">
+                      <a:noFill/>
+                      <a:prstDash val="solid"/>
+                    </a:lnBlToTr>
+                    <a:noFill/>
+                  </a:tcPr>
+                </a:tc>
+                <a:tc>
+                  <a:txBody>
+                    <a:bodyPr/>
+                    <a:lstStyle>
+                      <a:lvl1pPr marL="0" algn="l" defTabSz="914400" rtl="0" eaLnBrk="1" latinLnBrk="0" hangingPunct="1">
+                        <a:defRPr sz="1800" kern="1200">
+                          <a:solidFill>
+                            <a:schemeClr val="tx1"/>
+                          </a:solidFill>
+                          <a:latin typeface="Calibri" panose="020F0502020204030204"/>
+                        </a:defRPr>
+                      </a:lvl1pPr>
+                      <a:lvl2pPr marL="457200" algn="l" defTabSz="914400" rtl="0" eaLnBrk="1" latinLnBrk="0" hangingPunct="1">
+                        <a:defRPr sz="1800" kern="1200">
+                          <a:solidFill>
+                            <a:schemeClr val="tx1"/>
+                          </a:solidFill>
+                          <a:latin typeface="Calibri" panose="020F0502020204030204"/>
+                        </a:defRPr>
+                      </a:lvl2pPr>
+                      <a:lvl3pPr marL="914400" algn="l" defTabSz="914400" rtl="0" eaLnBrk="1" latinLnBrk="0" hangingPunct="1">
+                        <a:defRPr sz="1800" kern="1200">
+                          <a:solidFill>
+                            <a:schemeClr val="tx1"/>
+                          </a:solidFill>
+                          <a:latin typeface="Calibri" panose="020F0502020204030204"/>
+                        </a:defRPr>
+                      </a:lvl3pPr>
+                      <a:lvl4pPr marL="1371600" algn="l" defTabSz="914400" rtl="0" eaLnBrk="1" latinLnBrk="0" hangingPunct="1">
+                        <a:defRPr sz="1800" kern="1200">
+                          <a:solidFill>
+                            <a:schemeClr val="tx1"/>
+                          </a:solidFill>
+                          <a:latin typeface="Calibri" panose="020F0502020204030204"/>
+                        </a:defRPr>
+                      </a:lvl4pPr>
+                      <a:lvl5pPr marL="1828800" algn="l" defTabSz="914400" rtl="0" eaLnBrk="1" latinLnBrk="0" hangingPunct="1">
+                        <a:defRPr sz="1800" kern="1200">
+                          <a:solidFill>
+                            <a:schemeClr val="tx1"/>
+                          </a:solidFill>
+                          <a:latin typeface="Calibri" panose="020F0502020204030204"/>
+                        </a:defRPr>
+                      </a:lvl5pPr>
+                      <a:lvl6pPr marL="2286000" algn="l" defTabSz="914400" rtl="0" eaLnBrk="1" latinLnBrk="0" hangingPunct="1">
+                        <a:defRPr sz="1800" kern="1200">
+                          <a:solidFill>
+                            <a:schemeClr val="tx1"/>
+                          </a:solidFill>
+                          <a:latin typeface="Calibri" panose="020F0502020204030204"/>
+                        </a:defRPr>
+                      </a:lvl6pPr>
+                      <a:lvl7pPr marL="2743200" algn="l" defTabSz="914400" rtl="0" eaLnBrk="1" latinLnBrk="0" hangingPunct="1">
+                        <a:defRPr sz="1800" kern="1200">
+                          <a:solidFill>
+                            <a:schemeClr val="tx1"/>
+                          </a:solidFill>
+                          <a:latin typeface="Calibri" panose="020F0502020204030204"/>
+                        </a:defRPr>
+                      </a:lvl7pPr>
+                      <a:lvl8pPr marL="3200400" algn="l" defTabSz="914400" rtl="0" eaLnBrk="1" latinLnBrk="0" hangingPunct="1">
+                        <a:defRPr sz="1800" kern="1200">
+                          <a:solidFill>
+                            <a:schemeClr val="tx1"/>
+                          </a:solidFill>
+                          <a:latin typeface="Calibri" panose="020F0502020204030204"/>
+                        </a:defRPr>
+                      </a:lvl8pPr>
+                      <a:lvl9pPr marL="3657600" algn="l" defTabSz="914400" rtl="0" eaLnBrk="1" latinLnBrk="0" hangingPunct="1">
+                        <a:defRPr sz="1800" kern="1200">
+                          <a:solidFill>
+                            <a:schemeClr val="tx1"/>
+                          </a:solidFill>
+                          <a:latin typeface="Calibri" panose="020F0502020204030204"/>
+                        </a:defRPr>
+                      </a:lvl9pPr>
+                    </a:lstStyle>
+                    <a:p>
+                      <a:pPr algn="ctr" fontAlgn="ctr"/>
+                      <a:r>
+                        <a:rPr lang="es-MX" sz="1400" b="1" u="none" strike="noStrike" dirty="0">
+                          <a:effectLst/>
+                        </a:rPr>
+                        <a:t>E3</a:t>
+                      </a:r>
+                      <a:endParaRPr lang="es-MX" sz="1400" b="1" i="0" u="none" strike="noStrike" dirty="0">
+                        <a:solidFill>
+                          <a:srgbClr val="000000"/>
+                        </a:solidFill>
+                        <a:effectLst/>
+                        <a:latin typeface="Calibri" panose="020F0502020204030204" pitchFamily="34" charset="0"/>
+                      </a:endParaRPr>
+                    </a:p>
+                  </a:txBody>
+                  <a:tcPr marL="9525" marR="9525" marT="9525" marB="0" anchor="ctr">
+                    <a:lnL>
+                      <a:noFill/>
+                    </a:lnL>
+                    <a:lnR>
+                      <a:noFill/>
+                    </a:lnR>
+                    <a:lnT>
+                      <a:noFill/>
+                    </a:lnT>
+                    <a:lnB w="12700" cmpd="sng">
+                      <a:solidFill>
+                        <a:srgbClr val="4472C4"/>
+                      </a:solidFill>
+                    </a:lnB>
+                    <a:lnTlToBr w="12700" cmpd="sng">
+                      <a:noFill/>
+                      <a:prstDash val="solid"/>
+                    </a:lnTlToBr>
+                    <a:lnBlToTr w="12700" cmpd="sng">
+                      <a:noFill/>
+                      <a:prstDash val="solid"/>
+                    </a:lnBlToTr>
+                    <a:noFill/>
+                  </a:tcPr>
+                </a:tc>
+                <a:extLst>
+                  <a:ext uri="{0D108BD9-81ED-4DB2-BD59-A6C34878D82A}">
+                    <a16:rowId xmlns:a16="http://schemas.microsoft.com/office/drawing/2014/main" val="3042597707"/>
+                  </a:ext>
+                </a:extLst>
+              </a:tr>
+            </a:tbl>
+          </a:graphicData>
+        </a:graphic>
+      </p:graphicFrame>
+      <p:sp>
+        <p:nvSpPr>
+          <p:cNvPr id="8" name="TextBox 7">
+            <a:extLst>
+              <a:ext uri="{FF2B5EF4-FFF2-40B4-BE49-F238E27FC236}">
+                <a16:creationId xmlns:a16="http://schemas.microsoft.com/office/drawing/2014/main" id="{C325D028-F3EF-4A9F-9C50-6117D4D38377}"/>
+              </a:ext>
+            </a:extLst>
+          </p:cNvPr>
+          <p:cNvSpPr txBox="1"/>
+          <p:nvPr/>
+        </p:nvSpPr>
+        <p:spPr>
+          <a:xfrm>
+            <a:off x="502021" y="4817030"/>
+            <a:ext cx="11187953" cy="506292"/>
+          </a:xfrm>
+          <a:prstGeom prst="rect">
+            <a:avLst/>
+          </a:prstGeom>
+          <a:noFill/>
+        </p:spPr>
+        <p:txBody>
+          <a:bodyPr wrap="square" rtlCol="0">
+            <a:spAutoFit/>
+          </a:bodyPr>
+          <a:lstStyle/>
+          <a:p>
+            <a:pPr algn="just">
+              <a:lnSpc>
+                <a:spcPct val="150000"/>
+              </a:lnSpc>
+            </a:pPr>
+            <a:r>
+              <a:rPr lang="es-MX" sz="2000" dirty="0"/>
+              <a:t>En este caso ERD DATA SIZE, es la cantidad de bytes que serán escritos en Dato. </a:t>
+            </a:r>
+          </a:p>
+        </p:txBody>
+      </p:sp>
     </p:spTree>
     <p:extLst>
       <p:ext uri="{BB962C8B-B14F-4D97-AF65-F5344CB8AC3E}">
         <p14:creationId xmlns:p14="http://schemas.microsoft.com/office/powerpoint/2010/main" val="2335322067"/>
+      </p:ext>
+    </p:extLst>
+  </p:cSld>
+  <p:clrMapOvr>
+    <a:masterClrMapping/>
+  </p:clrMapOvr>
+</p:sld>
+</file>
+
+<file path=ppt/slides/slide5.xml><?xml version="1.0" encoding="utf-8"?>
+<p:sld xmlns:a="http://schemas.openxmlformats.org/drawingml/2006/main" xmlns:r="http://schemas.openxmlformats.org/officeDocument/2006/relationships" xmlns:p="http://schemas.openxmlformats.org/presentationml/2006/main">
+  <p:cSld>
+    <p:spTree>
+      <p:nvGrpSpPr>
+        <p:cNvPr id="1" name=""/>
+        <p:cNvGrpSpPr/>
+        <p:nvPr/>
+      </p:nvGrpSpPr>
+      <p:grpSpPr>
+        <a:xfrm>
+          <a:off x="0" y="0"/>
+          <a:ext cx="0" cy="0"/>
+          <a:chOff x="0" y="0"/>
+          <a:chExt cx="0" cy="0"/>
+        </a:xfrm>
+      </p:grpSpPr>
+      <p:sp>
+        <p:nvSpPr>
+          <p:cNvPr id="2" name="TextBox 1">
+            <a:extLst>
+              <a:ext uri="{FF2B5EF4-FFF2-40B4-BE49-F238E27FC236}">
+                <a16:creationId xmlns:a16="http://schemas.microsoft.com/office/drawing/2014/main" id="{7924F8D0-6ED6-49A7-BEC6-F900A00CC771}"/>
+              </a:ext>
+            </a:extLst>
+          </p:cNvPr>
+          <p:cNvSpPr txBox="1"/>
+          <p:nvPr/>
+        </p:nvSpPr>
+        <p:spPr>
+          <a:xfrm>
+            <a:off x="502023" y="1246095"/>
+            <a:ext cx="11187953" cy="967957"/>
+          </a:xfrm>
+          <a:prstGeom prst="rect">
+            <a:avLst/>
+          </a:prstGeom>
+          <a:noFill/>
+        </p:spPr>
+        <p:txBody>
+          <a:bodyPr wrap="square" rtlCol="0">
+            <a:spAutoFit/>
+          </a:bodyPr>
+          <a:lstStyle/>
+          <a:p>
+            <a:pPr algn="just">
+              <a:lnSpc>
+                <a:spcPct val="150000"/>
+              </a:lnSpc>
+            </a:pPr>
+            <a:r>
+              <a:rPr lang="es-MX" sz="2000" dirty="0"/>
+              <a:t>Para el Response de escritura tiene la siguiente estructura en su trama de datos, que al igual que la lectura, tiene un byte especifico para conocer si el </a:t>
+            </a:r>
+            <a:r>
+              <a:rPr lang="es-MX" sz="2000" dirty="0" err="1"/>
+              <a:t>request</a:t>
+            </a:r>
+            <a:r>
+              <a:rPr lang="es-MX" sz="2000" dirty="0"/>
+              <a:t> fue realizado correctamente o no. </a:t>
+            </a:r>
+          </a:p>
+        </p:txBody>
+      </p:sp>
+      <p:graphicFrame>
+        <p:nvGraphicFramePr>
+          <p:cNvPr id="3" name="Table 2">
+            <a:extLst>
+              <a:ext uri="{FF2B5EF4-FFF2-40B4-BE49-F238E27FC236}">
+                <a16:creationId xmlns:a16="http://schemas.microsoft.com/office/drawing/2014/main" id="{40A5E9C0-4395-4B0D-85BE-71A6AF6FDBC2}"/>
+              </a:ext>
+            </a:extLst>
+          </p:cNvPr>
+          <p:cNvGraphicFramePr>
+            <a:graphicFrameLocks noGrp="1"/>
+          </p:cNvGraphicFramePr>
+          <p:nvPr>
+            <p:extLst>
+              <p:ext uri="{D42A27DB-BD31-4B8C-83A1-F6EECF244321}">
+                <p14:modId xmlns:p14="http://schemas.microsoft.com/office/powerpoint/2010/main" val="209793686"/>
+              </p:ext>
+            </p:extLst>
+          </p:nvPr>
+        </p:nvGraphicFramePr>
+        <p:xfrm>
+          <a:off x="2812488" y="2821641"/>
+          <a:ext cx="6567021" cy="699135"/>
+        </p:xfrm>
+        <a:graphic>
+          <a:graphicData uri="http://schemas.openxmlformats.org/drawingml/2006/table">
+            <a:tbl>
+              <a:tblPr/>
+              <a:tblGrid>
+                <a:gridCol w="610199">
+                  <a:extLst>
+                    <a:ext uri="{9D8B030D-6E8A-4147-A177-3AD203B41FA5}">
+                      <a16:colId xmlns:a16="http://schemas.microsoft.com/office/drawing/2014/main" val="1866085082"/>
+                    </a:ext>
+                  </a:extLst>
+                </a:gridCol>
+                <a:gridCol w="610199">
+                  <a:extLst>
+                    <a:ext uri="{9D8B030D-6E8A-4147-A177-3AD203B41FA5}">
+                      <a16:colId xmlns:a16="http://schemas.microsoft.com/office/drawing/2014/main" val="3482279403"/>
+                    </a:ext>
+                  </a:extLst>
+                </a:gridCol>
+                <a:gridCol w="828411">
+                  <a:extLst>
+                    <a:ext uri="{9D8B030D-6E8A-4147-A177-3AD203B41FA5}">
+                      <a16:colId xmlns:a16="http://schemas.microsoft.com/office/drawing/2014/main" val="3741080186"/>
+                    </a:ext>
+                  </a:extLst>
+                </a:gridCol>
+                <a:gridCol w="618565">
+                  <a:extLst>
+                    <a:ext uri="{9D8B030D-6E8A-4147-A177-3AD203B41FA5}">
+                      <a16:colId xmlns:a16="http://schemas.microsoft.com/office/drawing/2014/main" val="644247907"/>
+                    </a:ext>
+                  </a:extLst>
+                </a:gridCol>
+                <a:gridCol w="627529">
+                  <a:extLst>
+                    <a:ext uri="{9D8B030D-6E8A-4147-A177-3AD203B41FA5}">
+                      <a16:colId xmlns:a16="http://schemas.microsoft.com/office/drawing/2014/main" val="2591872455"/>
+                    </a:ext>
+                  </a:extLst>
+                </a:gridCol>
+                <a:gridCol w="788894">
+                  <a:extLst>
+                    <a:ext uri="{9D8B030D-6E8A-4147-A177-3AD203B41FA5}">
+                      <a16:colId xmlns:a16="http://schemas.microsoft.com/office/drawing/2014/main" val="2066901241"/>
+                    </a:ext>
+                  </a:extLst>
+                </a:gridCol>
+                <a:gridCol w="770965">
+                  <a:extLst>
+                    <a:ext uri="{9D8B030D-6E8A-4147-A177-3AD203B41FA5}">
+                      <a16:colId xmlns:a16="http://schemas.microsoft.com/office/drawing/2014/main" val="1690005155"/>
+                    </a:ext>
+                  </a:extLst>
+                </a:gridCol>
+                <a:gridCol w="999336">
+                  <a:extLst>
+                    <a:ext uri="{9D8B030D-6E8A-4147-A177-3AD203B41FA5}">
+                      <a16:colId xmlns:a16="http://schemas.microsoft.com/office/drawing/2014/main" val="3149794434"/>
+                    </a:ext>
+                  </a:extLst>
+                </a:gridCol>
+                <a:gridCol w="712923">
+                  <a:extLst>
+                    <a:ext uri="{9D8B030D-6E8A-4147-A177-3AD203B41FA5}">
+                      <a16:colId xmlns:a16="http://schemas.microsoft.com/office/drawing/2014/main" val="3408490200"/>
+                    </a:ext>
+                  </a:extLst>
+                </a:gridCol>
+              </a:tblGrid>
+              <a:tr h="190500">
+                <a:tc gridSpan="9">
+                  <a:txBody>
+                    <a:bodyPr/>
+                    <a:lstStyle>
+                      <a:lvl1pPr marL="0" algn="l" defTabSz="914400" rtl="0" eaLnBrk="1" latinLnBrk="0" hangingPunct="1">
+                        <a:defRPr sz="1800" kern="1200">
+                          <a:solidFill>
+                            <a:schemeClr val="tx1"/>
+                          </a:solidFill>
+                          <a:latin typeface="Calibri" panose="020F0502020204030204"/>
+                        </a:defRPr>
+                      </a:lvl1pPr>
+                      <a:lvl2pPr marL="457200" algn="l" defTabSz="914400" rtl="0" eaLnBrk="1" latinLnBrk="0" hangingPunct="1">
+                        <a:defRPr sz="1800" kern="1200">
+                          <a:solidFill>
+                            <a:schemeClr val="tx1"/>
+                          </a:solidFill>
+                          <a:latin typeface="Calibri" panose="020F0502020204030204"/>
+                        </a:defRPr>
+                      </a:lvl2pPr>
+                      <a:lvl3pPr marL="914400" algn="l" defTabSz="914400" rtl="0" eaLnBrk="1" latinLnBrk="0" hangingPunct="1">
+                        <a:defRPr sz="1800" kern="1200">
+                          <a:solidFill>
+                            <a:schemeClr val="tx1"/>
+                          </a:solidFill>
+                          <a:latin typeface="Calibri" panose="020F0502020204030204"/>
+                        </a:defRPr>
+                      </a:lvl3pPr>
+                      <a:lvl4pPr marL="1371600" algn="l" defTabSz="914400" rtl="0" eaLnBrk="1" latinLnBrk="0" hangingPunct="1">
+                        <a:defRPr sz="1800" kern="1200">
+                          <a:solidFill>
+                            <a:schemeClr val="tx1"/>
+                          </a:solidFill>
+                          <a:latin typeface="Calibri" panose="020F0502020204030204"/>
+                        </a:defRPr>
+                      </a:lvl4pPr>
+                      <a:lvl5pPr marL="1828800" algn="l" defTabSz="914400" rtl="0" eaLnBrk="1" latinLnBrk="0" hangingPunct="1">
+                        <a:defRPr sz="1800" kern="1200">
+                          <a:solidFill>
+                            <a:schemeClr val="tx1"/>
+                          </a:solidFill>
+                          <a:latin typeface="Calibri" panose="020F0502020204030204"/>
+                        </a:defRPr>
+                      </a:lvl5pPr>
+                      <a:lvl6pPr marL="2286000" algn="l" defTabSz="914400" rtl="0" eaLnBrk="1" latinLnBrk="0" hangingPunct="1">
+                        <a:defRPr sz="1800" kern="1200">
+                          <a:solidFill>
+                            <a:schemeClr val="tx1"/>
+                          </a:solidFill>
+                          <a:latin typeface="Calibri" panose="020F0502020204030204"/>
+                        </a:defRPr>
+                      </a:lvl6pPr>
+                      <a:lvl7pPr marL="2743200" algn="l" defTabSz="914400" rtl="0" eaLnBrk="1" latinLnBrk="0" hangingPunct="1">
+                        <a:defRPr sz="1800" kern="1200">
+                          <a:solidFill>
+                            <a:schemeClr val="tx1"/>
+                          </a:solidFill>
+                          <a:latin typeface="Calibri" panose="020F0502020204030204"/>
+                        </a:defRPr>
+                      </a:lvl7pPr>
+                      <a:lvl8pPr marL="3200400" algn="l" defTabSz="914400" rtl="0" eaLnBrk="1" latinLnBrk="0" hangingPunct="1">
+                        <a:defRPr sz="1800" kern="1200">
+                          <a:solidFill>
+                            <a:schemeClr val="tx1"/>
+                          </a:solidFill>
+                          <a:latin typeface="Calibri" panose="020F0502020204030204"/>
+                        </a:defRPr>
+                      </a:lvl8pPr>
+                      <a:lvl9pPr marL="3657600" algn="l" defTabSz="914400" rtl="0" eaLnBrk="1" latinLnBrk="0" hangingPunct="1">
+                        <a:defRPr sz="1800" kern="1200">
+                          <a:solidFill>
+                            <a:schemeClr val="tx1"/>
+                          </a:solidFill>
+                          <a:latin typeface="Calibri" panose="020F0502020204030204"/>
+                        </a:defRPr>
+                      </a:lvl9pPr>
+                    </a:lstStyle>
+                    <a:p>
+                      <a:pPr algn="ctr" fontAlgn="b"/>
+                      <a:r>
+                        <a:rPr lang="es-MX" sz="1600" b="1" u="none" strike="noStrike" dirty="0">
+                          <a:effectLst/>
+                        </a:rPr>
+                        <a:t>Response Escritura </a:t>
+                      </a:r>
+                      <a:endParaRPr lang="es-MX" sz="1600" b="1" i="0" u="none" strike="noStrike" dirty="0">
+                        <a:solidFill>
+                          <a:srgbClr val="000000"/>
+                        </a:solidFill>
+                        <a:effectLst/>
+                        <a:latin typeface="Calibri" panose="020F0502020204030204" pitchFamily="34" charset="0"/>
+                      </a:endParaRPr>
+                    </a:p>
+                  </a:txBody>
+                  <a:tcPr marL="9525" marR="9525" marT="9525" marB="0" anchor="b">
+                    <a:lnL>
+                      <a:noFill/>
+                    </a:lnL>
+                    <a:lnR>
+                      <a:noFill/>
+                    </a:lnR>
+                    <a:lnT w="12700" cmpd="sng">
+                      <a:solidFill>
+                        <a:srgbClr val="4472C4"/>
+                      </a:solidFill>
+                    </a:lnT>
+                    <a:lnB>
+                      <a:noFill/>
+                    </a:lnB>
+                    <a:lnTlToBr w="12700" cmpd="sng">
+                      <a:noFill/>
+                      <a:prstDash val="solid"/>
+                    </a:lnTlToBr>
+                    <a:lnBlToTr w="12700" cmpd="sng">
+                      <a:noFill/>
+                      <a:prstDash val="solid"/>
+                    </a:lnBlToTr>
+                    <a:noFill/>
+                  </a:tcPr>
+                </a:tc>
+                <a:tc hMerge="1">
+                  <a:txBody>
+                    <a:bodyPr/>
+                    <a:lstStyle/>
+                    <a:p>
+                      <a:endParaRPr lang="es-MX"/>
+                    </a:p>
+                  </a:txBody>
+                  <a:tcPr/>
+                </a:tc>
+                <a:tc hMerge="1">
+                  <a:txBody>
+                    <a:bodyPr/>
+                    <a:lstStyle/>
+                    <a:p>
+                      <a:endParaRPr lang="es-MX"/>
+                    </a:p>
+                  </a:txBody>
+                  <a:tcPr/>
+                </a:tc>
+                <a:tc hMerge="1">
+                  <a:txBody>
+                    <a:bodyPr/>
+                    <a:lstStyle/>
+                    <a:p>
+                      <a:endParaRPr lang="es-MX"/>
+                    </a:p>
+                  </a:txBody>
+                  <a:tcPr/>
+                </a:tc>
+                <a:tc hMerge="1">
+                  <a:txBody>
+                    <a:bodyPr/>
+                    <a:lstStyle/>
+                    <a:p>
+                      <a:endParaRPr lang="es-MX"/>
+                    </a:p>
+                  </a:txBody>
+                  <a:tcPr/>
+                </a:tc>
+                <a:tc hMerge="1">
+                  <a:txBody>
+                    <a:bodyPr/>
+                    <a:lstStyle/>
+                    <a:p>
+                      <a:endParaRPr lang="es-MX"/>
+                    </a:p>
+                  </a:txBody>
+                  <a:tcPr/>
+                </a:tc>
+                <a:tc hMerge="1">
+                  <a:txBody>
+                    <a:bodyPr/>
+                    <a:lstStyle/>
+                    <a:p>
+                      <a:endParaRPr lang="es-MX"/>
+                    </a:p>
+                  </a:txBody>
+                  <a:tcPr/>
+                </a:tc>
+                <a:tc hMerge="1">
+                  <a:txBody>
+                    <a:bodyPr/>
+                    <a:lstStyle/>
+                    <a:p>
+                      <a:endParaRPr lang="es-MX"/>
+                    </a:p>
+                  </a:txBody>
+                  <a:tcPr/>
+                </a:tc>
+                <a:tc hMerge="1">
+                  <a:txBody>
+                    <a:bodyPr/>
+                    <a:lstStyle/>
+                    <a:p>
+                      <a:endParaRPr lang="es-MX"/>
+                    </a:p>
+                  </a:txBody>
+                  <a:tcPr/>
+                </a:tc>
+                <a:extLst>
+                  <a:ext uri="{0D108BD9-81ED-4DB2-BD59-A6C34878D82A}">
+                    <a16:rowId xmlns:a16="http://schemas.microsoft.com/office/drawing/2014/main" val="3994443738"/>
+                  </a:ext>
+                </a:extLst>
+              </a:tr>
+              <a:tr h="190500">
+                <a:tc>
+                  <a:txBody>
+                    <a:bodyPr/>
+                    <a:lstStyle>
+                      <a:lvl1pPr marL="0" algn="l" defTabSz="914400" rtl="0" eaLnBrk="1" latinLnBrk="0" hangingPunct="1">
+                        <a:defRPr sz="1800" kern="1200">
+                          <a:solidFill>
+                            <a:schemeClr val="tx1"/>
+                          </a:solidFill>
+                          <a:latin typeface="Calibri" panose="020F0502020204030204"/>
+                        </a:defRPr>
+                      </a:lvl1pPr>
+                      <a:lvl2pPr marL="457200" algn="l" defTabSz="914400" rtl="0" eaLnBrk="1" latinLnBrk="0" hangingPunct="1">
+                        <a:defRPr sz="1800" kern="1200">
+                          <a:solidFill>
+                            <a:schemeClr val="tx1"/>
+                          </a:solidFill>
+                          <a:latin typeface="Calibri" panose="020F0502020204030204"/>
+                        </a:defRPr>
+                      </a:lvl2pPr>
+                      <a:lvl3pPr marL="914400" algn="l" defTabSz="914400" rtl="0" eaLnBrk="1" latinLnBrk="0" hangingPunct="1">
+                        <a:defRPr sz="1800" kern="1200">
+                          <a:solidFill>
+                            <a:schemeClr val="tx1"/>
+                          </a:solidFill>
+                          <a:latin typeface="Calibri" panose="020F0502020204030204"/>
+                        </a:defRPr>
+                      </a:lvl3pPr>
+                      <a:lvl4pPr marL="1371600" algn="l" defTabSz="914400" rtl="0" eaLnBrk="1" latinLnBrk="0" hangingPunct="1">
+                        <a:defRPr sz="1800" kern="1200">
+                          <a:solidFill>
+                            <a:schemeClr val="tx1"/>
+                          </a:solidFill>
+                          <a:latin typeface="Calibri" panose="020F0502020204030204"/>
+                        </a:defRPr>
+                      </a:lvl4pPr>
+                      <a:lvl5pPr marL="1828800" algn="l" defTabSz="914400" rtl="0" eaLnBrk="1" latinLnBrk="0" hangingPunct="1">
+                        <a:defRPr sz="1800" kern="1200">
+                          <a:solidFill>
+                            <a:schemeClr val="tx1"/>
+                          </a:solidFill>
+                          <a:latin typeface="Calibri" panose="020F0502020204030204"/>
+                        </a:defRPr>
+                      </a:lvl5pPr>
+                      <a:lvl6pPr marL="2286000" algn="l" defTabSz="914400" rtl="0" eaLnBrk="1" latinLnBrk="0" hangingPunct="1">
+                        <a:defRPr sz="1800" kern="1200">
+                          <a:solidFill>
+                            <a:schemeClr val="tx1"/>
+                          </a:solidFill>
+                          <a:latin typeface="Calibri" panose="020F0502020204030204"/>
+                        </a:defRPr>
+                      </a:lvl6pPr>
+                      <a:lvl7pPr marL="2743200" algn="l" defTabSz="914400" rtl="0" eaLnBrk="1" latinLnBrk="0" hangingPunct="1">
+                        <a:defRPr sz="1800" kern="1200">
+                          <a:solidFill>
+                            <a:schemeClr val="tx1"/>
+                          </a:solidFill>
+                          <a:latin typeface="Calibri" panose="020F0502020204030204"/>
+                        </a:defRPr>
+                      </a:lvl7pPr>
+                      <a:lvl8pPr marL="3200400" algn="l" defTabSz="914400" rtl="0" eaLnBrk="1" latinLnBrk="0" hangingPunct="1">
+                        <a:defRPr sz="1800" kern="1200">
+                          <a:solidFill>
+                            <a:schemeClr val="tx1"/>
+                          </a:solidFill>
+                          <a:latin typeface="Calibri" panose="020F0502020204030204"/>
+                        </a:defRPr>
+                      </a:lvl8pPr>
+                      <a:lvl9pPr marL="3657600" algn="l" defTabSz="914400" rtl="0" eaLnBrk="1" latinLnBrk="0" hangingPunct="1">
+                        <a:defRPr sz="1800" kern="1200">
+                          <a:solidFill>
+                            <a:schemeClr val="tx1"/>
+                          </a:solidFill>
+                          <a:latin typeface="Calibri" panose="020F0502020204030204"/>
+                        </a:defRPr>
+                      </a:lvl9pPr>
+                    </a:lstStyle>
+                    <a:p>
+                      <a:pPr algn="ctr" fontAlgn="ctr"/>
+                      <a:r>
+                        <a:rPr lang="es-MX" sz="1400" b="1" u="none" strike="noStrike">
+                          <a:effectLst/>
+                        </a:rPr>
+                        <a:t>BIT INIT</a:t>
+                      </a:r>
+                      <a:endParaRPr lang="es-MX" sz="1400" b="1" i="0" u="none" strike="noStrike">
+                        <a:solidFill>
+                          <a:srgbClr val="000000"/>
+                        </a:solidFill>
+                        <a:effectLst/>
+                        <a:latin typeface="Calibri" panose="020F0502020204030204" pitchFamily="34" charset="0"/>
+                      </a:endParaRPr>
+                    </a:p>
+                  </a:txBody>
+                  <a:tcPr marL="9525" marR="9525" marT="9525" marB="0" anchor="ctr">
+                    <a:lnL>
+                      <a:noFill/>
+                    </a:lnL>
+                    <a:lnR>
+                      <a:noFill/>
+                    </a:lnR>
+                    <a:lnT>
+                      <a:noFill/>
+                    </a:lnT>
+                    <a:lnB>
+                      <a:noFill/>
+                    </a:lnB>
+                    <a:lnTlToBr w="12700" cmpd="sng">
+                      <a:noFill/>
+                      <a:prstDash val="solid"/>
+                    </a:lnTlToBr>
+                    <a:lnBlToTr w="12700" cmpd="sng">
+                      <a:noFill/>
+                      <a:prstDash val="solid"/>
+                    </a:lnBlToTr>
+                    <a:noFill/>
+                  </a:tcPr>
+                </a:tc>
+                <a:tc>
+                  <a:txBody>
+                    <a:bodyPr/>
+                    <a:lstStyle>
+                      <a:lvl1pPr marL="0" algn="l" defTabSz="914400" rtl="0" eaLnBrk="1" latinLnBrk="0" hangingPunct="1">
+                        <a:defRPr sz="1800" kern="1200">
+                          <a:solidFill>
+                            <a:schemeClr val="tx1"/>
+                          </a:solidFill>
+                          <a:latin typeface="Calibri" panose="020F0502020204030204"/>
+                        </a:defRPr>
+                      </a:lvl1pPr>
+                      <a:lvl2pPr marL="457200" algn="l" defTabSz="914400" rtl="0" eaLnBrk="1" latinLnBrk="0" hangingPunct="1">
+                        <a:defRPr sz="1800" kern="1200">
+                          <a:solidFill>
+                            <a:schemeClr val="tx1"/>
+                          </a:solidFill>
+                          <a:latin typeface="Calibri" panose="020F0502020204030204"/>
+                        </a:defRPr>
+                      </a:lvl2pPr>
+                      <a:lvl3pPr marL="914400" algn="l" defTabSz="914400" rtl="0" eaLnBrk="1" latinLnBrk="0" hangingPunct="1">
+                        <a:defRPr sz="1800" kern="1200">
+                          <a:solidFill>
+                            <a:schemeClr val="tx1"/>
+                          </a:solidFill>
+                          <a:latin typeface="Calibri" panose="020F0502020204030204"/>
+                        </a:defRPr>
+                      </a:lvl3pPr>
+                      <a:lvl4pPr marL="1371600" algn="l" defTabSz="914400" rtl="0" eaLnBrk="1" latinLnBrk="0" hangingPunct="1">
+                        <a:defRPr sz="1800" kern="1200">
+                          <a:solidFill>
+                            <a:schemeClr val="tx1"/>
+                          </a:solidFill>
+                          <a:latin typeface="Calibri" panose="020F0502020204030204"/>
+                        </a:defRPr>
+                      </a:lvl4pPr>
+                      <a:lvl5pPr marL="1828800" algn="l" defTabSz="914400" rtl="0" eaLnBrk="1" latinLnBrk="0" hangingPunct="1">
+                        <a:defRPr sz="1800" kern="1200">
+                          <a:solidFill>
+                            <a:schemeClr val="tx1"/>
+                          </a:solidFill>
+                          <a:latin typeface="Calibri" panose="020F0502020204030204"/>
+                        </a:defRPr>
+                      </a:lvl5pPr>
+                      <a:lvl6pPr marL="2286000" algn="l" defTabSz="914400" rtl="0" eaLnBrk="1" latinLnBrk="0" hangingPunct="1">
+                        <a:defRPr sz="1800" kern="1200">
+                          <a:solidFill>
+                            <a:schemeClr val="tx1"/>
+                          </a:solidFill>
+                          <a:latin typeface="Calibri" panose="020F0502020204030204"/>
+                        </a:defRPr>
+                      </a:lvl6pPr>
+                      <a:lvl7pPr marL="2743200" algn="l" defTabSz="914400" rtl="0" eaLnBrk="1" latinLnBrk="0" hangingPunct="1">
+                        <a:defRPr sz="1800" kern="1200">
+                          <a:solidFill>
+                            <a:schemeClr val="tx1"/>
+                          </a:solidFill>
+                          <a:latin typeface="Calibri" panose="020F0502020204030204"/>
+                        </a:defRPr>
+                      </a:lvl7pPr>
+                      <a:lvl8pPr marL="3200400" algn="l" defTabSz="914400" rtl="0" eaLnBrk="1" latinLnBrk="0" hangingPunct="1">
+                        <a:defRPr sz="1800" kern="1200">
+                          <a:solidFill>
+                            <a:schemeClr val="tx1"/>
+                          </a:solidFill>
+                          <a:latin typeface="Calibri" panose="020F0502020204030204"/>
+                        </a:defRPr>
+                      </a:lvl8pPr>
+                      <a:lvl9pPr marL="3657600" algn="l" defTabSz="914400" rtl="0" eaLnBrk="1" latinLnBrk="0" hangingPunct="1">
+                        <a:defRPr sz="1800" kern="1200">
+                          <a:solidFill>
+                            <a:schemeClr val="tx1"/>
+                          </a:solidFill>
+                          <a:latin typeface="Calibri" panose="020F0502020204030204"/>
+                        </a:defRPr>
+                      </a:lvl9pPr>
+                    </a:lstStyle>
+                    <a:p>
+                      <a:pPr algn="ctr" fontAlgn="ctr"/>
+                      <a:r>
+                        <a:rPr lang="es-MX" sz="1400" b="1" u="none" strike="noStrike">
+                          <a:effectLst/>
+                        </a:rPr>
+                        <a:t>DST</a:t>
+                      </a:r>
+                      <a:endParaRPr lang="es-MX" sz="1400" b="1" i="0" u="none" strike="noStrike">
+                        <a:solidFill>
+                          <a:srgbClr val="000000"/>
+                        </a:solidFill>
+                        <a:effectLst/>
+                        <a:latin typeface="Calibri" panose="020F0502020204030204" pitchFamily="34" charset="0"/>
+                      </a:endParaRPr>
+                    </a:p>
+                  </a:txBody>
+                  <a:tcPr marL="9525" marR="9525" marT="9525" marB="0" anchor="ctr">
+                    <a:lnL>
+                      <a:noFill/>
+                    </a:lnL>
+                    <a:lnR>
+                      <a:noFill/>
+                    </a:lnR>
+                    <a:lnT>
+                      <a:noFill/>
+                    </a:lnT>
+                    <a:lnB>
+                      <a:noFill/>
+                    </a:lnB>
+                    <a:lnTlToBr w="12700" cmpd="sng">
+                      <a:noFill/>
+                      <a:prstDash val="solid"/>
+                    </a:lnTlToBr>
+                    <a:lnBlToTr w="12700" cmpd="sng">
+                      <a:noFill/>
+                      <a:prstDash val="solid"/>
+                    </a:lnBlToTr>
+                    <a:noFill/>
+                  </a:tcPr>
+                </a:tc>
+                <a:tc>
+                  <a:txBody>
+                    <a:bodyPr/>
+                    <a:lstStyle>
+                      <a:lvl1pPr marL="0" algn="l" defTabSz="914400" rtl="0" eaLnBrk="1" latinLnBrk="0" hangingPunct="1">
+                        <a:defRPr sz="1800" kern="1200">
+                          <a:solidFill>
+                            <a:schemeClr val="tx1"/>
+                          </a:solidFill>
+                          <a:latin typeface="Calibri" panose="020F0502020204030204"/>
+                        </a:defRPr>
+                      </a:lvl1pPr>
+                      <a:lvl2pPr marL="457200" algn="l" defTabSz="914400" rtl="0" eaLnBrk="1" latinLnBrk="0" hangingPunct="1">
+                        <a:defRPr sz="1800" kern="1200">
+                          <a:solidFill>
+                            <a:schemeClr val="tx1"/>
+                          </a:solidFill>
+                          <a:latin typeface="Calibri" panose="020F0502020204030204"/>
+                        </a:defRPr>
+                      </a:lvl2pPr>
+                      <a:lvl3pPr marL="914400" algn="l" defTabSz="914400" rtl="0" eaLnBrk="1" latinLnBrk="0" hangingPunct="1">
+                        <a:defRPr sz="1800" kern="1200">
+                          <a:solidFill>
+                            <a:schemeClr val="tx1"/>
+                          </a:solidFill>
+                          <a:latin typeface="Calibri" panose="020F0502020204030204"/>
+                        </a:defRPr>
+                      </a:lvl3pPr>
+                      <a:lvl4pPr marL="1371600" algn="l" defTabSz="914400" rtl="0" eaLnBrk="1" latinLnBrk="0" hangingPunct="1">
+                        <a:defRPr sz="1800" kern="1200">
+                          <a:solidFill>
+                            <a:schemeClr val="tx1"/>
+                          </a:solidFill>
+                          <a:latin typeface="Calibri" panose="020F0502020204030204"/>
+                        </a:defRPr>
+                      </a:lvl4pPr>
+                      <a:lvl5pPr marL="1828800" algn="l" defTabSz="914400" rtl="0" eaLnBrk="1" latinLnBrk="0" hangingPunct="1">
+                        <a:defRPr sz="1800" kern="1200">
+                          <a:solidFill>
+                            <a:schemeClr val="tx1"/>
+                          </a:solidFill>
+                          <a:latin typeface="Calibri" panose="020F0502020204030204"/>
+                        </a:defRPr>
+                      </a:lvl5pPr>
+                      <a:lvl6pPr marL="2286000" algn="l" defTabSz="914400" rtl="0" eaLnBrk="1" latinLnBrk="0" hangingPunct="1">
+                        <a:defRPr sz="1800" kern="1200">
+                          <a:solidFill>
+                            <a:schemeClr val="tx1"/>
+                          </a:solidFill>
+                          <a:latin typeface="Calibri" panose="020F0502020204030204"/>
+                        </a:defRPr>
+                      </a:lvl6pPr>
+                      <a:lvl7pPr marL="2743200" algn="l" defTabSz="914400" rtl="0" eaLnBrk="1" latinLnBrk="0" hangingPunct="1">
+                        <a:defRPr sz="1800" kern="1200">
+                          <a:solidFill>
+                            <a:schemeClr val="tx1"/>
+                          </a:solidFill>
+                          <a:latin typeface="Calibri" panose="020F0502020204030204"/>
+                        </a:defRPr>
+                      </a:lvl7pPr>
+                      <a:lvl8pPr marL="3200400" algn="l" defTabSz="914400" rtl="0" eaLnBrk="1" latinLnBrk="0" hangingPunct="1">
+                        <a:defRPr sz="1800" kern="1200">
+                          <a:solidFill>
+                            <a:schemeClr val="tx1"/>
+                          </a:solidFill>
+                          <a:latin typeface="Calibri" panose="020F0502020204030204"/>
+                        </a:defRPr>
+                      </a:lvl8pPr>
+                      <a:lvl9pPr marL="3657600" algn="l" defTabSz="914400" rtl="0" eaLnBrk="1" latinLnBrk="0" hangingPunct="1">
+                        <a:defRPr sz="1800" kern="1200">
+                          <a:solidFill>
+                            <a:schemeClr val="tx1"/>
+                          </a:solidFill>
+                          <a:latin typeface="Calibri" panose="020F0502020204030204"/>
+                        </a:defRPr>
+                      </a:lvl9pPr>
+                    </a:lstStyle>
+                    <a:p>
+                      <a:pPr algn="ctr" fontAlgn="ctr"/>
+                      <a:r>
+                        <a:rPr lang="es-MX" sz="1400" b="1" u="none" strike="noStrike" dirty="0">
+                          <a:effectLst/>
+                        </a:rPr>
+                        <a:t>LONGITUD</a:t>
+                      </a:r>
+                      <a:endParaRPr lang="es-MX" sz="1400" b="1" i="0" u="none" strike="noStrike" dirty="0">
+                        <a:solidFill>
+                          <a:srgbClr val="000000"/>
+                        </a:solidFill>
+                        <a:effectLst/>
+                        <a:latin typeface="Calibri" panose="020F0502020204030204" pitchFamily="34" charset="0"/>
+                      </a:endParaRPr>
+                    </a:p>
+                  </a:txBody>
+                  <a:tcPr marL="9525" marR="9525" marT="9525" marB="0" anchor="ctr">
+                    <a:lnL>
+                      <a:noFill/>
+                    </a:lnL>
+                    <a:lnR>
+                      <a:noFill/>
+                    </a:lnR>
+                    <a:lnT>
+                      <a:noFill/>
+                    </a:lnT>
+                    <a:lnB>
+                      <a:noFill/>
+                    </a:lnB>
+                    <a:lnTlToBr w="12700" cmpd="sng">
+                      <a:noFill/>
+                      <a:prstDash val="solid"/>
+                    </a:lnTlToBr>
+                    <a:lnBlToTr w="12700" cmpd="sng">
+                      <a:noFill/>
+                      <a:prstDash val="solid"/>
+                    </a:lnBlToTr>
+                    <a:noFill/>
+                  </a:tcPr>
+                </a:tc>
+                <a:tc>
+                  <a:txBody>
+                    <a:bodyPr/>
+                    <a:lstStyle>
+                      <a:lvl1pPr marL="0" algn="l" defTabSz="914400" rtl="0" eaLnBrk="1" latinLnBrk="0" hangingPunct="1">
+                        <a:defRPr sz="1800" kern="1200">
+                          <a:solidFill>
+                            <a:schemeClr val="tx1"/>
+                          </a:solidFill>
+                          <a:latin typeface="Calibri" panose="020F0502020204030204"/>
+                        </a:defRPr>
+                      </a:lvl1pPr>
+                      <a:lvl2pPr marL="457200" algn="l" defTabSz="914400" rtl="0" eaLnBrk="1" latinLnBrk="0" hangingPunct="1">
+                        <a:defRPr sz="1800" kern="1200">
+                          <a:solidFill>
+                            <a:schemeClr val="tx1"/>
+                          </a:solidFill>
+                          <a:latin typeface="Calibri" panose="020F0502020204030204"/>
+                        </a:defRPr>
+                      </a:lvl2pPr>
+                      <a:lvl3pPr marL="914400" algn="l" defTabSz="914400" rtl="0" eaLnBrk="1" latinLnBrk="0" hangingPunct="1">
+                        <a:defRPr sz="1800" kern="1200">
+                          <a:solidFill>
+                            <a:schemeClr val="tx1"/>
+                          </a:solidFill>
+                          <a:latin typeface="Calibri" panose="020F0502020204030204"/>
+                        </a:defRPr>
+                      </a:lvl3pPr>
+                      <a:lvl4pPr marL="1371600" algn="l" defTabSz="914400" rtl="0" eaLnBrk="1" latinLnBrk="0" hangingPunct="1">
+                        <a:defRPr sz="1800" kern="1200">
+                          <a:solidFill>
+                            <a:schemeClr val="tx1"/>
+                          </a:solidFill>
+                          <a:latin typeface="Calibri" panose="020F0502020204030204"/>
+                        </a:defRPr>
+                      </a:lvl4pPr>
+                      <a:lvl5pPr marL="1828800" algn="l" defTabSz="914400" rtl="0" eaLnBrk="1" latinLnBrk="0" hangingPunct="1">
+                        <a:defRPr sz="1800" kern="1200">
+                          <a:solidFill>
+                            <a:schemeClr val="tx1"/>
+                          </a:solidFill>
+                          <a:latin typeface="Calibri" panose="020F0502020204030204"/>
+                        </a:defRPr>
+                      </a:lvl5pPr>
+                      <a:lvl6pPr marL="2286000" algn="l" defTabSz="914400" rtl="0" eaLnBrk="1" latinLnBrk="0" hangingPunct="1">
+                        <a:defRPr sz="1800" kern="1200">
+                          <a:solidFill>
+                            <a:schemeClr val="tx1"/>
+                          </a:solidFill>
+                          <a:latin typeface="Calibri" panose="020F0502020204030204"/>
+                        </a:defRPr>
+                      </a:lvl6pPr>
+                      <a:lvl7pPr marL="2743200" algn="l" defTabSz="914400" rtl="0" eaLnBrk="1" latinLnBrk="0" hangingPunct="1">
+                        <a:defRPr sz="1800" kern="1200">
+                          <a:solidFill>
+                            <a:schemeClr val="tx1"/>
+                          </a:solidFill>
+                          <a:latin typeface="Calibri" panose="020F0502020204030204"/>
+                        </a:defRPr>
+                      </a:lvl7pPr>
+                      <a:lvl8pPr marL="3200400" algn="l" defTabSz="914400" rtl="0" eaLnBrk="1" latinLnBrk="0" hangingPunct="1">
+                        <a:defRPr sz="1800" kern="1200">
+                          <a:solidFill>
+                            <a:schemeClr val="tx1"/>
+                          </a:solidFill>
+                          <a:latin typeface="Calibri" panose="020F0502020204030204"/>
+                        </a:defRPr>
+                      </a:lvl8pPr>
+                      <a:lvl9pPr marL="3657600" algn="l" defTabSz="914400" rtl="0" eaLnBrk="1" latinLnBrk="0" hangingPunct="1">
+                        <a:defRPr sz="1800" kern="1200">
+                          <a:solidFill>
+                            <a:schemeClr val="tx1"/>
+                          </a:solidFill>
+                          <a:latin typeface="Calibri" panose="020F0502020204030204"/>
+                        </a:defRPr>
+                      </a:lvl9pPr>
+                    </a:lstStyle>
+                    <a:p>
+                      <a:pPr algn="ctr" fontAlgn="ctr"/>
+                      <a:r>
+                        <a:rPr lang="es-MX" sz="1400" b="1" u="none" strike="noStrike" dirty="0">
+                          <a:effectLst/>
+                        </a:rPr>
+                        <a:t>SRC</a:t>
+                      </a:r>
+                      <a:endParaRPr lang="es-MX" sz="1400" b="1" i="0" u="none" strike="noStrike" dirty="0">
+                        <a:solidFill>
+                          <a:srgbClr val="000000"/>
+                        </a:solidFill>
+                        <a:effectLst/>
+                        <a:latin typeface="Calibri" panose="020F0502020204030204" pitchFamily="34" charset="0"/>
+                      </a:endParaRPr>
+                    </a:p>
+                  </a:txBody>
+                  <a:tcPr marL="9525" marR="9525" marT="9525" marB="0" anchor="ctr">
+                    <a:lnL>
+                      <a:noFill/>
+                    </a:lnL>
+                    <a:lnR>
+                      <a:noFill/>
+                    </a:lnR>
+                    <a:lnT>
+                      <a:noFill/>
+                    </a:lnT>
+                    <a:lnB>
+                      <a:noFill/>
+                    </a:lnB>
+                    <a:lnTlToBr w="12700" cmpd="sng">
+                      <a:noFill/>
+                      <a:prstDash val="solid"/>
+                    </a:lnTlToBr>
+                    <a:lnBlToTr w="12700" cmpd="sng">
+                      <a:noFill/>
+                      <a:prstDash val="solid"/>
+                    </a:lnBlToTr>
+                    <a:noFill/>
+                  </a:tcPr>
+                </a:tc>
+                <a:tc>
+                  <a:txBody>
+                    <a:bodyPr/>
+                    <a:lstStyle>
+                      <a:lvl1pPr marL="0" algn="l" defTabSz="914400" rtl="0" eaLnBrk="1" latinLnBrk="0" hangingPunct="1">
+                        <a:defRPr sz="1800" kern="1200">
+                          <a:solidFill>
+                            <a:schemeClr val="tx1"/>
+                          </a:solidFill>
+                          <a:latin typeface="Calibri" panose="020F0502020204030204"/>
+                        </a:defRPr>
+                      </a:lvl1pPr>
+                      <a:lvl2pPr marL="457200" algn="l" defTabSz="914400" rtl="0" eaLnBrk="1" latinLnBrk="0" hangingPunct="1">
+                        <a:defRPr sz="1800" kern="1200">
+                          <a:solidFill>
+                            <a:schemeClr val="tx1"/>
+                          </a:solidFill>
+                          <a:latin typeface="Calibri" panose="020F0502020204030204"/>
+                        </a:defRPr>
+                      </a:lvl2pPr>
+                      <a:lvl3pPr marL="914400" algn="l" defTabSz="914400" rtl="0" eaLnBrk="1" latinLnBrk="0" hangingPunct="1">
+                        <a:defRPr sz="1800" kern="1200">
+                          <a:solidFill>
+                            <a:schemeClr val="tx1"/>
+                          </a:solidFill>
+                          <a:latin typeface="Calibri" panose="020F0502020204030204"/>
+                        </a:defRPr>
+                      </a:lvl3pPr>
+                      <a:lvl4pPr marL="1371600" algn="l" defTabSz="914400" rtl="0" eaLnBrk="1" latinLnBrk="0" hangingPunct="1">
+                        <a:defRPr sz="1800" kern="1200">
+                          <a:solidFill>
+                            <a:schemeClr val="tx1"/>
+                          </a:solidFill>
+                          <a:latin typeface="Calibri" panose="020F0502020204030204"/>
+                        </a:defRPr>
+                      </a:lvl4pPr>
+                      <a:lvl5pPr marL="1828800" algn="l" defTabSz="914400" rtl="0" eaLnBrk="1" latinLnBrk="0" hangingPunct="1">
+                        <a:defRPr sz="1800" kern="1200">
+                          <a:solidFill>
+                            <a:schemeClr val="tx1"/>
+                          </a:solidFill>
+                          <a:latin typeface="Calibri" panose="020F0502020204030204"/>
+                        </a:defRPr>
+                      </a:lvl5pPr>
+                      <a:lvl6pPr marL="2286000" algn="l" defTabSz="914400" rtl="0" eaLnBrk="1" latinLnBrk="0" hangingPunct="1">
+                        <a:defRPr sz="1800" kern="1200">
+                          <a:solidFill>
+                            <a:schemeClr val="tx1"/>
+                          </a:solidFill>
+                          <a:latin typeface="Calibri" panose="020F0502020204030204"/>
+                        </a:defRPr>
+                      </a:lvl6pPr>
+                      <a:lvl7pPr marL="2743200" algn="l" defTabSz="914400" rtl="0" eaLnBrk="1" latinLnBrk="0" hangingPunct="1">
+                        <a:defRPr sz="1800" kern="1200">
+                          <a:solidFill>
+                            <a:schemeClr val="tx1"/>
+                          </a:solidFill>
+                          <a:latin typeface="Calibri" panose="020F0502020204030204"/>
+                        </a:defRPr>
+                      </a:lvl7pPr>
+                      <a:lvl8pPr marL="3200400" algn="l" defTabSz="914400" rtl="0" eaLnBrk="1" latinLnBrk="0" hangingPunct="1">
+                        <a:defRPr sz="1800" kern="1200">
+                          <a:solidFill>
+                            <a:schemeClr val="tx1"/>
+                          </a:solidFill>
+                          <a:latin typeface="Calibri" panose="020F0502020204030204"/>
+                        </a:defRPr>
+                      </a:lvl8pPr>
+                      <a:lvl9pPr marL="3657600" algn="l" defTabSz="914400" rtl="0" eaLnBrk="1" latinLnBrk="0" hangingPunct="1">
+                        <a:defRPr sz="1800" kern="1200">
+                          <a:solidFill>
+                            <a:schemeClr val="tx1"/>
+                          </a:solidFill>
+                          <a:latin typeface="Calibri" panose="020F0502020204030204"/>
+                        </a:defRPr>
+                      </a:lvl9pPr>
+                    </a:lstStyle>
+                    <a:p>
+                      <a:pPr algn="ctr" fontAlgn="ctr"/>
+                      <a:r>
+                        <a:rPr lang="es-MX" sz="1400" b="1" u="none" strike="noStrike" dirty="0">
+                          <a:effectLst/>
+                        </a:rPr>
+                        <a:t>CMD</a:t>
+                      </a:r>
+                      <a:endParaRPr lang="es-MX" sz="1400" b="1" i="0" u="none" strike="noStrike" dirty="0">
+                        <a:solidFill>
+                          <a:srgbClr val="000000"/>
+                        </a:solidFill>
+                        <a:effectLst/>
+                        <a:latin typeface="Calibri" panose="020F0502020204030204" pitchFamily="34" charset="0"/>
+                      </a:endParaRPr>
+                    </a:p>
+                  </a:txBody>
+                  <a:tcPr marL="9525" marR="9525" marT="9525" marB="0" anchor="ctr">
+                    <a:lnL>
+                      <a:noFill/>
+                    </a:lnL>
+                    <a:lnR>
+                      <a:noFill/>
+                    </a:lnR>
+                    <a:lnT>
+                      <a:noFill/>
+                    </a:lnT>
+                    <a:lnB>
+                      <a:noFill/>
+                    </a:lnB>
+                    <a:lnTlToBr w="12700" cmpd="sng">
+                      <a:noFill/>
+                      <a:prstDash val="solid"/>
+                    </a:lnTlToBr>
+                    <a:lnBlToTr w="12700" cmpd="sng">
+                      <a:noFill/>
+                      <a:prstDash val="solid"/>
+                    </a:lnBlToTr>
+                    <a:noFill/>
+                  </a:tcPr>
+                </a:tc>
+                <a:tc>
+                  <a:txBody>
+                    <a:bodyPr/>
+                    <a:lstStyle>
+                      <a:lvl1pPr marL="0" algn="l" defTabSz="914400" rtl="0" eaLnBrk="1" latinLnBrk="0" hangingPunct="1">
+                        <a:defRPr sz="1800" kern="1200">
+                          <a:solidFill>
+                            <a:schemeClr val="tx1"/>
+                          </a:solidFill>
+                          <a:latin typeface="Calibri" panose="020F0502020204030204"/>
+                        </a:defRPr>
+                      </a:lvl1pPr>
+                      <a:lvl2pPr marL="457200" algn="l" defTabSz="914400" rtl="0" eaLnBrk="1" latinLnBrk="0" hangingPunct="1">
+                        <a:defRPr sz="1800" kern="1200">
+                          <a:solidFill>
+                            <a:schemeClr val="tx1"/>
+                          </a:solidFill>
+                          <a:latin typeface="Calibri" panose="020F0502020204030204"/>
+                        </a:defRPr>
+                      </a:lvl2pPr>
+                      <a:lvl3pPr marL="914400" algn="l" defTabSz="914400" rtl="0" eaLnBrk="1" latinLnBrk="0" hangingPunct="1">
+                        <a:defRPr sz="1800" kern="1200">
+                          <a:solidFill>
+                            <a:schemeClr val="tx1"/>
+                          </a:solidFill>
+                          <a:latin typeface="Calibri" panose="020F0502020204030204"/>
+                        </a:defRPr>
+                      </a:lvl3pPr>
+                      <a:lvl4pPr marL="1371600" algn="l" defTabSz="914400" rtl="0" eaLnBrk="1" latinLnBrk="0" hangingPunct="1">
+                        <a:defRPr sz="1800" kern="1200">
+                          <a:solidFill>
+                            <a:schemeClr val="tx1"/>
+                          </a:solidFill>
+                          <a:latin typeface="Calibri" panose="020F0502020204030204"/>
+                        </a:defRPr>
+                      </a:lvl4pPr>
+                      <a:lvl5pPr marL="1828800" algn="l" defTabSz="914400" rtl="0" eaLnBrk="1" latinLnBrk="0" hangingPunct="1">
+                        <a:defRPr sz="1800" kern="1200">
+                          <a:solidFill>
+                            <a:schemeClr val="tx1"/>
+                          </a:solidFill>
+                          <a:latin typeface="Calibri" panose="020F0502020204030204"/>
+                        </a:defRPr>
+                      </a:lvl5pPr>
+                      <a:lvl6pPr marL="2286000" algn="l" defTabSz="914400" rtl="0" eaLnBrk="1" latinLnBrk="0" hangingPunct="1">
+                        <a:defRPr sz="1800" kern="1200">
+                          <a:solidFill>
+                            <a:schemeClr val="tx1"/>
+                          </a:solidFill>
+                          <a:latin typeface="Calibri" panose="020F0502020204030204"/>
+                        </a:defRPr>
+                      </a:lvl6pPr>
+                      <a:lvl7pPr marL="2743200" algn="l" defTabSz="914400" rtl="0" eaLnBrk="1" latinLnBrk="0" hangingPunct="1">
+                        <a:defRPr sz="1800" kern="1200">
+                          <a:solidFill>
+                            <a:schemeClr val="tx1"/>
+                          </a:solidFill>
+                          <a:latin typeface="Calibri" panose="020F0502020204030204"/>
+                        </a:defRPr>
+                      </a:lvl7pPr>
+                      <a:lvl8pPr marL="3200400" algn="l" defTabSz="914400" rtl="0" eaLnBrk="1" latinLnBrk="0" hangingPunct="1">
+                        <a:defRPr sz="1800" kern="1200">
+                          <a:solidFill>
+                            <a:schemeClr val="tx1"/>
+                          </a:solidFill>
+                          <a:latin typeface="Calibri" panose="020F0502020204030204"/>
+                        </a:defRPr>
+                      </a:lvl8pPr>
+                      <a:lvl9pPr marL="3657600" algn="l" defTabSz="914400" rtl="0" eaLnBrk="1" latinLnBrk="0" hangingPunct="1">
+                        <a:defRPr sz="1800" kern="1200">
+                          <a:solidFill>
+                            <a:schemeClr val="tx1"/>
+                          </a:solidFill>
+                          <a:latin typeface="Calibri" panose="020F0502020204030204"/>
+                        </a:defRPr>
+                      </a:lvl9pPr>
+                    </a:lstStyle>
+                    <a:p>
+                      <a:pPr algn="ctr" fontAlgn="ctr"/>
+                      <a:r>
+                        <a:rPr lang="es-MX" sz="1400" b="1" u="none" strike="noStrike" dirty="0">
+                          <a:effectLst/>
+                        </a:rPr>
+                        <a:t>RESULT</a:t>
+                      </a:r>
+                      <a:endParaRPr lang="es-MX" sz="1400" b="1" i="0" u="none" strike="noStrike" dirty="0">
+                        <a:solidFill>
+                          <a:srgbClr val="000000"/>
+                        </a:solidFill>
+                        <a:effectLst/>
+                        <a:latin typeface="Calibri" panose="020F0502020204030204" pitchFamily="34" charset="0"/>
+                      </a:endParaRPr>
+                    </a:p>
+                  </a:txBody>
+                  <a:tcPr marL="9525" marR="9525" marT="9525" marB="0" anchor="ctr">
+                    <a:lnL>
+                      <a:noFill/>
+                    </a:lnL>
+                    <a:lnR>
+                      <a:noFill/>
+                    </a:lnR>
+                    <a:lnT>
+                      <a:noFill/>
+                    </a:lnT>
+                    <a:lnB>
+                      <a:noFill/>
+                    </a:lnB>
+                    <a:lnTlToBr w="12700" cmpd="sng">
+                      <a:noFill/>
+                      <a:prstDash val="solid"/>
+                    </a:lnTlToBr>
+                    <a:lnBlToTr w="12700" cmpd="sng">
+                      <a:noFill/>
+                      <a:prstDash val="solid"/>
+                    </a:lnBlToTr>
+                    <a:noFill/>
+                  </a:tcPr>
+                </a:tc>
+                <a:tc>
+                  <a:txBody>
+                    <a:bodyPr/>
+                    <a:lstStyle>
+                      <a:lvl1pPr marL="0" algn="l" defTabSz="914400" rtl="0" eaLnBrk="1" latinLnBrk="0" hangingPunct="1">
+                        <a:defRPr sz="1800" kern="1200">
+                          <a:solidFill>
+                            <a:schemeClr val="tx1"/>
+                          </a:solidFill>
+                          <a:latin typeface="Calibri" panose="020F0502020204030204"/>
+                        </a:defRPr>
+                      </a:lvl1pPr>
+                      <a:lvl2pPr marL="457200" algn="l" defTabSz="914400" rtl="0" eaLnBrk="1" latinLnBrk="0" hangingPunct="1">
+                        <a:defRPr sz="1800" kern="1200">
+                          <a:solidFill>
+                            <a:schemeClr val="tx1"/>
+                          </a:solidFill>
+                          <a:latin typeface="Calibri" panose="020F0502020204030204"/>
+                        </a:defRPr>
+                      </a:lvl2pPr>
+                      <a:lvl3pPr marL="914400" algn="l" defTabSz="914400" rtl="0" eaLnBrk="1" latinLnBrk="0" hangingPunct="1">
+                        <a:defRPr sz="1800" kern="1200">
+                          <a:solidFill>
+                            <a:schemeClr val="tx1"/>
+                          </a:solidFill>
+                          <a:latin typeface="Calibri" panose="020F0502020204030204"/>
+                        </a:defRPr>
+                      </a:lvl3pPr>
+                      <a:lvl4pPr marL="1371600" algn="l" defTabSz="914400" rtl="0" eaLnBrk="1" latinLnBrk="0" hangingPunct="1">
+                        <a:defRPr sz="1800" kern="1200">
+                          <a:solidFill>
+                            <a:schemeClr val="tx1"/>
+                          </a:solidFill>
+                          <a:latin typeface="Calibri" panose="020F0502020204030204"/>
+                        </a:defRPr>
+                      </a:lvl4pPr>
+                      <a:lvl5pPr marL="1828800" algn="l" defTabSz="914400" rtl="0" eaLnBrk="1" latinLnBrk="0" hangingPunct="1">
+                        <a:defRPr sz="1800" kern="1200">
+                          <a:solidFill>
+                            <a:schemeClr val="tx1"/>
+                          </a:solidFill>
+                          <a:latin typeface="Calibri" panose="020F0502020204030204"/>
+                        </a:defRPr>
+                      </a:lvl5pPr>
+                      <a:lvl6pPr marL="2286000" algn="l" defTabSz="914400" rtl="0" eaLnBrk="1" latinLnBrk="0" hangingPunct="1">
+                        <a:defRPr sz="1800" kern="1200">
+                          <a:solidFill>
+                            <a:schemeClr val="tx1"/>
+                          </a:solidFill>
+                          <a:latin typeface="Calibri" panose="020F0502020204030204"/>
+                        </a:defRPr>
+                      </a:lvl6pPr>
+                      <a:lvl7pPr marL="2743200" algn="l" defTabSz="914400" rtl="0" eaLnBrk="1" latinLnBrk="0" hangingPunct="1">
+                        <a:defRPr sz="1800" kern="1200">
+                          <a:solidFill>
+                            <a:schemeClr val="tx1"/>
+                          </a:solidFill>
+                          <a:latin typeface="Calibri" panose="020F0502020204030204"/>
+                        </a:defRPr>
+                      </a:lvl7pPr>
+                      <a:lvl8pPr marL="3200400" algn="l" defTabSz="914400" rtl="0" eaLnBrk="1" latinLnBrk="0" hangingPunct="1">
+                        <a:defRPr sz="1800" kern="1200">
+                          <a:solidFill>
+                            <a:schemeClr val="tx1"/>
+                          </a:solidFill>
+                          <a:latin typeface="Calibri" panose="020F0502020204030204"/>
+                        </a:defRPr>
+                      </a:lvl8pPr>
+                      <a:lvl9pPr marL="3657600" algn="l" defTabSz="914400" rtl="0" eaLnBrk="1" latinLnBrk="0" hangingPunct="1">
+                        <a:defRPr sz="1800" kern="1200">
+                          <a:solidFill>
+                            <a:schemeClr val="tx1"/>
+                          </a:solidFill>
+                          <a:latin typeface="Calibri" panose="020F0502020204030204"/>
+                        </a:defRPr>
+                      </a:lvl9pPr>
+                    </a:lstStyle>
+                    <a:p>
+                      <a:pPr algn="ctr" fontAlgn="ctr"/>
+                      <a:r>
+                        <a:rPr lang="es-MX" sz="1400" b="1" u="none" strike="noStrike" dirty="0">
+                          <a:effectLst/>
+                        </a:rPr>
+                        <a:t>ERD</a:t>
+                      </a:r>
+                      <a:endParaRPr lang="es-MX" sz="1400" b="1" i="0" u="none" strike="noStrike" dirty="0">
+                        <a:solidFill>
+                          <a:srgbClr val="000000"/>
+                        </a:solidFill>
+                        <a:effectLst/>
+                        <a:latin typeface="Calibri" panose="020F0502020204030204" pitchFamily="34" charset="0"/>
+                      </a:endParaRPr>
+                    </a:p>
+                  </a:txBody>
+                  <a:tcPr marL="9525" marR="9525" marT="9525" marB="0" anchor="ctr">
+                    <a:lnL>
+                      <a:noFill/>
+                    </a:lnL>
+                    <a:lnR>
+                      <a:noFill/>
+                    </a:lnR>
+                    <a:lnT>
+                      <a:noFill/>
+                    </a:lnT>
+                    <a:lnB>
+                      <a:noFill/>
+                    </a:lnB>
+                    <a:lnTlToBr w="12700" cmpd="sng">
+                      <a:noFill/>
+                      <a:prstDash val="solid"/>
+                    </a:lnTlToBr>
+                    <a:lnBlToTr w="12700" cmpd="sng">
+                      <a:noFill/>
+                      <a:prstDash val="solid"/>
+                    </a:lnBlToTr>
+                    <a:noFill/>
+                  </a:tcPr>
+                </a:tc>
+                <a:tc>
+                  <a:txBody>
+                    <a:bodyPr/>
+                    <a:lstStyle>
+                      <a:lvl1pPr marL="0" algn="l" defTabSz="914400" rtl="0" eaLnBrk="1" latinLnBrk="0" hangingPunct="1">
+                        <a:defRPr sz="1800" kern="1200">
+                          <a:solidFill>
+                            <a:schemeClr val="tx1"/>
+                          </a:solidFill>
+                          <a:latin typeface="Calibri" panose="020F0502020204030204"/>
+                        </a:defRPr>
+                      </a:lvl1pPr>
+                      <a:lvl2pPr marL="457200" algn="l" defTabSz="914400" rtl="0" eaLnBrk="1" latinLnBrk="0" hangingPunct="1">
+                        <a:defRPr sz="1800" kern="1200">
+                          <a:solidFill>
+                            <a:schemeClr val="tx1"/>
+                          </a:solidFill>
+                          <a:latin typeface="Calibri" panose="020F0502020204030204"/>
+                        </a:defRPr>
+                      </a:lvl2pPr>
+                      <a:lvl3pPr marL="914400" algn="l" defTabSz="914400" rtl="0" eaLnBrk="1" latinLnBrk="0" hangingPunct="1">
+                        <a:defRPr sz="1800" kern="1200">
+                          <a:solidFill>
+                            <a:schemeClr val="tx1"/>
+                          </a:solidFill>
+                          <a:latin typeface="Calibri" panose="020F0502020204030204"/>
+                        </a:defRPr>
+                      </a:lvl3pPr>
+                      <a:lvl4pPr marL="1371600" algn="l" defTabSz="914400" rtl="0" eaLnBrk="1" latinLnBrk="0" hangingPunct="1">
+                        <a:defRPr sz="1800" kern="1200">
+                          <a:solidFill>
+                            <a:schemeClr val="tx1"/>
+                          </a:solidFill>
+                          <a:latin typeface="Calibri" panose="020F0502020204030204"/>
+                        </a:defRPr>
+                      </a:lvl4pPr>
+                      <a:lvl5pPr marL="1828800" algn="l" defTabSz="914400" rtl="0" eaLnBrk="1" latinLnBrk="0" hangingPunct="1">
+                        <a:defRPr sz="1800" kern="1200">
+                          <a:solidFill>
+                            <a:schemeClr val="tx1"/>
+                          </a:solidFill>
+                          <a:latin typeface="Calibri" panose="020F0502020204030204"/>
+                        </a:defRPr>
+                      </a:lvl5pPr>
+                      <a:lvl6pPr marL="2286000" algn="l" defTabSz="914400" rtl="0" eaLnBrk="1" latinLnBrk="0" hangingPunct="1">
+                        <a:defRPr sz="1800" kern="1200">
+                          <a:solidFill>
+                            <a:schemeClr val="tx1"/>
+                          </a:solidFill>
+                          <a:latin typeface="Calibri" panose="020F0502020204030204"/>
+                        </a:defRPr>
+                      </a:lvl6pPr>
+                      <a:lvl7pPr marL="2743200" algn="l" defTabSz="914400" rtl="0" eaLnBrk="1" latinLnBrk="0" hangingPunct="1">
+                        <a:defRPr sz="1800" kern="1200">
+                          <a:solidFill>
+                            <a:schemeClr val="tx1"/>
+                          </a:solidFill>
+                          <a:latin typeface="Calibri" panose="020F0502020204030204"/>
+                        </a:defRPr>
+                      </a:lvl7pPr>
+                      <a:lvl8pPr marL="3200400" algn="l" defTabSz="914400" rtl="0" eaLnBrk="1" latinLnBrk="0" hangingPunct="1">
+                        <a:defRPr sz="1800" kern="1200">
+                          <a:solidFill>
+                            <a:schemeClr val="tx1"/>
+                          </a:solidFill>
+                          <a:latin typeface="Calibri" panose="020F0502020204030204"/>
+                        </a:defRPr>
+                      </a:lvl8pPr>
+                      <a:lvl9pPr marL="3657600" algn="l" defTabSz="914400" rtl="0" eaLnBrk="1" latinLnBrk="0" hangingPunct="1">
+                        <a:defRPr sz="1800" kern="1200">
+                          <a:solidFill>
+                            <a:schemeClr val="tx1"/>
+                          </a:solidFill>
+                          <a:latin typeface="Calibri" panose="020F0502020204030204"/>
+                        </a:defRPr>
+                      </a:lvl9pPr>
+                    </a:lstStyle>
+                    <a:p>
+                      <a:pPr algn="ctr" fontAlgn="ctr"/>
+                      <a:r>
+                        <a:rPr lang="es-MX" sz="1400" b="1" u="none" strike="noStrike" dirty="0">
+                          <a:effectLst/>
+                        </a:rPr>
+                        <a:t>CRC</a:t>
+                      </a:r>
+                      <a:endParaRPr lang="es-MX" sz="1400" b="1" i="0" u="none" strike="noStrike" dirty="0">
+                        <a:solidFill>
+                          <a:srgbClr val="000000"/>
+                        </a:solidFill>
+                        <a:effectLst/>
+                        <a:latin typeface="Calibri" panose="020F0502020204030204" pitchFamily="34" charset="0"/>
+                      </a:endParaRPr>
+                    </a:p>
+                  </a:txBody>
+                  <a:tcPr marL="9525" marR="9525" marT="9525" marB="0" anchor="ctr">
+                    <a:lnL>
+                      <a:noFill/>
+                    </a:lnL>
+                    <a:lnR>
+                      <a:noFill/>
+                    </a:lnR>
+                    <a:lnT>
+                      <a:noFill/>
+                    </a:lnT>
+                    <a:lnB>
+                      <a:noFill/>
+                    </a:lnB>
+                    <a:lnTlToBr w="12700" cmpd="sng">
+                      <a:noFill/>
+                      <a:prstDash val="solid"/>
+                    </a:lnTlToBr>
+                    <a:lnBlToTr w="12700" cmpd="sng">
+                      <a:noFill/>
+                      <a:prstDash val="solid"/>
+                    </a:lnBlToTr>
+                    <a:noFill/>
+                  </a:tcPr>
+                </a:tc>
+                <a:tc>
+                  <a:txBody>
+                    <a:bodyPr/>
+                    <a:lstStyle>
+                      <a:lvl1pPr marL="0" algn="l" defTabSz="914400" rtl="0" eaLnBrk="1" latinLnBrk="0" hangingPunct="1">
+                        <a:defRPr sz="1800" kern="1200">
+                          <a:solidFill>
+                            <a:schemeClr val="tx1"/>
+                          </a:solidFill>
+                          <a:latin typeface="Calibri" panose="020F0502020204030204"/>
+                        </a:defRPr>
+                      </a:lvl1pPr>
+                      <a:lvl2pPr marL="457200" algn="l" defTabSz="914400" rtl="0" eaLnBrk="1" latinLnBrk="0" hangingPunct="1">
+                        <a:defRPr sz="1800" kern="1200">
+                          <a:solidFill>
+                            <a:schemeClr val="tx1"/>
+                          </a:solidFill>
+                          <a:latin typeface="Calibri" panose="020F0502020204030204"/>
+                        </a:defRPr>
+                      </a:lvl2pPr>
+                      <a:lvl3pPr marL="914400" algn="l" defTabSz="914400" rtl="0" eaLnBrk="1" latinLnBrk="0" hangingPunct="1">
+                        <a:defRPr sz="1800" kern="1200">
+                          <a:solidFill>
+                            <a:schemeClr val="tx1"/>
+                          </a:solidFill>
+                          <a:latin typeface="Calibri" panose="020F0502020204030204"/>
+                        </a:defRPr>
+                      </a:lvl3pPr>
+                      <a:lvl4pPr marL="1371600" algn="l" defTabSz="914400" rtl="0" eaLnBrk="1" latinLnBrk="0" hangingPunct="1">
+                        <a:defRPr sz="1800" kern="1200">
+                          <a:solidFill>
+                            <a:schemeClr val="tx1"/>
+                          </a:solidFill>
+                          <a:latin typeface="Calibri" panose="020F0502020204030204"/>
+                        </a:defRPr>
+                      </a:lvl4pPr>
+                      <a:lvl5pPr marL="1828800" algn="l" defTabSz="914400" rtl="0" eaLnBrk="1" latinLnBrk="0" hangingPunct="1">
+                        <a:defRPr sz="1800" kern="1200">
+                          <a:solidFill>
+                            <a:schemeClr val="tx1"/>
+                          </a:solidFill>
+                          <a:latin typeface="Calibri" panose="020F0502020204030204"/>
+                        </a:defRPr>
+                      </a:lvl5pPr>
+                      <a:lvl6pPr marL="2286000" algn="l" defTabSz="914400" rtl="0" eaLnBrk="1" latinLnBrk="0" hangingPunct="1">
+                        <a:defRPr sz="1800" kern="1200">
+                          <a:solidFill>
+                            <a:schemeClr val="tx1"/>
+                          </a:solidFill>
+                          <a:latin typeface="Calibri" panose="020F0502020204030204"/>
+                        </a:defRPr>
+                      </a:lvl6pPr>
+                      <a:lvl7pPr marL="2743200" algn="l" defTabSz="914400" rtl="0" eaLnBrk="1" latinLnBrk="0" hangingPunct="1">
+                        <a:defRPr sz="1800" kern="1200">
+                          <a:solidFill>
+                            <a:schemeClr val="tx1"/>
+                          </a:solidFill>
+                          <a:latin typeface="Calibri" panose="020F0502020204030204"/>
+                        </a:defRPr>
+                      </a:lvl7pPr>
+                      <a:lvl8pPr marL="3200400" algn="l" defTabSz="914400" rtl="0" eaLnBrk="1" latinLnBrk="0" hangingPunct="1">
+                        <a:defRPr sz="1800" kern="1200">
+                          <a:solidFill>
+                            <a:schemeClr val="tx1"/>
+                          </a:solidFill>
+                          <a:latin typeface="Calibri" panose="020F0502020204030204"/>
+                        </a:defRPr>
+                      </a:lvl8pPr>
+                      <a:lvl9pPr marL="3657600" algn="l" defTabSz="914400" rtl="0" eaLnBrk="1" latinLnBrk="0" hangingPunct="1">
+                        <a:defRPr sz="1800" kern="1200">
+                          <a:solidFill>
+                            <a:schemeClr val="tx1"/>
+                          </a:solidFill>
+                          <a:latin typeface="Calibri" panose="020F0502020204030204"/>
+                        </a:defRPr>
+                      </a:lvl9pPr>
+                    </a:lstStyle>
+                    <a:p>
+                      <a:pPr algn="ctr" fontAlgn="ctr"/>
+                      <a:r>
+                        <a:rPr lang="es-MX" sz="1400" b="1" u="none" strike="noStrike">
+                          <a:effectLst/>
+                        </a:rPr>
+                        <a:t>BIT STOP</a:t>
+                      </a:r>
+                      <a:endParaRPr lang="es-MX" sz="1400" b="1" i="0" u="none" strike="noStrike">
+                        <a:solidFill>
+                          <a:srgbClr val="000000"/>
+                        </a:solidFill>
+                        <a:effectLst/>
+                        <a:latin typeface="Calibri" panose="020F0502020204030204" pitchFamily="34" charset="0"/>
+                      </a:endParaRPr>
+                    </a:p>
+                  </a:txBody>
+                  <a:tcPr marL="9525" marR="9525" marT="9525" marB="0" anchor="ctr">
+                    <a:lnL>
+                      <a:noFill/>
+                    </a:lnL>
+                    <a:lnR>
+                      <a:noFill/>
+                    </a:lnR>
+                    <a:lnT>
+                      <a:noFill/>
+                    </a:lnT>
+                    <a:lnB>
+                      <a:noFill/>
+                    </a:lnB>
+                    <a:lnTlToBr w="12700" cmpd="sng">
+                      <a:noFill/>
+                      <a:prstDash val="solid"/>
+                    </a:lnTlToBr>
+                    <a:lnBlToTr w="12700" cmpd="sng">
+                      <a:noFill/>
+                      <a:prstDash val="solid"/>
+                    </a:lnBlToTr>
+                    <a:noFill/>
+                  </a:tcPr>
+                </a:tc>
+                <a:extLst>
+                  <a:ext uri="{0D108BD9-81ED-4DB2-BD59-A6C34878D82A}">
+                    <a16:rowId xmlns:a16="http://schemas.microsoft.com/office/drawing/2014/main" val="76028275"/>
+                  </a:ext>
+                </a:extLst>
+              </a:tr>
+              <a:tr h="190500">
+                <a:tc>
+                  <a:txBody>
+                    <a:bodyPr/>
+                    <a:lstStyle>
+                      <a:lvl1pPr marL="0" algn="l" defTabSz="914400" rtl="0" eaLnBrk="1" latinLnBrk="0" hangingPunct="1">
+                        <a:defRPr sz="1800" kern="1200">
+                          <a:solidFill>
+                            <a:schemeClr val="tx1"/>
+                          </a:solidFill>
+                          <a:latin typeface="Calibri" panose="020F0502020204030204"/>
+                        </a:defRPr>
+                      </a:lvl1pPr>
+                      <a:lvl2pPr marL="457200" algn="l" defTabSz="914400" rtl="0" eaLnBrk="1" latinLnBrk="0" hangingPunct="1">
+                        <a:defRPr sz="1800" kern="1200">
+                          <a:solidFill>
+                            <a:schemeClr val="tx1"/>
+                          </a:solidFill>
+                          <a:latin typeface="Calibri" panose="020F0502020204030204"/>
+                        </a:defRPr>
+                      </a:lvl2pPr>
+                      <a:lvl3pPr marL="914400" algn="l" defTabSz="914400" rtl="0" eaLnBrk="1" latinLnBrk="0" hangingPunct="1">
+                        <a:defRPr sz="1800" kern="1200">
+                          <a:solidFill>
+                            <a:schemeClr val="tx1"/>
+                          </a:solidFill>
+                          <a:latin typeface="Calibri" panose="020F0502020204030204"/>
+                        </a:defRPr>
+                      </a:lvl3pPr>
+                      <a:lvl4pPr marL="1371600" algn="l" defTabSz="914400" rtl="0" eaLnBrk="1" latinLnBrk="0" hangingPunct="1">
+                        <a:defRPr sz="1800" kern="1200">
+                          <a:solidFill>
+                            <a:schemeClr val="tx1"/>
+                          </a:solidFill>
+                          <a:latin typeface="Calibri" panose="020F0502020204030204"/>
+                        </a:defRPr>
+                      </a:lvl4pPr>
+                      <a:lvl5pPr marL="1828800" algn="l" defTabSz="914400" rtl="0" eaLnBrk="1" latinLnBrk="0" hangingPunct="1">
+                        <a:defRPr sz="1800" kern="1200">
+                          <a:solidFill>
+                            <a:schemeClr val="tx1"/>
+                          </a:solidFill>
+                          <a:latin typeface="Calibri" panose="020F0502020204030204"/>
+                        </a:defRPr>
+                      </a:lvl5pPr>
+                      <a:lvl6pPr marL="2286000" algn="l" defTabSz="914400" rtl="0" eaLnBrk="1" latinLnBrk="0" hangingPunct="1">
+                        <a:defRPr sz="1800" kern="1200">
+                          <a:solidFill>
+                            <a:schemeClr val="tx1"/>
+                          </a:solidFill>
+                          <a:latin typeface="Calibri" panose="020F0502020204030204"/>
+                        </a:defRPr>
+                      </a:lvl6pPr>
+                      <a:lvl7pPr marL="2743200" algn="l" defTabSz="914400" rtl="0" eaLnBrk="1" latinLnBrk="0" hangingPunct="1">
+                        <a:defRPr sz="1800" kern="1200">
+                          <a:solidFill>
+                            <a:schemeClr val="tx1"/>
+                          </a:solidFill>
+                          <a:latin typeface="Calibri" panose="020F0502020204030204"/>
+                        </a:defRPr>
+                      </a:lvl7pPr>
+                      <a:lvl8pPr marL="3200400" algn="l" defTabSz="914400" rtl="0" eaLnBrk="1" latinLnBrk="0" hangingPunct="1">
+                        <a:defRPr sz="1800" kern="1200">
+                          <a:solidFill>
+                            <a:schemeClr val="tx1"/>
+                          </a:solidFill>
+                          <a:latin typeface="Calibri" panose="020F0502020204030204"/>
+                        </a:defRPr>
+                      </a:lvl8pPr>
+                      <a:lvl9pPr marL="3657600" algn="l" defTabSz="914400" rtl="0" eaLnBrk="1" latinLnBrk="0" hangingPunct="1">
+                        <a:defRPr sz="1800" kern="1200">
+                          <a:solidFill>
+                            <a:schemeClr val="tx1"/>
+                          </a:solidFill>
+                          <a:latin typeface="Calibri" panose="020F0502020204030204"/>
+                        </a:defRPr>
+                      </a:lvl9pPr>
+                    </a:lstStyle>
+                    <a:p>
+                      <a:pPr algn="ctr" fontAlgn="ctr"/>
+                      <a:r>
+                        <a:rPr lang="es-MX" sz="1400" b="1" u="none" strike="noStrike">
+                          <a:effectLst/>
+                        </a:rPr>
+                        <a:t>E2</a:t>
+                      </a:r>
+                      <a:endParaRPr lang="es-MX" sz="1400" b="1" i="0" u="none" strike="noStrike">
+                        <a:solidFill>
+                          <a:srgbClr val="000000"/>
+                        </a:solidFill>
+                        <a:effectLst/>
+                        <a:latin typeface="Calibri" panose="020F0502020204030204" pitchFamily="34" charset="0"/>
+                      </a:endParaRPr>
+                    </a:p>
+                  </a:txBody>
+                  <a:tcPr marL="9525" marR="9525" marT="9525" marB="0" anchor="ctr">
+                    <a:lnL>
+                      <a:noFill/>
+                    </a:lnL>
+                    <a:lnR>
+                      <a:noFill/>
+                    </a:lnR>
+                    <a:lnT>
+                      <a:noFill/>
+                    </a:lnT>
+                    <a:lnB w="12700" cmpd="sng">
+                      <a:solidFill>
+                        <a:srgbClr val="4472C4"/>
+                      </a:solidFill>
+                    </a:lnB>
+                    <a:lnTlToBr w="12700" cmpd="sng">
+                      <a:noFill/>
+                      <a:prstDash val="solid"/>
+                    </a:lnTlToBr>
+                    <a:lnBlToTr w="12700" cmpd="sng">
+                      <a:noFill/>
+                      <a:prstDash val="solid"/>
+                    </a:lnBlToTr>
+                    <a:noFill/>
+                  </a:tcPr>
+                </a:tc>
+                <a:tc>
+                  <a:txBody>
+                    <a:bodyPr/>
+                    <a:lstStyle>
+                      <a:lvl1pPr marL="0" algn="l" defTabSz="914400" rtl="0" eaLnBrk="1" latinLnBrk="0" hangingPunct="1">
+                        <a:defRPr sz="1800" kern="1200">
+                          <a:solidFill>
+                            <a:schemeClr val="tx1"/>
+                          </a:solidFill>
+                          <a:latin typeface="Calibri" panose="020F0502020204030204"/>
+                        </a:defRPr>
+                      </a:lvl1pPr>
+                      <a:lvl2pPr marL="457200" algn="l" defTabSz="914400" rtl="0" eaLnBrk="1" latinLnBrk="0" hangingPunct="1">
+                        <a:defRPr sz="1800" kern="1200">
+                          <a:solidFill>
+                            <a:schemeClr val="tx1"/>
+                          </a:solidFill>
+                          <a:latin typeface="Calibri" panose="020F0502020204030204"/>
+                        </a:defRPr>
+                      </a:lvl2pPr>
+                      <a:lvl3pPr marL="914400" algn="l" defTabSz="914400" rtl="0" eaLnBrk="1" latinLnBrk="0" hangingPunct="1">
+                        <a:defRPr sz="1800" kern="1200">
+                          <a:solidFill>
+                            <a:schemeClr val="tx1"/>
+                          </a:solidFill>
+                          <a:latin typeface="Calibri" panose="020F0502020204030204"/>
+                        </a:defRPr>
+                      </a:lvl3pPr>
+                      <a:lvl4pPr marL="1371600" algn="l" defTabSz="914400" rtl="0" eaLnBrk="1" latinLnBrk="0" hangingPunct="1">
+                        <a:defRPr sz="1800" kern="1200">
+                          <a:solidFill>
+                            <a:schemeClr val="tx1"/>
+                          </a:solidFill>
+                          <a:latin typeface="Calibri" panose="020F0502020204030204"/>
+                        </a:defRPr>
+                      </a:lvl4pPr>
+                      <a:lvl5pPr marL="1828800" algn="l" defTabSz="914400" rtl="0" eaLnBrk="1" latinLnBrk="0" hangingPunct="1">
+                        <a:defRPr sz="1800" kern="1200">
+                          <a:solidFill>
+                            <a:schemeClr val="tx1"/>
+                          </a:solidFill>
+                          <a:latin typeface="Calibri" panose="020F0502020204030204"/>
+                        </a:defRPr>
+                      </a:lvl5pPr>
+                      <a:lvl6pPr marL="2286000" algn="l" defTabSz="914400" rtl="0" eaLnBrk="1" latinLnBrk="0" hangingPunct="1">
+                        <a:defRPr sz="1800" kern="1200">
+                          <a:solidFill>
+                            <a:schemeClr val="tx1"/>
+                          </a:solidFill>
+                          <a:latin typeface="Calibri" panose="020F0502020204030204"/>
+                        </a:defRPr>
+                      </a:lvl6pPr>
+                      <a:lvl7pPr marL="2743200" algn="l" defTabSz="914400" rtl="0" eaLnBrk="1" latinLnBrk="0" hangingPunct="1">
+                        <a:defRPr sz="1800" kern="1200">
+                          <a:solidFill>
+                            <a:schemeClr val="tx1"/>
+                          </a:solidFill>
+                          <a:latin typeface="Calibri" panose="020F0502020204030204"/>
+                        </a:defRPr>
+                      </a:lvl7pPr>
+                      <a:lvl8pPr marL="3200400" algn="l" defTabSz="914400" rtl="0" eaLnBrk="1" latinLnBrk="0" hangingPunct="1">
+                        <a:defRPr sz="1800" kern="1200">
+                          <a:solidFill>
+                            <a:schemeClr val="tx1"/>
+                          </a:solidFill>
+                          <a:latin typeface="Calibri" panose="020F0502020204030204"/>
+                        </a:defRPr>
+                      </a:lvl8pPr>
+                      <a:lvl9pPr marL="3657600" algn="l" defTabSz="914400" rtl="0" eaLnBrk="1" latinLnBrk="0" hangingPunct="1">
+                        <a:defRPr sz="1800" kern="1200">
+                          <a:solidFill>
+                            <a:schemeClr val="tx1"/>
+                          </a:solidFill>
+                          <a:latin typeface="Calibri" panose="020F0502020204030204"/>
+                        </a:defRPr>
+                      </a:lvl9pPr>
+                    </a:lstStyle>
+                    <a:p>
+                      <a:pPr algn="ctr" fontAlgn="ctr"/>
+                      <a:r>
+                        <a:rPr lang="es-MX" sz="1400" b="1" u="none" strike="noStrike">
+                          <a:effectLst/>
+                        </a:rPr>
+                        <a:t>E4</a:t>
+                      </a:r>
+                      <a:endParaRPr lang="es-MX" sz="1400" b="1" i="0" u="none" strike="noStrike">
+                        <a:solidFill>
+                          <a:srgbClr val="000000"/>
+                        </a:solidFill>
+                        <a:effectLst/>
+                        <a:latin typeface="Calibri" panose="020F0502020204030204" pitchFamily="34" charset="0"/>
+                      </a:endParaRPr>
+                    </a:p>
+                  </a:txBody>
+                  <a:tcPr marL="9525" marR="9525" marT="9525" marB="0" anchor="ctr">
+                    <a:lnL>
+                      <a:noFill/>
+                    </a:lnL>
+                    <a:lnR>
+                      <a:noFill/>
+                    </a:lnR>
+                    <a:lnT>
+                      <a:noFill/>
+                    </a:lnT>
+                    <a:lnB w="12700" cmpd="sng">
+                      <a:solidFill>
+                        <a:srgbClr val="4472C4"/>
+                      </a:solidFill>
+                    </a:lnB>
+                    <a:lnTlToBr w="12700" cmpd="sng">
+                      <a:noFill/>
+                      <a:prstDash val="solid"/>
+                    </a:lnTlToBr>
+                    <a:lnBlToTr w="12700" cmpd="sng">
+                      <a:noFill/>
+                      <a:prstDash val="solid"/>
+                    </a:lnBlToTr>
+                    <a:noFill/>
+                  </a:tcPr>
+                </a:tc>
+                <a:tc>
+                  <a:txBody>
+                    <a:bodyPr/>
+                    <a:lstStyle>
+                      <a:lvl1pPr marL="0" algn="l" defTabSz="914400" rtl="0" eaLnBrk="1" latinLnBrk="0" hangingPunct="1">
+                        <a:defRPr sz="1800" kern="1200">
+                          <a:solidFill>
+                            <a:schemeClr val="tx1"/>
+                          </a:solidFill>
+                          <a:latin typeface="Calibri" panose="020F0502020204030204"/>
+                        </a:defRPr>
+                      </a:lvl1pPr>
+                      <a:lvl2pPr marL="457200" algn="l" defTabSz="914400" rtl="0" eaLnBrk="1" latinLnBrk="0" hangingPunct="1">
+                        <a:defRPr sz="1800" kern="1200">
+                          <a:solidFill>
+                            <a:schemeClr val="tx1"/>
+                          </a:solidFill>
+                          <a:latin typeface="Calibri" panose="020F0502020204030204"/>
+                        </a:defRPr>
+                      </a:lvl2pPr>
+                      <a:lvl3pPr marL="914400" algn="l" defTabSz="914400" rtl="0" eaLnBrk="1" latinLnBrk="0" hangingPunct="1">
+                        <a:defRPr sz="1800" kern="1200">
+                          <a:solidFill>
+                            <a:schemeClr val="tx1"/>
+                          </a:solidFill>
+                          <a:latin typeface="Calibri" panose="020F0502020204030204"/>
+                        </a:defRPr>
+                      </a:lvl3pPr>
+                      <a:lvl4pPr marL="1371600" algn="l" defTabSz="914400" rtl="0" eaLnBrk="1" latinLnBrk="0" hangingPunct="1">
+                        <a:defRPr sz="1800" kern="1200">
+                          <a:solidFill>
+                            <a:schemeClr val="tx1"/>
+                          </a:solidFill>
+                          <a:latin typeface="Calibri" panose="020F0502020204030204"/>
+                        </a:defRPr>
+                      </a:lvl4pPr>
+                      <a:lvl5pPr marL="1828800" algn="l" defTabSz="914400" rtl="0" eaLnBrk="1" latinLnBrk="0" hangingPunct="1">
+                        <a:defRPr sz="1800" kern="1200">
+                          <a:solidFill>
+                            <a:schemeClr val="tx1"/>
+                          </a:solidFill>
+                          <a:latin typeface="Calibri" panose="020F0502020204030204"/>
+                        </a:defRPr>
+                      </a:lvl5pPr>
+                      <a:lvl6pPr marL="2286000" algn="l" defTabSz="914400" rtl="0" eaLnBrk="1" latinLnBrk="0" hangingPunct="1">
+                        <a:defRPr sz="1800" kern="1200">
+                          <a:solidFill>
+                            <a:schemeClr val="tx1"/>
+                          </a:solidFill>
+                          <a:latin typeface="Calibri" panose="020F0502020204030204"/>
+                        </a:defRPr>
+                      </a:lvl6pPr>
+                      <a:lvl7pPr marL="2743200" algn="l" defTabSz="914400" rtl="0" eaLnBrk="1" latinLnBrk="0" hangingPunct="1">
+                        <a:defRPr sz="1800" kern="1200">
+                          <a:solidFill>
+                            <a:schemeClr val="tx1"/>
+                          </a:solidFill>
+                          <a:latin typeface="Calibri" panose="020F0502020204030204"/>
+                        </a:defRPr>
+                      </a:lvl7pPr>
+                      <a:lvl8pPr marL="3200400" algn="l" defTabSz="914400" rtl="0" eaLnBrk="1" latinLnBrk="0" hangingPunct="1">
+                        <a:defRPr sz="1800" kern="1200">
+                          <a:solidFill>
+                            <a:schemeClr val="tx1"/>
+                          </a:solidFill>
+                          <a:latin typeface="Calibri" panose="020F0502020204030204"/>
+                        </a:defRPr>
+                      </a:lvl8pPr>
+                      <a:lvl9pPr marL="3657600" algn="l" defTabSz="914400" rtl="0" eaLnBrk="1" latinLnBrk="0" hangingPunct="1">
+                        <a:defRPr sz="1800" kern="1200">
+                          <a:solidFill>
+                            <a:schemeClr val="tx1"/>
+                          </a:solidFill>
+                          <a:latin typeface="Calibri" panose="020F0502020204030204"/>
+                        </a:defRPr>
+                      </a:lvl9pPr>
+                    </a:lstStyle>
+                    <a:p>
+                      <a:pPr algn="ctr" fontAlgn="ctr"/>
+                      <a:r>
+                        <a:rPr lang="es-MX" sz="1400" b="1" u="none" strike="noStrike">
+                          <a:effectLst/>
+                        </a:rPr>
+                        <a:t>XX</a:t>
+                      </a:r>
+                      <a:endParaRPr lang="es-MX" sz="1400" b="1" i="0" u="none" strike="noStrike">
+                        <a:solidFill>
+                          <a:srgbClr val="000000"/>
+                        </a:solidFill>
+                        <a:effectLst/>
+                        <a:latin typeface="Calibri" panose="020F0502020204030204" pitchFamily="34" charset="0"/>
+                      </a:endParaRPr>
+                    </a:p>
+                  </a:txBody>
+                  <a:tcPr marL="9525" marR="9525" marT="9525" marB="0" anchor="ctr">
+                    <a:lnL>
+                      <a:noFill/>
+                    </a:lnL>
+                    <a:lnR>
+                      <a:noFill/>
+                    </a:lnR>
+                    <a:lnT>
+                      <a:noFill/>
+                    </a:lnT>
+                    <a:lnB w="12700" cmpd="sng">
+                      <a:solidFill>
+                        <a:srgbClr val="4472C4"/>
+                      </a:solidFill>
+                    </a:lnB>
+                    <a:lnTlToBr w="12700" cmpd="sng">
+                      <a:noFill/>
+                      <a:prstDash val="solid"/>
+                    </a:lnTlToBr>
+                    <a:lnBlToTr w="12700" cmpd="sng">
+                      <a:noFill/>
+                      <a:prstDash val="solid"/>
+                    </a:lnBlToTr>
+                    <a:noFill/>
+                  </a:tcPr>
+                </a:tc>
+                <a:tc>
+                  <a:txBody>
+                    <a:bodyPr/>
+                    <a:lstStyle>
+                      <a:lvl1pPr marL="0" algn="l" defTabSz="914400" rtl="0" eaLnBrk="1" latinLnBrk="0" hangingPunct="1">
+                        <a:defRPr sz="1800" kern="1200">
+                          <a:solidFill>
+                            <a:schemeClr val="tx1"/>
+                          </a:solidFill>
+                          <a:latin typeface="Calibri" panose="020F0502020204030204"/>
+                        </a:defRPr>
+                      </a:lvl1pPr>
+                      <a:lvl2pPr marL="457200" algn="l" defTabSz="914400" rtl="0" eaLnBrk="1" latinLnBrk="0" hangingPunct="1">
+                        <a:defRPr sz="1800" kern="1200">
+                          <a:solidFill>
+                            <a:schemeClr val="tx1"/>
+                          </a:solidFill>
+                          <a:latin typeface="Calibri" panose="020F0502020204030204"/>
+                        </a:defRPr>
+                      </a:lvl2pPr>
+                      <a:lvl3pPr marL="914400" algn="l" defTabSz="914400" rtl="0" eaLnBrk="1" latinLnBrk="0" hangingPunct="1">
+                        <a:defRPr sz="1800" kern="1200">
+                          <a:solidFill>
+                            <a:schemeClr val="tx1"/>
+                          </a:solidFill>
+                          <a:latin typeface="Calibri" panose="020F0502020204030204"/>
+                        </a:defRPr>
+                      </a:lvl3pPr>
+                      <a:lvl4pPr marL="1371600" algn="l" defTabSz="914400" rtl="0" eaLnBrk="1" latinLnBrk="0" hangingPunct="1">
+                        <a:defRPr sz="1800" kern="1200">
+                          <a:solidFill>
+                            <a:schemeClr val="tx1"/>
+                          </a:solidFill>
+                          <a:latin typeface="Calibri" panose="020F0502020204030204"/>
+                        </a:defRPr>
+                      </a:lvl4pPr>
+                      <a:lvl5pPr marL="1828800" algn="l" defTabSz="914400" rtl="0" eaLnBrk="1" latinLnBrk="0" hangingPunct="1">
+                        <a:defRPr sz="1800" kern="1200">
+                          <a:solidFill>
+                            <a:schemeClr val="tx1"/>
+                          </a:solidFill>
+                          <a:latin typeface="Calibri" panose="020F0502020204030204"/>
+                        </a:defRPr>
+                      </a:lvl5pPr>
+                      <a:lvl6pPr marL="2286000" algn="l" defTabSz="914400" rtl="0" eaLnBrk="1" latinLnBrk="0" hangingPunct="1">
+                        <a:defRPr sz="1800" kern="1200">
+                          <a:solidFill>
+                            <a:schemeClr val="tx1"/>
+                          </a:solidFill>
+                          <a:latin typeface="Calibri" panose="020F0502020204030204"/>
+                        </a:defRPr>
+                      </a:lvl6pPr>
+                      <a:lvl7pPr marL="2743200" algn="l" defTabSz="914400" rtl="0" eaLnBrk="1" latinLnBrk="0" hangingPunct="1">
+                        <a:defRPr sz="1800" kern="1200">
+                          <a:solidFill>
+                            <a:schemeClr val="tx1"/>
+                          </a:solidFill>
+                          <a:latin typeface="Calibri" panose="020F0502020204030204"/>
+                        </a:defRPr>
+                      </a:lvl7pPr>
+                      <a:lvl8pPr marL="3200400" algn="l" defTabSz="914400" rtl="0" eaLnBrk="1" latinLnBrk="0" hangingPunct="1">
+                        <a:defRPr sz="1800" kern="1200">
+                          <a:solidFill>
+                            <a:schemeClr val="tx1"/>
+                          </a:solidFill>
+                          <a:latin typeface="Calibri" panose="020F0502020204030204"/>
+                        </a:defRPr>
+                      </a:lvl8pPr>
+                      <a:lvl9pPr marL="3657600" algn="l" defTabSz="914400" rtl="0" eaLnBrk="1" latinLnBrk="0" hangingPunct="1">
+                        <a:defRPr sz="1800" kern="1200">
+                          <a:solidFill>
+                            <a:schemeClr val="tx1"/>
+                          </a:solidFill>
+                          <a:latin typeface="Calibri" panose="020F0502020204030204"/>
+                        </a:defRPr>
+                      </a:lvl9pPr>
+                    </a:lstStyle>
+                    <a:p>
+                      <a:pPr algn="ctr" fontAlgn="ctr"/>
+                      <a:r>
+                        <a:rPr lang="es-MX" sz="1400" b="1" u="none" strike="noStrike">
+                          <a:effectLst/>
+                        </a:rPr>
+                        <a:t>XX</a:t>
+                      </a:r>
+                      <a:endParaRPr lang="es-MX" sz="1400" b="1" i="0" u="none" strike="noStrike">
+                        <a:solidFill>
+                          <a:srgbClr val="000000"/>
+                        </a:solidFill>
+                        <a:effectLst/>
+                        <a:latin typeface="Calibri" panose="020F0502020204030204" pitchFamily="34" charset="0"/>
+                      </a:endParaRPr>
+                    </a:p>
+                  </a:txBody>
+                  <a:tcPr marL="9525" marR="9525" marT="9525" marB="0" anchor="ctr">
+                    <a:lnL>
+                      <a:noFill/>
+                    </a:lnL>
+                    <a:lnR>
+                      <a:noFill/>
+                    </a:lnR>
+                    <a:lnT>
+                      <a:noFill/>
+                    </a:lnT>
+                    <a:lnB w="12700" cmpd="sng">
+                      <a:solidFill>
+                        <a:srgbClr val="4472C4"/>
+                      </a:solidFill>
+                    </a:lnB>
+                    <a:lnTlToBr w="12700" cmpd="sng">
+                      <a:noFill/>
+                      <a:prstDash val="solid"/>
+                    </a:lnTlToBr>
+                    <a:lnBlToTr w="12700" cmpd="sng">
+                      <a:noFill/>
+                      <a:prstDash val="solid"/>
+                    </a:lnBlToTr>
+                    <a:noFill/>
+                  </a:tcPr>
+                </a:tc>
+                <a:tc>
+                  <a:txBody>
+                    <a:bodyPr/>
+                    <a:lstStyle>
+                      <a:lvl1pPr marL="0" algn="l" defTabSz="914400" rtl="0" eaLnBrk="1" latinLnBrk="0" hangingPunct="1">
+                        <a:defRPr sz="1800" kern="1200">
+                          <a:solidFill>
+                            <a:schemeClr val="tx1"/>
+                          </a:solidFill>
+                          <a:latin typeface="Calibri" panose="020F0502020204030204"/>
+                        </a:defRPr>
+                      </a:lvl1pPr>
+                      <a:lvl2pPr marL="457200" algn="l" defTabSz="914400" rtl="0" eaLnBrk="1" latinLnBrk="0" hangingPunct="1">
+                        <a:defRPr sz="1800" kern="1200">
+                          <a:solidFill>
+                            <a:schemeClr val="tx1"/>
+                          </a:solidFill>
+                          <a:latin typeface="Calibri" panose="020F0502020204030204"/>
+                        </a:defRPr>
+                      </a:lvl2pPr>
+                      <a:lvl3pPr marL="914400" algn="l" defTabSz="914400" rtl="0" eaLnBrk="1" latinLnBrk="0" hangingPunct="1">
+                        <a:defRPr sz="1800" kern="1200">
+                          <a:solidFill>
+                            <a:schemeClr val="tx1"/>
+                          </a:solidFill>
+                          <a:latin typeface="Calibri" panose="020F0502020204030204"/>
+                        </a:defRPr>
+                      </a:lvl3pPr>
+                      <a:lvl4pPr marL="1371600" algn="l" defTabSz="914400" rtl="0" eaLnBrk="1" latinLnBrk="0" hangingPunct="1">
+                        <a:defRPr sz="1800" kern="1200">
+                          <a:solidFill>
+                            <a:schemeClr val="tx1"/>
+                          </a:solidFill>
+                          <a:latin typeface="Calibri" panose="020F0502020204030204"/>
+                        </a:defRPr>
+                      </a:lvl4pPr>
+                      <a:lvl5pPr marL="1828800" algn="l" defTabSz="914400" rtl="0" eaLnBrk="1" latinLnBrk="0" hangingPunct="1">
+                        <a:defRPr sz="1800" kern="1200">
+                          <a:solidFill>
+                            <a:schemeClr val="tx1"/>
+                          </a:solidFill>
+                          <a:latin typeface="Calibri" panose="020F0502020204030204"/>
+                        </a:defRPr>
+                      </a:lvl5pPr>
+                      <a:lvl6pPr marL="2286000" algn="l" defTabSz="914400" rtl="0" eaLnBrk="1" latinLnBrk="0" hangingPunct="1">
+                        <a:defRPr sz="1800" kern="1200">
+                          <a:solidFill>
+                            <a:schemeClr val="tx1"/>
+                          </a:solidFill>
+                          <a:latin typeface="Calibri" panose="020F0502020204030204"/>
+                        </a:defRPr>
+                      </a:lvl6pPr>
+                      <a:lvl7pPr marL="2743200" algn="l" defTabSz="914400" rtl="0" eaLnBrk="1" latinLnBrk="0" hangingPunct="1">
+                        <a:defRPr sz="1800" kern="1200">
+                          <a:solidFill>
+                            <a:schemeClr val="tx1"/>
+                          </a:solidFill>
+                          <a:latin typeface="Calibri" panose="020F0502020204030204"/>
+                        </a:defRPr>
+                      </a:lvl7pPr>
+                      <a:lvl8pPr marL="3200400" algn="l" defTabSz="914400" rtl="0" eaLnBrk="1" latinLnBrk="0" hangingPunct="1">
+                        <a:defRPr sz="1800" kern="1200">
+                          <a:solidFill>
+                            <a:schemeClr val="tx1"/>
+                          </a:solidFill>
+                          <a:latin typeface="Calibri" panose="020F0502020204030204"/>
+                        </a:defRPr>
+                      </a:lvl8pPr>
+                      <a:lvl9pPr marL="3657600" algn="l" defTabSz="914400" rtl="0" eaLnBrk="1" latinLnBrk="0" hangingPunct="1">
+                        <a:defRPr sz="1800" kern="1200">
+                          <a:solidFill>
+                            <a:schemeClr val="tx1"/>
+                          </a:solidFill>
+                          <a:latin typeface="Calibri" panose="020F0502020204030204"/>
+                        </a:defRPr>
+                      </a:lvl9pPr>
+                    </a:lstStyle>
+                    <a:p>
+                      <a:pPr algn="ctr" fontAlgn="ctr"/>
+                      <a:r>
+                        <a:rPr lang="es-MX" sz="1400" b="1" u="none" strike="noStrike">
+                          <a:effectLst/>
+                        </a:rPr>
+                        <a:t>A3 00</a:t>
+                      </a:r>
+                      <a:endParaRPr lang="es-MX" sz="1400" b="1" i="0" u="none" strike="noStrike">
+                        <a:solidFill>
+                          <a:srgbClr val="000000"/>
+                        </a:solidFill>
+                        <a:effectLst/>
+                        <a:latin typeface="Calibri" panose="020F0502020204030204" pitchFamily="34" charset="0"/>
+                      </a:endParaRPr>
+                    </a:p>
+                  </a:txBody>
+                  <a:tcPr marL="9525" marR="9525" marT="9525" marB="0" anchor="ctr">
+                    <a:lnL>
+                      <a:noFill/>
+                    </a:lnL>
+                    <a:lnR>
+                      <a:noFill/>
+                    </a:lnR>
+                    <a:lnT>
+                      <a:noFill/>
+                    </a:lnT>
+                    <a:lnB w="12700" cmpd="sng">
+                      <a:solidFill>
+                        <a:srgbClr val="4472C4"/>
+                      </a:solidFill>
+                    </a:lnB>
+                    <a:lnTlToBr w="12700" cmpd="sng">
+                      <a:noFill/>
+                      <a:prstDash val="solid"/>
+                    </a:lnTlToBr>
+                    <a:lnBlToTr w="12700" cmpd="sng">
+                      <a:noFill/>
+                      <a:prstDash val="solid"/>
+                    </a:lnBlToTr>
+                    <a:noFill/>
+                  </a:tcPr>
+                </a:tc>
+                <a:tc>
+                  <a:txBody>
+                    <a:bodyPr/>
+                    <a:lstStyle>
+                      <a:lvl1pPr marL="0" algn="l" defTabSz="914400" rtl="0" eaLnBrk="1" latinLnBrk="0" hangingPunct="1">
+                        <a:defRPr sz="1800" kern="1200">
+                          <a:solidFill>
+                            <a:schemeClr val="tx1"/>
+                          </a:solidFill>
+                          <a:latin typeface="Calibri" panose="020F0502020204030204"/>
+                        </a:defRPr>
+                      </a:lvl1pPr>
+                      <a:lvl2pPr marL="457200" algn="l" defTabSz="914400" rtl="0" eaLnBrk="1" latinLnBrk="0" hangingPunct="1">
+                        <a:defRPr sz="1800" kern="1200">
+                          <a:solidFill>
+                            <a:schemeClr val="tx1"/>
+                          </a:solidFill>
+                          <a:latin typeface="Calibri" panose="020F0502020204030204"/>
+                        </a:defRPr>
+                      </a:lvl2pPr>
+                      <a:lvl3pPr marL="914400" algn="l" defTabSz="914400" rtl="0" eaLnBrk="1" latinLnBrk="0" hangingPunct="1">
+                        <a:defRPr sz="1800" kern="1200">
+                          <a:solidFill>
+                            <a:schemeClr val="tx1"/>
+                          </a:solidFill>
+                          <a:latin typeface="Calibri" panose="020F0502020204030204"/>
+                        </a:defRPr>
+                      </a:lvl3pPr>
+                      <a:lvl4pPr marL="1371600" algn="l" defTabSz="914400" rtl="0" eaLnBrk="1" latinLnBrk="0" hangingPunct="1">
+                        <a:defRPr sz="1800" kern="1200">
+                          <a:solidFill>
+                            <a:schemeClr val="tx1"/>
+                          </a:solidFill>
+                          <a:latin typeface="Calibri" panose="020F0502020204030204"/>
+                        </a:defRPr>
+                      </a:lvl4pPr>
+                      <a:lvl5pPr marL="1828800" algn="l" defTabSz="914400" rtl="0" eaLnBrk="1" latinLnBrk="0" hangingPunct="1">
+                        <a:defRPr sz="1800" kern="1200">
+                          <a:solidFill>
+                            <a:schemeClr val="tx1"/>
+                          </a:solidFill>
+                          <a:latin typeface="Calibri" panose="020F0502020204030204"/>
+                        </a:defRPr>
+                      </a:lvl5pPr>
+                      <a:lvl6pPr marL="2286000" algn="l" defTabSz="914400" rtl="0" eaLnBrk="1" latinLnBrk="0" hangingPunct="1">
+                        <a:defRPr sz="1800" kern="1200">
+                          <a:solidFill>
+                            <a:schemeClr val="tx1"/>
+                          </a:solidFill>
+                          <a:latin typeface="Calibri" panose="020F0502020204030204"/>
+                        </a:defRPr>
+                      </a:lvl6pPr>
+                      <a:lvl7pPr marL="2743200" algn="l" defTabSz="914400" rtl="0" eaLnBrk="1" latinLnBrk="0" hangingPunct="1">
+                        <a:defRPr sz="1800" kern="1200">
+                          <a:solidFill>
+                            <a:schemeClr val="tx1"/>
+                          </a:solidFill>
+                          <a:latin typeface="Calibri" panose="020F0502020204030204"/>
+                        </a:defRPr>
+                      </a:lvl7pPr>
+                      <a:lvl8pPr marL="3200400" algn="l" defTabSz="914400" rtl="0" eaLnBrk="1" latinLnBrk="0" hangingPunct="1">
+                        <a:defRPr sz="1800" kern="1200">
+                          <a:solidFill>
+                            <a:schemeClr val="tx1"/>
+                          </a:solidFill>
+                          <a:latin typeface="Calibri" panose="020F0502020204030204"/>
+                        </a:defRPr>
+                      </a:lvl8pPr>
+                      <a:lvl9pPr marL="3657600" algn="l" defTabSz="914400" rtl="0" eaLnBrk="1" latinLnBrk="0" hangingPunct="1">
+                        <a:defRPr sz="1800" kern="1200">
+                          <a:solidFill>
+                            <a:schemeClr val="tx1"/>
+                          </a:solidFill>
+                          <a:latin typeface="Calibri" panose="020F0502020204030204"/>
+                        </a:defRPr>
+                      </a:lvl9pPr>
+                    </a:lstStyle>
+                    <a:p>
+                      <a:pPr algn="ctr" fontAlgn="ctr"/>
+                      <a:r>
+                        <a:rPr lang="es-MX" sz="1400" b="1" u="none" strike="noStrike">
+                          <a:effectLst/>
+                        </a:rPr>
+                        <a:t>XX</a:t>
+                      </a:r>
+                      <a:endParaRPr lang="es-MX" sz="1400" b="1" i="0" u="none" strike="noStrike">
+                        <a:solidFill>
+                          <a:srgbClr val="000000"/>
+                        </a:solidFill>
+                        <a:effectLst/>
+                        <a:latin typeface="Calibri" panose="020F0502020204030204" pitchFamily="34" charset="0"/>
+                      </a:endParaRPr>
+                    </a:p>
+                  </a:txBody>
+                  <a:tcPr marL="9525" marR="9525" marT="9525" marB="0" anchor="ctr">
+                    <a:lnL>
+                      <a:noFill/>
+                    </a:lnL>
+                    <a:lnR>
+                      <a:noFill/>
+                    </a:lnR>
+                    <a:lnT>
+                      <a:noFill/>
+                    </a:lnT>
+                    <a:lnB w="12700" cmpd="sng">
+                      <a:solidFill>
+                        <a:srgbClr val="4472C4"/>
+                      </a:solidFill>
+                    </a:lnB>
+                    <a:lnTlToBr w="12700" cmpd="sng">
+                      <a:noFill/>
+                      <a:prstDash val="solid"/>
+                    </a:lnTlToBr>
+                    <a:lnBlToTr w="12700" cmpd="sng">
+                      <a:noFill/>
+                      <a:prstDash val="solid"/>
+                    </a:lnBlToTr>
+                    <a:noFill/>
+                  </a:tcPr>
+                </a:tc>
+                <a:tc>
+                  <a:txBody>
+                    <a:bodyPr/>
+                    <a:lstStyle>
+                      <a:lvl1pPr marL="0" algn="l" defTabSz="914400" rtl="0" eaLnBrk="1" latinLnBrk="0" hangingPunct="1">
+                        <a:defRPr sz="1800" kern="1200">
+                          <a:solidFill>
+                            <a:schemeClr val="tx1"/>
+                          </a:solidFill>
+                          <a:latin typeface="Calibri" panose="020F0502020204030204"/>
+                        </a:defRPr>
+                      </a:lvl1pPr>
+                      <a:lvl2pPr marL="457200" algn="l" defTabSz="914400" rtl="0" eaLnBrk="1" latinLnBrk="0" hangingPunct="1">
+                        <a:defRPr sz="1800" kern="1200">
+                          <a:solidFill>
+                            <a:schemeClr val="tx1"/>
+                          </a:solidFill>
+                          <a:latin typeface="Calibri" panose="020F0502020204030204"/>
+                        </a:defRPr>
+                      </a:lvl2pPr>
+                      <a:lvl3pPr marL="914400" algn="l" defTabSz="914400" rtl="0" eaLnBrk="1" latinLnBrk="0" hangingPunct="1">
+                        <a:defRPr sz="1800" kern="1200">
+                          <a:solidFill>
+                            <a:schemeClr val="tx1"/>
+                          </a:solidFill>
+                          <a:latin typeface="Calibri" panose="020F0502020204030204"/>
+                        </a:defRPr>
+                      </a:lvl3pPr>
+                      <a:lvl4pPr marL="1371600" algn="l" defTabSz="914400" rtl="0" eaLnBrk="1" latinLnBrk="0" hangingPunct="1">
+                        <a:defRPr sz="1800" kern="1200">
+                          <a:solidFill>
+                            <a:schemeClr val="tx1"/>
+                          </a:solidFill>
+                          <a:latin typeface="Calibri" panose="020F0502020204030204"/>
+                        </a:defRPr>
+                      </a:lvl4pPr>
+                      <a:lvl5pPr marL="1828800" algn="l" defTabSz="914400" rtl="0" eaLnBrk="1" latinLnBrk="0" hangingPunct="1">
+                        <a:defRPr sz="1800" kern="1200">
+                          <a:solidFill>
+                            <a:schemeClr val="tx1"/>
+                          </a:solidFill>
+                          <a:latin typeface="Calibri" panose="020F0502020204030204"/>
+                        </a:defRPr>
+                      </a:lvl5pPr>
+                      <a:lvl6pPr marL="2286000" algn="l" defTabSz="914400" rtl="0" eaLnBrk="1" latinLnBrk="0" hangingPunct="1">
+                        <a:defRPr sz="1800" kern="1200">
+                          <a:solidFill>
+                            <a:schemeClr val="tx1"/>
+                          </a:solidFill>
+                          <a:latin typeface="Calibri" panose="020F0502020204030204"/>
+                        </a:defRPr>
+                      </a:lvl6pPr>
+                      <a:lvl7pPr marL="2743200" algn="l" defTabSz="914400" rtl="0" eaLnBrk="1" latinLnBrk="0" hangingPunct="1">
+                        <a:defRPr sz="1800" kern="1200">
+                          <a:solidFill>
+                            <a:schemeClr val="tx1"/>
+                          </a:solidFill>
+                          <a:latin typeface="Calibri" panose="020F0502020204030204"/>
+                        </a:defRPr>
+                      </a:lvl7pPr>
+                      <a:lvl8pPr marL="3200400" algn="l" defTabSz="914400" rtl="0" eaLnBrk="1" latinLnBrk="0" hangingPunct="1">
+                        <a:defRPr sz="1800" kern="1200">
+                          <a:solidFill>
+                            <a:schemeClr val="tx1"/>
+                          </a:solidFill>
+                          <a:latin typeface="Calibri" panose="020F0502020204030204"/>
+                        </a:defRPr>
+                      </a:lvl8pPr>
+                      <a:lvl9pPr marL="3657600" algn="l" defTabSz="914400" rtl="0" eaLnBrk="1" latinLnBrk="0" hangingPunct="1">
+                        <a:defRPr sz="1800" kern="1200">
+                          <a:solidFill>
+                            <a:schemeClr val="tx1"/>
+                          </a:solidFill>
+                          <a:latin typeface="Calibri" panose="020F0502020204030204"/>
+                        </a:defRPr>
+                      </a:lvl9pPr>
+                    </a:lstStyle>
+                    <a:p>
+                      <a:pPr algn="ctr" fontAlgn="ctr"/>
+                      <a:r>
+                        <a:rPr lang="es-MX" sz="1400" b="1" u="none" strike="noStrike">
+                          <a:effectLst/>
+                        </a:rPr>
+                        <a:t>XX XX</a:t>
+                      </a:r>
+                      <a:endParaRPr lang="es-MX" sz="1400" b="1" i="0" u="none" strike="noStrike">
+                        <a:solidFill>
+                          <a:srgbClr val="000000"/>
+                        </a:solidFill>
+                        <a:effectLst/>
+                        <a:latin typeface="Calibri" panose="020F0502020204030204" pitchFamily="34" charset="0"/>
+                      </a:endParaRPr>
+                    </a:p>
+                  </a:txBody>
+                  <a:tcPr marL="9525" marR="9525" marT="9525" marB="0" anchor="ctr">
+                    <a:lnL>
+                      <a:noFill/>
+                    </a:lnL>
+                    <a:lnR>
+                      <a:noFill/>
+                    </a:lnR>
+                    <a:lnT>
+                      <a:noFill/>
+                    </a:lnT>
+                    <a:lnB w="12700" cmpd="sng">
+                      <a:solidFill>
+                        <a:srgbClr val="4472C4"/>
+                      </a:solidFill>
+                    </a:lnB>
+                    <a:lnTlToBr w="12700" cmpd="sng">
+                      <a:noFill/>
+                      <a:prstDash val="solid"/>
+                    </a:lnTlToBr>
+                    <a:lnBlToTr w="12700" cmpd="sng">
+                      <a:noFill/>
+                      <a:prstDash val="solid"/>
+                    </a:lnBlToTr>
+                    <a:noFill/>
+                  </a:tcPr>
+                </a:tc>
+                <a:tc>
+                  <a:txBody>
+                    <a:bodyPr/>
+                    <a:lstStyle>
+                      <a:lvl1pPr marL="0" algn="l" defTabSz="914400" rtl="0" eaLnBrk="1" latinLnBrk="0" hangingPunct="1">
+                        <a:defRPr sz="1800" kern="1200">
+                          <a:solidFill>
+                            <a:schemeClr val="tx1"/>
+                          </a:solidFill>
+                          <a:latin typeface="Calibri" panose="020F0502020204030204"/>
+                        </a:defRPr>
+                      </a:lvl1pPr>
+                      <a:lvl2pPr marL="457200" algn="l" defTabSz="914400" rtl="0" eaLnBrk="1" latinLnBrk="0" hangingPunct="1">
+                        <a:defRPr sz="1800" kern="1200">
+                          <a:solidFill>
+                            <a:schemeClr val="tx1"/>
+                          </a:solidFill>
+                          <a:latin typeface="Calibri" panose="020F0502020204030204"/>
+                        </a:defRPr>
+                      </a:lvl2pPr>
+                      <a:lvl3pPr marL="914400" algn="l" defTabSz="914400" rtl="0" eaLnBrk="1" latinLnBrk="0" hangingPunct="1">
+                        <a:defRPr sz="1800" kern="1200">
+                          <a:solidFill>
+                            <a:schemeClr val="tx1"/>
+                          </a:solidFill>
+                          <a:latin typeface="Calibri" panose="020F0502020204030204"/>
+                        </a:defRPr>
+                      </a:lvl3pPr>
+                      <a:lvl4pPr marL="1371600" algn="l" defTabSz="914400" rtl="0" eaLnBrk="1" latinLnBrk="0" hangingPunct="1">
+                        <a:defRPr sz="1800" kern="1200">
+                          <a:solidFill>
+                            <a:schemeClr val="tx1"/>
+                          </a:solidFill>
+                          <a:latin typeface="Calibri" panose="020F0502020204030204"/>
+                        </a:defRPr>
+                      </a:lvl4pPr>
+                      <a:lvl5pPr marL="1828800" algn="l" defTabSz="914400" rtl="0" eaLnBrk="1" latinLnBrk="0" hangingPunct="1">
+                        <a:defRPr sz="1800" kern="1200">
+                          <a:solidFill>
+                            <a:schemeClr val="tx1"/>
+                          </a:solidFill>
+                          <a:latin typeface="Calibri" panose="020F0502020204030204"/>
+                        </a:defRPr>
+                      </a:lvl5pPr>
+                      <a:lvl6pPr marL="2286000" algn="l" defTabSz="914400" rtl="0" eaLnBrk="1" latinLnBrk="0" hangingPunct="1">
+                        <a:defRPr sz="1800" kern="1200">
+                          <a:solidFill>
+                            <a:schemeClr val="tx1"/>
+                          </a:solidFill>
+                          <a:latin typeface="Calibri" panose="020F0502020204030204"/>
+                        </a:defRPr>
+                      </a:lvl6pPr>
+                      <a:lvl7pPr marL="2743200" algn="l" defTabSz="914400" rtl="0" eaLnBrk="1" latinLnBrk="0" hangingPunct="1">
+                        <a:defRPr sz="1800" kern="1200">
+                          <a:solidFill>
+                            <a:schemeClr val="tx1"/>
+                          </a:solidFill>
+                          <a:latin typeface="Calibri" panose="020F0502020204030204"/>
+                        </a:defRPr>
+                      </a:lvl7pPr>
+                      <a:lvl8pPr marL="3200400" algn="l" defTabSz="914400" rtl="0" eaLnBrk="1" latinLnBrk="0" hangingPunct="1">
+                        <a:defRPr sz="1800" kern="1200">
+                          <a:solidFill>
+                            <a:schemeClr val="tx1"/>
+                          </a:solidFill>
+                          <a:latin typeface="Calibri" panose="020F0502020204030204"/>
+                        </a:defRPr>
+                      </a:lvl8pPr>
+                      <a:lvl9pPr marL="3657600" algn="l" defTabSz="914400" rtl="0" eaLnBrk="1" latinLnBrk="0" hangingPunct="1">
+                        <a:defRPr sz="1800" kern="1200">
+                          <a:solidFill>
+                            <a:schemeClr val="tx1"/>
+                          </a:solidFill>
+                          <a:latin typeface="Calibri" panose="020F0502020204030204"/>
+                        </a:defRPr>
+                      </a:lvl9pPr>
+                    </a:lstStyle>
+                    <a:p>
+                      <a:pPr algn="ctr" fontAlgn="ctr"/>
+                      <a:r>
+                        <a:rPr lang="es-MX" sz="1400" b="1" u="none" strike="noStrike" dirty="0">
+                          <a:effectLst/>
+                        </a:rPr>
+                        <a:t>XX </a:t>
+                      </a:r>
+                      <a:r>
+                        <a:rPr lang="es-MX" sz="1400" b="1" u="none" strike="noStrike" dirty="0" err="1">
+                          <a:effectLst/>
+                        </a:rPr>
+                        <a:t>XX</a:t>
+                      </a:r>
+                      <a:endParaRPr lang="es-MX" sz="1400" b="1" i="0" u="none" strike="noStrike" dirty="0">
+                        <a:solidFill>
+                          <a:srgbClr val="000000"/>
+                        </a:solidFill>
+                        <a:effectLst/>
+                        <a:latin typeface="Calibri" panose="020F0502020204030204" pitchFamily="34" charset="0"/>
+                      </a:endParaRPr>
+                    </a:p>
+                  </a:txBody>
+                  <a:tcPr marL="9525" marR="9525" marT="9525" marB="0" anchor="ctr">
+                    <a:lnL>
+                      <a:noFill/>
+                    </a:lnL>
+                    <a:lnR>
+                      <a:noFill/>
+                    </a:lnR>
+                    <a:lnT>
+                      <a:noFill/>
+                    </a:lnT>
+                    <a:lnB w="12700" cmpd="sng">
+                      <a:solidFill>
+                        <a:srgbClr val="4472C4"/>
+                      </a:solidFill>
+                    </a:lnB>
+                    <a:lnTlToBr w="12700" cmpd="sng">
+                      <a:noFill/>
+                      <a:prstDash val="solid"/>
+                    </a:lnTlToBr>
+                    <a:lnBlToTr w="12700" cmpd="sng">
+                      <a:noFill/>
+                      <a:prstDash val="solid"/>
+                    </a:lnBlToTr>
+                    <a:noFill/>
+                  </a:tcPr>
+                </a:tc>
+                <a:tc>
+                  <a:txBody>
+                    <a:bodyPr/>
+                    <a:lstStyle>
+                      <a:lvl1pPr marL="0" algn="l" defTabSz="914400" rtl="0" eaLnBrk="1" latinLnBrk="0" hangingPunct="1">
+                        <a:defRPr sz="1800" kern="1200">
+                          <a:solidFill>
+                            <a:schemeClr val="tx1"/>
+                          </a:solidFill>
+                          <a:latin typeface="Calibri" panose="020F0502020204030204"/>
+                        </a:defRPr>
+                      </a:lvl1pPr>
+                      <a:lvl2pPr marL="457200" algn="l" defTabSz="914400" rtl="0" eaLnBrk="1" latinLnBrk="0" hangingPunct="1">
+                        <a:defRPr sz="1800" kern="1200">
+                          <a:solidFill>
+                            <a:schemeClr val="tx1"/>
+                          </a:solidFill>
+                          <a:latin typeface="Calibri" panose="020F0502020204030204"/>
+                        </a:defRPr>
+                      </a:lvl2pPr>
+                      <a:lvl3pPr marL="914400" algn="l" defTabSz="914400" rtl="0" eaLnBrk="1" latinLnBrk="0" hangingPunct="1">
+                        <a:defRPr sz="1800" kern="1200">
+                          <a:solidFill>
+                            <a:schemeClr val="tx1"/>
+                          </a:solidFill>
+                          <a:latin typeface="Calibri" panose="020F0502020204030204"/>
+                        </a:defRPr>
+                      </a:lvl3pPr>
+                      <a:lvl4pPr marL="1371600" algn="l" defTabSz="914400" rtl="0" eaLnBrk="1" latinLnBrk="0" hangingPunct="1">
+                        <a:defRPr sz="1800" kern="1200">
+                          <a:solidFill>
+                            <a:schemeClr val="tx1"/>
+                          </a:solidFill>
+                          <a:latin typeface="Calibri" panose="020F0502020204030204"/>
+                        </a:defRPr>
+                      </a:lvl4pPr>
+                      <a:lvl5pPr marL="1828800" algn="l" defTabSz="914400" rtl="0" eaLnBrk="1" latinLnBrk="0" hangingPunct="1">
+                        <a:defRPr sz="1800" kern="1200">
+                          <a:solidFill>
+                            <a:schemeClr val="tx1"/>
+                          </a:solidFill>
+                          <a:latin typeface="Calibri" panose="020F0502020204030204"/>
+                        </a:defRPr>
+                      </a:lvl5pPr>
+                      <a:lvl6pPr marL="2286000" algn="l" defTabSz="914400" rtl="0" eaLnBrk="1" latinLnBrk="0" hangingPunct="1">
+                        <a:defRPr sz="1800" kern="1200">
+                          <a:solidFill>
+                            <a:schemeClr val="tx1"/>
+                          </a:solidFill>
+                          <a:latin typeface="Calibri" panose="020F0502020204030204"/>
+                        </a:defRPr>
+                      </a:lvl6pPr>
+                      <a:lvl7pPr marL="2743200" algn="l" defTabSz="914400" rtl="0" eaLnBrk="1" latinLnBrk="0" hangingPunct="1">
+                        <a:defRPr sz="1800" kern="1200">
+                          <a:solidFill>
+                            <a:schemeClr val="tx1"/>
+                          </a:solidFill>
+                          <a:latin typeface="Calibri" panose="020F0502020204030204"/>
+                        </a:defRPr>
+                      </a:lvl7pPr>
+                      <a:lvl8pPr marL="3200400" algn="l" defTabSz="914400" rtl="0" eaLnBrk="1" latinLnBrk="0" hangingPunct="1">
+                        <a:defRPr sz="1800" kern="1200">
+                          <a:solidFill>
+                            <a:schemeClr val="tx1"/>
+                          </a:solidFill>
+                          <a:latin typeface="Calibri" panose="020F0502020204030204"/>
+                        </a:defRPr>
+                      </a:lvl8pPr>
+                      <a:lvl9pPr marL="3657600" algn="l" defTabSz="914400" rtl="0" eaLnBrk="1" latinLnBrk="0" hangingPunct="1">
+                        <a:defRPr sz="1800" kern="1200">
+                          <a:solidFill>
+                            <a:schemeClr val="tx1"/>
+                          </a:solidFill>
+                          <a:latin typeface="Calibri" panose="020F0502020204030204"/>
+                        </a:defRPr>
+                      </a:lvl9pPr>
+                    </a:lstStyle>
+                    <a:p>
+                      <a:pPr algn="ctr" fontAlgn="ctr"/>
+                      <a:r>
+                        <a:rPr lang="es-MX" sz="1400" b="1" u="none" strike="noStrike" dirty="0">
+                          <a:effectLst/>
+                        </a:rPr>
+                        <a:t>E3</a:t>
+                      </a:r>
+                      <a:endParaRPr lang="es-MX" sz="1400" b="1" i="0" u="none" strike="noStrike" dirty="0">
+                        <a:solidFill>
+                          <a:srgbClr val="000000"/>
+                        </a:solidFill>
+                        <a:effectLst/>
+                        <a:latin typeface="Calibri" panose="020F0502020204030204" pitchFamily="34" charset="0"/>
+                      </a:endParaRPr>
+                    </a:p>
+                  </a:txBody>
+                  <a:tcPr marL="9525" marR="9525" marT="9525" marB="0" anchor="ctr">
+                    <a:lnL>
+                      <a:noFill/>
+                    </a:lnL>
+                    <a:lnR>
+                      <a:noFill/>
+                    </a:lnR>
+                    <a:lnT>
+                      <a:noFill/>
+                    </a:lnT>
+                    <a:lnB w="12700" cmpd="sng">
+                      <a:solidFill>
+                        <a:srgbClr val="4472C4"/>
+                      </a:solidFill>
+                    </a:lnB>
+                    <a:lnTlToBr w="12700" cmpd="sng">
+                      <a:noFill/>
+                      <a:prstDash val="solid"/>
+                    </a:lnTlToBr>
+                    <a:lnBlToTr w="12700" cmpd="sng">
+                      <a:noFill/>
+                      <a:prstDash val="solid"/>
+                    </a:lnBlToTr>
+                    <a:noFill/>
+                  </a:tcPr>
+                </a:tc>
+                <a:extLst>
+                  <a:ext uri="{0D108BD9-81ED-4DB2-BD59-A6C34878D82A}">
+                    <a16:rowId xmlns:a16="http://schemas.microsoft.com/office/drawing/2014/main" val="589823376"/>
+                  </a:ext>
+                </a:extLst>
+              </a:tr>
+            </a:tbl>
+          </a:graphicData>
+        </a:graphic>
+      </p:graphicFrame>
+      <p:graphicFrame>
+        <p:nvGraphicFramePr>
+          <p:cNvPr id="5" name="Table 4">
+            <a:extLst>
+              <a:ext uri="{FF2B5EF4-FFF2-40B4-BE49-F238E27FC236}">
+                <a16:creationId xmlns:a16="http://schemas.microsoft.com/office/drawing/2014/main" id="{89A2B39F-FE79-4386-860F-F9F73393EE37}"/>
+              </a:ext>
+            </a:extLst>
+          </p:cNvPr>
+          <p:cNvGraphicFramePr>
+            <a:graphicFrameLocks noGrp="1"/>
+          </p:cNvGraphicFramePr>
+          <p:nvPr>
+            <p:extLst>
+              <p:ext uri="{D42A27DB-BD31-4B8C-83A1-F6EECF244321}">
+                <p14:modId xmlns:p14="http://schemas.microsoft.com/office/powerpoint/2010/main" val="3777596949"/>
+              </p:ext>
+            </p:extLst>
+          </p:nvPr>
+        </p:nvGraphicFramePr>
+        <p:xfrm>
+          <a:off x="4634936" y="4860786"/>
+          <a:ext cx="2922123" cy="1114425"/>
+        </p:xfrm>
+        <a:graphic>
+          <a:graphicData uri="http://schemas.openxmlformats.org/drawingml/2006/table">
+            <a:tbl>
+              <a:tblPr>
+                <a:tableStyleId>{5940675A-B579-460E-94D1-54222C63F5DA}</a:tableStyleId>
+              </a:tblPr>
+              <a:tblGrid>
+                <a:gridCol w="930427">
+                  <a:extLst>
+                    <a:ext uri="{9D8B030D-6E8A-4147-A177-3AD203B41FA5}">
+                      <a16:colId xmlns:a16="http://schemas.microsoft.com/office/drawing/2014/main" val="33213328"/>
+                    </a:ext>
+                  </a:extLst>
+                </a:gridCol>
+                <a:gridCol w="1991696">
+                  <a:extLst>
+                    <a:ext uri="{9D8B030D-6E8A-4147-A177-3AD203B41FA5}">
+                      <a16:colId xmlns:a16="http://schemas.microsoft.com/office/drawing/2014/main" val="2084974551"/>
+                    </a:ext>
+                  </a:extLst>
+                </a:gridCol>
+              </a:tblGrid>
+              <a:tr h="190500">
+                <a:tc gridSpan="2">
+                  <a:txBody>
+                    <a:bodyPr/>
+                    <a:lstStyle/>
+                    <a:p>
+                      <a:pPr algn="ctr" fontAlgn="b"/>
+                      <a:r>
+                        <a:rPr lang="es-MX" sz="1400" b="1" u="none" strike="noStrike" dirty="0">
+                          <a:solidFill>
+                            <a:schemeClr val="bg1"/>
+                          </a:solidFill>
+                          <a:effectLst/>
+                        </a:rPr>
+                        <a:t>RESULT</a:t>
+                      </a:r>
+                      <a:endParaRPr lang="es-MX" sz="1400" b="1" i="0" u="none" strike="noStrike" dirty="0">
+                        <a:solidFill>
+                          <a:schemeClr val="bg1"/>
+                        </a:solidFill>
+                        <a:effectLst/>
+                        <a:latin typeface="Calibri" panose="020F0502020204030204" pitchFamily="34" charset="0"/>
+                      </a:endParaRPr>
+                    </a:p>
+                  </a:txBody>
+                  <a:tcPr marL="9525" marR="9525" marT="9525" marB="0" anchor="b">
+                    <a:solidFill>
+                      <a:srgbClr val="00B0F0"/>
+                    </a:solidFill>
+                  </a:tcPr>
+                </a:tc>
+                <a:tc hMerge="1">
+                  <a:txBody>
+                    <a:bodyPr/>
+                    <a:lstStyle/>
+                    <a:p>
+                      <a:endParaRPr lang="es-MX"/>
+                    </a:p>
+                  </a:txBody>
+                  <a:tcPr/>
+                </a:tc>
+                <a:extLst>
+                  <a:ext uri="{0D108BD9-81ED-4DB2-BD59-A6C34878D82A}">
+                    <a16:rowId xmlns:a16="http://schemas.microsoft.com/office/drawing/2014/main" val="2730974246"/>
+                  </a:ext>
+                </a:extLst>
+              </a:tr>
+              <a:tr h="190500">
+                <a:tc>
+                  <a:txBody>
+                    <a:bodyPr/>
+                    <a:lstStyle/>
+                    <a:p>
+                      <a:pPr algn="ctr" fontAlgn="ctr"/>
+                      <a:r>
+                        <a:rPr lang="es-MX" sz="1400" u="none" strike="noStrike">
+                          <a:effectLst/>
+                        </a:rPr>
+                        <a:t>00</a:t>
+                      </a:r>
+                      <a:endParaRPr lang="es-MX" sz="1400" b="0" i="0" u="none" strike="noStrike">
+                        <a:solidFill>
+                          <a:srgbClr val="000000"/>
+                        </a:solidFill>
+                        <a:effectLst/>
+                        <a:latin typeface="Calibri" panose="020F0502020204030204" pitchFamily="34" charset="0"/>
+                      </a:endParaRPr>
+                    </a:p>
+                  </a:txBody>
+                  <a:tcPr marL="9525" marR="9525" marT="9525" marB="0" anchor="ctr"/>
+                </a:tc>
+                <a:tc>
+                  <a:txBody>
+                    <a:bodyPr/>
+                    <a:lstStyle/>
+                    <a:p>
+                      <a:pPr algn="l" fontAlgn="b"/>
+                      <a:r>
+                        <a:rPr lang="es-MX" sz="1400" u="none" strike="noStrike" dirty="0" err="1">
+                          <a:effectLst/>
+                        </a:rPr>
+                        <a:t>Success</a:t>
+                      </a:r>
+                      <a:endParaRPr lang="es-MX" sz="1400" b="0" i="0" u="none" strike="noStrike" dirty="0">
+                        <a:solidFill>
+                          <a:srgbClr val="000000"/>
+                        </a:solidFill>
+                        <a:effectLst/>
+                        <a:latin typeface="Calibri" panose="020F0502020204030204" pitchFamily="34" charset="0"/>
+                      </a:endParaRPr>
+                    </a:p>
+                  </a:txBody>
+                  <a:tcPr marL="9525" marR="9525" marT="9525" marB="0" anchor="b"/>
+                </a:tc>
+                <a:extLst>
+                  <a:ext uri="{0D108BD9-81ED-4DB2-BD59-A6C34878D82A}">
+                    <a16:rowId xmlns:a16="http://schemas.microsoft.com/office/drawing/2014/main" val="1821683155"/>
+                  </a:ext>
+                </a:extLst>
+              </a:tr>
+              <a:tr h="190500">
+                <a:tc>
+                  <a:txBody>
+                    <a:bodyPr/>
+                    <a:lstStyle/>
+                    <a:p>
+                      <a:pPr algn="ctr" fontAlgn="ctr"/>
+                      <a:r>
+                        <a:rPr lang="es-MX" sz="1400" u="none" strike="noStrike">
+                          <a:effectLst/>
+                        </a:rPr>
+                        <a:t>01</a:t>
+                      </a:r>
+                      <a:endParaRPr lang="es-MX" sz="1400" b="0" i="0" u="none" strike="noStrike">
+                        <a:solidFill>
+                          <a:srgbClr val="000000"/>
+                        </a:solidFill>
+                        <a:effectLst/>
+                        <a:latin typeface="Calibri" panose="020F0502020204030204" pitchFamily="34" charset="0"/>
+                      </a:endParaRPr>
+                    </a:p>
+                  </a:txBody>
+                  <a:tcPr marL="9525" marR="9525" marT="9525" marB="0" anchor="ctr"/>
+                </a:tc>
+                <a:tc>
+                  <a:txBody>
+                    <a:bodyPr/>
+                    <a:lstStyle/>
+                    <a:p>
+                      <a:pPr algn="l" fontAlgn="b"/>
+                      <a:r>
+                        <a:rPr lang="es-MX" sz="1400" u="none" strike="noStrike" dirty="0">
+                          <a:effectLst/>
+                        </a:rPr>
+                        <a:t>ERD </a:t>
+                      </a:r>
+                      <a:r>
+                        <a:rPr lang="es-MX" sz="1400" u="none" strike="noStrike" dirty="0" err="1">
+                          <a:effectLst/>
+                        </a:rPr>
+                        <a:t>is</a:t>
+                      </a:r>
+                      <a:r>
+                        <a:rPr lang="es-MX" sz="1400" u="none" strike="noStrike" dirty="0">
+                          <a:effectLst/>
+                        </a:rPr>
+                        <a:t> </a:t>
+                      </a:r>
+                      <a:r>
+                        <a:rPr lang="es-MX" sz="1400" u="none" strike="noStrike" dirty="0" err="1">
+                          <a:effectLst/>
+                        </a:rPr>
+                        <a:t>not</a:t>
+                      </a:r>
+                      <a:r>
+                        <a:rPr lang="es-MX" sz="1400" u="none" strike="noStrike" dirty="0">
+                          <a:effectLst/>
+                        </a:rPr>
+                        <a:t> </a:t>
+                      </a:r>
+                      <a:r>
+                        <a:rPr lang="es-MX" sz="1400" u="none" strike="noStrike" dirty="0" err="1">
+                          <a:effectLst/>
+                        </a:rPr>
+                        <a:t>supported</a:t>
+                      </a:r>
+                      <a:endParaRPr lang="es-MX" sz="1400" b="0" i="0" u="none" strike="noStrike" dirty="0">
+                        <a:solidFill>
+                          <a:srgbClr val="000000"/>
+                        </a:solidFill>
+                        <a:effectLst/>
+                        <a:latin typeface="Calibri" panose="020F0502020204030204" pitchFamily="34" charset="0"/>
+                      </a:endParaRPr>
+                    </a:p>
+                  </a:txBody>
+                  <a:tcPr marL="9525" marR="9525" marT="9525" marB="0" anchor="b"/>
+                </a:tc>
+                <a:extLst>
+                  <a:ext uri="{0D108BD9-81ED-4DB2-BD59-A6C34878D82A}">
+                    <a16:rowId xmlns:a16="http://schemas.microsoft.com/office/drawing/2014/main" val="2083592788"/>
+                  </a:ext>
+                </a:extLst>
+              </a:tr>
+              <a:tr h="190500">
+                <a:tc>
+                  <a:txBody>
+                    <a:bodyPr/>
+                    <a:lstStyle/>
+                    <a:p>
+                      <a:pPr algn="ctr" fontAlgn="ctr"/>
+                      <a:r>
+                        <a:rPr lang="es-MX" sz="1400" u="none" strike="noStrike">
+                          <a:effectLst/>
+                        </a:rPr>
+                        <a:t>02</a:t>
+                      </a:r>
+                      <a:endParaRPr lang="es-MX" sz="1400" b="0" i="0" u="none" strike="noStrike">
+                        <a:solidFill>
+                          <a:srgbClr val="000000"/>
+                        </a:solidFill>
+                        <a:effectLst/>
+                        <a:latin typeface="Calibri" panose="020F0502020204030204" pitchFamily="34" charset="0"/>
+                      </a:endParaRPr>
+                    </a:p>
+                  </a:txBody>
+                  <a:tcPr marL="9525" marR="9525" marT="9525" marB="0" anchor="ctr"/>
+                </a:tc>
+                <a:tc>
+                  <a:txBody>
+                    <a:bodyPr/>
+                    <a:lstStyle/>
+                    <a:p>
+                      <a:pPr algn="l" fontAlgn="b"/>
+                      <a:r>
+                        <a:rPr lang="es-MX" sz="1400" u="none" strike="noStrike" dirty="0" err="1">
+                          <a:effectLst/>
+                        </a:rPr>
+                        <a:t>Incorrect</a:t>
+                      </a:r>
+                      <a:r>
+                        <a:rPr lang="es-MX" sz="1400" u="none" strike="noStrike" dirty="0">
+                          <a:effectLst/>
+                        </a:rPr>
+                        <a:t> </a:t>
+                      </a:r>
+                      <a:r>
+                        <a:rPr lang="es-MX" sz="1400" u="none" strike="noStrike" dirty="0" err="1">
+                          <a:effectLst/>
+                        </a:rPr>
+                        <a:t>size</a:t>
+                      </a:r>
+                      <a:endParaRPr lang="es-MX" sz="1400" b="0" i="0" u="none" strike="noStrike" dirty="0">
+                        <a:solidFill>
+                          <a:srgbClr val="000000"/>
+                        </a:solidFill>
+                        <a:effectLst/>
+                        <a:latin typeface="Calibri" panose="020F0502020204030204" pitchFamily="34" charset="0"/>
+                      </a:endParaRPr>
+                    </a:p>
+                  </a:txBody>
+                  <a:tcPr marL="9525" marR="9525" marT="9525" marB="0" anchor="b"/>
+                </a:tc>
+                <a:extLst>
+                  <a:ext uri="{0D108BD9-81ED-4DB2-BD59-A6C34878D82A}">
+                    <a16:rowId xmlns:a16="http://schemas.microsoft.com/office/drawing/2014/main" val="2616768763"/>
+                  </a:ext>
+                </a:extLst>
+              </a:tr>
+              <a:tr h="128409">
+                <a:tc>
+                  <a:txBody>
+                    <a:bodyPr/>
+                    <a:lstStyle/>
+                    <a:p>
+                      <a:pPr algn="ctr" fontAlgn="ctr"/>
+                      <a:r>
+                        <a:rPr lang="es-MX" sz="1400" u="none" strike="noStrike">
+                          <a:effectLst/>
+                        </a:rPr>
+                        <a:t>03</a:t>
+                      </a:r>
+                      <a:endParaRPr lang="es-MX" sz="1400" b="0" i="0" u="none" strike="noStrike">
+                        <a:solidFill>
+                          <a:srgbClr val="000000"/>
+                        </a:solidFill>
+                        <a:effectLst/>
+                        <a:latin typeface="Calibri" panose="020F0502020204030204" pitchFamily="34" charset="0"/>
+                      </a:endParaRPr>
+                    </a:p>
+                  </a:txBody>
+                  <a:tcPr marL="9525" marR="9525" marT="9525" marB="0" anchor="ctr"/>
+                </a:tc>
+                <a:tc>
+                  <a:txBody>
+                    <a:bodyPr/>
+                    <a:lstStyle/>
+                    <a:p>
+                      <a:pPr algn="l" fontAlgn="b"/>
+                      <a:r>
+                        <a:rPr lang="es-MX" sz="1400" u="none" strike="noStrike" dirty="0" err="1">
+                          <a:effectLst/>
+                        </a:rPr>
+                        <a:t>Bussy</a:t>
+                      </a:r>
+                      <a:endParaRPr lang="es-MX" sz="1400" b="0" i="0" u="none" strike="noStrike" dirty="0">
+                        <a:solidFill>
+                          <a:srgbClr val="000000"/>
+                        </a:solidFill>
+                        <a:effectLst/>
+                        <a:latin typeface="Calibri" panose="020F0502020204030204" pitchFamily="34" charset="0"/>
+                      </a:endParaRPr>
+                    </a:p>
+                  </a:txBody>
+                  <a:tcPr marL="9525" marR="9525" marT="9525" marB="0" anchor="b"/>
+                </a:tc>
+                <a:extLst>
+                  <a:ext uri="{0D108BD9-81ED-4DB2-BD59-A6C34878D82A}">
+                    <a16:rowId xmlns:a16="http://schemas.microsoft.com/office/drawing/2014/main" val="2651437837"/>
+                  </a:ext>
+                </a:extLst>
+              </a:tr>
+            </a:tbl>
+          </a:graphicData>
+        </a:graphic>
+      </p:graphicFrame>
+      <p:sp>
+        <p:nvSpPr>
+          <p:cNvPr id="6" name="TextBox 5">
+            <a:extLst>
+              <a:ext uri="{FF2B5EF4-FFF2-40B4-BE49-F238E27FC236}">
+                <a16:creationId xmlns:a16="http://schemas.microsoft.com/office/drawing/2014/main" id="{8802FF72-8FCC-4696-8604-69B3EBD6C469}"/>
+              </a:ext>
+            </a:extLst>
+          </p:cNvPr>
+          <p:cNvSpPr txBox="1"/>
+          <p:nvPr/>
+        </p:nvSpPr>
+        <p:spPr>
+          <a:xfrm>
+            <a:off x="502023" y="3937635"/>
+            <a:ext cx="11187953" cy="506292"/>
+          </a:xfrm>
+          <a:prstGeom prst="rect">
+            <a:avLst/>
+          </a:prstGeom>
+          <a:noFill/>
+        </p:spPr>
+        <p:txBody>
+          <a:bodyPr wrap="square" rtlCol="0">
+            <a:spAutoFit/>
+          </a:bodyPr>
+          <a:lstStyle/>
+          <a:p>
+            <a:pPr algn="just">
+              <a:lnSpc>
+                <a:spcPct val="150000"/>
+              </a:lnSpc>
+            </a:pPr>
+            <a:r>
+              <a:rPr lang="es-MX" sz="2000" dirty="0"/>
+              <a:t>A continuación se muestra los posibles estados que puede tener el byte de RESULT</a:t>
+            </a:r>
+          </a:p>
+        </p:txBody>
+      </p:sp>
+    </p:spTree>
+    <p:extLst>
+      <p:ext uri="{BB962C8B-B14F-4D97-AF65-F5344CB8AC3E}">
+        <p14:creationId xmlns:p14="http://schemas.microsoft.com/office/powerpoint/2010/main" val="3300484054"/>
+      </p:ext>
+    </p:extLst>
+  </p:cSld>
+  <p:clrMapOvr>
+    <a:masterClrMapping/>
+  </p:clrMapOvr>
+</p:sld>
+</file>
+
+<file path=ppt/slides/slide6.xml><?xml version="1.0" encoding="utf-8"?>
+<p:sld xmlns:a="http://schemas.openxmlformats.org/drawingml/2006/main" xmlns:r="http://schemas.openxmlformats.org/officeDocument/2006/relationships" xmlns:p="http://schemas.openxmlformats.org/presentationml/2006/main">
+  <p:cSld>
+    <p:spTree>
+      <p:nvGrpSpPr>
+        <p:cNvPr id="1" name=""/>
+        <p:cNvGrpSpPr/>
+        <p:nvPr/>
+      </p:nvGrpSpPr>
+      <p:grpSpPr>
+        <a:xfrm>
+          <a:off x="0" y="0"/>
+          <a:ext cx="0" cy="0"/>
+          <a:chOff x="0" y="0"/>
+          <a:chExt cx="0" cy="0"/>
+        </a:xfrm>
+      </p:grpSpPr>
+      <p:sp>
+        <p:nvSpPr>
+          <p:cNvPr id="2" name="TextBox 1">
+            <a:extLst>
+              <a:ext uri="{FF2B5EF4-FFF2-40B4-BE49-F238E27FC236}">
+                <a16:creationId xmlns:a16="http://schemas.microsoft.com/office/drawing/2014/main" id="{90368A03-2922-4153-9626-B36E009CE076}"/>
+              </a:ext>
+            </a:extLst>
+          </p:cNvPr>
+          <p:cNvSpPr txBox="1"/>
+          <p:nvPr/>
+        </p:nvSpPr>
+        <p:spPr>
+          <a:xfrm>
+            <a:off x="510987" y="466164"/>
+            <a:ext cx="4401671" cy="584775"/>
+          </a:xfrm>
+          <a:prstGeom prst="rect">
+            <a:avLst/>
+          </a:prstGeom>
+          <a:noFill/>
+        </p:spPr>
+        <p:txBody>
+          <a:bodyPr wrap="square" rtlCol="0">
+            <a:spAutoFit/>
+          </a:bodyPr>
+          <a:lstStyle/>
+          <a:p>
+            <a:r>
+              <a:rPr lang="es-MX" sz="3200" b="1" dirty="0">
+                <a:solidFill>
+                  <a:schemeClr val="bg1"/>
+                </a:solidFill>
+              </a:rPr>
+              <a:t>CONFIGURACIÓN SERIAL</a:t>
+            </a:r>
+          </a:p>
+        </p:txBody>
+      </p:sp>
+      <p:pic>
+        <p:nvPicPr>
+          <p:cNvPr id="4" name="Picture 3">
+            <a:extLst>
+              <a:ext uri="{FF2B5EF4-FFF2-40B4-BE49-F238E27FC236}">
+                <a16:creationId xmlns:a16="http://schemas.microsoft.com/office/drawing/2014/main" id="{1940D330-08CE-45AF-928E-D8070C4E11AC}"/>
+              </a:ext>
+            </a:extLst>
+          </p:cNvPr>
+          <p:cNvPicPr>
+            <a:picLocks noChangeAspect="1"/>
+          </p:cNvPicPr>
+          <p:nvPr/>
+        </p:nvPicPr>
+        <p:blipFill>
+          <a:blip r:embed="rId2"/>
+          <a:stretch>
+            <a:fillRect/>
+          </a:stretch>
+        </p:blipFill>
+        <p:spPr>
+          <a:xfrm>
+            <a:off x="3733089" y="3240741"/>
+            <a:ext cx="4725821" cy="2666116"/>
+          </a:xfrm>
+          <a:prstGeom prst="rect">
+            <a:avLst/>
+          </a:prstGeom>
+        </p:spPr>
+      </p:pic>
+    </p:spTree>
+    <p:extLst>
+      <p:ext uri="{BB962C8B-B14F-4D97-AF65-F5344CB8AC3E}">
+        <p14:creationId xmlns:p14="http://schemas.microsoft.com/office/powerpoint/2010/main" val="2385421651"/>
       </p:ext>
     </p:extLst>
   </p:cSld>

--- a/GEA3 Python.pptx
+++ b/GEA3 Python.pptx
@@ -5,21 +5,22 @@
     <p:sldMasterId id="2147483672" r:id="rId4"/>
   </p:sldMasterIdLst>
   <p:notesMasterIdLst>
-    <p:notesMasterId r:id="rId17"/>
+    <p:notesMasterId r:id="rId18"/>
   </p:notesMasterIdLst>
   <p:sldIdLst>
     <p:sldId id="256" r:id="rId5"/>
     <p:sldId id="261" r:id="rId6"/>
     <p:sldId id="262" r:id="rId7"/>
     <p:sldId id="263" r:id="rId8"/>
-    <p:sldId id="257" r:id="rId9"/>
-    <p:sldId id="259" r:id="rId10"/>
-    <p:sldId id="264" r:id="rId11"/>
-    <p:sldId id="266" r:id="rId12"/>
-    <p:sldId id="258" r:id="rId13"/>
-    <p:sldId id="260" r:id="rId14"/>
-    <p:sldId id="265" r:id="rId15"/>
-    <p:sldId id="267" r:id="rId16"/>
+    <p:sldId id="268" r:id="rId9"/>
+    <p:sldId id="257" r:id="rId10"/>
+    <p:sldId id="259" r:id="rId11"/>
+    <p:sldId id="264" r:id="rId12"/>
+    <p:sldId id="266" r:id="rId13"/>
+    <p:sldId id="258" r:id="rId14"/>
+    <p:sldId id="260" r:id="rId15"/>
+    <p:sldId id="265" r:id="rId16"/>
+    <p:sldId id="267" r:id="rId17"/>
   </p:sldIdLst>
   <p:sldSz cx="12192000" cy="6858000"/>
   <p:notesSz cx="6858000" cy="9144000"/>
@@ -1747,6 +1748,2877 @@
       </p:grpSpPr>
       <p:sp>
         <p:nvSpPr>
+          <p:cNvPr id="3" name="TextBox 2">
+            <a:extLst>
+              <a:ext uri="{FF2B5EF4-FFF2-40B4-BE49-F238E27FC236}">
+                <a16:creationId xmlns:a16="http://schemas.microsoft.com/office/drawing/2014/main" id="{C1CDB53B-7CC1-4D0D-90FC-96CEE741E98A}"/>
+              </a:ext>
+            </a:extLst>
+          </p:cNvPr>
+          <p:cNvSpPr txBox="1"/>
+          <p:nvPr/>
+        </p:nvSpPr>
+        <p:spPr>
+          <a:xfrm>
+            <a:off x="502023" y="1093697"/>
+            <a:ext cx="11187953" cy="506292"/>
+          </a:xfrm>
+          <a:prstGeom prst="rect">
+            <a:avLst/>
+          </a:prstGeom>
+          <a:noFill/>
+        </p:spPr>
+        <p:txBody>
+          <a:bodyPr wrap="square" rtlCol="0">
+            <a:spAutoFit/>
+          </a:bodyPr>
+          <a:lstStyle/>
+          <a:p>
+            <a:pPr algn="just">
+              <a:lnSpc>
+                <a:spcPct val="150000"/>
+              </a:lnSpc>
+            </a:pPr>
+            <a:r>
+              <a:rPr lang="es-MX" sz="2000" b="1" dirty="0"/>
+              <a:t>WRITE:</a:t>
+            </a:r>
+          </a:p>
+        </p:txBody>
+      </p:sp>
+      <p:sp>
+        <p:nvSpPr>
+          <p:cNvPr id="4" name="TextBox 3">
+            <a:extLst>
+              <a:ext uri="{FF2B5EF4-FFF2-40B4-BE49-F238E27FC236}">
+                <a16:creationId xmlns:a16="http://schemas.microsoft.com/office/drawing/2014/main" id="{A0059212-682A-4655-8DAD-545D8C4AD931}"/>
+              </a:ext>
+            </a:extLst>
+          </p:cNvPr>
+          <p:cNvSpPr txBox="1"/>
+          <p:nvPr/>
+        </p:nvSpPr>
+        <p:spPr>
+          <a:xfrm>
+            <a:off x="502023" y="1685365"/>
+            <a:ext cx="11187953" cy="1429622"/>
+          </a:xfrm>
+          <a:prstGeom prst="rect">
+            <a:avLst/>
+          </a:prstGeom>
+          <a:noFill/>
+        </p:spPr>
+        <p:txBody>
+          <a:bodyPr wrap="square" rtlCol="0">
+            <a:spAutoFit/>
+          </a:bodyPr>
+          <a:lstStyle/>
+          <a:p>
+            <a:pPr algn="just">
+              <a:lnSpc>
+                <a:spcPct val="150000"/>
+              </a:lnSpc>
+            </a:pPr>
+            <a:r>
+              <a:rPr lang="es-MX" sz="2000" dirty="0"/>
+              <a:t>Para solicitar la escritura de algún ERD debe de ser completada correctamente la siguiente estructura de la trama de datos, la cual se debe de enviar cada uno de los valores, de lo contrario no podrá comunicarse correctamente con el dispositivo. </a:t>
+            </a:r>
+          </a:p>
+        </p:txBody>
+      </p:sp>
+      <p:graphicFrame>
+        <p:nvGraphicFramePr>
+          <p:cNvPr id="7" name="Table 6">
+            <a:extLst>
+              <a:ext uri="{FF2B5EF4-FFF2-40B4-BE49-F238E27FC236}">
+                <a16:creationId xmlns:a16="http://schemas.microsoft.com/office/drawing/2014/main" id="{EF524025-EB35-4F93-B3CB-CE720D82CFF9}"/>
+              </a:ext>
+            </a:extLst>
+          </p:cNvPr>
+          <p:cNvGraphicFramePr>
+            <a:graphicFrameLocks noGrp="1"/>
+          </p:cNvGraphicFramePr>
+          <p:nvPr>
+            <p:extLst>
+              <p:ext uri="{D42A27DB-BD31-4B8C-83A1-F6EECF244321}">
+                <p14:modId xmlns:p14="http://schemas.microsoft.com/office/powerpoint/2010/main" val="1002597419"/>
+              </p:ext>
+            </p:extLst>
+          </p:nvPr>
+        </p:nvGraphicFramePr>
+        <p:xfrm>
+          <a:off x="2475859" y="3621173"/>
+          <a:ext cx="7240275" cy="699135"/>
+        </p:xfrm>
+        <a:graphic>
+          <a:graphicData uri="http://schemas.openxmlformats.org/drawingml/2006/table">
+            <a:tbl>
+              <a:tblPr/>
+              <a:tblGrid>
+                <a:gridCol w="610148">
+                  <a:extLst>
+                    <a:ext uri="{9D8B030D-6E8A-4147-A177-3AD203B41FA5}">
+                      <a16:colId xmlns:a16="http://schemas.microsoft.com/office/drawing/2014/main" val="3346621862"/>
+                    </a:ext>
+                  </a:extLst>
+                </a:gridCol>
+                <a:gridCol w="610148">
+                  <a:extLst>
+                    <a:ext uri="{9D8B030D-6E8A-4147-A177-3AD203B41FA5}">
+                      <a16:colId xmlns:a16="http://schemas.microsoft.com/office/drawing/2014/main" val="1884412267"/>
+                    </a:ext>
+                  </a:extLst>
+                </a:gridCol>
+                <a:gridCol w="847344">
+                  <a:extLst>
+                    <a:ext uri="{9D8B030D-6E8A-4147-A177-3AD203B41FA5}">
+                      <a16:colId xmlns:a16="http://schemas.microsoft.com/office/drawing/2014/main" val="4185290271"/>
+                    </a:ext>
+                  </a:extLst>
+                </a:gridCol>
+                <a:gridCol w="439687">
+                  <a:extLst>
+                    <a:ext uri="{9D8B030D-6E8A-4147-A177-3AD203B41FA5}">
+                      <a16:colId xmlns:a16="http://schemas.microsoft.com/office/drawing/2014/main" val="2911287570"/>
+                    </a:ext>
+                  </a:extLst>
+                </a:gridCol>
+                <a:gridCol w="745259">
+                  <a:extLst>
+                    <a:ext uri="{9D8B030D-6E8A-4147-A177-3AD203B41FA5}">
+                      <a16:colId xmlns:a16="http://schemas.microsoft.com/office/drawing/2014/main" val="658031814"/>
+                    </a:ext>
+                  </a:extLst>
+                </a:gridCol>
+                <a:gridCol w="475037">
+                  <a:extLst>
+                    <a:ext uri="{9D8B030D-6E8A-4147-A177-3AD203B41FA5}">
+                      <a16:colId xmlns:a16="http://schemas.microsoft.com/office/drawing/2014/main" val="1159592519"/>
+                    </a:ext>
+                  </a:extLst>
+                </a:gridCol>
+                <a:gridCol w="1389622">
+                  <a:extLst>
+                    <a:ext uri="{9D8B030D-6E8A-4147-A177-3AD203B41FA5}">
+                      <a16:colId xmlns:a16="http://schemas.microsoft.com/office/drawing/2014/main" val="3521182723"/>
+                    </a:ext>
+                  </a:extLst>
+                </a:gridCol>
+                <a:gridCol w="736361">
+                  <a:extLst>
+                    <a:ext uri="{9D8B030D-6E8A-4147-A177-3AD203B41FA5}">
+                      <a16:colId xmlns:a16="http://schemas.microsoft.com/office/drawing/2014/main" val="2830727315"/>
+                    </a:ext>
+                  </a:extLst>
+                </a:gridCol>
+                <a:gridCol w="610148">
+                  <a:extLst>
+                    <a:ext uri="{9D8B030D-6E8A-4147-A177-3AD203B41FA5}">
+                      <a16:colId xmlns:a16="http://schemas.microsoft.com/office/drawing/2014/main" val="3113031744"/>
+                    </a:ext>
+                  </a:extLst>
+                </a:gridCol>
+                <a:gridCol w="776521">
+                  <a:extLst>
+                    <a:ext uri="{9D8B030D-6E8A-4147-A177-3AD203B41FA5}">
+                      <a16:colId xmlns:a16="http://schemas.microsoft.com/office/drawing/2014/main" val="3060647502"/>
+                    </a:ext>
+                  </a:extLst>
+                </a:gridCol>
+              </a:tblGrid>
+              <a:tr h="190500">
+                <a:tc gridSpan="10">
+                  <a:txBody>
+                    <a:bodyPr/>
+                    <a:lstStyle>
+                      <a:lvl1pPr marL="0" algn="l" defTabSz="914400" rtl="0" eaLnBrk="1" latinLnBrk="0" hangingPunct="1">
+                        <a:defRPr sz="1800" kern="1200">
+                          <a:solidFill>
+                            <a:schemeClr val="tx1"/>
+                          </a:solidFill>
+                          <a:latin typeface="Calibri" panose="020F0502020204030204"/>
+                        </a:defRPr>
+                      </a:lvl1pPr>
+                      <a:lvl2pPr marL="457200" algn="l" defTabSz="914400" rtl="0" eaLnBrk="1" latinLnBrk="0" hangingPunct="1">
+                        <a:defRPr sz="1800" kern="1200">
+                          <a:solidFill>
+                            <a:schemeClr val="tx1"/>
+                          </a:solidFill>
+                          <a:latin typeface="Calibri" panose="020F0502020204030204"/>
+                        </a:defRPr>
+                      </a:lvl2pPr>
+                      <a:lvl3pPr marL="914400" algn="l" defTabSz="914400" rtl="0" eaLnBrk="1" latinLnBrk="0" hangingPunct="1">
+                        <a:defRPr sz="1800" kern="1200">
+                          <a:solidFill>
+                            <a:schemeClr val="tx1"/>
+                          </a:solidFill>
+                          <a:latin typeface="Calibri" panose="020F0502020204030204"/>
+                        </a:defRPr>
+                      </a:lvl3pPr>
+                      <a:lvl4pPr marL="1371600" algn="l" defTabSz="914400" rtl="0" eaLnBrk="1" latinLnBrk="0" hangingPunct="1">
+                        <a:defRPr sz="1800" kern="1200">
+                          <a:solidFill>
+                            <a:schemeClr val="tx1"/>
+                          </a:solidFill>
+                          <a:latin typeface="Calibri" panose="020F0502020204030204"/>
+                        </a:defRPr>
+                      </a:lvl4pPr>
+                      <a:lvl5pPr marL="1828800" algn="l" defTabSz="914400" rtl="0" eaLnBrk="1" latinLnBrk="0" hangingPunct="1">
+                        <a:defRPr sz="1800" kern="1200">
+                          <a:solidFill>
+                            <a:schemeClr val="tx1"/>
+                          </a:solidFill>
+                          <a:latin typeface="Calibri" panose="020F0502020204030204"/>
+                        </a:defRPr>
+                      </a:lvl5pPr>
+                      <a:lvl6pPr marL="2286000" algn="l" defTabSz="914400" rtl="0" eaLnBrk="1" latinLnBrk="0" hangingPunct="1">
+                        <a:defRPr sz="1800" kern="1200">
+                          <a:solidFill>
+                            <a:schemeClr val="tx1"/>
+                          </a:solidFill>
+                          <a:latin typeface="Calibri" panose="020F0502020204030204"/>
+                        </a:defRPr>
+                      </a:lvl6pPr>
+                      <a:lvl7pPr marL="2743200" algn="l" defTabSz="914400" rtl="0" eaLnBrk="1" latinLnBrk="0" hangingPunct="1">
+                        <a:defRPr sz="1800" kern="1200">
+                          <a:solidFill>
+                            <a:schemeClr val="tx1"/>
+                          </a:solidFill>
+                          <a:latin typeface="Calibri" panose="020F0502020204030204"/>
+                        </a:defRPr>
+                      </a:lvl7pPr>
+                      <a:lvl8pPr marL="3200400" algn="l" defTabSz="914400" rtl="0" eaLnBrk="1" latinLnBrk="0" hangingPunct="1">
+                        <a:defRPr sz="1800" kern="1200">
+                          <a:solidFill>
+                            <a:schemeClr val="tx1"/>
+                          </a:solidFill>
+                          <a:latin typeface="Calibri" panose="020F0502020204030204"/>
+                        </a:defRPr>
+                      </a:lvl8pPr>
+                      <a:lvl9pPr marL="3657600" algn="l" defTabSz="914400" rtl="0" eaLnBrk="1" latinLnBrk="0" hangingPunct="1">
+                        <a:defRPr sz="1800" kern="1200">
+                          <a:solidFill>
+                            <a:schemeClr val="tx1"/>
+                          </a:solidFill>
+                          <a:latin typeface="Calibri" panose="020F0502020204030204"/>
+                        </a:defRPr>
+                      </a:lvl9pPr>
+                    </a:lstStyle>
+                    <a:p>
+                      <a:pPr algn="ctr" fontAlgn="b"/>
+                      <a:r>
+                        <a:rPr lang="es-MX" sz="1600" b="1" u="none" strike="noStrike" dirty="0" err="1">
+                          <a:effectLst/>
+                        </a:rPr>
+                        <a:t>Request</a:t>
+                      </a:r>
+                      <a:r>
+                        <a:rPr lang="es-MX" sz="1600" b="1" u="none" strike="noStrike" dirty="0">
+                          <a:effectLst/>
+                        </a:rPr>
+                        <a:t> Escritura</a:t>
+                      </a:r>
+                      <a:endParaRPr lang="es-MX" sz="1600" b="1" i="0" u="none" strike="noStrike" dirty="0">
+                        <a:solidFill>
+                          <a:srgbClr val="000000"/>
+                        </a:solidFill>
+                        <a:effectLst/>
+                        <a:latin typeface="Calibri" panose="020F0502020204030204" pitchFamily="34" charset="0"/>
+                      </a:endParaRPr>
+                    </a:p>
+                  </a:txBody>
+                  <a:tcPr marL="9525" marR="9525" marT="9525" marB="0" anchor="b">
+                    <a:lnL>
+                      <a:noFill/>
+                    </a:lnL>
+                    <a:lnR>
+                      <a:noFill/>
+                    </a:lnR>
+                    <a:lnT w="12700" cmpd="sng">
+                      <a:solidFill>
+                        <a:srgbClr val="4472C4"/>
+                      </a:solidFill>
+                    </a:lnT>
+                    <a:lnB>
+                      <a:noFill/>
+                    </a:lnB>
+                    <a:lnTlToBr w="12700" cmpd="sng">
+                      <a:noFill/>
+                      <a:prstDash val="solid"/>
+                    </a:lnTlToBr>
+                    <a:lnBlToTr w="12700" cmpd="sng">
+                      <a:noFill/>
+                      <a:prstDash val="solid"/>
+                    </a:lnBlToTr>
+                    <a:noFill/>
+                  </a:tcPr>
+                </a:tc>
+                <a:tc hMerge="1">
+                  <a:txBody>
+                    <a:bodyPr/>
+                    <a:lstStyle/>
+                    <a:p>
+                      <a:endParaRPr lang="es-MX"/>
+                    </a:p>
+                  </a:txBody>
+                  <a:tcPr/>
+                </a:tc>
+                <a:tc hMerge="1">
+                  <a:txBody>
+                    <a:bodyPr/>
+                    <a:lstStyle/>
+                    <a:p>
+                      <a:endParaRPr lang="es-MX"/>
+                    </a:p>
+                  </a:txBody>
+                  <a:tcPr/>
+                </a:tc>
+                <a:tc hMerge="1">
+                  <a:txBody>
+                    <a:bodyPr/>
+                    <a:lstStyle/>
+                    <a:p>
+                      <a:endParaRPr lang="es-MX"/>
+                    </a:p>
+                  </a:txBody>
+                  <a:tcPr/>
+                </a:tc>
+                <a:tc hMerge="1">
+                  <a:txBody>
+                    <a:bodyPr/>
+                    <a:lstStyle/>
+                    <a:p>
+                      <a:endParaRPr lang="es-MX"/>
+                    </a:p>
+                  </a:txBody>
+                  <a:tcPr/>
+                </a:tc>
+                <a:tc hMerge="1">
+                  <a:txBody>
+                    <a:bodyPr/>
+                    <a:lstStyle/>
+                    <a:p>
+                      <a:endParaRPr lang="es-MX"/>
+                    </a:p>
+                  </a:txBody>
+                  <a:tcPr/>
+                </a:tc>
+                <a:tc hMerge="1">
+                  <a:txBody>
+                    <a:bodyPr/>
+                    <a:lstStyle/>
+                    <a:p>
+                      <a:endParaRPr lang="es-MX"/>
+                    </a:p>
+                  </a:txBody>
+                  <a:tcPr/>
+                </a:tc>
+                <a:tc hMerge="1">
+                  <a:txBody>
+                    <a:bodyPr/>
+                    <a:lstStyle/>
+                    <a:p>
+                      <a:endParaRPr lang="es-MX"/>
+                    </a:p>
+                  </a:txBody>
+                  <a:tcPr/>
+                </a:tc>
+                <a:tc hMerge="1">
+                  <a:txBody>
+                    <a:bodyPr/>
+                    <a:lstStyle/>
+                    <a:p>
+                      <a:endParaRPr lang="es-MX"/>
+                    </a:p>
+                  </a:txBody>
+                  <a:tcPr/>
+                </a:tc>
+                <a:tc hMerge="1">
+                  <a:txBody>
+                    <a:bodyPr/>
+                    <a:lstStyle/>
+                    <a:p>
+                      <a:endParaRPr lang="es-MX"/>
+                    </a:p>
+                  </a:txBody>
+                  <a:tcPr/>
+                </a:tc>
+                <a:extLst>
+                  <a:ext uri="{0D108BD9-81ED-4DB2-BD59-A6C34878D82A}">
+                    <a16:rowId xmlns:a16="http://schemas.microsoft.com/office/drawing/2014/main" val="1080595079"/>
+                  </a:ext>
+                </a:extLst>
+              </a:tr>
+              <a:tr h="190500">
+                <a:tc>
+                  <a:txBody>
+                    <a:bodyPr/>
+                    <a:lstStyle>
+                      <a:lvl1pPr marL="0" algn="l" defTabSz="914400" rtl="0" eaLnBrk="1" latinLnBrk="0" hangingPunct="1">
+                        <a:defRPr sz="1800" kern="1200">
+                          <a:solidFill>
+                            <a:schemeClr val="tx1"/>
+                          </a:solidFill>
+                          <a:latin typeface="Calibri" panose="020F0502020204030204"/>
+                        </a:defRPr>
+                      </a:lvl1pPr>
+                      <a:lvl2pPr marL="457200" algn="l" defTabSz="914400" rtl="0" eaLnBrk="1" latinLnBrk="0" hangingPunct="1">
+                        <a:defRPr sz="1800" kern="1200">
+                          <a:solidFill>
+                            <a:schemeClr val="tx1"/>
+                          </a:solidFill>
+                          <a:latin typeface="Calibri" panose="020F0502020204030204"/>
+                        </a:defRPr>
+                      </a:lvl2pPr>
+                      <a:lvl3pPr marL="914400" algn="l" defTabSz="914400" rtl="0" eaLnBrk="1" latinLnBrk="0" hangingPunct="1">
+                        <a:defRPr sz="1800" kern="1200">
+                          <a:solidFill>
+                            <a:schemeClr val="tx1"/>
+                          </a:solidFill>
+                          <a:latin typeface="Calibri" panose="020F0502020204030204"/>
+                        </a:defRPr>
+                      </a:lvl3pPr>
+                      <a:lvl4pPr marL="1371600" algn="l" defTabSz="914400" rtl="0" eaLnBrk="1" latinLnBrk="0" hangingPunct="1">
+                        <a:defRPr sz="1800" kern="1200">
+                          <a:solidFill>
+                            <a:schemeClr val="tx1"/>
+                          </a:solidFill>
+                          <a:latin typeface="Calibri" panose="020F0502020204030204"/>
+                        </a:defRPr>
+                      </a:lvl4pPr>
+                      <a:lvl5pPr marL="1828800" algn="l" defTabSz="914400" rtl="0" eaLnBrk="1" latinLnBrk="0" hangingPunct="1">
+                        <a:defRPr sz="1800" kern="1200">
+                          <a:solidFill>
+                            <a:schemeClr val="tx1"/>
+                          </a:solidFill>
+                          <a:latin typeface="Calibri" panose="020F0502020204030204"/>
+                        </a:defRPr>
+                      </a:lvl5pPr>
+                      <a:lvl6pPr marL="2286000" algn="l" defTabSz="914400" rtl="0" eaLnBrk="1" latinLnBrk="0" hangingPunct="1">
+                        <a:defRPr sz="1800" kern="1200">
+                          <a:solidFill>
+                            <a:schemeClr val="tx1"/>
+                          </a:solidFill>
+                          <a:latin typeface="Calibri" panose="020F0502020204030204"/>
+                        </a:defRPr>
+                      </a:lvl6pPr>
+                      <a:lvl7pPr marL="2743200" algn="l" defTabSz="914400" rtl="0" eaLnBrk="1" latinLnBrk="0" hangingPunct="1">
+                        <a:defRPr sz="1800" kern="1200">
+                          <a:solidFill>
+                            <a:schemeClr val="tx1"/>
+                          </a:solidFill>
+                          <a:latin typeface="Calibri" panose="020F0502020204030204"/>
+                        </a:defRPr>
+                      </a:lvl7pPr>
+                      <a:lvl8pPr marL="3200400" algn="l" defTabSz="914400" rtl="0" eaLnBrk="1" latinLnBrk="0" hangingPunct="1">
+                        <a:defRPr sz="1800" kern="1200">
+                          <a:solidFill>
+                            <a:schemeClr val="tx1"/>
+                          </a:solidFill>
+                          <a:latin typeface="Calibri" panose="020F0502020204030204"/>
+                        </a:defRPr>
+                      </a:lvl8pPr>
+                      <a:lvl9pPr marL="3657600" algn="l" defTabSz="914400" rtl="0" eaLnBrk="1" latinLnBrk="0" hangingPunct="1">
+                        <a:defRPr sz="1800" kern="1200">
+                          <a:solidFill>
+                            <a:schemeClr val="tx1"/>
+                          </a:solidFill>
+                          <a:latin typeface="Calibri" panose="020F0502020204030204"/>
+                        </a:defRPr>
+                      </a:lvl9pPr>
+                    </a:lstStyle>
+                    <a:p>
+                      <a:pPr algn="ctr" fontAlgn="ctr"/>
+                      <a:r>
+                        <a:rPr lang="es-MX" sz="1400" b="1" u="none" strike="noStrike">
+                          <a:effectLst/>
+                        </a:rPr>
+                        <a:t>BIT INIT</a:t>
+                      </a:r>
+                      <a:endParaRPr lang="es-MX" sz="1400" b="1" i="0" u="none" strike="noStrike">
+                        <a:solidFill>
+                          <a:srgbClr val="000000"/>
+                        </a:solidFill>
+                        <a:effectLst/>
+                        <a:latin typeface="Calibri" panose="020F0502020204030204" pitchFamily="34" charset="0"/>
+                      </a:endParaRPr>
+                    </a:p>
+                  </a:txBody>
+                  <a:tcPr marL="9525" marR="9525" marT="9525" marB="0" anchor="ctr">
+                    <a:lnL>
+                      <a:noFill/>
+                    </a:lnL>
+                    <a:lnR>
+                      <a:noFill/>
+                    </a:lnR>
+                    <a:lnT>
+                      <a:noFill/>
+                    </a:lnT>
+                    <a:lnB>
+                      <a:noFill/>
+                    </a:lnB>
+                    <a:lnTlToBr w="12700" cmpd="sng">
+                      <a:noFill/>
+                      <a:prstDash val="solid"/>
+                    </a:lnTlToBr>
+                    <a:lnBlToTr w="12700" cmpd="sng">
+                      <a:noFill/>
+                      <a:prstDash val="solid"/>
+                    </a:lnBlToTr>
+                    <a:noFill/>
+                  </a:tcPr>
+                </a:tc>
+                <a:tc>
+                  <a:txBody>
+                    <a:bodyPr/>
+                    <a:lstStyle>
+                      <a:lvl1pPr marL="0" algn="l" defTabSz="914400" rtl="0" eaLnBrk="1" latinLnBrk="0" hangingPunct="1">
+                        <a:defRPr sz="1800" kern="1200">
+                          <a:solidFill>
+                            <a:schemeClr val="tx1"/>
+                          </a:solidFill>
+                          <a:latin typeface="Calibri" panose="020F0502020204030204"/>
+                        </a:defRPr>
+                      </a:lvl1pPr>
+                      <a:lvl2pPr marL="457200" algn="l" defTabSz="914400" rtl="0" eaLnBrk="1" latinLnBrk="0" hangingPunct="1">
+                        <a:defRPr sz="1800" kern="1200">
+                          <a:solidFill>
+                            <a:schemeClr val="tx1"/>
+                          </a:solidFill>
+                          <a:latin typeface="Calibri" panose="020F0502020204030204"/>
+                        </a:defRPr>
+                      </a:lvl2pPr>
+                      <a:lvl3pPr marL="914400" algn="l" defTabSz="914400" rtl="0" eaLnBrk="1" latinLnBrk="0" hangingPunct="1">
+                        <a:defRPr sz="1800" kern="1200">
+                          <a:solidFill>
+                            <a:schemeClr val="tx1"/>
+                          </a:solidFill>
+                          <a:latin typeface="Calibri" panose="020F0502020204030204"/>
+                        </a:defRPr>
+                      </a:lvl3pPr>
+                      <a:lvl4pPr marL="1371600" algn="l" defTabSz="914400" rtl="0" eaLnBrk="1" latinLnBrk="0" hangingPunct="1">
+                        <a:defRPr sz="1800" kern="1200">
+                          <a:solidFill>
+                            <a:schemeClr val="tx1"/>
+                          </a:solidFill>
+                          <a:latin typeface="Calibri" panose="020F0502020204030204"/>
+                        </a:defRPr>
+                      </a:lvl4pPr>
+                      <a:lvl5pPr marL="1828800" algn="l" defTabSz="914400" rtl="0" eaLnBrk="1" latinLnBrk="0" hangingPunct="1">
+                        <a:defRPr sz="1800" kern="1200">
+                          <a:solidFill>
+                            <a:schemeClr val="tx1"/>
+                          </a:solidFill>
+                          <a:latin typeface="Calibri" panose="020F0502020204030204"/>
+                        </a:defRPr>
+                      </a:lvl5pPr>
+                      <a:lvl6pPr marL="2286000" algn="l" defTabSz="914400" rtl="0" eaLnBrk="1" latinLnBrk="0" hangingPunct="1">
+                        <a:defRPr sz="1800" kern="1200">
+                          <a:solidFill>
+                            <a:schemeClr val="tx1"/>
+                          </a:solidFill>
+                          <a:latin typeface="Calibri" panose="020F0502020204030204"/>
+                        </a:defRPr>
+                      </a:lvl6pPr>
+                      <a:lvl7pPr marL="2743200" algn="l" defTabSz="914400" rtl="0" eaLnBrk="1" latinLnBrk="0" hangingPunct="1">
+                        <a:defRPr sz="1800" kern="1200">
+                          <a:solidFill>
+                            <a:schemeClr val="tx1"/>
+                          </a:solidFill>
+                          <a:latin typeface="Calibri" panose="020F0502020204030204"/>
+                        </a:defRPr>
+                      </a:lvl7pPr>
+                      <a:lvl8pPr marL="3200400" algn="l" defTabSz="914400" rtl="0" eaLnBrk="1" latinLnBrk="0" hangingPunct="1">
+                        <a:defRPr sz="1800" kern="1200">
+                          <a:solidFill>
+                            <a:schemeClr val="tx1"/>
+                          </a:solidFill>
+                          <a:latin typeface="Calibri" panose="020F0502020204030204"/>
+                        </a:defRPr>
+                      </a:lvl8pPr>
+                      <a:lvl9pPr marL="3657600" algn="l" defTabSz="914400" rtl="0" eaLnBrk="1" latinLnBrk="0" hangingPunct="1">
+                        <a:defRPr sz="1800" kern="1200">
+                          <a:solidFill>
+                            <a:schemeClr val="tx1"/>
+                          </a:solidFill>
+                          <a:latin typeface="Calibri" panose="020F0502020204030204"/>
+                        </a:defRPr>
+                      </a:lvl9pPr>
+                    </a:lstStyle>
+                    <a:p>
+                      <a:pPr algn="ctr" fontAlgn="ctr"/>
+                      <a:r>
+                        <a:rPr lang="es-MX" sz="1400" b="1" u="none" strike="noStrike">
+                          <a:effectLst/>
+                        </a:rPr>
+                        <a:t>DST</a:t>
+                      </a:r>
+                      <a:endParaRPr lang="es-MX" sz="1400" b="1" i="0" u="none" strike="noStrike">
+                        <a:solidFill>
+                          <a:srgbClr val="000000"/>
+                        </a:solidFill>
+                        <a:effectLst/>
+                        <a:latin typeface="Calibri" panose="020F0502020204030204" pitchFamily="34" charset="0"/>
+                      </a:endParaRPr>
+                    </a:p>
+                  </a:txBody>
+                  <a:tcPr marL="9525" marR="9525" marT="9525" marB="0" anchor="ctr">
+                    <a:lnL>
+                      <a:noFill/>
+                    </a:lnL>
+                    <a:lnR>
+                      <a:noFill/>
+                    </a:lnR>
+                    <a:lnT>
+                      <a:noFill/>
+                    </a:lnT>
+                    <a:lnB>
+                      <a:noFill/>
+                    </a:lnB>
+                    <a:lnTlToBr w="12700" cmpd="sng">
+                      <a:noFill/>
+                      <a:prstDash val="solid"/>
+                    </a:lnTlToBr>
+                    <a:lnBlToTr w="12700" cmpd="sng">
+                      <a:noFill/>
+                      <a:prstDash val="solid"/>
+                    </a:lnBlToTr>
+                    <a:noFill/>
+                  </a:tcPr>
+                </a:tc>
+                <a:tc>
+                  <a:txBody>
+                    <a:bodyPr/>
+                    <a:lstStyle>
+                      <a:lvl1pPr marL="0" algn="l" defTabSz="914400" rtl="0" eaLnBrk="1" latinLnBrk="0" hangingPunct="1">
+                        <a:defRPr sz="1800" kern="1200">
+                          <a:solidFill>
+                            <a:schemeClr val="tx1"/>
+                          </a:solidFill>
+                          <a:latin typeface="Calibri" panose="020F0502020204030204"/>
+                        </a:defRPr>
+                      </a:lvl1pPr>
+                      <a:lvl2pPr marL="457200" algn="l" defTabSz="914400" rtl="0" eaLnBrk="1" latinLnBrk="0" hangingPunct="1">
+                        <a:defRPr sz="1800" kern="1200">
+                          <a:solidFill>
+                            <a:schemeClr val="tx1"/>
+                          </a:solidFill>
+                          <a:latin typeface="Calibri" panose="020F0502020204030204"/>
+                        </a:defRPr>
+                      </a:lvl2pPr>
+                      <a:lvl3pPr marL="914400" algn="l" defTabSz="914400" rtl="0" eaLnBrk="1" latinLnBrk="0" hangingPunct="1">
+                        <a:defRPr sz="1800" kern="1200">
+                          <a:solidFill>
+                            <a:schemeClr val="tx1"/>
+                          </a:solidFill>
+                          <a:latin typeface="Calibri" panose="020F0502020204030204"/>
+                        </a:defRPr>
+                      </a:lvl3pPr>
+                      <a:lvl4pPr marL="1371600" algn="l" defTabSz="914400" rtl="0" eaLnBrk="1" latinLnBrk="0" hangingPunct="1">
+                        <a:defRPr sz="1800" kern="1200">
+                          <a:solidFill>
+                            <a:schemeClr val="tx1"/>
+                          </a:solidFill>
+                          <a:latin typeface="Calibri" panose="020F0502020204030204"/>
+                        </a:defRPr>
+                      </a:lvl4pPr>
+                      <a:lvl5pPr marL="1828800" algn="l" defTabSz="914400" rtl="0" eaLnBrk="1" latinLnBrk="0" hangingPunct="1">
+                        <a:defRPr sz="1800" kern="1200">
+                          <a:solidFill>
+                            <a:schemeClr val="tx1"/>
+                          </a:solidFill>
+                          <a:latin typeface="Calibri" panose="020F0502020204030204"/>
+                        </a:defRPr>
+                      </a:lvl5pPr>
+                      <a:lvl6pPr marL="2286000" algn="l" defTabSz="914400" rtl="0" eaLnBrk="1" latinLnBrk="0" hangingPunct="1">
+                        <a:defRPr sz="1800" kern="1200">
+                          <a:solidFill>
+                            <a:schemeClr val="tx1"/>
+                          </a:solidFill>
+                          <a:latin typeface="Calibri" panose="020F0502020204030204"/>
+                        </a:defRPr>
+                      </a:lvl6pPr>
+                      <a:lvl7pPr marL="2743200" algn="l" defTabSz="914400" rtl="0" eaLnBrk="1" latinLnBrk="0" hangingPunct="1">
+                        <a:defRPr sz="1800" kern="1200">
+                          <a:solidFill>
+                            <a:schemeClr val="tx1"/>
+                          </a:solidFill>
+                          <a:latin typeface="Calibri" panose="020F0502020204030204"/>
+                        </a:defRPr>
+                      </a:lvl7pPr>
+                      <a:lvl8pPr marL="3200400" algn="l" defTabSz="914400" rtl="0" eaLnBrk="1" latinLnBrk="0" hangingPunct="1">
+                        <a:defRPr sz="1800" kern="1200">
+                          <a:solidFill>
+                            <a:schemeClr val="tx1"/>
+                          </a:solidFill>
+                          <a:latin typeface="Calibri" panose="020F0502020204030204"/>
+                        </a:defRPr>
+                      </a:lvl8pPr>
+                      <a:lvl9pPr marL="3657600" algn="l" defTabSz="914400" rtl="0" eaLnBrk="1" latinLnBrk="0" hangingPunct="1">
+                        <a:defRPr sz="1800" kern="1200">
+                          <a:solidFill>
+                            <a:schemeClr val="tx1"/>
+                          </a:solidFill>
+                          <a:latin typeface="Calibri" panose="020F0502020204030204"/>
+                        </a:defRPr>
+                      </a:lvl9pPr>
+                    </a:lstStyle>
+                    <a:p>
+                      <a:pPr algn="ctr" fontAlgn="ctr"/>
+                      <a:r>
+                        <a:rPr lang="es-MX" sz="1400" b="1" u="none" strike="noStrike">
+                          <a:effectLst/>
+                        </a:rPr>
+                        <a:t>LONGITUD</a:t>
+                      </a:r>
+                      <a:endParaRPr lang="es-MX" sz="1400" b="1" i="0" u="none" strike="noStrike">
+                        <a:solidFill>
+                          <a:srgbClr val="000000"/>
+                        </a:solidFill>
+                        <a:effectLst/>
+                        <a:latin typeface="Calibri" panose="020F0502020204030204" pitchFamily="34" charset="0"/>
+                      </a:endParaRPr>
+                    </a:p>
+                  </a:txBody>
+                  <a:tcPr marL="9525" marR="9525" marT="9525" marB="0" anchor="ctr">
+                    <a:lnL>
+                      <a:noFill/>
+                    </a:lnL>
+                    <a:lnR>
+                      <a:noFill/>
+                    </a:lnR>
+                    <a:lnT>
+                      <a:noFill/>
+                    </a:lnT>
+                    <a:lnB>
+                      <a:noFill/>
+                    </a:lnB>
+                    <a:lnTlToBr w="12700" cmpd="sng">
+                      <a:noFill/>
+                      <a:prstDash val="solid"/>
+                    </a:lnTlToBr>
+                    <a:lnBlToTr w="12700" cmpd="sng">
+                      <a:noFill/>
+                      <a:prstDash val="solid"/>
+                    </a:lnBlToTr>
+                    <a:noFill/>
+                  </a:tcPr>
+                </a:tc>
+                <a:tc>
+                  <a:txBody>
+                    <a:bodyPr/>
+                    <a:lstStyle>
+                      <a:lvl1pPr marL="0" algn="l" defTabSz="914400" rtl="0" eaLnBrk="1" latinLnBrk="0" hangingPunct="1">
+                        <a:defRPr sz="1800" kern="1200">
+                          <a:solidFill>
+                            <a:schemeClr val="tx1"/>
+                          </a:solidFill>
+                          <a:latin typeface="Calibri" panose="020F0502020204030204"/>
+                        </a:defRPr>
+                      </a:lvl1pPr>
+                      <a:lvl2pPr marL="457200" algn="l" defTabSz="914400" rtl="0" eaLnBrk="1" latinLnBrk="0" hangingPunct="1">
+                        <a:defRPr sz="1800" kern="1200">
+                          <a:solidFill>
+                            <a:schemeClr val="tx1"/>
+                          </a:solidFill>
+                          <a:latin typeface="Calibri" panose="020F0502020204030204"/>
+                        </a:defRPr>
+                      </a:lvl2pPr>
+                      <a:lvl3pPr marL="914400" algn="l" defTabSz="914400" rtl="0" eaLnBrk="1" latinLnBrk="0" hangingPunct="1">
+                        <a:defRPr sz="1800" kern="1200">
+                          <a:solidFill>
+                            <a:schemeClr val="tx1"/>
+                          </a:solidFill>
+                          <a:latin typeface="Calibri" panose="020F0502020204030204"/>
+                        </a:defRPr>
+                      </a:lvl3pPr>
+                      <a:lvl4pPr marL="1371600" algn="l" defTabSz="914400" rtl="0" eaLnBrk="1" latinLnBrk="0" hangingPunct="1">
+                        <a:defRPr sz="1800" kern="1200">
+                          <a:solidFill>
+                            <a:schemeClr val="tx1"/>
+                          </a:solidFill>
+                          <a:latin typeface="Calibri" panose="020F0502020204030204"/>
+                        </a:defRPr>
+                      </a:lvl4pPr>
+                      <a:lvl5pPr marL="1828800" algn="l" defTabSz="914400" rtl="0" eaLnBrk="1" latinLnBrk="0" hangingPunct="1">
+                        <a:defRPr sz="1800" kern="1200">
+                          <a:solidFill>
+                            <a:schemeClr val="tx1"/>
+                          </a:solidFill>
+                          <a:latin typeface="Calibri" panose="020F0502020204030204"/>
+                        </a:defRPr>
+                      </a:lvl5pPr>
+                      <a:lvl6pPr marL="2286000" algn="l" defTabSz="914400" rtl="0" eaLnBrk="1" latinLnBrk="0" hangingPunct="1">
+                        <a:defRPr sz="1800" kern="1200">
+                          <a:solidFill>
+                            <a:schemeClr val="tx1"/>
+                          </a:solidFill>
+                          <a:latin typeface="Calibri" panose="020F0502020204030204"/>
+                        </a:defRPr>
+                      </a:lvl6pPr>
+                      <a:lvl7pPr marL="2743200" algn="l" defTabSz="914400" rtl="0" eaLnBrk="1" latinLnBrk="0" hangingPunct="1">
+                        <a:defRPr sz="1800" kern="1200">
+                          <a:solidFill>
+                            <a:schemeClr val="tx1"/>
+                          </a:solidFill>
+                          <a:latin typeface="Calibri" panose="020F0502020204030204"/>
+                        </a:defRPr>
+                      </a:lvl7pPr>
+                      <a:lvl8pPr marL="3200400" algn="l" defTabSz="914400" rtl="0" eaLnBrk="1" latinLnBrk="0" hangingPunct="1">
+                        <a:defRPr sz="1800" kern="1200">
+                          <a:solidFill>
+                            <a:schemeClr val="tx1"/>
+                          </a:solidFill>
+                          <a:latin typeface="Calibri" panose="020F0502020204030204"/>
+                        </a:defRPr>
+                      </a:lvl8pPr>
+                      <a:lvl9pPr marL="3657600" algn="l" defTabSz="914400" rtl="0" eaLnBrk="1" latinLnBrk="0" hangingPunct="1">
+                        <a:defRPr sz="1800" kern="1200">
+                          <a:solidFill>
+                            <a:schemeClr val="tx1"/>
+                          </a:solidFill>
+                          <a:latin typeface="Calibri" panose="020F0502020204030204"/>
+                        </a:defRPr>
+                      </a:lvl9pPr>
+                    </a:lstStyle>
+                    <a:p>
+                      <a:pPr algn="ctr" fontAlgn="ctr"/>
+                      <a:r>
+                        <a:rPr lang="es-MX" sz="1400" b="1" u="none" strike="noStrike">
+                          <a:effectLst/>
+                        </a:rPr>
+                        <a:t>SRC</a:t>
+                      </a:r>
+                      <a:endParaRPr lang="es-MX" sz="1400" b="1" i="0" u="none" strike="noStrike">
+                        <a:solidFill>
+                          <a:srgbClr val="000000"/>
+                        </a:solidFill>
+                        <a:effectLst/>
+                        <a:latin typeface="Calibri" panose="020F0502020204030204" pitchFamily="34" charset="0"/>
+                      </a:endParaRPr>
+                    </a:p>
+                  </a:txBody>
+                  <a:tcPr marL="9525" marR="9525" marT="9525" marB="0" anchor="ctr">
+                    <a:lnL>
+                      <a:noFill/>
+                    </a:lnL>
+                    <a:lnR>
+                      <a:noFill/>
+                    </a:lnR>
+                    <a:lnT>
+                      <a:noFill/>
+                    </a:lnT>
+                    <a:lnB>
+                      <a:noFill/>
+                    </a:lnB>
+                    <a:lnTlToBr w="12700" cmpd="sng">
+                      <a:noFill/>
+                      <a:prstDash val="solid"/>
+                    </a:lnTlToBr>
+                    <a:lnBlToTr w="12700" cmpd="sng">
+                      <a:noFill/>
+                      <a:prstDash val="solid"/>
+                    </a:lnBlToTr>
+                    <a:noFill/>
+                  </a:tcPr>
+                </a:tc>
+                <a:tc>
+                  <a:txBody>
+                    <a:bodyPr/>
+                    <a:lstStyle>
+                      <a:lvl1pPr marL="0" algn="l" defTabSz="914400" rtl="0" eaLnBrk="1" latinLnBrk="0" hangingPunct="1">
+                        <a:defRPr sz="1800" kern="1200">
+                          <a:solidFill>
+                            <a:schemeClr val="tx1"/>
+                          </a:solidFill>
+                          <a:latin typeface="Calibri" panose="020F0502020204030204"/>
+                        </a:defRPr>
+                      </a:lvl1pPr>
+                      <a:lvl2pPr marL="457200" algn="l" defTabSz="914400" rtl="0" eaLnBrk="1" latinLnBrk="0" hangingPunct="1">
+                        <a:defRPr sz="1800" kern="1200">
+                          <a:solidFill>
+                            <a:schemeClr val="tx1"/>
+                          </a:solidFill>
+                          <a:latin typeface="Calibri" panose="020F0502020204030204"/>
+                        </a:defRPr>
+                      </a:lvl2pPr>
+                      <a:lvl3pPr marL="914400" algn="l" defTabSz="914400" rtl="0" eaLnBrk="1" latinLnBrk="0" hangingPunct="1">
+                        <a:defRPr sz="1800" kern="1200">
+                          <a:solidFill>
+                            <a:schemeClr val="tx1"/>
+                          </a:solidFill>
+                          <a:latin typeface="Calibri" panose="020F0502020204030204"/>
+                        </a:defRPr>
+                      </a:lvl3pPr>
+                      <a:lvl4pPr marL="1371600" algn="l" defTabSz="914400" rtl="0" eaLnBrk="1" latinLnBrk="0" hangingPunct="1">
+                        <a:defRPr sz="1800" kern="1200">
+                          <a:solidFill>
+                            <a:schemeClr val="tx1"/>
+                          </a:solidFill>
+                          <a:latin typeface="Calibri" panose="020F0502020204030204"/>
+                        </a:defRPr>
+                      </a:lvl4pPr>
+                      <a:lvl5pPr marL="1828800" algn="l" defTabSz="914400" rtl="0" eaLnBrk="1" latinLnBrk="0" hangingPunct="1">
+                        <a:defRPr sz="1800" kern="1200">
+                          <a:solidFill>
+                            <a:schemeClr val="tx1"/>
+                          </a:solidFill>
+                          <a:latin typeface="Calibri" panose="020F0502020204030204"/>
+                        </a:defRPr>
+                      </a:lvl5pPr>
+                      <a:lvl6pPr marL="2286000" algn="l" defTabSz="914400" rtl="0" eaLnBrk="1" latinLnBrk="0" hangingPunct="1">
+                        <a:defRPr sz="1800" kern="1200">
+                          <a:solidFill>
+                            <a:schemeClr val="tx1"/>
+                          </a:solidFill>
+                          <a:latin typeface="Calibri" panose="020F0502020204030204"/>
+                        </a:defRPr>
+                      </a:lvl6pPr>
+                      <a:lvl7pPr marL="2743200" algn="l" defTabSz="914400" rtl="0" eaLnBrk="1" latinLnBrk="0" hangingPunct="1">
+                        <a:defRPr sz="1800" kern="1200">
+                          <a:solidFill>
+                            <a:schemeClr val="tx1"/>
+                          </a:solidFill>
+                          <a:latin typeface="Calibri" panose="020F0502020204030204"/>
+                        </a:defRPr>
+                      </a:lvl7pPr>
+                      <a:lvl8pPr marL="3200400" algn="l" defTabSz="914400" rtl="0" eaLnBrk="1" latinLnBrk="0" hangingPunct="1">
+                        <a:defRPr sz="1800" kern="1200">
+                          <a:solidFill>
+                            <a:schemeClr val="tx1"/>
+                          </a:solidFill>
+                          <a:latin typeface="Calibri" panose="020F0502020204030204"/>
+                        </a:defRPr>
+                      </a:lvl8pPr>
+                      <a:lvl9pPr marL="3657600" algn="l" defTabSz="914400" rtl="0" eaLnBrk="1" latinLnBrk="0" hangingPunct="1">
+                        <a:defRPr sz="1800" kern="1200">
+                          <a:solidFill>
+                            <a:schemeClr val="tx1"/>
+                          </a:solidFill>
+                          <a:latin typeface="Calibri" panose="020F0502020204030204"/>
+                        </a:defRPr>
+                      </a:lvl9pPr>
+                    </a:lstStyle>
+                    <a:p>
+                      <a:pPr algn="ctr" fontAlgn="ctr"/>
+                      <a:r>
+                        <a:rPr lang="es-MX" sz="1400" b="1" u="none" strike="noStrike" dirty="0">
+                          <a:effectLst/>
+                        </a:rPr>
+                        <a:t>CMD</a:t>
+                      </a:r>
+                      <a:endParaRPr lang="es-MX" sz="1400" b="1" i="0" u="none" strike="noStrike" dirty="0">
+                        <a:solidFill>
+                          <a:srgbClr val="000000"/>
+                        </a:solidFill>
+                        <a:effectLst/>
+                        <a:latin typeface="Calibri" panose="020F0502020204030204" pitchFamily="34" charset="0"/>
+                      </a:endParaRPr>
+                    </a:p>
+                  </a:txBody>
+                  <a:tcPr marL="9525" marR="9525" marT="9525" marB="0" anchor="ctr">
+                    <a:lnL>
+                      <a:noFill/>
+                    </a:lnL>
+                    <a:lnR>
+                      <a:noFill/>
+                    </a:lnR>
+                    <a:lnT>
+                      <a:noFill/>
+                    </a:lnT>
+                    <a:lnB>
+                      <a:noFill/>
+                    </a:lnB>
+                    <a:lnTlToBr w="12700" cmpd="sng">
+                      <a:noFill/>
+                      <a:prstDash val="solid"/>
+                    </a:lnTlToBr>
+                    <a:lnBlToTr w="12700" cmpd="sng">
+                      <a:noFill/>
+                      <a:prstDash val="solid"/>
+                    </a:lnBlToTr>
+                    <a:noFill/>
+                  </a:tcPr>
+                </a:tc>
+                <a:tc>
+                  <a:txBody>
+                    <a:bodyPr/>
+                    <a:lstStyle>
+                      <a:lvl1pPr marL="0" algn="l" defTabSz="914400" rtl="0" eaLnBrk="1" latinLnBrk="0" hangingPunct="1">
+                        <a:defRPr sz="1800" kern="1200">
+                          <a:solidFill>
+                            <a:schemeClr val="tx1"/>
+                          </a:solidFill>
+                          <a:latin typeface="Calibri" panose="020F0502020204030204"/>
+                        </a:defRPr>
+                      </a:lvl1pPr>
+                      <a:lvl2pPr marL="457200" algn="l" defTabSz="914400" rtl="0" eaLnBrk="1" latinLnBrk="0" hangingPunct="1">
+                        <a:defRPr sz="1800" kern="1200">
+                          <a:solidFill>
+                            <a:schemeClr val="tx1"/>
+                          </a:solidFill>
+                          <a:latin typeface="Calibri" panose="020F0502020204030204"/>
+                        </a:defRPr>
+                      </a:lvl2pPr>
+                      <a:lvl3pPr marL="914400" algn="l" defTabSz="914400" rtl="0" eaLnBrk="1" latinLnBrk="0" hangingPunct="1">
+                        <a:defRPr sz="1800" kern="1200">
+                          <a:solidFill>
+                            <a:schemeClr val="tx1"/>
+                          </a:solidFill>
+                          <a:latin typeface="Calibri" panose="020F0502020204030204"/>
+                        </a:defRPr>
+                      </a:lvl3pPr>
+                      <a:lvl4pPr marL="1371600" algn="l" defTabSz="914400" rtl="0" eaLnBrk="1" latinLnBrk="0" hangingPunct="1">
+                        <a:defRPr sz="1800" kern="1200">
+                          <a:solidFill>
+                            <a:schemeClr val="tx1"/>
+                          </a:solidFill>
+                          <a:latin typeface="Calibri" panose="020F0502020204030204"/>
+                        </a:defRPr>
+                      </a:lvl4pPr>
+                      <a:lvl5pPr marL="1828800" algn="l" defTabSz="914400" rtl="0" eaLnBrk="1" latinLnBrk="0" hangingPunct="1">
+                        <a:defRPr sz="1800" kern="1200">
+                          <a:solidFill>
+                            <a:schemeClr val="tx1"/>
+                          </a:solidFill>
+                          <a:latin typeface="Calibri" panose="020F0502020204030204"/>
+                        </a:defRPr>
+                      </a:lvl5pPr>
+                      <a:lvl6pPr marL="2286000" algn="l" defTabSz="914400" rtl="0" eaLnBrk="1" latinLnBrk="0" hangingPunct="1">
+                        <a:defRPr sz="1800" kern="1200">
+                          <a:solidFill>
+                            <a:schemeClr val="tx1"/>
+                          </a:solidFill>
+                          <a:latin typeface="Calibri" panose="020F0502020204030204"/>
+                        </a:defRPr>
+                      </a:lvl6pPr>
+                      <a:lvl7pPr marL="2743200" algn="l" defTabSz="914400" rtl="0" eaLnBrk="1" latinLnBrk="0" hangingPunct="1">
+                        <a:defRPr sz="1800" kern="1200">
+                          <a:solidFill>
+                            <a:schemeClr val="tx1"/>
+                          </a:solidFill>
+                          <a:latin typeface="Calibri" panose="020F0502020204030204"/>
+                        </a:defRPr>
+                      </a:lvl7pPr>
+                      <a:lvl8pPr marL="3200400" algn="l" defTabSz="914400" rtl="0" eaLnBrk="1" latinLnBrk="0" hangingPunct="1">
+                        <a:defRPr sz="1800" kern="1200">
+                          <a:solidFill>
+                            <a:schemeClr val="tx1"/>
+                          </a:solidFill>
+                          <a:latin typeface="Calibri" panose="020F0502020204030204"/>
+                        </a:defRPr>
+                      </a:lvl8pPr>
+                      <a:lvl9pPr marL="3657600" algn="l" defTabSz="914400" rtl="0" eaLnBrk="1" latinLnBrk="0" hangingPunct="1">
+                        <a:defRPr sz="1800" kern="1200">
+                          <a:solidFill>
+                            <a:schemeClr val="tx1"/>
+                          </a:solidFill>
+                          <a:latin typeface="Calibri" panose="020F0502020204030204"/>
+                        </a:defRPr>
+                      </a:lvl9pPr>
+                    </a:lstStyle>
+                    <a:p>
+                      <a:pPr algn="ctr" fontAlgn="ctr"/>
+                      <a:r>
+                        <a:rPr lang="es-MX" sz="1400" b="1" u="none" strike="noStrike" dirty="0">
+                          <a:effectLst/>
+                        </a:rPr>
+                        <a:t>ERD</a:t>
+                      </a:r>
+                      <a:endParaRPr lang="es-MX" sz="1400" b="1" i="0" u="none" strike="noStrike" dirty="0">
+                        <a:solidFill>
+                          <a:srgbClr val="000000"/>
+                        </a:solidFill>
+                        <a:effectLst/>
+                        <a:latin typeface="Calibri" panose="020F0502020204030204" pitchFamily="34" charset="0"/>
+                      </a:endParaRPr>
+                    </a:p>
+                  </a:txBody>
+                  <a:tcPr marL="9525" marR="9525" marT="9525" marB="0" anchor="ctr">
+                    <a:lnL>
+                      <a:noFill/>
+                    </a:lnL>
+                    <a:lnR>
+                      <a:noFill/>
+                    </a:lnR>
+                    <a:lnT>
+                      <a:noFill/>
+                    </a:lnT>
+                    <a:lnB>
+                      <a:noFill/>
+                    </a:lnB>
+                    <a:lnTlToBr w="12700" cmpd="sng">
+                      <a:noFill/>
+                      <a:prstDash val="solid"/>
+                    </a:lnTlToBr>
+                    <a:lnBlToTr w="12700" cmpd="sng">
+                      <a:noFill/>
+                      <a:prstDash val="solid"/>
+                    </a:lnBlToTr>
+                    <a:noFill/>
+                  </a:tcPr>
+                </a:tc>
+                <a:tc>
+                  <a:txBody>
+                    <a:bodyPr/>
+                    <a:lstStyle>
+                      <a:lvl1pPr marL="0" algn="l" defTabSz="914400" rtl="0" eaLnBrk="1" latinLnBrk="0" hangingPunct="1">
+                        <a:defRPr sz="1800" kern="1200">
+                          <a:solidFill>
+                            <a:schemeClr val="tx1"/>
+                          </a:solidFill>
+                          <a:latin typeface="Calibri" panose="020F0502020204030204"/>
+                        </a:defRPr>
+                      </a:lvl1pPr>
+                      <a:lvl2pPr marL="457200" algn="l" defTabSz="914400" rtl="0" eaLnBrk="1" latinLnBrk="0" hangingPunct="1">
+                        <a:defRPr sz="1800" kern="1200">
+                          <a:solidFill>
+                            <a:schemeClr val="tx1"/>
+                          </a:solidFill>
+                          <a:latin typeface="Calibri" panose="020F0502020204030204"/>
+                        </a:defRPr>
+                      </a:lvl2pPr>
+                      <a:lvl3pPr marL="914400" algn="l" defTabSz="914400" rtl="0" eaLnBrk="1" latinLnBrk="0" hangingPunct="1">
+                        <a:defRPr sz="1800" kern="1200">
+                          <a:solidFill>
+                            <a:schemeClr val="tx1"/>
+                          </a:solidFill>
+                          <a:latin typeface="Calibri" panose="020F0502020204030204"/>
+                        </a:defRPr>
+                      </a:lvl3pPr>
+                      <a:lvl4pPr marL="1371600" algn="l" defTabSz="914400" rtl="0" eaLnBrk="1" latinLnBrk="0" hangingPunct="1">
+                        <a:defRPr sz="1800" kern="1200">
+                          <a:solidFill>
+                            <a:schemeClr val="tx1"/>
+                          </a:solidFill>
+                          <a:latin typeface="Calibri" panose="020F0502020204030204"/>
+                        </a:defRPr>
+                      </a:lvl4pPr>
+                      <a:lvl5pPr marL="1828800" algn="l" defTabSz="914400" rtl="0" eaLnBrk="1" latinLnBrk="0" hangingPunct="1">
+                        <a:defRPr sz="1800" kern="1200">
+                          <a:solidFill>
+                            <a:schemeClr val="tx1"/>
+                          </a:solidFill>
+                          <a:latin typeface="Calibri" panose="020F0502020204030204"/>
+                        </a:defRPr>
+                      </a:lvl5pPr>
+                      <a:lvl6pPr marL="2286000" algn="l" defTabSz="914400" rtl="0" eaLnBrk="1" latinLnBrk="0" hangingPunct="1">
+                        <a:defRPr sz="1800" kern="1200">
+                          <a:solidFill>
+                            <a:schemeClr val="tx1"/>
+                          </a:solidFill>
+                          <a:latin typeface="Calibri" panose="020F0502020204030204"/>
+                        </a:defRPr>
+                      </a:lvl6pPr>
+                      <a:lvl7pPr marL="2743200" algn="l" defTabSz="914400" rtl="0" eaLnBrk="1" latinLnBrk="0" hangingPunct="1">
+                        <a:defRPr sz="1800" kern="1200">
+                          <a:solidFill>
+                            <a:schemeClr val="tx1"/>
+                          </a:solidFill>
+                          <a:latin typeface="Calibri" panose="020F0502020204030204"/>
+                        </a:defRPr>
+                      </a:lvl7pPr>
+                      <a:lvl8pPr marL="3200400" algn="l" defTabSz="914400" rtl="0" eaLnBrk="1" latinLnBrk="0" hangingPunct="1">
+                        <a:defRPr sz="1800" kern="1200">
+                          <a:solidFill>
+                            <a:schemeClr val="tx1"/>
+                          </a:solidFill>
+                          <a:latin typeface="Calibri" panose="020F0502020204030204"/>
+                        </a:defRPr>
+                      </a:lvl8pPr>
+                      <a:lvl9pPr marL="3657600" algn="l" defTabSz="914400" rtl="0" eaLnBrk="1" latinLnBrk="0" hangingPunct="1">
+                        <a:defRPr sz="1800" kern="1200">
+                          <a:solidFill>
+                            <a:schemeClr val="tx1"/>
+                          </a:solidFill>
+                          <a:latin typeface="Calibri" panose="020F0502020204030204"/>
+                        </a:defRPr>
+                      </a:lvl9pPr>
+                    </a:lstStyle>
+                    <a:p>
+                      <a:pPr algn="ctr" fontAlgn="ctr"/>
+                      <a:r>
+                        <a:rPr lang="es-MX" sz="1400" b="1" u="none" strike="noStrike" dirty="0">
+                          <a:effectLst/>
+                        </a:rPr>
+                        <a:t>ERD DATA SIZE</a:t>
+                      </a:r>
+                      <a:endParaRPr lang="es-MX" sz="1400" b="1" i="0" u="none" strike="noStrike" dirty="0">
+                        <a:solidFill>
+                          <a:srgbClr val="000000"/>
+                        </a:solidFill>
+                        <a:effectLst/>
+                        <a:latin typeface="Calibri" panose="020F0502020204030204" pitchFamily="34" charset="0"/>
+                      </a:endParaRPr>
+                    </a:p>
+                  </a:txBody>
+                  <a:tcPr marL="9525" marR="9525" marT="9525" marB="0" anchor="ctr">
+                    <a:lnL>
+                      <a:noFill/>
+                    </a:lnL>
+                    <a:lnR>
+                      <a:noFill/>
+                    </a:lnR>
+                    <a:lnT>
+                      <a:noFill/>
+                    </a:lnT>
+                    <a:lnB>
+                      <a:noFill/>
+                    </a:lnB>
+                    <a:lnTlToBr w="12700" cmpd="sng">
+                      <a:noFill/>
+                      <a:prstDash val="solid"/>
+                    </a:lnTlToBr>
+                    <a:lnBlToTr w="12700" cmpd="sng">
+                      <a:noFill/>
+                      <a:prstDash val="solid"/>
+                    </a:lnBlToTr>
+                    <a:noFill/>
+                  </a:tcPr>
+                </a:tc>
+                <a:tc>
+                  <a:txBody>
+                    <a:bodyPr/>
+                    <a:lstStyle>
+                      <a:lvl1pPr marL="0" algn="l" defTabSz="914400" rtl="0" eaLnBrk="1" latinLnBrk="0" hangingPunct="1">
+                        <a:defRPr sz="1800" kern="1200">
+                          <a:solidFill>
+                            <a:schemeClr val="tx1"/>
+                          </a:solidFill>
+                          <a:latin typeface="Calibri" panose="020F0502020204030204"/>
+                        </a:defRPr>
+                      </a:lvl1pPr>
+                      <a:lvl2pPr marL="457200" algn="l" defTabSz="914400" rtl="0" eaLnBrk="1" latinLnBrk="0" hangingPunct="1">
+                        <a:defRPr sz="1800" kern="1200">
+                          <a:solidFill>
+                            <a:schemeClr val="tx1"/>
+                          </a:solidFill>
+                          <a:latin typeface="Calibri" panose="020F0502020204030204"/>
+                        </a:defRPr>
+                      </a:lvl2pPr>
+                      <a:lvl3pPr marL="914400" algn="l" defTabSz="914400" rtl="0" eaLnBrk="1" latinLnBrk="0" hangingPunct="1">
+                        <a:defRPr sz="1800" kern="1200">
+                          <a:solidFill>
+                            <a:schemeClr val="tx1"/>
+                          </a:solidFill>
+                          <a:latin typeface="Calibri" panose="020F0502020204030204"/>
+                        </a:defRPr>
+                      </a:lvl3pPr>
+                      <a:lvl4pPr marL="1371600" algn="l" defTabSz="914400" rtl="0" eaLnBrk="1" latinLnBrk="0" hangingPunct="1">
+                        <a:defRPr sz="1800" kern="1200">
+                          <a:solidFill>
+                            <a:schemeClr val="tx1"/>
+                          </a:solidFill>
+                          <a:latin typeface="Calibri" panose="020F0502020204030204"/>
+                        </a:defRPr>
+                      </a:lvl4pPr>
+                      <a:lvl5pPr marL="1828800" algn="l" defTabSz="914400" rtl="0" eaLnBrk="1" latinLnBrk="0" hangingPunct="1">
+                        <a:defRPr sz="1800" kern="1200">
+                          <a:solidFill>
+                            <a:schemeClr val="tx1"/>
+                          </a:solidFill>
+                          <a:latin typeface="Calibri" panose="020F0502020204030204"/>
+                        </a:defRPr>
+                      </a:lvl5pPr>
+                      <a:lvl6pPr marL="2286000" algn="l" defTabSz="914400" rtl="0" eaLnBrk="1" latinLnBrk="0" hangingPunct="1">
+                        <a:defRPr sz="1800" kern="1200">
+                          <a:solidFill>
+                            <a:schemeClr val="tx1"/>
+                          </a:solidFill>
+                          <a:latin typeface="Calibri" panose="020F0502020204030204"/>
+                        </a:defRPr>
+                      </a:lvl6pPr>
+                      <a:lvl7pPr marL="2743200" algn="l" defTabSz="914400" rtl="0" eaLnBrk="1" latinLnBrk="0" hangingPunct="1">
+                        <a:defRPr sz="1800" kern="1200">
+                          <a:solidFill>
+                            <a:schemeClr val="tx1"/>
+                          </a:solidFill>
+                          <a:latin typeface="Calibri" panose="020F0502020204030204"/>
+                        </a:defRPr>
+                      </a:lvl7pPr>
+                      <a:lvl8pPr marL="3200400" algn="l" defTabSz="914400" rtl="0" eaLnBrk="1" latinLnBrk="0" hangingPunct="1">
+                        <a:defRPr sz="1800" kern="1200">
+                          <a:solidFill>
+                            <a:schemeClr val="tx1"/>
+                          </a:solidFill>
+                          <a:latin typeface="Calibri" panose="020F0502020204030204"/>
+                        </a:defRPr>
+                      </a:lvl8pPr>
+                      <a:lvl9pPr marL="3657600" algn="l" defTabSz="914400" rtl="0" eaLnBrk="1" latinLnBrk="0" hangingPunct="1">
+                        <a:defRPr sz="1800" kern="1200">
+                          <a:solidFill>
+                            <a:schemeClr val="tx1"/>
+                          </a:solidFill>
+                          <a:latin typeface="Calibri" panose="020F0502020204030204"/>
+                        </a:defRPr>
+                      </a:lvl9pPr>
+                    </a:lstStyle>
+                    <a:p>
+                      <a:pPr algn="ctr" fontAlgn="ctr"/>
+                      <a:r>
+                        <a:rPr lang="es-MX" sz="1400" b="1" u="none" strike="noStrike" dirty="0">
+                          <a:effectLst/>
+                        </a:rPr>
+                        <a:t>DATO</a:t>
+                      </a:r>
+                      <a:endParaRPr lang="es-MX" sz="1400" b="1" i="0" u="none" strike="noStrike" dirty="0">
+                        <a:solidFill>
+                          <a:srgbClr val="000000"/>
+                        </a:solidFill>
+                        <a:effectLst/>
+                        <a:latin typeface="Calibri" panose="020F0502020204030204" pitchFamily="34" charset="0"/>
+                      </a:endParaRPr>
+                    </a:p>
+                  </a:txBody>
+                  <a:tcPr marL="9525" marR="9525" marT="9525" marB="0" anchor="ctr">
+                    <a:lnL>
+                      <a:noFill/>
+                    </a:lnL>
+                    <a:lnR>
+                      <a:noFill/>
+                    </a:lnR>
+                    <a:lnT>
+                      <a:noFill/>
+                    </a:lnT>
+                    <a:lnB>
+                      <a:noFill/>
+                    </a:lnB>
+                    <a:lnTlToBr w="12700" cmpd="sng">
+                      <a:noFill/>
+                      <a:prstDash val="solid"/>
+                    </a:lnTlToBr>
+                    <a:lnBlToTr w="12700" cmpd="sng">
+                      <a:noFill/>
+                      <a:prstDash val="solid"/>
+                    </a:lnBlToTr>
+                    <a:noFill/>
+                  </a:tcPr>
+                </a:tc>
+                <a:tc>
+                  <a:txBody>
+                    <a:bodyPr/>
+                    <a:lstStyle>
+                      <a:lvl1pPr marL="0" algn="l" defTabSz="914400" rtl="0" eaLnBrk="1" latinLnBrk="0" hangingPunct="1">
+                        <a:defRPr sz="1800" kern="1200">
+                          <a:solidFill>
+                            <a:schemeClr val="tx1"/>
+                          </a:solidFill>
+                          <a:latin typeface="Calibri" panose="020F0502020204030204"/>
+                        </a:defRPr>
+                      </a:lvl1pPr>
+                      <a:lvl2pPr marL="457200" algn="l" defTabSz="914400" rtl="0" eaLnBrk="1" latinLnBrk="0" hangingPunct="1">
+                        <a:defRPr sz="1800" kern="1200">
+                          <a:solidFill>
+                            <a:schemeClr val="tx1"/>
+                          </a:solidFill>
+                          <a:latin typeface="Calibri" panose="020F0502020204030204"/>
+                        </a:defRPr>
+                      </a:lvl2pPr>
+                      <a:lvl3pPr marL="914400" algn="l" defTabSz="914400" rtl="0" eaLnBrk="1" latinLnBrk="0" hangingPunct="1">
+                        <a:defRPr sz="1800" kern="1200">
+                          <a:solidFill>
+                            <a:schemeClr val="tx1"/>
+                          </a:solidFill>
+                          <a:latin typeface="Calibri" panose="020F0502020204030204"/>
+                        </a:defRPr>
+                      </a:lvl3pPr>
+                      <a:lvl4pPr marL="1371600" algn="l" defTabSz="914400" rtl="0" eaLnBrk="1" latinLnBrk="0" hangingPunct="1">
+                        <a:defRPr sz="1800" kern="1200">
+                          <a:solidFill>
+                            <a:schemeClr val="tx1"/>
+                          </a:solidFill>
+                          <a:latin typeface="Calibri" panose="020F0502020204030204"/>
+                        </a:defRPr>
+                      </a:lvl4pPr>
+                      <a:lvl5pPr marL="1828800" algn="l" defTabSz="914400" rtl="0" eaLnBrk="1" latinLnBrk="0" hangingPunct="1">
+                        <a:defRPr sz="1800" kern="1200">
+                          <a:solidFill>
+                            <a:schemeClr val="tx1"/>
+                          </a:solidFill>
+                          <a:latin typeface="Calibri" panose="020F0502020204030204"/>
+                        </a:defRPr>
+                      </a:lvl5pPr>
+                      <a:lvl6pPr marL="2286000" algn="l" defTabSz="914400" rtl="0" eaLnBrk="1" latinLnBrk="0" hangingPunct="1">
+                        <a:defRPr sz="1800" kern="1200">
+                          <a:solidFill>
+                            <a:schemeClr val="tx1"/>
+                          </a:solidFill>
+                          <a:latin typeface="Calibri" panose="020F0502020204030204"/>
+                        </a:defRPr>
+                      </a:lvl6pPr>
+                      <a:lvl7pPr marL="2743200" algn="l" defTabSz="914400" rtl="0" eaLnBrk="1" latinLnBrk="0" hangingPunct="1">
+                        <a:defRPr sz="1800" kern="1200">
+                          <a:solidFill>
+                            <a:schemeClr val="tx1"/>
+                          </a:solidFill>
+                          <a:latin typeface="Calibri" panose="020F0502020204030204"/>
+                        </a:defRPr>
+                      </a:lvl7pPr>
+                      <a:lvl8pPr marL="3200400" algn="l" defTabSz="914400" rtl="0" eaLnBrk="1" latinLnBrk="0" hangingPunct="1">
+                        <a:defRPr sz="1800" kern="1200">
+                          <a:solidFill>
+                            <a:schemeClr val="tx1"/>
+                          </a:solidFill>
+                          <a:latin typeface="Calibri" panose="020F0502020204030204"/>
+                        </a:defRPr>
+                      </a:lvl8pPr>
+                      <a:lvl9pPr marL="3657600" algn="l" defTabSz="914400" rtl="0" eaLnBrk="1" latinLnBrk="0" hangingPunct="1">
+                        <a:defRPr sz="1800" kern="1200">
+                          <a:solidFill>
+                            <a:schemeClr val="tx1"/>
+                          </a:solidFill>
+                          <a:latin typeface="Calibri" panose="020F0502020204030204"/>
+                        </a:defRPr>
+                      </a:lvl9pPr>
+                    </a:lstStyle>
+                    <a:p>
+                      <a:pPr algn="ctr" fontAlgn="ctr"/>
+                      <a:r>
+                        <a:rPr lang="es-MX" sz="1400" b="1" u="none" strike="noStrike">
+                          <a:effectLst/>
+                        </a:rPr>
+                        <a:t>CRC</a:t>
+                      </a:r>
+                      <a:endParaRPr lang="es-MX" sz="1400" b="1" i="0" u="none" strike="noStrike">
+                        <a:solidFill>
+                          <a:srgbClr val="000000"/>
+                        </a:solidFill>
+                        <a:effectLst/>
+                        <a:latin typeface="Calibri" panose="020F0502020204030204" pitchFamily="34" charset="0"/>
+                      </a:endParaRPr>
+                    </a:p>
+                  </a:txBody>
+                  <a:tcPr marL="9525" marR="9525" marT="9525" marB="0" anchor="ctr">
+                    <a:lnL>
+                      <a:noFill/>
+                    </a:lnL>
+                    <a:lnR>
+                      <a:noFill/>
+                    </a:lnR>
+                    <a:lnT>
+                      <a:noFill/>
+                    </a:lnT>
+                    <a:lnB>
+                      <a:noFill/>
+                    </a:lnB>
+                    <a:lnTlToBr w="12700" cmpd="sng">
+                      <a:noFill/>
+                      <a:prstDash val="solid"/>
+                    </a:lnTlToBr>
+                    <a:lnBlToTr w="12700" cmpd="sng">
+                      <a:noFill/>
+                      <a:prstDash val="solid"/>
+                    </a:lnBlToTr>
+                    <a:noFill/>
+                  </a:tcPr>
+                </a:tc>
+                <a:tc>
+                  <a:txBody>
+                    <a:bodyPr/>
+                    <a:lstStyle>
+                      <a:lvl1pPr marL="0" algn="l" defTabSz="914400" rtl="0" eaLnBrk="1" latinLnBrk="0" hangingPunct="1">
+                        <a:defRPr sz="1800" kern="1200">
+                          <a:solidFill>
+                            <a:schemeClr val="tx1"/>
+                          </a:solidFill>
+                          <a:latin typeface="Calibri" panose="020F0502020204030204"/>
+                        </a:defRPr>
+                      </a:lvl1pPr>
+                      <a:lvl2pPr marL="457200" algn="l" defTabSz="914400" rtl="0" eaLnBrk="1" latinLnBrk="0" hangingPunct="1">
+                        <a:defRPr sz="1800" kern="1200">
+                          <a:solidFill>
+                            <a:schemeClr val="tx1"/>
+                          </a:solidFill>
+                          <a:latin typeface="Calibri" panose="020F0502020204030204"/>
+                        </a:defRPr>
+                      </a:lvl2pPr>
+                      <a:lvl3pPr marL="914400" algn="l" defTabSz="914400" rtl="0" eaLnBrk="1" latinLnBrk="0" hangingPunct="1">
+                        <a:defRPr sz="1800" kern="1200">
+                          <a:solidFill>
+                            <a:schemeClr val="tx1"/>
+                          </a:solidFill>
+                          <a:latin typeface="Calibri" panose="020F0502020204030204"/>
+                        </a:defRPr>
+                      </a:lvl3pPr>
+                      <a:lvl4pPr marL="1371600" algn="l" defTabSz="914400" rtl="0" eaLnBrk="1" latinLnBrk="0" hangingPunct="1">
+                        <a:defRPr sz="1800" kern="1200">
+                          <a:solidFill>
+                            <a:schemeClr val="tx1"/>
+                          </a:solidFill>
+                          <a:latin typeface="Calibri" panose="020F0502020204030204"/>
+                        </a:defRPr>
+                      </a:lvl4pPr>
+                      <a:lvl5pPr marL="1828800" algn="l" defTabSz="914400" rtl="0" eaLnBrk="1" latinLnBrk="0" hangingPunct="1">
+                        <a:defRPr sz="1800" kern="1200">
+                          <a:solidFill>
+                            <a:schemeClr val="tx1"/>
+                          </a:solidFill>
+                          <a:latin typeface="Calibri" panose="020F0502020204030204"/>
+                        </a:defRPr>
+                      </a:lvl5pPr>
+                      <a:lvl6pPr marL="2286000" algn="l" defTabSz="914400" rtl="0" eaLnBrk="1" latinLnBrk="0" hangingPunct="1">
+                        <a:defRPr sz="1800" kern="1200">
+                          <a:solidFill>
+                            <a:schemeClr val="tx1"/>
+                          </a:solidFill>
+                          <a:latin typeface="Calibri" panose="020F0502020204030204"/>
+                        </a:defRPr>
+                      </a:lvl6pPr>
+                      <a:lvl7pPr marL="2743200" algn="l" defTabSz="914400" rtl="0" eaLnBrk="1" latinLnBrk="0" hangingPunct="1">
+                        <a:defRPr sz="1800" kern="1200">
+                          <a:solidFill>
+                            <a:schemeClr val="tx1"/>
+                          </a:solidFill>
+                          <a:latin typeface="Calibri" panose="020F0502020204030204"/>
+                        </a:defRPr>
+                      </a:lvl7pPr>
+                      <a:lvl8pPr marL="3200400" algn="l" defTabSz="914400" rtl="0" eaLnBrk="1" latinLnBrk="0" hangingPunct="1">
+                        <a:defRPr sz="1800" kern="1200">
+                          <a:solidFill>
+                            <a:schemeClr val="tx1"/>
+                          </a:solidFill>
+                          <a:latin typeface="Calibri" panose="020F0502020204030204"/>
+                        </a:defRPr>
+                      </a:lvl8pPr>
+                      <a:lvl9pPr marL="3657600" algn="l" defTabSz="914400" rtl="0" eaLnBrk="1" latinLnBrk="0" hangingPunct="1">
+                        <a:defRPr sz="1800" kern="1200">
+                          <a:solidFill>
+                            <a:schemeClr val="tx1"/>
+                          </a:solidFill>
+                          <a:latin typeface="Calibri" panose="020F0502020204030204"/>
+                        </a:defRPr>
+                      </a:lvl9pPr>
+                    </a:lstStyle>
+                    <a:p>
+                      <a:pPr algn="ctr" fontAlgn="ctr"/>
+                      <a:r>
+                        <a:rPr lang="es-MX" sz="1400" b="1" u="none" strike="noStrike">
+                          <a:effectLst/>
+                        </a:rPr>
+                        <a:t>BIT STOP</a:t>
+                      </a:r>
+                      <a:endParaRPr lang="es-MX" sz="1400" b="1" i="0" u="none" strike="noStrike">
+                        <a:solidFill>
+                          <a:srgbClr val="000000"/>
+                        </a:solidFill>
+                        <a:effectLst/>
+                        <a:latin typeface="Calibri" panose="020F0502020204030204" pitchFamily="34" charset="0"/>
+                      </a:endParaRPr>
+                    </a:p>
+                  </a:txBody>
+                  <a:tcPr marL="9525" marR="9525" marT="9525" marB="0" anchor="ctr">
+                    <a:lnL>
+                      <a:noFill/>
+                    </a:lnL>
+                    <a:lnR>
+                      <a:noFill/>
+                    </a:lnR>
+                    <a:lnT>
+                      <a:noFill/>
+                    </a:lnT>
+                    <a:lnB>
+                      <a:noFill/>
+                    </a:lnB>
+                    <a:lnTlToBr w="12700" cmpd="sng">
+                      <a:noFill/>
+                      <a:prstDash val="solid"/>
+                    </a:lnTlToBr>
+                    <a:lnBlToTr w="12700" cmpd="sng">
+                      <a:noFill/>
+                      <a:prstDash val="solid"/>
+                    </a:lnBlToTr>
+                    <a:noFill/>
+                  </a:tcPr>
+                </a:tc>
+                <a:extLst>
+                  <a:ext uri="{0D108BD9-81ED-4DB2-BD59-A6C34878D82A}">
+                    <a16:rowId xmlns:a16="http://schemas.microsoft.com/office/drawing/2014/main" val="221564681"/>
+                  </a:ext>
+                </a:extLst>
+              </a:tr>
+              <a:tr h="190500">
+                <a:tc>
+                  <a:txBody>
+                    <a:bodyPr/>
+                    <a:lstStyle>
+                      <a:lvl1pPr marL="0" algn="l" defTabSz="914400" rtl="0" eaLnBrk="1" latinLnBrk="0" hangingPunct="1">
+                        <a:defRPr sz="1800" kern="1200">
+                          <a:solidFill>
+                            <a:schemeClr val="tx1"/>
+                          </a:solidFill>
+                          <a:latin typeface="Calibri" panose="020F0502020204030204"/>
+                        </a:defRPr>
+                      </a:lvl1pPr>
+                      <a:lvl2pPr marL="457200" algn="l" defTabSz="914400" rtl="0" eaLnBrk="1" latinLnBrk="0" hangingPunct="1">
+                        <a:defRPr sz="1800" kern="1200">
+                          <a:solidFill>
+                            <a:schemeClr val="tx1"/>
+                          </a:solidFill>
+                          <a:latin typeface="Calibri" panose="020F0502020204030204"/>
+                        </a:defRPr>
+                      </a:lvl2pPr>
+                      <a:lvl3pPr marL="914400" algn="l" defTabSz="914400" rtl="0" eaLnBrk="1" latinLnBrk="0" hangingPunct="1">
+                        <a:defRPr sz="1800" kern="1200">
+                          <a:solidFill>
+                            <a:schemeClr val="tx1"/>
+                          </a:solidFill>
+                          <a:latin typeface="Calibri" panose="020F0502020204030204"/>
+                        </a:defRPr>
+                      </a:lvl3pPr>
+                      <a:lvl4pPr marL="1371600" algn="l" defTabSz="914400" rtl="0" eaLnBrk="1" latinLnBrk="0" hangingPunct="1">
+                        <a:defRPr sz="1800" kern="1200">
+                          <a:solidFill>
+                            <a:schemeClr val="tx1"/>
+                          </a:solidFill>
+                          <a:latin typeface="Calibri" panose="020F0502020204030204"/>
+                        </a:defRPr>
+                      </a:lvl4pPr>
+                      <a:lvl5pPr marL="1828800" algn="l" defTabSz="914400" rtl="0" eaLnBrk="1" latinLnBrk="0" hangingPunct="1">
+                        <a:defRPr sz="1800" kern="1200">
+                          <a:solidFill>
+                            <a:schemeClr val="tx1"/>
+                          </a:solidFill>
+                          <a:latin typeface="Calibri" panose="020F0502020204030204"/>
+                        </a:defRPr>
+                      </a:lvl5pPr>
+                      <a:lvl6pPr marL="2286000" algn="l" defTabSz="914400" rtl="0" eaLnBrk="1" latinLnBrk="0" hangingPunct="1">
+                        <a:defRPr sz="1800" kern="1200">
+                          <a:solidFill>
+                            <a:schemeClr val="tx1"/>
+                          </a:solidFill>
+                          <a:latin typeface="Calibri" panose="020F0502020204030204"/>
+                        </a:defRPr>
+                      </a:lvl6pPr>
+                      <a:lvl7pPr marL="2743200" algn="l" defTabSz="914400" rtl="0" eaLnBrk="1" latinLnBrk="0" hangingPunct="1">
+                        <a:defRPr sz="1800" kern="1200">
+                          <a:solidFill>
+                            <a:schemeClr val="tx1"/>
+                          </a:solidFill>
+                          <a:latin typeface="Calibri" panose="020F0502020204030204"/>
+                        </a:defRPr>
+                      </a:lvl7pPr>
+                      <a:lvl8pPr marL="3200400" algn="l" defTabSz="914400" rtl="0" eaLnBrk="1" latinLnBrk="0" hangingPunct="1">
+                        <a:defRPr sz="1800" kern="1200">
+                          <a:solidFill>
+                            <a:schemeClr val="tx1"/>
+                          </a:solidFill>
+                          <a:latin typeface="Calibri" panose="020F0502020204030204"/>
+                        </a:defRPr>
+                      </a:lvl8pPr>
+                      <a:lvl9pPr marL="3657600" algn="l" defTabSz="914400" rtl="0" eaLnBrk="1" latinLnBrk="0" hangingPunct="1">
+                        <a:defRPr sz="1800" kern="1200">
+                          <a:solidFill>
+                            <a:schemeClr val="tx1"/>
+                          </a:solidFill>
+                          <a:latin typeface="Calibri" panose="020F0502020204030204"/>
+                        </a:defRPr>
+                      </a:lvl9pPr>
+                    </a:lstStyle>
+                    <a:p>
+                      <a:pPr algn="ctr" fontAlgn="ctr"/>
+                      <a:r>
+                        <a:rPr lang="es-MX" sz="1400" b="1" u="none" strike="noStrike">
+                          <a:effectLst/>
+                        </a:rPr>
+                        <a:t>E2</a:t>
+                      </a:r>
+                      <a:endParaRPr lang="es-MX" sz="1400" b="1" i="0" u="none" strike="noStrike">
+                        <a:solidFill>
+                          <a:srgbClr val="000000"/>
+                        </a:solidFill>
+                        <a:effectLst/>
+                        <a:latin typeface="Calibri" panose="020F0502020204030204" pitchFamily="34" charset="0"/>
+                      </a:endParaRPr>
+                    </a:p>
+                  </a:txBody>
+                  <a:tcPr marL="9525" marR="9525" marT="9525" marB="0" anchor="ctr">
+                    <a:lnL>
+                      <a:noFill/>
+                    </a:lnL>
+                    <a:lnR>
+                      <a:noFill/>
+                    </a:lnR>
+                    <a:lnT>
+                      <a:noFill/>
+                    </a:lnT>
+                    <a:lnB w="12700" cmpd="sng">
+                      <a:solidFill>
+                        <a:srgbClr val="4472C4"/>
+                      </a:solidFill>
+                    </a:lnB>
+                    <a:lnTlToBr w="12700" cmpd="sng">
+                      <a:noFill/>
+                      <a:prstDash val="solid"/>
+                    </a:lnTlToBr>
+                    <a:lnBlToTr w="12700" cmpd="sng">
+                      <a:noFill/>
+                      <a:prstDash val="solid"/>
+                    </a:lnBlToTr>
+                    <a:noFill/>
+                  </a:tcPr>
+                </a:tc>
+                <a:tc>
+                  <a:txBody>
+                    <a:bodyPr/>
+                    <a:lstStyle>
+                      <a:lvl1pPr marL="0" algn="l" defTabSz="914400" rtl="0" eaLnBrk="1" latinLnBrk="0" hangingPunct="1">
+                        <a:defRPr sz="1800" kern="1200">
+                          <a:solidFill>
+                            <a:schemeClr val="tx1"/>
+                          </a:solidFill>
+                          <a:latin typeface="Calibri" panose="020F0502020204030204"/>
+                        </a:defRPr>
+                      </a:lvl1pPr>
+                      <a:lvl2pPr marL="457200" algn="l" defTabSz="914400" rtl="0" eaLnBrk="1" latinLnBrk="0" hangingPunct="1">
+                        <a:defRPr sz="1800" kern="1200">
+                          <a:solidFill>
+                            <a:schemeClr val="tx1"/>
+                          </a:solidFill>
+                          <a:latin typeface="Calibri" panose="020F0502020204030204"/>
+                        </a:defRPr>
+                      </a:lvl2pPr>
+                      <a:lvl3pPr marL="914400" algn="l" defTabSz="914400" rtl="0" eaLnBrk="1" latinLnBrk="0" hangingPunct="1">
+                        <a:defRPr sz="1800" kern="1200">
+                          <a:solidFill>
+                            <a:schemeClr val="tx1"/>
+                          </a:solidFill>
+                          <a:latin typeface="Calibri" panose="020F0502020204030204"/>
+                        </a:defRPr>
+                      </a:lvl3pPr>
+                      <a:lvl4pPr marL="1371600" algn="l" defTabSz="914400" rtl="0" eaLnBrk="1" latinLnBrk="0" hangingPunct="1">
+                        <a:defRPr sz="1800" kern="1200">
+                          <a:solidFill>
+                            <a:schemeClr val="tx1"/>
+                          </a:solidFill>
+                          <a:latin typeface="Calibri" panose="020F0502020204030204"/>
+                        </a:defRPr>
+                      </a:lvl4pPr>
+                      <a:lvl5pPr marL="1828800" algn="l" defTabSz="914400" rtl="0" eaLnBrk="1" latinLnBrk="0" hangingPunct="1">
+                        <a:defRPr sz="1800" kern="1200">
+                          <a:solidFill>
+                            <a:schemeClr val="tx1"/>
+                          </a:solidFill>
+                          <a:latin typeface="Calibri" panose="020F0502020204030204"/>
+                        </a:defRPr>
+                      </a:lvl5pPr>
+                      <a:lvl6pPr marL="2286000" algn="l" defTabSz="914400" rtl="0" eaLnBrk="1" latinLnBrk="0" hangingPunct="1">
+                        <a:defRPr sz="1800" kern="1200">
+                          <a:solidFill>
+                            <a:schemeClr val="tx1"/>
+                          </a:solidFill>
+                          <a:latin typeface="Calibri" panose="020F0502020204030204"/>
+                        </a:defRPr>
+                      </a:lvl6pPr>
+                      <a:lvl7pPr marL="2743200" algn="l" defTabSz="914400" rtl="0" eaLnBrk="1" latinLnBrk="0" hangingPunct="1">
+                        <a:defRPr sz="1800" kern="1200">
+                          <a:solidFill>
+                            <a:schemeClr val="tx1"/>
+                          </a:solidFill>
+                          <a:latin typeface="Calibri" panose="020F0502020204030204"/>
+                        </a:defRPr>
+                      </a:lvl7pPr>
+                      <a:lvl8pPr marL="3200400" algn="l" defTabSz="914400" rtl="0" eaLnBrk="1" latinLnBrk="0" hangingPunct="1">
+                        <a:defRPr sz="1800" kern="1200">
+                          <a:solidFill>
+                            <a:schemeClr val="tx1"/>
+                          </a:solidFill>
+                          <a:latin typeface="Calibri" panose="020F0502020204030204"/>
+                        </a:defRPr>
+                      </a:lvl8pPr>
+                      <a:lvl9pPr marL="3657600" algn="l" defTabSz="914400" rtl="0" eaLnBrk="1" latinLnBrk="0" hangingPunct="1">
+                        <a:defRPr sz="1800" kern="1200">
+                          <a:solidFill>
+                            <a:schemeClr val="tx1"/>
+                          </a:solidFill>
+                          <a:latin typeface="Calibri" panose="020F0502020204030204"/>
+                        </a:defRPr>
+                      </a:lvl9pPr>
+                    </a:lstStyle>
+                    <a:p>
+                      <a:pPr algn="ctr" fontAlgn="ctr"/>
+                      <a:r>
+                        <a:rPr lang="es-MX" sz="1400" b="1" u="none" strike="noStrike">
+                          <a:effectLst/>
+                        </a:rPr>
+                        <a:t>XX</a:t>
+                      </a:r>
+                      <a:endParaRPr lang="es-MX" sz="1400" b="1" i="0" u="none" strike="noStrike">
+                        <a:solidFill>
+                          <a:srgbClr val="000000"/>
+                        </a:solidFill>
+                        <a:effectLst/>
+                        <a:latin typeface="Calibri" panose="020F0502020204030204" pitchFamily="34" charset="0"/>
+                      </a:endParaRPr>
+                    </a:p>
+                  </a:txBody>
+                  <a:tcPr marL="9525" marR="9525" marT="9525" marB="0" anchor="ctr">
+                    <a:lnL>
+                      <a:noFill/>
+                    </a:lnL>
+                    <a:lnR>
+                      <a:noFill/>
+                    </a:lnR>
+                    <a:lnT>
+                      <a:noFill/>
+                    </a:lnT>
+                    <a:lnB w="12700" cmpd="sng">
+                      <a:solidFill>
+                        <a:srgbClr val="4472C4"/>
+                      </a:solidFill>
+                    </a:lnB>
+                    <a:lnTlToBr w="12700" cmpd="sng">
+                      <a:noFill/>
+                      <a:prstDash val="solid"/>
+                    </a:lnTlToBr>
+                    <a:lnBlToTr w="12700" cmpd="sng">
+                      <a:noFill/>
+                      <a:prstDash val="solid"/>
+                    </a:lnBlToTr>
+                    <a:noFill/>
+                  </a:tcPr>
+                </a:tc>
+                <a:tc>
+                  <a:txBody>
+                    <a:bodyPr/>
+                    <a:lstStyle>
+                      <a:lvl1pPr marL="0" algn="l" defTabSz="914400" rtl="0" eaLnBrk="1" latinLnBrk="0" hangingPunct="1">
+                        <a:defRPr sz="1800" kern="1200">
+                          <a:solidFill>
+                            <a:schemeClr val="tx1"/>
+                          </a:solidFill>
+                          <a:latin typeface="Calibri" panose="020F0502020204030204"/>
+                        </a:defRPr>
+                      </a:lvl1pPr>
+                      <a:lvl2pPr marL="457200" algn="l" defTabSz="914400" rtl="0" eaLnBrk="1" latinLnBrk="0" hangingPunct="1">
+                        <a:defRPr sz="1800" kern="1200">
+                          <a:solidFill>
+                            <a:schemeClr val="tx1"/>
+                          </a:solidFill>
+                          <a:latin typeface="Calibri" panose="020F0502020204030204"/>
+                        </a:defRPr>
+                      </a:lvl2pPr>
+                      <a:lvl3pPr marL="914400" algn="l" defTabSz="914400" rtl="0" eaLnBrk="1" latinLnBrk="0" hangingPunct="1">
+                        <a:defRPr sz="1800" kern="1200">
+                          <a:solidFill>
+                            <a:schemeClr val="tx1"/>
+                          </a:solidFill>
+                          <a:latin typeface="Calibri" panose="020F0502020204030204"/>
+                        </a:defRPr>
+                      </a:lvl3pPr>
+                      <a:lvl4pPr marL="1371600" algn="l" defTabSz="914400" rtl="0" eaLnBrk="1" latinLnBrk="0" hangingPunct="1">
+                        <a:defRPr sz="1800" kern="1200">
+                          <a:solidFill>
+                            <a:schemeClr val="tx1"/>
+                          </a:solidFill>
+                          <a:latin typeface="Calibri" panose="020F0502020204030204"/>
+                        </a:defRPr>
+                      </a:lvl4pPr>
+                      <a:lvl5pPr marL="1828800" algn="l" defTabSz="914400" rtl="0" eaLnBrk="1" latinLnBrk="0" hangingPunct="1">
+                        <a:defRPr sz="1800" kern="1200">
+                          <a:solidFill>
+                            <a:schemeClr val="tx1"/>
+                          </a:solidFill>
+                          <a:latin typeface="Calibri" panose="020F0502020204030204"/>
+                        </a:defRPr>
+                      </a:lvl5pPr>
+                      <a:lvl6pPr marL="2286000" algn="l" defTabSz="914400" rtl="0" eaLnBrk="1" latinLnBrk="0" hangingPunct="1">
+                        <a:defRPr sz="1800" kern="1200">
+                          <a:solidFill>
+                            <a:schemeClr val="tx1"/>
+                          </a:solidFill>
+                          <a:latin typeface="Calibri" panose="020F0502020204030204"/>
+                        </a:defRPr>
+                      </a:lvl6pPr>
+                      <a:lvl7pPr marL="2743200" algn="l" defTabSz="914400" rtl="0" eaLnBrk="1" latinLnBrk="0" hangingPunct="1">
+                        <a:defRPr sz="1800" kern="1200">
+                          <a:solidFill>
+                            <a:schemeClr val="tx1"/>
+                          </a:solidFill>
+                          <a:latin typeface="Calibri" panose="020F0502020204030204"/>
+                        </a:defRPr>
+                      </a:lvl7pPr>
+                      <a:lvl8pPr marL="3200400" algn="l" defTabSz="914400" rtl="0" eaLnBrk="1" latinLnBrk="0" hangingPunct="1">
+                        <a:defRPr sz="1800" kern="1200">
+                          <a:solidFill>
+                            <a:schemeClr val="tx1"/>
+                          </a:solidFill>
+                          <a:latin typeface="Calibri" panose="020F0502020204030204"/>
+                        </a:defRPr>
+                      </a:lvl8pPr>
+                      <a:lvl9pPr marL="3657600" algn="l" defTabSz="914400" rtl="0" eaLnBrk="1" latinLnBrk="0" hangingPunct="1">
+                        <a:defRPr sz="1800" kern="1200">
+                          <a:solidFill>
+                            <a:schemeClr val="tx1"/>
+                          </a:solidFill>
+                          <a:latin typeface="Calibri" panose="020F0502020204030204"/>
+                        </a:defRPr>
+                      </a:lvl9pPr>
+                    </a:lstStyle>
+                    <a:p>
+                      <a:pPr algn="ctr" fontAlgn="ctr"/>
+                      <a:r>
+                        <a:rPr lang="es-MX" sz="1400" b="1" u="none" strike="noStrike">
+                          <a:effectLst/>
+                        </a:rPr>
+                        <a:t>XX</a:t>
+                      </a:r>
+                      <a:endParaRPr lang="es-MX" sz="1400" b="1" i="0" u="none" strike="noStrike">
+                        <a:solidFill>
+                          <a:srgbClr val="000000"/>
+                        </a:solidFill>
+                        <a:effectLst/>
+                        <a:latin typeface="Calibri" panose="020F0502020204030204" pitchFamily="34" charset="0"/>
+                      </a:endParaRPr>
+                    </a:p>
+                  </a:txBody>
+                  <a:tcPr marL="9525" marR="9525" marT="9525" marB="0" anchor="ctr">
+                    <a:lnL>
+                      <a:noFill/>
+                    </a:lnL>
+                    <a:lnR>
+                      <a:noFill/>
+                    </a:lnR>
+                    <a:lnT>
+                      <a:noFill/>
+                    </a:lnT>
+                    <a:lnB w="12700" cmpd="sng">
+                      <a:solidFill>
+                        <a:srgbClr val="4472C4"/>
+                      </a:solidFill>
+                    </a:lnB>
+                    <a:lnTlToBr w="12700" cmpd="sng">
+                      <a:noFill/>
+                      <a:prstDash val="solid"/>
+                    </a:lnTlToBr>
+                    <a:lnBlToTr w="12700" cmpd="sng">
+                      <a:noFill/>
+                      <a:prstDash val="solid"/>
+                    </a:lnBlToTr>
+                    <a:noFill/>
+                  </a:tcPr>
+                </a:tc>
+                <a:tc>
+                  <a:txBody>
+                    <a:bodyPr/>
+                    <a:lstStyle>
+                      <a:lvl1pPr marL="0" algn="l" defTabSz="914400" rtl="0" eaLnBrk="1" latinLnBrk="0" hangingPunct="1">
+                        <a:defRPr sz="1800" kern="1200">
+                          <a:solidFill>
+                            <a:schemeClr val="tx1"/>
+                          </a:solidFill>
+                          <a:latin typeface="Calibri" panose="020F0502020204030204"/>
+                        </a:defRPr>
+                      </a:lvl1pPr>
+                      <a:lvl2pPr marL="457200" algn="l" defTabSz="914400" rtl="0" eaLnBrk="1" latinLnBrk="0" hangingPunct="1">
+                        <a:defRPr sz="1800" kern="1200">
+                          <a:solidFill>
+                            <a:schemeClr val="tx1"/>
+                          </a:solidFill>
+                          <a:latin typeface="Calibri" panose="020F0502020204030204"/>
+                        </a:defRPr>
+                      </a:lvl2pPr>
+                      <a:lvl3pPr marL="914400" algn="l" defTabSz="914400" rtl="0" eaLnBrk="1" latinLnBrk="0" hangingPunct="1">
+                        <a:defRPr sz="1800" kern="1200">
+                          <a:solidFill>
+                            <a:schemeClr val="tx1"/>
+                          </a:solidFill>
+                          <a:latin typeface="Calibri" panose="020F0502020204030204"/>
+                        </a:defRPr>
+                      </a:lvl3pPr>
+                      <a:lvl4pPr marL="1371600" algn="l" defTabSz="914400" rtl="0" eaLnBrk="1" latinLnBrk="0" hangingPunct="1">
+                        <a:defRPr sz="1800" kern="1200">
+                          <a:solidFill>
+                            <a:schemeClr val="tx1"/>
+                          </a:solidFill>
+                          <a:latin typeface="Calibri" panose="020F0502020204030204"/>
+                        </a:defRPr>
+                      </a:lvl4pPr>
+                      <a:lvl5pPr marL="1828800" algn="l" defTabSz="914400" rtl="0" eaLnBrk="1" latinLnBrk="0" hangingPunct="1">
+                        <a:defRPr sz="1800" kern="1200">
+                          <a:solidFill>
+                            <a:schemeClr val="tx1"/>
+                          </a:solidFill>
+                          <a:latin typeface="Calibri" panose="020F0502020204030204"/>
+                        </a:defRPr>
+                      </a:lvl5pPr>
+                      <a:lvl6pPr marL="2286000" algn="l" defTabSz="914400" rtl="0" eaLnBrk="1" latinLnBrk="0" hangingPunct="1">
+                        <a:defRPr sz="1800" kern="1200">
+                          <a:solidFill>
+                            <a:schemeClr val="tx1"/>
+                          </a:solidFill>
+                          <a:latin typeface="Calibri" panose="020F0502020204030204"/>
+                        </a:defRPr>
+                      </a:lvl6pPr>
+                      <a:lvl7pPr marL="2743200" algn="l" defTabSz="914400" rtl="0" eaLnBrk="1" latinLnBrk="0" hangingPunct="1">
+                        <a:defRPr sz="1800" kern="1200">
+                          <a:solidFill>
+                            <a:schemeClr val="tx1"/>
+                          </a:solidFill>
+                          <a:latin typeface="Calibri" panose="020F0502020204030204"/>
+                        </a:defRPr>
+                      </a:lvl7pPr>
+                      <a:lvl8pPr marL="3200400" algn="l" defTabSz="914400" rtl="0" eaLnBrk="1" latinLnBrk="0" hangingPunct="1">
+                        <a:defRPr sz="1800" kern="1200">
+                          <a:solidFill>
+                            <a:schemeClr val="tx1"/>
+                          </a:solidFill>
+                          <a:latin typeface="Calibri" panose="020F0502020204030204"/>
+                        </a:defRPr>
+                      </a:lvl8pPr>
+                      <a:lvl9pPr marL="3657600" algn="l" defTabSz="914400" rtl="0" eaLnBrk="1" latinLnBrk="0" hangingPunct="1">
+                        <a:defRPr sz="1800" kern="1200">
+                          <a:solidFill>
+                            <a:schemeClr val="tx1"/>
+                          </a:solidFill>
+                          <a:latin typeface="Calibri" panose="020F0502020204030204"/>
+                        </a:defRPr>
+                      </a:lvl9pPr>
+                    </a:lstStyle>
+                    <a:p>
+                      <a:pPr algn="ctr" fontAlgn="ctr"/>
+                      <a:r>
+                        <a:rPr lang="es-MX" sz="1400" b="1" u="none" strike="noStrike">
+                          <a:effectLst/>
+                        </a:rPr>
+                        <a:t>E4</a:t>
+                      </a:r>
+                      <a:endParaRPr lang="es-MX" sz="1400" b="1" i="0" u="none" strike="noStrike">
+                        <a:solidFill>
+                          <a:srgbClr val="000000"/>
+                        </a:solidFill>
+                        <a:effectLst/>
+                        <a:latin typeface="Calibri" panose="020F0502020204030204" pitchFamily="34" charset="0"/>
+                      </a:endParaRPr>
+                    </a:p>
+                  </a:txBody>
+                  <a:tcPr marL="9525" marR="9525" marT="9525" marB="0" anchor="ctr">
+                    <a:lnL>
+                      <a:noFill/>
+                    </a:lnL>
+                    <a:lnR>
+                      <a:noFill/>
+                    </a:lnR>
+                    <a:lnT>
+                      <a:noFill/>
+                    </a:lnT>
+                    <a:lnB w="12700" cmpd="sng">
+                      <a:solidFill>
+                        <a:srgbClr val="4472C4"/>
+                      </a:solidFill>
+                    </a:lnB>
+                    <a:lnTlToBr w="12700" cmpd="sng">
+                      <a:noFill/>
+                      <a:prstDash val="solid"/>
+                    </a:lnTlToBr>
+                    <a:lnBlToTr w="12700" cmpd="sng">
+                      <a:noFill/>
+                      <a:prstDash val="solid"/>
+                    </a:lnBlToTr>
+                    <a:noFill/>
+                  </a:tcPr>
+                </a:tc>
+                <a:tc>
+                  <a:txBody>
+                    <a:bodyPr/>
+                    <a:lstStyle>
+                      <a:lvl1pPr marL="0" algn="l" defTabSz="914400" rtl="0" eaLnBrk="1" latinLnBrk="0" hangingPunct="1">
+                        <a:defRPr sz="1800" kern="1200">
+                          <a:solidFill>
+                            <a:schemeClr val="tx1"/>
+                          </a:solidFill>
+                          <a:latin typeface="Calibri" panose="020F0502020204030204"/>
+                        </a:defRPr>
+                      </a:lvl1pPr>
+                      <a:lvl2pPr marL="457200" algn="l" defTabSz="914400" rtl="0" eaLnBrk="1" latinLnBrk="0" hangingPunct="1">
+                        <a:defRPr sz="1800" kern="1200">
+                          <a:solidFill>
+                            <a:schemeClr val="tx1"/>
+                          </a:solidFill>
+                          <a:latin typeface="Calibri" panose="020F0502020204030204"/>
+                        </a:defRPr>
+                      </a:lvl2pPr>
+                      <a:lvl3pPr marL="914400" algn="l" defTabSz="914400" rtl="0" eaLnBrk="1" latinLnBrk="0" hangingPunct="1">
+                        <a:defRPr sz="1800" kern="1200">
+                          <a:solidFill>
+                            <a:schemeClr val="tx1"/>
+                          </a:solidFill>
+                          <a:latin typeface="Calibri" panose="020F0502020204030204"/>
+                        </a:defRPr>
+                      </a:lvl3pPr>
+                      <a:lvl4pPr marL="1371600" algn="l" defTabSz="914400" rtl="0" eaLnBrk="1" latinLnBrk="0" hangingPunct="1">
+                        <a:defRPr sz="1800" kern="1200">
+                          <a:solidFill>
+                            <a:schemeClr val="tx1"/>
+                          </a:solidFill>
+                          <a:latin typeface="Calibri" panose="020F0502020204030204"/>
+                        </a:defRPr>
+                      </a:lvl4pPr>
+                      <a:lvl5pPr marL="1828800" algn="l" defTabSz="914400" rtl="0" eaLnBrk="1" latinLnBrk="0" hangingPunct="1">
+                        <a:defRPr sz="1800" kern="1200">
+                          <a:solidFill>
+                            <a:schemeClr val="tx1"/>
+                          </a:solidFill>
+                          <a:latin typeface="Calibri" panose="020F0502020204030204"/>
+                        </a:defRPr>
+                      </a:lvl5pPr>
+                      <a:lvl6pPr marL="2286000" algn="l" defTabSz="914400" rtl="0" eaLnBrk="1" latinLnBrk="0" hangingPunct="1">
+                        <a:defRPr sz="1800" kern="1200">
+                          <a:solidFill>
+                            <a:schemeClr val="tx1"/>
+                          </a:solidFill>
+                          <a:latin typeface="Calibri" panose="020F0502020204030204"/>
+                        </a:defRPr>
+                      </a:lvl6pPr>
+                      <a:lvl7pPr marL="2743200" algn="l" defTabSz="914400" rtl="0" eaLnBrk="1" latinLnBrk="0" hangingPunct="1">
+                        <a:defRPr sz="1800" kern="1200">
+                          <a:solidFill>
+                            <a:schemeClr val="tx1"/>
+                          </a:solidFill>
+                          <a:latin typeface="Calibri" panose="020F0502020204030204"/>
+                        </a:defRPr>
+                      </a:lvl7pPr>
+                      <a:lvl8pPr marL="3200400" algn="l" defTabSz="914400" rtl="0" eaLnBrk="1" latinLnBrk="0" hangingPunct="1">
+                        <a:defRPr sz="1800" kern="1200">
+                          <a:solidFill>
+                            <a:schemeClr val="tx1"/>
+                          </a:solidFill>
+                          <a:latin typeface="Calibri" panose="020F0502020204030204"/>
+                        </a:defRPr>
+                      </a:lvl8pPr>
+                      <a:lvl9pPr marL="3657600" algn="l" defTabSz="914400" rtl="0" eaLnBrk="1" latinLnBrk="0" hangingPunct="1">
+                        <a:defRPr sz="1800" kern="1200">
+                          <a:solidFill>
+                            <a:schemeClr val="tx1"/>
+                          </a:solidFill>
+                          <a:latin typeface="Calibri" panose="020F0502020204030204"/>
+                        </a:defRPr>
+                      </a:lvl9pPr>
+                    </a:lstStyle>
+                    <a:p>
+                      <a:pPr algn="ctr" fontAlgn="ctr"/>
+                      <a:r>
+                        <a:rPr lang="es-MX" sz="1400" b="1" u="none" strike="noStrike">
+                          <a:effectLst/>
+                        </a:rPr>
+                        <a:t>A2 00</a:t>
+                      </a:r>
+                      <a:endParaRPr lang="es-MX" sz="1400" b="1" i="0" u="none" strike="noStrike">
+                        <a:solidFill>
+                          <a:srgbClr val="000000"/>
+                        </a:solidFill>
+                        <a:effectLst/>
+                        <a:latin typeface="Calibri" panose="020F0502020204030204" pitchFamily="34" charset="0"/>
+                      </a:endParaRPr>
+                    </a:p>
+                  </a:txBody>
+                  <a:tcPr marL="9525" marR="9525" marT="9525" marB="0" anchor="ctr">
+                    <a:lnL>
+                      <a:noFill/>
+                    </a:lnL>
+                    <a:lnR>
+                      <a:noFill/>
+                    </a:lnR>
+                    <a:lnT>
+                      <a:noFill/>
+                    </a:lnT>
+                    <a:lnB w="12700" cmpd="sng">
+                      <a:solidFill>
+                        <a:srgbClr val="4472C4"/>
+                      </a:solidFill>
+                    </a:lnB>
+                    <a:lnTlToBr w="12700" cmpd="sng">
+                      <a:noFill/>
+                      <a:prstDash val="solid"/>
+                    </a:lnTlToBr>
+                    <a:lnBlToTr w="12700" cmpd="sng">
+                      <a:noFill/>
+                      <a:prstDash val="solid"/>
+                    </a:lnBlToTr>
+                    <a:noFill/>
+                  </a:tcPr>
+                </a:tc>
+                <a:tc>
+                  <a:txBody>
+                    <a:bodyPr/>
+                    <a:lstStyle>
+                      <a:lvl1pPr marL="0" algn="l" defTabSz="914400" rtl="0" eaLnBrk="1" latinLnBrk="0" hangingPunct="1">
+                        <a:defRPr sz="1800" kern="1200">
+                          <a:solidFill>
+                            <a:schemeClr val="tx1"/>
+                          </a:solidFill>
+                          <a:latin typeface="Calibri" panose="020F0502020204030204"/>
+                        </a:defRPr>
+                      </a:lvl1pPr>
+                      <a:lvl2pPr marL="457200" algn="l" defTabSz="914400" rtl="0" eaLnBrk="1" latinLnBrk="0" hangingPunct="1">
+                        <a:defRPr sz="1800" kern="1200">
+                          <a:solidFill>
+                            <a:schemeClr val="tx1"/>
+                          </a:solidFill>
+                          <a:latin typeface="Calibri" panose="020F0502020204030204"/>
+                        </a:defRPr>
+                      </a:lvl2pPr>
+                      <a:lvl3pPr marL="914400" algn="l" defTabSz="914400" rtl="0" eaLnBrk="1" latinLnBrk="0" hangingPunct="1">
+                        <a:defRPr sz="1800" kern="1200">
+                          <a:solidFill>
+                            <a:schemeClr val="tx1"/>
+                          </a:solidFill>
+                          <a:latin typeface="Calibri" panose="020F0502020204030204"/>
+                        </a:defRPr>
+                      </a:lvl3pPr>
+                      <a:lvl4pPr marL="1371600" algn="l" defTabSz="914400" rtl="0" eaLnBrk="1" latinLnBrk="0" hangingPunct="1">
+                        <a:defRPr sz="1800" kern="1200">
+                          <a:solidFill>
+                            <a:schemeClr val="tx1"/>
+                          </a:solidFill>
+                          <a:latin typeface="Calibri" panose="020F0502020204030204"/>
+                        </a:defRPr>
+                      </a:lvl4pPr>
+                      <a:lvl5pPr marL="1828800" algn="l" defTabSz="914400" rtl="0" eaLnBrk="1" latinLnBrk="0" hangingPunct="1">
+                        <a:defRPr sz="1800" kern="1200">
+                          <a:solidFill>
+                            <a:schemeClr val="tx1"/>
+                          </a:solidFill>
+                          <a:latin typeface="Calibri" panose="020F0502020204030204"/>
+                        </a:defRPr>
+                      </a:lvl5pPr>
+                      <a:lvl6pPr marL="2286000" algn="l" defTabSz="914400" rtl="0" eaLnBrk="1" latinLnBrk="0" hangingPunct="1">
+                        <a:defRPr sz="1800" kern="1200">
+                          <a:solidFill>
+                            <a:schemeClr val="tx1"/>
+                          </a:solidFill>
+                          <a:latin typeface="Calibri" panose="020F0502020204030204"/>
+                        </a:defRPr>
+                      </a:lvl6pPr>
+                      <a:lvl7pPr marL="2743200" algn="l" defTabSz="914400" rtl="0" eaLnBrk="1" latinLnBrk="0" hangingPunct="1">
+                        <a:defRPr sz="1800" kern="1200">
+                          <a:solidFill>
+                            <a:schemeClr val="tx1"/>
+                          </a:solidFill>
+                          <a:latin typeface="Calibri" panose="020F0502020204030204"/>
+                        </a:defRPr>
+                      </a:lvl7pPr>
+                      <a:lvl8pPr marL="3200400" algn="l" defTabSz="914400" rtl="0" eaLnBrk="1" latinLnBrk="0" hangingPunct="1">
+                        <a:defRPr sz="1800" kern="1200">
+                          <a:solidFill>
+                            <a:schemeClr val="tx1"/>
+                          </a:solidFill>
+                          <a:latin typeface="Calibri" panose="020F0502020204030204"/>
+                        </a:defRPr>
+                      </a:lvl8pPr>
+                      <a:lvl9pPr marL="3657600" algn="l" defTabSz="914400" rtl="0" eaLnBrk="1" latinLnBrk="0" hangingPunct="1">
+                        <a:defRPr sz="1800" kern="1200">
+                          <a:solidFill>
+                            <a:schemeClr val="tx1"/>
+                          </a:solidFill>
+                          <a:latin typeface="Calibri" panose="020F0502020204030204"/>
+                        </a:defRPr>
+                      </a:lvl9pPr>
+                    </a:lstStyle>
+                    <a:p>
+                      <a:pPr algn="ctr" fontAlgn="ctr"/>
+                      <a:r>
+                        <a:rPr lang="es-MX" sz="1400" b="1" u="none" strike="noStrike">
+                          <a:effectLst/>
+                        </a:rPr>
+                        <a:t>XX XX</a:t>
+                      </a:r>
+                      <a:endParaRPr lang="es-MX" sz="1400" b="1" i="0" u="none" strike="noStrike">
+                        <a:solidFill>
+                          <a:srgbClr val="000000"/>
+                        </a:solidFill>
+                        <a:effectLst/>
+                        <a:latin typeface="Calibri" panose="020F0502020204030204" pitchFamily="34" charset="0"/>
+                      </a:endParaRPr>
+                    </a:p>
+                  </a:txBody>
+                  <a:tcPr marL="9525" marR="9525" marT="9525" marB="0" anchor="ctr">
+                    <a:lnL>
+                      <a:noFill/>
+                    </a:lnL>
+                    <a:lnR>
+                      <a:noFill/>
+                    </a:lnR>
+                    <a:lnT>
+                      <a:noFill/>
+                    </a:lnT>
+                    <a:lnB w="12700" cmpd="sng">
+                      <a:solidFill>
+                        <a:srgbClr val="4472C4"/>
+                      </a:solidFill>
+                    </a:lnB>
+                    <a:lnTlToBr w="12700" cmpd="sng">
+                      <a:noFill/>
+                      <a:prstDash val="solid"/>
+                    </a:lnTlToBr>
+                    <a:lnBlToTr w="12700" cmpd="sng">
+                      <a:noFill/>
+                      <a:prstDash val="solid"/>
+                    </a:lnBlToTr>
+                    <a:noFill/>
+                  </a:tcPr>
+                </a:tc>
+                <a:tc>
+                  <a:txBody>
+                    <a:bodyPr/>
+                    <a:lstStyle>
+                      <a:lvl1pPr marL="0" algn="l" defTabSz="914400" rtl="0" eaLnBrk="1" latinLnBrk="0" hangingPunct="1">
+                        <a:defRPr sz="1800" kern="1200">
+                          <a:solidFill>
+                            <a:schemeClr val="tx1"/>
+                          </a:solidFill>
+                          <a:latin typeface="Calibri" panose="020F0502020204030204"/>
+                        </a:defRPr>
+                      </a:lvl1pPr>
+                      <a:lvl2pPr marL="457200" algn="l" defTabSz="914400" rtl="0" eaLnBrk="1" latinLnBrk="0" hangingPunct="1">
+                        <a:defRPr sz="1800" kern="1200">
+                          <a:solidFill>
+                            <a:schemeClr val="tx1"/>
+                          </a:solidFill>
+                          <a:latin typeface="Calibri" panose="020F0502020204030204"/>
+                        </a:defRPr>
+                      </a:lvl2pPr>
+                      <a:lvl3pPr marL="914400" algn="l" defTabSz="914400" rtl="0" eaLnBrk="1" latinLnBrk="0" hangingPunct="1">
+                        <a:defRPr sz="1800" kern="1200">
+                          <a:solidFill>
+                            <a:schemeClr val="tx1"/>
+                          </a:solidFill>
+                          <a:latin typeface="Calibri" panose="020F0502020204030204"/>
+                        </a:defRPr>
+                      </a:lvl3pPr>
+                      <a:lvl4pPr marL="1371600" algn="l" defTabSz="914400" rtl="0" eaLnBrk="1" latinLnBrk="0" hangingPunct="1">
+                        <a:defRPr sz="1800" kern="1200">
+                          <a:solidFill>
+                            <a:schemeClr val="tx1"/>
+                          </a:solidFill>
+                          <a:latin typeface="Calibri" panose="020F0502020204030204"/>
+                        </a:defRPr>
+                      </a:lvl4pPr>
+                      <a:lvl5pPr marL="1828800" algn="l" defTabSz="914400" rtl="0" eaLnBrk="1" latinLnBrk="0" hangingPunct="1">
+                        <a:defRPr sz="1800" kern="1200">
+                          <a:solidFill>
+                            <a:schemeClr val="tx1"/>
+                          </a:solidFill>
+                          <a:latin typeface="Calibri" panose="020F0502020204030204"/>
+                        </a:defRPr>
+                      </a:lvl5pPr>
+                      <a:lvl6pPr marL="2286000" algn="l" defTabSz="914400" rtl="0" eaLnBrk="1" latinLnBrk="0" hangingPunct="1">
+                        <a:defRPr sz="1800" kern="1200">
+                          <a:solidFill>
+                            <a:schemeClr val="tx1"/>
+                          </a:solidFill>
+                          <a:latin typeface="Calibri" panose="020F0502020204030204"/>
+                        </a:defRPr>
+                      </a:lvl6pPr>
+                      <a:lvl7pPr marL="2743200" algn="l" defTabSz="914400" rtl="0" eaLnBrk="1" latinLnBrk="0" hangingPunct="1">
+                        <a:defRPr sz="1800" kern="1200">
+                          <a:solidFill>
+                            <a:schemeClr val="tx1"/>
+                          </a:solidFill>
+                          <a:latin typeface="Calibri" panose="020F0502020204030204"/>
+                        </a:defRPr>
+                      </a:lvl7pPr>
+                      <a:lvl8pPr marL="3200400" algn="l" defTabSz="914400" rtl="0" eaLnBrk="1" latinLnBrk="0" hangingPunct="1">
+                        <a:defRPr sz="1800" kern="1200">
+                          <a:solidFill>
+                            <a:schemeClr val="tx1"/>
+                          </a:solidFill>
+                          <a:latin typeface="Calibri" panose="020F0502020204030204"/>
+                        </a:defRPr>
+                      </a:lvl8pPr>
+                      <a:lvl9pPr marL="3657600" algn="l" defTabSz="914400" rtl="0" eaLnBrk="1" latinLnBrk="0" hangingPunct="1">
+                        <a:defRPr sz="1800" kern="1200">
+                          <a:solidFill>
+                            <a:schemeClr val="tx1"/>
+                          </a:solidFill>
+                          <a:latin typeface="Calibri" panose="020F0502020204030204"/>
+                        </a:defRPr>
+                      </a:lvl9pPr>
+                    </a:lstStyle>
+                    <a:p>
+                      <a:pPr algn="ctr" fontAlgn="ctr"/>
+                      <a:r>
+                        <a:rPr lang="es-MX" sz="1400" b="1" u="none" strike="noStrike">
+                          <a:effectLst/>
+                        </a:rPr>
+                        <a:t>XX</a:t>
+                      </a:r>
+                      <a:endParaRPr lang="es-MX" sz="1400" b="1" i="0" u="none" strike="noStrike">
+                        <a:solidFill>
+                          <a:srgbClr val="000000"/>
+                        </a:solidFill>
+                        <a:effectLst/>
+                        <a:latin typeface="Calibri" panose="020F0502020204030204" pitchFamily="34" charset="0"/>
+                      </a:endParaRPr>
+                    </a:p>
+                  </a:txBody>
+                  <a:tcPr marL="9525" marR="9525" marT="9525" marB="0" anchor="ctr">
+                    <a:lnL>
+                      <a:noFill/>
+                    </a:lnL>
+                    <a:lnR>
+                      <a:noFill/>
+                    </a:lnR>
+                    <a:lnT>
+                      <a:noFill/>
+                    </a:lnT>
+                    <a:lnB w="12700" cmpd="sng">
+                      <a:solidFill>
+                        <a:srgbClr val="4472C4"/>
+                      </a:solidFill>
+                    </a:lnB>
+                    <a:lnTlToBr w="12700" cmpd="sng">
+                      <a:noFill/>
+                      <a:prstDash val="solid"/>
+                    </a:lnTlToBr>
+                    <a:lnBlToTr w="12700" cmpd="sng">
+                      <a:noFill/>
+                      <a:prstDash val="solid"/>
+                    </a:lnBlToTr>
+                    <a:noFill/>
+                  </a:tcPr>
+                </a:tc>
+                <a:tc>
+                  <a:txBody>
+                    <a:bodyPr/>
+                    <a:lstStyle>
+                      <a:lvl1pPr marL="0" algn="l" defTabSz="914400" rtl="0" eaLnBrk="1" latinLnBrk="0" hangingPunct="1">
+                        <a:defRPr sz="1800" kern="1200">
+                          <a:solidFill>
+                            <a:schemeClr val="tx1"/>
+                          </a:solidFill>
+                          <a:latin typeface="Calibri" panose="020F0502020204030204"/>
+                        </a:defRPr>
+                      </a:lvl1pPr>
+                      <a:lvl2pPr marL="457200" algn="l" defTabSz="914400" rtl="0" eaLnBrk="1" latinLnBrk="0" hangingPunct="1">
+                        <a:defRPr sz="1800" kern="1200">
+                          <a:solidFill>
+                            <a:schemeClr val="tx1"/>
+                          </a:solidFill>
+                          <a:latin typeface="Calibri" panose="020F0502020204030204"/>
+                        </a:defRPr>
+                      </a:lvl2pPr>
+                      <a:lvl3pPr marL="914400" algn="l" defTabSz="914400" rtl="0" eaLnBrk="1" latinLnBrk="0" hangingPunct="1">
+                        <a:defRPr sz="1800" kern="1200">
+                          <a:solidFill>
+                            <a:schemeClr val="tx1"/>
+                          </a:solidFill>
+                          <a:latin typeface="Calibri" panose="020F0502020204030204"/>
+                        </a:defRPr>
+                      </a:lvl3pPr>
+                      <a:lvl4pPr marL="1371600" algn="l" defTabSz="914400" rtl="0" eaLnBrk="1" latinLnBrk="0" hangingPunct="1">
+                        <a:defRPr sz="1800" kern="1200">
+                          <a:solidFill>
+                            <a:schemeClr val="tx1"/>
+                          </a:solidFill>
+                          <a:latin typeface="Calibri" panose="020F0502020204030204"/>
+                        </a:defRPr>
+                      </a:lvl4pPr>
+                      <a:lvl5pPr marL="1828800" algn="l" defTabSz="914400" rtl="0" eaLnBrk="1" latinLnBrk="0" hangingPunct="1">
+                        <a:defRPr sz="1800" kern="1200">
+                          <a:solidFill>
+                            <a:schemeClr val="tx1"/>
+                          </a:solidFill>
+                          <a:latin typeface="Calibri" panose="020F0502020204030204"/>
+                        </a:defRPr>
+                      </a:lvl5pPr>
+                      <a:lvl6pPr marL="2286000" algn="l" defTabSz="914400" rtl="0" eaLnBrk="1" latinLnBrk="0" hangingPunct="1">
+                        <a:defRPr sz="1800" kern="1200">
+                          <a:solidFill>
+                            <a:schemeClr val="tx1"/>
+                          </a:solidFill>
+                          <a:latin typeface="Calibri" panose="020F0502020204030204"/>
+                        </a:defRPr>
+                      </a:lvl6pPr>
+                      <a:lvl7pPr marL="2743200" algn="l" defTabSz="914400" rtl="0" eaLnBrk="1" latinLnBrk="0" hangingPunct="1">
+                        <a:defRPr sz="1800" kern="1200">
+                          <a:solidFill>
+                            <a:schemeClr val="tx1"/>
+                          </a:solidFill>
+                          <a:latin typeface="Calibri" panose="020F0502020204030204"/>
+                        </a:defRPr>
+                      </a:lvl7pPr>
+                      <a:lvl8pPr marL="3200400" algn="l" defTabSz="914400" rtl="0" eaLnBrk="1" latinLnBrk="0" hangingPunct="1">
+                        <a:defRPr sz="1800" kern="1200">
+                          <a:solidFill>
+                            <a:schemeClr val="tx1"/>
+                          </a:solidFill>
+                          <a:latin typeface="Calibri" panose="020F0502020204030204"/>
+                        </a:defRPr>
+                      </a:lvl8pPr>
+                      <a:lvl9pPr marL="3657600" algn="l" defTabSz="914400" rtl="0" eaLnBrk="1" latinLnBrk="0" hangingPunct="1">
+                        <a:defRPr sz="1800" kern="1200">
+                          <a:solidFill>
+                            <a:schemeClr val="tx1"/>
+                          </a:solidFill>
+                          <a:latin typeface="Calibri" panose="020F0502020204030204"/>
+                        </a:defRPr>
+                      </a:lvl9pPr>
+                    </a:lstStyle>
+                    <a:p>
+                      <a:pPr algn="ctr" fontAlgn="ctr"/>
+                      <a:r>
+                        <a:rPr lang="es-MX" sz="1400" b="1" u="none" strike="noStrike">
+                          <a:effectLst/>
+                        </a:rPr>
+                        <a:t>N</a:t>
+                      </a:r>
+                      <a:endParaRPr lang="es-MX" sz="1400" b="1" i="0" u="none" strike="noStrike">
+                        <a:solidFill>
+                          <a:srgbClr val="000000"/>
+                        </a:solidFill>
+                        <a:effectLst/>
+                        <a:latin typeface="Calibri" panose="020F0502020204030204" pitchFamily="34" charset="0"/>
+                      </a:endParaRPr>
+                    </a:p>
+                  </a:txBody>
+                  <a:tcPr marL="9525" marR="9525" marT="9525" marB="0" anchor="ctr">
+                    <a:lnL>
+                      <a:noFill/>
+                    </a:lnL>
+                    <a:lnR>
+                      <a:noFill/>
+                    </a:lnR>
+                    <a:lnT>
+                      <a:noFill/>
+                    </a:lnT>
+                    <a:lnB w="12700" cmpd="sng">
+                      <a:solidFill>
+                        <a:srgbClr val="4472C4"/>
+                      </a:solidFill>
+                    </a:lnB>
+                    <a:lnTlToBr w="12700" cmpd="sng">
+                      <a:noFill/>
+                      <a:prstDash val="solid"/>
+                    </a:lnTlToBr>
+                    <a:lnBlToTr w="12700" cmpd="sng">
+                      <a:noFill/>
+                      <a:prstDash val="solid"/>
+                    </a:lnBlToTr>
+                    <a:noFill/>
+                  </a:tcPr>
+                </a:tc>
+                <a:tc>
+                  <a:txBody>
+                    <a:bodyPr/>
+                    <a:lstStyle>
+                      <a:lvl1pPr marL="0" algn="l" defTabSz="914400" rtl="0" eaLnBrk="1" latinLnBrk="0" hangingPunct="1">
+                        <a:defRPr sz="1800" kern="1200">
+                          <a:solidFill>
+                            <a:schemeClr val="tx1"/>
+                          </a:solidFill>
+                          <a:latin typeface="Calibri" panose="020F0502020204030204"/>
+                        </a:defRPr>
+                      </a:lvl1pPr>
+                      <a:lvl2pPr marL="457200" algn="l" defTabSz="914400" rtl="0" eaLnBrk="1" latinLnBrk="0" hangingPunct="1">
+                        <a:defRPr sz="1800" kern="1200">
+                          <a:solidFill>
+                            <a:schemeClr val="tx1"/>
+                          </a:solidFill>
+                          <a:latin typeface="Calibri" panose="020F0502020204030204"/>
+                        </a:defRPr>
+                      </a:lvl2pPr>
+                      <a:lvl3pPr marL="914400" algn="l" defTabSz="914400" rtl="0" eaLnBrk="1" latinLnBrk="0" hangingPunct="1">
+                        <a:defRPr sz="1800" kern="1200">
+                          <a:solidFill>
+                            <a:schemeClr val="tx1"/>
+                          </a:solidFill>
+                          <a:latin typeface="Calibri" panose="020F0502020204030204"/>
+                        </a:defRPr>
+                      </a:lvl3pPr>
+                      <a:lvl4pPr marL="1371600" algn="l" defTabSz="914400" rtl="0" eaLnBrk="1" latinLnBrk="0" hangingPunct="1">
+                        <a:defRPr sz="1800" kern="1200">
+                          <a:solidFill>
+                            <a:schemeClr val="tx1"/>
+                          </a:solidFill>
+                          <a:latin typeface="Calibri" panose="020F0502020204030204"/>
+                        </a:defRPr>
+                      </a:lvl4pPr>
+                      <a:lvl5pPr marL="1828800" algn="l" defTabSz="914400" rtl="0" eaLnBrk="1" latinLnBrk="0" hangingPunct="1">
+                        <a:defRPr sz="1800" kern="1200">
+                          <a:solidFill>
+                            <a:schemeClr val="tx1"/>
+                          </a:solidFill>
+                          <a:latin typeface="Calibri" panose="020F0502020204030204"/>
+                        </a:defRPr>
+                      </a:lvl5pPr>
+                      <a:lvl6pPr marL="2286000" algn="l" defTabSz="914400" rtl="0" eaLnBrk="1" latinLnBrk="0" hangingPunct="1">
+                        <a:defRPr sz="1800" kern="1200">
+                          <a:solidFill>
+                            <a:schemeClr val="tx1"/>
+                          </a:solidFill>
+                          <a:latin typeface="Calibri" panose="020F0502020204030204"/>
+                        </a:defRPr>
+                      </a:lvl6pPr>
+                      <a:lvl7pPr marL="2743200" algn="l" defTabSz="914400" rtl="0" eaLnBrk="1" latinLnBrk="0" hangingPunct="1">
+                        <a:defRPr sz="1800" kern="1200">
+                          <a:solidFill>
+                            <a:schemeClr val="tx1"/>
+                          </a:solidFill>
+                          <a:latin typeface="Calibri" panose="020F0502020204030204"/>
+                        </a:defRPr>
+                      </a:lvl7pPr>
+                      <a:lvl8pPr marL="3200400" algn="l" defTabSz="914400" rtl="0" eaLnBrk="1" latinLnBrk="0" hangingPunct="1">
+                        <a:defRPr sz="1800" kern="1200">
+                          <a:solidFill>
+                            <a:schemeClr val="tx1"/>
+                          </a:solidFill>
+                          <a:latin typeface="Calibri" panose="020F0502020204030204"/>
+                        </a:defRPr>
+                      </a:lvl8pPr>
+                      <a:lvl9pPr marL="3657600" algn="l" defTabSz="914400" rtl="0" eaLnBrk="1" latinLnBrk="0" hangingPunct="1">
+                        <a:defRPr sz="1800" kern="1200">
+                          <a:solidFill>
+                            <a:schemeClr val="tx1"/>
+                          </a:solidFill>
+                          <a:latin typeface="Calibri" panose="020F0502020204030204"/>
+                        </a:defRPr>
+                      </a:lvl9pPr>
+                    </a:lstStyle>
+                    <a:p>
+                      <a:pPr algn="ctr" fontAlgn="ctr"/>
+                      <a:r>
+                        <a:rPr lang="es-MX" sz="1400" b="1" u="none" strike="noStrike">
+                          <a:effectLst/>
+                        </a:rPr>
+                        <a:t>XX XX</a:t>
+                      </a:r>
+                      <a:endParaRPr lang="es-MX" sz="1400" b="1" i="0" u="none" strike="noStrike">
+                        <a:solidFill>
+                          <a:srgbClr val="000000"/>
+                        </a:solidFill>
+                        <a:effectLst/>
+                        <a:latin typeface="Calibri" panose="020F0502020204030204" pitchFamily="34" charset="0"/>
+                      </a:endParaRPr>
+                    </a:p>
+                  </a:txBody>
+                  <a:tcPr marL="9525" marR="9525" marT="9525" marB="0" anchor="ctr">
+                    <a:lnL>
+                      <a:noFill/>
+                    </a:lnL>
+                    <a:lnR>
+                      <a:noFill/>
+                    </a:lnR>
+                    <a:lnT>
+                      <a:noFill/>
+                    </a:lnT>
+                    <a:lnB w="12700" cmpd="sng">
+                      <a:solidFill>
+                        <a:srgbClr val="4472C4"/>
+                      </a:solidFill>
+                    </a:lnB>
+                    <a:lnTlToBr w="12700" cmpd="sng">
+                      <a:noFill/>
+                      <a:prstDash val="solid"/>
+                    </a:lnTlToBr>
+                    <a:lnBlToTr w="12700" cmpd="sng">
+                      <a:noFill/>
+                      <a:prstDash val="solid"/>
+                    </a:lnBlToTr>
+                    <a:noFill/>
+                  </a:tcPr>
+                </a:tc>
+                <a:tc>
+                  <a:txBody>
+                    <a:bodyPr/>
+                    <a:lstStyle>
+                      <a:lvl1pPr marL="0" algn="l" defTabSz="914400" rtl="0" eaLnBrk="1" latinLnBrk="0" hangingPunct="1">
+                        <a:defRPr sz="1800" kern="1200">
+                          <a:solidFill>
+                            <a:schemeClr val="tx1"/>
+                          </a:solidFill>
+                          <a:latin typeface="Calibri" panose="020F0502020204030204"/>
+                        </a:defRPr>
+                      </a:lvl1pPr>
+                      <a:lvl2pPr marL="457200" algn="l" defTabSz="914400" rtl="0" eaLnBrk="1" latinLnBrk="0" hangingPunct="1">
+                        <a:defRPr sz="1800" kern="1200">
+                          <a:solidFill>
+                            <a:schemeClr val="tx1"/>
+                          </a:solidFill>
+                          <a:latin typeface="Calibri" panose="020F0502020204030204"/>
+                        </a:defRPr>
+                      </a:lvl2pPr>
+                      <a:lvl3pPr marL="914400" algn="l" defTabSz="914400" rtl="0" eaLnBrk="1" latinLnBrk="0" hangingPunct="1">
+                        <a:defRPr sz="1800" kern="1200">
+                          <a:solidFill>
+                            <a:schemeClr val="tx1"/>
+                          </a:solidFill>
+                          <a:latin typeface="Calibri" panose="020F0502020204030204"/>
+                        </a:defRPr>
+                      </a:lvl3pPr>
+                      <a:lvl4pPr marL="1371600" algn="l" defTabSz="914400" rtl="0" eaLnBrk="1" latinLnBrk="0" hangingPunct="1">
+                        <a:defRPr sz="1800" kern="1200">
+                          <a:solidFill>
+                            <a:schemeClr val="tx1"/>
+                          </a:solidFill>
+                          <a:latin typeface="Calibri" panose="020F0502020204030204"/>
+                        </a:defRPr>
+                      </a:lvl4pPr>
+                      <a:lvl5pPr marL="1828800" algn="l" defTabSz="914400" rtl="0" eaLnBrk="1" latinLnBrk="0" hangingPunct="1">
+                        <a:defRPr sz="1800" kern="1200">
+                          <a:solidFill>
+                            <a:schemeClr val="tx1"/>
+                          </a:solidFill>
+                          <a:latin typeface="Calibri" panose="020F0502020204030204"/>
+                        </a:defRPr>
+                      </a:lvl5pPr>
+                      <a:lvl6pPr marL="2286000" algn="l" defTabSz="914400" rtl="0" eaLnBrk="1" latinLnBrk="0" hangingPunct="1">
+                        <a:defRPr sz="1800" kern="1200">
+                          <a:solidFill>
+                            <a:schemeClr val="tx1"/>
+                          </a:solidFill>
+                          <a:latin typeface="Calibri" panose="020F0502020204030204"/>
+                        </a:defRPr>
+                      </a:lvl6pPr>
+                      <a:lvl7pPr marL="2743200" algn="l" defTabSz="914400" rtl="0" eaLnBrk="1" latinLnBrk="0" hangingPunct="1">
+                        <a:defRPr sz="1800" kern="1200">
+                          <a:solidFill>
+                            <a:schemeClr val="tx1"/>
+                          </a:solidFill>
+                          <a:latin typeface="Calibri" panose="020F0502020204030204"/>
+                        </a:defRPr>
+                      </a:lvl7pPr>
+                      <a:lvl8pPr marL="3200400" algn="l" defTabSz="914400" rtl="0" eaLnBrk="1" latinLnBrk="0" hangingPunct="1">
+                        <a:defRPr sz="1800" kern="1200">
+                          <a:solidFill>
+                            <a:schemeClr val="tx1"/>
+                          </a:solidFill>
+                          <a:latin typeface="Calibri" panose="020F0502020204030204"/>
+                        </a:defRPr>
+                      </a:lvl8pPr>
+                      <a:lvl9pPr marL="3657600" algn="l" defTabSz="914400" rtl="0" eaLnBrk="1" latinLnBrk="0" hangingPunct="1">
+                        <a:defRPr sz="1800" kern="1200">
+                          <a:solidFill>
+                            <a:schemeClr val="tx1"/>
+                          </a:solidFill>
+                          <a:latin typeface="Calibri" panose="020F0502020204030204"/>
+                        </a:defRPr>
+                      </a:lvl9pPr>
+                    </a:lstStyle>
+                    <a:p>
+                      <a:pPr algn="ctr" fontAlgn="ctr"/>
+                      <a:r>
+                        <a:rPr lang="es-MX" sz="1400" b="1" u="none" strike="noStrike" dirty="0">
+                          <a:effectLst/>
+                        </a:rPr>
+                        <a:t>E3</a:t>
+                      </a:r>
+                      <a:endParaRPr lang="es-MX" sz="1400" b="1" i="0" u="none" strike="noStrike" dirty="0">
+                        <a:solidFill>
+                          <a:srgbClr val="000000"/>
+                        </a:solidFill>
+                        <a:effectLst/>
+                        <a:latin typeface="Calibri" panose="020F0502020204030204" pitchFamily="34" charset="0"/>
+                      </a:endParaRPr>
+                    </a:p>
+                  </a:txBody>
+                  <a:tcPr marL="9525" marR="9525" marT="9525" marB="0" anchor="ctr">
+                    <a:lnL>
+                      <a:noFill/>
+                    </a:lnL>
+                    <a:lnR>
+                      <a:noFill/>
+                    </a:lnR>
+                    <a:lnT>
+                      <a:noFill/>
+                    </a:lnT>
+                    <a:lnB w="12700" cmpd="sng">
+                      <a:solidFill>
+                        <a:srgbClr val="4472C4"/>
+                      </a:solidFill>
+                    </a:lnB>
+                    <a:lnTlToBr w="12700" cmpd="sng">
+                      <a:noFill/>
+                      <a:prstDash val="solid"/>
+                    </a:lnTlToBr>
+                    <a:lnBlToTr w="12700" cmpd="sng">
+                      <a:noFill/>
+                      <a:prstDash val="solid"/>
+                    </a:lnBlToTr>
+                    <a:noFill/>
+                  </a:tcPr>
+                </a:tc>
+                <a:extLst>
+                  <a:ext uri="{0D108BD9-81ED-4DB2-BD59-A6C34878D82A}">
+                    <a16:rowId xmlns:a16="http://schemas.microsoft.com/office/drawing/2014/main" val="3042597707"/>
+                  </a:ext>
+                </a:extLst>
+              </a:tr>
+            </a:tbl>
+          </a:graphicData>
+        </a:graphic>
+      </p:graphicFrame>
+      <p:sp>
+        <p:nvSpPr>
+          <p:cNvPr id="8" name="TextBox 7">
+            <a:extLst>
+              <a:ext uri="{FF2B5EF4-FFF2-40B4-BE49-F238E27FC236}">
+                <a16:creationId xmlns:a16="http://schemas.microsoft.com/office/drawing/2014/main" id="{C325D028-F3EF-4A9F-9C50-6117D4D38377}"/>
+              </a:ext>
+            </a:extLst>
+          </p:cNvPr>
+          <p:cNvSpPr txBox="1"/>
+          <p:nvPr/>
+        </p:nvSpPr>
+        <p:spPr>
+          <a:xfrm>
+            <a:off x="502021" y="4817030"/>
+            <a:ext cx="11187953" cy="506292"/>
+          </a:xfrm>
+          <a:prstGeom prst="rect">
+            <a:avLst/>
+          </a:prstGeom>
+          <a:noFill/>
+        </p:spPr>
+        <p:txBody>
+          <a:bodyPr wrap="square" rtlCol="0">
+            <a:spAutoFit/>
+          </a:bodyPr>
+          <a:lstStyle/>
+          <a:p>
+            <a:pPr algn="just">
+              <a:lnSpc>
+                <a:spcPct val="150000"/>
+              </a:lnSpc>
+            </a:pPr>
+            <a:r>
+              <a:rPr lang="es-MX" sz="2000" dirty="0"/>
+              <a:t>En este caso ERD DATA SIZE, es la cantidad de bytes que serán escritos en Dato. </a:t>
+            </a:r>
+          </a:p>
+        </p:txBody>
+      </p:sp>
+    </p:spTree>
+    <p:extLst>
+      <p:ext uri="{BB962C8B-B14F-4D97-AF65-F5344CB8AC3E}">
+        <p14:creationId xmlns:p14="http://schemas.microsoft.com/office/powerpoint/2010/main" val="2335322067"/>
+      </p:ext>
+    </p:extLst>
+  </p:cSld>
+  <p:clrMapOvr>
+    <a:masterClrMapping/>
+  </p:clrMapOvr>
+</p:sld>
+</file>
+
+<file path=ppt/slides/slide11.xml><?xml version="1.0" encoding="utf-8"?>
+<p:sld xmlns:a="http://schemas.openxmlformats.org/drawingml/2006/main" xmlns:r="http://schemas.openxmlformats.org/officeDocument/2006/relationships" xmlns:p="http://schemas.openxmlformats.org/presentationml/2006/main">
+  <p:cSld>
+    <p:spTree>
+      <p:nvGrpSpPr>
+        <p:cNvPr id="1" name=""/>
+        <p:cNvGrpSpPr/>
+        <p:nvPr/>
+      </p:nvGrpSpPr>
+      <p:grpSpPr>
+        <a:xfrm>
+          <a:off x="0" y="0"/>
+          <a:ext cx="0" cy="0"/>
+          <a:chOff x="0" y="0"/>
+          <a:chExt cx="0" cy="0"/>
+        </a:xfrm>
+      </p:grpSpPr>
+      <p:sp>
+        <p:nvSpPr>
           <p:cNvPr id="2" name="TextBox 1">
             <a:extLst>
               <a:ext uri="{FF2B5EF4-FFF2-40B4-BE49-F238E27FC236}">
@@ -4663,7 +7535,7 @@
 </p:sld>
 </file>
 
-<file path=ppt/slides/slide11.xml><?xml version="1.0" encoding="utf-8"?>
+<file path=ppt/slides/slide12.xml><?xml version="1.0" encoding="utf-8"?>
 <p:sld xmlns:a="http://schemas.openxmlformats.org/drawingml/2006/main" xmlns:r="http://schemas.openxmlformats.org/officeDocument/2006/relationships" xmlns:p="http://schemas.openxmlformats.org/presentationml/2006/main">
   <p:cSld>
     <p:spTree>
@@ -4722,7 +7594,7 @@
 </p:sld>
 </file>
 
-<file path=ppt/slides/slide12.xml><?xml version="1.0" encoding="utf-8"?>
+<file path=ppt/slides/slide13.xml><?xml version="1.0" encoding="utf-8"?>
 <p:sld xmlns:a="http://schemas.openxmlformats.org/drawingml/2006/main" xmlns:r="http://schemas.openxmlformats.org/officeDocument/2006/relationships" xmlns:p="http://schemas.openxmlformats.org/presentationml/2006/main">
   <p:cSld>
     <p:spTree>
@@ -4739,6 +7611,35 @@
           <a:chExt cx="0" cy="0"/>
         </a:xfrm>
       </p:grpSpPr>
+      <p:pic>
+        <p:nvPicPr>
+          <p:cNvPr id="2" name="Picture 1">
+            <a:extLst>
+              <a:ext uri="{FF2B5EF4-FFF2-40B4-BE49-F238E27FC236}">
+                <a16:creationId xmlns:a16="http://schemas.microsoft.com/office/drawing/2014/main" id="{4BD09C31-B50C-4B69-98A7-328C5464DD69}"/>
+              </a:ext>
+            </a:extLst>
+          </p:cNvPr>
+          <p:cNvPicPr>
+            <a:picLocks noChangeAspect="1"/>
+          </p:cNvPicPr>
+          <p:nvPr/>
+        </p:nvPicPr>
+        <p:blipFill rotWithShape="1">
+          <a:blip r:embed="rId2"/>
+          <a:srcRect l="1656"/>
+          <a:stretch/>
+        </p:blipFill>
+        <p:spPr>
+          <a:xfrm>
+            <a:off x="3707016" y="2292992"/>
+            <a:ext cx="4777967" cy="4172532"/>
+          </a:xfrm>
+          <a:prstGeom prst="rect">
+            <a:avLst/>
+          </a:prstGeom>
+        </p:spPr>
+      </p:pic>
     </p:spTree>
     <p:extLst>
       <p:ext uri="{BB962C8B-B14F-4D97-AF65-F5344CB8AC3E}">
@@ -5024,12 +7925,3217 @@
           </a:p>
         </p:txBody>
       </p:sp>
+      <p:sp>
+        <p:nvSpPr>
+          <p:cNvPr id="4" name="TextBox 3">
+            <a:extLst>
+              <a:ext uri="{FF2B5EF4-FFF2-40B4-BE49-F238E27FC236}">
+                <a16:creationId xmlns:a16="http://schemas.microsoft.com/office/drawing/2014/main" id="{4C063E81-1875-447C-9317-28586BC0DBEC}"/>
+              </a:ext>
+            </a:extLst>
+          </p:cNvPr>
+          <p:cNvSpPr txBox="1"/>
+          <p:nvPr/>
+        </p:nvSpPr>
+        <p:spPr>
+          <a:xfrm>
+            <a:off x="502023" y="1721684"/>
+            <a:ext cx="11187953" cy="967957"/>
+          </a:xfrm>
+          <a:prstGeom prst="rect">
+            <a:avLst/>
+          </a:prstGeom>
+          <a:noFill/>
+        </p:spPr>
+        <p:txBody>
+          <a:bodyPr wrap="square" rtlCol="0">
+            <a:spAutoFit/>
+          </a:bodyPr>
+          <a:lstStyle/>
+          <a:p>
+            <a:pPr algn="just">
+              <a:lnSpc>
+                <a:spcPct val="150000"/>
+              </a:lnSpc>
+            </a:pPr>
+            <a:r>
+              <a:rPr lang="es-MX" sz="2000" dirty="0"/>
+              <a:t>Para el protocolo de GEA3 se utiliza un crc16 </a:t>
+            </a:r>
+            <a:r>
+              <a:rPr lang="es-MX" sz="2000" dirty="0" err="1"/>
+              <a:t>ccitt</a:t>
+            </a:r>
+            <a:r>
+              <a:rPr lang="es-MX" sz="2000" dirty="0"/>
+              <a:t> con un </a:t>
+            </a:r>
+            <a:r>
+              <a:rPr lang="es-MX" sz="2000" dirty="0" err="1"/>
+              <a:t>poly</a:t>
+            </a:r>
+            <a:r>
+              <a:rPr lang="es-MX" sz="2000" dirty="0"/>
+              <a:t> de 1021 además de un valor inicial de 1021, el cuál está compuesto por la siguiente tabla, esto es para la lectura:</a:t>
+            </a:r>
+          </a:p>
+        </p:txBody>
+      </p:sp>
+      <p:graphicFrame>
+        <p:nvGraphicFramePr>
+          <p:cNvPr id="6" name="Table 5">
+            <a:extLst>
+              <a:ext uri="{FF2B5EF4-FFF2-40B4-BE49-F238E27FC236}">
+                <a16:creationId xmlns:a16="http://schemas.microsoft.com/office/drawing/2014/main" id="{DCDE2763-DC08-4CDF-ACAB-27D7C0C26438}"/>
+              </a:ext>
+            </a:extLst>
+          </p:cNvPr>
+          <p:cNvGraphicFramePr>
+            <a:graphicFrameLocks noGrp="1"/>
+          </p:cNvGraphicFramePr>
+          <p:nvPr>
+            <p:extLst>
+              <p:ext uri="{D42A27DB-BD31-4B8C-83A1-F6EECF244321}">
+                <p14:modId xmlns:p14="http://schemas.microsoft.com/office/powerpoint/2010/main" val="989768349"/>
+              </p:ext>
+            </p:extLst>
+          </p:nvPr>
+        </p:nvGraphicFramePr>
+        <p:xfrm>
+          <a:off x="4403723" y="3093331"/>
+          <a:ext cx="3384552" cy="456184"/>
+        </p:xfrm>
+        <a:graphic>
+          <a:graphicData uri="http://schemas.openxmlformats.org/drawingml/2006/table">
+            <a:tbl>
+              <a:tblPr/>
+              <a:tblGrid>
+                <a:gridCol w="662420">
+                  <a:extLst>
+                    <a:ext uri="{9D8B030D-6E8A-4147-A177-3AD203B41FA5}">
+                      <a16:colId xmlns:a16="http://schemas.microsoft.com/office/drawing/2014/main" val="1245546545"/>
+                    </a:ext>
+                  </a:extLst>
+                </a:gridCol>
+                <a:gridCol w="814703">
+                  <a:extLst>
+                    <a:ext uri="{9D8B030D-6E8A-4147-A177-3AD203B41FA5}">
+                      <a16:colId xmlns:a16="http://schemas.microsoft.com/office/drawing/2014/main" val="1655374049"/>
+                    </a:ext>
+                  </a:extLst>
+                </a:gridCol>
+                <a:gridCol w="582589">
+                  <a:extLst>
+                    <a:ext uri="{9D8B030D-6E8A-4147-A177-3AD203B41FA5}">
+                      <a16:colId xmlns:a16="http://schemas.microsoft.com/office/drawing/2014/main" val="1955016033"/>
+                    </a:ext>
+                  </a:extLst>
+                </a:gridCol>
+                <a:gridCol w="662420">
+                  <a:extLst>
+                    <a:ext uri="{9D8B030D-6E8A-4147-A177-3AD203B41FA5}">
+                      <a16:colId xmlns:a16="http://schemas.microsoft.com/office/drawing/2014/main" val="3069408913"/>
+                    </a:ext>
+                  </a:extLst>
+                </a:gridCol>
+                <a:gridCol w="662420">
+                  <a:extLst>
+                    <a:ext uri="{9D8B030D-6E8A-4147-A177-3AD203B41FA5}">
+                      <a16:colId xmlns:a16="http://schemas.microsoft.com/office/drawing/2014/main" val="1042641164"/>
+                    </a:ext>
+                  </a:extLst>
+                </a:gridCol>
+              </a:tblGrid>
+              <a:tr h="228092">
+                <a:tc>
+                  <a:txBody>
+                    <a:bodyPr/>
+                    <a:lstStyle>
+                      <a:lvl1pPr marL="0" algn="l" defTabSz="914400" rtl="0" eaLnBrk="1" latinLnBrk="0" hangingPunct="1">
+                        <a:defRPr sz="1800" kern="1200">
+                          <a:solidFill>
+                            <a:schemeClr val="tx1"/>
+                          </a:solidFill>
+                          <a:latin typeface="Calibri" panose="020F0502020204030204"/>
+                        </a:defRPr>
+                      </a:lvl1pPr>
+                      <a:lvl2pPr marL="457200" algn="l" defTabSz="914400" rtl="0" eaLnBrk="1" latinLnBrk="0" hangingPunct="1">
+                        <a:defRPr sz="1800" kern="1200">
+                          <a:solidFill>
+                            <a:schemeClr val="tx1"/>
+                          </a:solidFill>
+                          <a:latin typeface="Calibri" panose="020F0502020204030204"/>
+                        </a:defRPr>
+                      </a:lvl2pPr>
+                      <a:lvl3pPr marL="914400" algn="l" defTabSz="914400" rtl="0" eaLnBrk="1" latinLnBrk="0" hangingPunct="1">
+                        <a:defRPr sz="1800" kern="1200">
+                          <a:solidFill>
+                            <a:schemeClr val="tx1"/>
+                          </a:solidFill>
+                          <a:latin typeface="Calibri" panose="020F0502020204030204"/>
+                        </a:defRPr>
+                      </a:lvl3pPr>
+                      <a:lvl4pPr marL="1371600" algn="l" defTabSz="914400" rtl="0" eaLnBrk="1" latinLnBrk="0" hangingPunct="1">
+                        <a:defRPr sz="1800" kern="1200">
+                          <a:solidFill>
+                            <a:schemeClr val="tx1"/>
+                          </a:solidFill>
+                          <a:latin typeface="Calibri" panose="020F0502020204030204"/>
+                        </a:defRPr>
+                      </a:lvl4pPr>
+                      <a:lvl5pPr marL="1828800" algn="l" defTabSz="914400" rtl="0" eaLnBrk="1" latinLnBrk="0" hangingPunct="1">
+                        <a:defRPr sz="1800" kern="1200">
+                          <a:solidFill>
+                            <a:schemeClr val="tx1"/>
+                          </a:solidFill>
+                          <a:latin typeface="Calibri" panose="020F0502020204030204"/>
+                        </a:defRPr>
+                      </a:lvl5pPr>
+                      <a:lvl6pPr marL="2286000" algn="l" defTabSz="914400" rtl="0" eaLnBrk="1" latinLnBrk="0" hangingPunct="1">
+                        <a:defRPr sz="1800" kern="1200">
+                          <a:solidFill>
+                            <a:schemeClr val="tx1"/>
+                          </a:solidFill>
+                          <a:latin typeface="Calibri" panose="020F0502020204030204"/>
+                        </a:defRPr>
+                      </a:lvl6pPr>
+                      <a:lvl7pPr marL="2743200" algn="l" defTabSz="914400" rtl="0" eaLnBrk="1" latinLnBrk="0" hangingPunct="1">
+                        <a:defRPr sz="1800" kern="1200">
+                          <a:solidFill>
+                            <a:schemeClr val="tx1"/>
+                          </a:solidFill>
+                          <a:latin typeface="Calibri" panose="020F0502020204030204"/>
+                        </a:defRPr>
+                      </a:lvl7pPr>
+                      <a:lvl8pPr marL="3200400" algn="l" defTabSz="914400" rtl="0" eaLnBrk="1" latinLnBrk="0" hangingPunct="1">
+                        <a:defRPr sz="1800" kern="1200">
+                          <a:solidFill>
+                            <a:schemeClr val="tx1"/>
+                          </a:solidFill>
+                          <a:latin typeface="Calibri" panose="020F0502020204030204"/>
+                        </a:defRPr>
+                      </a:lvl8pPr>
+                      <a:lvl9pPr marL="3657600" algn="l" defTabSz="914400" rtl="0" eaLnBrk="1" latinLnBrk="0" hangingPunct="1">
+                        <a:defRPr sz="1800" kern="1200">
+                          <a:solidFill>
+                            <a:schemeClr val="tx1"/>
+                          </a:solidFill>
+                          <a:latin typeface="Calibri" panose="020F0502020204030204"/>
+                        </a:defRPr>
+                      </a:lvl9pPr>
+                    </a:lstStyle>
+                    <a:p>
+                      <a:pPr algn="ctr" fontAlgn="b"/>
+                      <a:r>
+                        <a:rPr lang="es-MX" sz="1400" b="1" u="none" strike="noStrike" dirty="0">
+                          <a:effectLst/>
+                        </a:rPr>
+                        <a:t>DST</a:t>
+                      </a:r>
+                      <a:endParaRPr lang="es-MX" sz="1400" b="1" i="0" u="none" strike="noStrike" dirty="0">
+                        <a:solidFill>
+                          <a:srgbClr val="000000"/>
+                        </a:solidFill>
+                        <a:effectLst/>
+                        <a:latin typeface="Calibri" panose="020F0502020204030204" pitchFamily="34" charset="0"/>
+                      </a:endParaRPr>
+                    </a:p>
+                  </a:txBody>
+                  <a:tcPr marL="9525" marR="9525" marT="9525" marB="0" anchor="b">
+                    <a:lnL>
+                      <a:noFill/>
+                    </a:lnL>
+                    <a:lnR>
+                      <a:noFill/>
+                    </a:lnR>
+                    <a:lnT w="12700" cmpd="sng">
+                      <a:solidFill>
+                        <a:srgbClr val="4472C4"/>
+                      </a:solidFill>
+                    </a:lnT>
+                    <a:lnB>
+                      <a:noFill/>
+                    </a:lnB>
+                    <a:lnTlToBr w="12700" cmpd="sng">
+                      <a:noFill/>
+                      <a:prstDash val="solid"/>
+                    </a:lnTlToBr>
+                    <a:lnBlToTr w="12700" cmpd="sng">
+                      <a:noFill/>
+                      <a:prstDash val="solid"/>
+                    </a:lnBlToTr>
+                    <a:noFill/>
+                  </a:tcPr>
+                </a:tc>
+                <a:tc>
+                  <a:txBody>
+                    <a:bodyPr/>
+                    <a:lstStyle>
+                      <a:lvl1pPr marL="0" algn="l" defTabSz="914400" rtl="0" eaLnBrk="1" latinLnBrk="0" hangingPunct="1">
+                        <a:defRPr sz="1800" kern="1200">
+                          <a:solidFill>
+                            <a:schemeClr val="tx1"/>
+                          </a:solidFill>
+                          <a:latin typeface="Calibri" panose="020F0502020204030204"/>
+                        </a:defRPr>
+                      </a:lvl1pPr>
+                      <a:lvl2pPr marL="457200" algn="l" defTabSz="914400" rtl="0" eaLnBrk="1" latinLnBrk="0" hangingPunct="1">
+                        <a:defRPr sz="1800" kern="1200">
+                          <a:solidFill>
+                            <a:schemeClr val="tx1"/>
+                          </a:solidFill>
+                          <a:latin typeface="Calibri" panose="020F0502020204030204"/>
+                        </a:defRPr>
+                      </a:lvl2pPr>
+                      <a:lvl3pPr marL="914400" algn="l" defTabSz="914400" rtl="0" eaLnBrk="1" latinLnBrk="0" hangingPunct="1">
+                        <a:defRPr sz="1800" kern="1200">
+                          <a:solidFill>
+                            <a:schemeClr val="tx1"/>
+                          </a:solidFill>
+                          <a:latin typeface="Calibri" panose="020F0502020204030204"/>
+                        </a:defRPr>
+                      </a:lvl3pPr>
+                      <a:lvl4pPr marL="1371600" algn="l" defTabSz="914400" rtl="0" eaLnBrk="1" latinLnBrk="0" hangingPunct="1">
+                        <a:defRPr sz="1800" kern="1200">
+                          <a:solidFill>
+                            <a:schemeClr val="tx1"/>
+                          </a:solidFill>
+                          <a:latin typeface="Calibri" panose="020F0502020204030204"/>
+                        </a:defRPr>
+                      </a:lvl4pPr>
+                      <a:lvl5pPr marL="1828800" algn="l" defTabSz="914400" rtl="0" eaLnBrk="1" latinLnBrk="0" hangingPunct="1">
+                        <a:defRPr sz="1800" kern="1200">
+                          <a:solidFill>
+                            <a:schemeClr val="tx1"/>
+                          </a:solidFill>
+                          <a:latin typeface="Calibri" panose="020F0502020204030204"/>
+                        </a:defRPr>
+                      </a:lvl5pPr>
+                      <a:lvl6pPr marL="2286000" algn="l" defTabSz="914400" rtl="0" eaLnBrk="1" latinLnBrk="0" hangingPunct="1">
+                        <a:defRPr sz="1800" kern="1200">
+                          <a:solidFill>
+                            <a:schemeClr val="tx1"/>
+                          </a:solidFill>
+                          <a:latin typeface="Calibri" panose="020F0502020204030204"/>
+                        </a:defRPr>
+                      </a:lvl6pPr>
+                      <a:lvl7pPr marL="2743200" algn="l" defTabSz="914400" rtl="0" eaLnBrk="1" latinLnBrk="0" hangingPunct="1">
+                        <a:defRPr sz="1800" kern="1200">
+                          <a:solidFill>
+                            <a:schemeClr val="tx1"/>
+                          </a:solidFill>
+                          <a:latin typeface="Calibri" panose="020F0502020204030204"/>
+                        </a:defRPr>
+                      </a:lvl7pPr>
+                      <a:lvl8pPr marL="3200400" algn="l" defTabSz="914400" rtl="0" eaLnBrk="1" latinLnBrk="0" hangingPunct="1">
+                        <a:defRPr sz="1800" kern="1200">
+                          <a:solidFill>
+                            <a:schemeClr val="tx1"/>
+                          </a:solidFill>
+                          <a:latin typeface="Calibri" panose="020F0502020204030204"/>
+                        </a:defRPr>
+                      </a:lvl8pPr>
+                      <a:lvl9pPr marL="3657600" algn="l" defTabSz="914400" rtl="0" eaLnBrk="1" latinLnBrk="0" hangingPunct="1">
+                        <a:defRPr sz="1800" kern="1200">
+                          <a:solidFill>
+                            <a:schemeClr val="tx1"/>
+                          </a:solidFill>
+                          <a:latin typeface="Calibri" panose="020F0502020204030204"/>
+                        </a:defRPr>
+                      </a:lvl9pPr>
+                    </a:lstStyle>
+                    <a:p>
+                      <a:pPr algn="ctr" fontAlgn="b"/>
+                      <a:r>
+                        <a:rPr lang="es-MX" sz="1400" b="1" u="none" strike="noStrike" dirty="0">
+                          <a:effectLst/>
+                        </a:rPr>
+                        <a:t>LONGITUD</a:t>
+                      </a:r>
+                      <a:endParaRPr lang="es-MX" sz="1400" b="1" i="0" u="none" strike="noStrike" dirty="0">
+                        <a:solidFill>
+                          <a:srgbClr val="000000"/>
+                        </a:solidFill>
+                        <a:effectLst/>
+                        <a:latin typeface="Calibri" panose="020F0502020204030204" pitchFamily="34" charset="0"/>
+                      </a:endParaRPr>
+                    </a:p>
+                  </a:txBody>
+                  <a:tcPr marL="9525" marR="9525" marT="9525" marB="0" anchor="b">
+                    <a:lnL>
+                      <a:noFill/>
+                    </a:lnL>
+                    <a:lnR>
+                      <a:noFill/>
+                    </a:lnR>
+                    <a:lnT w="12700" cmpd="sng">
+                      <a:solidFill>
+                        <a:srgbClr val="4472C4"/>
+                      </a:solidFill>
+                    </a:lnT>
+                    <a:lnB>
+                      <a:noFill/>
+                    </a:lnB>
+                    <a:lnTlToBr w="12700" cmpd="sng">
+                      <a:noFill/>
+                      <a:prstDash val="solid"/>
+                    </a:lnTlToBr>
+                    <a:lnBlToTr w="12700" cmpd="sng">
+                      <a:noFill/>
+                      <a:prstDash val="solid"/>
+                    </a:lnBlToTr>
+                    <a:noFill/>
+                  </a:tcPr>
+                </a:tc>
+                <a:tc>
+                  <a:txBody>
+                    <a:bodyPr/>
+                    <a:lstStyle>
+                      <a:lvl1pPr marL="0" algn="l" defTabSz="914400" rtl="0" eaLnBrk="1" latinLnBrk="0" hangingPunct="1">
+                        <a:defRPr sz="1800" kern="1200">
+                          <a:solidFill>
+                            <a:schemeClr val="tx1"/>
+                          </a:solidFill>
+                          <a:latin typeface="Calibri" panose="020F0502020204030204"/>
+                        </a:defRPr>
+                      </a:lvl1pPr>
+                      <a:lvl2pPr marL="457200" algn="l" defTabSz="914400" rtl="0" eaLnBrk="1" latinLnBrk="0" hangingPunct="1">
+                        <a:defRPr sz="1800" kern="1200">
+                          <a:solidFill>
+                            <a:schemeClr val="tx1"/>
+                          </a:solidFill>
+                          <a:latin typeface="Calibri" panose="020F0502020204030204"/>
+                        </a:defRPr>
+                      </a:lvl2pPr>
+                      <a:lvl3pPr marL="914400" algn="l" defTabSz="914400" rtl="0" eaLnBrk="1" latinLnBrk="0" hangingPunct="1">
+                        <a:defRPr sz="1800" kern="1200">
+                          <a:solidFill>
+                            <a:schemeClr val="tx1"/>
+                          </a:solidFill>
+                          <a:latin typeface="Calibri" panose="020F0502020204030204"/>
+                        </a:defRPr>
+                      </a:lvl3pPr>
+                      <a:lvl4pPr marL="1371600" algn="l" defTabSz="914400" rtl="0" eaLnBrk="1" latinLnBrk="0" hangingPunct="1">
+                        <a:defRPr sz="1800" kern="1200">
+                          <a:solidFill>
+                            <a:schemeClr val="tx1"/>
+                          </a:solidFill>
+                          <a:latin typeface="Calibri" panose="020F0502020204030204"/>
+                        </a:defRPr>
+                      </a:lvl4pPr>
+                      <a:lvl5pPr marL="1828800" algn="l" defTabSz="914400" rtl="0" eaLnBrk="1" latinLnBrk="0" hangingPunct="1">
+                        <a:defRPr sz="1800" kern="1200">
+                          <a:solidFill>
+                            <a:schemeClr val="tx1"/>
+                          </a:solidFill>
+                          <a:latin typeface="Calibri" panose="020F0502020204030204"/>
+                        </a:defRPr>
+                      </a:lvl5pPr>
+                      <a:lvl6pPr marL="2286000" algn="l" defTabSz="914400" rtl="0" eaLnBrk="1" latinLnBrk="0" hangingPunct="1">
+                        <a:defRPr sz="1800" kern="1200">
+                          <a:solidFill>
+                            <a:schemeClr val="tx1"/>
+                          </a:solidFill>
+                          <a:latin typeface="Calibri" panose="020F0502020204030204"/>
+                        </a:defRPr>
+                      </a:lvl6pPr>
+                      <a:lvl7pPr marL="2743200" algn="l" defTabSz="914400" rtl="0" eaLnBrk="1" latinLnBrk="0" hangingPunct="1">
+                        <a:defRPr sz="1800" kern="1200">
+                          <a:solidFill>
+                            <a:schemeClr val="tx1"/>
+                          </a:solidFill>
+                          <a:latin typeface="Calibri" panose="020F0502020204030204"/>
+                        </a:defRPr>
+                      </a:lvl7pPr>
+                      <a:lvl8pPr marL="3200400" algn="l" defTabSz="914400" rtl="0" eaLnBrk="1" latinLnBrk="0" hangingPunct="1">
+                        <a:defRPr sz="1800" kern="1200">
+                          <a:solidFill>
+                            <a:schemeClr val="tx1"/>
+                          </a:solidFill>
+                          <a:latin typeface="Calibri" panose="020F0502020204030204"/>
+                        </a:defRPr>
+                      </a:lvl8pPr>
+                      <a:lvl9pPr marL="3657600" algn="l" defTabSz="914400" rtl="0" eaLnBrk="1" latinLnBrk="0" hangingPunct="1">
+                        <a:defRPr sz="1800" kern="1200">
+                          <a:solidFill>
+                            <a:schemeClr val="tx1"/>
+                          </a:solidFill>
+                          <a:latin typeface="Calibri" panose="020F0502020204030204"/>
+                        </a:defRPr>
+                      </a:lvl9pPr>
+                    </a:lstStyle>
+                    <a:p>
+                      <a:pPr algn="ctr" fontAlgn="b"/>
+                      <a:r>
+                        <a:rPr lang="es-MX" sz="1400" b="1" u="none" strike="noStrike" dirty="0">
+                          <a:effectLst/>
+                        </a:rPr>
+                        <a:t>SRC</a:t>
+                      </a:r>
+                      <a:endParaRPr lang="es-MX" sz="1400" b="1" i="0" u="none" strike="noStrike" dirty="0">
+                        <a:solidFill>
+                          <a:srgbClr val="000000"/>
+                        </a:solidFill>
+                        <a:effectLst/>
+                        <a:latin typeface="Calibri" panose="020F0502020204030204" pitchFamily="34" charset="0"/>
+                      </a:endParaRPr>
+                    </a:p>
+                  </a:txBody>
+                  <a:tcPr marL="9525" marR="9525" marT="9525" marB="0" anchor="b">
+                    <a:lnL>
+                      <a:noFill/>
+                    </a:lnL>
+                    <a:lnR>
+                      <a:noFill/>
+                    </a:lnR>
+                    <a:lnT w="12700" cmpd="sng">
+                      <a:solidFill>
+                        <a:srgbClr val="4472C4"/>
+                      </a:solidFill>
+                    </a:lnT>
+                    <a:lnB>
+                      <a:noFill/>
+                    </a:lnB>
+                    <a:lnTlToBr w="12700" cmpd="sng">
+                      <a:noFill/>
+                      <a:prstDash val="solid"/>
+                    </a:lnTlToBr>
+                    <a:lnBlToTr w="12700" cmpd="sng">
+                      <a:noFill/>
+                      <a:prstDash val="solid"/>
+                    </a:lnBlToTr>
+                    <a:noFill/>
+                  </a:tcPr>
+                </a:tc>
+                <a:tc>
+                  <a:txBody>
+                    <a:bodyPr/>
+                    <a:lstStyle>
+                      <a:lvl1pPr marL="0" algn="l" defTabSz="914400" rtl="0" eaLnBrk="1" latinLnBrk="0" hangingPunct="1">
+                        <a:defRPr sz="1800" kern="1200">
+                          <a:solidFill>
+                            <a:schemeClr val="tx1"/>
+                          </a:solidFill>
+                          <a:latin typeface="Calibri" panose="020F0502020204030204"/>
+                        </a:defRPr>
+                      </a:lvl1pPr>
+                      <a:lvl2pPr marL="457200" algn="l" defTabSz="914400" rtl="0" eaLnBrk="1" latinLnBrk="0" hangingPunct="1">
+                        <a:defRPr sz="1800" kern="1200">
+                          <a:solidFill>
+                            <a:schemeClr val="tx1"/>
+                          </a:solidFill>
+                          <a:latin typeface="Calibri" panose="020F0502020204030204"/>
+                        </a:defRPr>
+                      </a:lvl2pPr>
+                      <a:lvl3pPr marL="914400" algn="l" defTabSz="914400" rtl="0" eaLnBrk="1" latinLnBrk="0" hangingPunct="1">
+                        <a:defRPr sz="1800" kern="1200">
+                          <a:solidFill>
+                            <a:schemeClr val="tx1"/>
+                          </a:solidFill>
+                          <a:latin typeface="Calibri" panose="020F0502020204030204"/>
+                        </a:defRPr>
+                      </a:lvl3pPr>
+                      <a:lvl4pPr marL="1371600" algn="l" defTabSz="914400" rtl="0" eaLnBrk="1" latinLnBrk="0" hangingPunct="1">
+                        <a:defRPr sz="1800" kern="1200">
+                          <a:solidFill>
+                            <a:schemeClr val="tx1"/>
+                          </a:solidFill>
+                          <a:latin typeface="Calibri" panose="020F0502020204030204"/>
+                        </a:defRPr>
+                      </a:lvl4pPr>
+                      <a:lvl5pPr marL="1828800" algn="l" defTabSz="914400" rtl="0" eaLnBrk="1" latinLnBrk="0" hangingPunct="1">
+                        <a:defRPr sz="1800" kern="1200">
+                          <a:solidFill>
+                            <a:schemeClr val="tx1"/>
+                          </a:solidFill>
+                          <a:latin typeface="Calibri" panose="020F0502020204030204"/>
+                        </a:defRPr>
+                      </a:lvl5pPr>
+                      <a:lvl6pPr marL="2286000" algn="l" defTabSz="914400" rtl="0" eaLnBrk="1" latinLnBrk="0" hangingPunct="1">
+                        <a:defRPr sz="1800" kern="1200">
+                          <a:solidFill>
+                            <a:schemeClr val="tx1"/>
+                          </a:solidFill>
+                          <a:latin typeface="Calibri" panose="020F0502020204030204"/>
+                        </a:defRPr>
+                      </a:lvl6pPr>
+                      <a:lvl7pPr marL="2743200" algn="l" defTabSz="914400" rtl="0" eaLnBrk="1" latinLnBrk="0" hangingPunct="1">
+                        <a:defRPr sz="1800" kern="1200">
+                          <a:solidFill>
+                            <a:schemeClr val="tx1"/>
+                          </a:solidFill>
+                          <a:latin typeface="Calibri" panose="020F0502020204030204"/>
+                        </a:defRPr>
+                      </a:lvl7pPr>
+                      <a:lvl8pPr marL="3200400" algn="l" defTabSz="914400" rtl="0" eaLnBrk="1" latinLnBrk="0" hangingPunct="1">
+                        <a:defRPr sz="1800" kern="1200">
+                          <a:solidFill>
+                            <a:schemeClr val="tx1"/>
+                          </a:solidFill>
+                          <a:latin typeface="Calibri" panose="020F0502020204030204"/>
+                        </a:defRPr>
+                      </a:lvl8pPr>
+                      <a:lvl9pPr marL="3657600" algn="l" defTabSz="914400" rtl="0" eaLnBrk="1" latinLnBrk="0" hangingPunct="1">
+                        <a:defRPr sz="1800" kern="1200">
+                          <a:solidFill>
+                            <a:schemeClr val="tx1"/>
+                          </a:solidFill>
+                          <a:latin typeface="Calibri" panose="020F0502020204030204"/>
+                        </a:defRPr>
+                      </a:lvl9pPr>
+                    </a:lstStyle>
+                    <a:p>
+                      <a:pPr algn="ctr" fontAlgn="b"/>
+                      <a:r>
+                        <a:rPr lang="es-MX" sz="1400" b="1" u="none" strike="noStrike">
+                          <a:effectLst/>
+                        </a:rPr>
+                        <a:t>CMD</a:t>
+                      </a:r>
+                      <a:endParaRPr lang="es-MX" sz="1400" b="1" i="0" u="none" strike="noStrike">
+                        <a:solidFill>
+                          <a:srgbClr val="000000"/>
+                        </a:solidFill>
+                        <a:effectLst/>
+                        <a:latin typeface="Calibri" panose="020F0502020204030204" pitchFamily="34" charset="0"/>
+                      </a:endParaRPr>
+                    </a:p>
+                  </a:txBody>
+                  <a:tcPr marL="9525" marR="9525" marT="9525" marB="0" anchor="b">
+                    <a:lnL>
+                      <a:noFill/>
+                    </a:lnL>
+                    <a:lnR>
+                      <a:noFill/>
+                    </a:lnR>
+                    <a:lnT w="12700" cmpd="sng">
+                      <a:solidFill>
+                        <a:srgbClr val="4472C4"/>
+                      </a:solidFill>
+                    </a:lnT>
+                    <a:lnB>
+                      <a:noFill/>
+                    </a:lnB>
+                    <a:lnTlToBr w="12700" cmpd="sng">
+                      <a:noFill/>
+                      <a:prstDash val="solid"/>
+                    </a:lnTlToBr>
+                    <a:lnBlToTr w="12700" cmpd="sng">
+                      <a:noFill/>
+                      <a:prstDash val="solid"/>
+                    </a:lnBlToTr>
+                    <a:noFill/>
+                  </a:tcPr>
+                </a:tc>
+                <a:tc>
+                  <a:txBody>
+                    <a:bodyPr/>
+                    <a:lstStyle>
+                      <a:lvl1pPr marL="0" algn="l" defTabSz="914400" rtl="0" eaLnBrk="1" latinLnBrk="0" hangingPunct="1">
+                        <a:defRPr sz="1800" kern="1200">
+                          <a:solidFill>
+                            <a:schemeClr val="tx1"/>
+                          </a:solidFill>
+                          <a:latin typeface="Calibri" panose="020F0502020204030204"/>
+                        </a:defRPr>
+                      </a:lvl1pPr>
+                      <a:lvl2pPr marL="457200" algn="l" defTabSz="914400" rtl="0" eaLnBrk="1" latinLnBrk="0" hangingPunct="1">
+                        <a:defRPr sz="1800" kern="1200">
+                          <a:solidFill>
+                            <a:schemeClr val="tx1"/>
+                          </a:solidFill>
+                          <a:latin typeface="Calibri" panose="020F0502020204030204"/>
+                        </a:defRPr>
+                      </a:lvl2pPr>
+                      <a:lvl3pPr marL="914400" algn="l" defTabSz="914400" rtl="0" eaLnBrk="1" latinLnBrk="0" hangingPunct="1">
+                        <a:defRPr sz="1800" kern="1200">
+                          <a:solidFill>
+                            <a:schemeClr val="tx1"/>
+                          </a:solidFill>
+                          <a:latin typeface="Calibri" panose="020F0502020204030204"/>
+                        </a:defRPr>
+                      </a:lvl3pPr>
+                      <a:lvl4pPr marL="1371600" algn="l" defTabSz="914400" rtl="0" eaLnBrk="1" latinLnBrk="0" hangingPunct="1">
+                        <a:defRPr sz="1800" kern="1200">
+                          <a:solidFill>
+                            <a:schemeClr val="tx1"/>
+                          </a:solidFill>
+                          <a:latin typeface="Calibri" panose="020F0502020204030204"/>
+                        </a:defRPr>
+                      </a:lvl4pPr>
+                      <a:lvl5pPr marL="1828800" algn="l" defTabSz="914400" rtl="0" eaLnBrk="1" latinLnBrk="0" hangingPunct="1">
+                        <a:defRPr sz="1800" kern="1200">
+                          <a:solidFill>
+                            <a:schemeClr val="tx1"/>
+                          </a:solidFill>
+                          <a:latin typeface="Calibri" panose="020F0502020204030204"/>
+                        </a:defRPr>
+                      </a:lvl5pPr>
+                      <a:lvl6pPr marL="2286000" algn="l" defTabSz="914400" rtl="0" eaLnBrk="1" latinLnBrk="0" hangingPunct="1">
+                        <a:defRPr sz="1800" kern="1200">
+                          <a:solidFill>
+                            <a:schemeClr val="tx1"/>
+                          </a:solidFill>
+                          <a:latin typeface="Calibri" panose="020F0502020204030204"/>
+                        </a:defRPr>
+                      </a:lvl6pPr>
+                      <a:lvl7pPr marL="2743200" algn="l" defTabSz="914400" rtl="0" eaLnBrk="1" latinLnBrk="0" hangingPunct="1">
+                        <a:defRPr sz="1800" kern="1200">
+                          <a:solidFill>
+                            <a:schemeClr val="tx1"/>
+                          </a:solidFill>
+                          <a:latin typeface="Calibri" panose="020F0502020204030204"/>
+                        </a:defRPr>
+                      </a:lvl7pPr>
+                      <a:lvl8pPr marL="3200400" algn="l" defTabSz="914400" rtl="0" eaLnBrk="1" latinLnBrk="0" hangingPunct="1">
+                        <a:defRPr sz="1800" kern="1200">
+                          <a:solidFill>
+                            <a:schemeClr val="tx1"/>
+                          </a:solidFill>
+                          <a:latin typeface="Calibri" panose="020F0502020204030204"/>
+                        </a:defRPr>
+                      </a:lvl8pPr>
+                      <a:lvl9pPr marL="3657600" algn="l" defTabSz="914400" rtl="0" eaLnBrk="1" latinLnBrk="0" hangingPunct="1">
+                        <a:defRPr sz="1800" kern="1200">
+                          <a:solidFill>
+                            <a:schemeClr val="tx1"/>
+                          </a:solidFill>
+                          <a:latin typeface="Calibri" panose="020F0502020204030204"/>
+                        </a:defRPr>
+                      </a:lvl9pPr>
+                    </a:lstStyle>
+                    <a:p>
+                      <a:pPr algn="ctr" fontAlgn="b"/>
+                      <a:r>
+                        <a:rPr lang="es-MX" sz="1400" b="1" u="none" strike="noStrike">
+                          <a:effectLst/>
+                        </a:rPr>
+                        <a:t>ERD</a:t>
+                      </a:r>
+                      <a:endParaRPr lang="es-MX" sz="1400" b="1" i="0" u="none" strike="noStrike">
+                        <a:solidFill>
+                          <a:srgbClr val="000000"/>
+                        </a:solidFill>
+                        <a:effectLst/>
+                        <a:latin typeface="Calibri" panose="020F0502020204030204" pitchFamily="34" charset="0"/>
+                      </a:endParaRPr>
+                    </a:p>
+                  </a:txBody>
+                  <a:tcPr marL="9525" marR="9525" marT="9525" marB="0" anchor="b">
+                    <a:lnL>
+                      <a:noFill/>
+                    </a:lnL>
+                    <a:lnR>
+                      <a:noFill/>
+                    </a:lnR>
+                    <a:lnT w="12700" cmpd="sng">
+                      <a:solidFill>
+                        <a:srgbClr val="4472C4"/>
+                      </a:solidFill>
+                    </a:lnT>
+                    <a:lnB>
+                      <a:noFill/>
+                    </a:lnB>
+                    <a:lnTlToBr w="12700" cmpd="sng">
+                      <a:noFill/>
+                      <a:prstDash val="solid"/>
+                    </a:lnTlToBr>
+                    <a:lnBlToTr w="12700" cmpd="sng">
+                      <a:noFill/>
+                      <a:prstDash val="solid"/>
+                    </a:lnBlToTr>
+                    <a:noFill/>
+                  </a:tcPr>
+                </a:tc>
+                <a:extLst>
+                  <a:ext uri="{0D108BD9-81ED-4DB2-BD59-A6C34878D82A}">
+                    <a16:rowId xmlns:a16="http://schemas.microsoft.com/office/drawing/2014/main" val="813745606"/>
+                  </a:ext>
+                </a:extLst>
+              </a:tr>
+              <a:tr h="228092">
+                <a:tc>
+                  <a:txBody>
+                    <a:bodyPr/>
+                    <a:lstStyle>
+                      <a:lvl1pPr marL="0" algn="l" defTabSz="914400" rtl="0" eaLnBrk="1" latinLnBrk="0" hangingPunct="1">
+                        <a:defRPr sz="1800" kern="1200">
+                          <a:solidFill>
+                            <a:schemeClr val="tx1"/>
+                          </a:solidFill>
+                          <a:latin typeface="Calibri" panose="020F0502020204030204"/>
+                        </a:defRPr>
+                      </a:lvl1pPr>
+                      <a:lvl2pPr marL="457200" algn="l" defTabSz="914400" rtl="0" eaLnBrk="1" latinLnBrk="0" hangingPunct="1">
+                        <a:defRPr sz="1800" kern="1200">
+                          <a:solidFill>
+                            <a:schemeClr val="tx1"/>
+                          </a:solidFill>
+                          <a:latin typeface="Calibri" panose="020F0502020204030204"/>
+                        </a:defRPr>
+                      </a:lvl2pPr>
+                      <a:lvl3pPr marL="914400" algn="l" defTabSz="914400" rtl="0" eaLnBrk="1" latinLnBrk="0" hangingPunct="1">
+                        <a:defRPr sz="1800" kern="1200">
+                          <a:solidFill>
+                            <a:schemeClr val="tx1"/>
+                          </a:solidFill>
+                          <a:latin typeface="Calibri" panose="020F0502020204030204"/>
+                        </a:defRPr>
+                      </a:lvl3pPr>
+                      <a:lvl4pPr marL="1371600" algn="l" defTabSz="914400" rtl="0" eaLnBrk="1" latinLnBrk="0" hangingPunct="1">
+                        <a:defRPr sz="1800" kern="1200">
+                          <a:solidFill>
+                            <a:schemeClr val="tx1"/>
+                          </a:solidFill>
+                          <a:latin typeface="Calibri" panose="020F0502020204030204"/>
+                        </a:defRPr>
+                      </a:lvl4pPr>
+                      <a:lvl5pPr marL="1828800" algn="l" defTabSz="914400" rtl="0" eaLnBrk="1" latinLnBrk="0" hangingPunct="1">
+                        <a:defRPr sz="1800" kern="1200">
+                          <a:solidFill>
+                            <a:schemeClr val="tx1"/>
+                          </a:solidFill>
+                          <a:latin typeface="Calibri" panose="020F0502020204030204"/>
+                        </a:defRPr>
+                      </a:lvl5pPr>
+                      <a:lvl6pPr marL="2286000" algn="l" defTabSz="914400" rtl="0" eaLnBrk="1" latinLnBrk="0" hangingPunct="1">
+                        <a:defRPr sz="1800" kern="1200">
+                          <a:solidFill>
+                            <a:schemeClr val="tx1"/>
+                          </a:solidFill>
+                          <a:latin typeface="Calibri" panose="020F0502020204030204"/>
+                        </a:defRPr>
+                      </a:lvl6pPr>
+                      <a:lvl7pPr marL="2743200" algn="l" defTabSz="914400" rtl="0" eaLnBrk="1" latinLnBrk="0" hangingPunct="1">
+                        <a:defRPr sz="1800" kern="1200">
+                          <a:solidFill>
+                            <a:schemeClr val="tx1"/>
+                          </a:solidFill>
+                          <a:latin typeface="Calibri" panose="020F0502020204030204"/>
+                        </a:defRPr>
+                      </a:lvl7pPr>
+                      <a:lvl8pPr marL="3200400" algn="l" defTabSz="914400" rtl="0" eaLnBrk="1" latinLnBrk="0" hangingPunct="1">
+                        <a:defRPr sz="1800" kern="1200">
+                          <a:solidFill>
+                            <a:schemeClr val="tx1"/>
+                          </a:solidFill>
+                          <a:latin typeface="Calibri" panose="020F0502020204030204"/>
+                        </a:defRPr>
+                      </a:lvl8pPr>
+                      <a:lvl9pPr marL="3657600" algn="l" defTabSz="914400" rtl="0" eaLnBrk="1" latinLnBrk="0" hangingPunct="1">
+                        <a:defRPr sz="1800" kern="1200">
+                          <a:solidFill>
+                            <a:schemeClr val="tx1"/>
+                          </a:solidFill>
+                          <a:latin typeface="Calibri" panose="020F0502020204030204"/>
+                        </a:defRPr>
+                      </a:lvl9pPr>
+                    </a:lstStyle>
+                    <a:p>
+                      <a:pPr algn="ctr" fontAlgn="ctr"/>
+                      <a:r>
+                        <a:rPr lang="es-MX" sz="1400" b="1" u="none" strike="noStrike">
+                          <a:effectLst/>
+                        </a:rPr>
+                        <a:t>XX</a:t>
+                      </a:r>
+                      <a:endParaRPr lang="es-MX" sz="1400" b="1" i="0" u="none" strike="noStrike">
+                        <a:solidFill>
+                          <a:srgbClr val="000000"/>
+                        </a:solidFill>
+                        <a:effectLst/>
+                        <a:latin typeface="Calibri" panose="020F0502020204030204" pitchFamily="34" charset="0"/>
+                      </a:endParaRPr>
+                    </a:p>
+                  </a:txBody>
+                  <a:tcPr marL="9525" marR="9525" marT="9525" marB="0" anchor="ctr">
+                    <a:lnL>
+                      <a:noFill/>
+                    </a:lnL>
+                    <a:lnR>
+                      <a:noFill/>
+                    </a:lnR>
+                    <a:lnT>
+                      <a:noFill/>
+                    </a:lnT>
+                    <a:lnB w="12700" cmpd="sng">
+                      <a:solidFill>
+                        <a:srgbClr val="4472C4"/>
+                      </a:solidFill>
+                    </a:lnB>
+                    <a:lnTlToBr w="12700" cmpd="sng">
+                      <a:noFill/>
+                      <a:prstDash val="solid"/>
+                    </a:lnTlToBr>
+                    <a:lnBlToTr w="12700" cmpd="sng">
+                      <a:noFill/>
+                      <a:prstDash val="solid"/>
+                    </a:lnBlToTr>
+                    <a:noFill/>
+                  </a:tcPr>
+                </a:tc>
+                <a:tc>
+                  <a:txBody>
+                    <a:bodyPr/>
+                    <a:lstStyle>
+                      <a:lvl1pPr marL="0" algn="l" defTabSz="914400" rtl="0" eaLnBrk="1" latinLnBrk="0" hangingPunct="1">
+                        <a:defRPr sz="1800" kern="1200">
+                          <a:solidFill>
+                            <a:schemeClr val="tx1"/>
+                          </a:solidFill>
+                          <a:latin typeface="Calibri" panose="020F0502020204030204"/>
+                        </a:defRPr>
+                      </a:lvl1pPr>
+                      <a:lvl2pPr marL="457200" algn="l" defTabSz="914400" rtl="0" eaLnBrk="1" latinLnBrk="0" hangingPunct="1">
+                        <a:defRPr sz="1800" kern="1200">
+                          <a:solidFill>
+                            <a:schemeClr val="tx1"/>
+                          </a:solidFill>
+                          <a:latin typeface="Calibri" panose="020F0502020204030204"/>
+                        </a:defRPr>
+                      </a:lvl2pPr>
+                      <a:lvl3pPr marL="914400" algn="l" defTabSz="914400" rtl="0" eaLnBrk="1" latinLnBrk="0" hangingPunct="1">
+                        <a:defRPr sz="1800" kern="1200">
+                          <a:solidFill>
+                            <a:schemeClr val="tx1"/>
+                          </a:solidFill>
+                          <a:latin typeface="Calibri" panose="020F0502020204030204"/>
+                        </a:defRPr>
+                      </a:lvl3pPr>
+                      <a:lvl4pPr marL="1371600" algn="l" defTabSz="914400" rtl="0" eaLnBrk="1" latinLnBrk="0" hangingPunct="1">
+                        <a:defRPr sz="1800" kern="1200">
+                          <a:solidFill>
+                            <a:schemeClr val="tx1"/>
+                          </a:solidFill>
+                          <a:latin typeface="Calibri" panose="020F0502020204030204"/>
+                        </a:defRPr>
+                      </a:lvl4pPr>
+                      <a:lvl5pPr marL="1828800" algn="l" defTabSz="914400" rtl="0" eaLnBrk="1" latinLnBrk="0" hangingPunct="1">
+                        <a:defRPr sz="1800" kern="1200">
+                          <a:solidFill>
+                            <a:schemeClr val="tx1"/>
+                          </a:solidFill>
+                          <a:latin typeface="Calibri" panose="020F0502020204030204"/>
+                        </a:defRPr>
+                      </a:lvl5pPr>
+                      <a:lvl6pPr marL="2286000" algn="l" defTabSz="914400" rtl="0" eaLnBrk="1" latinLnBrk="0" hangingPunct="1">
+                        <a:defRPr sz="1800" kern="1200">
+                          <a:solidFill>
+                            <a:schemeClr val="tx1"/>
+                          </a:solidFill>
+                          <a:latin typeface="Calibri" panose="020F0502020204030204"/>
+                        </a:defRPr>
+                      </a:lvl6pPr>
+                      <a:lvl7pPr marL="2743200" algn="l" defTabSz="914400" rtl="0" eaLnBrk="1" latinLnBrk="0" hangingPunct="1">
+                        <a:defRPr sz="1800" kern="1200">
+                          <a:solidFill>
+                            <a:schemeClr val="tx1"/>
+                          </a:solidFill>
+                          <a:latin typeface="Calibri" panose="020F0502020204030204"/>
+                        </a:defRPr>
+                      </a:lvl7pPr>
+                      <a:lvl8pPr marL="3200400" algn="l" defTabSz="914400" rtl="0" eaLnBrk="1" latinLnBrk="0" hangingPunct="1">
+                        <a:defRPr sz="1800" kern="1200">
+                          <a:solidFill>
+                            <a:schemeClr val="tx1"/>
+                          </a:solidFill>
+                          <a:latin typeface="Calibri" panose="020F0502020204030204"/>
+                        </a:defRPr>
+                      </a:lvl8pPr>
+                      <a:lvl9pPr marL="3657600" algn="l" defTabSz="914400" rtl="0" eaLnBrk="1" latinLnBrk="0" hangingPunct="1">
+                        <a:defRPr sz="1800" kern="1200">
+                          <a:solidFill>
+                            <a:schemeClr val="tx1"/>
+                          </a:solidFill>
+                          <a:latin typeface="Calibri" panose="020F0502020204030204"/>
+                        </a:defRPr>
+                      </a:lvl9pPr>
+                    </a:lstStyle>
+                    <a:p>
+                      <a:pPr algn="ctr" fontAlgn="ctr"/>
+                      <a:r>
+                        <a:rPr lang="es-MX" sz="1400" b="1" u="none" strike="noStrike" dirty="0">
+                          <a:effectLst/>
+                        </a:rPr>
+                        <a:t>XX</a:t>
+                      </a:r>
+                      <a:endParaRPr lang="es-MX" sz="1400" b="1" i="0" u="none" strike="noStrike" dirty="0">
+                        <a:solidFill>
+                          <a:srgbClr val="000000"/>
+                        </a:solidFill>
+                        <a:effectLst/>
+                        <a:latin typeface="Calibri" panose="020F0502020204030204" pitchFamily="34" charset="0"/>
+                      </a:endParaRPr>
+                    </a:p>
+                  </a:txBody>
+                  <a:tcPr marL="9525" marR="9525" marT="9525" marB="0" anchor="ctr">
+                    <a:lnL>
+                      <a:noFill/>
+                    </a:lnL>
+                    <a:lnR>
+                      <a:noFill/>
+                    </a:lnR>
+                    <a:lnT>
+                      <a:noFill/>
+                    </a:lnT>
+                    <a:lnB w="12700" cmpd="sng">
+                      <a:solidFill>
+                        <a:srgbClr val="4472C4"/>
+                      </a:solidFill>
+                    </a:lnB>
+                    <a:lnTlToBr w="12700" cmpd="sng">
+                      <a:noFill/>
+                      <a:prstDash val="solid"/>
+                    </a:lnTlToBr>
+                    <a:lnBlToTr w="12700" cmpd="sng">
+                      <a:noFill/>
+                      <a:prstDash val="solid"/>
+                    </a:lnBlToTr>
+                    <a:noFill/>
+                  </a:tcPr>
+                </a:tc>
+                <a:tc>
+                  <a:txBody>
+                    <a:bodyPr/>
+                    <a:lstStyle>
+                      <a:lvl1pPr marL="0" algn="l" defTabSz="914400" rtl="0" eaLnBrk="1" latinLnBrk="0" hangingPunct="1">
+                        <a:defRPr sz="1800" kern="1200">
+                          <a:solidFill>
+                            <a:schemeClr val="tx1"/>
+                          </a:solidFill>
+                          <a:latin typeface="Calibri" panose="020F0502020204030204"/>
+                        </a:defRPr>
+                      </a:lvl1pPr>
+                      <a:lvl2pPr marL="457200" algn="l" defTabSz="914400" rtl="0" eaLnBrk="1" latinLnBrk="0" hangingPunct="1">
+                        <a:defRPr sz="1800" kern="1200">
+                          <a:solidFill>
+                            <a:schemeClr val="tx1"/>
+                          </a:solidFill>
+                          <a:latin typeface="Calibri" panose="020F0502020204030204"/>
+                        </a:defRPr>
+                      </a:lvl2pPr>
+                      <a:lvl3pPr marL="914400" algn="l" defTabSz="914400" rtl="0" eaLnBrk="1" latinLnBrk="0" hangingPunct="1">
+                        <a:defRPr sz="1800" kern="1200">
+                          <a:solidFill>
+                            <a:schemeClr val="tx1"/>
+                          </a:solidFill>
+                          <a:latin typeface="Calibri" panose="020F0502020204030204"/>
+                        </a:defRPr>
+                      </a:lvl3pPr>
+                      <a:lvl4pPr marL="1371600" algn="l" defTabSz="914400" rtl="0" eaLnBrk="1" latinLnBrk="0" hangingPunct="1">
+                        <a:defRPr sz="1800" kern="1200">
+                          <a:solidFill>
+                            <a:schemeClr val="tx1"/>
+                          </a:solidFill>
+                          <a:latin typeface="Calibri" panose="020F0502020204030204"/>
+                        </a:defRPr>
+                      </a:lvl4pPr>
+                      <a:lvl5pPr marL="1828800" algn="l" defTabSz="914400" rtl="0" eaLnBrk="1" latinLnBrk="0" hangingPunct="1">
+                        <a:defRPr sz="1800" kern="1200">
+                          <a:solidFill>
+                            <a:schemeClr val="tx1"/>
+                          </a:solidFill>
+                          <a:latin typeface="Calibri" panose="020F0502020204030204"/>
+                        </a:defRPr>
+                      </a:lvl5pPr>
+                      <a:lvl6pPr marL="2286000" algn="l" defTabSz="914400" rtl="0" eaLnBrk="1" latinLnBrk="0" hangingPunct="1">
+                        <a:defRPr sz="1800" kern="1200">
+                          <a:solidFill>
+                            <a:schemeClr val="tx1"/>
+                          </a:solidFill>
+                          <a:latin typeface="Calibri" panose="020F0502020204030204"/>
+                        </a:defRPr>
+                      </a:lvl6pPr>
+                      <a:lvl7pPr marL="2743200" algn="l" defTabSz="914400" rtl="0" eaLnBrk="1" latinLnBrk="0" hangingPunct="1">
+                        <a:defRPr sz="1800" kern="1200">
+                          <a:solidFill>
+                            <a:schemeClr val="tx1"/>
+                          </a:solidFill>
+                          <a:latin typeface="Calibri" panose="020F0502020204030204"/>
+                        </a:defRPr>
+                      </a:lvl7pPr>
+                      <a:lvl8pPr marL="3200400" algn="l" defTabSz="914400" rtl="0" eaLnBrk="1" latinLnBrk="0" hangingPunct="1">
+                        <a:defRPr sz="1800" kern="1200">
+                          <a:solidFill>
+                            <a:schemeClr val="tx1"/>
+                          </a:solidFill>
+                          <a:latin typeface="Calibri" panose="020F0502020204030204"/>
+                        </a:defRPr>
+                      </a:lvl8pPr>
+                      <a:lvl9pPr marL="3657600" algn="l" defTabSz="914400" rtl="0" eaLnBrk="1" latinLnBrk="0" hangingPunct="1">
+                        <a:defRPr sz="1800" kern="1200">
+                          <a:solidFill>
+                            <a:schemeClr val="tx1"/>
+                          </a:solidFill>
+                          <a:latin typeface="Calibri" panose="020F0502020204030204"/>
+                        </a:defRPr>
+                      </a:lvl9pPr>
+                    </a:lstStyle>
+                    <a:p>
+                      <a:pPr algn="ctr" fontAlgn="ctr"/>
+                      <a:r>
+                        <a:rPr lang="es-MX" sz="1400" b="1" u="none" strike="noStrike">
+                          <a:effectLst/>
+                        </a:rPr>
+                        <a:t>E4</a:t>
+                      </a:r>
+                      <a:endParaRPr lang="es-MX" sz="1400" b="1" i="0" u="none" strike="noStrike">
+                        <a:solidFill>
+                          <a:srgbClr val="000000"/>
+                        </a:solidFill>
+                        <a:effectLst/>
+                        <a:latin typeface="Calibri" panose="020F0502020204030204" pitchFamily="34" charset="0"/>
+                      </a:endParaRPr>
+                    </a:p>
+                  </a:txBody>
+                  <a:tcPr marL="9525" marR="9525" marT="9525" marB="0" anchor="ctr">
+                    <a:lnL>
+                      <a:noFill/>
+                    </a:lnL>
+                    <a:lnR>
+                      <a:noFill/>
+                    </a:lnR>
+                    <a:lnT>
+                      <a:noFill/>
+                    </a:lnT>
+                    <a:lnB w="12700" cmpd="sng">
+                      <a:solidFill>
+                        <a:srgbClr val="4472C4"/>
+                      </a:solidFill>
+                    </a:lnB>
+                    <a:lnTlToBr w="12700" cmpd="sng">
+                      <a:noFill/>
+                      <a:prstDash val="solid"/>
+                    </a:lnTlToBr>
+                    <a:lnBlToTr w="12700" cmpd="sng">
+                      <a:noFill/>
+                      <a:prstDash val="solid"/>
+                    </a:lnBlToTr>
+                    <a:noFill/>
+                  </a:tcPr>
+                </a:tc>
+                <a:tc>
+                  <a:txBody>
+                    <a:bodyPr/>
+                    <a:lstStyle>
+                      <a:lvl1pPr marL="0" algn="l" defTabSz="914400" rtl="0" eaLnBrk="1" latinLnBrk="0" hangingPunct="1">
+                        <a:defRPr sz="1800" kern="1200">
+                          <a:solidFill>
+                            <a:schemeClr val="tx1"/>
+                          </a:solidFill>
+                          <a:latin typeface="Calibri" panose="020F0502020204030204"/>
+                        </a:defRPr>
+                      </a:lvl1pPr>
+                      <a:lvl2pPr marL="457200" algn="l" defTabSz="914400" rtl="0" eaLnBrk="1" latinLnBrk="0" hangingPunct="1">
+                        <a:defRPr sz="1800" kern="1200">
+                          <a:solidFill>
+                            <a:schemeClr val="tx1"/>
+                          </a:solidFill>
+                          <a:latin typeface="Calibri" panose="020F0502020204030204"/>
+                        </a:defRPr>
+                      </a:lvl2pPr>
+                      <a:lvl3pPr marL="914400" algn="l" defTabSz="914400" rtl="0" eaLnBrk="1" latinLnBrk="0" hangingPunct="1">
+                        <a:defRPr sz="1800" kern="1200">
+                          <a:solidFill>
+                            <a:schemeClr val="tx1"/>
+                          </a:solidFill>
+                          <a:latin typeface="Calibri" panose="020F0502020204030204"/>
+                        </a:defRPr>
+                      </a:lvl3pPr>
+                      <a:lvl4pPr marL="1371600" algn="l" defTabSz="914400" rtl="0" eaLnBrk="1" latinLnBrk="0" hangingPunct="1">
+                        <a:defRPr sz="1800" kern="1200">
+                          <a:solidFill>
+                            <a:schemeClr val="tx1"/>
+                          </a:solidFill>
+                          <a:latin typeface="Calibri" panose="020F0502020204030204"/>
+                        </a:defRPr>
+                      </a:lvl4pPr>
+                      <a:lvl5pPr marL="1828800" algn="l" defTabSz="914400" rtl="0" eaLnBrk="1" latinLnBrk="0" hangingPunct="1">
+                        <a:defRPr sz="1800" kern="1200">
+                          <a:solidFill>
+                            <a:schemeClr val="tx1"/>
+                          </a:solidFill>
+                          <a:latin typeface="Calibri" panose="020F0502020204030204"/>
+                        </a:defRPr>
+                      </a:lvl5pPr>
+                      <a:lvl6pPr marL="2286000" algn="l" defTabSz="914400" rtl="0" eaLnBrk="1" latinLnBrk="0" hangingPunct="1">
+                        <a:defRPr sz="1800" kern="1200">
+                          <a:solidFill>
+                            <a:schemeClr val="tx1"/>
+                          </a:solidFill>
+                          <a:latin typeface="Calibri" panose="020F0502020204030204"/>
+                        </a:defRPr>
+                      </a:lvl6pPr>
+                      <a:lvl7pPr marL="2743200" algn="l" defTabSz="914400" rtl="0" eaLnBrk="1" latinLnBrk="0" hangingPunct="1">
+                        <a:defRPr sz="1800" kern="1200">
+                          <a:solidFill>
+                            <a:schemeClr val="tx1"/>
+                          </a:solidFill>
+                          <a:latin typeface="Calibri" panose="020F0502020204030204"/>
+                        </a:defRPr>
+                      </a:lvl7pPr>
+                      <a:lvl8pPr marL="3200400" algn="l" defTabSz="914400" rtl="0" eaLnBrk="1" latinLnBrk="0" hangingPunct="1">
+                        <a:defRPr sz="1800" kern="1200">
+                          <a:solidFill>
+                            <a:schemeClr val="tx1"/>
+                          </a:solidFill>
+                          <a:latin typeface="Calibri" panose="020F0502020204030204"/>
+                        </a:defRPr>
+                      </a:lvl8pPr>
+                      <a:lvl9pPr marL="3657600" algn="l" defTabSz="914400" rtl="0" eaLnBrk="1" latinLnBrk="0" hangingPunct="1">
+                        <a:defRPr sz="1800" kern="1200">
+                          <a:solidFill>
+                            <a:schemeClr val="tx1"/>
+                          </a:solidFill>
+                          <a:latin typeface="Calibri" panose="020F0502020204030204"/>
+                        </a:defRPr>
+                      </a:lvl9pPr>
+                    </a:lstStyle>
+                    <a:p>
+                      <a:pPr algn="ctr" fontAlgn="ctr"/>
+                      <a:r>
+                        <a:rPr lang="es-MX" sz="1400" b="1" u="none" strike="noStrike">
+                          <a:effectLst/>
+                        </a:rPr>
+                        <a:t>A0 00</a:t>
+                      </a:r>
+                      <a:endParaRPr lang="es-MX" sz="1400" b="1" i="0" u="none" strike="noStrike">
+                        <a:solidFill>
+                          <a:srgbClr val="000000"/>
+                        </a:solidFill>
+                        <a:effectLst/>
+                        <a:latin typeface="Calibri" panose="020F0502020204030204" pitchFamily="34" charset="0"/>
+                      </a:endParaRPr>
+                    </a:p>
+                  </a:txBody>
+                  <a:tcPr marL="9525" marR="9525" marT="9525" marB="0" anchor="ctr">
+                    <a:lnL>
+                      <a:noFill/>
+                    </a:lnL>
+                    <a:lnR>
+                      <a:noFill/>
+                    </a:lnR>
+                    <a:lnT>
+                      <a:noFill/>
+                    </a:lnT>
+                    <a:lnB w="12700" cmpd="sng">
+                      <a:solidFill>
+                        <a:srgbClr val="4472C4"/>
+                      </a:solidFill>
+                    </a:lnB>
+                    <a:lnTlToBr w="12700" cmpd="sng">
+                      <a:noFill/>
+                      <a:prstDash val="solid"/>
+                    </a:lnTlToBr>
+                    <a:lnBlToTr w="12700" cmpd="sng">
+                      <a:noFill/>
+                      <a:prstDash val="solid"/>
+                    </a:lnBlToTr>
+                    <a:noFill/>
+                  </a:tcPr>
+                </a:tc>
+                <a:tc>
+                  <a:txBody>
+                    <a:bodyPr/>
+                    <a:lstStyle>
+                      <a:lvl1pPr marL="0" algn="l" defTabSz="914400" rtl="0" eaLnBrk="1" latinLnBrk="0" hangingPunct="1">
+                        <a:defRPr sz="1800" kern="1200">
+                          <a:solidFill>
+                            <a:schemeClr val="tx1"/>
+                          </a:solidFill>
+                          <a:latin typeface="Calibri" panose="020F0502020204030204"/>
+                        </a:defRPr>
+                      </a:lvl1pPr>
+                      <a:lvl2pPr marL="457200" algn="l" defTabSz="914400" rtl="0" eaLnBrk="1" latinLnBrk="0" hangingPunct="1">
+                        <a:defRPr sz="1800" kern="1200">
+                          <a:solidFill>
+                            <a:schemeClr val="tx1"/>
+                          </a:solidFill>
+                          <a:latin typeface="Calibri" panose="020F0502020204030204"/>
+                        </a:defRPr>
+                      </a:lvl2pPr>
+                      <a:lvl3pPr marL="914400" algn="l" defTabSz="914400" rtl="0" eaLnBrk="1" latinLnBrk="0" hangingPunct="1">
+                        <a:defRPr sz="1800" kern="1200">
+                          <a:solidFill>
+                            <a:schemeClr val="tx1"/>
+                          </a:solidFill>
+                          <a:latin typeface="Calibri" panose="020F0502020204030204"/>
+                        </a:defRPr>
+                      </a:lvl3pPr>
+                      <a:lvl4pPr marL="1371600" algn="l" defTabSz="914400" rtl="0" eaLnBrk="1" latinLnBrk="0" hangingPunct="1">
+                        <a:defRPr sz="1800" kern="1200">
+                          <a:solidFill>
+                            <a:schemeClr val="tx1"/>
+                          </a:solidFill>
+                          <a:latin typeface="Calibri" panose="020F0502020204030204"/>
+                        </a:defRPr>
+                      </a:lvl4pPr>
+                      <a:lvl5pPr marL="1828800" algn="l" defTabSz="914400" rtl="0" eaLnBrk="1" latinLnBrk="0" hangingPunct="1">
+                        <a:defRPr sz="1800" kern="1200">
+                          <a:solidFill>
+                            <a:schemeClr val="tx1"/>
+                          </a:solidFill>
+                          <a:latin typeface="Calibri" panose="020F0502020204030204"/>
+                        </a:defRPr>
+                      </a:lvl5pPr>
+                      <a:lvl6pPr marL="2286000" algn="l" defTabSz="914400" rtl="0" eaLnBrk="1" latinLnBrk="0" hangingPunct="1">
+                        <a:defRPr sz="1800" kern="1200">
+                          <a:solidFill>
+                            <a:schemeClr val="tx1"/>
+                          </a:solidFill>
+                          <a:latin typeface="Calibri" panose="020F0502020204030204"/>
+                        </a:defRPr>
+                      </a:lvl6pPr>
+                      <a:lvl7pPr marL="2743200" algn="l" defTabSz="914400" rtl="0" eaLnBrk="1" latinLnBrk="0" hangingPunct="1">
+                        <a:defRPr sz="1800" kern="1200">
+                          <a:solidFill>
+                            <a:schemeClr val="tx1"/>
+                          </a:solidFill>
+                          <a:latin typeface="Calibri" panose="020F0502020204030204"/>
+                        </a:defRPr>
+                      </a:lvl7pPr>
+                      <a:lvl8pPr marL="3200400" algn="l" defTabSz="914400" rtl="0" eaLnBrk="1" latinLnBrk="0" hangingPunct="1">
+                        <a:defRPr sz="1800" kern="1200">
+                          <a:solidFill>
+                            <a:schemeClr val="tx1"/>
+                          </a:solidFill>
+                          <a:latin typeface="Calibri" panose="020F0502020204030204"/>
+                        </a:defRPr>
+                      </a:lvl8pPr>
+                      <a:lvl9pPr marL="3657600" algn="l" defTabSz="914400" rtl="0" eaLnBrk="1" latinLnBrk="0" hangingPunct="1">
+                        <a:defRPr sz="1800" kern="1200">
+                          <a:solidFill>
+                            <a:schemeClr val="tx1"/>
+                          </a:solidFill>
+                          <a:latin typeface="Calibri" panose="020F0502020204030204"/>
+                        </a:defRPr>
+                      </a:lvl9pPr>
+                    </a:lstStyle>
+                    <a:p>
+                      <a:pPr algn="ctr" fontAlgn="ctr"/>
+                      <a:r>
+                        <a:rPr lang="es-MX" sz="1400" b="1" u="none" strike="noStrike" dirty="0">
+                          <a:effectLst/>
+                        </a:rPr>
+                        <a:t>XX </a:t>
+                      </a:r>
+                      <a:r>
+                        <a:rPr lang="es-MX" sz="1400" b="1" u="none" strike="noStrike" dirty="0" err="1">
+                          <a:effectLst/>
+                        </a:rPr>
+                        <a:t>XX</a:t>
+                      </a:r>
+                      <a:endParaRPr lang="es-MX" sz="1400" b="1" i="0" u="none" strike="noStrike" dirty="0">
+                        <a:solidFill>
+                          <a:srgbClr val="000000"/>
+                        </a:solidFill>
+                        <a:effectLst/>
+                        <a:latin typeface="Calibri" panose="020F0502020204030204" pitchFamily="34" charset="0"/>
+                      </a:endParaRPr>
+                    </a:p>
+                  </a:txBody>
+                  <a:tcPr marL="9525" marR="9525" marT="9525" marB="0" anchor="ctr">
+                    <a:lnL>
+                      <a:noFill/>
+                    </a:lnL>
+                    <a:lnR>
+                      <a:noFill/>
+                    </a:lnR>
+                    <a:lnT>
+                      <a:noFill/>
+                    </a:lnT>
+                    <a:lnB w="12700" cmpd="sng">
+                      <a:solidFill>
+                        <a:srgbClr val="4472C4"/>
+                      </a:solidFill>
+                    </a:lnB>
+                    <a:lnTlToBr w="12700" cmpd="sng">
+                      <a:noFill/>
+                      <a:prstDash val="solid"/>
+                    </a:lnTlToBr>
+                    <a:lnBlToTr w="12700" cmpd="sng">
+                      <a:noFill/>
+                      <a:prstDash val="solid"/>
+                    </a:lnBlToTr>
+                    <a:noFill/>
+                  </a:tcPr>
+                </a:tc>
+                <a:extLst>
+                  <a:ext uri="{0D108BD9-81ED-4DB2-BD59-A6C34878D82A}">
+                    <a16:rowId xmlns:a16="http://schemas.microsoft.com/office/drawing/2014/main" val="1293541811"/>
+                  </a:ext>
+                </a:extLst>
+              </a:tr>
+            </a:tbl>
+          </a:graphicData>
+        </a:graphic>
+      </p:graphicFrame>
+      <p:sp>
+        <p:nvSpPr>
+          <p:cNvPr id="7" name="TextBox 6">
+            <a:extLst>
+              <a:ext uri="{FF2B5EF4-FFF2-40B4-BE49-F238E27FC236}">
+                <a16:creationId xmlns:a16="http://schemas.microsoft.com/office/drawing/2014/main" id="{755069B7-12E6-467D-B54A-6290EC3343E6}"/>
+              </a:ext>
+            </a:extLst>
+          </p:cNvPr>
+          <p:cNvSpPr txBox="1"/>
+          <p:nvPr/>
+        </p:nvSpPr>
+        <p:spPr>
+          <a:xfrm>
+            <a:off x="573740" y="3684381"/>
+            <a:ext cx="11187953" cy="506292"/>
+          </a:xfrm>
+          <a:prstGeom prst="rect">
+            <a:avLst/>
+          </a:prstGeom>
+          <a:noFill/>
+        </p:spPr>
+        <p:txBody>
+          <a:bodyPr wrap="square" rtlCol="0">
+            <a:spAutoFit/>
+          </a:bodyPr>
+          <a:lstStyle/>
+          <a:p>
+            <a:pPr algn="just">
+              <a:lnSpc>
+                <a:spcPct val="150000"/>
+              </a:lnSpc>
+            </a:pPr>
+            <a:r>
+              <a:rPr lang="es-MX" sz="2000" dirty="0"/>
+              <a:t>Para el caso de la escritura, el </a:t>
+            </a:r>
+            <a:r>
+              <a:rPr lang="es-MX" sz="2000" dirty="0" err="1"/>
+              <a:t>crc</a:t>
+            </a:r>
+            <a:r>
+              <a:rPr lang="es-MX" sz="2000" dirty="0"/>
+              <a:t> se calcula con los siguientes datos de la </a:t>
+            </a:r>
+            <a:r>
+              <a:rPr lang="es-MX" sz="2000" dirty="0" err="1"/>
+              <a:t>trama:C</a:t>
+            </a:r>
+            <a:endParaRPr lang="es-MX" sz="2000" dirty="0"/>
+          </a:p>
+        </p:txBody>
+      </p:sp>
+      <p:graphicFrame>
+        <p:nvGraphicFramePr>
+          <p:cNvPr id="8" name="Table 7">
+            <a:extLst>
+              <a:ext uri="{FF2B5EF4-FFF2-40B4-BE49-F238E27FC236}">
+                <a16:creationId xmlns:a16="http://schemas.microsoft.com/office/drawing/2014/main" id="{579A648B-6AEA-47A7-B4A6-0F9327E86D37}"/>
+              </a:ext>
+            </a:extLst>
+          </p:cNvPr>
+          <p:cNvGraphicFramePr>
+            <a:graphicFrameLocks noGrp="1"/>
+          </p:cNvGraphicFramePr>
+          <p:nvPr>
+            <p:extLst>
+              <p:ext uri="{D42A27DB-BD31-4B8C-83A1-F6EECF244321}">
+                <p14:modId xmlns:p14="http://schemas.microsoft.com/office/powerpoint/2010/main" val="387384509"/>
+              </p:ext>
+            </p:extLst>
+          </p:nvPr>
+        </p:nvGraphicFramePr>
+        <p:xfrm>
+          <a:off x="3473449" y="4739643"/>
+          <a:ext cx="5245099" cy="445770"/>
+        </p:xfrm>
+        <a:graphic>
+          <a:graphicData uri="http://schemas.openxmlformats.org/drawingml/2006/table">
+            <a:tbl>
+              <a:tblPr/>
+              <a:tblGrid>
+                <a:gridCol w="609231">
+                  <a:extLst>
+                    <a:ext uri="{9D8B030D-6E8A-4147-A177-3AD203B41FA5}">
+                      <a16:colId xmlns:a16="http://schemas.microsoft.com/office/drawing/2014/main" val="2821090984"/>
+                    </a:ext>
+                  </a:extLst>
+                </a:gridCol>
+                <a:gridCol w="829979">
+                  <a:extLst>
+                    <a:ext uri="{9D8B030D-6E8A-4147-A177-3AD203B41FA5}">
+                      <a16:colId xmlns:a16="http://schemas.microsoft.com/office/drawing/2014/main" val="2349787158"/>
+                    </a:ext>
+                  </a:extLst>
+                </a:gridCol>
+                <a:gridCol w="537882">
+                  <a:extLst>
+                    <a:ext uri="{9D8B030D-6E8A-4147-A177-3AD203B41FA5}">
+                      <a16:colId xmlns:a16="http://schemas.microsoft.com/office/drawing/2014/main" val="2967231090"/>
+                    </a:ext>
+                  </a:extLst>
+                </a:gridCol>
+                <a:gridCol w="564777">
+                  <a:extLst>
+                    <a:ext uri="{9D8B030D-6E8A-4147-A177-3AD203B41FA5}">
+                      <a16:colId xmlns:a16="http://schemas.microsoft.com/office/drawing/2014/main" val="282418260"/>
+                    </a:ext>
+                  </a:extLst>
+                </a:gridCol>
+                <a:gridCol w="699247">
+                  <a:extLst>
+                    <a:ext uri="{9D8B030D-6E8A-4147-A177-3AD203B41FA5}">
+                      <a16:colId xmlns:a16="http://schemas.microsoft.com/office/drawing/2014/main" val="2738844438"/>
+                    </a:ext>
+                  </a:extLst>
+                </a:gridCol>
+                <a:gridCol w="1102659">
+                  <a:extLst>
+                    <a:ext uri="{9D8B030D-6E8A-4147-A177-3AD203B41FA5}">
+                      <a16:colId xmlns:a16="http://schemas.microsoft.com/office/drawing/2014/main" val="2926497221"/>
+                    </a:ext>
+                  </a:extLst>
+                </a:gridCol>
+                <a:gridCol w="901324">
+                  <a:extLst>
+                    <a:ext uri="{9D8B030D-6E8A-4147-A177-3AD203B41FA5}">
+                      <a16:colId xmlns:a16="http://schemas.microsoft.com/office/drawing/2014/main" val="261388754"/>
+                    </a:ext>
+                  </a:extLst>
+                </a:gridCol>
+              </a:tblGrid>
+              <a:tr h="190500">
+                <a:tc>
+                  <a:txBody>
+                    <a:bodyPr/>
+                    <a:lstStyle>
+                      <a:lvl1pPr marL="0" algn="l" defTabSz="914400" rtl="0" eaLnBrk="1" latinLnBrk="0" hangingPunct="1">
+                        <a:defRPr sz="1800" kern="1200">
+                          <a:solidFill>
+                            <a:schemeClr val="tx1"/>
+                          </a:solidFill>
+                          <a:latin typeface="Calibri" panose="020F0502020204030204"/>
+                        </a:defRPr>
+                      </a:lvl1pPr>
+                      <a:lvl2pPr marL="457200" algn="l" defTabSz="914400" rtl="0" eaLnBrk="1" latinLnBrk="0" hangingPunct="1">
+                        <a:defRPr sz="1800" kern="1200">
+                          <a:solidFill>
+                            <a:schemeClr val="tx1"/>
+                          </a:solidFill>
+                          <a:latin typeface="Calibri" panose="020F0502020204030204"/>
+                        </a:defRPr>
+                      </a:lvl2pPr>
+                      <a:lvl3pPr marL="914400" algn="l" defTabSz="914400" rtl="0" eaLnBrk="1" latinLnBrk="0" hangingPunct="1">
+                        <a:defRPr sz="1800" kern="1200">
+                          <a:solidFill>
+                            <a:schemeClr val="tx1"/>
+                          </a:solidFill>
+                          <a:latin typeface="Calibri" panose="020F0502020204030204"/>
+                        </a:defRPr>
+                      </a:lvl3pPr>
+                      <a:lvl4pPr marL="1371600" algn="l" defTabSz="914400" rtl="0" eaLnBrk="1" latinLnBrk="0" hangingPunct="1">
+                        <a:defRPr sz="1800" kern="1200">
+                          <a:solidFill>
+                            <a:schemeClr val="tx1"/>
+                          </a:solidFill>
+                          <a:latin typeface="Calibri" panose="020F0502020204030204"/>
+                        </a:defRPr>
+                      </a:lvl4pPr>
+                      <a:lvl5pPr marL="1828800" algn="l" defTabSz="914400" rtl="0" eaLnBrk="1" latinLnBrk="0" hangingPunct="1">
+                        <a:defRPr sz="1800" kern="1200">
+                          <a:solidFill>
+                            <a:schemeClr val="tx1"/>
+                          </a:solidFill>
+                          <a:latin typeface="Calibri" panose="020F0502020204030204"/>
+                        </a:defRPr>
+                      </a:lvl5pPr>
+                      <a:lvl6pPr marL="2286000" algn="l" defTabSz="914400" rtl="0" eaLnBrk="1" latinLnBrk="0" hangingPunct="1">
+                        <a:defRPr sz="1800" kern="1200">
+                          <a:solidFill>
+                            <a:schemeClr val="tx1"/>
+                          </a:solidFill>
+                          <a:latin typeface="Calibri" panose="020F0502020204030204"/>
+                        </a:defRPr>
+                      </a:lvl6pPr>
+                      <a:lvl7pPr marL="2743200" algn="l" defTabSz="914400" rtl="0" eaLnBrk="1" latinLnBrk="0" hangingPunct="1">
+                        <a:defRPr sz="1800" kern="1200">
+                          <a:solidFill>
+                            <a:schemeClr val="tx1"/>
+                          </a:solidFill>
+                          <a:latin typeface="Calibri" panose="020F0502020204030204"/>
+                        </a:defRPr>
+                      </a:lvl7pPr>
+                      <a:lvl8pPr marL="3200400" algn="l" defTabSz="914400" rtl="0" eaLnBrk="1" latinLnBrk="0" hangingPunct="1">
+                        <a:defRPr sz="1800" kern="1200">
+                          <a:solidFill>
+                            <a:schemeClr val="tx1"/>
+                          </a:solidFill>
+                          <a:latin typeface="Calibri" panose="020F0502020204030204"/>
+                        </a:defRPr>
+                      </a:lvl8pPr>
+                      <a:lvl9pPr marL="3657600" algn="l" defTabSz="914400" rtl="0" eaLnBrk="1" latinLnBrk="0" hangingPunct="1">
+                        <a:defRPr sz="1800" kern="1200">
+                          <a:solidFill>
+                            <a:schemeClr val="tx1"/>
+                          </a:solidFill>
+                          <a:latin typeface="Calibri" panose="020F0502020204030204"/>
+                        </a:defRPr>
+                      </a:lvl9pPr>
+                    </a:lstStyle>
+                    <a:p>
+                      <a:pPr algn="ctr" fontAlgn="ctr"/>
+                      <a:r>
+                        <a:rPr lang="es-MX" sz="1400" b="1" u="none" strike="noStrike" dirty="0">
+                          <a:effectLst/>
+                        </a:rPr>
+                        <a:t>DST</a:t>
+                      </a:r>
+                      <a:endParaRPr lang="es-MX" sz="1400" b="1" i="0" u="none" strike="noStrike" dirty="0">
+                        <a:solidFill>
+                          <a:srgbClr val="000000"/>
+                        </a:solidFill>
+                        <a:effectLst/>
+                        <a:latin typeface="Calibri" panose="020F0502020204030204" pitchFamily="34" charset="0"/>
+                      </a:endParaRPr>
+                    </a:p>
+                  </a:txBody>
+                  <a:tcPr marL="9525" marR="9525" marT="9525" marB="0" anchor="ctr">
+                    <a:lnL>
+                      <a:noFill/>
+                    </a:lnL>
+                    <a:lnR>
+                      <a:noFill/>
+                    </a:lnR>
+                    <a:lnT w="12700" cmpd="sng">
+                      <a:solidFill>
+                        <a:srgbClr val="4472C4"/>
+                      </a:solidFill>
+                    </a:lnT>
+                    <a:lnB>
+                      <a:noFill/>
+                    </a:lnB>
+                    <a:lnTlToBr w="12700" cmpd="sng">
+                      <a:noFill/>
+                      <a:prstDash val="solid"/>
+                    </a:lnTlToBr>
+                    <a:lnBlToTr w="12700" cmpd="sng">
+                      <a:noFill/>
+                      <a:prstDash val="solid"/>
+                    </a:lnBlToTr>
+                    <a:noFill/>
+                  </a:tcPr>
+                </a:tc>
+                <a:tc>
+                  <a:txBody>
+                    <a:bodyPr/>
+                    <a:lstStyle>
+                      <a:lvl1pPr marL="0" algn="l" defTabSz="914400" rtl="0" eaLnBrk="1" latinLnBrk="0" hangingPunct="1">
+                        <a:defRPr sz="1800" kern="1200">
+                          <a:solidFill>
+                            <a:schemeClr val="tx1"/>
+                          </a:solidFill>
+                          <a:latin typeface="Calibri" panose="020F0502020204030204"/>
+                        </a:defRPr>
+                      </a:lvl1pPr>
+                      <a:lvl2pPr marL="457200" algn="l" defTabSz="914400" rtl="0" eaLnBrk="1" latinLnBrk="0" hangingPunct="1">
+                        <a:defRPr sz="1800" kern="1200">
+                          <a:solidFill>
+                            <a:schemeClr val="tx1"/>
+                          </a:solidFill>
+                          <a:latin typeface="Calibri" panose="020F0502020204030204"/>
+                        </a:defRPr>
+                      </a:lvl2pPr>
+                      <a:lvl3pPr marL="914400" algn="l" defTabSz="914400" rtl="0" eaLnBrk="1" latinLnBrk="0" hangingPunct="1">
+                        <a:defRPr sz="1800" kern="1200">
+                          <a:solidFill>
+                            <a:schemeClr val="tx1"/>
+                          </a:solidFill>
+                          <a:latin typeface="Calibri" panose="020F0502020204030204"/>
+                        </a:defRPr>
+                      </a:lvl3pPr>
+                      <a:lvl4pPr marL="1371600" algn="l" defTabSz="914400" rtl="0" eaLnBrk="1" latinLnBrk="0" hangingPunct="1">
+                        <a:defRPr sz="1800" kern="1200">
+                          <a:solidFill>
+                            <a:schemeClr val="tx1"/>
+                          </a:solidFill>
+                          <a:latin typeface="Calibri" panose="020F0502020204030204"/>
+                        </a:defRPr>
+                      </a:lvl4pPr>
+                      <a:lvl5pPr marL="1828800" algn="l" defTabSz="914400" rtl="0" eaLnBrk="1" latinLnBrk="0" hangingPunct="1">
+                        <a:defRPr sz="1800" kern="1200">
+                          <a:solidFill>
+                            <a:schemeClr val="tx1"/>
+                          </a:solidFill>
+                          <a:latin typeface="Calibri" panose="020F0502020204030204"/>
+                        </a:defRPr>
+                      </a:lvl5pPr>
+                      <a:lvl6pPr marL="2286000" algn="l" defTabSz="914400" rtl="0" eaLnBrk="1" latinLnBrk="0" hangingPunct="1">
+                        <a:defRPr sz="1800" kern="1200">
+                          <a:solidFill>
+                            <a:schemeClr val="tx1"/>
+                          </a:solidFill>
+                          <a:latin typeface="Calibri" panose="020F0502020204030204"/>
+                        </a:defRPr>
+                      </a:lvl6pPr>
+                      <a:lvl7pPr marL="2743200" algn="l" defTabSz="914400" rtl="0" eaLnBrk="1" latinLnBrk="0" hangingPunct="1">
+                        <a:defRPr sz="1800" kern="1200">
+                          <a:solidFill>
+                            <a:schemeClr val="tx1"/>
+                          </a:solidFill>
+                          <a:latin typeface="Calibri" panose="020F0502020204030204"/>
+                        </a:defRPr>
+                      </a:lvl7pPr>
+                      <a:lvl8pPr marL="3200400" algn="l" defTabSz="914400" rtl="0" eaLnBrk="1" latinLnBrk="0" hangingPunct="1">
+                        <a:defRPr sz="1800" kern="1200">
+                          <a:solidFill>
+                            <a:schemeClr val="tx1"/>
+                          </a:solidFill>
+                          <a:latin typeface="Calibri" panose="020F0502020204030204"/>
+                        </a:defRPr>
+                      </a:lvl8pPr>
+                      <a:lvl9pPr marL="3657600" algn="l" defTabSz="914400" rtl="0" eaLnBrk="1" latinLnBrk="0" hangingPunct="1">
+                        <a:defRPr sz="1800" kern="1200">
+                          <a:solidFill>
+                            <a:schemeClr val="tx1"/>
+                          </a:solidFill>
+                          <a:latin typeface="Calibri" panose="020F0502020204030204"/>
+                        </a:defRPr>
+                      </a:lvl9pPr>
+                    </a:lstStyle>
+                    <a:p>
+                      <a:pPr algn="ctr" fontAlgn="ctr"/>
+                      <a:r>
+                        <a:rPr lang="es-MX" sz="1400" b="1" u="none" strike="noStrike" dirty="0">
+                          <a:effectLst/>
+                        </a:rPr>
+                        <a:t>LONGITUD</a:t>
+                      </a:r>
+                      <a:endParaRPr lang="es-MX" sz="1400" b="1" i="0" u="none" strike="noStrike" dirty="0">
+                        <a:solidFill>
+                          <a:srgbClr val="000000"/>
+                        </a:solidFill>
+                        <a:effectLst/>
+                        <a:latin typeface="Calibri" panose="020F0502020204030204" pitchFamily="34" charset="0"/>
+                      </a:endParaRPr>
+                    </a:p>
+                  </a:txBody>
+                  <a:tcPr marL="9525" marR="9525" marT="9525" marB="0" anchor="ctr">
+                    <a:lnL>
+                      <a:noFill/>
+                    </a:lnL>
+                    <a:lnR>
+                      <a:noFill/>
+                    </a:lnR>
+                    <a:lnT w="12700" cmpd="sng">
+                      <a:solidFill>
+                        <a:srgbClr val="4472C4"/>
+                      </a:solidFill>
+                    </a:lnT>
+                    <a:lnB>
+                      <a:noFill/>
+                    </a:lnB>
+                    <a:lnTlToBr w="12700" cmpd="sng">
+                      <a:noFill/>
+                      <a:prstDash val="solid"/>
+                    </a:lnTlToBr>
+                    <a:lnBlToTr w="12700" cmpd="sng">
+                      <a:noFill/>
+                      <a:prstDash val="solid"/>
+                    </a:lnBlToTr>
+                    <a:noFill/>
+                  </a:tcPr>
+                </a:tc>
+                <a:tc>
+                  <a:txBody>
+                    <a:bodyPr/>
+                    <a:lstStyle>
+                      <a:lvl1pPr marL="0" algn="l" defTabSz="914400" rtl="0" eaLnBrk="1" latinLnBrk="0" hangingPunct="1">
+                        <a:defRPr sz="1800" kern="1200">
+                          <a:solidFill>
+                            <a:schemeClr val="tx1"/>
+                          </a:solidFill>
+                          <a:latin typeface="Calibri" panose="020F0502020204030204"/>
+                        </a:defRPr>
+                      </a:lvl1pPr>
+                      <a:lvl2pPr marL="457200" algn="l" defTabSz="914400" rtl="0" eaLnBrk="1" latinLnBrk="0" hangingPunct="1">
+                        <a:defRPr sz="1800" kern="1200">
+                          <a:solidFill>
+                            <a:schemeClr val="tx1"/>
+                          </a:solidFill>
+                          <a:latin typeface="Calibri" panose="020F0502020204030204"/>
+                        </a:defRPr>
+                      </a:lvl2pPr>
+                      <a:lvl3pPr marL="914400" algn="l" defTabSz="914400" rtl="0" eaLnBrk="1" latinLnBrk="0" hangingPunct="1">
+                        <a:defRPr sz="1800" kern="1200">
+                          <a:solidFill>
+                            <a:schemeClr val="tx1"/>
+                          </a:solidFill>
+                          <a:latin typeface="Calibri" panose="020F0502020204030204"/>
+                        </a:defRPr>
+                      </a:lvl3pPr>
+                      <a:lvl4pPr marL="1371600" algn="l" defTabSz="914400" rtl="0" eaLnBrk="1" latinLnBrk="0" hangingPunct="1">
+                        <a:defRPr sz="1800" kern="1200">
+                          <a:solidFill>
+                            <a:schemeClr val="tx1"/>
+                          </a:solidFill>
+                          <a:latin typeface="Calibri" panose="020F0502020204030204"/>
+                        </a:defRPr>
+                      </a:lvl4pPr>
+                      <a:lvl5pPr marL="1828800" algn="l" defTabSz="914400" rtl="0" eaLnBrk="1" latinLnBrk="0" hangingPunct="1">
+                        <a:defRPr sz="1800" kern="1200">
+                          <a:solidFill>
+                            <a:schemeClr val="tx1"/>
+                          </a:solidFill>
+                          <a:latin typeface="Calibri" panose="020F0502020204030204"/>
+                        </a:defRPr>
+                      </a:lvl5pPr>
+                      <a:lvl6pPr marL="2286000" algn="l" defTabSz="914400" rtl="0" eaLnBrk="1" latinLnBrk="0" hangingPunct="1">
+                        <a:defRPr sz="1800" kern="1200">
+                          <a:solidFill>
+                            <a:schemeClr val="tx1"/>
+                          </a:solidFill>
+                          <a:latin typeface="Calibri" panose="020F0502020204030204"/>
+                        </a:defRPr>
+                      </a:lvl6pPr>
+                      <a:lvl7pPr marL="2743200" algn="l" defTabSz="914400" rtl="0" eaLnBrk="1" latinLnBrk="0" hangingPunct="1">
+                        <a:defRPr sz="1800" kern="1200">
+                          <a:solidFill>
+                            <a:schemeClr val="tx1"/>
+                          </a:solidFill>
+                          <a:latin typeface="Calibri" panose="020F0502020204030204"/>
+                        </a:defRPr>
+                      </a:lvl7pPr>
+                      <a:lvl8pPr marL="3200400" algn="l" defTabSz="914400" rtl="0" eaLnBrk="1" latinLnBrk="0" hangingPunct="1">
+                        <a:defRPr sz="1800" kern="1200">
+                          <a:solidFill>
+                            <a:schemeClr val="tx1"/>
+                          </a:solidFill>
+                          <a:latin typeface="Calibri" panose="020F0502020204030204"/>
+                        </a:defRPr>
+                      </a:lvl8pPr>
+                      <a:lvl9pPr marL="3657600" algn="l" defTabSz="914400" rtl="0" eaLnBrk="1" latinLnBrk="0" hangingPunct="1">
+                        <a:defRPr sz="1800" kern="1200">
+                          <a:solidFill>
+                            <a:schemeClr val="tx1"/>
+                          </a:solidFill>
+                          <a:latin typeface="Calibri" panose="020F0502020204030204"/>
+                        </a:defRPr>
+                      </a:lvl9pPr>
+                    </a:lstStyle>
+                    <a:p>
+                      <a:pPr algn="ctr" fontAlgn="ctr"/>
+                      <a:r>
+                        <a:rPr lang="es-MX" sz="1400" b="1" u="none" strike="noStrike" dirty="0">
+                          <a:effectLst/>
+                        </a:rPr>
+                        <a:t>SRC</a:t>
+                      </a:r>
+                      <a:endParaRPr lang="es-MX" sz="1400" b="1" i="0" u="none" strike="noStrike" dirty="0">
+                        <a:solidFill>
+                          <a:srgbClr val="000000"/>
+                        </a:solidFill>
+                        <a:effectLst/>
+                        <a:latin typeface="Calibri" panose="020F0502020204030204" pitchFamily="34" charset="0"/>
+                      </a:endParaRPr>
+                    </a:p>
+                  </a:txBody>
+                  <a:tcPr marL="9525" marR="9525" marT="9525" marB="0" anchor="ctr">
+                    <a:lnL>
+                      <a:noFill/>
+                    </a:lnL>
+                    <a:lnR>
+                      <a:noFill/>
+                    </a:lnR>
+                    <a:lnT w="12700" cmpd="sng">
+                      <a:solidFill>
+                        <a:srgbClr val="4472C4"/>
+                      </a:solidFill>
+                    </a:lnT>
+                    <a:lnB>
+                      <a:noFill/>
+                    </a:lnB>
+                    <a:lnTlToBr w="12700" cmpd="sng">
+                      <a:noFill/>
+                      <a:prstDash val="solid"/>
+                    </a:lnTlToBr>
+                    <a:lnBlToTr w="12700" cmpd="sng">
+                      <a:noFill/>
+                      <a:prstDash val="solid"/>
+                    </a:lnBlToTr>
+                    <a:noFill/>
+                  </a:tcPr>
+                </a:tc>
+                <a:tc>
+                  <a:txBody>
+                    <a:bodyPr/>
+                    <a:lstStyle>
+                      <a:lvl1pPr marL="0" algn="l" defTabSz="914400" rtl="0" eaLnBrk="1" latinLnBrk="0" hangingPunct="1">
+                        <a:defRPr sz="1800" kern="1200">
+                          <a:solidFill>
+                            <a:schemeClr val="tx1"/>
+                          </a:solidFill>
+                          <a:latin typeface="Calibri" panose="020F0502020204030204"/>
+                        </a:defRPr>
+                      </a:lvl1pPr>
+                      <a:lvl2pPr marL="457200" algn="l" defTabSz="914400" rtl="0" eaLnBrk="1" latinLnBrk="0" hangingPunct="1">
+                        <a:defRPr sz="1800" kern="1200">
+                          <a:solidFill>
+                            <a:schemeClr val="tx1"/>
+                          </a:solidFill>
+                          <a:latin typeface="Calibri" panose="020F0502020204030204"/>
+                        </a:defRPr>
+                      </a:lvl2pPr>
+                      <a:lvl3pPr marL="914400" algn="l" defTabSz="914400" rtl="0" eaLnBrk="1" latinLnBrk="0" hangingPunct="1">
+                        <a:defRPr sz="1800" kern="1200">
+                          <a:solidFill>
+                            <a:schemeClr val="tx1"/>
+                          </a:solidFill>
+                          <a:latin typeface="Calibri" panose="020F0502020204030204"/>
+                        </a:defRPr>
+                      </a:lvl3pPr>
+                      <a:lvl4pPr marL="1371600" algn="l" defTabSz="914400" rtl="0" eaLnBrk="1" latinLnBrk="0" hangingPunct="1">
+                        <a:defRPr sz="1800" kern="1200">
+                          <a:solidFill>
+                            <a:schemeClr val="tx1"/>
+                          </a:solidFill>
+                          <a:latin typeface="Calibri" panose="020F0502020204030204"/>
+                        </a:defRPr>
+                      </a:lvl4pPr>
+                      <a:lvl5pPr marL="1828800" algn="l" defTabSz="914400" rtl="0" eaLnBrk="1" latinLnBrk="0" hangingPunct="1">
+                        <a:defRPr sz="1800" kern="1200">
+                          <a:solidFill>
+                            <a:schemeClr val="tx1"/>
+                          </a:solidFill>
+                          <a:latin typeface="Calibri" panose="020F0502020204030204"/>
+                        </a:defRPr>
+                      </a:lvl5pPr>
+                      <a:lvl6pPr marL="2286000" algn="l" defTabSz="914400" rtl="0" eaLnBrk="1" latinLnBrk="0" hangingPunct="1">
+                        <a:defRPr sz="1800" kern="1200">
+                          <a:solidFill>
+                            <a:schemeClr val="tx1"/>
+                          </a:solidFill>
+                          <a:latin typeface="Calibri" panose="020F0502020204030204"/>
+                        </a:defRPr>
+                      </a:lvl6pPr>
+                      <a:lvl7pPr marL="2743200" algn="l" defTabSz="914400" rtl="0" eaLnBrk="1" latinLnBrk="0" hangingPunct="1">
+                        <a:defRPr sz="1800" kern="1200">
+                          <a:solidFill>
+                            <a:schemeClr val="tx1"/>
+                          </a:solidFill>
+                          <a:latin typeface="Calibri" panose="020F0502020204030204"/>
+                        </a:defRPr>
+                      </a:lvl7pPr>
+                      <a:lvl8pPr marL="3200400" algn="l" defTabSz="914400" rtl="0" eaLnBrk="1" latinLnBrk="0" hangingPunct="1">
+                        <a:defRPr sz="1800" kern="1200">
+                          <a:solidFill>
+                            <a:schemeClr val="tx1"/>
+                          </a:solidFill>
+                          <a:latin typeface="Calibri" panose="020F0502020204030204"/>
+                        </a:defRPr>
+                      </a:lvl8pPr>
+                      <a:lvl9pPr marL="3657600" algn="l" defTabSz="914400" rtl="0" eaLnBrk="1" latinLnBrk="0" hangingPunct="1">
+                        <a:defRPr sz="1800" kern="1200">
+                          <a:solidFill>
+                            <a:schemeClr val="tx1"/>
+                          </a:solidFill>
+                          <a:latin typeface="Calibri" panose="020F0502020204030204"/>
+                        </a:defRPr>
+                      </a:lvl9pPr>
+                    </a:lstStyle>
+                    <a:p>
+                      <a:pPr algn="ctr" fontAlgn="ctr"/>
+                      <a:r>
+                        <a:rPr lang="es-MX" sz="1400" b="1" u="none" strike="noStrike" dirty="0">
+                          <a:effectLst/>
+                        </a:rPr>
+                        <a:t>CMD</a:t>
+                      </a:r>
+                      <a:endParaRPr lang="es-MX" sz="1400" b="1" i="0" u="none" strike="noStrike" dirty="0">
+                        <a:solidFill>
+                          <a:srgbClr val="000000"/>
+                        </a:solidFill>
+                        <a:effectLst/>
+                        <a:latin typeface="Calibri" panose="020F0502020204030204" pitchFamily="34" charset="0"/>
+                      </a:endParaRPr>
+                    </a:p>
+                  </a:txBody>
+                  <a:tcPr marL="9525" marR="9525" marT="9525" marB="0" anchor="ctr">
+                    <a:lnL>
+                      <a:noFill/>
+                    </a:lnL>
+                    <a:lnR>
+                      <a:noFill/>
+                    </a:lnR>
+                    <a:lnT w="12700" cmpd="sng">
+                      <a:solidFill>
+                        <a:srgbClr val="4472C4"/>
+                      </a:solidFill>
+                    </a:lnT>
+                    <a:lnB>
+                      <a:noFill/>
+                    </a:lnB>
+                    <a:lnTlToBr w="12700" cmpd="sng">
+                      <a:noFill/>
+                      <a:prstDash val="solid"/>
+                    </a:lnTlToBr>
+                    <a:lnBlToTr w="12700" cmpd="sng">
+                      <a:noFill/>
+                      <a:prstDash val="solid"/>
+                    </a:lnBlToTr>
+                    <a:noFill/>
+                  </a:tcPr>
+                </a:tc>
+                <a:tc>
+                  <a:txBody>
+                    <a:bodyPr/>
+                    <a:lstStyle>
+                      <a:lvl1pPr marL="0" algn="l" defTabSz="914400" rtl="0" eaLnBrk="1" latinLnBrk="0" hangingPunct="1">
+                        <a:defRPr sz="1800" kern="1200">
+                          <a:solidFill>
+                            <a:schemeClr val="tx1"/>
+                          </a:solidFill>
+                          <a:latin typeface="Calibri" panose="020F0502020204030204"/>
+                        </a:defRPr>
+                      </a:lvl1pPr>
+                      <a:lvl2pPr marL="457200" algn="l" defTabSz="914400" rtl="0" eaLnBrk="1" latinLnBrk="0" hangingPunct="1">
+                        <a:defRPr sz="1800" kern="1200">
+                          <a:solidFill>
+                            <a:schemeClr val="tx1"/>
+                          </a:solidFill>
+                          <a:latin typeface="Calibri" panose="020F0502020204030204"/>
+                        </a:defRPr>
+                      </a:lvl2pPr>
+                      <a:lvl3pPr marL="914400" algn="l" defTabSz="914400" rtl="0" eaLnBrk="1" latinLnBrk="0" hangingPunct="1">
+                        <a:defRPr sz="1800" kern="1200">
+                          <a:solidFill>
+                            <a:schemeClr val="tx1"/>
+                          </a:solidFill>
+                          <a:latin typeface="Calibri" panose="020F0502020204030204"/>
+                        </a:defRPr>
+                      </a:lvl3pPr>
+                      <a:lvl4pPr marL="1371600" algn="l" defTabSz="914400" rtl="0" eaLnBrk="1" latinLnBrk="0" hangingPunct="1">
+                        <a:defRPr sz="1800" kern="1200">
+                          <a:solidFill>
+                            <a:schemeClr val="tx1"/>
+                          </a:solidFill>
+                          <a:latin typeface="Calibri" panose="020F0502020204030204"/>
+                        </a:defRPr>
+                      </a:lvl4pPr>
+                      <a:lvl5pPr marL="1828800" algn="l" defTabSz="914400" rtl="0" eaLnBrk="1" latinLnBrk="0" hangingPunct="1">
+                        <a:defRPr sz="1800" kern="1200">
+                          <a:solidFill>
+                            <a:schemeClr val="tx1"/>
+                          </a:solidFill>
+                          <a:latin typeface="Calibri" panose="020F0502020204030204"/>
+                        </a:defRPr>
+                      </a:lvl5pPr>
+                      <a:lvl6pPr marL="2286000" algn="l" defTabSz="914400" rtl="0" eaLnBrk="1" latinLnBrk="0" hangingPunct="1">
+                        <a:defRPr sz="1800" kern="1200">
+                          <a:solidFill>
+                            <a:schemeClr val="tx1"/>
+                          </a:solidFill>
+                          <a:latin typeface="Calibri" panose="020F0502020204030204"/>
+                        </a:defRPr>
+                      </a:lvl6pPr>
+                      <a:lvl7pPr marL="2743200" algn="l" defTabSz="914400" rtl="0" eaLnBrk="1" latinLnBrk="0" hangingPunct="1">
+                        <a:defRPr sz="1800" kern="1200">
+                          <a:solidFill>
+                            <a:schemeClr val="tx1"/>
+                          </a:solidFill>
+                          <a:latin typeface="Calibri" panose="020F0502020204030204"/>
+                        </a:defRPr>
+                      </a:lvl7pPr>
+                      <a:lvl8pPr marL="3200400" algn="l" defTabSz="914400" rtl="0" eaLnBrk="1" latinLnBrk="0" hangingPunct="1">
+                        <a:defRPr sz="1800" kern="1200">
+                          <a:solidFill>
+                            <a:schemeClr val="tx1"/>
+                          </a:solidFill>
+                          <a:latin typeface="Calibri" panose="020F0502020204030204"/>
+                        </a:defRPr>
+                      </a:lvl8pPr>
+                      <a:lvl9pPr marL="3657600" algn="l" defTabSz="914400" rtl="0" eaLnBrk="1" latinLnBrk="0" hangingPunct="1">
+                        <a:defRPr sz="1800" kern="1200">
+                          <a:solidFill>
+                            <a:schemeClr val="tx1"/>
+                          </a:solidFill>
+                          <a:latin typeface="Calibri" panose="020F0502020204030204"/>
+                        </a:defRPr>
+                      </a:lvl9pPr>
+                    </a:lstStyle>
+                    <a:p>
+                      <a:pPr algn="ctr" fontAlgn="ctr"/>
+                      <a:r>
+                        <a:rPr lang="es-MX" sz="1400" b="1" u="none" strike="noStrike" dirty="0">
+                          <a:effectLst/>
+                        </a:rPr>
+                        <a:t>ERD</a:t>
+                      </a:r>
+                      <a:endParaRPr lang="es-MX" sz="1400" b="1" i="0" u="none" strike="noStrike" dirty="0">
+                        <a:solidFill>
+                          <a:srgbClr val="000000"/>
+                        </a:solidFill>
+                        <a:effectLst/>
+                        <a:latin typeface="Calibri" panose="020F0502020204030204" pitchFamily="34" charset="0"/>
+                      </a:endParaRPr>
+                    </a:p>
+                  </a:txBody>
+                  <a:tcPr marL="9525" marR="9525" marT="9525" marB="0" anchor="ctr">
+                    <a:lnL>
+                      <a:noFill/>
+                    </a:lnL>
+                    <a:lnR>
+                      <a:noFill/>
+                    </a:lnR>
+                    <a:lnT w="12700" cmpd="sng">
+                      <a:solidFill>
+                        <a:srgbClr val="4472C4"/>
+                      </a:solidFill>
+                    </a:lnT>
+                    <a:lnB>
+                      <a:noFill/>
+                    </a:lnB>
+                    <a:lnTlToBr w="12700" cmpd="sng">
+                      <a:noFill/>
+                      <a:prstDash val="solid"/>
+                    </a:lnTlToBr>
+                    <a:lnBlToTr w="12700" cmpd="sng">
+                      <a:noFill/>
+                      <a:prstDash val="solid"/>
+                    </a:lnBlToTr>
+                    <a:noFill/>
+                  </a:tcPr>
+                </a:tc>
+                <a:tc>
+                  <a:txBody>
+                    <a:bodyPr/>
+                    <a:lstStyle>
+                      <a:lvl1pPr marL="0" algn="l" defTabSz="914400" rtl="0" eaLnBrk="1" latinLnBrk="0" hangingPunct="1">
+                        <a:defRPr sz="1800" kern="1200">
+                          <a:solidFill>
+                            <a:schemeClr val="tx1"/>
+                          </a:solidFill>
+                          <a:latin typeface="Calibri" panose="020F0502020204030204"/>
+                        </a:defRPr>
+                      </a:lvl1pPr>
+                      <a:lvl2pPr marL="457200" algn="l" defTabSz="914400" rtl="0" eaLnBrk="1" latinLnBrk="0" hangingPunct="1">
+                        <a:defRPr sz="1800" kern="1200">
+                          <a:solidFill>
+                            <a:schemeClr val="tx1"/>
+                          </a:solidFill>
+                          <a:latin typeface="Calibri" panose="020F0502020204030204"/>
+                        </a:defRPr>
+                      </a:lvl2pPr>
+                      <a:lvl3pPr marL="914400" algn="l" defTabSz="914400" rtl="0" eaLnBrk="1" latinLnBrk="0" hangingPunct="1">
+                        <a:defRPr sz="1800" kern="1200">
+                          <a:solidFill>
+                            <a:schemeClr val="tx1"/>
+                          </a:solidFill>
+                          <a:latin typeface="Calibri" panose="020F0502020204030204"/>
+                        </a:defRPr>
+                      </a:lvl3pPr>
+                      <a:lvl4pPr marL="1371600" algn="l" defTabSz="914400" rtl="0" eaLnBrk="1" latinLnBrk="0" hangingPunct="1">
+                        <a:defRPr sz="1800" kern="1200">
+                          <a:solidFill>
+                            <a:schemeClr val="tx1"/>
+                          </a:solidFill>
+                          <a:latin typeface="Calibri" panose="020F0502020204030204"/>
+                        </a:defRPr>
+                      </a:lvl4pPr>
+                      <a:lvl5pPr marL="1828800" algn="l" defTabSz="914400" rtl="0" eaLnBrk="1" latinLnBrk="0" hangingPunct="1">
+                        <a:defRPr sz="1800" kern="1200">
+                          <a:solidFill>
+                            <a:schemeClr val="tx1"/>
+                          </a:solidFill>
+                          <a:latin typeface="Calibri" panose="020F0502020204030204"/>
+                        </a:defRPr>
+                      </a:lvl5pPr>
+                      <a:lvl6pPr marL="2286000" algn="l" defTabSz="914400" rtl="0" eaLnBrk="1" latinLnBrk="0" hangingPunct="1">
+                        <a:defRPr sz="1800" kern="1200">
+                          <a:solidFill>
+                            <a:schemeClr val="tx1"/>
+                          </a:solidFill>
+                          <a:latin typeface="Calibri" panose="020F0502020204030204"/>
+                        </a:defRPr>
+                      </a:lvl6pPr>
+                      <a:lvl7pPr marL="2743200" algn="l" defTabSz="914400" rtl="0" eaLnBrk="1" latinLnBrk="0" hangingPunct="1">
+                        <a:defRPr sz="1800" kern="1200">
+                          <a:solidFill>
+                            <a:schemeClr val="tx1"/>
+                          </a:solidFill>
+                          <a:latin typeface="Calibri" panose="020F0502020204030204"/>
+                        </a:defRPr>
+                      </a:lvl7pPr>
+                      <a:lvl8pPr marL="3200400" algn="l" defTabSz="914400" rtl="0" eaLnBrk="1" latinLnBrk="0" hangingPunct="1">
+                        <a:defRPr sz="1800" kern="1200">
+                          <a:solidFill>
+                            <a:schemeClr val="tx1"/>
+                          </a:solidFill>
+                          <a:latin typeface="Calibri" panose="020F0502020204030204"/>
+                        </a:defRPr>
+                      </a:lvl8pPr>
+                      <a:lvl9pPr marL="3657600" algn="l" defTabSz="914400" rtl="0" eaLnBrk="1" latinLnBrk="0" hangingPunct="1">
+                        <a:defRPr sz="1800" kern="1200">
+                          <a:solidFill>
+                            <a:schemeClr val="tx1"/>
+                          </a:solidFill>
+                          <a:latin typeface="Calibri" panose="020F0502020204030204"/>
+                        </a:defRPr>
+                      </a:lvl9pPr>
+                    </a:lstStyle>
+                    <a:p>
+                      <a:pPr algn="ctr" fontAlgn="ctr"/>
+                      <a:r>
+                        <a:rPr lang="es-MX" sz="1400" b="1" u="none" strike="noStrike" dirty="0">
+                          <a:effectLst/>
+                        </a:rPr>
+                        <a:t>ERD DATA SIZE</a:t>
+                      </a:r>
+                      <a:endParaRPr lang="es-MX" sz="1400" b="1" i="0" u="none" strike="noStrike" dirty="0">
+                        <a:solidFill>
+                          <a:srgbClr val="000000"/>
+                        </a:solidFill>
+                        <a:effectLst/>
+                        <a:latin typeface="Calibri" panose="020F0502020204030204" pitchFamily="34" charset="0"/>
+                      </a:endParaRPr>
+                    </a:p>
+                  </a:txBody>
+                  <a:tcPr marL="9525" marR="9525" marT="9525" marB="0" anchor="ctr">
+                    <a:lnL>
+                      <a:noFill/>
+                    </a:lnL>
+                    <a:lnR>
+                      <a:noFill/>
+                    </a:lnR>
+                    <a:lnT w="12700" cmpd="sng">
+                      <a:solidFill>
+                        <a:srgbClr val="4472C4"/>
+                      </a:solidFill>
+                    </a:lnT>
+                    <a:lnB>
+                      <a:noFill/>
+                    </a:lnB>
+                    <a:lnTlToBr w="12700" cmpd="sng">
+                      <a:noFill/>
+                      <a:prstDash val="solid"/>
+                    </a:lnTlToBr>
+                    <a:lnBlToTr w="12700" cmpd="sng">
+                      <a:noFill/>
+                      <a:prstDash val="solid"/>
+                    </a:lnBlToTr>
+                    <a:noFill/>
+                  </a:tcPr>
+                </a:tc>
+                <a:tc>
+                  <a:txBody>
+                    <a:bodyPr/>
+                    <a:lstStyle>
+                      <a:lvl1pPr marL="0" algn="l" defTabSz="914400" rtl="0" eaLnBrk="1" latinLnBrk="0" hangingPunct="1">
+                        <a:defRPr sz="1800" kern="1200">
+                          <a:solidFill>
+                            <a:schemeClr val="tx1"/>
+                          </a:solidFill>
+                          <a:latin typeface="Calibri" panose="020F0502020204030204"/>
+                        </a:defRPr>
+                      </a:lvl1pPr>
+                      <a:lvl2pPr marL="457200" algn="l" defTabSz="914400" rtl="0" eaLnBrk="1" latinLnBrk="0" hangingPunct="1">
+                        <a:defRPr sz="1800" kern="1200">
+                          <a:solidFill>
+                            <a:schemeClr val="tx1"/>
+                          </a:solidFill>
+                          <a:latin typeface="Calibri" panose="020F0502020204030204"/>
+                        </a:defRPr>
+                      </a:lvl2pPr>
+                      <a:lvl3pPr marL="914400" algn="l" defTabSz="914400" rtl="0" eaLnBrk="1" latinLnBrk="0" hangingPunct="1">
+                        <a:defRPr sz="1800" kern="1200">
+                          <a:solidFill>
+                            <a:schemeClr val="tx1"/>
+                          </a:solidFill>
+                          <a:latin typeface="Calibri" panose="020F0502020204030204"/>
+                        </a:defRPr>
+                      </a:lvl3pPr>
+                      <a:lvl4pPr marL="1371600" algn="l" defTabSz="914400" rtl="0" eaLnBrk="1" latinLnBrk="0" hangingPunct="1">
+                        <a:defRPr sz="1800" kern="1200">
+                          <a:solidFill>
+                            <a:schemeClr val="tx1"/>
+                          </a:solidFill>
+                          <a:latin typeface="Calibri" panose="020F0502020204030204"/>
+                        </a:defRPr>
+                      </a:lvl4pPr>
+                      <a:lvl5pPr marL="1828800" algn="l" defTabSz="914400" rtl="0" eaLnBrk="1" latinLnBrk="0" hangingPunct="1">
+                        <a:defRPr sz="1800" kern="1200">
+                          <a:solidFill>
+                            <a:schemeClr val="tx1"/>
+                          </a:solidFill>
+                          <a:latin typeface="Calibri" panose="020F0502020204030204"/>
+                        </a:defRPr>
+                      </a:lvl5pPr>
+                      <a:lvl6pPr marL="2286000" algn="l" defTabSz="914400" rtl="0" eaLnBrk="1" latinLnBrk="0" hangingPunct="1">
+                        <a:defRPr sz="1800" kern="1200">
+                          <a:solidFill>
+                            <a:schemeClr val="tx1"/>
+                          </a:solidFill>
+                          <a:latin typeface="Calibri" panose="020F0502020204030204"/>
+                        </a:defRPr>
+                      </a:lvl6pPr>
+                      <a:lvl7pPr marL="2743200" algn="l" defTabSz="914400" rtl="0" eaLnBrk="1" latinLnBrk="0" hangingPunct="1">
+                        <a:defRPr sz="1800" kern="1200">
+                          <a:solidFill>
+                            <a:schemeClr val="tx1"/>
+                          </a:solidFill>
+                          <a:latin typeface="Calibri" panose="020F0502020204030204"/>
+                        </a:defRPr>
+                      </a:lvl7pPr>
+                      <a:lvl8pPr marL="3200400" algn="l" defTabSz="914400" rtl="0" eaLnBrk="1" latinLnBrk="0" hangingPunct="1">
+                        <a:defRPr sz="1800" kern="1200">
+                          <a:solidFill>
+                            <a:schemeClr val="tx1"/>
+                          </a:solidFill>
+                          <a:latin typeface="Calibri" panose="020F0502020204030204"/>
+                        </a:defRPr>
+                      </a:lvl8pPr>
+                      <a:lvl9pPr marL="3657600" algn="l" defTabSz="914400" rtl="0" eaLnBrk="1" latinLnBrk="0" hangingPunct="1">
+                        <a:defRPr sz="1800" kern="1200">
+                          <a:solidFill>
+                            <a:schemeClr val="tx1"/>
+                          </a:solidFill>
+                          <a:latin typeface="Calibri" panose="020F0502020204030204"/>
+                        </a:defRPr>
+                      </a:lvl9pPr>
+                    </a:lstStyle>
+                    <a:p>
+                      <a:pPr algn="ctr" fontAlgn="ctr"/>
+                      <a:r>
+                        <a:rPr lang="es-MX" sz="1400" b="1" u="none" strike="noStrike">
+                          <a:effectLst/>
+                        </a:rPr>
+                        <a:t>DATO</a:t>
+                      </a:r>
+                      <a:endParaRPr lang="es-MX" sz="1400" b="1" i="0" u="none" strike="noStrike">
+                        <a:solidFill>
+                          <a:srgbClr val="000000"/>
+                        </a:solidFill>
+                        <a:effectLst/>
+                        <a:latin typeface="Calibri" panose="020F0502020204030204" pitchFamily="34" charset="0"/>
+                      </a:endParaRPr>
+                    </a:p>
+                  </a:txBody>
+                  <a:tcPr marL="9525" marR="9525" marT="9525" marB="0" anchor="ctr">
+                    <a:lnL>
+                      <a:noFill/>
+                    </a:lnL>
+                    <a:lnR>
+                      <a:noFill/>
+                    </a:lnR>
+                    <a:lnT w="12700" cmpd="sng">
+                      <a:solidFill>
+                        <a:srgbClr val="4472C4"/>
+                      </a:solidFill>
+                    </a:lnT>
+                    <a:lnB>
+                      <a:noFill/>
+                    </a:lnB>
+                    <a:lnTlToBr w="12700" cmpd="sng">
+                      <a:noFill/>
+                      <a:prstDash val="solid"/>
+                    </a:lnTlToBr>
+                    <a:lnBlToTr w="12700" cmpd="sng">
+                      <a:noFill/>
+                      <a:prstDash val="solid"/>
+                    </a:lnBlToTr>
+                    <a:noFill/>
+                  </a:tcPr>
+                </a:tc>
+                <a:extLst>
+                  <a:ext uri="{0D108BD9-81ED-4DB2-BD59-A6C34878D82A}">
+                    <a16:rowId xmlns:a16="http://schemas.microsoft.com/office/drawing/2014/main" val="3373958895"/>
+                  </a:ext>
+                </a:extLst>
+              </a:tr>
+              <a:tr h="190500">
+                <a:tc>
+                  <a:txBody>
+                    <a:bodyPr/>
+                    <a:lstStyle>
+                      <a:lvl1pPr marL="0" algn="l" defTabSz="914400" rtl="0" eaLnBrk="1" latinLnBrk="0" hangingPunct="1">
+                        <a:defRPr sz="1800" kern="1200">
+                          <a:solidFill>
+                            <a:schemeClr val="tx1"/>
+                          </a:solidFill>
+                          <a:latin typeface="Calibri" panose="020F0502020204030204"/>
+                        </a:defRPr>
+                      </a:lvl1pPr>
+                      <a:lvl2pPr marL="457200" algn="l" defTabSz="914400" rtl="0" eaLnBrk="1" latinLnBrk="0" hangingPunct="1">
+                        <a:defRPr sz="1800" kern="1200">
+                          <a:solidFill>
+                            <a:schemeClr val="tx1"/>
+                          </a:solidFill>
+                          <a:latin typeface="Calibri" panose="020F0502020204030204"/>
+                        </a:defRPr>
+                      </a:lvl2pPr>
+                      <a:lvl3pPr marL="914400" algn="l" defTabSz="914400" rtl="0" eaLnBrk="1" latinLnBrk="0" hangingPunct="1">
+                        <a:defRPr sz="1800" kern="1200">
+                          <a:solidFill>
+                            <a:schemeClr val="tx1"/>
+                          </a:solidFill>
+                          <a:latin typeface="Calibri" panose="020F0502020204030204"/>
+                        </a:defRPr>
+                      </a:lvl3pPr>
+                      <a:lvl4pPr marL="1371600" algn="l" defTabSz="914400" rtl="0" eaLnBrk="1" latinLnBrk="0" hangingPunct="1">
+                        <a:defRPr sz="1800" kern="1200">
+                          <a:solidFill>
+                            <a:schemeClr val="tx1"/>
+                          </a:solidFill>
+                          <a:latin typeface="Calibri" panose="020F0502020204030204"/>
+                        </a:defRPr>
+                      </a:lvl4pPr>
+                      <a:lvl5pPr marL="1828800" algn="l" defTabSz="914400" rtl="0" eaLnBrk="1" latinLnBrk="0" hangingPunct="1">
+                        <a:defRPr sz="1800" kern="1200">
+                          <a:solidFill>
+                            <a:schemeClr val="tx1"/>
+                          </a:solidFill>
+                          <a:latin typeface="Calibri" panose="020F0502020204030204"/>
+                        </a:defRPr>
+                      </a:lvl5pPr>
+                      <a:lvl6pPr marL="2286000" algn="l" defTabSz="914400" rtl="0" eaLnBrk="1" latinLnBrk="0" hangingPunct="1">
+                        <a:defRPr sz="1800" kern="1200">
+                          <a:solidFill>
+                            <a:schemeClr val="tx1"/>
+                          </a:solidFill>
+                          <a:latin typeface="Calibri" panose="020F0502020204030204"/>
+                        </a:defRPr>
+                      </a:lvl6pPr>
+                      <a:lvl7pPr marL="2743200" algn="l" defTabSz="914400" rtl="0" eaLnBrk="1" latinLnBrk="0" hangingPunct="1">
+                        <a:defRPr sz="1800" kern="1200">
+                          <a:solidFill>
+                            <a:schemeClr val="tx1"/>
+                          </a:solidFill>
+                          <a:latin typeface="Calibri" panose="020F0502020204030204"/>
+                        </a:defRPr>
+                      </a:lvl7pPr>
+                      <a:lvl8pPr marL="3200400" algn="l" defTabSz="914400" rtl="0" eaLnBrk="1" latinLnBrk="0" hangingPunct="1">
+                        <a:defRPr sz="1800" kern="1200">
+                          <a:solidFill>
+                            <a:schemeClr val="tx1"/>
+                          </a:solidFill>
+                          <a:latin typeface="Calibri" panose="020F0502020204030204"/>
+                        </a:defRPr>
+                      </a:lvl8pPr>
+                      <a:lvl9pPr marL="3657600" algn="l" defTabSz="914400" rtl="0" eaLnBrk="1" latinLnBrk="0" hangingPunct="1">
+                        <a:defRPr sz="1800" kern="1200">
+                          <a:solidFill>
+                            <a:schemeClr val="tx1"/>
+                          </a:solidFill>
+                          <a:latin typeface="Calibri" panose="020F0502020204030204"/>
+                        </a:defRPr>
+                      </a:lvl9pPr>
+                    </a:lstStyle>
+                    <a:p>
+                      <a:pPr algn="ctr" fontAlgn="ctr"/>
+                      <a:r>
+                        <a:rPr lang="es-MX" sz="1400" b="1" u="none" strike="noStrike">
+                          <a:effectLst/>
+                        </a:rPr>
+                        <a:t>XX</a:t>
+                      </a:r>
+                      <a:endParaRPr lang="es-MX" sz="1400" b="1" i="0" u="none" strike="noStrike">
+                        <a:solidFill>
+                          <a:srgbClr val="000000"/>
+                        </a:solidFill>
+                        <a:effectLst/>
+                        <a:latin typeface="Calibri" panose="020F0502020204030204" pitchFamily="34" charset="0"/>
+                      </a:endParaRPr>
+                    </a:p>
+                  </a:txBody>
+                  <a:tcPr marL="9525" marR="9525" marT="9525" marB="0" anchor="ctr">
+                    <a:lnL>
+                      <a:noFill/>
+                    </a:lnL>
+                    <a:lnR>
+                      <a:noFill/>
+                    </a:lnR>
+                    <a:lnT>
+                      <a:noFill/>
+                    </a:lnT>
+                    <a:lnB w="12700" cmpd="sng">
+                      <a:solidFill>
+                        <a:srgbClr val="4472C4"/>
+                      </a:solidFill>
+                    </a:lnB>
+                    <a:lnTlToBr w="12700" cmpd="sng">
+                      <a:noFill/>
+                      <a:prstDash val="solid"/>
+                    </a:lnTlToBr>
+                    <a:lnBlToTr w="12700" cmpd="sng">
+                      <a:noFill/>
+                      <a:prstDash val="solid"/>
+                    </a:lnBlToTr>
+                    <a:noFill/>
+                  </a:tcPr>
+                </a:tc>
+                <a:tc>
+                  <a:txBody>
+                    <a:bodyPr/>
+                    <a:lstStyle>
+                      <a:lvl1pPr marL="0" algn="l" defTabSz="914400" rtl="0" eaLnBrk="1" latinLnBrk="0" hangingPunct="1">
+                        <a:defRPr sz="1800" kern="1200">
+                          <a:solidFill>
+                            <a:schemeClr val="tx1"/>
+                          </a:solidFill>
+                          <a:latin typeface="Calibri" panose="020F0502020204030204"/>
+                        </a:defRPr>
+                      </a:lvl1pPr>
+                      <a:lvl2pPr marL="457200" algn="l" defTabSz="914400" rtl="0" eaLnBrk="1" latinLnBrk="0" hangingPunct="1">
+                        <a:defRPr sz="1800" kern="1200">
+                          <a:solidFill>
+                            <a:schemeClr val="tx1"/>
+                          </a:solidFill>
+                          <a:latin typeface="Calibri" panose="020F0502020204030204"/>
+                        </a:defRPr>
+                      </a:lvl2pPr>
+                      <a:lvl3pPr marL="914400" algn="l" defTabSz="914400" rtl="0" eaLnBrk="1" latinLnBrk="0" hangingPunct="1">
+                        <a:defRPr sz="1800" kern="1200">
+                          <a:solidFill>
+                            <a:schemeClr val="tx1"/>
+                          </a:solidFill>
+                          <a:latin typeface="Calibri" panose="020F0502020204030204"/>
+                        </a:defRPr>
+                      </a:lvl3pPr>
+                      <a:lvl4pPr marL="1371600" algn="l" defTabSz="914400" rtl="0" eaLnBrk="1" latinLnBrk="0" hangingPunct="1">
+                        <a:defRPr sz="1800" kern="1200">
+                          <a:solidFill>
+                            <a:schemeClr val="tx1"/>
+                          </a:solidFill>
+                          <a:latin typeface="Calibri" panose="020F0502020204030204"/>
+                        </a:defRPr>
+                      </a:lvl4pPr>
+                      <a:lvl5pPr marL="1828800" algn="l" defTabSz="914400" rtl="0" eaLnBrk="1" latinLnBrk="0" hangingPunct="1">
+                        <a:defRPr sz="1800" kern="1200">
+                          <a:solidFill>
+                            <a:schemeClr val="tx1"/>
+                          </a:solidFill>
+                          <a:latin typeface="Calibri" panose="020F0502020204030204"/>
+                        </a:defRPr>
+                      </a:lvl5pPr>
+                      <a:lvl6pPr marL="2286000" algn="l" defTabSz="914400" rtl="0" eaLnBrk="1" latinLnBrk="0" hangingPunct="1">
+                        <a:defRPr sz="1800" kern="1200">
+                          <a:solidFill>
+                            <a:schemeClr val="tx1"/>
+                          </a:solidFill>
+                          <a:latin typeface="Calibri" panose="020F0502020204030204"/>
+                        </a:defRPr>
+                      </a:lvl6pPr>
+                      <a:lvl7pPr marL="2743200" algn="l" defTabSz="914400" rtl="0" eaLnBrk="1" latinLnBrk="0" hangingPunct="1">
+                        <a:defRPr sz="1800" kern="1200">
+                          <a:solidFill>
+                            <a:schemeClr val="tx1"/>
+                          </a:solidFill>
+                          <a:latin typeface="Calibri" panose="020F0502020204030204"/>
+                        </a:defRPr>
+                      </a:lvl7pPr>
+                      <a:lvl8pPr marL="3200400" algn="l" defTabSz="914400" rtl="0" eaLnBrk="1" latinLnBrk="0" hangingPunct="1">
+                        <a:defRPr sz="1800" kern="1200">
+                          <a:solidFill>
+                            <a:schemeClr val="tx1"/>
+                          </a:solidFill>
+                          <a:latin typeface="Calibri" panose="020F0502020204030204"/>
+                        </a:defRPr>
+                      </a:lvl8pPr>
+                      <a:lvl9pPr marL="3657600" algn="l" defTabSz="914400" rtl="0" eaLnBrk="1" latinLnBrk="0" hangingPunct="1">
+                        <a:defRPr sz="1800" kern="1200">
+                          <a:solidFill>
+                            <a:schemeClr val="tx1"/>
+                          </a:solidFill>
+                          <a:latin typeface="Calibri" panose="020F0502020204030204"/>
+                        </a:defRPr>
+                      </a:lvl9pPr>
+                    </a:lstStyle>
+                    <a:p>
+                      <a:pPr algn="ctr" fontAlgn="ctr"/>
+                      <a:r>
+                        <a:rPr lang="es-MX" sz="1400" b="1" u="none" strike="noStrike">
+                          <a:effectLst/>
+                        </a:rPr>
+                        <a:t>XX</a:t>
+                      </a:r>
+                      <a:endParaRPr lang="es-MX" sz="1400" b="1" i="0" u="none" strike="noStrike">
+                        <a:solidFill>
+                          <a:srgbClr val="000000"/>
+                        </a:solidFill>
+                        <a:effectLst/>
+                        <a:latin typeface="Calibri" panose="020F0502020204030204" pitchFamily="34" charset="0"/>
+                      </a:endParaRPr>
+                    </a:p>
+                  </a:txBody>
+                  <a:tcPr marL="9525" marR="9525" marT="9525" marB="0" anchor="ctr">
+                    <a:lnL>
+                      <a:noFill/>
+                    </a:lnL>
+                    <a:lnR>
+                      <a:noFill/>
+                    </a:lnR>
+                    <a:lnT>
+                      <a:noFill/>
+                    </a:lnT>
+                    <a:lnB w="12700" cmpd="sng">
+                      <a:solidFill>
+                        <a:srgbClr val="4472C4"/>
+                      </a:solidFill>
+                    </a:lnB>
+                    <a:lnTlToBr w="12700" cmpd="sng">
+                      <a:noFill/>
+                      <a:prstDash val="solid"/>
+                    </a:lnTlToBr>
+                    <a:lnBlToTr w="12700" cmpd="sng">
+                      <a:noFill/>
+                      <a:prstDash val="solid"/>
+                    </a:lnBlToTr>
+                    <a:noFill/>
+                  </a:tcPr>
+                </a:tc>
+                <a:tc>
+                  <a:txBody>
+                    <a:bodyPr/>
+                    <a:lstStyle>
+                      <a:lvl1pPr marL="0" algn="l" defTabSz="914400" rtl="0" eaLnBrk="1" latinLnBrk="0" hangingPunct="1">
+                        <a:defRPr sz="1800" kern="1200">
+                          <a:solidFill>
+                            <a:schemeClr val="tx1"/>
+                          </a:solidFill>
+                          <a:latin typeface="Calibri" panose="020F0502020204030204"/>
+                        </a:defRPr>
+                      </a:lvl1pPr>
+                      <a:lvl2pPr marL="457200" algn="l" defTabSz="914400" rtl="0" eaLnBrk="1" latinLnBrk="0" hangingPunct="1">
+                        <a:defRPr sz="1800" kern="1200">
+                          <a:solidFill>
+                            <a:schemeClr val="tx1"/>
+                          </a:solidFill>
+                          <a:latin typeface="Calibri" panose="020F0502020204030204"/>
+                        </a:defRPr>
+                      </a:lvl2pPr>
+                      <a:lvl3pPr marL="914400" algn="l" defTabSz="914400" rtl="0" eaLnBrk="1" latinLnBrk="0" hangingPunct="1">
+                        <a:defRPr sz="1800" kern="1200">
+                          <a:solidFill>
+                            <a:schemeClr val="tx1"/>
+                          </a:solidFill>
+                          <a:latin typeface="Calibri" panose="020F0502020204030204"/>
+                        </a:defRPr>
+                      </a:lvl3pPr>
+                      <a:lvl4pPr marL="1371600" algn="l" defTabSz="914400" rtl="0" eaLnBrk="1" latinLnBrk="0" hangingPunct="1">
+                        <a:defRPr sz="1800" kern="1200">
+                          <a:solidFill>
+                            <a:schemeClr val="tx1"/>
+                          </a:solidFill>
+                          <a:latin typeface="Calibri" panose="020F0502020204030204"/>
+                        </a:defRPr>
+                      </a:lvl4pPr>
+                      <a:lvl5pPr marL="1828800" algn="l" defTabSz="914400" rtl="0" eaLnBrk="1" latinLnBrk="0" hangingPunct="1">
+                        <a:defRPr sz="1800" kern="1200">
+                          <a:solidFill>
+                            <a:schemeClr val="tx1"/>
+                          </a:solidFill>
+                          <a:latin typeface="Calibri" panose="020F0502020204030204"/>
+                        </a:defRPr>
+                      </a:lvl5pPr>
+                      <a:lvl6pPr marL="2286000" algn="l" defTabSz="914400" rtl="0" eaLnBrk="1" latinLnBrk="0" hangingPunct="1">
+                        <a:defRPr sz="1800" kern="1200">
+                          <a:solidFill>
+                            <a:schemeClr val="tx1"/>
+                          </a:solidFill>
+                          <a:latin typeface="Calibri" panose="020F0502020204030204"/>
+                        </a:defRPr>
+                      </a:lvl6pPr>
+                      <a:lvl7pPr marL="2743200" algn="l" defTabSz="914400" rtl="0" eaLnBrk="1" latinLnBrk="0" hangingPunct="1">
+                        <a:defRPr sz="1800" kern="1200">
+                          <a:solidFill>
+                            <a:schemeClr val="tx1"/>
+                          </a:solidFill>
+                          <a:latin typeface="Calibri" panose="020F0502020204030204"/>
+                        </a:defRPr>
+                      </a:lvl7pPr>
+                      <a:lvl8pPr marL="3200400" algn="l" defTabSz="914400" rtl="0" eaLnBrk="1" latinLnBrk="0" hangingPunct="1">
+                        <a:defRPr sz="1800" kern="1200">
+                          <a:solidFill>
+                            <a:schemeClr val="tx1"/>
+                          </a:solidFill>
+                          <a:latin typeface="Calibri" panose="020F0502020204030204"/>
+                        </a:defRPr>
+                      </a:lvl8pPr>
+                      <a:lvl9pPr marL="3657600" algn="l" defTabSz="914400" rtl="0" eaLnBrk="1" latinLnBrk="0" hangingPunct="1">
+                        <a:defRPr sz="1800" kern="1200">
+                          <a:solidFill>
+                            <a:schemeClr val="tx1"/>
+                          </a:solidFill>
+                          <a:latin typeface="Calibri" panose="020F0502020204030204"/>
+                        </a:defRPr>
+                      </a:lvl9pPr>
+                    </a:lstStyle>
+                    <a:p>
+                      <a:pPr algn="ctr" fontAlgn="ctr"/>
+                      <a:r>
+                        <a:rPr lang="es-MX" sz="1400" b="1" u="none" strike="noStrike">
+                          <a:effectLst/>
+                        </a:rPr>
+                        <a:t>E4</a:t>
+                      </a:r>
+                      <a:endParaRPr lang="es-MX" sz="1400" b="1" i="0" u="none" strike="noStrike">
+                        <a:solidFill>
+                          <a:srgbClr val="000000"/>
+                        </a:solidFill>
+                        <a:effectLst/>
+                        <a:latin typeface="Calibri" panose="020F0502020204030204" pitchFamily="34" charset="0"/>
+                      </a:endParaRPr>
+                    </a:p>
+                  </a:txBody>
+                  <a:tcPr marL="9525" marR="9525" marT="9525" marB="0" anchor="ctr">
+                    <a:lnL>
+                      <a:noFill/>
+                    </a:lnL>
+                    <a:lnR>
+                      <a:noFill/>
+                    </a:lnR>
+                    <a:lnT>
+                      <a:noFill/>
+                    </a:lnT>
+                    <a:lnB w="12700" cmpd="sng">
+                      <a:solidFill>
+                        <a:srgbClr val="4472C4"/>
+                      </a:solidFill>
+                    </a:lnB>
+                    <a:lnTlToBr w="12700" cmpd="sng">
+                      <a:noFill/>
+                      <a:prstDash val="solid"/>
+                    </a:lnTlToBr>
+                    <a:lnBlToTr w="12700" cmpd="sng">
+                      <a:noFill/>
+                      <a:prstDash val="solid"/>
+                    </a:lnBlToTr>
+                    <a:noFill/>
+                  </a:tcPr>
+                </a:tc>
+                <a:tc>
+                  <a:txBody>
+                    <a:bodyPr/>
+                    <a:lstStyle>
+                      <a:lvl1pPr marL="0" algn="l" defTabSz="914400" rtl="0" eaLnBrk="1" latinLnBrk="0" hangingPunct="1">
+                        <a:defRPr sz="1800" kern="1200">
+                          <a:solidFill>
+                            <a:schemeClr val="tx1"/>
+                          </a:solidFill>
+                          <a:latin typeface="Calibri" panose="020F0502020204030204"/>
+                        </a:defRPr>
+                      </a:lvl1pPr>
+                      <a:lvl2pPr marL="457200" algn="l" defTabSz="914400" rtl="0" eaLnBrk="1" latinLnBrk="0" hangingPunct="1">
+                        <a:defRPr sz="1800" kern="1200">
+                          <a:solidFill>
+                            <a:schemeClr val="tx1"/>
+                          </a:solidFill>
+                          <a:latin typeface="Calibri" panose="020F0502020204030204"/>
+                        </a:defRPr>
+                      </a:lvl2pPr>
+                      <a:lvl3pPr marL="914400" algn="l" defTabSz="914400" rtl="0" eaLnBrk="1" latinLnBrk="0" hangingPunct="1">
+                        <a:defRPr sz="1800" kern="1200">
+                          <a:solidFill>
+                            <a:schemeClr val="tx1"/>
+                          </a:solidFill>
+                          <a:latin typeface="Calibri" panose="020F0502020204030204"/>
+                        </a:defRPr>
+                      </a:lvl3pPr>
+                      <a:lvl4pPr marL="1371600" algn="l" defTabSz="914400" rtl="0" eaLnBrk="1" latinLnBrk="0" hangingPunct="1">
+                        <a:defRPr sz="1800" kern="1200">
+                          <a:solidFill>
+                            <a:schemeClr val="tx1"/>
+                          </a:solidFill>
+                          <a:latin typeface="Calibri" panose="020F0502020204030204"/>
+                        </a:defRPr>
+                      </a:lvl4pPr>
+                      <a:lvl5pPr marL="1828800" algn="l" defTabSz="914400" rtl="0" eaLnBrk="1" latinLnBrk="0" hangingPunct="1">
+                        <a:defRPr sz="1800" kern="1200">
+                          <a:solidFill>
+                            <a:schemeClr val="tx1"/>
+                          </a:solidFill>
+                          <a:latin typeface="Calibri" panose="020F0502020204030204"/>
+                        </a:defRPr>
+                      </a:lvl5pPr>
+                      <a:lvl6pPr marL="2286000" algn="l" defTabSz="914400" rtl="0" eaLnBrk="1" latinLnBrk="0" hangingPunct="1">
+                        <a:defRPr sz="1800" kern="1200">
+                          <a:solidFill>
+                            <a:schemeClr val="tx1"/>
+                          </a:solidFill>
+                          <a:latin typeface="Calibri" panose="020F0502020204030204"/>
+                        </a:defRPr>
+                      </a:lvl6pPr>
+                      <a:lvl7pPr marL="2743200" algn="l" defTabSz="914400" rtl="0" eaLnBrk="1" latinLnBrk="0" hangingPunct="1">
+                        <a:defRPr sz="1800" kern="1200">
+                          <a:solidFill>
+                            <a:schemeClr val="tx1"/>
+                          </a:solidFill>
+                          <a:latin typeface="Calibri" panose="020F0502020204030204"/>
+                        </a:defRPr>
+                      </a:lvl7pPr>
+                      <a:lvl8pPr marL="3200400" algn="l" defTabSz="914400" rtl="0" eaLnBrk="1" latinLnBrk="0" hangingPunct="1">
+                        <a:defRPr sz="1800" kern="1200">
+                          <a:solidFill>
+                            <a:schemeClr val="tx1"/>
+                          </a:solidFill>
+                          <a:latin typeface="Calibri" panose="020F0502020204030204"/>
+                        </a:defRPr>
+                      </a:lvl8pPr>
+                      <a:lvl9pPr marL="3657600" algn="l" defTabSz="914400" rtl="0" eaLnBrk="1" latinLnBrk="0" hangingPunct="1">
+                        <a:defRPr sz="1800" kern="1200">
+                          <a:solidFill>
+                            <a:schemeClr val="tx1"/>
+                          </a:solidFill>
+                          <a:latin typeface="Calibri" panose="020F0502020204030204"/>
+                        </a:defRPr>
+                      </a:lvl9pPr>
+                    </a:lstStyle>
+                    <a:p>
+                      <a:pPr algn="ctr" fontAlgn="ctr"/>
+                      <a:r>
+                        <a:rPr lang="es-MX" sz="1400" b="1" u="none" strike="noStrike">
+                          <a:effectLst/>
+                        </a:rPr>
+                        <a:t>A2 00</a:t>
+                      </a:r>
+                      <a:endParaRPr lang="es-MX" sz="1400" b="1" i="0" u="none" strike="noStrike">
+                        <a:solidFill>
+                          <a:srgbClr val="000000"/>
+                        </a:solidFill>
+                        <a:effectLst/>
+                        <a:latin typeface="Calibri" panose="020F0502020204030204" pitchFamily="34" charset="0"/>
+                      </a:endParaRPr>
+                    </a:p>
+                  </a:txBody>
+                  <a:tcPr marL="9525" marR="9525" marT="9525" marB="0" anchor="ctr">
+                    <a:lnL>
+                      <a:noFill/>
+                    </a:lnL>
+                    <a:lnR>
+                      <a:noFill/>
+                    </a:lnR>
+                    <a:lnT>
+                      <a:noFill/>
+                    </a:lnT>
+                    <a:lnB w="12700" cmpd="sng">
+                      <a:solidFill>
+                        <a:srgbClr val="4472C4"/>
+                      </a:solidFill>
+                    </a:lnB>
+                    <a:lnTlToBr w="12700" cmpd="sng">
+                      <a:noFill/>
+                      <a:prstDash val="solid"/>
+                    </a:lnTlToBr>
+                    <a:lnBlToTr w="12700" cmpd="sng">
+                      <a:noFill/>
+                      <a:prstDash val="solid"/>
+                    </a:lnBlToTr>
+                    <a:noFill/>
+                  </a:tcPr>
+                </a:tc>
+                <a:tc>
+                  <a:txBody>
+                    <a:bodyPr/>
+                    <a:lstStyle>
+                      <a:lvl1pPr marL="0" algn="l" defTabSz="914400" rtl="0" eaLnBrk="1" latinLnBrk="0" hangingPunct="1">
+                        <a:defRPr sz="1800" kern="1200">
+                          <a:solidFill>
+                            <a:schemeClr val="tx1"/>
+                          </a:solidFill>
+                          <a:latin typeface="Calibri" panose="020F0502020204030204"/>
+                        </a:defRPr>
+                      </a:lvl1pPr>
+                      <a:lvl2pPr marL="457200" algn="l" defTabSz="914400" rtl="0" eaLnBrk="1" latinLnBrk="0" hangingPunct="1">
+                        <a:defRPr sz="1800" kern="1200">
+                          <a:solidFill>
+                            <a:schemeClr val="tx1"/>
+                          </a:solidFill>
+                          <a:latin typeface="Calibri" panose="020F0502020204030204"/>
+                        </a:defRPr>
+                      </a:lvl2pPr>
+                      <a:lvl3pPr marL="914400" algn="l" defTabSz="914400" rtl="0" eaLnBrk="1" latinLnBrk="0" hangingPunct="1">
+                        <a:defRPr sz="1800" kern="1200">
+                          <a:solidFill>
+                            <a:schemeClr val="tx1"/>
+                          </a:solidFill>
+                          <a:latin typeface="Calibri" panose="020F0502020204030204"/>
+                        </a:defRPr>
+                      </a:lvl3pPr>
+                      <a:lvl4pPr marL="1371600" algn="l" defTabSz="914400" rtl="0" eaLnBrk="1" latinLnBrk="0" hangingPunct="1">
+                        <a:defRPr sz="1800" kern="1200">
+                          <a:solidFill>
+                            <a:schemeClr val="tx1"/>
+                          </a:solidFill>
+                          <a:latin typeface="Calibri" panose="020F0502020204030204"/>
+                        </a:defRPr>
+                      </a:lvl4pPr>
+                      <a:lvl5pPr marL="1828800" algn="l" defTabSz="914400" rtl="0" eaLnBrk="1" latinLnBrk="0" hangingPunct="1">
+                        <a:defRPr sz="1800" kern="1200">
+                          <a:solidFill>
+                            <a:schemeClr val="tx1"/>
+                          </a:solidFill>
+                          <a:latin typeface="Calibri" panose="020F0502020204030204"/>
+                        </a:defRPr>
+                      </a:lvl5pPr>
+                      <a:lvl6pPr marL="2286000" algn="l" defTabSz="914400" rtl="0" eaLnBrk="1" latinLnBrk="0" hangingPunct="1">
+                        <a:defRPr sz="1800" kern="1200">
+                          <a:solidFill>
+                            <a:schemeClr val="tx1"/>
+                          </a:solidFill>
+                          <a:latin typeface="Calibri" panose="020F0502020204030204"/>
+                        </a:defRPr>
+                      </a:lvl6pPr>
+                      <a:lvl7pPr marL="2743200" algn="l" defTabSz="914400" rtl="0" eaLnBrk="1" latinLnBrk="0" hangingPunct="1">
+                        <a:defRPr sz="1800" kern="1200">
+                          <a:solidFill>
+                            <a:schemeClr val="tx1"/>
+                          </a:solidFill>
+                          <a:latin typeface="Calibri" panose="020F0502020204030204"/>
+                        </a:defRPr>
+                      </a:lvl7pPr>
+                      <a:lvl8pPr marL="3200400" algn="l" defTabSz="914400" rtl="0" eaLnBrk="1" latinLnBrk="0" hangingPunct="1">
+                        <a:defRPr sz="1800" kern="1200">
+                          <a:solidFill>
+                            <a:schemeClr val="tx1"/>
+                          </a:solidFill>
+                          <a:latin typeface="Calibri" panose="020F0502020204030204"/>
+                        </a:defRPr>
+                      </a:lvl8pPr>
+                      <a:lvl9pPr marL="3657600" algn="l" defTabSz="914400" rtl="0" eaLnBrk="1" latinLnBrk="0" hangingPunct="1">
+                        <a:defRPr sz="1800" kern="1200">
+                          <a:solidFill>
+                            <a:schemeClr val="tx1"/>
+                          </a:solidFill>
+                          <a:latin typeface="Calibri" panose="020F0502020204030204"/>
+                        </a:defRPr>
+                      </a:lvl9pPr>
+                    </a:lstStyle>
+                    <a:p>
+                      <a:pPr algn="ctr" fontAlgn="ctr"/>
+                      <a:r>
+                        <a:rPr lang="es-MX" sz="1400" b="1" u="none" strike="noStrike">
+                          <a:effectLst/>
+                        </a:rPr>
+                        <a:t>XX XX</a:t>
+                      </a:r>
+                      <a:endParaRPr lang="es-MX" sz="1400" b="1" i="0" u="none" strike="noStrike">
+                        <a:solidFill>
+                          <a:srgbClr val="000000"/>
+                        </a:solidFill>
+                        <a:effectLst/>
+                        <a:latin typeface="Calibri" panose="020F0502020204030204" pitchFamily="34" charset="0"/>
+                      </a:endParaRPr>
+                    </a:p>
+                  </a:txBody>
+                  <a:tcPr marL="9525" marR="9525" marT="9525" marB="0" anchor="ctr">
+                    <a:lnL>
+                      <a:noFill/>
+                    </a:lnL>
+                    <a:lnR>
+                      <a:noFill/>
+                    </a:lnR>
+                    <a:lnT>
+                      <a:noFill/>
+                    </a:lnT>
+                    <a:lnB w="12700" cmpd="sng">
+                      <a:solidFill>
+                        <a:srgbClr val="4472C4"/>
+                      </a:solidFill>
+                    </a:lnB>
+                    <a:lnTlToBr w="12700" cmpd="sng">
+                      <a:noFill/>
+                      <a:prstDash val="solid"/>
+                    </a:lnTlToBr>
+                    <a:lnBlToTr w="12700" cmpd="sng">
+                      <a:noFill/>
+                      <a:prstDash val="solid"/>
+                    </a:lnBlToTr>
+                    <a:noFill/>
+                  </a:tcPr>
+                </a:tc>
+                <a:tc>
+                  <a:txBody>
+                    <a:bodyPr/>
+                    <a:lstStyle>
+                      <a:lvl1pPr marL="0" algn="l" defTabSz="914400" rtl="0" eaLnBrk="1" latinLnBrk="0" hangingPunct="1">
+                        <a:defRPr sz="1800" kern="1200">
+                          <a:solidFill>
+                            <a:schemeClr val="tx1"/>
+                          </a:solidFill>
+                          <a:latin typeface="Calibri" panose="020F0502020204030204"/>
+                        </a:defRPr>
+                      </a:lvl1pPr>
+                      <a:lvl2pPr marL="457200" algn="l" defTabSz="914400" rtl="0" eaLnBrk="1" latinLnBrk="0" hangingPunct="1">
+                        <a:defRPr sz="1800" kern="1200">
+                          <a:solidFill>
+                            <a:schemeClr val="tx1"/>
+                          </a:solidFill>
+                          <a:latin typeface="Calibri" panose="020F0502020204030204"/>
+                        </a:defRPr>
+                      </a:lvl2pPr>
+                      <a:lvl3pPr marL="914400" algn="l" defTabSz="914400" rtl="0" eaLnBrk="1" latinLnBrk="0" hangingPunct="1">
+                        <a:defRPr sz="1800" kern="1200">
+                          <a:solidFill>
+                            <a:schemeClr val="tx1"/>
+                          </a:solidFill>
+                          <a:latin typeface="Calibri" panose="020F0502020204030204"/>
+                        </a:defRPr>
+                      </a:lvl3pPr>
+                      <a:lvl4pPr marL="1371600" algn="l" defTabSz="914400" rtl="0" eaLnBrk="1" latinLnBrk="0" hangingPunct="1">
+                        <a:defRPr sz="1800" kern="1200">
+                          <a:solidFill>
+                            <a:schemeClr val="tx1"/>
+                          </a:solidFill>
+                          <a:latin typeface="Calibri" panose="020F0502020204030204"/>
+                        </a:defRPr>
+                      </a:lvl4pPr>
+                      <a:lvl5pPr marL="1828800" algn="l" defTabSz="914400" rtl="0" eaLnBrk="1" latinLnBrk="0" hangingPunct="1">
+                        <a:defRPr sz="1800" kern="1200">
+                          <a:solidFill>
+                            <a:schemeClr val="tx1"/>
+                          </a:solidFill>
+                          <a:latin typeface="Calibri" panose="020F0502020204030204"/>
+                        </a:defRPr>
+                      </a:lvl5pPr>
+                      <a:lvl6pPr marL="2286000" algn="l" defTabSz="914400" rtl="0" eaLnBrk="1" latinLnBrk="0" hangingPunct="1">
+                        <a:defRPr sz="1800" kern="1200">
+                          <a:solidFill>
+                            <a:schemeClr val="tx1"/>
+                          </a:solidFill>
+                          <a:latin typeface="Calibri" panose="020F0502020204030204"/>
+                        </a:defRPr>
+                      </a:lvl6pPr>
+                      <a:lvl7pPr marL="2743200" algn="l" defTabSz="914400" rtl="0" eaLnBrk="1" latinLnBrk="0" hangingPunct="1">
+                        <a:defRPr sz="1800" kern="1200">
+                          <a:solidFill>
+                            <a:schemeClr val="tx1"/>
+                          </a:solidFill>
+                          <a:latin typeface="Calibri" panose="020F0502020204030204"/>
+                        </a:defRPr>
+                      </a:lvl7pPr>
+                      <a:lvl8pPr marL="3200400" algn="l" defTabSz="914400" rtl="0" eaLnBrk="1" latinLnBrk="0" hangingPunct="1">
+                        <a:defRPr sz="1800" kern="1200">
+                          <a:solidFill>
+                            <a:schemeClr val="tx1"/>
+                          </a:solidFill>
+                          <a:latin typeface="Calibri" panose="020F0502020204030204"/>
+                        </a:defRPr>
+                      </a:lvl8pPr>
+                      <a:lvl9pPr marL="3657600" algn="l" defTabSz="914400" rtl="0" eaLnBrk="1" latinLnBrk="0" hangingPunct="1">
+                        <a:defRPr sz="1800" kern="1200">
+                          <a:solidFill>
+                            <a:schemeClr val="tx1"/>
+                          </a:solidFill>
+                          <a:latin typeface="Calibri" panose="020F0502020204030204"/>
+                        </a:defRPr>
+                      </a:lvl9pPr>
+                    </a:lstStyle>
+                    <a:p>
+                      <a:pPr algn="ctr" fontAlgn="ctr"/>
+                      <a:r>
+                        <a:rPr lang="es-MX" sz="1400" b="1" u="none" strike="noStrike" dirty="0">
+                          <a:effectLst/>
+                        </a:rPr>
+                        <a:t>XX</a:t>
+                      </a:r>
+                      <a:endParaRPr lang="es-MX" sz="1400" b="1" i="0" u="none" strike="noStrike" dirty="0">
+                        <a:solidFill>
+                          <a:srgbClr val="000000"/>
+                        </a:solidFill>
+                        <a:effectLst/>
+                        <a:latin typeface="Calibri" panose="020F0502020204030204" pitchFamily="34" charset="0"/>
+                      </a:endParaRPr>
+                    </a:p>
+                  </a:txBody>
+                  <a:tcPr marL="9525" marR="9525" marT="9525" marB="0" anchor="ctr">
+                    <a:lnL>
+                      <a:noFill/>
+                    </a:lnL>
+                    <a:lnR>
+                      <a:noFill/>
+                    </a:lnR>
+                    <a:lnT>
+                      <a:noFill/>
+                    </a:lnT>
+                    <a:lnB w="12700" cmpd="sng">
+                      <a:solidFill>
+                        <a:srgbClr val="4472C4"/>
+                      </a:solidFill>
+                    </a:lnB>
+                    <a:lnTlToBr w="12700" cmpd="sng">
+                      <a:noFill/>
+                      <a:prstDash val="solid"/>
+                    </a:lnTlToBr>
+                    <a:lnBlToTr w="12700" cmpd="sng">
+                      <a:noFill/>
+                      <a:prstDash val="solid"/>
+                    </a:lnBlToTr>
+                    <a:noFill/>
+                  </a:tcPr>
+                </a:tc>
+                <a:tc>
+                  <a:txBody>
+                    <a:bodyPr/>
+                    <a:lstStyle>
+                      <a:lvl1pPr marL="0" algn="l" defTabSz="914400" rtl="0" eaLnBrk="1" latinLnBrk="0" hangingPunct="1">
+                        <a:defRPr sz="1800" kern="1200">
+                          <a:solidFill>
+                            <a:schemeClr val="tx1"/>
+                          </a:solidFill>
+                          <a:latin typeface="Calibri" panose="020F0502020204030204"/>
+                        </a:defRPr>
+                      </a:lvl1pPr>
+                      <a:lvl2pPr marL="457200" algn="l" defTabSz="914400" rtl="0" eaLnBrk="1" latinLnBrk="0" hangingPunct="1">
+                        <a:defRPr sz="1800" kern="1200">
+                          <a:solidFill>
+                            <a:schemeClr val="tx1"/>
+                          </a:solidFill>
+                          <a:latin typeface="Calibri" panose="020F0502020204030204"/>
+                        </a:defRPr>
+                      </a:lvl2pPr>
+                      <a:lvl3pPr marL="914400" algn="l" defTabSz="914400" rtl="0" eaLnBrk="1" latinLnBrk="0" hangingPunct="1">
+                        <a:defRPr sz="1800" kern="1200">
+                          <a:solidFill>
+                            <a:schemeClr val="tx1"/>
+                          </a:solidFill>
+                          <a:latin typeface="Calibri" panose="020F0502020204030204"/>
+                        </a:defRPr>
+                      </a:lvl3pPr>
+                      <a:lvl4pPr marL="1371600" algn="l" defTabSz="914400" rtl="0" eaLnBrk="1" latinLnBrk="0" hangingPunct="1">
+                        <a:defRPr sz="1800" kern="1200">
+                          <a:solidFill>
+                            <a:schemeClr val="tx1"/>
+                          </a:solidFill>
+                          <a:latin typeface="Calibri" panose="020F0502020204030204"/>
+                        </a:defRPr>
+                      </a:lvl4pPr>
+                      <a:lvl5pPr marL="1828800" algn="l" defTabSz="914400" rtl="0" eaLnBrk="1" latinLnBrk="0" hangingPunct="1">
+                        <a:defRPr sz="1800" kern="1200">
+                          <a:solidFill>
+                            <a:schemeClr val="tx1"/>
+                          </a:solidFill>
+                          <a:latin typeface="Calibri" panose="020F0502020204030204"/>
+                        </a:defRPr>
+                      </a:lvl5pPr>
+                      <a:lvl6pPr marL="2286000" algn="l" defTabSz="914400" rtl="0" eaLnBrk="1" latinLnBrk="0" hangingPunct="1">
+                        <a:defRPr sz="1800" kern="1200">
+                          <a:solidFill>
+                            <a:schemeClr val="tx1"/>
+                          </a:solidFill>
+                          <a:latin typeface="Calibri" panose="020F0502020204030204"/>
+                        </a:defRPr>
+                      </a:lvl6pPr>
+                      <a:lvl7pPr marL="2743200" algn="l" defTabSz="914400" rtl="0" eaLnBrk="1" latinLnBrk="0" hangingPunct="1">
+                        <a:defRPr sz="1800" kern="1200">
+                          <a:solidFill>
+                            <a:schemeClr val="tx1"/>
+                          </a:solidFill>
+                          <a:latin typeface="Calibri" panose="020F0502020204030204"/>
+                        </a:defRPr>
+                      </a:lvl7pPr>
+                      <a:lvl8pPr marL="3200400" algn="l" defTabSz="914400" rtl="0" eaLnBrk="1" latinLnBrk="0" hangingPunct="1">
+                        <a:defRPr sz="1800" kern="1200">
+                          <a:solidFill>
+                            <a:schemeClr val="tx1"/>
+                          </a:solidFill>
+                          <a:latin typeface="Calibri" panose="020F0502020204030204"/>
+                        </a:defRPr>
+                      </a:lvl8pPr>
+                      <a:lvl9pPr marL="3657600" algn="l" defTabSz="914400" rtl="0" eaLnBrk="1" latinLnBrk="0" hangingPunct="1">
+                        <a:defRPr sz="1800" kern="1200">
+                          <a:solidFill>
+                            <a:schemeClr val="tx1"/>
+                          </a:solidFill>
+                          <a:latin typeface="Calibri" panose="020F0502020204030204"/>
+                        </a:defRPr>
+                      </a:lvl9pPr>
+                    </a:lstStyle>
+                    <a:p>
+                      <a:pPr algn="ctr" fontAlgn="ctr"/>
+                      <a:r>
+                        <a:rPr lang="es-MX" sz="1400" b="1" u="none" strike="noStrike" dirty="0">
+                          <a:effectLst/>
+                        </a:rPr>
+                        <a:t>N</a:t>
+                      </a:r>
+                      <a:endParaRPr lang="es-MX" sz="1400" b="1" i="0" u="none" strike="noStrike" dirty="0">
+                        <a:solidFill>
+                          <a:srgbClr val="000000"/>
+                        </a:solidFill>
+                        <a:effectLst/>
+                        <a:latin typeface="Calibri" panose="020F0502020204030204" pitchFamily="34" charset="0"/>
+                      </a:endParaRPr>
+                    </a:p>
+                  </a:txBody>
+                  <a:tcPr marL="9525" marR="9525" marT="9525" marB="0" anchor="ctr">
+                    <a:lnL>
+                      <a:noFill/>
+                    </a:lnL>
+                    <a:lnR>
+                      <a:noFill/>
+                    </a:lnR>
+                    <a:lnT>
+                      <a:noFill/>
+                    </a:lnT>
+                    <a:lnB w="12700" cmpd="sng">
+                      <a:solidFill>
+                        <a:srgbClr val="4472C4"/>
+                      </a:solidFill>
+                    </a:lnB>
+                    <a:lnTlToBr w="12700" cmpd="sng">
+                      <a:noFill/>
+                      <a:prstDash val="solid"/>
+                    </a:lnTlToBr>
+                    <a:lnBlToTr w="12700" cmpd="sng">
+                      <a:noFill/>
+                      <a:prstDash val="solid"/>
+                    </a:lnBlToTr>
+                    <a:noFill/>
+                  </a:tcPr>
+                </a:tc>
+                <a:extLst>
+                  <a:ext uri="{0D108BD9-81ED-4DB2-BD59-A6C34878D82A}">
+                    <a16:rowId xmlns:a16="http://schemas.microsoft.com/office/drawing/2014/main" val="695067849"/>
+                  </a:ext>
+                </a:extLst>
+              </a:tr>
+            </a:tbl>
+          </a:graphicData>
+        </a:graphic>
+      </p:graphicFrame>
+    </p:spTree>
+    <p:extLst>
+      <p:ext uri="{BB962C8B-B14F-4D97-AF65-F5344CB8AC3E}">
+        <p14:creationId xmlns:p14="http://schemas.microsoft.com/office/powerpoint/2010/main" val="1520889126"/>
+      </p:ext>
+    </p:extLst>
+  </p:cSld>
+  <p:clrMapOvr>
+    <a:masterClrMapping/>
+  </p:clrMapOvr>
+</p:sld>
+</file>
+
+<file path=ppt/slides/slide5.xml><?xml version="1.0" encoding="utf-8"?>
+<p:sld xmlns:a="http://schemas.openxmlformats.org/drawingml/2006/main" xmlns:r="http://schemas.openxmlformats.org/officeDocument/2006/relationships" xmlns:p="http://schemas.openxmlformats.org/presentationml/2006/main">
+  <p:cSld>
+    <p:spTree>
+      <p:nvGrpSpPr>
+        <p:cNvPr id="1" name=""/>
+        <p:cNvGrpSpPr/>
+        <p:nvPr/>
+      </p:nvGrpSpPr>
+      <p:grpSpPr>
+        <a:xfrm>
+          <a:off x="0" y="0"/>
+          <a:ext cx="0" cy="0"/>
+          <a:chOff x="0" y="0"/>
+          <a:chExt cx="0" cy="0"/>
+        </a:xfrm>
+      </p:grpSpPr>
       <p:pic>
         <p:nvPicPr>
-          <p:cNvPr id="3" name="Picture 2">
+          <p:cNvPr id="2" name="Picture 1">
             <a:extLst>
               <a:ext uri="{FF2B5EF4-FFF2-40B4-BE49-F238E27FC236}">
-                <a16:creationId xmlns:a16="http://schemas.microsoft.com/office/drawing/2014/main" id="{CD404E08-D6D7-4C7E-B964-0FD27137DA70}"/>
+                <a16:creationId xmlns:a16="http://schemas.microsoft.com/office/drawing/2014/main" id="{D3A16E3D-70E8-49EC-91EC-3282146A738C}"/>
               </a:ext>
             </a:extLst>
           </p:cNvPr>
@@ -5046,18 +11152,82 @@
         </p:blipFill>
         <p:spPr>
           <a:xfrm>
-            <a:off x="4320988" y="3429001"/>
-            <a:ext cx="3463453" cy="2962836"/>
+            <a:off x="4145407" y="3045574"/>
+            <a:ext cx="3901185" cy="3337297"/>
           </a:xfrm>
           <a:prstGeom prst="rect">
             <a:avLst/>
           </a:prstGeom>
         </p:spPr>
       </p:pic>
+      <p:sp>
+        <p:nvSpPr>
+          <p:cNvPr id="4" name="TextBox 3">
+            <a:extLst>
+              <a:ext uri="{FF2B5EF4-FFF2-40B4-BE49-F238E27FC236}">
+                <a16:creationId xmlns:a16="http://schemas.microsoft.com/office/drawing/2014/main" id="{8750202C-64C9-454B-9BD9-45595772A2A7}"/>
+              </a:ext>
+            </a:extLst>
+          </p:cNvPr>
+          <p:cNvSpPr txBox="1"/>
+          <p:nvPr/>
+        </p:nvSpPr>
+        <p:spPr>
+          <a:xfrm>
+            <a:off x="502022" y="1138403"/>
+            <a:ext cx="11187953" cy="1429622"/>
+          </a:xfrm>
+          <a:prstGeom prst="rect">
+            <a:avLst/>
+          </a:prstGeom>
+          <a:noFill/>
+        </p:spPr>
+        <p:txBody>
+          <a:bodyPr wrap="square" rtlCol="0">
+            <a:spAutoFit/>
+          </a:bodyPr>
+          <a:lstStyle/>
+          <a:p>
+            <a:pPr algn="just">
+              <a:lnSpc>
+                <a:spcPct val="150000"/>
+              </a:lnSpc>
+            </a:pPr>
+            <a:r>
+              <a:rPr lang="es-MX" sz="2000" dirty="0"/>
+              <a:t>Por lo tanto, se realizó la siguiente función para el realizar el cálculo del </a:t>
+            </a:r>
+            <a:r>
+              <a:rPr lang="es-MX" sz="2000" dirty="0" err="1"/>
+              <a:t>crc</a:t>
+            </a:r>
+            <a:r>
+              <a:rPr lang="es-MX" sz="2000" dirty="0"/>
+              <a:t>, donde se le da de parámetro la trama construida para su cálculo y este retorna el </a:t>
+            </a:r>
+            <a:r>
+              <a:rPr lang="es-MX" sz="2000" dirty="0" err="1"/>
+              <a:t>crc</a:t>
+            </a:r>
+            <a:r>
+              <a:rPr lang="es-MX" sz="2000" dirty="0"/>
+              <a:t> en hexadecimal pero su variable es de tipo </a:t>
+            </a:r>
+            <a:r>
+              <a:rPr lang="es-MX" sz="2000" dirty="0" err="1"/>
+              <a:t>string</a:t>
+            </a:r>
+            <a:r>
+              <a:rPr lang="es-MX" sz="2000" dirty="0"/>
+              <a:t>, además de que este valor siempre será de 2 bytes de longitud</a:t>
+            </a:r>
+          </a:p>
+        </p:txBody>
+      </p:sp>
     </p:spTree>
     <p:extLst>
       <p:ext uri="{BB962C8B-B14F-4D97-AF65-F5344CB8AC3E}">
-        <p14:creationId xmlns:p14="http://schemas.microsoft.com/office/powerpoint/2010/main" val="1520889126"/>
+        <p14:creationId xmlns:p14="http://schemas.microsoft.com/office/powerpoint/2010/main" val="3255930171"/>
       </p:ext>
     </p:extLst>
   </p:cSld>
@@ -5067,7 +11237,7 @@
 </p:sld>
 </file>
 
-<file path=ppt/slides/slide5.xml><?xml version="1.0" encoding="utf-8"?>
+<file path=ppt/slides/slide6.xml><?xml version="1.0" encoding="utf-8"?>
 <p:sld xmlns:a="http://schemas.openxmlformats.org/drawingml/2006/main" xmlns:r="http://schemas.openxmlformats.org/officeDocument/2006/relationships" xmlns:p="http://schemas.openxmlformats.org/presentationml/2006/main">
   <p:cSld>
     <p:spTree>
@@ -7474,7 +13644,7 @@
 </p:sld>
 </file>
 
-<file path=ppt/slides/slide6.xml><?xml version="1.0" encoding="utf-8"?>
+<file path=ppt/slides/slide7.xml><?xml version="1.0" encoding="utf-8"?>
 <p:sld xmlns:a="http://schemas.openxmlformats.org/drawingml/2006/main" xmlns:r="http://schemas.openxmlformats.org/officeDocument/2006/relationships" xmlns:p="http://schemas.openxmlformats.org/presentationml/2006/main">
   <p:cSld>
     <p:spTree>
@@ -11135,7 +17305,7 @@
 </p:sld>
 </file>
 
-<file path=ppt/slides/slide7.xml><?xml version="1.0" encoding="utf-8"?>
+<file path=ppt/slides/slide8.xml><?xml version="1.0" encoding="utf-8"?>
 <p:sld xmlns:a="http://schemas.openxmlformats.org/drawingml/2006/main" xmlns:r="http://schemas.openxmlformats.org/officeDocument/2006/relationships" xmlns:p="http://schemas.openxmlformats.org/presentationml/2006/main">
   <p:cSld>
     <p:spTree>
@@ -11182,6 +17352,86 @@
           </a:prstGeom>
         </p:spPr>
       </p:pic>
+      <p:sp>
+        <p:nvSpPr>
+          <p:cNvPr id="4" name="TextBox 3">
+            <a:extLst>
+              <a:ext uri="{FF2B5EF4-FFF2-40B4-BE49-F238E27FC236}">
+                <a16:creationId xmlns:a16="http://schemas.microsoft.com/office/drawing/2014/main" id="{C292FF5A-7877-4876-B934-B7B53D939B3C}"/>
+              </a:ext>
+            </a:extLst>
+          </p:cNvPr>
+          <p:cNvSpPr txBox="1"/>
+          <p:nvPr/>
+        </p:nvSpPr>
+        <p:spPr>
+          <a:xfrm>
+            <a:off x="502022" y="1318273"/>
+            <a:ext cx="11187953" cy="1429622"/>
+          </a:xfrm>
+          <a:prstGeom prst="rect">
+            <a:avLst/>
+          </a:prstGeom>
+          <a:noFill/>
+        </p:spPr>
+        <p:txBody>
+          <a:bodyPr wrap="square" rtlCol="0">
+            <a:spAutoFit/>
+          </a:bodyPr>
+          <a:lstStyle/>
+          <a:p>
+            <a:pPr algn="just">
+              <a:lnSpc>
+                <a:spcPct val="150000"/>
+              </a:lnSpc>
+            </a:pPr>
+            <a:r>
+              <a:rPr lang="es-MX" sz="2000" dirty="0"/>
+              <a:t>En el siguiente código se observa la construcción de la trama de datos para el </a:t>
+            </a:r>
+            <a:r>
+              <a:rPr lang="es-MX" sz="2000" dirty="0" err="1"/>
+              <a:t>resquest</a:t>
+            </a:r>
+            <a:r>
+              <a:rPr lang="es-MX" sz="2000" dirty="0"/>
+              <a:t> de la lectura, en el cual ya se tiene definido el bit de inicio, </a:t>
+            </a:r>
+            <a:r>
+              <a:rPr lang="es-MX" sz="2000" dirty="0" err="1"/>
+              <a:t>src</a:t>
+            </a:r>
+            <a:r>
+              <a:rPr lang="es-MX" sz="2000" dirty="0"/>
+              <a:t>, </a:t>
+            </a:r>
+            <a:r>
+              <a:rPr lang="es-MX" sz="2000" dirty="0" err="1"/>
+              <a:t>cmd</a:t>
+            </a:r>
+            <a:r>
+              <a:rPr lang="es-MX" sz="2000" dirty="0"/>
+              <a:t> y el bit de Stop, ya solo se hace el cálculo de </a:t>
+            </a:r>
+            <a:r>
+              <a:rPr lang="es-MX" sz="2000" dirty="0" err="1"/>
+              <a:t>crc</a:t>
+            </a:r>
+            <a:r>
+              <a:rPr lang="es-MX" sz="2000" dirty="0"/>
+              <a:t> y la longitud de la trama, además de concatenar el ERD y </a:t>
+            </a:r>
+            <a:r>
+              <a:rPr lang="es-MX" sz="2000" dirty="0" err="1"/>
+              <a:t>Dst</a:t>
+            </a:r>
+            <a:r>
+              <a:rPr lang="es-MX" sz="2000" dirty="0"/>
+              <a:t> definida por el usuario.</a:t>
+            </a:r>
+          </a:p>
+        </p:txBody>
+      </p:sp>
     </p:spTree>
     <p:extLst>
       <p:ext uri="{BB962C8B-B14F-4D97-AF65-F5344CB8AC3E}">
@@ -11195,7 +17445,7 @@
 </p:sld>
 </file>
 
-<file path=ppt/slides/slide8.xml><?xml version="1.0" encoding="utf-8"?>
+<file path=ppt/slides/slide9.xml><?xml version="1.0" encoding="utf-8"?>
 <p:sld xmlns:a="http://schemas.openxmlformats.org/drawingml/2006/main" xmlns:r="http://schemas.openxmlformats.org/officeDocument/2006/relationships" xmlns:p="http://schemas.openxmlformats.org/presentationml/2006/main">
   <p:cSld>
     <p:spTree>
@@ -11246,2877 +17496,6 @@
     <p:extLst>
       <p:ext uri="{BB962C8B-B14F-4D97-AF65-F5344CB8AC3E}">
         <p14:creationId xmlns:p14="http://schemas.microsoft.com/office/powerpoint/2010/main" val="528224060"/>
-      </p:ext>
-    </p:extLst>
-  </p:cSld>
-  <p:clrMapOvr>
-    <a:masterClrMapping/>
-  </p:clrMapOvr>
-</p:sld>
-</file>
-
-<file path=ppt/slides/slide9.xml><?xml version="1.0" encoding="utf-8"?>
-<p:sld xmlns:a="http://schemas.openxmlformats.org/drawingml/2006/main" xmlns:r="http://schemas.openxmlformats.org/officeDocument/2006/relationships" xmlns:p="http://schemas.openxmlformats.org/presentationml/2006/main">
-  <p:cSld>
-    <p:spTree>
-      <p:nvGrpSpPr>
-        <p:cNvPr id="1" name=""/>
-        <p:cNvGrpSpPr/>
-        <p:nvPr/>
-      </p:nvGrpSpPr>
-      <p:grpSpPr>
-        <a:xfrm>
-          <a:off x="0" y="0"/>
-          <a:ext cx="0" cy="0"/>
-          <a:chOff x="0" y="0"/>
-          <a:chExt cx="0" cy="0"/>
-        </a:xfrm>
-      </p:grpSpPr>
-      <p:sp>
-        <p:nvSpPr>
-          <p:cNvPr id="3" name="TextBox 2">
-            <a:extLst>
-              <a:ext uri="{FF2B5EF4-FFF2-40B4-BE49-F238E27FC236}">
-                <a16:creationId xmlns:a16="http://schemas.microsoft.com/office/drawing/2014/main" id="{C1CDB53B-7CC1-4D0D-90FC-96CEE741E98A}"/>
-              </a:ext>
-            </a:extLst>
-          </p:cNvPr>
-          <p:cNvSpPr txBox="1"/>
-          <p:nvPr/>
-        </p:nvSpPr>
-        <p:spPr>
-          <a:xfrm>
-            <a:off x="502023" y="1093697"/>
-            <a:ext cx="11187953" cy="506292"/>
-          </a:xfrm>
-          <a:prstGeom prst="rect">
-            <a:avLst/>
-          </a:prstGeom>
-          <a:noFill/>
-        </p:spPr>
-        <p:txBody>
-          <a:bodyPr wrap="square" rtlCol="0">
-            <a:spAutoFit/>
-          </a:bodyPr>
-          <a:lstStyle/>
-          <a:p>
-            <a:pPr algn="just">
-              <a:lnSpc>
-                <a:spcPct val="150000"/>
-              </a:lnSpc>
-            </a:pPr>
-            <a:r>
-              <a:rPr lang="es-MX" sz="2000" b="1" dirty="0"/>
-              <a:t>WRITE:</a:t>
-            </a:r>
-          </a:p>
-        </p:txBody>
-      </p:sp>
-      <p:sp>
-        <p:nvSpPr>
-          <p:cNvPr id="4" name="TextBox 3">
-            <a:extLst>
-              <a:ext uri="{FF2B5EF4-FFF2-40B4-BE49-F238E27FC236}">
-                <a16:creationId xmlns:a16="http://schemas.microsoft.com/office/drawing/2014/main" id="{A0059212-682A-4655-8DAD-545D8C4AD931}"/>
-              </a:ext>
-            </a:extLst>
-          </p:cNvPr>
-          <p:cNvSpPr txBox="1"/>
-          <p:nvPr/>
-        </p:nvSpPr>
-        <p:spPr>
-          <a:xfrm>
-            <a:off x="502023" y="1685365"/>
-            <a:ext cx="11187953" cy="1429622"/>
-          </a:xfrm>
-          <a:prstGeom prst="rect">
-            <a:avLst/>
-          </a:prstGeom>
-          <a:noFill/>
-        </p:spPr>
-        <p:txBody>
-          <a:bodyPr wrap="square" rtlCol="0">
-            <a:spAutoFit/>
-          </a:bodyPr>
-          <a:lstStyle/>
-          <a:p>
-            <a:pPr algn="just">
-              <a:lnSpc>
-                <a:spcPct val="150000"/>
-              </a:lnSpc>
-            </a:pPr>
-            <a:r>
-              <a:rPr lang="es-MX" sz="2000" dirty="0"/>
-              <a:t>Para solicitar la escritura de algún ERD debe de ser completada correctamente la siguiente estructura de la trama de datos, la cual se debe de enviar cada uno de los valores, de lo contrario no podrá comunicarse correctamente con el dispositivo. </a:t>
-            </a:r>
-          </a:p>
-        </p:txBody>
-      </p:sp>
-      <p:graphicFrame>
-        <p:nvGraphicFramePr>
-          <p:cNvPr id="7" name="Table 6">
-            <a:extLst>
-              <a:ext uri="{FF2B5EF4-FFF2-40B4-BE49-F238E27FC236}">
-                <a16:creationId xmlns:a16="http://schemas.microsoft.com/office/drawing/2014/main" id="{EF524025-EB35-4F93-B3CB-CE720D82CFF9}"/>
-              </a:ext>
-            </a:extLst>
-          </p:cNvPr>
-          <p:cNvGraphicFramePr>
-            <a:graphicFrameLocks noGrp="1"/>
-          </p:cNvGraphicFramePr>
-          <p:nvPr>
-            <p:extLst>
-              <p:ext uri="{D42A27DB-BD31-4B8C-83A1-F6EECF244321}">
-                <p14:modId xmlns:p14="http://schemas.microsoft.com/office/powerpoint/2010/main" val="1002597419"/>
-              </p:ext>
-            </p:extLst>
-          </p:nvPr>
-        </p:nvGraphicFramePr>
-        <p:xfrm>
-          <a:off x="2475859" y="3621173"/>
-          <a:ext cx="7240275" cy="699135"/>
-        </p:xfrm>
-        <a:graphic>
-          <a:graphicData uri="http://schemas.openxmlformats.org/drawingml/2006/table">
-            <a:tbl>
-              <a:tblPr/>
-              <a:tblGrid>
-                <a:gridCol w="610148">
-                  <a:extLst>
-                    <a:ext uri="{9D8B030D-6E8A-4147-A177-3AD203B41FA5}">
-                      <a16:colId xmlns:a16="http://schemas.microsoft.com/office/drawing/2014/main" val="3346621862"/>
-                    </a:ext>
-                  </a:extLst>
-                </a:gridCol>
-                <a:gridCol w="610148">
-                  <a:extLst>
-                    <a:ext uri="{9D8B030D-6E8A-4147-A177-3AD203B41FA5}">
-                      <a16:colId xmlns:a16="http://schemas.microsoft.com/office/drawing/2014/main" val="1884412267"/>
-                    </a:ext>
-                  </a:extLst>
-                </a:gridCol>
-                <a:gridCol w="847344">
-                  <a:extLst>
-                    <a:ext uri="{9D8B030D-6E8A-4147-A177-3AD203B41FA5}">
-                      <a16:colId xmlns:a16="http://schemas.microsoft.com/office/drawing/2014/main" val="4185290271"/>
-                    </a:ext>
-                  </a:extLst>
-                </a:gridCol>
-                <a:gridCol w="439687">
-                  <a:extLst>
-                    <a:ext uri="{9D8B030D-6E8A-4147-A177-3AD203B41FA5}">
-                      <a16:colId xmlns:a16="http://schemas.microsoft.com/office/drawing/2014/main" val="2911287570"/>
-                    </a:ext>
-                  </a:extLst>
-                </a:gridCol>
-                <a:gridCol w="745259">
-                  <a:extLst>
-                    <a:ext uri="{9D8B030D-6E8A-4147-A177-3AD203B41FA5}">
-                      <a16:colId xmlns:a16="http://schemas.microsoft.com/office/drawing/2014/main" val="658031814"/>
-                    </a:ext>
-                  </a:extLst>
-                </a:gridCol>
-                <a:gridCol w="475037">
-                  <a:extLst>
-                    <a:ext uri="{9D8B030D-6E8A-4147-A177-3AD203B41FA5}">
-                      <a16:colId xmlns:a16="http://schemas.microsoft.com/office/drawing/2014/main" val="1159592519"/>
-                    </a:ext>
-                  </a:extLst>
-                </a:gridCol>
-                <a:gridCol w="1389622">
-                  <a:extLst>
-                    <a:ext uri="{9D8B030D-6E8A-4147-A177-3AD203B41FA5}">
-                      <a16:colId xmlns:a16="http://schemas.microsoft.com/office/drawing/2014/main" val="3521182723"/>
-                    </a:ext>
-                  </a:extLst>
-                </a:gridCol>
-                <a:gridCol w="736361">
-                  <a:extLst>
-                    <a:ext uri="{9D8B030D-6E8A-4147-A177-3AD203B41FA5}">
-                      <a16:colId xmlns:a16="http://schemas.microsoft.com/office/drawing/2014/main" val="2830727315"/>
-                    </a:ext>
-                  </a:extLst>
-                </a:gridCol>
-                <a:gridCol w="610148">
-                  <a:extLst>
-                    <a:ext uri="{9D8B030D-6E8A-4147-A177-3AD203B41FA5}">
-                      <a16:colId xmlns:a16="http://schemas.microsoft.com/office/drawing/2014/main" val="3113031744"/>
-                    </a:ext>
-                  </a:extLst>
-                </a:gridCol>
-                <a:gridCol w="776521">
-                  <a:extLst>
-                    <a:ext uri="{9D8B030D-6E8A-4147-A177-3AD203B41FA5}">
-                      <a16:colId xmlns:a16="http://schemas.microsoft.com/office/drawing/2014/main" val="3060647502"/>
-                    </a:ext>
-                  </a:extLst>
-                </a:gridCol>
-              </a:tblGrid>
-              <a:tr h="190500">
-                <a:tc gridSpan="10">
-                  <a:txBody>
-                    <a:bodyPr/>
-                    <a:lstStyle>
-                      <a:lvl1pPr marL="0" algn="l" defTabSz="914400" rtl="0" eaLnBrk="1" latinLnBrk="0" hangingPunct="1">
-                        <a:defRPr sz="1800" kern="1200">
-                          <a:solidFill>
-                            <a:schemeClr val="tx1"/>
-                          </a:solidFill>
-                          <a:latin typeface="Calibri" panose="020F0502020204030204"/>
-                        </a:defRPr>
-                      </a:lvl1pPr>
-                      <a:lvl2pPr marL="457200" algn="l" defTabSz="914400" rtl="0" eaLnBrk="1" latinLnBrk="0" hangingPunct="1">
-                        <a:defRPr sz="1800" kern="1200">
-                          <a:solidFill>
-                            <a:schemeClr val="tx1"/>
-                          </a:solidFill>
-                          <a:latin typeface="Calibri" panose="020F0502020204030204"/>
-                        </a:defRPr>
-                      </a:lvl2pPr>
-                      <a:lvl3pPr marL="914400" algn="l" defTabSz="914400" rtl="0" eaLnBrk="1" latinLnBrk="0" hangingPunct="1">
-                        <a:defRPr sz="1800" kern="1200">
-                          <a:solidFill>
-                            <a:schemeClr val="tx1"/>
-                          </a:solidFill>
-                          <a:latin typeface="Calibri" panose="020F0502020204030204"/>
-                        </a:defRPr>
-                      </a:lvl3pPr>
-                      <a:lvl4pPr marL="1371600" algn="l" defTabSz="914400" rtl="0" eaLnBrk="1" latinLnBrk="0" hangingPunct="1">
-                        <a:defRPr sz="1800" kern="1200">
-                          <a:solidFill>
-                            <a:schemeClr val="tx1"/>
-                          </a:solidFill>
-                          <a:latin typeface="Calibri" panose="020F0502020204030204"/>
-                        </a:defRPr>
-                      </a:lvl4pPr>
-                      <a:lvl5pPr marL="1828800" algn="l" defTabSz="914400" rtl="0" eaLnBrk="1" latinLnBrk="0" hangingPunct="1">
-                        <a:defRPr sz="1800" kern="1200">
-                          <a:solidFill>
-                            <a:schemeClr val="tx1"/>
-                          </a:solidFill>
-                          <a:latin typeface="Calibri" panose="020F0502020204030204"/>
-                        </a:defRPr>
-                      </a:lvl5pPr>
-                      <a:lvl6pPr marL="2286000" algn="l" defTabSz="914400" rtl="0" eaLnBrk="1" latinLnBrk="0" hangingPunct="1">
-                        <a:defRPr sz="1800" kern="1200">
-                          <a:solidFill>
-                            <a:schemeClr val="tx1"/>
-                          </a:solidFill>
-                          <a:latin typeface="Calibri" panose="020F0502020204030204"/>
-                        </a:defRPr>
-                      </a:lvl6pPr>
-                      <a:lvl7pPr marL="2743200" algn="l" defTabSz="914400" rtl="0" eaLnBrk="1" latinLnBrk="0" hangingPunct="1">
-                        <a:defRPr sz="1800" kern="1200">
-                          <a:solidFill>
-                            <a:schemeClr val="tx1"/>
-                          </a:solidFill>
-                          <a:latin typeface="Calibri" panose="020F0502020204030204"/>
-                        </a:defRPr>
-                      </a:lvl7pPr>
-                      <a:lvl8pPr marL="3200400" algn="l" defTabSz="914400" rtl="0" eaLnBrk="1" latinLnBrk="0" hangingPunct="1">
-                        <a:defRPr sz="1800" kern="1200">
-                          <a:solidFill>
-                            <a:schemeClr val="tx1"/>
-                          </a:solidFill>
-                          <a:latin typeface="Calibri" panose="020F0502020204030204"/>
-                        </a:defRPr>
-                      </a:lvl8pPr>
-                      <a:lvl9pPr marL="3657600" algn="l" defTabSz="914400" rtl="0" eaLnBrk="1" latinLnBrk="0" hangingPunct="1">
-                        <a:defRPr sz="1800" kern="1200">
-                          <a:solidFill>
-                            <a:schemeClr val="tx1"/>
-                          </a:solidFill>
-                          <a:latin typeface="Calibri" panose="020F0502020204030204"/>
-                        </a:defRPr>
-                      </a:lvl9pPr>
-                    </a:lstStyle>
-                    <a:p>
-                      <a:pPr algn="ctr" fontAlgn="b"/>
-                      <a:r>
-                        <a:rPr lang="es-MX" sz="1600" b="1" u="none" strike="noStrike" dirty="0" err="1">
-                          <a:effectLst/>
-                        </a:rPr>
-                        <a:t>Request</a:t>
-                      </a:r>
-                      <a:r>
-                        <a:rPr lang="es-MX" sz="1600" b="1" u="none" strike="noStrike" dirty="0">
-                          <a:effectLst/>
-                        </a:rPr>
-                        <a:t> Escritura</a:t>
-                      </a:r>
-                      <a:endParaRPr lang="es-MX" sz="1600" b="1" i="0" u="none" strike="noStrike" dirty="0">
-                        <a:solidFill>
-                          <a:srgbClr val="000000"/>
-                        </a:solidFill>
-                        <a:effectLst/>
-                        <a:latin typeface="Calibri" panose="020F0502020204030204" pitchFamily="34" charset="0"/>
-                      </a:endParaRPr>
-                    </a:p>
-                  </a:txBody>
-                  <a:tcPr marL="9525" marR="9525" marT="9525" marB="0" anchor="b">
-                    <a:lnL>
-                      <a:noFill/>
-                    </a:lnL>
-                    <a:lnR>
-                      <a:noFill/>
-                    </a:lnR>
-                    <a:lnT w="12700" cmpd="sng">
-                      <a:solidFill>
-                        <a:srgbClr val="4472C4"/>
-                      </a:solidFill>
-                    </a:lnT>
-                    <a:lnB>
-                      <a:noFill/>
-                    </a:lnB>
-                    <a:lnTlToBr w="12700" cmpd="sng">
-                      <a:noFill/>
-                      <a:prstDash val="solid"/>
-                    </a:lnTlToBr>
-                    <a:lnBlToTr w="12700" cmpd="sng">
-                      <a:noFill/>
-                      <a:prstDash val="solid"/>
-                    </a:lnBlToTr>
-                    <a:noFill/>
-                  </a:tcPr>
-                </a:tc>
-                <a:tc hMerge="1">
-                  <a:txBody>
-                    <a:bodyPr/>
-                    <a:lstStyle/>
-                    <a:p>
-                      <a:endParaRPr lang="es-MX"/>
-                    </a:p>
-                  </a:txBody>
-                  <a:tcPr/>
-                </a:tc>
-                <a:tc hMerge="1">
-                  <a:txBody>
-                    <a:bodyPr/>
-                    <a:lstStyle/>
-                    <a:p>
-                      <a:endParaRPr lang="es-MX"/>
-                    </a:p>
-                  </a:txBody>
-                  <a:tcPr/>
-                </a:tc>
-                <a:tc hMerge="1">
-                  <a:txBody>
-                    <a:bodyPr/>
-                    <a:lstStyle/>
-                    <a:p>
-                      <a:endParaRPr lang="es-MX"/>
-                    </a:p>
-                  </a:txBody>
-                  <a:tcPr/>
-                </a:tc>
-                <a:tc hMerge="1">
-                  <a:txBody>
-                    <a:bodyPr/>
-                    <a:lstStyle/>
-                    <a:p>
-                      <a:endParaRPr lang="es-MX"/>
-                    </a:p>
-                  </a:txBody>
-                  <a:tcPr/>
-                </a:tc>
-                <a:tc hMerge="1">
-                  <a:txBody>
-                    <a:bodyPr/>
-                    <a:lstStyle/>
-                    <a:p>
-                      <a:endParaRPr lang="es-MX"/>
-                    </a:p>
-                  </a:txBody>
-                  <a:tcPr/>
-                </a:tc>
-                <a:tc hMerge="1">
-                  <a:txBody>
-                    <a:bodyPr/>
-                    <a:lstStyle/>
-                    <a:p>
-                      <a:endParaRPr lang="es-MX"/>
-                    </a:p>
-                  </a:txBody>
-                  <a:tcPr/>
-                </a:tc>
-                <a:tc hMerge="1">
-                  <a:txBody>
-                    <a:bodyPr/>
-                    <a:lstStyle/>
-                    <a:p>
-                      <a:endParaRPr lang="es-MX"/>
-                    </a:p>
-                  </a:txBody>
-                  <a:tcPr/>
-                </a:tc>
-                <a:tc hMerge="1">
-                  <a:txBody>
-                    <a:bodyPr/>
-                    <a:lstStyle/>
-                    <a:p>
-                      <a:endParaRPr lang="es-MX"/>
-                    </a:p>
-                  </a:txBody>
-                  <a:tcPr/>
-                </a:tc>
-                <a:tc hMerge="1">
-                  <a:txBody>
-                    <a:bodyPr/>
-                    <a:lstStyle/>
-                    <a:p>
-                      <a:endParaRPr lang="es-MX"/>
-                    </a:p>
-                  </a:txBody>
-                  <a:tcPr/>
-                </a:tc>
-                <a:extLst>
-                  <a:ext uri="{0D108BD9-81ED-4DB2-BD59-A6C34878D82A}">
-                    <a16:rowId xmlns:a16="http://schemas.microsoft.com/office/drawing/2014/main" val="1080595079"/>
-                  </a:ext>
-                </a:extLst>
-              </a:tr>
-              <a:tr h="190500">
-                <a:tc>
-                  <a:txBody>
-                    <a:bodyPr/>
-                    <a:lstStyle>
-                      <a:lvl1pPr marL="0" algn="l" defTabSz="914400" rtl="0" eaLnBrk="1" latinLnBrk="0" hangingPunct="1">
-                        <a:defRPr sz="1800" kern="1200">
-                          <a:solidFill>
-                            <a:schemeClr val="tx1"/>
-                          </a:solidFill>
-                          <a:latin typeface="Calibri" panose="020F0502020204030204"/>
-                        </a:defRPr>
-                      </a:lvl1pPr>
-                      <a:lvl2pPr marL="457200" algn="l" defTabSz="914400" rtl="0" eaLnBrk="1" latinLnBrk="0" hangingPunct="1">
-                        <a:defRPr sz="1800" kern="1200">
-                          <a:solidFill>
-                            <a:schemeClr val="tx1"/>
-                          </a:solidFill>
-                          <a:latin typeface="Calibri" panose="020F0502020204030204"/>
-                        </a:defRPr>
-                      </a:lvl2pPr>
-                      <a:lvl3pPr marL="914400" algn="l" defTabSz="914400" rtl="0" eaLnBrk="1" latinLnBrk="0" hangingPunct="1">
-                        <a:defRPr sz="1800" kern="1200">
-                          <a:solidFill>
-                            <a:schemeClr val="tx1"/>
-                          </a:solidFill>
-                          <a:latin typeface="Calibri" panose="020F0502020204030204"/>
-                        </a:defRPr>
-                      </a:lvl3pPr>
-                      <a:lvl4pPr marL="1371600" algn="l" defTabSz="914400" rtl="0" eaLnBrk="1" latinLnBrk="0" hangingPunct="1">
-                        <a:defRPr sz="1800" kern="1200">
-                          <a:solidFill>
-                            <a:schemeClr val="tx1"/>
-                          </a:solidFill>
-                          <a:latin typeface="Calibri" panose="020F0502020204030204"/>
-                        </a:defRPr>
-                      </a:lvl4pPr>
-                      <a:lvl5pPr marL="1828800" algn="l" defTabSz="914400" rtl="0" eaLnBrk="1" latinLnBrk="0" hangingPunct="1">
-                        <a:defRPr sz="1800" kern="1200">
-                          <a:solidFill>
-                            <a:schemeClr val="tx1"/>
-                          </a:solidFill>
-                          <a:latin typeface="Calibri" panose="020F0502020204030204"/>
-                        </a:defRPr>
-                      </a:lvl5pPr>
-                      <a:lvl6pPr marL="2286000" algn="l" defTabSz="914400" rtl="0" eaLnBrk="1" latinLnBrk="0" hangingPunct="1">
-                        <a:defRPr sz="1800" kern="1200">
-                          <a:solidFill>
-                            <a:schemeClr val="tx1"/>
-                          </a:solidFill>
-                          <a:latin typeface="Calibri" panose="020F0502020204030204"/>
-                        </a:defRPr>
-                      </a:lvl6pPr>
-                      <a:lvl7pPr marL="2743200" algn="l" defTabSz="914400" rtl="0" eaLnBrk="1" latinLnBrk="0" hangingPunct="1">
-                        <a:defRPr sz="1800" kern="1200">
-                          <a:solidFill>
-                            <a:schemeClr val="tx1"/>
-                          </a:solidFill>
-                          <a:latin typeface="Calibri" panose="020F0502020204030204"/>
-                        </a:defRPr>
-                      </a:lvl7pPr>
-                      <a:lvl8pPr marL="3200400" algn="l" defTabSz="914400" rtl="0" eaLnBrk="1" latinLnBrk="0" hangingPunct="1">
-                        <a:defRPr sz="1800" kern="1200">
-                          <a:solidFill>
-                            <a:schemeClr val="tx1"/>
-                          </a:solidFill>
-                          <a:latin typeface="Calibri" panose="020F0502020204030204"/>
-                        </a:defRPr>
-                      </a:lvl8pPr>
-                      <a:lvl9pPr marL="3657600" algn="l" defTabSz="914400" rtl="0" eaLnBrk="1" latinLnBrk="0" hangingPunct="1">
-                        <a:defRPr sz="1800" kern="1200">
-                          <a:solidFill>
-                            <a:schemeClr val="tx1"/>
-                          </a:solidFill>
-                          <a:latin typeface="Calibri" panose="020F0502020204030204"/>
-                        </a:defRPr>
-                      </a:lvl9pPr>
-                    </a:lstStyle>
-                    <a:p>
-                      <a:pPr algn="ctr" fontAlgn="ctr"/>
-                      <a:r>
-                        <a:rPr lang="es-MX" sz="1400" b="1" u="none" strike="noStrike">
-                          <a:effectLst/>
-                        </a:rPr>
-                        <a:t>BIT INIT</a:t>
-                      </a:r>
-                      <a:endParaRPr lang="es-MX" sz="1400" b="1" i="0" u="none" strike="noStrike">
-                        <a:solidFill>
-                          <a:srgbClr val="000000"/>
-                        </a:solidFill>
-                        <a:effectLst/>
-                        <a:latin typeface="Calibri" panose="020F0502020204030204" pitchFamily="34" charset="0"/>
-                      </a:endParaRPr>
-                    </a:p>
-                  </a:txBody>
-                  <a:tcPr marL="9525" marR="9525" marT="9525" marB="0" anchor="ctr">
-                    <a:lnL>
-                      <a:noFill/>
-                    </a:lnL>
-                    <a:lnR>
-                      <a:noFill/>
-                    </a:lnR>
-                    <a:lnT>
-                      <a:noFill/>
-                    </a:lnT>
-                    <a:lnB>
-                      <a:noFill/>
-                    </a:lnB>
-                    <a:lnTlToBr w="12700" cmpd="sng">
-                      <a:noFill/>
-                      <a:prstDash val="solid"/>
-                    </a:lnTlToBr>
-                    <a:lnBlToTr w="12700" cmpd="sng">
-                      <a:noFill/>
-                      <a:prstDash val="solid"/>
-                    </a:lnBlToTr>
-                    <a:noFill/>
-                  </a:tcPr>
-                </a:tc>
-                <a:tc>
-                  <a:txBody>
-                    <a:bodyPr/>
-                    <a:lstStyle>
-                      <a:lvl1pPr marL="0" algn="l" defTabSz="914400" rtl="0" eaLnBrk="1" latinLnBrk="0" hangingPunct="1">
-                        <a:defRPr sz="1800" kern="1200">
-                          <a:solidFill>
-                            <a:schemeClr val="tx1"/>
-                          </a:solidFill>
-                          <a:latin typeface="Calibri" panose="020F0502020204030204"/>
-                        </a:defRPr>
-                      </a:lvl1pPr>
-                      <a:lvl2pPr marL="457200" algn="l" defTabSz="914400" rtl="0" eaLnBrk="1" latinLnBrk="0" hangingPunct="1">
-                        <a:defRPr sz="1800" kern="1200">
-                          <a:solidFill>
-                            <a:schemeClr val="tx1"/>
-                          </a:solidFill>
-                          <a:latin typeface="Calibri" panose="020F0502020204030204"/>
-                        </a:defRPr>
-                      </a:lvl2pPr>
-                      <a:lvl3pPr marL="914400" algn="l" defTabSz="914400" rtl="0" eaLnBrk="1" latinLnBrk="0" hangingPunct="1">
-                        <a:defRPr sz="1800" kern="1200">
-                          <a:solidFill>
-                            <a:schemeClr val="tx1"/>
-                          </a:solidFill>
-                          <a:latin typeface="Calibri" panose="020F0502020204030204"/>
-                        </a:defRPr>
-                      </a:lvl3pPr>
-                      <a:lvl4pPr marL="1371600" algn="l" defTabSz="914400" rtl="0" eaLnBrk="1" latinLnBrk="0" hangingPunct="1">
-                        <a:defRPr sz="1800" kern="1200">
-                          <a:solidFill>
-                            <a:schemeClr val="tx1"/>
-                          </a:solidFill>
-                          <a:latin typeface="Calibri" panose="020F0502020204030204"/>
-                        </a:defRPr>
-                      </a:lvl4pPr>
-                      <a:lvl5pPr marL="1828800" algn="l" defTabSz="914400" rtl="0" eaLnBrk="1" latinLnBrk="0" hangingPunct="1">
-                        <a:defRPr sz="1800" kern="1200">
-                          <a:solidFill>
-                            <a:schemeClr val="tx1"/>
-                          </a:solidFill>
-                          <a:latin typeface="Calibri" panose="020F0502020204030204"/>
-                        </a:defRPr>
-                      </a:lvl5pPr>
-                      <a:lvl6pPr marL="2286000" algn="l" defTabSz="914400" rtl="0" eaLnBrk="1" latinLnBrk="0" hangingPunct="1">
-                        <a:defRPr sz="1800" kern="1200">
-                          <a:solidFill>
-                            <a:schemeClr val="tx1"/>
-                          </a:solidFill>
-                          <a:latin typeface="Calibri" panose="020F0502020204030204"/>
-                        </a:defRPr>
-                      </a:lvl6pPr>
-                      <a:lvl7pPr marL="2743200" algn="l" defTabSz="914400" rtl="0" eaLnBrk="1" latinLnBrk="0" hangingPunct="1">
-                        <a:defRPr sz="1800" kern="1200">
-                          <a:solidFill>
-                            <a:schemeClr val="tx1"/>
-                          </a:solidFill>
-                          <a:latin typeface="Calibri" panose="020F0502020204030204"/>
-                        </a:defRPr>
-                      </a:lvl7pPr>
-                      <a:lvl8pPr marL="3200400" algn="l" defTabSz="914400" rtl="0" eaLnBrk="1" latinLnBrk="0" hangingPunct="1">
-                        <a:defRPr sz="1800" kern="1200">
-                          <a:solidFill>
-                            <a:schemeClr val="tx1"/>
-                          </a:solidFill>
-                          <a:latin typeface="Calibri" panose="020F0502020204030204"/>
-                        </a:defRPr>
-                      </a:lvl8pPr>
-                      <a:lvl9pPr marL="3657600" algn="l" defTabSz="914400" rtl="0" eaLnBrk="1" latinLnBrk="0" hangingPunct="1">
-                        <a:defRPr sz="1800" kern="1200">
-                          <a:solidFill>
-                            <a:schemeClr val="tx1"/>
-                          </a:solidFill>
-                          <a:latin typeface="Calibri" panose="020F0502020204030204"/>
-                        </a:defRPr>
-                      </a:lvl9pPr>
-                    </a:lstStyle>
-                    <a:p>
-                      <a:pPr algn="ctr" fontAlgn="ctr"/>
-                      <a:r>
-                        <a:rPr lang="es-MX" sz="1400" b="1" u="none" strike="noStrike">
-                          <a:effectLst/>
-                        </a:rPr>
-                        <a:t>DST</a:t>
-                      </a:r>
-                      <a:endParaRPr lang="es-MX" sz="1400" b="1" i="0" u="none" strike="noStrike">
-                        <a:solidFill>
-                          <a:srgbClr val="000000"/>
-                        </a:solidFill>
-                        <a:effectLst/>
-                        <a:latin typeface="Calibri" panose="020F0502020204030204" pitchFamily="34" charset="0"/>
-                      </a:endParaRPr>
-                    </a:p>
-                  </a:txBody>
-                  <a:tcPr marL="9525" marR="9525" marT="9525" marB="0" anchor="ctr">
-                    <a:lnL>
-                      <a:noFill/>
-                    </a:lnL>
-                    <a:lnR>
-                      <a:noFill/>
-                    </a:lnR>
-                    <a:lnT>
-                      <a:noFill/>
-                    </a:lnT>
-                    <a:lnB>
-                      <a:noFill/>
-                    </a:lnB>
-                    <a:lnTlToBr w="12700" cmpd="sng">
-                      <a:noFill/>
-                      <a:prstDash val="solid"/>
-                    </a:lnTlToBr>
-                    <a:lnBlToTr w="12700" cmpd="sng">
-                      <a:noFill/>
-                      <a:prstDash val="solid"/>
-                    </a:lnBlToTr>
-                    <a:noFill/>
-                  </a:tcPr>
-                </a:tc>
-                <a:tc>
-                  <a:txBody>
-                    <a:bodyPr/>
-                    <a:lstStyle>
-                      <a:lvl1pPr marL="0" algn="l" defTabSz="914400" rtl="0" eaLnBrk="1" latinLnBrk="0" hangingPunct="1">
-                        <a:defRPr sz="1800" kern="1200">
-                          <a:solidFill>
-                            <a:schemeClr val="tx1"/>
-                          </a:solidFill>
-                          <a:latin typeface="Calibri" panose="020F0502020204030204"/>
-                        </a:defRPr>
-                      </a:lvl1pPr>
-                      <a:lvl2pPr marL="457200" algn="l" defTabSz="914400" rtl="0" eaLnBrk="1" latinLnBrk="0" hangingPunct="1">
-                        <a:defRPr sz="1800" kern="1200">
-                          <a:solidFill>
-                            <a:schemeClr val="tx1"/>
-                          </a:solidFill>
-                          <a:latin typeface="Calibri" panose="020F0502020204030204"/>
-                        </a:defRPr>
-                      </a:lvl2pPr>
-                      <a:lvl3pPr marL="914400" algn="l" defTabSz="914400" rtl="0" eaLnBrk="1" latinLnBrk="0" hangingPunct="1">
-                        <a:defRPr sz="1800" kern="1200">
-                          <a:solidFill>
-                            <a:schemeClr val="tx1"/>
-                          </a:solidFill>
-                          <a:latin typeface="Calibri" panose="020F0502020204030204"/>
-                        </a:defRPr>
-                      </a:lvl3pPr>
-                      <a:lvl4pPr marL="1371600" algn="l" defTabSz="914400" rtl="0" eaLnBrk="1" latinLnBrk="0" hangingPunct="1">
-                        <a:defRPr sz="1800" kern="1200">
-                          <a:solidFill>
-                            <a:schemeClr val="tx1"/>
-                          </a:solidFill>
-                          <a:latin typeface="Calibri" panose="020F0502020204030204"/>
-                        </a:defRPr>
-                      </a:lvl4pPr>
-                      <a:lvl5pPr marL="1828800" algn="l" defTabSz="914400" rtl="0" eaLnBrk="1" latinLnBrk="0" hangingPunct="1">
-                        <a:defRPr sz="1800" kern="1200">
-                          <a:solidFill>
-                            <a:schemeClr val="tx1"/>
-                          </a:solidFill>
-                          <a:latin typeface="Calibri" panose="020F0502020204030204"/>
-                        </a:defRPr>
-                      </a:lvl5pPr>
-                      <a:lvl6pPr marL="2286000" algn="l" defTabSz="914400" rtl="0" eaLnBrk="1" latinLnBrk="0" hangingPunct="1">
-                        <a:defRPr sz="1800" kern="1200">
-                          <a:solidFill>
-                            <a:schemeClr val="tx1"/>
-                          </a:solidFill>
-                          <a:latin typeface="Calibri" panose="020F0502020204030204"/>
-                        </a:defRPr>
-                      </a:lvl6pPr>
-                      <a:lvl7pPr marL="2743200" algn="l" defTabSz="914400" rtl="0" eaLnBrk="1" latinLnBrk="0" hangingPunct="1">
-                        <a:defRPr sz="1800" kern="1200">
-                          <a:solidFill>
-                            <a:schemeClr val="tx1"/>
-                          </a:solidFill>
-                          <a:latin typeface="Calibri" panose="020F0502020204030204"/>
-                        </a:defRPr>
-                      </a:lvl7pPr>
-                      <a:lvl8pPr marL="3200400" algn="l" defTabSz="914400" rtl="0" eaLnBrk="1" latinLnBrk="0" hangingPunct="1">
-                        <a:defRPr sz="1800" kern="1200">
-                          <a:solidFill>
-                            <a:schemeClr val="tx1"/>
-                          </a:solidFill>
-                          <a:latin typeface="Calibri" panose="020F0502020204030204"/>
-                        </a:defRPr>
-                      </a:lvl8pPr>
-                      <a:lvl9pPr marL="3657600" algn="l" defTabSz="914400" rtl="0" eaLnBrk="1" latinLnBrk="0" hangingPunct="1">
-                        <a:defRPr sz="1800" kern="1200">
-                          <a:solidFill>
-                            <a:schemeClr val="tx1"/>
-                          </a:solidFill>
-                          <a:latin typeface="Calibri" panose="020F0502020204030204"/>
-                        </a:defRPr>
-                      </a:lvl9pPr>
-                    </a:lstStyle>
-                    <a:p>
-                      <a:pPr algn="ctr" fontAlgn="ctr"/>
-                      <a:r>
-                        <a:rPr lang="es-MX" sz="1400" b="1" u="none" strike="noStrike">
-                          <a:effectLst/>
-                        </a:rPr>
-                        <a:t>LONGITUD</a:t>
-                      </a:r>
-                      <a:endParaRPr lang="es-MX" sz="1400" b="1" i="0" u="none" strike="noStrike">
-                        <a:solidFill>
-                          <a:srgbClr val="000000"/>
-                        </a:solidFill>
-                        <a:effectLst/>
-                        <a:latin typeface="Calibri" panose="020F0502020204030204" pitchFamily="34" charset="0"/>
-                      </a:endParaRPr>
-                    </a:p>
-                  </a:txBody>
-                  <a:tcPr marL="9525" marR="9525" marT="9525" marB="0" anchor="ctr">
-                    <a:lnL>
-                      <a:noFill/>
-                    </a:lnL>
-                    <a:lnR>
-                      <a:noFill/>
-                    </a:lnR>
-                    <a:lnT>
-                      <a:noFill/>
-                    </a:lnT>
-                    <a:lnB>
-                      <a:noFill/>
-                    </a:lnB>
-                    <a:lnTlToBr w="12700" cmpd="sng">
-                      <a:noFill/>
-                      <a:prstDash val="solid"/>
-                    </a:lnTlToBr>
-                    <a:lnBlToTr w="12700" cmpd="sng">
-                      <a:noFill/>
-                      <a:prstDash val="solid"/>
-                    </a:lnBlToTr>
-                    <a:noFill/>
-                  </a:tcPr>
-                </a:tc>
-                <a:tc>
-                  <a:txBody>
-                    <a:bodyPr/>
-                    <a:lstStyle>
-                      <a:lvl1pPr marL="0" algn="l" defTabSz="914400" rtl="0" eaLnBrk="1" latinLnBrk="0" hangingPunct="1">
-                        <a:defRPr sz="1800" kern="1200">
-                          <a:solidFill>
-                            <a:schemeClr val="tx1"/>
-                          </a:solidFill>
-                          <a:latin typeface="Calibri" panose="020F0502020204030204"/>
-                        </a:defRPr>
-                      </a:lvl1pPr>
-                      <a:lvl2pPr marL="457200" algn="l" defTabSz="914400" rtl="0" eaLnBrk="1" latinLnBrk="0" hangingPunct="1">
-                        <a:defRPr sz="1800" kern="1200">
-                          <a:solidFill>
-                            <a:schemeClr val="tx1"/>
-                          </a:solidFill>
-                          <a:latin typeface="Calibri" panose="020F0502020204030204"/>
-                        </a:defRPr>
-                      </a:lvl2pPr>
-                      <a:lvl3pPr marL="914400" algn="l" defTabSz="914400" rtl="0" eaLnBrk="1" latinLnBrk="0" hangingPunct="1">
-                        <a:defRPr sz="1800" kern="1200">
-                          <a:solidFill>
-                            <a:schemeClr val="tx1"/>
-                          </a:solidFill>
-                          <a:latin typeface="Calibri" panose="020F0502020204030204"/>
-                        </a:defRPr>
-                      </a:lvl3pPr>
-                      <a:lvl4pPr marL="1371600" algn="l" defTabSz="914400" rtl="0" eaLnBrk="1" latinLnBrk="0" hangingPunct="1">
-                        <a:defRPr sz="1800" kern="1200">
-                          <a:solidFill>
-                            <a:schemeClr val="tx1"/>
-                          </a:solidFill>
-                          <a:latin typeface="Calibri" panose="020F0502020204030204"/>
-                        </a:defRPr>
-                      </a:lvl4pPr>
-                      <a:lvl5pPr marL="1828800" algn="l" defTabSz="914400" rtl="0" eaLnBrk="1" latinLnBrk="0" hangingPunct="1">
-                        <a:defRPr sz="1800" kern="1200">
-                          <a:solidFill>
-                            <a:schemeClr val="tx1"/>
-                          </a:solidFill>
-                          <a:latin typeface="Calibri" panose="020F0502020204030204"/>
-                        </a:defRPr>
-                      </a:lvl5pPr>
-                      <a:lvl6pPr marL="2286000" algn="l" defTabSz="914400" rtl="0" eaLnBrk="1" latinLnBrk="0" hangingPunct="1">
-                        <a:defRPr sz="1800" kern="1200">
-                          <a:solidFill>
-                            <a:schemeClr val="tx1"/>
-                          </a:solidFill>
-                          <a:latin typeface="Calibri" panose="020F0502020204030204"/>
-                        </a:defRPr>
-                      </a:lvl6pPr>
-                      <a:lvl7pPr marL="2743200" algn="l" defTabSz="914400" rtl="0" eaLnBrk="1" latinLnBrk="0" hangingPunct="1">
-                        <a:defRPr sz="1800" kern="1200">
-                          <a:solidFill>
-                            <a:schemeClr val="tx1"/>
-                          </a:solidFill>
-                          <a:latin typeface="Calibri" panose="020F0502020204030204"/>
-                        </a:defRPr>
-                      </a:lvl7pPr>
-                      <a:lvl8pPr marL="3200400" algn="l" defTabSz="914400" rtl="0" eaLnBrk="1" latinLnBrk="0" hangingPunct="1">
-                        <a:defRPr sz="1800" kern="1200">
-                          <a:solidFill>
-                            <a:schemeClr val="tx1"/>
-                          </a:solidFill>
-                          <a:latin typeface="Calibri" panose="020F0502020204030204"/>
-                        </a:defRPr>
-                      </a:lvl8pPr>
-                      <a:lvl9pPr marL="3657600" algn="l" defTabSz="914400" rtl="0" eaLnBrk="1" latinLnBrk="0" hangingPunct="1">
-                        <a:defRPr sz="1800" kern="1200">
-                          <a:solidFill>
-                            <a:schemeClr val="tx1"/>
-                          </a:solidFill>
-                          <a:latin typeface="Calibri" panose="020F0502020204030204"/>
-                        </a:defRPr>
-                      </a:lvl9pPr>
-                    </a:lstStyle>
-                    <a:p>
-                      <a:pPr algn="ctr" fontAlgn="ctr"/>
-                      <a:r>
-                        <a:rPr lang="es-MX" sz="1400" b="1" u="none" strike="noStrike">
-                          <a:effectLst/>
-                        </a:rPr>
-                        <a:t>SRC</a:t>
-                      </a:r>
-                      <a:endParaRPr lang="es-MX" sz="1400" b="1" i="0" u="none" strike="noStrike">
-                        <a:solidFill>
-                          <a:srgbClr val="000000"/>
-                        </a:solidFill>
-                        <a:effectLst/>
-                        <a:latin typeface="Calibri" panose="020F0502020204030204" pitchFamily="34" charset="0"/>
-                      </a:endParaRPr>
-                    </a:p>
-                  </a:txBody>
-                  <a:tcPr marL="9525" marR="9525" marT="9525" marB="0" anchor="ctr">
-                    <a:lnL>
-                      <a:noFill/>
-                    </a:lnL>
-                    <a:lnR>
-                      <a:noFill/>
-                    </a:lnR>
-                    <a:lnT>
-                      <a:noFill/>
-                    </a:lnT>
-                    <a:lnB>
-                      <a:noFill/>
-                    </a:lnB>
-                    <a:lnTlToBr w="12700" cmpd="sng">
-                      <a:noFill/>
-                      <a:prstDash val="solid"/>
-                    </a:lnTlToBr>
-                    <a:lnBlToTr w="12700" cmpd="sng">
-                      <a:noFill/>
-                      <a:prstDash val="solid"/>
-                    </a:lnBlToTr>
-                    <a:noFill/>
-                  </a:tcPr>
-                </a:tc>
-                <a:tc>
-                  <a:txBody>
-                    <a:bodyPr/>
-                    <a:lstStyle>
-                      <a:lvl1pPr marL="0" algn="l" defTabSz="914400" rtl="0" eaLnBrk="1" latinLnBrk="0" hangingPunct="1">
-                        <a:defRPr sz="1800" kern="1200">
-                          <a:solidFill>
-                            <a:schemeClr val="tx1"/>
-                          </a:solidFill>
-                          <a:latin typeface="Calibri" panose="020F0502020204030204"/>
-                        </a:defRPr>
-                      </a:lvl1pPr>
-                      <a:lvl2pPr marL="457200" algn="l" defTabSz="914400" rtl="0" eaLnBrk="1" latinLnBrk="0" hangingPunct="1">
-                        <a:defRPr sz="1800" kern="1200">
-                          <a:solidFill>
-                            <a:schemeClr val="tx1"/>
-                          </a:solidFill>
-                          <a:latin typeface="Calibri" panose="020F0502020204030204"/>
-                        </a:defRPr>
-                      </a:lvl2pPr>
-                      <a:lvl3pPr marL="914400" algn="l" defTabSz="914400" rtl="0" eaLnBrk="1" latinLnBrk="0" hangingPunct="1">
-                        <a:defRPr sz="1800" kern="1200">
-                          <a:solidFill>
-                            <a:schemeClr val="tx1"/>
-                          </a:solidFill>
-                          <a:latin typeface="Calibri" panose="020F0502020204030204"/>
-                        </a:defRPr>
-                      </a:lvl3pPr>
-                      <a:lvl4pPr marL="1371600" algn="l" defTabSz="914400" rtl="0" eaLnBrk="1" latinLnBrk="0" hangingPunct="1">
-                        <a:defRPr sz="1800" kern="1200">
-                          <a:solidFill>
-                            <a:schemeClr val="tx1"/>
-                          </a:solidFill>
-                          <a:latin typeface="Calibri" panose="020F0502020204030204"/>
-                        </a:defRPr>
-                      </a:lvl4pPr>
-                      <a:lvl5pPr marL="1828800" algn="l" defTabSz="914400" rtl="0" eaLnBrk="1" latinLnBrk="0" hangingPunct="1">
-                        <a:defRPr sz="1800" kern="1200">
-                          <a:solidFill>
-                            <a:schemeClr val="tx1"/>
-                          </a:solidFill>
-                          <a:latin typeface="Calibri" panose="020F0502020204030204"/>
-                        </a:defRPr>
-                      </a:lvl5pPr>
-                      <a:lvl6pPr marL="2286000" algn="l" defTabSz="914400" rtl="0" eaLnBrk="1" latinLnBrk="0" hangingPunct="1">
-                        <a:defRPr sz="1800" kern="1200">
-                          <a:solidFill>
-                            <a:schemeClr val="tx1"/>
-                          </a:solidFill>
-                          <a:latin typeface="Calibri" panose="020F0502020204030204"/>
-                        </a:defRPr>
-                      </a:lvl6pPr>
-                      <a:lvl7pPr marL="2743200" algn="l" defTabSz="914400" rtl="0" eaLnBrk="1" latinLnBrk="0" hangingPunct="1">
-                        <a:defRPr sz="1800" kern="1200">
-                          <a:solidFill>
-                            <a:schemeClr val="tx1"/>
-                          </a:solidFill>
-                          <a:latin typeface="Calibri" panose="020F0502020204030204"/>
-                        </a:defRPr>
-                      </a:lvl7pPr>
-                      <a:lvl8pPr marL="3200400" algn="l" defTabSz="914400" rtl="0" eaLnBrk="1" latinLnBrk="0" hangingPunct="1">
-                        <a:defRPr sz="1800" kern="1200">
-                          <a:solidFill>
-                            <a:schemeClr val="tx1"/>
-                          </a:solidFill>
-                          <a:latin typeface="Calibri" panose="020F0502020204030204"/>
-                        </a:defRPr>
-                      </a:lvl8pPr>
-                      <a:lvl9pPr marL="3657600" algn="l" defTabSz="914400" rtl="0" eaLnBrk="1" latinLnBrk="0" hangingPunct="1">
-                        <a:defRPr sz="1800" kern="1200">
-                          <a:solidFill>
-                            <a:schemeClr val="tx1"/>
-                          </a:solidFill>
-                          <a:latin typeface="Calibri" panose="020F0502020204030204"/>
-                        </a:defRPr>
-                      </a:lvl9pPr>
-                    </a:lstStyle>
-                    <a:p>
-                      <a:pPr algn="ctr" fontAlgn="ctr"/>
-                      <a:r>
-                        <a:rPr lang="es-MX" sz="1400" b="1" u="none" strike="noStrike" dirty="0">
-                          <a:effectLst/>
-                        </a:rPr>
-                        <a:t>CMD</a:t>
-                      </a:r>
-                      <a:endParaRPr lang="es-MX" sz="1400" b="1" i="0" u="none" strike="noStrike" dirty="0">
-                        <a:solidFill>
-                          <a:srgbClr val="000000"/>
-                        </a:solidFill>
-                        <a:effectLst/>
-                        <a:latin typeface="Calibri" panose="020F0502020204030204" pitchFamily="34" charset="0"/>
-                      </a:endParaRPr>
-                    </a:p>
-                  </a:txBody>
-                  <a:tcPr marL="9525" marR="9525" marT="9525" marB="0" anchor="ctr">
-                    <a:lnL>
-                      <a:noFill/>
-                    </a:lnL>
-                    <a:lnR>
-                      <a:noFill/>
-                    </a:lnR>
-                    <a:lnT>
-                      <a:noFill/>
-                    </a:lnT>
-                    <a:lnB>
-                      <a:noFill/>
-                    </a:lnB>
-                    <a:lnTlToBr w="12700" cmpd="sng">
-                      <a:noFill/>
-                      <a:prstDash val="solid"/>
-                    </a:lnTlToBr>
-                    <a:lnBlToTr w="12700" cmpd="sng">
-                      <a:noFill/>
-                      <a:prstDash val="solid"/>
-                    </a:lnBlToTr>
-                    <a:noFill/>
-                  </a:tcPr>
-                </a:tc>
-                <a:tc>
-                  <a:txBody>
-                    <a:bodyPr/>
-                    <a:lstStyle>
-                      <a:lvl1pPr marL="0" algn="l" defTabSz="914400" rtl="0" eaLnBrk="1" latinLnBrk="0" hangingPunct="1">
-                        <a:defRPr sz="1800" kern="1200">
-                          <a:solidFill>
-                            <a:schemeClr val="tx1"/>
-                          </a:solidFill>
-                          <a:latin typeface="Calibri" panose="020F0502020204030204"/>
-                        </a:defRPr>
-                      </a:lvl1pPr>
-                      <a:lvl2pPr marL="457200" algn="l" defTabSz="914400" rtl="0" eaLnBrk="1" latinLnBrk="0" hangingPunct="1">
-                        <a:defRPr sz="1800" kern="1200">
-                          <a:solidFill>
-                            <a:schemeClr val="tx1"/>
-                          </a:solidFill>
-                          <a:latin typeface="Calibri" panose="020F0502020204030204"/>
-                        </a:defRPr>
-                      </a:lvl2pPr>
-                      <a:lvl3pPr marL="914400" algn="l" defTabSz="914400" rtl="0" eaLnBrk="1" latinLnBrk="0" hangingPunct="1">
-                        <a:defRPr sz="1800" kern="1200">
-                          <a:solidFill>
-                            <a:schemeClr val="tx1"/>
-                          </a:solidFill>
-                          <a:latin typeface="Calibri" panose="020F0502020204030204"/>
-                        </a:defRPr>
-                      </a:lvl3pPr>
-                      <a:lvl4pPr marL="1371600" algn="l" defTabSz="914400" rtl="0" eaLnBrk="1" latinLnBrk="0" hangingPunct="1">
-                        <a:defRPr sz="1800" kern="1200">
-                          <a:solidFill>
-                            <a:schemeClr val="tx1"/>
-                          </a:solidFill>
-                          <a:latin typeface="Calibri" panose="020F0502020204030204"/>
-                        </a:defRPr>
-                      </a:lvl4pPr>
-                      <a:lvl5pPr marL="1828800" algn="l" defTabSz="914400" rtl="0" eaLnBrk="1" latinLnBrk="0" hangingPunct="1">
-                        <a:defRPr sz="1800" kern="1200">
-                          <a:solidFill>
-                            <a:schemeClr val="tx1"/>
-                          </a:solidFill>
-                          <a:latin typeface="Calibri" panose="020F0502020204030204"/>
-                        </a:defRPr>
-                      </a:lvl5pPr>
-                      <a:lvl6pPr marL="2286000" algn="l" defTabSz="914400" rtl="0" eaLnBrk="1" latinLnBrk="0" hangingPunct="1">
-                        <a:defRPr sz="1800" kern="1200">
-                          <a:solidFill>
-                            <a:schemeClr val="tx1"/>
-                          </a:solidFill>
-                          <a:latin typeface="Calibri" panose="020F0502020204030204"/>
-                        </a:defRPr>
-                      </a:lvl6pPr>
-                      <a:lvl7pPr marL="2743200" algn="l" defTabSz="914400" rtl="0" eaLnBrk="1" latinLnBrk="0" hangingPunct="1">
-                        <a:defRPr sz="1800" kern="1200">
-                          <a:solidFill>
-                            <a:schemeClr val="tx1"/>
-                          </a:solidFill>
-                          <a:latin typeface="Calibri" panose="020F0502020204030204"/>
-                        </a:defRPr>
-                      </a:lvl7pPr>
-                      <a:lvl8pPr marL="3200400" algn="l" defTabSz="914400" rtl="0" eaLnBrk="1" latinLnBrk="0" hangingPunct="1">
-                        <a:defRPr sz="1800" kern="1200">
-                          <a:solidFill>
-                            <a:schemeClr val="tx1"/>
-                          </a:solidFill>
-                          <a:latin typeface="Calibri" panose="020F0502020204030204"/>
-                        </a:defRPr>
-                      </a:lvl8pPr>
-                      <a:lvl9pPr marL="3657600" algn="l" defTabSz="914400" rtl="0" eaLnBrk="1" latinLnBrk="0" hangingPunct="1">
-                        <a:defRPr sz="1800" kern="1200">
-                          <a:solidFill>
-                            <a:schemeClr val="tx1"/>
-                          </a:solidFill>
-                          <a:latin typeface="Calibri" panose="020F0502020204030204"/>
-                        </a:defRPr>
-                      </a:lvl9pPr>
-                    </a:lstStyle>
-                    <a:p>
-                      <a:pPr algn="ctr" fontAlgn="ctr"/>
-                      <a:r>
-                        <a:rPr lang="es-MX" sz="1400" b="1" u="none" strike="noStrike" dirty="0">
-                          <a:effectLst/>
-                        </a:rPr>
-                        <a:t>ERD</a:t>
-                      </a:r>
-                      <a:endParaRPr lang="es-MX" sz="1400" b="1" i="0" u="none" strike="noStrike" dirty="0">
-                        <a:solidFill>
-                          <a:srgbClr val="000000"/>
-                        </a:solidFill>
-                        <a:effectLst/>
-                        <a:latin typeface="Calibri" panose="020F0502020204030204" pitchFamily="34" charset="0"/>
-                      </a:endParaRPr>
-                    </a:p>
-                  </a:txBody>
-                  <a:tcPr marL="9525" marR="9525" marT="9525" marB="0" anchor="ctr">
-                    <a:lnL>
-                      <a:noFill/>
-                    </a:lnL>
-                    <a:lnR>
-                      <a:noFill/>
-                    </a:lnR>
-                    <a:lnT>
-                      <a:noFill/>
-                    </a:lnT>
-                    <a:lnB>
-                      <a:noFill/>
-                    </a:lnB>
-                    <a:lnTlToBr w="12700" cmpd="sng">
-                      <a:noFill/>
-                      <a:prstDash val="solid"/>
-                    </a:lnTlToBr>
-                    <a:lnBlToTr w="12700" cmpd="sng">
-                      <a:noFill/>
-                      <a:prstDash val="solid"/>
-                    </a:lnBlToTr>
-                    <a:noFill/>
-                  </a:tcPr>
-                </a:tc>
-                <a:tc>
-                  <a:txBody>
-                    <a:bodyPr/>
-                    <a:lstStyle>
-                      <a:lvl1pPr marL="0" algn="l" defTabSz="914400" rtl="0" eaLnBrk="1" latinLnBrk="0" hangingPunct="1">
-                        <a:defRPr sz="1800" kern="1200">
-                          <a:solidFill>
-                            <a:schemeClr val="tx1"/>
-                          </a:solidFill>
-                          <a:latin typeface="Calibri" panose="020F0502020204030204"/>
-                        </a:defRPr>
-                      </a:lvl1pPr>
-                      <a:lvl2pPr marL="457200" algn="l" defTabSz="914400" rtl="0" eaLnBrk="1" latinLnBrk="0" hangingPunct="1">
-                        <a:defRPr sz="1800" kern="1200">
-                          <a:solidFill>
-                            <a:schemeClr val="tx1"/>
-                          </a:solidFill>
-                          <a:latin typeface="Calibri" panose="020F0502020204030204"/>
-                        </a:defRPr>
-                      </a:lvl2pPr>
-                      <a:lvl3pPr marL="914400" algn="l" defTabSz="914400" rtl="0" eaLnBrk="1" latinLnBrk="0" hangingPunct="1">
-                        <a:defRPr sz="1800" kern="1200">
-                          <a:solidFill>
-                            <a:schemeClr val="tx1"/>
-                          </a:solidFill>
-                          <a:latin typeface="Calibri" panose="020F0502020204030204"/>
-                        </a:defRPr>
-                      </a:lvl3pPr>
-                      <a:lvl4pPr marL="1371600" algn="l" defTabSz="914400" rtl="0" eaLnBrk="1" latinLnBrk="0" hangingPunct="1">
-                        <a:defRPr sz="1800" kern="1200">
-                          <a:solidFill>
-                            <a:schemeClr val="tx1"/>
-                          </a:solidFill>
-                          <a:latin typeface="Calibri" panose="020F0502020204030204"/>
-                        </a:defRPr>
-                      </a:lvl4pPr>
-                      <a:lvl5pPr marL="1828800" algn="l" defTabSz="914400" rtl="0" eaLnBrk="1" latinLnBrk="0" hangingPunct="1">
-                        <a:defRPr sz="1800" kern="1200">
-                          <a:solidFill>
-                            <a:schemeClr val="tx1"/>
-                          </a:solidFill>
-                          <a:latin typeface="Calibri" panose="020F0502020204030204"/>
-                        </a:defRPr>
-                      </a:lvl5pPr>
-                      <a:lvl6pPr marL="2286000" algn="l" defTabSz="914400" rtl="0" eaLnBrk="1" latinLnBrk="0" hangingPunct="1">
-                        <a:defRPr sz="1800" kern="1200">
-                          <a:solidFill>
-                            <a:schemeClr val="tx1"/>
-                          </a:solidFill>
-                          <a:latin typeface="Calibri" panose="020F0502020204030204"/>
-                        </a:defRPr>
-                      </a:lvl6pPr>
-                      <a:lvl7pPr marL="2743200" algn="l" defTabSz="914400" rtl="0" eaLnBrk="1" latinLnBrk="0" hangingPunct="1">
-                        <a:defRPr sz="1800" kern="1200">
-                          <a:solidFill>
-                            <a:schemeClr val="tx1"/>
-                          </a:solidFill>
-                          <a:latin typeface="Calibri" panose="020F0502020204030204"/>
-                        </a:defRPr>
-                      </a:lvl7pPr>
-                      <a:lvl8pPr marL="3200400" algn="l" defTabSz="914400" rtl="0" eaLnBrk="1" latinLnBrk="0" hangingPunct="1">
-                        <a:defRPr sz="1800" kern="1200">
-                          <a:solidFill>
-                            <a:schemeClr val="tx1"/>
-                          </a:solidFill>
-                          <a:latin typeface="Calibri" panose="020F0502020204030204"/>
-                        </a:defRPr>
-                      </a:lvl8pPr>
-                      <a:lvl9pPr marL="3657600" algn="l" defTabSz="914400" rtl="0" eaLnBrk="1" latinLnBrk="0" hangingPunct="1">
-                        <a:defRPr sz="1800" kern="1200">
-                          <a:solidFill>
-                            <a:schemeClr val="tx1"/>
-                          </a:solidFill>
-                          <a:latin typeface="Calibri" panose="020F0502020204030204"/>
-                        </a:defRPr>
-                      </a:lvl9pPr>
-                    </a:lstStyle>
-                    <a:p>
-                      <a:pPr algn="ctr" fontAlgn="ctr"/>
-                      <a:r>
-                        <a:rPr lang="es-MX" sz="1400" b="1" u="none" strike="noStrike" dirty="0">
-                          <a:effectLst/>
-                        </a:rPr>
-                        <a:t>ERD DATA SIZE</a:t>
-                      </a:r>
-                      <a:endParaRPr lang="es-MX" sz="1400" b="1" i="0" u="none" strike="noStrike" dirty="0">
-                        <a:solidFill>
-                          <a:srgbClr val="000000"/>
-                        </a:solidFill>
-                        <a:effectLst/>
-                        <a:latin typeface="Calibri" panose="020F0502020204030204" pitchFamily="34" charset="0"/>
-                      </a:endParaRPr>
-                    </a:p>
-                  </a:txBody>
-                  <a:tcPr marL="9525" marR="9525" marT="9525" marB="0" anchor="ctr">
-                    <a:lnL>
-                      <a:noFill/>
-                    </a:lnL>
-                    <a:lnR>
-                      <a:noFill/>
-                    </a:lnR>
-                    <a:lnT>
-                      <a:noFill/>
-                    </a:lnT>
-                    <a:lnB>
-                      <a:noFill/>
-                    </a:lnB>
-                    <a:lnTlToBr w="12700" cmpd="sng">
-                      <a:noFill/>
-                      <a:prstDash val="solid"/>
-                    </a:lnTlToBr>
-                    <a:lnBlToTr w="12700" cmpd="sng">
-                      <a:noFill/>
-                      <a:prstDash val="solid"/>
-                    </a:lnBlToTr>
-                    <a:noFill/>
-                  </a:tcPr>
-                </a:tc>
-                <a:tc>
-                  <a:txBody>
-                    <a:bodyPr/>
-                    <a:lstStyle>
-                      <a:lvl1pPr marL="0" algn="l" defTabSz="914400" rtl="0" eaLnBrk="1" latinLnBrk="0" hangingPunct="1">
-                        <a:defRPr sz="1800" kern="1200">
-                          <a:solidFill>
-                            <a:schemeClr val="tx1"/>
-                          </a:solidFill>
-                          <a:latin typeface="Calibri" panose="020F0502020204030204"/>
-                        </a:defRPr>
-                      </a:lvl1pPr>
-                      <a:lvl2pPr marL="457200" algn="l" defTabSz="914400" rtl="0" eaLnBrk="1" latinLnBrk="0" hangingPunct="1">
-                        <a:defRPr sz="1800" kern="1200">
-                          <a:solidFill>
-                            <a:schemeClr val="tx1"/>
-                          </a:solidFill>
-                          <a:latin typeface="Calibri" panose="020F0502020204030204"/>
-                        </a:defRPr>
-                      </a:lvl2pPr>
-                      <a:lvl3pPr marL="914400" algn="l" defTabSz="914400" rtl="0" eaLnBrk="1" latinLnBrk="0" hangingPunct="1">
-                        <a:defRPr sz="1800" kern="1200">
-                          <a:solidFill>
-                            <a:schemeClr val="tx1"/>
-                          </a:solidFill>
-                          <a:latin typeface="Calibri" panose="020F0502020204030204"/>
-                        </a:defRPr>
-                      </a:lvl3pPr>
-                      <a:lvl4pPr marL="1371600" algn="l" defTabSz="914400" rtl="0" eaLnBrk="1" latinLnBrk="0" hangingPunct="1">
-                        <a:defRPr sz="1800" kern="1200">
-                          <a:solidFill>
-                            <a:schemeClr val="tx1"/>
-                          </a:solidFill>
-                          <a:latin typeface="Calibri" panose="020F0502020204030204"/>
-                        </a:defRPr>
-                      </a:lvl4pPr>
-                      <a:lvl5pPr marL="1828800" algn="l" defTabSz="914400" rtl="0" eaLnBrk="1" latinLnBrk="0" hangingPunct="1">
-                        <a:defRPr sz="1800" kern="1200">
-                          <a:solidFill>
-                            <a:schemeClr val="tx1"/>
-                          </a:solidFill>
-                          <a:latin typeface="Calibri" panose="020F0502020204030204"/>
-                        </a:defRPr>
-                      </a:lvl5pPr>
-                      <a:lvl6pPr marL="2286000" algn="l" defTabSz="914400" rtl="0" eaLnBrk="1" latinLnBrk="0" hangingPunct="1">
-                        <a:defRPr sz="1800" kern="1200">
-                          <a:solidFill>
-                            <a:schemeClr val="tx1"/>
-                          </a:solidFill>
-                          <a:latin typeface="Calibri" panose="020F0502020204030204"/>
-                        </a:defRPr>
-                      </a:lvl6pPr>
-                      <a:lvl7pPr marL="2743200" algn="l" defTabSz="914400" rtl="0" eaLnBrk="1" latinLnBrk="0" hangingPunct="1">
-                        <a:defRPr sz="1800" kern="1200">
-                          <a:solidFill>
-                            <a:schemeClr val="tx1"/>
-                          </a:solidFill>
-                          <a:latin typeface="Calibri" panose="020F0502020204030204"/>
-                        </a:defRPr>
-                      </a:lvl7pPr>
-                      <a:lvl8pPr marL="3200400" algn="l" defTabSz="914400" rtl="0" eaLnBrk="1" latinLnBrk="0" hangingPunct="1">
-                        <a:defRPr sz="1800" kern="1200">
-                          <a:solidFill>
-                            <a:schemeClr val="tx1"/>
-                          </a:solidFill>
-                          <a:latin typeface="Calibri" panose="020F0502020204030204"/>
-                        </a:defRPr>
-                      </a:lvl8pPr>
-                      <a:lvl9pPr marL="3657600" algn="l" defTabSz="914400" rtl="0" eaLnBrk="1" latinLnBrk="0" hangingPunct="1">
-                        <a:defRPr sz="1800" kern="1200">
-                          <a:solidFill>
-                            <a:schemeClr val="tx1"/>
-                          </a:solidFill>
-                          <a:latin typeface="Calibri" panose="020F0502020204030204"/>
-                        </a:defRPr>
-                      </a:lvl9pPr>
-                    </a:lstStyle>
-                    <a:p>
-                      <a:pPr algn="ctr" fontAlgn="ctr"/>
-                      <a:r>
-                        <a:rPr lang="es-MX" sz="1400" b="1" u="none" strike="noStrike" dirty="0">
-                          <a:effectLst/>
-                        </a:rPr>
-                        <a:t>DATO</a:t>
-                      </a:r>
-                      <a:endParaRPr lang="es-MX" sz="1400" b="1" i="0" u="none" strike="noStrike" dirty="0">
-                        <a:solidFill>
-                          <a:srgbClr val="000000"/>
-                        </a:solidFill>
-                        <a:effectLst/>
-                        <a:latin typeface="Calibri" panose="020F0502020204030204" pitchFamily="34" charset="0"/>
-                      </a:endParaRPr>
-                    </a:p>
-                  </a:txBody>
-                  <a:tcPr marL="9525" marR="9525" marT="9525" marB="0" anchor="ctr">
-                    <a:lnL>
-                      <a:noFill/>
-                    </a:lnL>
-                    <a:lnR>
-                      <a:noFill/>
-                    </a:lnR>
-                    <a:lnT>
-                      <a:noFill/>
-                    </a:lnT>
-                    <a:lnB>
-                      <a:noFill/>
-                    </a:lnB>
-                    <a:lnTlToBr w="12700" cmpd="sng">
-                      <a:noFill/>
-                      <a:prstDash val="solid"/>
-                    </a:lnTlToBr>
-                    <a:lnBlToTr w="12700" cmpd="sng">
-                      <a:noFill/>
-                      <a:prstDash val="solid"/>
-                    </a:lnBlToTr>
-                    <a:noFill/>
-                  </a:tcPr>
-                </a:tc>
-                <a:tc>
-                  <a:txBody>
-                    <a:bodyPr/>
-                    <a:lstStyle>
-                      <a:lvl1pPr marL="0" algn="l" defTabSz="914400" rtl="0" eaLnBrk="1" latinLnBrk="0" hangingPunct="1">
-                        <a:defRPr sz="1800" kern="1200">
-                          <a:solidFill>
-                            <a:schemeClr val="tx1"/>
-                          </a:solidFill>
-                          <a:latin typeface="Calibri" panose="020F0502020204030204"/>
-                        </a:defRPr>
-                      </a:lvl1pPr>
-                      <a:lvl2pPr marL="457200" algn="l" defTabSz="914400" rtl="0" eaLnBrk="1" latinLnBrk="0" hangingPunct="1">
-                        <a:defRPr sz="1800" kern="1200">
-                          <a:solidFill>
-                            <a:schemeClr val="tx1"/>
-                          </a:solidFill>
-                          <a:latin typeface="Calibri" panose="020F0502020204030204"/>
-                        </a:defRPr>
-                      </a:lvl2pPr>
-                      <a:lvl3pPr marL="914400" algn="l" defTabSz="914400" rtl="0" eaLnBrk="1" latinLnBrk="0" hangingPunct="1">
-                        <a:defRPr sz="1800" kern="1200">
-                          <a:solidFill>
-                            <a:schemeClr val="tx1"/>
-                          </a:solidFill>
-                          <a:latin typeface="Calibri" panose="020F0502020204030204"/>
-                        </a:defRPr>
-                      </a:lvl3pPr>
-                      <a:lvl4pPr marL="1371600" algn="l" defTabSz="914400" rtl="0" eaLnBrk="1" latinLnBrk="0" hangingPunct="1">
-                        <a:defRPr sz="1800" kern="1200">
-                          <a:solidFill>
-                            <a:schemeClr val="tx1"/>
-                          </a:solidFill>
-                          <a:latin typeface="Calibri" panose="020F0502020204030204"/>
-                        </a:defRPr>
-                      </a:lvl4pPr>
-                      <a:lvl5pPr marL="1828800" algn="l" defTabSz="914400" rtl="0" eaLnBrk="1" latinLnBrk="0" hangingPunct="1">
-                        <a:defRPr sz="1800" kern="1200">
-                          <a:solidFill>
-                            <a:schemeClr val="tx1"/>
-                          </a:solidFill>
-                          <a:latin typeface="Calibri" panose="020F0502020204030204"/>
-                        </a:defRPr>
-                      </a:lvl5pPr>
-                      <a:lvl6pPr marL="2286000" algn="l" defTabSz="914400" rtl="0" eaLnBrk="1" latinLnBrk="0" hangingPunct="1">
-                        <a:defRPr sz="1800" kern="1200">
-                          <a:solidFill>
-                            <a:schemeClr val="tx1"/>
-                          </a:solidFill>
-                          <a:latin typeface="Calibri" panose="020F0502020204030204"/>
-                        </a:defRPr>
-                      </a:lvl6pPr>
-                      <a:lvl7pPr marL="2743200" algn="l" defTabSz="914400" rtl="0" eaLnBrk="1" latinLnBrk="0" hangingPunct="1">
-                        <a:defRPr sz="1800" kern="1200">
-                          <a:solidFill>
-                            <a:schemeClr val="tx1"/>
-                          </a:solidFill>
-                          <a:latin typeface="Calibri" panose="020F0502020204030204"/>
-                        </a:defRPr>
-                      </a:lvl7pPr>
-                      <a:lvl8pPr marL="3200400" algn="l" defTabSz="914400" rtl="0" eaLnBrk="1" latinLnBrk="0" hangingPunct="1">
-                        <a:defRPr sz="1800" kern="1200">
-                          <a:solidFill>
-                            <a:schemeClr val="tx1"/>
-                          </a:solidFill>
-                          <a:latin typeface="Calibri" panose="020F0502020204030204"/>
-                        </a:defRPr>
-                      </a:lvl8pPr>
-                      <a:lvl9pPr marL="3657600" algn="l" defTabSz="914400" rtl="0" eaLnBrk="1" latinLnBrk="0" hangingPunct="1">
-                        <a:defRPr sz="1800" kern="1200">
-                          <a:solidFill>
-                            <a:schemeClr val="tx1"/>
-                          </a:solidFill>
-                          <a:latin typeface="Calibri" panose="020F0502020204030204"/>
-                        </a:defRPr>
-                      </a:lvl9pPr>
-                    </a:lstStyle>
-                    <a:p>
-                      <a:pPr algn="ctr" fontAlgn="ctr"/>
-                      <a:r>
-                        <a:rPr lang="es-MX" sz="1400" b="1" u="none" strike="noStrike">
-                          <a:effectLst/>
-                        </a:rPr>
-                        <a:t>CRC</a:t>
-                      </a:r>
-                      <a:endParaRPr lang="es-MX" sz="1400" b="1" i="0" u="none" strike="noStrike">
-                        <a:solidFill>
-                          <a:srgbClr val="000000"/>
-                        </a:solidFill>
-                        <a:effectLst/>
-                        <a:latin typeface="Calibri" panose="020F0502020204030204" pitchFamily="34" charset="0"/>
-                      </a:endParaRPr>
-                    </a:p>
-                  </a:txBody>
-                  <a:tcPr marL="9525" marR="9525" marT="9525" marB="0" anchor="ctr">
-                    <a:lnL>
-                      <a:noFill/>
-                    </a:lnL>
-                    <a:lnR>
-                      <a:noFill/>
-                    </a:lnR>
-                    <a:lnT>
-                      <a:noFill/>
-                    </a:lnT>
-                    <a:lnB>
-                      <a:noFill/>
-                    </a:lnB>
-                    <a:lnTlToBr w="12700" cmpd="sng">
-                      <a:noFill/>
-                      <a:prstDash val="solid"/>
-                    </a:lnTlToBr>
-                    <a:lnBlToTr w="12700" cmpd="sng">
-                      <a:noFill/>
-                      <a:prstDash val="solid"/>
-                    </a:lnBlToTr>
-                    <a:noFill/>
-                  </a:tcPr>
-                </a:tc>
-                <a:tc>
-                  <a:txBody>
-                    <a:bodyPr/>
-                    <a:lstStyle>
-                      <a:lvl1pPr marL="0" algn="l" defTabSz="914400" rtl="0" eaLnBrk="1" latinLnBrk="0" hangingPunct="1">
-                        <a:defRPr sz="1800" kern="1200">
-                          <a:solidFill>
-                            <a:schemeClr val="tx1"/>
-                          </a:solidFill>
-                          <a:latin typeface="Calibri" panose="020F0502020204030204"/>
-                        </a:defRPr>
-                      </a:lvl1pPr>
-                      <a:lvl2pPr marL="457200" algn="l" defTabSz="914400" rtl="0" eaLnBrk="1" latinLnBrk="0" hangingPunct="1">
-                        <a:defRPr sz="1800" kern="1200">
-                          <a:solidFill>
-                            <a:schemeClr val="tx1"/>
-                          </a:solidFill>
-                          <a:latin typeface="Calibri" panose="020F0502020204030204"/>
-                        </a:defRPr>
-                      </a:lvl2pPr>
-                      <a:lvl3pPr marL="914400" algn="l" defTabSz="914400" rtl="0" eaLnBrk="1" latinLnBrk="0" hangingPunct="1">
-                        <a:defRPr sz="1800" kern="1200">
-                          <a:solidFill>
-                            <a:schemeClr val="tx1"/>
-                          </a:solidFill>
-                          <a:latin typeface="Calibri" panose="020F0502020204030204"/>
-                        </a:defRPr>
-                      </a:lvl3pPr>
-                      <a:lvl4pPr marL="1371600" algn="l" defTabSz="914400" rtl="0" eaLnBrk="1" latinLnBrk="0" hangingPunct="1">
-                        <a:defRPr sz="1800" kern="1200">
-                          <a:solidFill>
-                            <a:schemeClr val="tx1"/>
-                          </a:solidFill>
-                          <a:latin typeface="Calibri" panose="020F0502020204030204"/>
-                        </a:defRPr>
-                      </a:lvl4pPr>
-                      <a:lvl5pPr marL="1828800" algn="l" defTabSz="914400" rtl="0" eaLnBrk="1" latinLnBrk="0" hangingPunct="1">
-                        <a:defRPr sz="1800" kern="1200">
-                          <a:solidFill>
-                            <a:schemeClr val="tx1"/>
-                          </a:solidFill>
-                          <a:latin typeface="Calibri" panose="020F0502020204030204"/>
-                        </a:defRPr>
-                      </a:lvl5pPr>
-                      <a:lvl6pPr marL="2286000" algn="l" defTabSz="914400" rtl="0" eaLnBrk="1" latinLnBrk="0" hangingPunct="1">
-                        <a:defRPr sz="1800" kern="1200">
-                          <a:solidFill>
-                            <a:schemeClr val="tx1"/>
-                          </a:solidFill>
-                          <a:latin typeface="Calibri" panose="020F0502020204030204"/>
-                        </a:defRPr>
-                      </a:lvl6pPr>
-                      <a:lvl7pPr marL="2743200" algn="l" defTabSz="914400" rtl="0" eaLnBrk="1" latinLnBrk="0" hangingPunct="1">
-                        <a:defRPr sz="1800" kern="1200">
-                          <a:solidFill>
-                            <a:schemeClr val="tx1"/>
-                          </a:solidFill>
-                          <a:latin typeface="Calibri" panose="020F0502020204030204"/>
-                        </a:defRPr>
-                      </a:lvl7pPr>
-                      <a:lvl8pPr marL="3200400" algn="l" defTabSz="914400" rtl="0" eaLnBrk="1" latinLnBrk="0" hangingPunct="1">
-                        <a:defRPr sz="1800" kern="1200">
-                          <a:solidFill>
-                            <a:schemeClr val="tx1"/>
-                          </a:solidFill>
-                          <a:latin typeface="Calibri" panose="020F0502020204030204"/>
-                        </a:defRPr>
-                      </a:lvl8pPr>
-                      <a:lvl9pPr marL="3657600" algn="l" defTabSz="914400" rtl="0" eaLnBrk="1" latinLnBrk="0" hangingPunct="1">
-                        <a:defRPr sz="1800" kern="1200">
-                          <a:solidFill>
-                            <a:schemeClr val="tx1"/>
-                          </a:solidFill>
-                          <a:latin typeface="Calibri" panose="020F0502020204030204"/>
-                        </a:defRPr>
-                      </a:lvl9pPr>
-                    </a:lstStyle>
-                    <a:p>
-                      <a:pPr algn="ctr" fontAlgn="ctr"/>
-                      <a:r>
-                        <a:rPr lang="es-MX" sz="1400" b="1" u="none" strike="noStrike">
-                          <a:effectLst/>
-                        </a:rPr>
-                        <a:t>BIT STOP</a:t>
-                      </a:r>
-                      <a:endParaRPr lang="es-MX" sz="1400" b="1" i="0" u="none" strike="noStrike">
-                        <a:solidFill>
-                          <a:srgbClr val="000000"/>
-                        </a:solidFill>
-                        <a:effectLst/>
-                        <a:latin typeface="Calibri" panose="020F0502020204030204" pitchFamily="34" charset="0"/>
-                      </a:endParaRPr>
-                    </a:p>
-                  </a:txBody>
-                  <a:tcPr marL="9525" marR="9525" marT="9525" marB="0" anchor="ctr">
-                    <a:lnL>
-                      <a:noFill/>
-                    </a:lnL>
-                    <a:lnR>
-                      <a:noFill/>
-                    </a:lnR>
-                    <a:lnT>
-                      <a:noFill/>
-                    </a:lnT>
-                    <a:lnB>
-                      <a:noFill/>
-                    </a:lnB>
-                    <a:lnTlToBr w="12700" cmpd="sng">
-                      <a:noFill/>
-                      <a:prstDash val="solid"/>
-                    </a:lnTlToBr>
-                    <a:lnBlToTr w="12700" cmpd="sng">
-                      <a:noFill/>
-                      <a:prstDash val="solid"/>
-                    </a:lnBlToTr>
-                    <a:noFill/>
-                  </a:tcPr>
-                </a:tc>
-                <a:extLst>
-                  <a:ext uri="{0D108BD9-81ED-4DB2-BD59-A6C34878D82A}">
-                    <a16:rowId xmlns:a16="http://schemas.microsoft.com/office/drawing/2014/main" val="221564681"/>
-                  </a:ext>
-                </a:extLst>
-              </a:tr>
-              <a:tr h="190500">
-                <a:tc>
-                  <a:txBody>
-                    <a:bodyPr/>
-                    <a:lstStyle>
-                      <a:lvl1pPr marL="0" algn="l" defTabSz="914400" rtl="0" eaLnBrk="1" latinLnBrk="0" hangingPunct="1">
-                        <a:defRPr sz="1800" kern="1200">
-                          <a:solidFill>
-                            <a:schemeClr val="tx1"/>
-                          </a:solidFill>
-                          <a:latin typeface="Calibri" panose="020F0502020204030204"/>
-                        </a:defRPr>
-                      </a:lvl1pPr>
-                      <a:lvl2pPr marL="457200" algn="l" defTabSz="914400" rtl="0" eaLnBrk="1" latinLnBrk="0" hangingPunct="1">
-                        <a:defRPr sz="1800" kern="1200">
-                          <a:solidFill>
-                            <a:schemeClr val="tx1"/>
-                          </a:solidFill>
-                          <a:latin typeface="Calibri" panose="020F0502020204030204"/>
-                        </a:defRPr>
-                      </a:lvl2pPr>
-                      <a:lvl3pPr marL="914400" algn="l" defTabSz="914400" rtl="0" eaLnBrk="1" latinLnBrk="0" hangingPunct="1">
-                        <a:defRPr sz="1800" kern="1200">
-                          <a:solidFill>
-                            <a:schemeClr val="tx1"/>
-                          </a:solidFill>
-                          <a:latin typeface="Calibri" panose="020F0502020204030204"/>
-                        </a:defRPr>
-                      </a:lvl3pPr>
-                      <a:lvl4pPr marL="1371600" algn="l" defTabSz="914400" rtl="0" eaLnBrk="1" latinLnBrk="0" hangingPunct="1">
-                        <a:defRPr sz="1800" kern="1200">
-                          <a:solidFill>
-                            <a:schemeClr val="tx1"/>
-                          </a:solidFill>
-                          <a:latin typeface="Calibri" panose="020F0502020204030204"/>
-                        </a:defRPr>
-                      </a:lvl4pPr>
-                      <a:lvl5pPr marL="1828800" algn="l" defTabSz="914400" rtl="0" eaLnBrk="1" latinLnBrk="0" hangingPunct="1">
-                        <a:defRPr sz="1800" kern="1200">
-                          <a:solidFill>
-                            <a:schemeClr val="tx1"/>
-                          </a:solidFill>
-                          <a:latin typeface="Calibri" panose="020F0502020204030204"/>
-                        </a:defRPr>
-                      </a:lvl5pPr>
-                      <a:lvl6pPr marL="2286000" algn="l" defTabSz="914400" rtl="0" eaLnBrk="1" latinLnBrk="0" hangingPunct="1">
-                        <a:defRPr sz="1800" kern="1200">
-                          <a:solidFill>
-                            <a:schemeClr val="tx1"/>
-                          </a:solidFill>
-                          <a:latin typeface="Calibri" panose="020F0502020204030204"/>
-                        </a:defRPr>
-                      </a:lvl6pPr>
-                      <a:lvl7pPr marL="2743200" algn="l" defTabSz="914400" rtl="0" eaLnBrk="1" latinLnBrk="0" hangingPunct="1">
-                        <a:defRPr sz="1800" kern="1200">
-                          <a:solidFill>
-                            <a:schemeClr val="tx1"/>
-                          </a:solidFill>
-                          <a:latin typeface="Calibri" panose="020F0502020204030204"/>
-                        </a:defRPr>
-                      </a:lvl7pPr>
-                      <a:lvl8pPr marL="3200400" algn="l" defTabSz="914400" rtl="0" eaLnBrk="1" latinLnBrk="0" hangingPunct="1">
-                        <a:defRPr sz="1800" kern="1200">
-                          <a:solidFill>
-                            <a:schemeClr val="tx1"/>
-                          </a:solidFill>
-                          <a:latin typeface="Calibri" panose="020F0502020204030204"/>
-                        </a:defRPr>
-                      </a:lvl8pPr>
-                      <a:lvl9pPr marL="3657600" algn="l" defTabSz="914400" rtl="0" eaLnBrk="1" latinLnBrk="0" hangingPunct="1">
-                        <a:defRPr sz="1800" kern="1200">
-                          <a:solidFill>
-                            <a:schemeClr val="tx1"/>
-                          </a:solidFill>
-                          <a:latin typeface="Calibri" panose="020F0502020204030204"/>
-                        </a:defRPr>
-                      </a:lvl9pPr>
-                    </a:lstStyle>
-                    <a:p>
-                      <a:pPr algn="ctr" fontAlgn="ctr"/>
-                      <a:r>
-                        <a:rPr lang="es-MX" sz="1400" b="1" u="none" strike="noStrike">
-                          <a:effectLst/>
-                        </a:rPr>
-                        <a:t>E2</a:t>
-                      </a:r>
-                      <a:endParaRPr lang="es-MX" sz="1400" b="1" i="0" u="none" strike="noStrike">
-                        <a:solidFill>
-                          <a:srgbClr val="000000"/>
-                        </a:solidFill>
-                        <a:effectLst/>
-                        <a:latin typeface="Calibri" panose="020F0502020204030204" pitchFamily="34" charset="0"/>
-                      </a:endParaRPr>
-                    </a:p>
-                  </a:txBody>
-                  <a:tcPr marL="9525" marR="9525" marT="9525" marB="0" anchor="ctr">
-                    <a:lnL>
-                      <a:noFill/>
-                    </a:lnL>
-                    <a:lnR>
-                      <a:noFill/>
-                    </a:lnR>
-                    <a:lnT>
-                      <a:noFill/>
-                    </a:lnT>
-                    <a:lnB w="12700" cmpd="sng">
-                      <a:solidFill>
-                        <a:srgbClr val="4472C4"/>
-                      </a:solidFill>
-                    </a:lnB>
-                    <a:lnTlToBr w="12700" cmpd="sng">
-                      <a:noFill/>
-                      <a:prstDash val="solid"/>
-                    </a:lnTlToBr>
-                    <a:lnBlToTr w="12700" cmpd="sng">
-                      <a:noFill/>
-                      <a:prstDash val="solid"/>
-                    </a:lnBlToTr>
-                    <a:noFill/>
-                  </a:tcPr>
-                </a:tc>
-                <a:tc>
-                  <a:txBody>
-                    <a:bodyPr/>
-                    <a:lstStyle>
-                      <a:lvl1pPr marL="0" algn="l" defTabSz="914400" rtl="0" eaLnBrk="1" latinLnBrk="0" hangingPunct="1">
-                        <a:defRPr sz="1800" kern="1200">
-                          <a:solidFill>
-                            <a:schemeClr val="tx1"/>
-                          </a:solidFill>
-                          <a:latin typeface="Calibri" panose="020F0502020204030204"/>
-                        </a:defRPr>
-                      </a:lvl1pPr>
-                      <a:lvl2pPr marL="457200" algn="l" defTabSz="914400" rtl="0" eaLnBrk="1" latinLnBrk="0" hangingPunct="1">
-                        <a:defRPr sz="1800" kern="1200">
-                          <a:solidFill>
-                            <a:schemeClr val="tx1"/>
-                          </a:solidFill>
-                          <a:latin typeface="Calibri" panose="020F0502020204030204"/>
-                        </a:defRPr>
-                      </a:lvl2pPr>
-                      <a:lvl3pPr marL="914400" algn="l" defTabSz="914400" rtl="0" eaLnBrk="1" latinLnBrk="0" hangingPunct="1">
-                        <a:defRPr sz="1800" kern="1200">
-                          <a:solidFill>
-                            <a:schemeClr val="tx1"/>
-                          </a:solidFill>
-                          <a:latin typeface="Calibri" panose="020F0502020204030204"/>
-                        </a:defRPr>
-                      </a:lvl3pPr>
-                      <a:lvl4pPr marL="1371600" algn="l" defTabSz="914400" rtl="0" eaLnBrk="1" latinLnBrk="0" hangingPunct="1">
-                        <a:defRPr sz="1800" kern="1200">
-                          <a:solidFill>
-                            <a:schemeClr val="tx1"/>
-                          </a:solidFill>
-                          <a:latin typeface="Calibri" panose="020F0502020204030204"/>
-                        </a:defRPr>
-                      </a:lvl4pPr>
-                      <a:lvl5pPr marL="1828800" algn="l" defTabSz="914400" rtl="0" eaLnBrk="1" latinLnBrk="0" hangingPunct="1">
-                        <a:defRPr sz="1800" kern="1200">
-                          <a:solidFill>
-                            <a:schemeClr val="tx1"/>
-                          </a:solidFill>
-                          <a:latin typeface="Calibri" panose="020F0502020204030204"/>
-                        </a:defRPr>
-                      </a:lvl5pPr>
-                      <a:lvl6pPr marL="2286000" algn="l" defTabSz="914400" rtl="0" eaLnBrk="1" latinLnBrk="0" hangingPunct="1">
-                        <a:defRPr sz="1800" kern="1200">
-                          <a:solidFill>
-                            <a:schemeClr val="tx1"/>
-                          </a:solidFill>
-                          <a:latin typeface="Calibri" panose="020F0502020204030204"/>
-                        </a:defRPr>
-                      </a:lvl6pPr>
-                      <a:lvl7pPr marL="2743200" algn="l" defTabSz="914400" rtl="0" eaLnBrk="1" latinLnBrk="0" hangingPunct="1">
-                        <a:defRPr sz="1800" kern="1200">
-                          <a:solidFill>
-                            <a:schemeClr val="tx1"/>
-                          </a:solidFill>
-                          <a:latin typeface="Calibri" panose="020F0502020204030204"/>
-                        </a:defRPr>
-                      </a:lvl7pPr>
-                      <a:lvl8pPr marL="3200400" algn="l" defTabSz="914400" rtl="0" eaLnBrk="1" latinLnBrk="0" hangingPunct="1">
-                        <a:defRPr sz="1800" kern="1200">
-                          <a:solidFill>
-                            <a:schemeClr val="tx1"/>
-                          </a:solidFill>
-                          <a:latin typeface="Calibri" panose="020F0502020204030204"/>
-                        </a:defRPr>
-                      </a:lvl8pPr>
-                      <a:lvl9pPr marL="3657600" algn="l" defTabSz="914400" rtl="0" eaLnBrk="1" latinLnBrk="0" hangingPunct="1">
-                        <a:defRPr sz="1800" kern="1200">
-                          <a:solidFill>
-                            <a:schemeClr val="tx1"/>
-                          </a:solidFill>
-                          <a:latin typeface="Calibri" panose="020F0502020204030204"/>
-                        </a:defRPr>
-                      </a:lvl9pPr>
-                    </a:lstStyle>
-                    <a:p>
-                      <a:pPr algn="ctr" fontAlgn="ctr"/>
-                      <a:r>
-                        <a:rPr lang="es-MX" sz="1400" b="1" u="none" strike="noStrike">
-                          <a:effectLst/>
-                        </a:rPr>
-                        <a:t>XX</a:t>
-                      </a:r>
-                      <a:endParaRPr lang="es-MX" sz="1400" b="1" i="0" u="none" strike="noStrike">
-                        <a:solidFill>
-                          <a:srgbClr val="000000"/>
-                        </a:solidFill>
-                        <a:effectLst/>
-                        <a:latin typeface="Calibri" panose="020F0502020204030204" pitchFamily="34" charset="0"/>
-                      </a:endParaRPr>
-                    </a:p>
-                  </a:txBody>
-                  <a:tcPr marL="9525" marR="9525" marT="9525" marB="0" anchor="ctr">
-                    <a:lnL>
-                      <a:noFill/>
-                    </a:lnL>
-                    <a:lnR>
-                      <a:noFill/>
-                    </a:lnR>
-                    <a:lnT>
-                      <a:noFill/>
-                    </a:lnT>
-                    <a:lnB w="12700" cmpd="sng">
-                      <a:solidFill>
-                        <a:srgbClr val="4472C4"/>
-                      </a:solidFill>
-                    </a:lnB>
-                    <a:lnTlToBr w="12700" cmpd="sng">
-                      <a:noFill/>
-                      <a:prstDash val="solid"/>
-                    </a:lnTlToBr>
-                    <a:lnBlToTr w="12700" cmpd="sng">
-                      <a:noFill/>
-                      <a:prstDash val="solid"/>
-                    </a:lnBlToTr>
-                    <a:noFill/>
-                  </a:tcPr>
-                </a:tc>
-                <a:tc>
-                  <a:txBody>
-                    <a:bodyPr/>
-                    <a:lstStyle>
-                      <a:lvl1pPr marL="0" algn="l" defTabSz="914400" rtl="0" eaLnBrk="1" latinLnBrk="0" hangingPunct="1">
-                        <a:defRPr sz="1800" kern="1200">
-                          <a:solidFill>
-                            <a:schemeClr val="tx1"/>
-                          </a:solidFill>
-                          <a:latin typeface="Calibri" panose="020F0502020204030204"/>
-                        </a:defRPr>
-                      </a:lvl1pPr>
-                      <a:lvl2pPr marL="457200" algn="l" defTabSz="914400" rtl="0" eaLnBrk="1" latinLnBrk="0" hangingPunct="1">
-                        <a:defRPr sz="1800" kern="1200">
-                          <a:solidFill>
-                            <a:schemeClr val="tx1"/>
-                          </a:solidFill>
-                          <a:latin typeface="Calibri" panose="020F0502020204030204"/>
-                        </a:defRPr>
-                      </a:lvl2pPr>
-                      <a:lvl3pPr marL="914400" algn="l" defTabSz="914400" rtl="0" eaLnBrk="1" latinLnBrk="0" hangingPunct="1">
-                        <a:defRPr sz="1800" kern="1200">
-                          <a:solidFill>
-                            <a:schemeClr val="tx1"/>
-                          </a:solidFill>
-                          <a:latin typeface="Calibri" panose="020F0502020204030204"/>
-                        </a:defRPr>
-                      </a:lvl3pPr>
-                      <a:lvl4pPr marL="1371600" algn="l" defTabSz="914400" rtl="0" eaLnBrk="1" latinLnBrk="0" hangingPunct="1">
-                        <a:defRPr sz="1800" kern="1200">
-                          <a:solidFill>
-                            <a:schemeClr val="tx1"/>
-                          </a:solidFill>
-                          <a:latin typeface="Calibri" panose="020F0502020204030204"/>
-                        </a:defRPr>
-                      </a:lvl4pPr>
-                      <a:lvl5pPr marL="1828800" algn="l" defTabSz="914400" rtl="0" eaLnBrk="1" latinLnBrk="0" hangingPunct="1">
-                        <a:defRPr sz="1800" kern="1200">
-                          <a:solidFill>
-                            <a:schemeClr val="tx1"/>
-                          </a:solidFill>
-                          <a:latin typeface="Calibri" panose="020F0502020204030204"/>
-                        </a:defRPr>
-                      </a:lvl5pPr>
-                      <a:lvl6pPr marL="2286000" algn="l" defTabSz="914400" rtl="0" eaLnBrk="1" latinLnBrk="0" hangingPunct="1">
-                        <a:defRPr sz="1800" kern="1200">
-                          <a:solidFill>
-                            <a:schemeClr val="tx1"/>
-                          </a:solidFill>
-                          <a:latin typeface="Calibri" panose="020F0502020204030204"/>
-                        </a:defRPr>
-                      </a:lvl6pPr>
-                      <a:lvl7pPr marL="2743200" algn="l" defTabSz="914400" rtl="0" eaLnBrk="1" latinLnBrk="0" hangingPunct="1">
-                        <a:defRPr sz="1800" kern="1200">
-                          <a:solidFill>
-                            <a:schemeClr val="tx1"/>
-                          </a:solidFill>
-                          <a:latin typeface="Calibri" panose="020F0502020204030204"/>
-                        </a:defRPr>
-                      </a:lvl7pPr>
-                      <a:lvl8pPr marL="3200400" algn="l" defTabSz="914400" rtl="0" eaLnBrk="1" latinLnBrk="0" hangingPunct="1">
-                        <a:defRPr sz="1800" kern="1200">
-                          <a:solidFill>
-                            <a:schemeClr val="tx1"/>
-                          </a:solidFill>
-                          <a:latin typeface="Calibri" panose="020F0502020204030204"/>
-                        </a:defRPr>
-                      </a:lvl8pPr>
-                      <a:lvl9pPr marL="3657600" algn="l" defTabSz="914400" rtl="0" eaLnBrk="1" latinLnBrk="0" hangingPunct="1">
-                        <a:defRPr sz="1800" kern="1200">
-                          <a:solidFill>
-                            <a:schemeClr val="tx1"/>
-                          </a:solidFill>
-                          <a:latin typeface="Calibri" panose="020F0502020204030204"/>
-                        </a:defRPr>
-                      </a:lvl9pPr>
-                    </a:lstStyle>
-                    <a:p>
-                      <a:pPr algn="ctr" fontAlgn="ctr"/>
-                      <a:r>
-                        <a:rPr lang="es-MX" sz="1400" b="1" u="none" strike="noStrike">
-                          <a:effectLst/>
-                        </a:rPr>
-                        <a:t>XX</a:t>
-                      </a:r>
-                      <a:endParaRPr lang="es-MX" sz="1400" b="1" i="0" u="none" strike="noStrike">
-                        <a:solidFill>
-                          <a:srgbClr val="000000"/>
-                        </a:solidFill>
-                        <a:effectLst/>
-                        <a:latin typeface="Calibri" panose="020F0502020204030204" pitchFamily="34" charset="0"/>
-                      </a:endParaRPr>
-                    </a:p>
-                  </a:txBody>
-                  <a:tcPr marL="9525" marR="9525" marT="9525" marB="0" anchor="ctr">
-                    <a:lnL>
-                      <a:noFill/>
-                    </a:lnL>
-                    <a:lnR>
-                      <a:noFill/>
-                    </a:lnR>
-                    <a:lnT>
-                      <a:noFill/>
-                    </a:lnT>
-                    <a:lnB w="12700" cmpd="sng">
-                      <a:solidFill>
-                        <a:srgbClr val="4472C4"/>
-                      </a:solidFill>
-                    </a:lnB>
-                    <a:lnTlToBr w="12700" cmpd="sng">
-                      <a:noFill/>
-                      <a:prstDash val="solid"/>
-                    </a:lnTlToBr>
-                    <a:lnBlToTr w="12700" cmpd="sng">
-                      <a:noFill/>
-                      <a:prstDash val="solid"/>
-                    </a:lnBlToTr>
-                    <a:noFill/>
-                  </a:tcPr>
-                </a:tc>
-                <a:tc>
-                  <a:txBody>
-                    <a:bodyPr/>
-                    <a:lstStyle>
-                      <a:lvl1pPr marL="0" algn="l" defTabSz="914400" rtl="0" eaLnBrk="1" latinLnBrk="0" hangingPunct="1">
-                        <a:defRPr sz="1800" kern="1200">
-                          <a:solidFill>
-                            <a:schemeClr val="tx1"/>
-                          </a:solidFill>
-                          <a:latin typeface="Calibri" panose="020F0502020204030204"/>
-                        </a:defRPr>
-                      </a:lvl1pPr>
-                      <a:lvl2pPr marL="457200" algn="l" defTabSz="914400" rtl="0" eaLnBrk="1" latinLnBrk="0" hangingPunct="1">
-                        <a:defRPr sz="1800" kern="1200">
-                          <a:solidFill>
-                            <a:schemeClr val="tx1"/>
-                          </a:solidFill>
-                          <a:latin typeface="Calibri" panose="020F0502020204030204"/>
-                        </a:defRPr>
-                      </a:lvl2pPr>
-                      <a:lvl3pPr marL="914400" algn="l" defTabSz="914400" rtl="0" eaLnBrk="1" latinLnBrk="0" hangingPunct="1">
-                        <a:defRPr sz="1800" kern="1200">
-                          <a:solidFill>
-                            <a:schemeClr val="tx1"/>
-                          </a:solidFill>
-                          <a:latin typeface="Calibri" panose="020F0502020204030204"/>
-                        </a:defRPr>
-                      </a:lvl3pPr>
-                      <a:lvl4pPr marL="1371600" algn="l" defTabSz="914400" rtl="0" eaLnBrk="1" latinLnBrk="0" hangingPunct="1">
-                        <a:defRPr sz="1800" kern="1200">
-                          <a:solidFill>
-                            <a:schemeClr val="tx1"/>
-                          </a:solidFill>
-                          <a:latin typeface="Calibri" panose="020F0502020204030204"/>
-                        </a:defRPr>
-                      </a:lvl4pPr>
-                      <a:lvl5pPr marL="1828800" algn="l" defTabSz="914400" rtl="0" eaLnBrk="1" latinLnBrk="0" hangingPunct="1">
-                        <a:defRPr sz="1800" kern="1200">
-                          <a:solidFill>
-                            <a:schemeClr val="tx1"/>
-                          </a:solidFill>
-                          <a:latin typeface="Calibri" panose="020F0502020204030204"/>
-                        </a:defRPr>
-                      </a:lvl5pPr>
-                      <a:lvl6pPr marL="2286000" algn="l" defTabSz="914400" rtl="0" eaLnBrk="1" latinLnBrk="0" hangingPunct="1">
-                        <a:defRPr sz="1800" kern="1200">
-                          <a:solidFill>
-                            <a:schemeClr val="tx1"/>
-                          </a:solidFill>
-                          <a:latin typeface="Calibri" panose="020F0502020204030204"/>
-                        </a:defRPr>
-                      </a:lvl6pPr>
-                      <a:lvl7pPr marL="2743200" algn="l" defTabSz="914400" rtl="0" eaLnBrk="1" latinLnBrk="0" hangingPunct="1">
-                        <a:defRPr sz="1800" kern="1200">
-                          <a:solidFill>
-                            <a:schemeClr val="tx1"/>
-                          </a:solidFill>
-                          <a:latin typeface="Calibri" panose="020F0502020204030204"/>
-                        </a:defRPr>
-                      </a:lvl7pPr>
-                      <a:lvl8pPr marL="3200400" algn="l" defTabSz="914400" rtl="0" eaLnBrk="1" latinLnBrk="0" hangingPunct="1">
-                        <a:defRPr sz="1800" kern="1200">
-                          <a:solidFill>
-                            <a:schemeClr val="tx1"/>
-                          </a:solidFill>
-                          <a:latin typeface="Calibri" panose="020F0502020204030204"/>
-                        </a:defRPr>
-                      </a:lvl8pPr>
-                      <a:lvl9pPr marL="3657600" algn="l" defTabSz="914400" rtl="0" eaLnBrk="1" latinLnBrk="0" hangingPunct="1">
-                        <a:defRPr sz="1800" kern="1200">
-                          <a:solidFill>
-                            <a:schemeClr val="tx1"/>
-                          </a:solidFill>
-                          <a:latin typeface="Calibri" panose="020F0502020204030204"/>
-                        </a:defRPr>
-                      </a:lvl9pPr>
-                    </a:lstStyle>
-                    <a:p>
-                      <a:pPr algn="ctr" fontAlgn="ctr"/>
-                      <a:r>
-                        <a:rPr lang="es-MX" sz="1400" b="1" u="none" strike="noStrike">
-                          <a:effectLst/>
-                        </a:rPr>
-                        <a:t>E4</a:t>
-                      </a:r>
-                      <a:endParaRPr lang="es-MX" sz="1400" b="1" i="0" u="none" strike="noStrike">
-                        <a:solidFill>
-                          <a:srgbClr val="000000"/>
-                        </a:solidFill>
-                        <a:effectLst/>
-                        <a:latin typeface="Calibri" panose="020F0502020204030204" pitchFamily="34" charset="0"/>
-                      </a:endParaRPr>
-                    </a:p>
-                  </a:txBody>
-                  <a:tcPr marL="9525" marR="9525" marT="9525" marB="0" anchor="ctr">
-                    <a:lnL>
-                      <a:noFill/>
-                    </a:lnL>
-                    <a:lnR>
-                      <a:noFill/>
-                    </a:lnR>
-                    <a:lnT>
-                      <a:noFill/>
-                    </a:lnT>
-                    <a:lnB w="12700" cmpd="sng">
-                      <a:solidFill>
-                        <a:srgbClr val="4472C4"/>
-                      </a:solidFill>
-                    </a:lnB>
-                    <a:lnTlToBr w="12700" cmpd="sng">
-                      <a:noFill/>
-                      <a:prstDash val="solid"/>
-                    </a:lnTlToBr>
-                    <a:lnBlToTr w="12700" cmpd="sng">
-                      <a:noFill/>
-                      <a:prstDash val="solid"/>
-                    </a:lnBlToTr>
-                    <a:noFill/>
-                  </a:tcPr>
-                </a:tc>
-                <a:tc>
-                  <a:txBody>
-                    <a:bodyPr/>
-                    <a:lstStyle>
-                      <a:lvl1pPr marL="0" algn="l" defTabSz="914400" rtl="0" eaLnBrk="1" latinLnBrk="0" hangingPunct="1">
-                        <a:defRPr sz="1800" kern="1200">
-                          <a:solidFill>
-                            <a:schemeClr val="tx1"/>
-                          </a:solidFill>
-                          <a:latin typeface="Calibri" panose="020F0502020204030204"/>
-                        </a:defRPr>
-                      </a:lvl1pPr>
-                      <a:lvl2pPr marL="457200" algn="l" defTabSz="914400" rtl="0" eaLnBrk="1" latinLnBrk="0" hangingPunct="1">
-                        <a:defRPr sz="1800" kern="1200">
-                          <a:solidFill>
-                            <a:schemeClr val="tx1"/>
-                          </a:solidFill>
-                          <a:latin typeface="Calibri" panose="020F0502020204030204"/>
-                        </a:defRPr>
-                      </a:lvl2pPr>
-                      <a:lvl3pPr marL="914400" algn="l" defTabSz="914400" rtl="0" eaLnBrk="1" latinLnBrk="0" hangingPunct="1">
-                        <a:defRPr sz="1800" kern="1200">
-                          <a:solidFill>
-                            <a:schemeClr val="tx1"/>
-                          </a:solidFill>
-                          <a:latin typeface="Calibri" panose="020F0502020204030204"/>
-                        </a:defRPr>
-                      </a:lvl3pPr>
-                      <a:lvl4pPr marL="1371600" algn="l" defTabSz="914400" rtl="0" eaLnBrk="1" latinLnBrk="0" hangingPunct="1">
-                        <a:defRPr sz="1800" kern="1200">
-                          <a:solidFill>
-                            <a:schemeClr val="tx1"/>
-                          </a:solidFill>
-                          <a:latin typeface="Calibri" panose="020F0502020204030204"/>
-                        </a:defRPr>
-                      </a:lvl4pPr>
-                      <a:lvl5pPr marL="1828800" algn="l" defTabSz="914400" rtl="0" eaLnBrk="1" latinLnBrk="0" hangingPunct="1">
-                        <a:defRPr sz="1800" kern="1200">
-                          <a:solidFill>
-                            <a:schemeClr val="tx1"/>
-                          </a:solidFill>
-                          <a:latin typeface="Calibri" panose="020F0502020204030204"/>
-                        </a:defRPr>
-                      </a:lvl5pPr>
-                      <a:lvl6pPr marL="2286000" algn="l" defTabSz="914400" rtl="0" eaLnBrk="1" latinLnBrk="0" hangingPunct="1">
-                        <a:defRPr sz="1800" kern="1200">
-                          <a:solidFill>
-                            <a:schemeClr val="tx1"/>
-                          </a:solidFill>
-                          <a:latin typeface="Calibri" panose="020F0502020204030204"/>
-                        </a:defRPr>
-                      </a:lvl6pPr>
-                      <a:lvl7pPr marL="2743200" algn="l" defTabSz="914400" rtl="0" eaLnBrk="1" latinLnBrk="0" hangingPunct="1">
-                        <a:defRPr sz="1800" kern="1200">
-                          <a:solidFill>
-                            <a:schemeClr val="tx1"/>
-                          </a:solidFill>
-                          <a:latin typeface="Calibri" panose="020F0502020204030204"/>
-                        </a:defRPr>
-                      </a:lvl7pPr>
-                      <a:lvl8pPr marL="3200400" algn="l" defTabSz="914400" rtl="0" eaLnBrk="1" latinLnBrk="0" hangingPunct="1">
-                        <a:defRPr sz="1800" kern="1200">
-                          <a:solidFill>
-                            <a:schemeClr val="tx1"/>
-                          </a:solidFill>
-                          <a:latin typeface="Calibri" panose="020F0502020204030204"/>
-                        </a:defRPr>
-                      </a:lvl8pPr>
-                      <a:lvl9pPr marL="3657600" algn="l" defTabSz="914400" rtl="0" eaLnBrk="1" latinLnBrk="0" hangingPunct="1">
-                        <a:defRPr sz="1800" kern="1200">
-                          <a:solidFill>
-                            <a:schemeClr val="tx1"/>
-                          </a:solidFill>
-                          <a:latin typeface="Calibri" panose="020F0502020204030204"/>
-                        </a:defRPr>
-                      </a:lvl9pPr>
-                    </a:lstStyle>
-                    <a:p>
-                      <a:pPr algn="ctr" fontAlgn="ctr"/>
-                      <a:r>
-                        <a:rPr lang="es-MX" sz="1400" b="1" u="none" strike="noStrike">
-                          <a:effectLst/>
-                        </a:rPr>
-                        <a:t>A2 00</a:t>
-                      </a:r>
-                      <a:endParaRPr lang="es-MX" sz="1400" b="1" i="0" u="none" strike="noStrike">
-                        <a:solidFill>
-                          <a:srgbClr val="000000"/>
-                        </a:solidFill>
-                        <a:effectLst/>
-                        <a:latin typeface="Calibri" panose="020F0502020204030204" pitchFamily="34" charset="0"/>
-                      </a:endParaRPr>
-                    </a:p>
-                  </a:txBody>
-                  <a:tcPr marL="9525" marR="9525" marT="9525" marB="0" anchor="ctr">
-                    <a:lnL>
-                      <a:noFill/>
-                    </a:lnL>
-                    <a:lnR>
-                      <a:noFill/>
-                    </a:lnR>
-                    <a:lnT>
-                      <a:noFill/>
-                    </a:lnT>
-                    <a:lnB w="12700" cmpd="sng">
-                      <a:solidFill>
-                        <a:srgbClr val="4472C4"/>
-                      </a:solidFill>
-                    </a:lnB>
-                    <a:lnTlToBr w="12700" cmpd="sng">
-                      <a:noFill/>
-                      <a:prstDash val="solid"/>
-                    </a:lnTlToBr>
-                    <a:lnBlToTr w="12700" cmpd="sng">
-                      <a:noFill/>
-                      <a:prstDash val="solid"/>
-                    </a:lnBlToTr>
-                    <a:noFill/>
-                  </a:tcPr>
-                </a:tc>
-                <a:tc>
-                  <a:txBody>
-                    <a:bodyPr/>
-                    <a:lstStyle>
-                      <a:lvl1pPr marL="0" algn="l" defTabSz="914400" rtl="0" eaLnBrk="1" latinLnBrk="0" hangingPunct="1">
-                        <a:defRPr sz="1800" kern="1200">
-                          <a:solidFill>
-                            <a:schemeClr val="tx1"/>
-                          </a:solidFill>
-                          <a:latin typeface="Calibri" panose="020F0502020204030204"/>
-                        </a:defRPr>
-                      </a:lvl1pPr>
-                      <a:lvl2pPr marL="457200" algn="l" defTabSz="914400" rtl="0" eaLnBrk="1" latinLnBrk="0" hangingPunct="1">
-                        <a:defRPr sz="1800" kern="1200">
-                          <a:solidFill>
-                            <a:schemeClr val="tx1"/>
-                          </a:solidFill>
-                          <a:latin typeface="Calibri" panose="020F0502020204030204"/>
-                        </a:defRPr>
-                      </a:lvl2pPr>
-                      <a:lvl3pPr marL="914400" algn="l" defTabSz="914400" rtl="0" eaLnBrk="1" latinLnBrk="0" hangingPunct="1">
-                        <a:defRPr sz="1800" kern="1200">
-                          <a:solidFill>
-                            <a:schemeClr val="tx1"/>
-                          </a:solidFill>
-                          <a:latin typeface="Calibri" panose="020F0502020204030204"/>
-                        </a:defRPr>
-                      </a:lvl3pPr>
-                      <a:lvl4pPr marL="1371600" algn="l" defTabSz="914400" rtl="0" eaLnBrk="1" latinLnBrk="0" hangingPunct="1">
-                        <a:defRPr sz="1800" kern="1200">
-                          <a:solidFill>
-                            <a:schemeClr val="tx1"/>
-                          </a:solidFill>
-                          <a:latin typeface="Calibri" panose="020F0502020204030204"/>
-                        </a:defRPr>
-                      </a:lvl4pPr>
-                      <a:lvl5pPr marL="1828800" algn="l" defTabSz="914400" rtl="0" eaLnBrk="1" latinLnBrk="0" hangingPunct="1">
-                        <a:defRPr sz="1800" kern="1200">
-                          <a:solidFill>
-                            <a:schemeClr val="tx1"/>
-                          </a:solidFill>
-                          <a:latin typeface="Calibri" panose="020F0502020204030204"/>
-                        </a:defRPr>
-                      </a:lvl5pPr>
-                      <a:lvl6pPr marL="2286000" algn="l" defTabSz="914400" rtl="0" eaLnBrk="1" latinLnBrk="0" hangingPunct="1">
-                        <a:defRPr sz="1800" kern="1200">
-                          <a:solidFill>
-                            <a:schemeClr val="tx1"/>
-                          </a:solidFill>
-                          <a:latin typeface="Calibri" panose="020F0502020204030204"/>
-                        </a:defRPr>
-                      </a:lvl6pPr>
-                      <a:lvl7pPr marL="2743200" algn="l" defTabSz="914400" rtl="0" eaLnBrk="1" latinLnBrk="0" hangingPunct="1">
-                        <a:defRPr sz="1800" kern="1200">
-                          <a:solidFill>
-                            <a:schemeClr val="tx1"/>
-                          </a:solidFill>
-                          <a:latin typeface="Calibri" panose="020F0502020204030204"/>
-                        </a:defRPr>
-                      </a:lvl7pPr>
-                      <a:lvl8pPr marL="3200400" algn="l" defTabSz="914400" rtl="0" eaLnBrk="1" latinLnBrk="0" hangingPunct="1">
-                        <a:defRPr sz="1800" kern="1200">
-                          <a:solidFill>
-                            <a:schemeClr val="tx1"/>
-                          </a:solidFill>
-                          <a:latin typeface="Calibri" panose="020F0502020204030204"/>
-                        </a:defRPr>
-                      </a:lvl8pPr>
-                      <a:lvl9pPr marL="3657600" algn="l" defTabSz="914400" rtl="0" eaLnBrk="1" latinLnBrk="0" hangingPunct="1">
-                        <a:defRPr sz="1800" kern="1200">
-                          <a:solidFill>
-                            <a:schemeClr val="tx1"/>
-                          </a:solidFill>
-                          <a:latin typeface="Calibri" panose="020F0502020204030204"/>
-                        </a:defRPr>
-                      </a:lvl9pPr>
-                    </a:lstStyle>
-                    <a:p>
-                      <a:pPr algn="ctr" fontAlgn="ctr"/>
-                      <a:r>
-                        <a:rPr lang="es-MX" sz="1400" b="1" u="none" strike="noStrike">
-                          <a:effectLst/>
-                        </a:rPr>
-                        <a:t>XX XX</a:t>
-                      </a:r>
-                      <a:endParaRPr lang="es-MX" sz="1400" b="1" i="0" u="none" strike="noStrike">
-                        <a:solidFill>
-                          <a:srgbClr val="000000"/>
-                        </a:solidFill>
-                        <a:effectLst/>
-                        <a:latin typeface="Calibri" panose="020F0502020204030204" pitchFamily="34" charset="0"/>
-                      </a:endParaRPr>
-                    </a:p>
-                  </a:txBody>
-                  <a:tcPr marL="9525" marR="9525" marT="9525" marB="0" anchor="ctr">
-                    <a:lnL>
-                      <a:noFill/>
-                    </a:lnL>
-                    <a:lnR>
-                      <a:noFill/>
-                    </a:lnR>
-                    <a:lnT>
-                      <a:noFill/>
-                    </a:lnT>
-                    <a:lnB w="12700" cmpd="sng">
-                      <a:solidFill>
-                        <a:srgbClr val="4472C4"/>
-                      </a:solidFill>
-                    </a:lnB>
-                    <a:lnTlToBr w="12700" cmpd="sng">
-                      <a:noFill/>
-                      <a:prstDash val="solid"/>
-                    </a:lnTlToBr>
-                    <a:lnBlToTr w="12700" cmpd="sng">
-                      <a:noFill/>
-                      <a:prstDash val="solid"/>
-                    </a:lnBlToTr>
-                    <a:noFill/>
-                  </a:tcPr>
-                </a:tc>
-                <a:tc>
-                  <a:txBody>
-                    <a:bodyPr/>
-                    <a:lstStyle>
-                      <a:lvl1pPr marL="0" algn="l" defTabSz="914400" rtl="0" eaLnBrk="1" latinLnBrk="0" hangingPunct="1">
-                        <a:defRPr sz="1800" kern="1200">
-                          <a:solidFill>
-                            <a:schemeClr val="tx1"/>
-                          </a:solidFill>
-                          <a:latin typeface="Calibri" panose="020F0502020204030204"/>
-                        </a:defRPr>
-                      </a:lvl1pPr>
-                      <a:lvl2pPr marL="457200" algn="l" defTabSz="914400" rtl="0" eaLnBrk="1" latinLnBrk="0" hangingPunct="1">
-                        <a:defRPr sz="1800" kern="1200">
-                          <a:solidFill>
-                            <a:schemeClr val="tx1"/>
-                          </a:solidFill>
-                          <a:latin typeface="Calibri" panose="020F0502020204030204"/>
-                        </a:defRPr>
-                      </a:lvl2pPr>
-                      <a:lvl3pPr marL="914400" algn="l" defTabSz="914400" rtl="0" eaLnBrk="1" latinLnBrk="0" hangingPunct="1">
-                        <a:defRPr sz="1800" kern="1200">
-                          <a:solidFill>
-                            <a:schemeClr val="tx1"/>
-                          </a:solidFill>
-                          <a:latin typeface="Calibri" panose="020F0502020204030204"/>
-                        </a:defRPr>
-                      </a:lvl3pPr>
-                      <a:lvl4pPr marL="1371600" algn="l" defTabSz="914400" rtl="0" eaLnBrk="1" latinLnBrk="0" hangingPunct="1">
-                        <a:defRPr sz="1800" kern="1200">
-                          <a:solidFill>
-                            <a:schemeClr val="tx1"/>
-                          </a:solidFill>
-                          <a:latin typeface="Calibri" panose="020F0502020204030204"/>
-                        </a:defRPr>
-                      </a:lvl4pPr>
-                      <a:lvl5pPr marL="1828800" algn="l" defTabSz="914400" rtl="0" eaLnBrk="1" latinLnBrk="0" hangingPunct="1">
-                        <a:defRPr sz="1800" kern="1200">
-                          <a:solidFill>
-                            <a:schemeClr val="tx1"/>
-                          </a:solidFill>
-                          <a:latin typeface="Calibri" panose="020F0502020204030204"/>
-                        </a:defRPr>
-                      </a:lvl5pPr>
-                      <a:lvl6pPr marL="2286000" algn="l" defTabSz="914400" rtl="0" eaLnBrk="1" latinLnBrk="0" hangingPunct="1">
-                        <a:defRPr sz="1800" kern="1200">
-                          <a:solidFill>
-                            <a:schemeClr val="tx1"/>
-                          </a:solidFill>
-                          <a:latin typeface="Calibri" panose="020F0502020204030204"/>
-                        </a:defRPr>
-                      </a:lvl6pPr>
-                      <a:lvl7pPr marL="2743200" algn="l" defTabSz="914400" rtl="0" eaLnBrk="1" latinLnBrk="0" hangingPunct="1">
-                        <a:defRPr sz="1800" kern="1200">
-                          <a:solidFill>
-                            <a:schemeClr val="tx1"/>
-                          </a:solidFill>
-                          <a:latin typeface="Calibri" panose="020F0502020204030204"/>
-                        </a:defRPr>
-                      </a:lvl7pPr>
-                      <a:lvl8pPr marL="3200400" algn="l" defTabSz="914400" rtl="0" eaLnBrk="1" latinLnBrk="0" hangingPunct="1">
-                        <a:defRPr sz="1800" kern="1200">
-                          <a:solidFill>
-                            <a:schemeClr val="tx1"/>
-                          </a:solidFill>
-                          <a:latin typeface="Calibri" panose="020F0502020204030204"/>
-                        </a:defRPr>
-                      </a:lvl8pPr>
-                      <a:lvl9pPr marL="3657600" algn="l" defTabSz="914400" rtl="0" eaLnBrk="1" latinLnBrk="0" hangingPunct="1">
-                        <a:defRPr sz="1800" kern="1200">
-                          <a:solidFill>
-                            <a:schemeClr val="tx1"/>
-                          </a:solidFill>
-                          <a:latin typeface="Calibri" panose="020F0502020204030204"/>
-                        </a:defRPr>
-                      </a:lvl9pPr>
-                    </a:lstStyle>
-                    <a:p>
-                      <a:pPr algn="ctr" fontAlgn="ctr"/>
-                      <a:r>
-                        <a:rPr lang="es-MX" sz="1400" b="1" u="none" strike="noStrike">
-                          <a:effectLst/>
-                        </a:rPr>
-                        <a:t>XX</a:t>
-                      </a:r>
-                      <a:endParaRPr lang="es-MX" sz="1400" b="1" i="0" u="none" strike="noStrike">
-                        <a:solidFill>
-                          <a:srgbClr val="000000"/>
-                        </a:solidFill>
-                        <a:effectLst/>
-                        <a:latin typeface="Calibri" panose="020F0502020204030204" pitchFamily="34" charset="0"/>
-                      </a:endParaRPr>
-                    </a:p>
-                  </a:txBody>
-                  <a:tcPr marL="9525" marR="9525" marT="9525" marB="0" anchor="ctr">
-                    <a:lnL>
-                      <a:noFill/>
-                    </a:lnL>
-                    <a:lnR>
-                      <a:noFill/>
-                    </a:lnR>
-                    <a:lnT>
-                      <a:noFill/>
-                    </a:lnT>
-                    <a:lnB w="12700" cmpd="sng">
-                      <a:solidFill>
-                        <a:srgbClr val="4472C4"/>
-                      </a:solidFill>
-                    </a:lnB>
-                    <a:lnTlToBr w="12700" cmpd="sng">
-                      <a:noFill/>
-                      <a:prstDash val="solid"/>
-                    </a:lnTlToBr>
-                    <a:lnBlToTr w="12700" cmpd="sng">
-                      <a:noFill/>
-                      <a:prstDash val="solid"/>
-                    </a:lnBlToTr>
-                    <a:noFill/>
-                  </a:tcPr>
-                </a:tc>
-                <a:tc>
-                  <a:txBody>
-                    <a:bodyPr/>
-                    <a:lstStyle>
-                      <a:lvl1pPr marL="0" algn="l" defTabSz="914400" rtl="0" eaLnBrk="1" latinLnBrk="0" hangingPunct="1">
-                        <a:defRPr sz="1800" kern="1200">
-                          <a:solidFill>
-                            <a:schemeClr val="tx1"/>
-                          </a:solidFill>
-                          <a:latin typeface="Calibri" panose="020F0502020204030204"/>
-                        </a:defRPr>
-                      </a:lvl1pPr>
-                      <a:lvl2pPr marL="457200" algn="l" defTabSz="914400" rtl="0" eaLnBrk="1" latinLnBrk="0" hangingPunct="1">
-                        <a:defRPr sz="1800" kern="1200">
-                          <a:solidFill>
-                            <a:schemeClr val="tx1"/>
-                          </a:solidFill>
-                          <a:latin typeface="Calibri" panose="020F0502020204030204"/>
-                        </a:defRPr>
-                      </a:lvl2pPr>
-                      <a:lvl3pPr marL="914400" algn="l" defTabSz="914400" rtl="0" eaLnBrk="1" latinLnBrk="0" hangingPunct="1">
-                        <a:defRPr sz="1800" kern="1200">
-                          <a:solidFill>
-                            <a:schemeClr val="tx1"/>
-                          </a:solidFill>
-                          <a:latin typeface="Calibri" panose="020F0502020204030204"/>
-                        </a:defRPr>
-                      </a:lvl3pPr>
-                      <a:lvl4pPr marL="1371600" algn="l" defTabSz="914400" rtl="0" eaLnBrk="1" latinLnBrk="0" hangingPunct="1">
-                        <a:defRPr sz="1800" kern="1200">
-                          <a:solidFill>
-                            <a:schemeClr val="tx1"/>
-                          </a:solidFill>
-                          <a:latin typeface="Calibri" panose="020F0502020204030204"/>
-                        </a:defRPr>
-                      </a:lvl4pPr>
-                      <a:lvl5pPr marL="1828800" algn="l" defTabSz="914400" rtl="0" eaLnBrk="1" latinLnBrk="0" hangingPunct="1">
-                        <a:defRPr sz="1800" kern="1200">
-                          <a:solidFill>
-                            <a:schemeClr val="tx1"/>
-                          </a:solidFill>
-                          <a:latin typeface="Calibri" panose="020F0502020204030204"/>
-                        </a:defRPr>
-                      </a:lvl5pPr>
-                      <a:lvl6pPr marL="2286000" algn="l" defTabSz="914400" rtl="0" eaLnBrk="1" latinLnBrk="0" hangingPunct="1">
-                        <a:defRPr sz="1800" kern="1200">
-                          <a:solidFill>
-                            <a:schemeClr val="tx1"/>
-                          </a:solidFill>
-                          <a:latin typeface="Calibri" panose="020F0502020204030204"/>
-                        </a:defRPr>
-                      </a:lvl6pPr>
-                      <a:lvl7pPr marL="2743200" algn="l" defTabSz="914400" rtl="0" eaLnBrk="1" latinLnBrk="0" hangingPunct="1">
-                        <a:defRPr sz="1800" kern="1200">
-                          <a:solidFill>
-                            <a:schemeClr val="tx1"/>
-                          </a:solidFill>
-                          <a:latin typeface="Calibri" panose="020F0502020204030204"/>
-                        </a:defRPr>
-                      </a:lvl7pPr>
-                      <a:lvl8pPr marL="3200400" algn="l" defTabSz="914400" rtl="0" eaLnBrk="1" latinLnBrk="0" hangingPunct="1">
-                        <a:defRPr sz="1800" kern="1200">
-                          <a:solidFill>
-                            <a:schemeClr val="tx1"/>
-                          </a:solidFill>
-                          <a:latin typeface="Calibri" panose="020F0502020204030204"/>
-                        </a:defRPr>
-                      </a:lvl8pPr>
-                      <a:lvl9pPr marL="3657600" algn="l" defTabSz="914400" rtl="0" eaLnBrk="1" latinLnBrk="0" hangingPunct="1">
-                        <a:defRPr sz="1800" kern="1200">
-                          <a:solidFill>
-                            <a:schemeClr val="tx1"/>
-                          </a:solidFill>
-                          <a:latin typeface="Calibri" panose="020F0502020204030204"/>
-                        </a:defRPr>
-                      </a:lvl9pPr>
-                    </a:lstStyle>
-                    <a:p>
-                      <a:pPr algn="ctr" fontAlgn="ctr"/>
-                      <a:r>
-                        <a:rPr lang="es-MX" sz="1400" b="1" u="none" strike="noStrike">
-                          <a:effectLst/>
-                        </a:rPr>
-                        <a:t>N</a:t>
-                      </a:r>
-                      <a:endParaRPr lang="es-MX" sz="1400" b="1" i="0" u="none" strike="noStrike">
-                        <a:solidFill>
-                          <a:srgbClr val="000000"/>
-                        </a:solidFill>
-                        <a:effectLst/>
-                        <a:latin typeface="Calibri" panose="020F0502020204030204" pitchFamily="34" charset="0"/>
-                      </a:endParaRPr>
-                    </a:p>
-                  </a:txBody>
-                  <a:tcPr marL="9525" marR="9525" marT="9525" marB="0" anchor="ctr">
-                    <a:lnL>
-                      <a:noFill/>
-                    </a:lnL>
-                    <a:lnR>
-                      <a:noFill/>
-                    </a:lnR>
-                    <a:lnT>
-                      <a:noFill/>
-                    </a:lnT>
-                    <a:lnB w="12700" cmpd="sng">
-                      <a:solidFill>
-                        <a:srgbClr val="4472C4"/>
-                      </a:solidFill>
-                    </a:lnB>
-                    <a:lnTlToBr w="12700" cmpd="sng">
-                      <a:noFill/>
-                      <a:prstDash val="solid"/>
-                    </a:lnTlToBr>
-                    <a:lnBlToTr w="12700" cmpd="sng">
-                      <a:noFill/>
-                      <a:prstDash val="solid"/>
-                    </a:lnBlToTr>
-                    <a:noFill/>
-                  </a:tcPr>
-                </a:tc>
-                <a:tc>
-                  <a:txBody>
-                    <a:bodyPr/>
-                    <a:lstStyle>
-                      <a:lvl1pPr marL="0" algn="l" defTabSz="914400" rtl="0" eaLnBrk="1" latinLnBrk="0" hangingPunct="1">
-                        <a:defRPr sz="1800" kern="1200">
-                          <a:solidFill>
-                            <a:schemeClr val="tx1"/>
-                          </a:solidFill>
-                          <a:latin typeface="Calibri" panose="020F0502020204030204"/>
-                        </a:defRPr>
-                      </a:lvl1pPr>
-                      <a:lvl2pPr marL="457200" algn="l" defTabSz="914400" rtl="0" eaLnBrk="1" latinLnBrk="0" hangingPunct="1">
-                        <a:defRPr sz="1800" kern="1200">
-                          <a:solidFill>
-                            <a:schemeClr val="tx1"/>
-                          </a:solidFill>
-                          <a:latin typeface="Calibri" panose="020F0502020204030204"/>
-                        </a:defRPr>
-                      </a:lvl2pPr>
-                      <a:lvl3pPr marL="914400" algn="l" defTabSz="914400" rtl="0" eaLnBrk="1" latinLnBrk="0" hangingPunct="1">
-                        <a:defRPr sz="1800" kern="1200">
-                          <a:solidFill>
-                            <a:schemeClr val="tx1"/>
-                          </a:solidFill>
-                          <a:latin typeface="Calibri" panose="020F0502020204030204"/>
-                        </a:defRPr>
-                      </a:lvl3pPr>
-                      <a:lvl4pPr marL="1371600" algn="l" defTabSz="914400" rtl="0" eaLnBrk="1" latinLnBrk="0" hangingPunct="1">
-                        <a:defRPr sz="1800" kern="1200">
-                          <a:solidFill>
-                            <a:schemeClr val="tx1"/>
-                          </a:solidFill>
-                          <a:latin typeface="Calibri" panose="020F0502020204030204"/>
-                        </a:defRPr>
-                      </a:lvl4pPr>
-                      <a:lvl5pPr marL="1828800" algn="l" defTabSz="914400" rtl="0" eaLnBrk="1" latinLnBrk="0" hangingPunct="1">
-                        <a:defRPr sz="1800" kern="1200">
-                          <a:solidFill>
-                            <a:schemeClr val="tx1"/>
-                          </a:solidFill>
-                          <a:latin typeface="Calibri" panose="020F0502020204030204"/>
-                        </a:defRPr>
-                      </a:lvl5pPr>
-                      <a:lvl6pPr marL="2286000" algn="l" defTabSz="914400" rtl="0" eaLnBrk="1" latinLnBrk="0" hangingPunct="1">
-                        <a:defRPr sz="1800" kern="1200">
-                          <a:solidFill>
-                            <a:schemeClr val="tx1"/>
-                          </a:solidFill>
-                          <a:latin typeface="Calibri" panose="020F0502020204030204"/>
-                        </a:defRPr>
-                      </a:lvl6pPr>
-                      <a:lvl7pPr marL="2743200" algn="l" defTabSz="914400" rtl="0" eaLnBrk="1" latinLnBrk="0" hangingPunct="1">
-                        <a:defRPr sz="1800" kern="1200">
-                          <a:solidFill>
-                            <a:schemeClr val="tx1"/>
-                          </a:solidFill>
-                          <a:latin typeface="Calibri" panose="020F0502020204030204"/>
-                        </a:defRPr>
-                      </a:lvl7pPr>
-                      <a:lvl8pPr marL="3200400" algn="l" defTabSz="914400" rtl="0" eaLnBrk="1" latinLnBrk="0" hangingPunct="1">
-                        <a:defRPr sz="1800" kern="1200">
-                          <a:solidFill>
-                            <a:schemeClr val="tx1"/>
-                          </a:solidFill>
-                          <a:latin typeface="Calibri" panose="020F0502020204030204"/>
-                        </a:defRPr>
-                      </a:lvl8pPr>
-                      <a:lvl9pPr marL="3657600" algn="l" defTabSz="914400" rtl="0" eaLnBrk="1" latinLnBrk="0" hangingPunct="1">
-                        <a:defRPr sz="1800" kern="1200">
-                          <a:solidFill>
-                            <a:schemeClr val="tx1"/>
-                          </a:solidFill>
-                          <a:latin typeface="Calibri" panose="020F0502020204030204"/>
-                        </a:defRPr>
-                      </a:lvl9pPr>
-                    </a:lstStyle>
-                    <a:p>
-                      <a:pPr algn="ctr" fontAlgn="ctr"/>
-                      <a:r>
-                        <a:rPr lang="es-MX" sz="1400" b="1" u="none" strike="noStrike">
-                          <a:effectLst/>
-                        </a:rPr>
-                        <a:t>XX XX</a:t>
-                      </a:r>
-                      <a:endParaRPr lang="es-MX" sz="1400" b="1" i="0" u="none" strike="noStrike">
-                        <a:solidFill>
-                          <a:srgbClr val="000000"/>
-                        </a:solidFill>
-                        <a:effectLst/>
-                        <a:latin typeface="Calibri" panose="020F0502020204030204" pitchFamily="34" charset="0"/>
-                      </a:endParaRPr>
-                    </a:p>
-                  </a:txBody>
-                  <a:tcPr marL="9525" marR="9525" marT="9525" marB="0" anchor="ctr">
-                    <a:lnL>
-                      <a:noFill/>
-                    </a:lnL>
-                    <a:lnR>
-                      <a:noFill/>
-                    </a:lnR>
-                    <a:lnT>
-                      <a:noFill/>
-                    </a:lnT>
-                    <a:lnB w="12700" cmpd="sng">
-                      <a:solidFill>
-                        <a:srgbClr val="4472C4"/>
-                      </a:solidFill>
-                    </a:lnB>
-                    <a:lnTlToBr w="12700" cmpd="sng">
-                      <a:noFill/>
-                      <a:prstDash val="solid"/>
-                    </a:lnTlToBr>
-                    <a:lnBlToTr w="12700" cmpd="sng">
-                      <a:noFill/>
-                      <a:prstDash val="solid"/>
-                    </a:lnBlToTr>
-                    <a:noFill/>
-                  </a:tcPr>
-                </a:tc>
-                <a:tc>
-                  <a:txBody>
-                    <a:bodyPr/>
-                    <a:lstStyle>
-                      <a:lvl1pPr marL="0" algn="l" defTabSz="914400" rtl="0" eaLnBrk="1" latinLnBrk="0" hangingPunct="1">
-                        <a:defRPr sz="1800" kern="1200">
-                          <a:solidFill>
-                            <a:schemeClr val="tx1"/>
-                          </a:solidFill>
-                          <a:latin typeface="Calibri" panose="020F0502020204030204"/>
-                        </a:defRPr>
-                      </a:lvl1pPr>
-                      <a:lvl2pPr marL="457200" algn="l" defTabSz="914400" rtl="0" eaLnBrk="1" latinLnBrk="0" hangingPunct="1">
-                        <a:defRPr sz="1800" kern="1200">
-                          <a:solidFill>
-                            <a:schemeClr val="tx1"/>
-                          </a:solidFill>
-                          <a:latin typeface="Calibri" panose="020F0502020204030204"/>
-                        </a:defRPr>
-                      </a:lvl2pPr>
-                      <a:lvl3pPr marL="914400" algn="l" defTabSz="914400" rtl="0" eaLnBrk="1" latinLnBrk="0" hangingPunct="1">
-                        <a:defRPr sz="1800" kern="1200">
-                          <a:solidFill>
-                            <a:schemeClr val="tx1"/>
-                          </a:solidFill>
-                          <a:latin typeface="Calibri" panose="020F0502020204030204"/>
-                        </a:defRPr>
-                      </a:lvl3pPr>
-                      <a:lvl4pPr marL="1371600" algn="l" defTabSz="914400" rtl="0" eaLnBrk="1" latinLnBrk="0" hangingPunct="1">
-                        <a:defRPr sz="1800" kern="1200">
-                          <a:solidFill>
-                            <a:schemeClr val="tx1"/>
-                          </a:solidFill>
-                          <a:latin typeface="Calibri" panose="020F0502020204030204"/>
-                        </a:defRPr>
-                      </a:lvl4pPr>
-                      <a:lvl5pPr marL="1828800" algn="l" defTabSz="914400" rtl="0" eaLnBrk="1" latinLnBrk="0" hangingPunct="1">
-                        <a:defRPr sz="1800" kern="1200">
-                          <a:solidFill>
-                            <a:schemeClr val="tx1"/>
-                          </a:solidFill>
-                          <a:latin typeface="Calibri" panose="020F0502020204030204"/>
-                        </a:defRPr>
-                      </a:lvl5pPr>
-                      <a:lvl6pPr marL="2286000" algn="l" defTabSz="914400" rtl="0" eaLnBrk="1" latinLnBrk="0" hangingPunct="1">
-                        <a:defRPr sz="1800" kern="1200">
-                          <a:solidFill>
-                            <a:schemeClr val="tx1"/>
-                          </a:solidFill>
-                          <a:latin typeface="Calibri" panose="020F0502020204030204"/>
-                        </a:defRPr>
-                      </a:lvl6pPr>
-                      <a:lvl7pPr marL="2743200" algn="l" defTabSz="914400" rtl="0" eaLnBrk="1" latinLnBrk="0" hangingPunct="1">
-                        <a:defRPr sz="1800" kern="1200">
-                          <a:solidFill>
-                            <a:schemeClr val="tx1"/>
-                          </a:solidFill>
-                          <a:latin typeface="Calibri" panose="020F0502020204030204"/>
-                        </a:defRPr>
-                      </a:lvl7pPr>
-                      <a:lvl8pPr marL="3200400" algn="l" defTabSz="914400" rtl="0" eaLnBrk="1" latinLnBrk="0" hangingPunct="1">
-                        <a:defRPr sz="1800" kern="1200">
-                          <a:solidFill>
-                            <a:schemeClr val="tx1"/>
-                          </a:solidFill>
-                          <a:latin typeface="Calibri" panose="020F0502020204030204"/>
-                        </a:defRPr>
-                      </a:lvl8pPr>
-                      <a:lvl9pPr marL="3657600" algn="l" defTabSz="914400" rtl="0" eaLnBrk="1" latinLnBrk="0" hangingPunct="1">
-                        <a:defRPr sz="1800" kern="1200">
-                          <a:solidFill>
-                            <a:schemeClr val="tx1"/>
-                          </a:solidFill>
-                          <a:latin typeface="Calibri" panose="020F0502020204030204"/>
-                        </a:defRPr>
-                      </a:lvl9pPr>
-                    </a:lstStyle>
-                    <a:p>
-                      <a:pPr algn="ctr" fontAlgn="ctr"/>
-                      <a:r>
-                        <a:rPr lang="es-MX" sz="1400" b="1" u="none" strike="noStrike" dirty="0">
-                          <a:effectLst/>
-                        </a:rPr>
-                        <a:t>E3</a:t>
-                      </a:r>
-                      <a:endParaRPr lang="es-MX" sz="1400" b="1" i="0" u="none" strike="noStrike" dirty="0">
-                        <a:solidFill>
-                          <a:srgbClr val="000000"/>
-                        </a:solidFill>
-                        <a:effectLst/>
-                        <a:latin typeface="Calibri" panose="020F0502020204030204" pitchFamily="34" charset="0"/>
-                      </a:endParaRPr>
-                    </a:p>
-                  </a:txBody>
-                  <a:tcPr marL="9525" marR="9525" marT="9525" marB="0" anchor="ctr">
-                    <a:lnL>
-                      <a:noFill/>
-                    </a:lnL>
-                    <a:lnR>
-                      <a:noFill/>
-                    </a:lnR>
-                    <a:lnT>
-                      <a:noFill/>
-                    </a:lnT>
-                    <a:lnB w="12700" cmpd="sng">
-                      <a:solidFill>
-                        <a:srgbClr val="4472C4"/>
-                      </a:solidFill>
-                    </a:lnB>
-                    <a:lnTlToBr w="12700" cmpd="sng">
-                      <a:noFill/>
-                      <a:prstDash val="solid"/>
-                    </a:lnTlToBr>
-                    <a:lnBlToTr w="12700" cmpd="sng">
-                      <a:noFill/>
-                      <a:prstDash val="solid"/>
-                    </a:lnBlToTr>
-                    <a:noFill/>
-                  </a:tcPr>
-                </a:tc>
-                <a:extLst>
-                  <a:ext uri="{0D108BD9-81ED-4DB2-BD59-A6C34878D82A}">
-                    <a16:rowId xmlns:a16="http://schemas.microsoft.com/office/drawing/2014/main" val="3042597707"/>
-                  </a:ext>
-                </a:extLst>
-              </a:tr>
-            </a:tbl>
-          </a:graphicData>
-        </a:graphic>
-      </p:graphicFrame>
-      <p:sp>
-        <p:nvSpPr>
-          <p:cNvPr id="8" name="TextBox 7">
-            <a:extLst>
-              <a:ext uri="{FF2B5EF4-FFF2-40B4-BE49-F238E27FC236}">
-                <a16:creationId xmlns:a16="http://schemas.microsoft.com/office/drawing/2014/main" id="{C325D028-F3EF-4A9F-9C50-6117D4D38377}"/>
-              </a:ext>
-            </a:extLst>
-          </p:cNvPr>
-          <p:cNvSpPr txBox="1"/>
-          <p:nvPr/>
-        </p:nvSpPr>
-        <p:spPr>
-          <a:xfrm>
-            <a:off x="502021" y="4817030"/>
-            <a:ext cx="11187953" cy="506292"/>
-          </a:xfrm>
-          <a:prstGeom prst="rect">
-            <a:avLst/>
-          </a:prstGeom>
-          <a:noFill/>
-        </p:spPr>
-        <p:txBody>
-          <a:bodyPr wrap="square" rtlCol="0">
-            <a:spAutoFit/>
-          </a:bodyPr>
-          <a:lstStyle/>
-          <a:p>
-            <a:pPr algn="just">
-              <a:lnSpc>
-                <a:spcPct val="150000"/>
-              </a:lnSpc>
-            </a:pPr>
-            <a:r>
-              <a:rPr lang="es-MX" sz="2000" dirty="0"/>
-              <a:t>En este caso ERD DATA SIZE, es la cantidad de bytes que serán escritos en Dato. </a:t>
-            </a:r>
-          </a:p>
-        </p:txBody>
-      </p:sp>
-    </p:spTree>
-    <p:extLst>
-      <p:ext uri="{BB962C8B-B14F-4D97-AF65-F5344CB8AC3E}">
-        <p14:creationId xmlns:p14="http://schemas.microsoft.com/office/powerpoint/2010/main" val="2335322067"/>
       </p:ext>
     </p:extLst>
   </p:cSld>

--- a/GEA3 Python.pptx
+++ b/GEA3 Python.pptx
@@ -5,7 +5,7 @@
     <p:sldMasterId id="2147483672" r:id="rId4"/>
   </p:sldMasterIdLst>
   <p:notesMasterIdLst>
-    <p:notesMasterId r:id="rId18"/>
+    <p:notesMasterId r:id="rId19"/>
   </p:notesMasterIdLst>
   <p:sldIdLst>
     <p:sldId id="256" r:id="rId5"/>
@@ -21,6 +21,7 @@
     <p:sldId id="260" r:id="rId15"/>
     <p:sldId id="265" r:id="rId16"/>
     <p:sldId id="267" r:id="rId17"/>
+    <p:sldId id="269" r:id="rId18"/>
   </p:sldIdLst>
   <p:sldSz cx="12192000" cy="6858000"/>
   <p:notesSz cx="6858000" cy="9144000"/>
@@ -221,7 +222,7 @@
           <a:p>
             <a:fld id="{71104704-7787-4C35-BD96-1DBCE682FE16}" type="datetimeFigureOut">
               <a:rPr lang="es-MX" smtClean="0"/>
-              <a:t>08/03/2023</a:t>
+              <a:t>09/03/2023</a:t>
             </a:fld>
             <a:endParaRPr lang="es-MX"/>
           </a:p>
@@ -7581,6 +7582,86 @@
           </a:prstGeom>
         </p:spPr>
       </p:pic>
+      <p:sp>
+        <p:nvSpPr>
+          <p:cNvPr id="3" name="TextBox 2">
+            <a:extLst>
+              <a:ext uri="{FF2B5EF4-FFF2-40B4-BE49-F238E27FC236}">
+                <a16:creationId xmlns:a16="http://schemas.microsoft.com/office/drawing/2014/main" id="{CF6349AA-7092-4EA4-9FF5-11A4AAF858E1}"/>
+              </a:ext>
+            </a:extLst>
+          </p:cNvPr>
+          <p:cNvSpPr txBox="1"/>
+          <p:nvPr/>
+        </p:nvSpPr>
+        <p:spPr>
+          <a:xfrm>
+            <a:off x="502023" y="1103120"/>
+            <a:ext cx="11187953" cy="1429622"/>
+          </a:xfrm>
+          <a:prstGeom prst="rect">
+            <a:avLst/>
+          </a:prstGeom>
+          <a:noFill/>
+        </p:spPr>
+        <p:txBody>
+          <a:bodyPr wrap="square" rtlCol="0">
+            <a:spAutoFit/>
+          </a:bodyPr>
+          <a:lstStyle/>
+          <a:p>
+            <a:pPr algn="just">
+              <a:lnSpc>
+                <a:spcPct val="150000"/>
+              </a:lnSpc>
+            </a:pPr>
+            <a:r>
+              <a:rPr lang="es-MX" sz="2000" dirty="0"/>
+              <a:t>En el siguiente código se observa la construcción de la trama de datos para el </a:t>
+            </a:r>
+            <a:r>
+              <a:rPr lang="es-MX" sz="2000" dirty="0" err="1"/>
+              <a:t>resquest</a:t>
+            </a:r>
+            <a:r>
+              <a:rPr lang="es-MX" sz="2000" dirty="0"/>
+              <a:t> de la escritura, en el cual ya se tiene definido el bit de inicio, </a:t>
+            </a:r>
+            <a:r>
+              <a:rPr lang="es-MX" sz="2000" dirty="0" err="1"/>
+              <a:t>src</a:t>
+            </a:r>
+            <a:r>
+              <a:rPr lang="es-MX" sz="2000" dirty="0"/>
+              <a:t>, </a:t>
+            </a:r>
+            <a:r>
+              <a:rPr lang="es-MX" sz="2000" dirty="0" err="1"/>
+              <a:t>cmd</a:t>
+            </a:r>
+            <a:r>
+              <a:rPr lang="es-MX" sz="2000" dirty="0"/>
+              <a:t> y el bit de Stop, ya solo se hace el cálculo de </a:t>
+            </a:r>
+            <a:r>
+              <a:rPr lang="es-MX" sz="2000" dirty="0" err="1"/>
+              <a:t>crc</a:t>
+            </a:r>
+            <a:r>
+              <a:rPr lang="es-MX" sz="2000" dirty="0"/>
+              <a:t> y la longitud de la trama, además de concatenar el ERD y </a:t>
+            </a:r>
+            <a:r>
+              <a:rPr lang="es-MX" sz="2000" dirty="0" err="1"/>
+              <a:t>Dst</a:t>
+            </a:r>
+            <a:r>
+              <a:rPr lang="es-MX" sz="2000" dirty="0"/>
+              <a:t> y Dato definida por el usuario.</a:t>
+            </a:r>
+          </a:p>
+        </p:txBody>
+      </p:sp>
     </p:spTree>
     <p:extLst>
       <p:ext uri="{BB962C8B-B14F-4D97-AF65-F5344CB8AC3E}">
@@ -7632,8 +7713,148 @@
         </p:blipFill>
         <p:spPr>
           <a:xfrm>
-            <a:off x="3707016" y="2292992"/>
-            <a:ext cx="4777967" cy="4172532"/>
+            <a:off x="3949382" y="2768122"/>
+            <a:ext cx="4293231" cy="3749219"/>
+          </a:xfrm>
+          <a:prstGeom prst="rect">
+            <a:avLst/>
+          </a:prstGeom>
+        </p:spPr>
+      </p:pic>
+      <p:sp>
+        <p:nvSpPr>
+          <p:cNvPr id="3" name="TextBox 2">
+            <a:extLst>
+              <a:ext uri="{FF2B5EF4-FFF2-40B4-BE49-F238E27FC236}">
+                <a16:creationId xmlns:a16="http://schemas.microsoft.com/office/drawing/2014/main" id="{B3CF6321-1AE6-49F2-8845-0497313F7684}"/>
+              </a:ext>
+            </a:extLst>
+          </p:cNvPr>
+          <p:cNvSpPr txBox="1"/>
+          <p:nvPr/>
+        </p:nvSpPr>
+        <p:spPr>
+          <a:xfrm>
+            <a:off x="502022" y="1186100"/>
+            <a:ext cx="11187953" cy="1429622"/>
+          </a:xfrm>
+          <a:prstGeom prst="rect">
+            <a:avLst/>
+          </a:prstGeom>
+          <a:noFill/>
+        </p:spPr>
+        <p:txBody>
+          <a:bodyPr wrap="square" rtlCol="0">
+            <a:spAutoFit/>
+          </a:bodyPr>
+          <a:lstStyle/>
+          <a:p>
+            <a:pPr algn="just">
+              <a:lnSpc>
+                <a:spcPct val="150000"/>
+              </a:lnSpc>
+            </a:pPr>
+            <a:r>
+              <a:rPr lang="es-MX" sz="2000" dirty="0"/>
+              <a:t>En este caso para la escritura de la trama y lectura del response, la función es muy similar que el de la lectura, el único cambio que se tiene es eliminar espacios en dato, además que se usa la estructura para la escritura.</a:t>
+            </a:r>
+          </a:p>
+        </p:txBody>
+      </p:sp>
+    </p:spTree>
+    <p:extLst>
+      <p:ext uri="{BB962C8B-B14F-4D97-AF65-F5344CB8AC3E}">
+        <p14:creationId xmlns:p14="http://schemas.microsoft.com/office/powerpoint/2010/main" val="3327956550"/>
+      </p:ext>
+    </p:extLst>
+  </p:cSld>
+  <p:clrMapOvr>
+    <a:masterClrMapping/>
+  </p:clrMapOvr>
+</p:sld>
+</file>
+
+<file path=ppt/slides/slide14.xml><?xml version="1.0" encoding="utf-8"?>
+<p:sld xmlns:a="http://schemas.openxmlformats.org/drawingml/2006/main" xmlns:r="http://schemas.openxmlformats.org/officeDocument/2006/relationships" xmlns:p="http://schemas.openxmlformats.org/presentationml/2006/main">
+  <p:cSld>
+    <p:spTree>
+      <p:nvGrpSpPr>
+        <p:cNvPr id="1" name=""/>
+        <p:cNvGrpSpPr/>
+        <p:nvPr/>
+      </p:nvGrpSpPr>
+      <p:grpSpPr>
+        <a:xfrm>
+          <a:off x="0" y="0"/>
+          <a:ext cx="0" cy="0"/>
+          <a:chOff x="0" y="0"/>
+          <a:chExt cx="0" cy="0"/>
+        </a:xfrm>
+      </p:grpSpPr>
+      <p:sp>
+        <p:nvSpPr>
+          <p:cNvPr id="2" name="TextBox 1">
+            <a:extLst>
+              <a:ext uri="{FF2B5EF4-FFF2-40B4-BE49-F238E27FC236}">
+                <a16:creationId xmlns:a16="http://schemas.microsoft.com/office/drawing/2014/main" id="{881A730F-C681-479A-8B89-20ED1AF42E17}"/>
+              </a:ext>
+            </a:extLst>
+          </p:cNvPr>
+          <p:cNvSpPr txBox="1"/>
+          <p:nvPr/>
+        </p:nvSpPr>
+        <p:spPr>
+          <a:xfrm>
+            <a:off x="502022" y="1186100"/>
+            <a:ext cx="11187953" cy="1429622"/>
+          </a:xfrm>
+          <a:prstGeom prst="rect">
+            <a:avLst/>
+          </a:prstGeom>
+          <a:noFill/>
+        </p:spPr>
+        <p:txBody>
+          <a:bodyPr wrap="square" rtlCol="0">
+            <a:spAutoFit/>
+          </a:bodyPr>
+          <a:lstStyle/>
+          <a:p>
+            <a:pPr algn="just">
+              <a:lnSpc>
+                <a:spcPct val="150000"/>
+              </a:lnSpc>
+            </a:pPr>
+            <a:r>
+              <a:rPr lang="es-MX" sz="2000" dirty="0"/>
+              <a:t>Por último también se tiene la función para validar la longitud del ERD, el cuál tiene la función de completar con ceros a la izquierda si la longitud del ERD es menor que cuatro y también de mandar un fallo si el tamaño del ERD es mayor que cuatro.</a:t>
+            </a:r>
+          </a:p>
+        </p:txBody>
+      </p:sp>
+      <p:pic>
+        <p:nvPicPr>
+          <p:cNvPr id="4" name="Picture 3">
+            <a:extLst>
+              <a:ext uri="{FF2B5EF4-FFF2-40B4-BE49-F238E27FC236}">
+                <a16:creationId xmlns:a16="http://schemas.microsoft.com/office/drawing/2014/main" id="{A9A2287A-7FAC-49C9-83EE-0026FD60AD06}"/>
+              </a:ext>
+            </a:extLst>
+          </p:cNvPr>
+          <p:cNvPicPr>
+            <a:picLocks noChangeAspect="1"/>
+          </p:cNvPicPr>
+          <p:nvPr/>
+        </p:nvPicPr>
+        <p:blipFill>
+          <a:blip r:embed="rId2"/>
+          <a:stretch>
+            <a:fillRect/>
+          </a:stretch>
+        </p:blipFill>
+        <p:spPr>
+          <a:xfrm>
+            <a:off x="3840647" y="3052482"/>
+            <a:ext cx="4510702" cy="2227507"/>
           </a:xfrm>
           <a:prstGeom prst="rect">
             <a:avLst/>
@@ -7643,7 +7864,7 @@
     </p:spTree>
     <p:extLst>
       <p:ext uri="{BB962C8B-B14F-4D97-AF65-F5344CB8AC3E}">
-        <p14:creationId xmlns:p14="http://schemas.microsoft.com/office/powerpoint/2010/main" val="3327956550"/>
+        <p14:creationId xmlns:p14="http://schemas.microsoft.com/office/powerpoint/2010/main" val="1810792743"/>
       </p:ext>
     </p:extLst>
   </p:cSld>
@@ -7838,8 +8059,133 @@
         </p:blipFill>
         <p:spPr bwMode="auto">
           <a:xfrm>
-            <a:off x="4010025" y="2981325"/>
-            <a:ext cx="4171950" cy="1809750"/>
+            <a:off x="4457208" y="2262354"/>
+            <a:ext cx="3277579" cy="1421781"/>
+          </a:xfrm>
+          <a:prstGeom prst="rect">
+            <a:avLst/>
+          </a:prstGeom>
+          <a:noFill/>
+          <a:extLst>
+            <a:ext uri="{909E8E84-426E-40DD-AFC4-6F175D3DCCD1}">
+              <a14:hiddenFill xmlns:a14="http://schemas.microsoft.com/office/drawing/2010/main">
+                <a:solidFill>
+                  <a:srgbClr val="FFFFFF"/>
+                </a:solidFill>
+              </a14:hiddenFill>
+            </a:ext>
+          </a:extLst>
+        </p:spPr>
+      </p:pic>
+      <p:sp>
+        <p:nvSpPr>
+          <p:cNvPr id="3" name="TextBox 2">
+            <a:extLst>
+              <a:ext uri="{FF2B5EF4-FFF2-40B4-BE49-F238E27FC236}">
+                <a16:creationId xmlns:a16="http://schemas.microsoft.com/office/drawing/2014/main" id="{6C0AB3B7-C59F-4D77-B816-1372A326A1D0}"/>
+              </a:ext>
+            </a:extLst>
+          </p:cNvPr>
+          <p:cNvSpPr txBox="1"/>
+          <p:nvPr/>
+        </p:nvSpPr>
+        <p:spPr>
+          <a:xfrm>
+            <a:off x="502023" y="1231555"/>
+            <a:ext cx="11187953" cy="967957"/>
+          </a:xfrm>
+          <a:prstGeom prst="rect">
+            <a:avLst/>
+          </a:prstGeom>
+          <a:noFill/>
+        </p:spPr>
+        <p:txBody>
+          <a:bodyPr wrap="square" rtlCol="0">
+            <a:spAutoFit/>
+          </a:bodyPr>
+          <a:lstStyle/>
+          <a:p>
+            <a:pPr algn="just">
+              <a:lnSpc>
+                <a:spcPct val="150000"/>
+              </a:lnSpc>
+            </a:pPr>
+            <a:r>
+              <a:rPr lang="es-MX" sz="2000" dirty="0"/>
+              <a:t>Para el caso de la conexión física, su conexión es la estándar de la comunicación serial, ya que solo se necesita TX, RX Y GND, la cuál se hace la conexión como se muestra en la siguiente imagen.</a:t>
+            </a:r>
+          </a:p>
+        </p:txBody>
+      </p:sp>
+      <p:sp>
+        <p:nvSpPr>
+          <p:cNvPr id="4" name="TextBox 3">
+            <a:extLst>
+              <a:ext uri="{FF2B5EF4-FFF2-40B4-BE49-F238E27FC236}">
+                <a16:creationId xmlns:a16="http://schemas.microsoft.com/office/drawing/2014/main" id="{3B934E9C-459A-4FD6-8337-D74EA711DA6C}"/>
+              </a:ext>
+            </a:extLst>
+          </p:cNvPr>
+          <p:cNvSpPr txBox="1"/>
+          <p:nvPr/>
+        </p:nvSpPr>
+        <p:spPr>
+          <a:xfrm>
+            <a:off x="502023" y="3746977"/>
+            <a:ext cx="11187953" cy="506292"/>
+          </a:xfrm>
+          <a:prstGeom prst="rect">
+            <a:avLst/>
+          </a:prstGeom>
+          <a:noFill/>
+        </p:spPr>
+        <p:txBody>
+          <a:bodyPr wrap="square" rtlCol="0">
+            <a:spAutoFit/>
+          </a:bodyPr>
+          <a:lstStyle/>
+          <a:p>
+            <a:pPr algn="just">
+              <a:lnSpc>
+                <a:spcPct val="150000"/>
+              </a:lnSpc>
+            </a:pPr>
+            <a:r>
+              <a:rPr lang="es-MX" sz="2000" dirty="0"/>
+              <a:t>Para ello se usó un convertidor UBS a TTL al cable RJ45</a:t>
+            </a:r>
+          </a:p>
+        </p:txBody>
+      </p:sp>
+      <p:pic>
+        <p:nvPicPr>
+          <p:cNvPr id="1028" name="Picture 4" descr="Multimedia">
+            <a:extLst>
+              <a:ext uri="{FF2B5EF4-FFF2-40B4-BE49-F238E27FC236}">
+                <a16:creationId xmlns:a16="http://schemas.microsoft.com/office/drawing/2014/main" id="{9EB67BCB-0FC0-4AA1-B5F5-C06A41F6D5E1}"/>
+              </a:ext>
+            </a:extLst>
+          </p:cNvPr>
+          <p:cNvPicPr>
+            <a:picLocks noChangeAspect="1" noChangeArrowheads="1"/>
+          </p:cNvPicPr>
+          <p:nvPr/>
+        </p:nvPicPr>
+        <p:blipFill rotWithShape="1">
+          <a:blip r:embed="rId3" cstate="print">
+            <a:extLst>
+              <a:ext uri="{28A0092B-C50C-407E-A947-70E740481C1C}">
+                <a14:useLocalDpi xmlns:a14="http://schemas.microsoft.com/office/drawing/2010/main" val="0"/>
+              </a:ext>
+            </a:extLst>
+          </a:blip>
+          <a:srcRect l="32397" t="35033" b="27974"/>
+          <a:stretch/>
+        </p:blipFill>
+        <p:spPr bwMode="auto">
+          <a:xfrm>
+            <a:off x="4686157" y="4490225"/>
+            <a:ext cx="2819679" cy="2057285"/>
           </a:xfrm>
           <a:prstGeom prst="rect">
             <a:avLst/>
@@ -9313,13 +9659,8 @@
             </a:r>
             <a:r>
               <a:rPr lang="es-MX" sz="2000" dirty="0"/>
-              <a:t> se calcula con los siguientes datos de la </a:t>
+              <a:t> se calcula con los siguientes datos de la trama:</a:t>
             </a:r>
-            <a:r>
-              <a:rPr lang="es-MX" sz="2000" dirty="0" err="1"/>
-              <a:t>trama:C</a:t>
-            </a:r>
-            <a:endParaRPr lang="es-MX" sz="2000" dirty="0"/>
           </a:p>
         </p:txBody>
       </p:sp>
@@ -11152,7 +11493,7 @@
         </p:blipFill>
         <p:spPr>
           <a:xfrm>
-            <a:off x="4145407" y="3045574"/>
+            <a:off x="4145405" y="2973857"/>
             <a:ext cx="3901185" cy="3337297"/>
           </a:xfrm>
           <a:prstGeom prst="rect">
@@ -11203,7 +11544,7 @@
             </a:r>
             <a:r>
               <a:rPr lang="es-MX" sz="2000" dirty="0"/>
-              <a:t>, donde se le da de parámetro la trama construida para su cálculo y este retorna el </a:t>
+              <a:t>, donde se le da de parámetro la trama mencionada anteriormente para su cálculo y este retorna el valor del </a:t>
             </a:r>
             <a:r>
               <a:rPr lang="es-MX" sz="2000" dirty="0" err="1"/>
@@ -11219,7 +11560,7 @@
             </a:r>
             <a:r>
               <a:rPr lang="es-MX" sz="2000" dirty="0"/>
-              <a:t>, además de que este valor siempre será de 2 bytes de longitud</a:t>
+              <a:t>, además de que este valor siempre será de 2 bytes de longitud. </a:t>
             </a:r>
           </a:p>
         </p:txBody>
@@ -17492,6 +17833,54 @@
           </a:prstGeom>
         </p:spPr>
       </p:pic>
+      <p:sp>
+        <p:nvSpPr>
+          <p:cNvPr id="3" name="TextBox 2">
+            <a:extLst>
+              <a:ext uri="{FF2B5EF4-FFF2-40B4-BE49-F238E27FC236}">
+                <a16:creationId xmlns:a16="http://schemas.microsoft.com/office/drawing/2014/main" id="{C3E27E45-2A4B-4DB8-92EB-06289B8E1B69}"/>
+              </a:ext>
+            </a:extLst>
+          </p:cNvPr>
+          <p:cNvSpPr txBox="1"/>
+          <p:nvPr/>
+        </p:nvSpPr>
+        <p:spPr>
+          <a:xfrm>
+            <a:off x="502023" y="1246555"/>
+            <a:ext cx="11187953" cy="967957"/>
+          </a:xfrm>
+          <a:prstGeom prst="rect">
+            <a:avLst/>
+          </a:prstGeom>
+          <a:noFill/>
+        </p:spPr>
+        <p:txBody>
+          <a:bodyPr wrap="square" rtlCol="0">
+            <a:spAutoFit/>
+          </a:bodyPr>
+          <a:lstStyle/>
+          <a:p>
+            <a:pPr algn="just">
+              <a:lnSpc>
+                <a:spcPct val="150000"/>
+              </a:lnSpc>
+            </a:pPr>
+            <a:r>
+              <a:rPr lang="es-MX" sz="2000" dirty="0"/>
+              <a:t>La siguiente función, es la que se encarga de escribir la trama y leer la respuesta, para esto entra dentro un ciclo </a:t>
+            </a:r>
+            <a:r>
+              <a:rPr lang="es-MX" sz="2000" dirty="0" err="1"/>
+              <a:t>while</a:t>
+            </a:r>
+            <a:r>
+              <a:rPr lang="es-MX" sz="2000" dirty="0"/>
+              <a:t> para leer de byte en byte y salir en cuanto encuentre el bit de paro o encontrar una byte vacío. </a:t>
+            </a:r>
+          </a:p>
+        </p:txBody>
+      </p:sp>
     </p:spTree>
     <p:extLst>
       <p:ext uri="{BB962C8B-B14F-4D97-AF65-F5344CB8AC3E}">
@@ -18058,6 +18447,15 @@
 </file>
 
 <file path=customXml/item2.xml><?xml version="1.0" encoding="utf-8"?>
+<?mso-contentType ?>
+<FormTemplates xmlns="http://schemas.microsoft.com/sharepoint/v3/contenttype/forms">
+  <Display>DocumentLibraryForm</Display>
+  <Edit>DocumentLibraryForm</Edit>
+  <New>DocumentLibraryForm</New>
+</FormTemplates>
+</file>
+
+<file path=customXml/item3.xml><?xml version="1.0" encoding="utf-8"?>
 <ct:contentTypeSchema xmlns:ct="http://schemas.microsoft.com/office/2006/metadata/contentType" xmlns:ma="http://schemas.microsoft.com/office/2006/metadata/properties/metaAttributes" ct:_="" ma:_="" ma:contentTypeName="Documento" ma:contentTypeID="0x010100980E67F9E161EA4FA57F1D7A7D4BC8AD" ma:contentTypeVersion="2" ma:contentTypeDescription="Crear nuevo documento." ma:contentTypeScope="" ma:versionID="e80381d13a1c7d17d0532dbd7387dd0d">
   <xsd:schema xmlns:xsd="http://www.w3.org/2001/XMLSchema" xmlns:xs="http://www.w3.org/2001/XMLSchema" xmlns:p="http://schemas.microsoft.com/office/2006/metadata/properties" xmlns:ns2="8accf49b-5917-40c4-beb3-28cc890efc32" targetNamespace="http://schemas.microsoft.com/office/2006/metadata/properties" ma:root="true" ma:fieldsID="6084333c95072d4d1435239dd1484cb9" ns2:_="">
     <xsd:import namespace="8accf49b-5917-40c4-beb3-28cc890efc32"/>
@@ -18205,15 +18603,6 @@
 </ct:contentTypeSchema>
 </file>
 
-<file path=customXml/item3.xml><?xml version="1.0" encoding="utf-8"?>
-<?mso-contentType ?>
-<FormTemplates xmlns="http://schemas.microsoft.com/sharepoint/v3/contenttype/forms">
-  <Display>DocumentLibraryForm</Display>
-  <Edit>DocumentLibraryForm</Edit>
-  <New>DocumentLibraryForm</New>
-</FormTemplates>
-</file>
-
 <file path=customXml/itemProps1.xml><?xml version="1.0" encoding="utf-8"?>
 <ds:datastoreItem xmlns:ds="http://schemas.openxmlformats.org/officeDocument/2006/customXml" ds:itemID="{622119FC-E218-46EB-8A0F-D69935C8F995}">
   <ds:schemaRefs>
@@ -18231,6 +18620,14 @@
 </file>
 
 <file path=customXml/itemProps2.xml><?xml version="1.0" encoding="utf-8"?>
+<ds:datastoreItem xmlns:ds="http://schemas.openxmlformats.org/officeDocument/2006/customXml" ds:itemID="{90CC0492-A604-4894-A72D-AC335F342AFD}">
+  <ds:schemaRefs>
+    <ds:schemaRef ds:uri="http://schemas.microsoft.com/sharepoint/v3/contenttype/forms"/>
+  </ds:schemaRefs>
+</ds:datastoreItem>
+</file>
+
+<file path=customXml/itemProps3.xml><?xml version="1.0" encoding="utf-8"?>
 <ds:datastoreItem xmlns:ds="http://schemas.openxmlformats.org/officeDocument/2006/customXml" ds:itemID="{681266F2-718F-4832-9B33-52318494A522}">
   <ds:schemaRefs>
     <ds:schemaRef ds:uri="http://schemas.microsoft.com/office/2006/metadata/contentType"/>
@@ -18246,12 +18643,4 @@
     <ds:schemaRef ds:uri="http://schemas.microsoft.com/internal/obd"/>
   </ds:schemaRefs>
 </ds:datastoreItem>
-</file>
-
-<file path=customXml/itemProps3.xml><?xml version="1.0" encoding="utf-8"?>
-<ds:datastoreItem xmlns:ds="http://schemas.openxmlformats.org/officeDocument/2006/customXml" ds:itemID="{90CC0492-A604-4894-A72D-AC335F342AFD}">
-  <ds:schemaRefs>
-    <ds:schemaRef ds:uri="http://schemas.microsoft.com/sharepoint/v3/contenttype/forms"/>
-  </ds:schemaRefs>
-</ds:datastoreItem>
 </file>
--- a/GEA3 Python.pptx
+++ b/GEA3 Python.pptx
@@ -7826,7 +7826,7 @@
             </a:pPr>
             <a:r>
               <a:rPr lang="es-MX" sz="2000" dirty="0"/>
-              <a:t>Por último también se tiene la función para validar la longitud del ERD, el cuál tiene la función de completar con ceros a la izquierda si la longitud del ERD es menor que cuatro y también de mandar un fallo si el tamaño del ERD es mayor que cuatro.</a:t>
+              <a:t>Por último, también se tiene la función para validar la longitud del ERD, la cuál tiene la función de completar con ceros a la izquierda si la longitud del ERD es menor que cuatro y también de mandar un fallo si el tamaño del ERD es mayor que cuatro.</a:t>
             </a:r>
           </a:p>
         </p:txBody>
